--- a/ВКР_5.pptx
+++ b/ВКР_5.pptx
@@ -7,7 +7,8 @@
   <p:sldIdLst>
     <p:sldId id="272" r:id="rId2"/>
     <p:sldId id="292" r:id="rId3"/>
-    <p:sldId id="293" r:id="rId4"/>
+    <p:sldId id="294" r:id="rId4"/>
+    <p:sldId id="293" r:id="rId5"/>
   </p:sldIdLst>
   <p:sldSz cx="12192000" cy="6858000"/>
   <p:notesSz cx="6858000" cy="9144000"/>
@@ -113,6 +114,7 @@
           <p14:sldIdLst>
             <p14:sldId id="272"/>
             <p14:sldId id="292"/>
+            <p14:sldId id="294"/>
             <p14:sldId id="293"/>
           </p14:sldIdLst>
         </p14:section>
@@ -5352,36 +5354,359 @@
           <a:chExt cx="0" cy="0"/>
         </a:xfrm>
       </p:grpSpPr>
-      <p:pic>
-        <p:nvPicPr>
-          <p:cNvPr id="12" name="Рисунок 11">
+      <p:sp>
+        <p:nvSpPr>
+          <p:cNvPr id="2" name="TextBox 1">
             <a:extLst>
               <a:ext uri="{FF2B5EF4-FFF2-40B4-BE49-F238E27FC236}">
-                <a16:creationId xmlns:a16="http://schemas.microsoft.com/office/drawing/2014/main" id="{3597ABC6-2825-4274-8466-58726E49340A}"/>
+                <a16:creationId xmlns:a16="http://schemas.microsoft.com/office/drawing/2014/main" id="{2AF6718E-0C6A-6080-9276-6E30576FC713}"/>
               </a:ext>
             </a:extLst>
           </p:cNvPr>
-          <p:cNvPicPr>
-            <a:picLocks noChangeAspect="1"/>
-          </p:cNvPicPr>
+          <p:cNvSpPr txBox="1"/>
           <p:nvPr/>
-        </p:nvPicPr>
-        <p:blipFill>
-          <a:blip r:embed="rId2"/>
-          <a:stretch>
-            <a:fillRect/>
-          </a:stretch>
-        </p:blipFill>
+        </p:nvSpPr>
         <p:spPr>
-          <a:xfrm>
-            <a:off x="1462638" y="380736"/>
-            <a:ext cx="9266723" cy="6096528"/>
+          <a:xfrm flipH="1">
+            <a:off x="1951672" y="323850"/>
+            <a:ext cx="8288656" cy="1200329"/>
           </a:xfrm>
           <a:prstGeom prst="rect">
             <a:avLst/>
           </a:prstGeom>
+          <a:noFill/>
         </p:spPr>
-      </p:pic>
+        <p:txBody>
+          <a:bodyPr wrap="square" rtlCol="0">
+            <a:spAutoFit/>
+          </a:bodyPr>
+          <a:lstStyle/>
+          <a:p>
+            <a:pPr algn="ctr"/>
+            <a:r>
+              <a:rPr lang="ru-RU" dirty="0">
+                <a:solidFill>
+                  <a:schemeClr val="bg1"/>
+                </a:solidFill>
+                <a:latin typeface="Times New Roman" panose="02020603050405020304" pitchFamily="18" charset="0"/>
+                <a:cs typeface="Times New Roman" panose="02020603050405020304" pitchFamily="18" charset="0"/>
+              </a:rPr>
+              <a:t>Федеральное государственное бюджетное образовательное учреждение высшего образования </a:t>
+            </a:r>
+            <a:r>
+              <a:rPr lang="en-US" b="0" i="0" dirty="0">
+                <a:solidFill>
+                  <a:schemeClr val="bg1"/>
+                </a:solidFill>
+                <a:effectLst/>
+                <a:latin typeface="Times New Roman" panose="02020603050405020304" pitchFamily="18" charset="0"/>
+                <a:cs typeface="Times New Roman" panose="02020603050405020304" pitchFamily="18" charset="0"/>
+              </a:rPr>
+              <a:t> «</a:t>
+            </a:r>
+            <a:r>
+              <a:rPr lang="ru-RU" b="0" i="0" dirty="0">
+                <a:solidFill>
+                  <a:schemeClr val="bg1"/>
+                </a:solidFill>
+                <a:effectLst/>
+                <a:latin typeface="Times New Roman" panose="02020603050405020304" pitchFamily="18" charset="0"/>
+                <a:cs typeface="Times New Roman" panose="02020603050405020304" pitchFamily="18" charset="0"/>
+              </a:rPr>
+              <a:t>Орловский государственный университет И.С. Тургенева</a:t>
+            </a:r>
+            <a:r>
+              <a:rPr lang="en-US" b="0" i="0" dirty="0">
+                <a:solidFill>
+                  <a:schemeClr val="bg1"/>
+                </a:solidFill>
+                <a:effectLst/>
+                <a:latin typeface="Times New Roman" panose="02020603050405020304" pitchFamily="18" charset="0"/>
+                <a:cs typeface="Times New Roman" panose="02020603050405020304" pitchFamily="18" charset="0"/>
+              </a:rPr>
+              <a:t>»</a:t>
+            </a:r>
+            <a:r>
+              <a:rPr lang="ru-RU" b="0" i="0" dirty="0">
+                <a:solidFill>
+                  <a:schemeClr val="bg1"/>
+                </a:solidFill>
+                <a:effectLst/>
+                <a:latin typeface="Times New Roman" panose="02020603050405020304" pitchFamily="18" charset="0"/>
+                <a:cs typeface="Times New Roman" panose="02020603050405020304" pitchFamily="18" charset="0"/>
+              </a:rPr>
+              <a:t> </a:t>
+            </a:r>
+          </a:p>
+          <a:p>
+            <a:pPr algn="ctr"/>
+            <a:r>
+              <a:rPr lang="ru-RU" b="0" i="0" dirty="0">
+                <a:solidFill>
+                  <a:schemeClr val="bg1"/>
+                </a:solidFill>
+                <a:effectLst/>
+                <a:latin typeface="Times New Roman" panose="02020603050405020304" pitchFamily="18" charset="0"/>
+                <a:cs typeface="Times New Roman" panose="02020603050405020304" pitchFamily="18" charset="0"/>
+              </a:rPr>
+              <a:t>Физико-математический факультет</a:t>
+            </a:r>
+          </a:p>
+          <a:p>
+            <a:pPr algn="ctr"/>
+            <a:r>
+              <a:rPr lang="ru-RU" dirty="0">
+                <a:solidFill>
+                  <a:schemeClr val="bg1"/>
+                </a:solidFill>
+                <a:latin typeface="Times New Roman" panose="02020603050405020304" pitchFamily="18" charset="0"/>
+                <a:cs typeface="Times New Roman" panose="02020603050405020304" pitchFamily="18" charset="0"/>
+              </a:rPr>
+              <a:t>Кафедра информатики</a:t>
+            </a:r>
+          </a:p>
+        </p:txBody>
+      </p:sp>
+      <p:sp>
+        <p:nvSpPr>
+          <p:cNvPr id="3" name="TextBox 2">
+            <a:extLst>
+              <a:ext uri="{FF2B5EF4-FFF2-40B4-BE49-F238E27FC236}">
+                <a16:creationId xmlns:a16="http://schemas.microsoft.com/office/drawing/2014/main" id="{05249DAC-51E6-AB9F-91E5-5DCDF5F1D302}"/>
+              </a:ext>
+            </a:extLst>
+          </p:cNvPr>
+          <p:cNvSpPr txBox="1"/>
+          <p:nvPr/>
+        </p:nvSpPr>
+        <p:spPr>
+          <a:xfrm>
+            <a:off x="2185986" y="2338637"/>
+            <a:ext cx="8448675" cy="873572"/>
+          </a:xfrm>
+          <a:prstGeom prst="rect">
+            <a:avLst/>
+          </a:prstGeom>
+          <a:noFill/>
+        </p:spPr>
+        <p:txBody>
+          <a:bodyPr wrap="square" rtlCol="0">
+            <a:spAutoFit/>
+          </a:bodyPr>
+          <a:lstStyle/>
+          <a:p>
+            <a:pPr algn="ctr">
+              <a:lnSpc>
+                <a:spcPct val="150000"/>
+              </a:lnSpc>
+            </a:pPr>
+            <a:r>
+              <a:rPr lang="ru-RU" sz="1800" dirty="0">
+                <a:solidFill>
+                  <a:srgbClr val="000000"/>
+                </a:solidFill>
+                <a:effectLst/>
+                <a:latin typeface="Times New Roman" panose="02020603050405020304" pitchFamily="18" charset="0"/>
+                <a:ea typeface="Times New Roman" panose="02020603050405020304" pitchFamily="18" charset="0"/>
+              </a:rPr>
+              <a:t>РАЗРАБОТКА МЕТОДОВ ОПТИМИЗАЦИИ ВЗАИМОДЕЙСТВИЯ ВЕБ-САЙТА С БАЗОЙ ДАННЫХ</a:t>
+            </a:r>
+            <a:endParaRPr lang="ru-RU" sz="1800" dirty="0">
+              <a:effectLst/>
+              <a:latin typeface="Times New Roman" panose="02020603050405020304" pitchFamily="18" charset="0"/>
+              <a:ea typeface="Times New Roman" panose="02020603050405020304" pitchFamily="18" charset="0"/>
+            </a:endParaRPr>
+          </a:p>
+        </p:txBody>
+      </p:sp>
+      <p:sp>
+        <p:nvSpPr>
+          <p:cNvPr id="4" name="TextBox 3">
+            <a:extLst>
+              <a:ext uri="{FF2B5EF4-FFF2-40B4-BE49-F238E27FC236}">
+                <a16:creationId xmlns:a16="http://schemas.microsoft.com/office/drawing/2014/main" id="{6A63FF3D-3A72-0471-95A2-BDC7BEBC8A19}"/>
+              </a:ext>
+            </a:extLst>
+          </p:cNvPr>
+          <p:cNvSpPr txBox="1"/>
+          <p:nvPr/>
+        </p:nvSpPr>
+        <p:spPr>
+          <a:xfrm>
+            <a:off x="1951672" y="4244646"/>
+            <a:ext cx="5850194" cy="1200329"/>
+          </a:xfrm>
+          <a:prstGeom prst="rect">
+            <a:avLst/>
+          </a:prstGeom>
+          <a:noFill/>
+        </p:spPr>
+        <p:txBody>
+          <a:bodyPr wrap="square" rtlCol="0">
+            <a:spAutoFit/>
+          </a:bodyPr>
+          <a:lstStyle/>
+          <a:p>
+            <a:r>
+              <a:rPr lang="ru-RU" dirty="0">
+                <a:solidFill>
+                  <a:schemeClr val="bg1"/>
+                </a:solidFill>
+                <a:latin typeface="Times New Roman" panose="02020603050405020304" pitchFamily="18" charset="0"/>
+                <a:cs typeface="Times New Roman" panose="02020603050405020304" pitchFamily="18" charset="0"/>
+              </a:rPr>
+              <a:t>Подготовил</a:t>
+            </a:r>
+            <a:r>
+              <a:rPr lang="en-US" dirty="0">
+                <a:solidFill>
+                  <a:schemeClr val="bg1"/>
+                </a:solidFill>
+                <a:latin typeface="Times New Roman" panose="02020603050405020304" pitchFamily="18" charset="0"/>
+                <a:cs typeface="Times New Roman" panose="02020603050405020304" pitchFamily="18" charset="0"/>
+              </a:rPr>
+              <a:t>: </a:t>
+            </a:r>
+            <a:r>
+              <a:rPr lang="ru-RU" dirty="0">
+                <a:solidFill>
+                  <a:schemeClr val="bg1"/>
+                </a:solidFill>
+                <a:latin typeface="Times New Roman" panose="02020603050405020304" pitchFamily="18" charset="0"/>
+                <a:cs typeface="Times New Roman" panose="02020603050405020304" pitchFamily="18" charset="0"/>
+              </a:rPr>
+              <a:t>Тютюнов Игорь Андреевич</a:t>
+            </a:r>
+          </a:p>
+          <a:p>
+            <a:r>
+              <a:rPr lang="ru-RU" dirty="0">
+                <a:solidFill>
+                  <a:schemeClr val="bg1"/>
+                </a:solidFill>
+                <a:latin typeface="Times New Roman" panose="02020603050405020304" pitchFamily="18" charset="0"/>
+                <a:cs typeface="Times New Roman" panose="02020603050405020304" pitchFamily="18" charset="0"/>
+              </a:rPr>
+              <a:t>Направление подготовки</a:t>
+            </a:r>
+            <a:r>
+              <a:rPr lang="en-US" dirty="0">
+                <a:solidFill>
+                  <a:schemeClr val="bg1"/>
+                </a:solidFill>
+                <a:latin typeface="Times New Roman" panose="02020603050405020304" pitchFamily="18" charset="0"/>
+                <a:cs typeface="Times New Roman" panose="02020603050405020304" pitchFamily="18" charset="0"/>
+              </a:rPr>
+              <a:t>: 01.04.02 </a:t>
+            </a:r>
+            <a:r>
+              <a:rPr lang="ru-RU" dirty="0">
+                <a:solidFill>
+                  <a:schemeClr val="bg1"/>
+                </a:solidFill>
+                <a:latin typeface="Times New Roman" panose="02020603050405020304" pitchFamily="18" charset="0"/>
+                <a:cs typeface="Times New Roman" panose="02020603050405020304" pitchFamily="18" charset="0"/>
+              </a:rPr>
+              <a:t>Прикладная математика и информатика</a:t>
+            </a:r>
+          </a:p>
+          <a:p>
+            <a:r>
+              <a:rPr lang="ru-RU" dirty="0">
+                <a:solidFill>
+                  <a:schemeClr val="bg1"/>
+                </a:solidFill>
+                <a:latin typeface="Times New Roman" panose="02020603050405020304" pitchFamily="18" charset="0"/>
+                <a:cs typeface="Times New Roman" panose="02020603050405020304" pitchFamily="18" charset="0"/>
+              </a:rPr>
+              <a:t>Руководитель</a:t>
+            </a:r>
+            <a:r>
+              <a:rPr lang="en-US" dirty="0">
+                <a:solidFill>
+                  <a:schemeClr val="bg1"/>
+                </a:solidFill>
+                <a:latin typeface="Times New Roman" panose="02020603050405020304" pitchFamily="18" charset="0"/>
+                <a:cs typeface="Times New Roman" panose="02020603050405020304" pitchFamily="18" charset="0"/>
+              </a:rPr>
+              <a:t>: </a:t>
+            </a:r>
+            <a:r>
+              <a:rPr lang="ru-RU" dirty="0">
+                <a:solidFill>
+                  <a:schemeClr val="bg1"/>
+                </a:solidFill>
+                <a:latin typeface="Times New Roman" panose="02020603050405020304" pitchFamily="18" charset="0"/>
+                <a:cs typeface="Times New Roman" panose="02020603050405020304" pitchFamily="18" charset="0"/>
+              </a:rPr>
+              <a:t>к.ф.-м.н., доцент Федяев Ю.С.</a:t>
+            </a:r>
+          </a:p>
+        </p:txBody>
+      </p:sp>
+      <p:sp>
+        <p:nvSpPr>
+          <p:cNvPr id="5" name="TextBox 4">
+            <a:extLst>
+              <a:ext uri="{FF2B5EF4-FFF2-40B4-BE49-F238E27FC236}">
+                <a16:creationId xmlns:a16="http://schemas.microsoft.com/office/drawing/2014/main" id="{986A1C20-A7E6-FC2B-C6A5-263BF4D89D52}"/>
+              </a:ext>
+            </a:extLst>
+          </p:cNvPr>
+          <p:cNvSpPr txBox="1"/>
+          <p:nvPr/>
+        </p:nvSpPr>
+        <p:spPr>
+          <a:xfrm>
+            <a:off x="5707626" y="5932676"/>
+            <a:ext cx="2192593" cy="369332"/>
+          </a:xfrm>
+          <a:prstGeom prst="rect">
+            <a:avLst/>
+          </a:prstGeom>
+          <a:noFill/>
+        </p:spPr>
+        <p:txBody>
+          <a:bodyPr wrap="square" rtlCol="0">
+            <a:spAutoFit/>
+          </a:bodyPr>
+          <a:lstStyle/>
+          <a:p>
+            <a:r>
+              <a:rPr lang="ru-RU" dirty="0">
+                <a:solidFill>
+                  <a:schemeClr val="bg1"/>
+                </a:solidFill>
+                <a:latin typeface="Times New Roman" panose="02020603050405020304" pitchFamily="18" charset="0"/>
+                <a:cs typeface="Times New Roman" panose="02020603050405020304" pitchFamily="18" charset="0"/>
+              </a:rPr>
+              <a:t>Орёл </a:t>
+            </a:r>
+            <a:r>
+              <a:rPr lang="ru-RU" sz="1800" dirty="0">
+                <a:solidFill>
+                  <a:schemeClr val="bg1"/>
+                </a:solidFill>
+                <a:effectLst/>
+                <a:latin typeface="Times New Roman" panose="02020603050405020304" pitchFamily="18" charset="0"/>
+                <a:ea typeface="Calibri" panose="020F0502020204030204" pitchFamily="34" charset="0"/>
+                <a:cs typeface="Times New Roman CYR" panose="02020603050405020304" pitchFamily="18" charset="0"/>
+              </a:rPr>
+              <a:t>— </a:t>
+            </a:r>
+            <a:r>
+              <a:rPr lang="ru-RU" dirty="0">
+                <a:solidFill>
+                  <a:schemeClr val="bg1"/>
+                </a:solidFill>
+                <a:latin typeface="Times New Roman" panose="02020603050405020304" pitchFamily="18" charset="0"/>
+                <a:cs typeface="Times New Roman" panose="02020603050405020304" pitchFamily="18" charset="0"/>
+              </a:rPr>
+              <a:t> 2022</a:t>
+            </a:r>
+          </a:p>
+        </p:txBody>
+      </p:sp>
     </p:spTree>
     <p:extLst>
       <p:ext uri="{BB962C8B-B14F-4D97-AF65-F5344CB8AC3E}">
@@ -5433,8 +5758,8 @@
         </p:nvSpPr>
         <p:spPr>
           <a:xfrm>
-            <a:off x="4431505" y="0"/>
-            <a:ext cx="4207527" cy="1507067"/>
+            <a:off x="1219200" y="0"/>
+            <a:ext cx="10086975" cy="1507067"/>
           </a:xfrm>
         </p:spPr>
         <p:txBody>
@@ -5443,36 +5768,33 @@
           </a:bodyPr>
           <a:lstStyle/>
           <a:p>
+            <a:pPr algn="ctr"/>
             <a:r>
               <a:rPr lang="ru-RU" dirty="0">
                 <a:latin typeface="Times New Roman" panose="02020603050405020304" pitchFamily="18" charset="0"/>
                 <a:cs typeface="Times New Roman" panose="02020603050405020304" pitchFamily="18" charset="0"/>
               </a:rPr>
-              <a:t>АКТУАЛЬНОСТЬ</a:t>
-            </a:r>
-            <a:br>
-              <a:rPr lang="ru-RU" dirty="0">
-                <a:latin typeface="Times New Roman" panose="02020603050405020304" pitchFamily="18" charset="0"/>
-                <a:cs typeface="Times New Roman" panose="02020603050405020304" pitchFamily="18" charset="0"/>
-              </a:rPr>
-            </a:br>
-            <a:endParaRPr lang="ru-RU" dirty="0">
-              <a:latin typeface="Times New Roman" panose="02020603050405020304" pitchFamily="18" charset="0"/>
-              <a:cs typeface="Times New Roman" panose="02020603050405020304" pitchFamily="18" charset="0"/>
-            </a:endParaRPr>
-          </a:p>
-        </p:txBody>
-      </p:sp>
-      <p:sp>
-        <p:nvSpPr>
-          <p:cNvPr id="4" name="TextBox 3"/>
+              <a:t>Общие сведения</a:t>
+            </a:r>
+          </a:p>
+        </p:txBody>
+      </p:sp>
+      <p:sp>
+        <p:nvSpPr>
+          <p:cNvPr id="3" name="TextBox 2">
+            <a:extLst>
+              <a:ext uri="{FF2B5EF4-FFF2-40B4-BE49-F238E27FC236}">
+                <a16:creationId xmlns:a16="http://schemas.microsoft.com/office/drawing/2014/main" id="{A51511C8-A2A3-E584-625E-0CB2A6580EE5}"/>
+              </a:ext>
+            </a:extLst>
+          </p:cNvPr>
           <p:cNvSpPr txBox="1"/>
           <p:nvPr/>
         </p:nvSpPr>
         <p:spPr>
           <a:xfrm>
-            <a:off x="343468" y="4035776"/>
-            <a:ext cx="11505064" cy="2308324"/>
+            <a:off x="676275" y="1409700"/>
+            <a:ext cx="10839450" cy="3366563"/>
           </a:xfrm>
           <a:prstGeom prst="rect">
             <a:avLst/>
@@ -5485,64 +5807,210 @@
           </a:bodyPr>
           <a:lstStyle/>
           <a:p>
-            <a:pPr algn="just"/>
-            <a:r>
-              <a:rPr lang="ru-RU" sz="2400" dirty="0">
+            <a:pPr>
+              <a:lnSpc>
+                <a:spcPct val="150000"/>
+              </a:lnSpc>
+            </a:pPr>
+            <a:r>
+              <a:rPr lang="ru-RU" dirty="0">
                 <a:latin typeface="Times New Roman" panose="02020603050405020304" pitchFamily="18" charset="0"/>
                 <a:cs typeface="Times New Roman" panose="02020603050405020304" pitchFamily="18" charset="0"/>
               </a:rPr>
-              <a:t>Мониторинг работы обучающихся за компьютерами и управление компьютерами в учебных заведениях позволяет контролировать действия учеников, что в свою очередь положительно сказывается на образовательном процессе. Ученики, зная, что их действия, совершаемые во время работы за компьютером, видит преподаватель, с меньшей вероятностью будут отвлекаться от образовательного процесса. </a:t>
-            </a:r>
-          </a:p>
-          <a:p>
-            <a:pPr algn="just"/>
-            <a:endParaRPr lang="ru-RU" sz="2400" dirty="0">
+              <a:t>Тема</a:t>
+            </a:r>
+            <a:r>
+              <a:rPr lang="en-US" dirty="0">
+                <a:latin typeface="Times New Roman" panose="02020603050405020304" pitchFamily="18" charset="0"/>
+                <a:cs typeface="Times New Roman" panose="02020603050405020304" pitchFamily="18" charset="0"/>
+              </a:rPr>
+              <a:t>: </a:t>
+            </a:r>
+            <a:r>
+              <a:rPr lang="ru-RU" sz="1800" dirty="0">
+                <a:latin typeface="Times New Roman" panose="02020603050405020304" pitchFamily="18" charset="0"/>
+                <a:cs typeface="Times New Roman" panose="02020603050405020304" pitchFamily="18" charset="0"/>
+              </a:rPr>
+              <a:t>«Р</a:t>
+            </a:r>
+            <a:r>
+              <a:rPr lang="ru-RU" dirty="0">
+                <a:latin typeface="Times New Roman" panose="02020603050405020304" pitchFamily="18" charset="0"/>
+                <a:cs typeface="Times New Roman" panose="02020603050405020304" pitchFamily="18" charset="0"/>
+              </a:rPr>
+              <a:t>азработка методов оптимизации взаимодействия веб-сайта с базой данных</a:t>
+            </a:r>
+            <a:r>
+              <a:rPr lang="ru-RU" sz="1800" dirty="0">
+                <a:latin typeface="Times New Roman" panose="02020603050405020304" pitchFamily="18" charset="0"/>
+                <a:cs typeface="Times New Roman" panose="02020603050405020304" pitchFamily="18" charset="0"/>
+              </a:rPr>
+              <a:t>».</a:t>
+            </a:r>
+            <a:endParaRPr lang="en-US" dirty="0">
+              <a:effectLst/>
               <a:latin typeface="Times New Roman" panose="02020603050405020304" pitchFamily="18" charset="0"/>
+              <a:ea typeface="Times New Roman" panose="02020603050405020304" pitchFamily="18" charset="0"/>
               <a:cs typeface="Times New Roman" panose="02020603050405020304" pitchFamily="18" charset="0"/>
             </a:endParaRPr>
           </a:p>
-        </p:txBody>
-      </p:sp>
-      <p:pic>
-        <p:nvPicPr>
-          <p:cNvPr id="6" name="Рисунок 5"/>
-          <p:cNvPicPr>
-            <a:picLocks noChangeAspect="1"/>
-          </p:cNvPicPr>
-          <p:nvPr/>
-        </p:nvPicPr>
-        <p:blipFill>
-          <a:blip r:embed="rId2">
-            <a:extLst>
-              <a:ext uri="{28A0092B-C50C-407E-A947-70E740481C1C}">
-                <a14:useLocalDpi xmlns:a14="http://schemas.microsoft.com/office/drawing/2010/main" val="0"/>
-              </a:ext>
-            </a:extLst>
-          </a:blip>
-          <a:stretch>
-            <a:fillRect/>
-          </a:stretch>
-        </p:blipFill>
-        <p:spPr>
-          <a:xfrm>
-            <a:off x="3982761" y="873523"/>
-            <a:ext cx="4656271" cy="2793763"/>
-          </a:xfrm>
-          <a:prstGeom prst="rect">
-            <a:avLst/>
-          </a:prstGeom>
-          <a:ln>
-            <a:noFill/>
-          </a:ln>
-          <a:effectLst>
-            <a:outerShdw blurRad="190500" algn="tl" rotWithShape="0">
-              <a:srgbClr val="000000">
-                <a:alpha val="70000"/>
-              </a:srgbClr>
-            </a:outerShdw>
-          </a:effectLst>
-        </p:spPr>
-      </p:pic>
+          <a:p>
+            <a:pPr>
+              <a:lnSpc>
+                <a:spcPct val="150000"/>
+              </a:lnSpc>
+            </a:pPr>
+            <a:r>
+              <a:rPr lang="ru-RU" dirty="0">
+                <a:effectLst/>
+                <a:latin typeface="Times New Roman" panose="02020603050405020304" pitchFamily="18" charset="0"/>
+                <a:ea typeface="Times New Roman" panose="02020603050405020304" pitchFamily="18" charset="0"/>
+                <a:cs typeface="Times New Roman" panose="02020603050405020304" pitchFamily="18" charset="0"/>
+              </a:rPr>
+              <a:t>Цель</a:t>
+            </a:r>
+            <a:r>
+              <a:rPr lang="en-US" dirty="0">
+                <a:effectLst/>
+                <a:latin typeface="Times New Roman" panose="02020603050405020304" pitchFamily="18" charset="0"/>
+                <a:ea typeface="Times New Roman" panose="02020603050405020304" pitchFamily="18" charset="0"/>
+                <a:cs typeface="Times New Roman" panose="02020603050405020304" pitchFamily="18" charset="0"/>
+              </a:rPr>
+              <a:t>: </a:t>
+            </a:r>
+            <a:r>
+              <a:rPr lang="ru-RU" dirty="0">
+                <a:effectLst/>
+                <a:latin typeface="Times New Roman" panose="02020603050405020304" pitchFamily="18" charset="0"/>
+                <a:ea typeface="Times New Roman" panose="02020603050405020304" pitchFamily="18" charset="0"/>
+                <a:cs typeface="Times New Roman" panose="02020603050405020304" pitchFamily="18" charset="0"/>
+              </a:rPr>
+              <a:t>разработать веб-библиотеку, которая предоставит оптимизированные инструменты для взаимодействия с базой данных.</a:t>
+            </a:r>
+            <a:endParaRPr lang="en-US" sz="1800" dirty="0">
+              <a:latin typeface="Times New Roman" panose="02020603050405020304" pitchFamily="18" charset="0"/>
+              <a:ea typeface="Times New Roman" panose="02020603050405020304" pitchFamily="18" charset="0"/>
+              <a:cs typeface="Times New Roman" panose="02020603050405020304" pitchFamily="18" charset="0"/>
+            </a:endParaRPr>
+          </a:p>
+          <a:p>
+            <a:pPr>
+              <a:lnSpc>
+                <a:spcPct val="150000"/>
+              </a:lnSpc>
+            </a:pPr>
+            <a:r>
+              <a:rPr lang="ru-RU" sz="1800" dirty="0">
+                <a:latin typeface="Times New Roman" panose="02020603050405020304" pitchFamily="18" charset="0"/>
+                <a:ea typeface="Times New Roman" panose="02020603050405020304" pitchFamily="18" charset="0"/>
+                <a:cs typeface="Times New Roman" panose="02020603050405020304" pitchFamily="18" charset="0"/>
+              </a:rPr>
+              <a:t>Задач</a:t>
+            </a:r>
+            <a:r>
+              <a:rPr lang="ru-RU" dirty="0">
+                <a:latin typeface="Times New Roman" panose="02020603050405020304" pitchFamily="18" charset="0"/>
+                <a:ea typeface="Times New Roman" panose="02020603050405020304" pitchFamily="18" charset="0"/>
+                <a:cs typeface="Times New Roman" panose="02020603050405020304" pitchFamily="18" charset="0"/>
+              </a:rPr>
+              <a:t>и</a:t>
+            </a:r>
+            <a:r>
+              <a:rPr lang="en-US" dirty="0">
+                <a:latin typeface="Times New Roman" panose="02020603050405020304" pitchFamily="18" charset="0"/>
+                <a:ea typeface="Times New Roman" panose="02020603050405020304" pitchFamily="18" charset="0"/>
+                <a:cs typeface="Times New Roman" panose="02020603050405020304" pitchFamily="18" charset="0"/>
+              </a:rPr>
+              <a:t>:</a:t>
+            </a:r>
+          </a:p>
+          <a:p>
+            <a:pPr marL="800100" lvl="1" indent="-342900">
+              <a:lnSpc>
+                <a:spcPct val="150000"/>
+              </a:lnSpc>
+              <a:buFont typeface="+mj-lt"/>
+              <a:buAutoNum type="arabicPeriod"/>
+            </a:pPr>
+            <a:r>
+              <a:rPr lang="ru-RU" kern="150" dirty="0">
+                <a:effectLst/>
+                <a:latin typeface="Times New Roman" panose="02020603050405020304" pitchFamily="18" charset="0"/>
+                <a:ea typeface="SimSun" panose="02010600030101010101" pitchFamily="2" charset="-122"/>
+                <a:cs typeface="Lohit Devanagari"/>
+              </a:rPr>
+              <a:t>Рассмотреть встроенные в современные СУБД инструменты оптимизации работы с базой данных;</a:t>
+            </a:r>
+            <a:endParaRPr lang="ru-RU" kern="150" dirty="0">
+              <a:effectLst/>
+              <a:latin typeface="Liberation Serif"/>
+              <a:ea typeface="SimSun" panose="02010600030101010101" pitchFamily="2" charset="-122"/>
+              <a:cs typeface="Lohit Devanagari"/>
+            </a:endParaRPr>
+          </a:p>
+          <a:p>
+            <a:pPr marL="800100" lvl="1" indent="-342900">
+              <a:lnSpc>
+                <a:spcPct val="150000"/>
+              </a:lnSpc>
+              <a:buFont typeface="+mj-lt"/>
+              <a:buAutoNum type="arabicPeriod"/>
+            </a:pPr>
+            <a:r>
+              <a:rPr lang="ru-RU" dirty="0">
+                <a:effectLst/>
+                <a:latin typeface="Times New Roman" panose="02020603050405020304" pitchFamily="18" charset="0"/>
+                <a:ea typeface="Calibri" panose="020F0502020204030204" pitchFamily="34" charset="0"/>
+              </a:rPr>
+              <a:t>Описать общие рекомендации по написанию эффективных </a:t>
+            </a:r>
+            <a:r>
+              <a:rPr lang="en-US" dirty="0">
+                <a:effectLst/>
+                <a:latin typeface="Times New Roman" panose="02020603050405020304" pitchFamily="18" charset="0"/>
+                <a:ea typeface="Calibri" panose="020F0502020204030204" pitchFamily="34" charset="0"/>
+              </a:rPr>
+              <a:t>SQL</a:t>
+            </a:r>
+            <a:r>
+              <a:rPr lang="ru-RU" dirty="0">
+                <a:effectLst/>
+                <a:latin typeface="Times New Roman" panose="02020603050405020304" pitchFamily="18" charset="0"/>
+                <a:ea typeface="Calibri" panose="020F0502020204030204" pitchFamily="34" charset="0"/>
+              </a:rPr>
+              <a:t> запросов;</a:t>
+            </a:r>
+            <a:endParaRPr lang="en-US" dirty="0">
+              <a:effectLst/>
+              <a:latin typeface="Times New Roman" panose="02020603050405020304" pitchFamily="18" charset="0"/>
+              <a:ea typeface="Calibri" panose="020F0502020204030204" pitchFamily="34" charset="0"/>
+              <a:cs typeface="Times New Roman" panose="02020603050405020304" pitchFamily="18" charset="0"/>
+            </a:endParaRPr>
+          </a:p>
+          <a:p>
+            <a:pPr marL="800100" lvl="1" indent="-342900">
+              <a:lnSpc>
+                <a:spcPct val="150000"/>
+              </a:lnSpc>
+              <a:buFont typeface="+mj-lt"/>
+              <a:buAutoNum type="arabicPeriod"/>
+            </a:pPr>
+            <a:r>
+              <a:rPr lang="ru-RU" dirty="0">
+                <a:latin typeface="Times New Roman" panose="02020603050405020304" pitchFamily="18" charset="0"/>
+                <a:ea typeface="Times New Roman" panose="02020603050405020304" pitchFamily="18" charset="0"/>
+                <a:cs typeface="Times New Roman" panose="02020603050405020304" pitchFamily="18" charset="0"/>
+              </a:rPr>
+              <a:t>Разработать веб-библиотеку, которая предоставит оптимизированные инструменты для взаимодействия с базой данных.</a:t>
+            </a:r>
+            <a:endParaRPr lang="en-US" dirty="0">
+              <a:latin typeface="Times New Roman" panose="02020603050405020304" pitchFamily="18" charset="0"/>
+              <a:ea typeface="Times New Roman" panose="02020603050405020304" pitchFamily="18" charset="0"/>
+              <a:cs typeface="Times New Roman" panose="02020603050405020304" pitchFamily="18" charset="0"/>
+            </a:endParaRPr>
+          </a:p>
+        </p:txBody>
+      </p:sp>
     </p:spTree>
     <p:extLst>
       <p:ext uri="{BB962C8B-B14F-4D97-AF65-F5344CB8AC3E}">
@@ -5562,31 +6030,6 @@
 <file path=ppt/slides/slide3.xml><?xml version="1.0" encoding="utf-8"?>
 <p:sld xmlns:a="http://schemas.openxmlformats.org/drawingml/2006/main" xmlns:r="http://schemas.openxmlformats.org/officeDocument/2006/relationships" xmlns:p="http://schemas.openxmlformats.org/presentationml/2006/main">
   <p:cSld>
-    <p:bg>
-      <p:bgPr>
-        <a:gradFill rotWithShape="1">
-          <a:gsLst>
-            <a:gs pos="84000">
-              <a:schemeClr val="bg2">
-                <a:tint val="97000"/>
-                <a:hueMod val="92000"/>
-                <a:satMod val="169000"/>
-                <a:lumMod val="164000"/>
-              </a:schemeClr>
-            </a:gs>
-            <a:gs pos="100000">
-              <a:schemeClr val="bg2">
-                <a:shade val="96000"/>
-                <a:satMod val="120000"/>
-                <a:lumMod val="90000"/>
-              </a:schemeClr>
-            </a:gs>
-          </a:gsLst>
-          <a:lin ang="6120000" scaled="1"/>
-        </a:gradFill>
-        <a:effectLst/>
-      </p:bgPr>
-    </p:bg>
     <p:spTree>
       <p:nvGrpSpPr>
         <p:cNvPr id="1" name=""/>
@@ -5601,40 +6044,573 @@
           <a:chExt cx="0" cy="0"/>
         </a:xfrm>
       </p:grpSpPr>
-      <p:pic>
-        <p:nvPicPr>
-          <p:cNvPr id="12" name="Рисунок 11">
+      <p:sp>
+        <p:nvSpPr>
+          <p:cNvPr id="2" name="Заголовок 1">
             <a:extLst>
               <a:ext uri="{FF2B5EF4-FFF2-40B4-BE49-F238E27FC236}">
-                <a16:creationId xmlns:a16="http://schemas.microsoft.com/office/drawing/2014/main" id="{3597ABC6-2825-4274-8466-58726E49340A}"/>
+                <a16:creationId xmlns:a16="http://schemas.microsoft.com/office/drawing/2014/main" id="{FDD4659B-97E7-41EB-B6EB-6FA3CF23E13E}"/>
               </a:ext>
             </a:extLst>
           </p:cNvPr>
-          <p:cNvPicPr>
-            <a:picLocks noChangeAspect="1"/>
-          </p:cNvPicPr>
-          <p:nvPr/>
-        </p:nvPicPr>
-        <p:blipFill>
-          <a:blip r:embed="rId2"/>
-          <a:stretch>
-            <a:fillRect/>
-          </a:stretch>
-        </p:blipFill>
+          <p:cNvSpPr>
+            <a:spLocks noGrp="1"/>
+          </p:cNvSpPr>
+          <p:nvPr>
+            <p:ph type="title"/>
+          </p:nvPr>
+        </p:nvSpPr>
         <p:spPr>
           <a:xfrm>
-            <a:off x="1462638" y="380736"/>
-            <a:ext cx="9266723" cy="6096528"/>
+            <a:off x="1219200" y="0"/>
+            <a:ext cx="10086975" cy="1507067"/>
+          </a:xfrm>
+        </p:spPr>
+        <p:txBody>
+          <a:bodyPr>
+            <a:normAutofit/>
+          </a:bodyPr>
+          <a:lstStyle/>
+          <a:p>
+            <a:pPr algn="ctr"/>
+            <a:r>
+              <a:rPr lang="ru-RU" dirty="0">
+                <a:latin typeface="Times New Roman" panose="02020603050405020304" pitchFamily="18" charset="0"/>
+                <a:cs typeface="Times New Roman" panose="02020603050405020304" pitchFamily="18" charset="0"/>
+              </a:rPr>
+              <a:t>Актуальность</a:t>
+            </a:r>
+          </a:p>
+        </p:txBody>
+      </p:sp>
+      <p:sp>
+        <p:nvSpPr>
+          <p:cNvPr id="4" name="TextBox 3">
+            <a:extLst>
+              <a:ext uri="{FF2B5EF4-FFF2-40B4-BE49-F238E27FC236}">
+                <a16:creationId xmlns:a16="http://schemas.microsoft.com/office/drawing/2014/main" id="{A5410EC5-1049-0D04-5FA9-B92E8C4609F9}"/>
+              </a:ext>
+            </a:extLst>
+          </p:cNvPr>
+          <p:cNvSpPr txBox="1"/>
+          <p:nvPr/>
+        </p:nvSpPr>
+        <p:spPr>
+          <a:xfrm>
+            <a:off x="752475" y="1507067"/>
+            <a:ext cx="10868025" cy="4247317"/>
           </a:xfrm>
           <a:prstGeom prst="rect">
             <a:avLst/>
           </a:prstGeom>
+          <a:noFill/>
         </p:spPr>
-      </p:pic>
+        <p:txBody>
+          <a:bodyPr wrap="square" rtlCol="0">
+            <a:spAutoFit/>
+          </a:bodyPr>
+          <a:lstStyle/>
+          <a:p>
+            <a:r>
+              <a:rPr lang="ru-RU" sz="1800" dirty="0">
+                <a:effectLst/>
+                <a:latin typeface="Times New Roman" panose="02020603050405020304" pitchFamily="18" charset="0"/>
+                <a:ea typeface="Calibri" panose="020F0502020204030204" pitchFamily="34" charset="0"/>
+                <a:cs typeface="Times New Roman CYR" panose="02020603050405020304" pitchFamily="18" charset="0"/>
+              </a:rPr>
+              <a:t>В современном мире трудно переоценить значимость баз данных. Базы данных прочно укрепили свои позиции повсеместно в промышленных, образовательных, здравоохранительных, правоохранительных и в других общественно важных структурах, а также в сферах бизнеса.</a:t>
+            </a:r>
+            <a:endParaRPr lang="ru-RU" sz="1800" dirty="0">
+              <a:effectLst/>
+              <a:latin typeface="Times New Roman" panose="02020603050405020304" pitchFamily="18" charset="0"/>
+              <a:ea typeface="Calibri" panose="020F0502020204030204" pitchFamily="34" charset="0"/>
+            </a:endParaRPr>
+          </a:p>
+          <a:p>
+            <a:endParaRPr lang="ru-RU" sz="1800" dirty="0">
+              <a:effectLst/>
+              <a:latin typeface="Times New Roman" panose="02020603050405020304" pitchFamily="18" charset="0"/>
+              <a:ea typeface="Calibri" panose="020F0502020204030204" pitchFamily="34" charset="0"/>
+              <a:cs typeface="Times New Roman CYR" panose="02020603050405020304" pitchFamily="18" charset="0"/>
+            </a:endParaRPr>
+          </a:p>
+          <a:p>
+            <a:r>
+              <a:rPr lang="ru-RU" sz="1800" dirty="0">
+                <a:effectLst/>
+                <a:latin typeface="Times New Roman" panose="02020603050405020304" pitchFamily="18" charset="0"/>
+                <a:ea typeface="Calibri" panose="020F0502020204030204" pitchFamily="34" charset="0"/>
+                <a:cs typeface="Times New Roman CYR" panose="02020603050405020304" pitchFamily="18" charset="0"/>
+              </a:rPr>
+              <a:t>Язык </a:t>
+            </a:r>
+            <a:r>
+              <a:rPr lang="en-US" sz="1800" dirty="0">
+                <a:effectLst/>
+                <a:latin typeface="Times New Roman" panose="02020603050405020304" pitchFamily="18" charset="0"/>
+                <a:ea typeface="Calibri" panose="020F0502020204030204" pitchFamily="34" charset="0"/>
+                <a:cs typeface="Times New Roman CYR" panose="02020603050405020304" pitchFamily="18" charset="0"/>
+              </a:rPr>
+              <a:t>SQL</a:t>
+            </a:r>
+            <a:r>
+              <a:rPr lang="ru-RU" sz="1800" dirty="0">
+                <a:effectLst/>
+                <a:latin typeface="Times New Roman" panose="02020603050405020304" pitchFamily="18" charset="0"/>
+                <a:ea typeface="Calibri" panose="020F0502020204030204" pitchFamily="34" charset="0"/>
+                <a:cs typeface="Times New Roman CYR" panose="02020603050405020304" pitchFamily="18" charset="0"/>
+              </a:rPr>
+              <a:t>, как основной инструмент работы с базами данных, играет первостепенную роль в вопросе разработки СУБД, а также администрирования баз данных. Так как базы данных во многих сферах могут достигать очень больших объемов, то естественно встает вопрос об эффективной, с точки зрения быстродействия, работы с этими данными.</a:t>
+            </a:r>
+            <a:endParaRPr lang="ru-RU" sz="1800" dirty="0">
+              <a:effectLst/>
+              <a:latin typeface="Times New Roman" panose="02020603050405020304" pitchFamily="18" charset="0"/>
+              <a:ea typeface="Calibri" panose="020F0502020204030204" pitchFamily="34" charset="0"/>
+            </a:endParaRPr>
+          </a:p>
+          <a:p>
+            <a:endParaRPr lang="ru-RU" dirty="0"/>
+          </a:p>
+          <a:p>
+            <a:r>
+              <a:rPr lang="ru-RU" sz="1800" dirty="0">
+                <a:effectLst/>
+                <a:latin typeface="Times New Roman" panose="02020603050405020304" pitchFamily="18" charset="0"/>
+                <a:ea typeface="Calibri" panose="020F0502020204030204" pitchFamily="34" charset="0"/>
+                <a:cs typeface="Times New Roman CYR" panose="02020603050405020304" pitchFamily="18" charset="0"/>
+              </a:rPr>
+              <a:t>К сожалению, многие разработчики не так часто задумываются о оптимизации </a:t>
+            </a:r>
+            <a:r>
+              <a:rPr lang="en-US" sz="1800" dirty="0">
+                <a:effectLst/>
+                <a:latin typeface="Times New Roman" panose="02020603050405020304" pitchFamily="18" charset="0"/>
+                <a:ea typeface="Calibri" panose="020F0502020204030204" pitchFamily="34" charset="0"/>
+                <a:cs typeface="Times New Roman CYR" panose="02020603050405020304" pitchFamily="18" charset="0"/>
+              </a:rPr>
+              <a:t>SQL</a:t>
+            </a:r>
+            <a:r>
+              <a:rPr lang="ru-RU" sz="1800" dirty="0">
+                <a:effectLst/>
+                <a:latin typeface="Times New Roman" panose="02020603050405020304" pitchFamily="18" charset="0"/>
+                <a:ea typeface="Calibri" panose="020F0502020204030204" pitchFamily="34" charset="0"/>
+                <a:cs typeface="Times New Roman CYR" panose="02020603050405020304" pitchFamily="18" charset="0"/>
+              </a:rPr>
+              <a:t>-запросов, напрасно полагая, что современное аппаратное обеспечение поможет компенсировать лишние затраты, возникающие при выполнении неэффективных </a:t>
+            </a:r>
+            <a:r>
+              <a:rPr lang="en-US" sz="1800" dirty="0">
+                <a:effectLst/>
+                <a:latin typeface="Times New Roman" panose="02020603050405020304" pitchFamily="18" charset="0"/>
+                <a:ea typeface="Calibri" panose="020F0502020204030204" pitchFamily="34" charset="0"/>
+                <a:cs typeface="Times New Roman CYR" panose="02020603050405020304" pitchFamily="18" charset="0"/>
+              </a:rPr>
+              <a:t>SQL</a:t>
+            </a:r>
+            <a:r>
+              <a:rPr lang="ru-RU" sz="1800" dirty="0">
+                <a:effectLst/>
+                <a:latin typeface="Times New Roman" panose="02020603050405020304" pitchFamily="18" charset="0"/>
+                <a:ea typeface="Calibri" panose="020F0502020204030204" pitchFamily="34" charset="0"/>
+                <a:cs typeface="Times New Roman CYR" panose="02020603050405020304" pitchFamily="18" charset="0"/>
+              </a:rPr>
+              <a:t>-запросов. Современные СУБД имеют встроенные средства оптимизации запросов, перед их непосредственным выполнением. Понимание принципов работы этих средств необходимо для написания эффективных запросов. Поэтому изучение данного вопроса является актуальным на сегодняшний момент.</a:t>
+            </a:r>
+            <a:endParaRPr lang="ru-RU" dirty="0"/>
+          </a:p>
+        </p:txBody>
+      </p:sp>
     </p:spTree>
     <p:extLst>
       <p:ext uri="{BB962C8B-B14F-4D97-AF65-F5344CB8AC3E}">
-        <p14:creationId xmlns:p14="http://schemas.microsoft.com/office/powerpoint/2010/main" val="1086722134"/>
+        <p14:creationId xmlns:p14="http://schemas.microsoft.com/office/powerpoint/2010/main" val="304926730"/>
+      </p:ext>
+    </p:extLst>
+  </p:cSld>
+  <p:clrMapOvr>
+    <a:masterClrMapping/>
+  </p:clrMapOvr>
+  <p:transition spd="slow">
+    <p:push dir="u"/>
+  </p:transition>
+</p:sld>
+</file>
+
+<file path=ppt/slides/slide4.xml><?xml version="1.0" encoding="utf-8"?>
+<p:sld xmlns:a="http://schemas.openxmlformats.org/drawingml/2006/main" xmlns:r="http://schemas.openxmlformats.org/officeDocument/2006/relationships" xmlns:p="http://schemas.openxmlformats.org/presentationml/2006/main">
+  <p:cSld>
+    <p:spTree>
+      <p:nvGrpSpPr>
+        <p:cNvPr id="1" name=""/>
+        <p:cNvGrpSpPr/>
+        <p:nvPr/>
+      </p:nvGrpSpPr>
+      <p:grpSpPr>
+        <a:xfrm>
+          <a:off x="0" y="0"/>
+          <a:ext cx="0" cy="0"/>
+          <a:chOff x="0" y="0"/>
+          <a:chExt cx="0" cy="0"/>
+        </a:xfrm>
+      </p:grpSpPr>
+      <p:sp>
+        <p:nvSpPr>
+          <p:cNvPr id="2" name="TextBox 1">
+            <a:extLst>
+              <a:ext uri="{FF2B5EF4-FFF2-40B4-BE49-F238E27FC236}">
+                <a16:creationId xmlns:a16="http://schemas.microsoft.com/office/drawing/2014/main" id="{2AF6718E-0C6A-6080-9276-6E30576FC713}"/>
+              </a:ext>
+            </a:extLst>
+          </p:cNvPr>
+          <p:cNvSpPr txBox="1"/>
+          <p:nvPr/>
+        </p:nvSpPr>
+        <p:spPr>
+          <a:xfrm flipH="1">
+            <a:off x="1951672" y="323850"/>
+            <a:ext cx="8288656" cy="1200329"/>
+          </a:xfrm>
+          <a:prstGeom prst="rect">
+            <a:avLst/>
+          </a:prstGeom>
+          <a:noFill/>
+        </p:spPr>
+        <p:txBody>
+          <a:bodyPr wrap="square" rtlCol="0">
+            <a:spAutoFit/>
+          </a:bodyPr>
+          <a:lstStyle/>
+          <a:p>
+            <a:pPr algn="ctr"/>
+            <a:r>
+              <a:rPr lang="ru-RU" dirty="0">
+                <a:solidFill>
+                  <a:schemeClr val="bg1"/>
+                </a:solidFill>
+                <a:latin typeface="Times New Roman" panose="02020603050405020304" pitchFamily="18" charset="0"/>
+                <a:cs typeface="Times New Roman" panose="02020603050405020304" pitchFamily="18" charset="0"/>
+              </a:rPr>
+              <a:t>Федеральное государственное бюджетное образовательное учреждение высшего образования </a:t>
+            </a:r>
+            <a:r>
+              <a:rPr lang="en-US" b="0" i="0" dirty="0">
+                <a:solidFill>
+                  <a:schemeClr val="bg1"/>
+                </a:solidFill>
+                <a:effectLst/>
+                <a:latin typeface="Times New Roman" panose="02020603050405020304" pitchFamily="18" charset="0"/>
+                <a:cs typeface="Times New Roman" panose="02020603050405020304" pitchFamily="18" charset="0"/>
+              </a:rPr>
+              <a:t> «</a:t>
+            </a:r>
+            <a:r>
+              <a:rPr lang="ru-RU" b="0" i="0" dirty="0">
+                <a:solidFill>
+                  <a:schemeClr val="bg1"/>
+                </a:solidFill>
+                <a:effectLst/>
+                <a:latin typeface="Times New Roman" panose="02020603050405020304" pitchFamily="18" charset="0"/>
+                <a:cs typeface="Times New Roman" panose="02020603050405020304" pitchFamily="18" charset="0"/>
+              </a:rPr>
+              <a:t>Орловский государственный университет И.С. Тургенева</a:t>
+            </a:r>
+            <a:r>
+              <a:rPr lang="en-US" b="0" i="0" dirty="0">
+                <a:solidFill>
+                  <a:schemeClr val="bg1"/>
+                </a:solidFill>
+                <a:effectLst/>
+                <a:latin typeface="Times New Roman" panose="02020603050405020304" pitchFamily="18" charset="0"/>
+                <a:cs typeface="Times New Roman" panose="02020603050405020304" pitchFamily="18" charset="0"/>
+              </a:rPr>
+              <a:t>»</a:t>
+            </a:r>
+            <a:r>
+              <a:rPr lang="ru-RU" b="0" i="0" dirty="0">
+                <a:solidFill>
+                  <a:schemeClr val="bg1"/>
+                </a:solidFill>
+                <a:effectLst/>
+                <a:latin typeface="Times New Roman" panose="02020603050405020304" pitchFamily="18" charset="0"/>
+                <a:cs typeface="Times New Roman" panose="02020603050405020304" pitchFamily="18" charset="0"/>
+              </a:rPr>
+              <a:t> </a:t>
+            </a:r>
+          </a:p>
+          <a:p>
+            <a:pPr algn="ctr"/>
+            <a:r>
+              <a:rPr lang="ru-RU" b="0" i="0" dirty="0">
+                <a:solidFill>
+                  <a:schemeClr val="bg1"/>
+                </a:solidFill>
+                <a:effectLst/>
+                <a:latin typeface="Times New Roman" panose="02020603050405020304" pitchFamily="18" charset="0"/>
+                <a:cs typeface="Times New Roman" panose="02020603050405020304" pitchFamily="18" charset="0"/>
+              </a:rPr>
+              <a:t>Физико-математический факультет</a:t>
+            </a:r>
+          </a:p>
+          <a:p>
+            <a:pPr algn="ctr"/>
+            <a:r>
+              <a:rPr lang="ru-RU" dirty="0">
+                <a:solidFill>
+                  <a:schemeClr val="bg1"/>
+                </a:solidFill>
+                <a:latin typeface="Times New Roman" panose="02020603050405020304" pitchFamily="18" charset="0"/>
+                <a:cs typeface="Times New Roman" panose="02020603050405020304" pitchFamily="18" charset="0"/>
+              </a:rPr>
+              <a:t>Кафедра информатики</a:t>
+            </a:r>
+          </a:p>
+        </p:txBody>
+      </p:sp>
+      <p:sp>
+        <p:nvSpPr>
+          <p:cNvPr id="3" name="TextBox 2">
+            <a:extLst>
+              <a:ext uri="{FF2B5EF4-FFF2-40B4-BE49-F238E27FC236}">
+                <a16:creationId xmlns:a16="http://schemas.microsoft.com/office/drawing/2014/main" id="{05249DAC-51E6-AB9F-91E5-5DCDF5F1D302}"/>
+              </a:ext>
+            </a:extLst>
+          </p:cNvPr>
+          <p:cNvSpPr txBox="1"/>
+          <p:nvPr/>
+        </p:nvSpPr>
+        <p:spPr>
+          <a:xfrm>
+            <a:off x="2185986" y="2338637"/>
+            <a:ext cx="8448675" cy="873572"/>
+          </a:xfrm>
+          <a:prstGeom prst="rect">
+            <a:avLst/>
+          </a:prstGeom>
+          <a:noFill/>
+        </p:spPr>
+        <p:txBody>
+          <a:bodyPr wrap="square" rtlCol="0">
+            <a:spAutoFit/>
+          </a:bodyPr>
+          <a:lstStyle/>
+          <a:p>
+            <a:pPr algn="ctr">
+              <a:lnSpc>
+                <a:spcPct val="150000"/>
+              </a:lnSpc>
+            </a:pPr>
+            <a:r>
+              <a:rPr lang="ru-RU" sz="1800" dirty="0">
+                <a:solidFill>
+                  <a:srgbClr val="000000"/>
+                </a:solidFill>
+                <a:effectLst/>
+                <a:latin typeface="Times New Roman" panose="02020603050405020304" pitchFamily="18" charset="0"/>
+                <a:ea typeface="Times New Roman" panose="02020603050405020304" pitchFamily="18" charset="0"/>
+              </a:rPr>
+              <a:t>РАЗРАБОТКА МЕТОДОВ ОПТИМИЗАЦИИ ВЗАИМОДЕЙСТВИЯ ВЕБ-САЙТА С БАЗОЙ ДАННЫХ</a:t>
+            </a:r>
+            <a:endParaRPr lang="ru-RU" sz="1800" dirty="0">
+              <a:effectLst/>
+              <a:latin typeface="Times New Roman" panose="02020603050405020304" pitchFamily="18" charset="0"/>
+              <a:ea typeface="Times New Roman" panose="02020603050405020304" pitchFamily="18" charset="0"/>
+            </a:endParaRPr>
+          </a:p>
+        </p:txBody>
+      </p:sp>
+      <p:sp>
+        <p:nvSpPr>
+          <p:cNvPr id="4" name="TextBox 3">
+            <a:extLst>
+              <a:ext uri="{FF2B5EF4-FFF2-40B4-BE49-F238E27FC236}">
+                <a16:creationId xmlns:a16="http://schemas.microsoft.com/office/drawing/2014/main" id="{6A63FF3D-3A72-0471-95A2-BDC7BEBC8A19}"/>
+              </a:ext>
+            </a:extLst>
+          </p:cNvPr>
+          <p:cNvSpPr txBox="1"/>
+          <p:nvPr/>
+        </p:nvSpPr>
+        <p:spPr>
+          <a:xfrm>
+            <a:off x="1951672" y="4244646"/>
+            <a:ext cx="5850194" cy="1200329"/>
+          </a:xfrm>
+          <a:prstGeom prst="rect">
+            <a:avLst/>
+          </a:prstGeom>
+          <a:noFill/>
+        </p:spPr>
+        <p:txBody>
+          <a:bodyPr wrap="square" rtlCol="0">
+            <a:spAutoFit/>
+          </a:bodyPr>
+          <a:lstStyle/>
+          <a:p>
+            <a:r>
+              <a:rPr lang="ru-RU" dirty="0">
+                <a:solidFill>
+                  <a:schemeClr val="bg1"/>
+                </a:solidFill>
+                <a:latin typeface="Times New Roman" panose="02020603050405020304" pitchFamily="18" charset="0"/>
+                <a:cs typeface="Times New Roman" panose="02020603050405020304" pitchFamily="18" charset="0"/>
+              </a:rPr>
+              <a:t>Подготовил</a:t>
+            </a:r>
+            <a:r>
+              <a:rPr lang="en-US" dirty="0">
+                <a:solidFill>
+                  <a:schemeClr val="bg1"/>
+                </a:solidFill>
+                <a:latin typeface="Times New Roman" panose="02020603050405020304" pitchFamily="18" charset="0"/>
+                <a:cs typeface="Times New Roman" panose="02020603050405020304" pitchFamily="18" charset="0"/>
+              </a:rPr>
+              <a:t>: </a:t>
+            </a:r>
+            <a:r>
+              <a:rPr lang="ru-RU" dirty="0">
+                <a:solidFill>
+                  <a:schemeClr val="bg1"/>
+                </a:solidFill>
+                <a:latin typeface="Times New Roman" panose="02020603050405020304" pitchFamily="18" charset="0"/>
+                <a:cs typeface="Times New Roman" panose="02020603050405020304" pitchFamily="18" charset="0"/>
+              </a:rPr>
+              <a:t>Тютюнов Игорь Андреевич</a:t>
+            </a:r>
+          </a:p>
+          <a:p>
+            <a:r>
+              <a:rPr lang="ru-RU" dirty="0">
+                <a:solidFill>
+                  <a:schemeClr val="bg1"/>
+                </a:solidFill>
+                <a:latin typeface="Times New Roman" panose="02020603050405020304" pitchFamily="18" charset="0"/>
+                <a:cs typeface="Times New Roman" panose="02020603050405020304" pitchFamily="18" charset="0"/>
+              </a:rPr>
+              <a:t>Направление подготовки</a:t>
+            </a:r>
+            <a:r>
+              <a:rPr lang="en-US" dirty="0">
+                <a:solidFill>
+                  <a:schemeClr val="bg1"/>
+                </a:solidFill>
+                <a:latin typeface="Times New Roman" panose="02020603050405020304" pitchFamily="18" charset="0"/>
+                <a:cs typeface="Times New Roman" panose="02020603050405020304" pitchFamily="18" charset="0"/>
+              </a:rPr>
+              <a:t>: 01.04.02 </a:t>
+            </a:r>
+            <a:r>
+              <a:rPr lang="ru-RU" dirty="0">
+                <a:solidFill>
+                  <a:schemeClr val="bg1"/>
+                </a:solidFill>
+                <a:latin typeface="Times New Roman" panose="02020603050405020304" pitchFamily="18" charset="0"/>
+                <a:cs typeface="Times New Roman" panose="02020603050405020304" pitchFamily="18" charset="0"/>
+              </a:rPr>
+              <a:t>Прикладная математика и информатика</a:t>
+            </a:r>
+          </a:p>
+          <a:p>
+            <a:r>
+              <a:rPr lang="ru-RU" dirty="0">
+                <a:solidFill>
+                  <a:schemeClr val="bg1"/>
+                </a:solidFill>
+                <a:latin typeface="Times New Roman" panose="02020603050405020304" pitchFamily="18" charset="0"/>
+                <a:cs typeface="Times New Roman" panose="02020603050405020304" pitchFamily="18" charset="0"/>
+              </a:rPr>
+              <a:t>Руководитель</a:t>
+            </a:r>
+            <a:r>
+              <a:rPr lang="en-US" dirty="0">
+                <a:solidFill>
+                  <a:schemeClr val="bg1"/>
+                </a:solidFill>
+                <a:latin typeface="Times New Roman" panose="02020603050405020304" pitchFamily="18" charset="0"/>
+                <a:cs typeface="Times New Roman" panose="02020603050405020304" pitchFamily="18" charset="0"/>
+              </a:rPr>
+              <a:t>: </a:t>
+            </a:r>
+            <a:r>
+              <a:rPr lang="ru-RU" dirty="0">
+                <a:solidFill>
+                  <a:schemeClr val="bg1"/>
+                </a:solidFill>
+                <a:latin typeface="Times New Roman" panose="02020603050405020304" pitchFamily="18" charset="0"/>
+                <a:cs typeface="Times New Roman" panose="02020603050405020304" pitchFamily="18" charset="0"/>
+              </a:rPr>
+              <a:t>к.ф.-м.н., доцент Федяев Ю.С.</a:t>
+            </a:r>
+          </a:p>
+        </p:txBody>
+      </p:sp>
+      <p:sp>
+        <p:nvSpPr>
+          <p:cNvPr id="5" name="TextBox 4">
+            <a:extLst>
+              <a:ext uri="{FF2B5EF4-FFF2-40B4-BE49-F238E27FC236}">
+                <a16:creationId xmlns:a16="http://schemas.microsoft.com/office/drawing/2014/main" id="{986A1C20-A7E6-FC2B-C6A5-263BF4D89D52}"/>
+              </a:ext>
+            </a:extLst>
+          </p:cNvPr>
+          <p:cNvSpPr txBox="1"/>
+          <p:nvPr/>
+        </p:nvSpPr>
+        <p:spPr>
+          <a:xfrm>
+            <a:off x="5707626" y="5932676"/>
+            <a:ext cx="2192593" cy="369332"/>
+          </a:xfrm>
+          <a:prstGeom prst="rect">
+            <a:avLst/>
+          </a:prstGeom>
+          <a:noFill/>
+        </p:spPr>
+        <p:txBody>
+          <a:bodyPr wrap="square" rtlCol="0">
+            <a:spAutoFit/>
+          </a:bodyPr>
+          <a:lstStyle/>
+          <a:p>
+            <a:r>
+              <a:rPr lang="ru-RU" dirty="0">
+                <a:solidFill>
+                  <a:schemeClr val="bg1"/>
+                </a:solidFill>
+                <a:latin typeface="Times New Roman" panose="02020603050405020304" pitchFamily="18" charset="0"/>
+                <a:cs typeface="Times New Roman" panose="02020603050405020304" pitchFamily="18" charset="0"/>
+              </a:rPr>
+              <a:t>Орёл </a:t>
+            </a:r>
+            <a:r>
+              <a:rPr lang="ru-RU" sz="1800" dirty="0">
+                <a:solidFill>
+                  <a:schemeClr val="bg1"/>
+                </a:solidFill>
+                <a:effectLst/>
+                <a:latin typeface="Times New Roman" panose="02020603050405020304" pitchFamily="18" charset="0"/>
+                <a:ea typeface="Calibri" panose="020F0502020204030204" pitchFamily="34" charset="0"/>
+                <a:cs typeface="Times New Roman CYR" panose="02020603050405020304" pitchFamily="18" charset="0"/>
+              </a:rPr>
+              <a:t>— </a:t>
+            </a:r>
+            <a:r>
+              <a:rPr lang="ru-RU" dirty="0">
+                <a:solidFill>
+                  <a:schemeClr val="bg1"/>
+                </a:solidFill>
+                <a:latin typeface="Times New Roman" panose="02020603050405020304" pitchFamily="18" charset="0"/>
+                <a:cs typeface="Times New Roman" panose="02020603050405020304" pitchFamily="18" charset="0"/>
+              </a:rPr>
+              <a:t> 2022</a:t>
+            </a:r>
+          </a:p>
+        </p:txBody>
+      </p:sp>
+    </p:spTree>
+    <p:extLst>
+      <p:ext uri="{BB962C8B-B14F-4D97-AF65-F5344CB8AC3E}">
+        <p14:creationId xmlns:p14="http://schemas.microsoft.com/office/powerpoint/2010/main" val="2457020096"/>
       </p:ext>
     </p:extLst>
   </p:cSld>

--- a/ВКР_5.pptx
+++ b/ВКР_5.pptx
@@ -8,7 +8,18 @@
     <p:sldId id="272" r:id="rId2"/>
     <p:sldId id="292" r:id="rId3"/>
     <p:sldId id="294" r:id="rId4"/>
-    <p:sldId id="293" r:id="rId5"/>
+    <p:sldId id="295" r:id="rId5"/>
+    <p:sldId id="296" r:id="rId6"/>
+    <p:sldId id="297" r:id="rId7"/>
+    <p:sldId id="298" r:id="rId8"/>
+    <p:sldId id="299" r:id="rId9"/>
+    <p:sldId id="300" r:id="rId10"/>
+    <p:sldId id="301" r:id="rId11"/>
+    <p:sldId id="302" r:id="rId12"/>
+    <p:sldId id="303" r:id="rId13"/>
+    <p:sldId id="304" r:id="rId14"/>
+    <p:sldId id="305" r:id="rId15"/>
+    <p:sldId id="293" r:id="rId16"/>
   </p:sldIdLst>
   <p:sldSz cx="12192000" cy="6858000"/>
   <p:notesSz cx="6858000" cy="9144000"/>
@@ -115,6 +126,17 @@
             <p14:sldId id="272"/>
             <p14:sldId id="292"/>
             <p14:sldId id="294"/>
+            <p14:sldId id="295"/>
+            <p14:sldId id="296"/>
+            <p14:sldId id="297"/>
+            <p14:sldId id="298"/>
+            <p14:sldId id="299"/>
+            <p14:sldId id="300"/>
+            <p14:sldId id="301"/>
+            <p14:sldId id="302"/>
+            <p14:sldId id="303"/>
+            <p14:sldId id="304"/>
+            <p14:sldId id="305"/>
             <p14:sldId id="293"/>
           </p14:sldIdLst>
         </p14:section>
@@ -5723,6 +5745,1051 @@
 </p:sld>
 </file>
 
+<file path=ppt/slides/slide10.xml><?xml version="1.0" encoding="utf-8"?>
+<p:sld xmlns:a="http://schemas.openxmlformats.org/drawingml/2006/main" xmlns:r="http://schemas.openxmlformats.org/officeDocument/2006/relationships" xmlns:p="http://schemas.openxmlformats.org/presentationml/2006/main">
+  <p:cSld>
+    <p:spTree>
+      <p:nvGrpSpPr>
+        <p:cNvPr id="1" name=""/>
+        <p:cNvGrpSpPr/>
+        <p:nvPr/>
+      </p:nvGrpSpPr>
+      <p:grpSpPr>
+        <a:xfrm>
+          <a:off x="0" y="0"/>
+          <a:ext cx="0" cy="0"/>
+          <a:chOff x="0" y="0"/>
+          <a:chExt cx="0" cy="0"/>
+        </a:xfrm>
+      </p:grpSpPr>
+      <p:sp>
+        <p:nvSpPr>
+          <p:cNvPr id="2" name="Заголовок 1">
+            <a:extLst>
+              <a:ext uri="{FF2B5EF4-FFF2-40B4-BE49-F238E27FC236}">
+                <a16:creationId xmlns:a16="http://schemas.microsoft.com/office/drawing/2014/main" id="{FDD4659B-97E7-41EB-B6EB-6FA3CF23E13E}"/>
+              </a:ext>
+            </a:extLst>
+          </p:cNvPr>
+          <p:cNvSpPr>
+            <a:spLocks noGrp="1"/>
+          </p:cNvSpPr>
+          <p:nvPr>
+            <p:ph type="title"/>
+          </p:nvPr>
+        </p:nvSpPr>
+        <p:spPr>
+          <a:xfrm>
+            <a:off x="1147762" y="333375"/>
+            <a:ext cx="10086975" cy="1507067"/>
+          </a:xfrm>
+        </p:spPr>
+        <p:txBody>
+          <a:bodyPr>
+            <a:normAutofit/>
+          </a:bodyPr>
+          <a:lstStyle/>
+          <a:p>
+            <a:pPr algn="ctr"/>
+            <a:r>
+              <a:rPr lang="ru-RU" sz="3200" dirty="0">
+                <a:latin typeface="Times New Roman" panose="02020603050405020304" pitchFamily="18" charset="0"/>
+                <a:cs typeface="Times New Roman" panose="02020603050405020304" pitchFamily="18" charset="0"/>
+              </a:rPr>
+              <a:t>Индексация таблиц базы данных</a:t>
+            </a:r>
+          </a:p>
+        </p:txBody>
+      </p:sp>
+      <p:sp>
+        <p:nvSpPr>
+          <p:cNvPr id="4" name="TextBox 3">
+            <a:extLst>
+              <a:ext uri="{FF2B5EF4-FFF2-40B4-BE49-F238E27FC236}">
+                <a16:creationId xmlns:a16="http://schemas.microsoft.com/office/drawing/2014/main" id="{8FCA7FB6-9E17-D96B-FBC6-6232F95D96A8}"/>
+              </a:ext>
+            </a:extLst>
+          </p:cNvPr>
+          <p:cNvSpPr txBox="1"/>
+          <p:nvPr/>
+        </p:nvSpPr>
+        <p:spPr>
+          <a:xfrm>
+            <a:off x="1428750" y="1666875"/>
+            <a:ext cx="8801100" cy="369332"/>
+          </a:xfrm>
+          <a:prstGeom prst="rect">
+            <a:avLst/>
+          </a:prstGeom>
+          <a:noFill/>
+        </p:spPr>
+        <p:txBody>
+          <a:bodyPr wrap="square" rtlCol="0">
+            <a:spAutoFit/>
+          </a:bodyPr>
+          <a:lstStyle/>
+          <a:p>
+            <a:r>
+              <a:rPr lang="ru-RU" dirty="0"/>
+              <a:t>Тут написать про то, что такое индексация. </a:t>
+            </a:r>
+          </a:p>
+        </p:txBody>
+      </p:sp>
+      <p:sp>
+        <p:nvSpPr>
+          <p:cNvPr id="5" name="TextBox 4">
+            <a:extLst>
+              <a:ext uri="{FF2B5EF4-FFF2-40B4-BE49-F238E27FC236}">
+                <a16:creationId xmlns:a16="http://schemas.microsoft.com/office/drawing/2014/main" id="{6B09C8F7-0949-0900-2BAF-AAA75D0E8C1F}"/>
+              </a:ext>
+            </a:extLst>
+          </p:cNvPr>
+          <p:cNvSpPr txBox="1"/>
+          <p:nvPr/>
+        </p:nvSpPr>
+        <p:spPr>
+          <a:xfrm>
+            <a:off x="3952875" y="4724400"/>
+            <a:ext cx="3810000" cy="369332"/>
+          </a:xfrm>
+          <a:prstGeom prst="rect">
+            <a:avLst/>
+          </a:prstGeom>
+          <a:noFill/>
+        </p:spPr>
+        <p:txBody>
+          <a:bodyPr wrap="square" rtlCol="0">
+            <a:spAutoFit/>
+          </a:bodyPr>
+          <a:lstStyle/>
+          <a:p>
+            <a:r>
+              <a:rPr lang="ru-RU" dirty="0"/>
+              <a:t>Рассказать, что это даёт</a:t>
+            </a:r>
+          </a:p>
+        </p:txBody>
+      </p:sp>
+    </p:spTree>
+    <p:extLst>
+      <p:ext uri="{BB962C8B-B14F-4D97-AF65-F5344CB8AC3E}">
+        <p14:creationId xmlns:p14="http://schemas.microsoft.com/office/powerpoint/2010/main" val="3168128233"/>
+      </p:ext>
+    </p:extLst>
+  </p:cSld>
+  <p:clrMapOvr>
+    <a:masterClrMapping/>
+  </p:clrMapOvr>
+  <p:transition spd="slow">
+    <p:push dir="u"/>
+  </p:transition>
+</p:sld>
+</file>
+
+<file path=ppt/slides/slide11.xml><?xml version="1.0" encoding="utf-8"?>
+<p:sld xmlns:a="http://schemas.openxmlformats.org/drawingml/2006/main" xmlns:r="http://schemas.openxmlformats.org/officeDocument/2006/relationships" xmlns:p="http://schemas.openxmlformats.org/presentationml/2006/main">
+  <p:cSld>
+    <p:spTree>
+      <p:nvGrpSpPr>
+        <p:cNvPr id="1" name=""/>
+        <p:cNvGrpSpPr/>
+        <p:nvPr/>
+      </p:nvGrpSpPr>
+      <p:grpSpPr>
+        <a:xfrm>
+          <a:off x="0" y="0"/>
+          <a:ext cx="0" cy="0"/>
+          <a:chOff x="0" y="0"/>
+          <a:chExt cx="0" cy="0"/>
+        </a:xfrm>
+      </p:grpSpPr>
+      <p:sp>
+        <p:nvSpPr>
+          <p:cNvPr id="2" name="Заголовок 1">
+            <a:extLst>
+              <a:ext uri="{FF2B5EF4-FFF2-40B4-BE49-F238E27FC236}">
+                <a16:creationId xmlns:a16="http://schemas.microsoft.com/office/drawing/2014/main" id="{FDD4659B-97E7-41EB-B6EB-6FA3CF23E13E}"/>
+              </a:ext>
+            </a:extLst>
+          </p:cNvPr>
+          <p:cNvSpPr>
+            <a:spLocks noGrp="1"/>
+          </p:cNvSpPr>
+          <p:nvPr>
+            <p:ph type="title"/>
+          </p:nvPr>
+        </p:nvSpPr>
+        <p:spPr>
+          <a:xfrm>
+            <a:off x="1147762" y="333375"/>
+            <a:ext cx="10086975" cy="1507067"/>
+          </a:xfrm>
+        </p:spPr>
+        <p:txBody>
+          <a:bodyPr>
+            <a:normAutofit/>
+          </a:bodyPr>
+          <a:lstStyle/>
+          <a:p>
+            <a:pPr algn="ctr"/>
+            <a:r>
+              <a:rPr lang="ru-RU" dirty="0">
+                <a:latin typeface="Times New Roman" panose="02020603050405020304" pitchFamily="18" charset="0"/>
+                <a:cs typeface="Times New Roman" panose="02020603050405020304" pitchFamily="18" charset="0"/>
+              </a:rPr>
+              <a:t>Кеширование результатов работы программных алгоритмов</a:t>
+            </a:r>
+          </a:p>
+        </p:txBody>
+      </p:sp>
+      <p:sp>
+        <p:nvSpPr>
+          <p:cNvPr id="4" name="TextBox 3">
+            <a:extLst>
+              <a:ext uri="{FF2B5EF4-FFF2-40B4-BE49-F238E27FC236}">
+                <a16:creationId xmlns:a16="http://schemas.microsoft.com/office/drawing/2014/main" id="{D109EECE-465C-CB73-1397-AB92583C92AB}"/>
+              </a:ext>
+            </a:extLst>
+          </p:cNvPr>
+          <p:cNvSpPr txBox="1"/>
+          <p:nvPr/>
+        </p:nvSpPr>
+        <p:spPr>
+          <a:xfrm>
+            <a:off x="742950" y="1971675"/>
+            <a:ext cx="11115675" cy="646331"/>
+          </a:xfrm>
+          <a:prstGeom prst="rect">
+            <a:avLst/>
+          </a:prstGeom>
+          <a:noFill/>
+        </p:spPr>
+        <p:txBody>
+          <a:bodyPr wrap="square" rtlCol="0">
+            <a:spAutoFit/>
+          </a:bodyPr>
+          <a:lstStyle/>
+          <a:p>
+            <a:r>
+              <a:rPr lang="ru-RU" dirty="0"/>
+              <a:t>Рассказать что такое кеширование. Рассказать какие инструменты использовались – будем использовать </a:t>
+            </a:r>
+            <a:r>
+              <a:rPr lang="en-US" dirty="0"/>
+              <a:t>Redis</a:t>
+            </a:r>
+            <a:endParaRPr lang="ru-RU" dirty="0"/>
+          </a:p>
+        </p:txBody>
+      </p:sp>
+    </p:spTree>
+    <p:extLst>
+      <p:ext uri="{BB962C8B-B14F-4D97-AF65-F5344CB8AC3E}">
+        <p14:creationId xmlns:p14="http://schemas.microsoft.com/office/powerpoint/2010/main" val="789952411"/>
+      </p:ext>
+    </p:extLst>
+  </p:cSld>
+  <p:clrMapOvr>
+    <a:masterClrMapping/>
+  </p:clrMapOvr>
+  <p:transition spd="slow">
+    <p:push dir="u"/>
+  </p:transition>
+</p:sld>
+</file>
+
+<file path=ppt/slides/slide12.xml><?xml version="1.0" encoding="utf-8"?>
+<p:sld xmlns:a="http://schemas.openxmlformats.org/drawingml/2006/main" xmlns:r="http://schemas.openxmlformats.org/officeDocument/2006/relationships" xmlns:p="http://schemas.openxmlformats.org/presentationml/2006/main">
+  <p:cSld>
+    <p:spTree>
+      <p:nvGrpSpPr>
+        <p:cNvPr id="1" name=""/>
+        <p:cNvGrpSpPr/>
+        <p:nvPr/>
+      </p:nvGrpSpPr>
+      <p:grpSpPr>
+        <a:xfrm>
+          <a:off x="0" y="0"/>
+          <a:ext cx="0" cy="0"/>
+          <a:chOff x="0" y="0"/>
+          <a:chExt cx="0" cy="0"/>
+        </a:xfrm>
+      </p:grpSpPr>
+      <p:sp>
+        <p:nvSpPr>
+          <p:cNvPr id="2" name="Заголовок 1">
+            <a:extLst>
+              <a:ext uri="{FF2B5EF4-FFF2-40B4-BE49-F238E27FC236}">
+                <a16:creationId xmlns:a16="http://schemas.microsoft.com/office/drawing/2014/main" id="{FDD4659B-97E7-41EB-B6EB-6FA3CF23E13E}"/>
+              </a:ext>
+            </a:extLst>
+          </p:cNvPr>
+          <p:cNvSpPr>
+            <a:spLocks noGrp="1"/>
+          </p:cNvSpPr>
+          <p:nvPr>
+            <p:ph type="title"/>
+          </p:nvPr>
+        </p:nvSpPr>
+        <p:spPr>
+          <a:xfrm>
+            <a:off x="1147762" y="304800"/>
+            <a:ext cx="10086975" cy="1507067"/>
+          </a:xfrm>
+        </p:spPr>
+        <p:txBody>
+          <a:bodyPr>
+            <a:normAutofit fontScale="90000"/>
+          </a:bodyPr>
+          <a:lstStyle/>
+          <a:p>
+            <a:pPr algn="ctr"/>
+            <a:r>
+              <a:rPr lang="ru-RU" dirty="0"/>
+              <a:t>Взаимодействие между компонентами информационной системы по протоколу </a:t>
+            </a:r>
+            <a:r>
+              <a:rPr lang="en-US" dirty="0"/>
+              <a:t>AMQP</a:t>
+            </a:r>
+            <a:endParaRPr lang="ru-RU" dirty="0">
+              <a:latin typeface="Times New Roman" panose="02020603050405020304" pitchFamily="18" charset="0"/>
+              <a:cs typeface="Times New Roman" panose="02020603050405020304" pitchFamily="18" charset="0"/>
+            </a:endParaRPr>
+          </a:p>
+        </p:txBody>
+      </p:sp>
+      <p:sp>
+        <p:nvSpPr>
+          <p:cNvPr id="4" name="TextBox 3">
+            <a:extLst>
+              <a:ext uri="{FF2B5EF4-FFF2-40B4-BE49-F238E27FC236}">
+                <a16:creationId xmlns:a16="http://schemas.microsoft.com/office/drawing/2014/main" id="{1BF290D8-08B8-8963-0CAE-1152CCED4A0A}"/>
+              </a:ext>
+            </a:extLst>
+          </p:cNvPr>
+          <p:cNvSpPr txBox="1"/>
+          <p:nvPr/>
+        </p:nvSpPr>
+        <p:spPr>
+          <a:xfrm>
+            <a:off x="1800225" y="2105025"/>
+            <a:ext cx="8353425" cy="923330"/>
+          </a:xfrm>
+          <a:prstGeom prst="rect">
+            <a:avLst/>
+          </a:prstGeom>
+          <a:noFill/>
+        </p:spPr>
+        <p:txBody>
+          <a:bodyPr wrap="square" rtlCol="0">
+            <a:spAutoFit/>
+          </a:bodyPr>
+          <a:lstStyle/>
+          <a:p>
+            <a:r>
+              <a:rPr lang="ru-RU" dirty="0"/>
+              <a:t>Рассказать про протокол </a:t>
+            </a:r>
+            <a:r>
+              <a:rPr lang="en-US" dirty="0"/>
+              <a:t>AMQP</a:t>
+            </a:r>
+            <a:r>
+              <a:rPr lang="ru-RU" dirty="0"/>
+              <a:t>. Суть обмена сообщениями и что это даёт и как можно регулировать нагрузку.</a:t>
+            </a:r>
+            <a:r>
+              <a:rPr lang="en-US" dirty="0"/>
+              <a:t> </a:t>
+            </a:r>
+            <a:r>
+              <a:rPr lang="ru-RU" dirty="0"/>
+              <a:t>Рассказать об используемых инструментах - </a:t>
+            </a:r>
+            <a:r>
+              <a:rPr lang="en-US" dirty="0" err="1"/>
+              <a:t>rabbitMQ</a:t>
+            </a:r>
+            <a:endParaRPr lang="ru-RU" dirty="0"/>
+          </a:p>
+        </p:txBody>
+      </p:sp>
+    </p:spTree>
+    <p:extLst>
+      <p:ext uri="{BB962C8B-B14F-4D97-AF65-F5344CB8AC3E}">
+        <p14:creationId xmlns:p14="http://schemas.microsoft.com/office/powerpoint/2010/main" val="4123049115"/>
+      </p:ext>
+    </p:extLst>
+  </p:cSld>
+  <p:clrMapOvr>
+    <a:masterClrMapping/>
+  </p:clrMapOvr>
+  <p:transition spd="slow">
+    <p:push dir="u"/>
+  </p:transition>
+</p:sld>
+</file>
+
+<file path=ppt/slides/slide13.xml><?xml version="1.0" encoding="utf-8"?>
+<p:sld xmlns:a="http://schemas.openxmlformats.org/drawingml/2006/main" xmlns:r="http://schemas.openxmlformats.org/officeDocument/2006/relationships" xmlns:p="http://schemas.openxmlformats.org/presentationml/2006/main">
+  <p:cSld>
+    <p:spTree>
+      <p:nvGrpSpPr>
+        <p:cNvPr id="1" name=""/>
+        <p:cNvGrpSpPr/>
+        <p:nvPr/>
+      </p:nvGrpSpPr>
+      <p:grpSpPr>
+        <a:xfrm>
+          <a:off x="0" y="0"/>
+          <a:ext cx="0" cy="0"/>
+          <a:chOff x="0" y="0"/>
+          <a:chExt cx="0" cy="0"/>
+        </a:xfrm>
+      </p:grpSpPr>
+      <p:sp>
+        <p:nvSpPr>
+          <p:cNvPr id="2" name="Заголовок 1">
+            <a:extLst>
+              <a:ext uri="{FF2B5EF4-FFF2-40B4-BE49-F238E27FC236}">
+                <a16:creationId xmlns:a16="http://schemas.microsoft.com/office/drawing/2014/main" id="{FDD4659B-97E7-41EB-B6EB-6FA3CF23E13E}"/>
+              </a:ext>
+            </a:extLst>
+          </p:cNvPr>
+          <p:cNvSpPr>
+            <a:spLocks noGrp="1"/>
+          </p:cNvSpPr>
+          <p:nvPr>
+            <p:ph type="title"/>
+          </p:nvPr>
+        </p:nvSpPr>
+        <p:spPr>
+          <a:xfrm>
+            <a:off x="1147762" y="304800"/>
+            <a:ext cx="10086975" cy="1507067"/>
+          </a:xfrm>
+        </p:spPr>
+        <p:txBody>
+          <a:bodyPr>
+            <a:normAutofit/>
+          </a:bodyPr>
+          <a:lstStyle/>
+          <a:p>
+            <a:pPr algn="ctr"/>
+            <a:r>
+              <a:rPr lang="ru-RU" dirty="0"/>
+              <a:t>Результаты использования разработанного инструмента</a:t>
+            </a:r>
+            <a:endParaRPr lang="ru-RU" dirty="0">
+              <a:latin typeface="Times New Roman" panose="02020603050405020304" pitchFamily="18" charset="0"/>
+              <a:cs typeface="Times New Roman" panose="02020603050405020304" pitchFamily="18" charset="0"/>
+            </a:endParaRPr>
+          </a:p>
+        </p:txBody>
+      </p:sp>
+      <p:sp>
+        <p:nvSpPr>
+          <p:cNvPr id="4" name="TextBox 3">
+            <a:extLst>
+              <a:ext uri="{FF2B5EF4-FFF2-40B4-BE49-F238E27FC236}">
+                <a16:creationId xmlns:a16="http://schemas.microsoft.com/office/drawing/2014/main" id="{1BF290D8-08B8-8963-0CAE-1152CCED4A0A}"/>
+              </a:ext>
+            </a:extLst>
+          </p:cNvPr>
+          <p:cNvSpPr txBox="1"/>
+          <p:nvPr/>
+        </p:nvSpPr>
+        <p:spPr>
+          <a:xfrm>
+            <a:off x="1800225" y="2105025"/>
+            <a:ext cx="8353425" cy="1754326"/>
+          </a:xfrm>
+          <a:prstGeom prst="rect">
+            <a:avLst/>
+          </a:prstGeom>
+          <a:noFill/>
+        </p:spPr>
+        <p:txBody>
+          <a:bodyPr wrap="square" rtlCol="0">
+            <a:spAutoFit/>
+          </a:bodyPr>
+          <a:lstStyle/>
+          <a:p>
+            <a:r>
+              <a:rPr lang="ru-RU" dirty="0"/>
+              <a:t>Данные взять со Сплава. Интересуют</a:t>
+            </a:r>
+            <a:r>
+              <a:rPr lang="en-US" dirty="0"/>
+              <a:t>:</a:t>
+            </a:r>
+          </a:p>
+          <a:p>
+            <a:pPr marL="342900" indent="-342900">
+              <a:buAutoNum type="arabicPeriod"/>
+            </a:pPr>
+            <a:r>
+              <a:rPr lang="ru-RU" dirty="0"/>
+              <a:t>Нагрузка на сеть</a:t>
+            </a:r>
+          </a:p>
+          <a:p>
+            <a:pPr marL="342900" indent="-342900">
+              <a:buAutoNum type="arabicPeriod"/>
+            </a:pPr>
+            <a:r>
+              <a:rPr lang="ru-RU" dirty="0" err="1"/>
+              <a:t>Нагрущка</a:t>
+            </a:r>
+            <a:r>
+              <a:rPr lang="ru-RU" dirty="0"/>
+              <a:t> на ЦП</a:t>
+            </a:r>
+            <a:r>
+              <a:rPr lang="en-US" dirty="0"/>
+              <a:t>;</a:t>
+            </a:r>
+          </a:p>
+          <a:p>
+            <a:pPr marL="342900" indent="-342900">
+              <a:buAutoNum type="arabicPeriod"/>
+            </a:pPr>
+            <a:r>
+              <a:rPr lang="ru-RU" dirty="0"/>
+              <a:t>Количество запросов на хитах</a:t>
+            </a:r>
+            <a:r>
+              <a:rPr lang="en-US" dirty="0"/>
+              <a:t>;</a:t>
+            </a:r>
+          </a:p>
+          <a:p>
+            <a:pPr marL="342900" indent="-342900">
+              <a:buAutoNum type="arabicPeriod"/>
+            </a:pPr>
+            <a:r>
+              <a:rPr lang="ru-RU" dirty="0"/>
+              <a:t>Время формирования страницы</a:t>
+            </a:r>
+            <a:br>
+              <a:rPr lang="en-US" dirty="0"/>
+            </a:br>
+            <a:endParaRPr lang="ru-RU" dirty="0"/>
+          </a:p>
+        </p:txBody>
+      </p:sp>
+    </p:spTree>
+    <p:extLst>
+      <p:ext uri="{BB962C8B-B14F-4D97-AF65-F5344CB8AC3E}">
+        <p14:creationId xmlns:p14="http://schemas.microsoft.com/office/powerpoint/2010/main" val="841017572"/>
+      </p:ext>
+    </p:extLst>
+  </p:cSld>
+  <p:clrMapOvr>
+    <a:masterClrMapping/>
+  </p:clrMapOvr>
+  <p:transition spd="slow">
+    <p:push dir="u"/>
+  </p:transition>
+</p:sld>
+</file>
+
+<file path=ppt/slides/slide14.xml><?xml version="1.0" encoding="utf-8"?>
+<p:sld xmlns:a="http://schemas.openxmlformats.org/drawingml/2006/main" xmlns:r="http://schemas.openxmlformats.org/officeDocument/2006/relationships" xmlns:p="http://schemas.openxmlformats.org/presentationml/2006/main">
+  <p:cSld>
+    <p:spTree>
+      <p:nvGrpSpPr>
+        <p:cNvPr id="1" name=""/>
+        <p:cNvGrpSpPr/>
+        <p:nvPr/>
+      </p:nvGrpSpPr>
+      <p:grpSpPr>
+        <a:xfrm>
+          <a:off x="0" y="0"/>
+          <a:ext cx="0" cy="0"/>
+          <a:chOff x="0" y="0"/>
+          <a:chExt cx="0" cy="0"/>
+        </a:xfrm>
+      </p:grpSpPr>
+      <p:sp>
+        <p:nvSpPr>
+          <p:cNvPr id="2" name="Заголовок 1">
+            <a:extLst>
+              <a:ext uri="{FF2B5EF4-FFF2-40B4-BE49-F238E27FC236}">
+                <a16:creationId xmlns:a16="http://schemas.microsoft.com/office/drawing/2014/main" id="{FDD4659B-97E7-41EB-B6EB-6FA3CF23E13E}"/>
+              </a:ext>
+            </a:extLst>
+          </p:cNvPr>
+          <p:cNvSpPr>
+            <a:spLocks noGrp="1"/>
+          </p:cNvSpPr>
+          <p:nvPr>
+            <p:ph type="title"/>
+          </p:nvPr>
+        </p:nvSpPr>
+        <p:spPr>
+          <a:xfrm>
+            <a:off x="1147762" y="304800"/>
+            <a:ext cx="10086975" cy="1507067"/>
+          </a:xfrm>
+        </p:spPr>
+        <p:txBody>
+          <a:bodyPr>
+            <a:normAutofit/>
+          </a:bodyPr>
+          <a:lstStyle/>
+          <a:p>
+            <a:pPr algn="ctr"/>
+            <a:r>
+              <a:rPr lang="ru-RU" dirty="0"/>
+              <a:t>Заключение</a:t>
+            </a:r>
+            <a:endParaRPr lang="ru-RU" dirty="0">
+              <a:latin typeface="Times New Roman" panose="02020603050405020304" pitchFamily="18" charset="0"/>
+              <a:cs typeface="Times New Roman" panose="02020603050405020304" pitchFamily="18" charset="0"/>
+            </a:endParaRPr>
+          </a:p>
+        </p:txBody>
+      </p:sp>
+      <p:sp>
+        <p:nvSpPr>
+          <p:cNvPr id="4" name="TextBox 3">
+            <a:extLst>
+              <a:ext uri="{FF2B5EF4-FFF2-40B4-BE49-F238E27FC236}">
+                <a16:creationId xmlns:a16="http://schemas.microsoft.com/office/drawing/2014/main" id="{1BF290D8-08B8-8963-0CAE-1152CCED4A0A}"/>
+              </a:ext>
+            </a:extLst>
+          </p:cNvPr>
+          <p:cNvSpPr txBox="1"/>
+          <p:nvPr/>
+        </p:nvSpPr>
+        <p:spPr>
+          <a:xfrm>
+            <a:off x="1800225" y="2105025"/>
+            <a:ext cx="8353425" cy="369332"/>
+          </a:xfrm>
+          <a:prstGeom prst="rect">
+            <a:avLst/>
+          </a:prstGeom>
+          <a:noFill/>
+        </p:spPr>
+        <p:txBody>
+          <a:bodyPr wrap="square" rtlCol="0">
+            <a:spAutoFit/>
+          </a:bodyPr>
+          <a:lstStyle/>
+          <a:p>
+            <a:r>
+              <a:rPr lang="ru-RU" dirty="0"/>
+              <a:t>Рассказать о том, какие цели были достигнуты</a:t>
+            </a:r>
+          </a:p>
+        </p:txBody>
+      </p:sp>
+    </p:spTree>
+    <p:extLst>
+      <p:ext uri="{BB962C8B-B14F-4D97-AF65-F5344CB8AC3E}">
+        <p14:creationId xmlns:p14="http://schemas.microsoft.com/office/powerpoint/2010/main" val="3940639199"/>
+      </p:ext>
+    </p:extLst>
+  </p:cSld>
+  <p:clrMapOvr>
+    <a:masterClrMapping/>
+  </p:clrMapOvr>
+  <p:transition spd="slow">
+    <p:push dir="u"/>
+  </p:transition>
+</p:sld>
+</file>
+
+<file path=ppt/slides/slide15.xml><?xml version="1.0" encoding="utf-8"?>
+<p:sld xmlns:a="http://schemas.openxmlformats.org/drawingml/2006/main" xmlns:r="http://schemas.openxmlformats.org/officeDocument/2006/relationships" xmlns:p="http://schemas.openxmlformats.org/presentationml/2006/main">
+  <p:cSld>
+    <p:spTree>
+      <p:nvGrpSpPr>
+        <p:cNvPr id="1" name=""/>
+        <p:cNvGrpSpPr/>
+        <p:nvPr/>
+      </p:nvGrpSpPr>
+      <p:grpSpPr>
+        <a:xfrm>
+          <a:off x="0" y="0"/>
+          <a:ext cx="0" cy="0"/>
+          <a:chOff x="0" y="0"/>
+          <a:chExt cx="0" cy="0"/>
+        </a:xfrm>
+      </p:grpSpPr>
+      <p:sp>
+        <p:nvSpPr>
+          <p:cNvPr id="2" name="TextBox 1">
+            <a:extLst>
+              <a:ext uri="{FF2B5EF4-FFF2-40B4-BE49-F238E27FC236}">
+                <a16:creationId xmlns:a16="http://schemas.microsoft.com/office/drawing/2014/main" id="{2AF6718E-0C6A-6080-9276-6E30576FC713}"/>
+              </a:ext>
+            </a:extLst>
+          </p:cNvPr>
+          <p:cNvSpPr txBox="1"/>
+          <p:nvPr/>
+        </p:nvSpPr>
+        <p:spPr>
+          <a:xfrm flipH="1">
+            <a:off x="1951672" y="323850"/>
+            <a:ext cx="8288656" cy="1200329"/>
+          </a:xfrm>
+          <a:prstGeom prst="rect">
+            <a:avLst/>
+          </a:prstGeom>
+          <a:noFill/>
+        </p:spPr>
+        <p:txBody>
+          <a:bodyPr wrap="square" rtlCol="0">
+            <a:spAutoFit/>
+          </a:bodyPr>
+          <a:lstStyle/>
+          <a:p>
+            <a:pPr algn="ctr"/>
+            <a:r>
+              <a:rPr lang="ru-RU" dirty="0">
+                <a:solidFill>
+                  <a:schemeClr val="bg1"/>
+                </a:solidFill>
+                <a:latin typeface="Times New Roman" panose="02020603050405020304" pitchFamily="18" charset="0"/>
+                <a:cs typeface="Times New Roman" panose="02020603050405020304" pitchFamily="18" charset="0"/>
+              </a:rPr>
+              <a:t>Федеральное государственное бюджетное образовательное учреждение высшего образования </a:t>
+            </a:r>
+            <a:r>
+              <a:rPr lang="en-US" b="0" i="0" dirty="0">
+                <a:solidFill>
+                  <a:schemeClr val="bg1"/>
+                </a:solidFill>
+                <a:effectLst/>
+                <a:latin typeface="Times New Roman" panose="02020603050405020304" pitchFamily="18" charset="0"/>
+                <a:cs typeface="Times New Roman" panose="02020603050405020304" pitchFamily="18" charset="0"/>
+              </a:rPr>
+              <a:t> «</a:t>
+            </a:r>
+            <a:r>
+              <a:rPr lang="ru-RU" b="0" i="0" dirty="0">
+                <a:solidFill>
+                  <a:schemeClr val="bg1"/>
+                </a:solidFill>
+                <a:effectLst/>
+                <a:latin typeface="Times New Roman" panose="02020603050405020304" pitchFamily="18" charset="0"/>
+                <a:cs typeface="Times New Roman" panose="02020603050405020304" pitchFamily="18" charset="0"/>
+              </a:rPr>
+              <a:t>Орловский государственный университет И.С. Тургенева</a:t>
+            </a:r>
+            <a:r>
+              <a:rPr lang="en-US" b="0" i="0" dirty="0">
+                <a:solidFill>
+                  <a:schemeClr val="bg1"/>
+                </a:solidFill>
+                <a:effectLst/>
+                <a:latin typeface="Times New Roman" panose="02020603050405020304" pitchFamily="18" charset="0"/>
+                <a:cs typeface="Times New Roman" panose="02020603050405020304" pitchFamily="18" charset="0"/>
+              </a:rPr>
+              <a:t>»</a:t>
+            </a:r>
+            <a:r>
+              <a:rPr lang="ru-RU" b="0" i="0" dirty="0">
+                <a:solidFill>
+                  <a:schemeClr val="bg1"/>
+                </a:solidFill>
+                <a:effectLst/>
+                <a:latin typeface="Times New Roman" panose="02020603050405020304" pitchFamily="18" charset="0"/>
+                <a:cs typeface="Times New Roman" panose="02020603050405020304" pitchFamily="18" charset="0"/>
+              </a:rPr>
+              <a:t> </a:t>
+            </a:r>
+          </a:p>
+          <a:p>
+            <a:pPr algn="ctr"/>
+            <a:r>
+              <a:rPr lang="ru-RU" b="0" i="0" dirty="0">
+                <a:solidFill>
+                  <a:schemeClr val="bg1"/>
+                </a:solidFill>
+                <a:effectLst/>
+                <a:latin typeface="Times New Roman" panose="02020603050405020304" pitchFamily="18" charset="0"/>
+                <a:cs typeface="Times New Roman" panose="02020603050405020304" pitchFamily="18" charset="0"/>
+              </a:rPr>
+              <a:t>Физико-математический факультет</a:t>
+            </a:r>
+          </a:p>
+          <a:p>
+            <a:pPr algn="ctr"/>
+            <a:r>
+              <a:rPr lang="ru-RU" dirty="0">
+                <a:solidFill>
+                  <a:schemeClr val="bg1"/>
+                </a:solidFill>
+                <a:latin typeface="Times New Roman" panose="02020603050405020304" pitchFamily="18" charset="0"/>
+                <a:cs typeface="Times New Roman" panose="02020603050405020304" pitchFamily="18" charset="0"/>
+              </a:rPr>
+              <a:t>Кафедра информатики</a:t>
+            </a:r>
+          </a:p>
+        </p:txBody>
+      </p:sp>
+      <p:sp>
+        <p:nvSpPr>
+          <p:cNvPr id="3" name="TextBox 2">
+            <a:extLst>
+              <a:ext uri="{FF2B5EF4-FFF2-40B4-BE49-F238E27FC236}">
+                <a16:creationId xmlns:a16="http://schemas.microsoft.com/office/drawing/2014/main" id="{05249DAC-51E6-AB9F-91E5-5DCDF5F1D302}"/>
+              </a:ext>
+            </a:extLst>
+          </p:cNvPr>
+          <p:cNvSpPr txBox="1"/>
+          <p:nvPr/>
+        </p:nvSpPr>
+        <p:spPr>
+          <a:xfrm>
+            <a:off x="2185986" y="2338637"/>
+            <a:ext cx="8448675" cy="873572"/>
+          </a:xfrm>
+          <a:prstGeom prst="rect">
+            <a:avLst/>
+          </a:prstGeom>
+          <a:noFill/>
+        </p:spPr>
+        <p:txBody>
+          <a:bodyPr wrap="square" rtlCol="0">
+            <a:spAutoFit/>
+          </a:bodyPr>
+          <a:lstStyle/>
+          <a:p>
+            <a:pPr algn="ctr">
+              <a:lnSpc>
+                <a:spcPct val="150000"/>
+              </a:lnSpc>
+            </a:pPr>
+            <a:r>
+              <a:rPr lang="ru-RU" sz="1800" dirty="0">
+                <a:solidFill>
+                  <a:srgbClr val="000000"/>
+                </a:solidFill>
+                <a:effectLst/>
+                <a:latin typeface="Times New Roman" panose="02020603050405020304" pitchFamily="18" charset="0"/>
+                <a:ea typeface="Times New Roman" panose="02020603050405020304" pitchFamily="18" charset="0"/>
+              </a:rPr>
+              <a:t>РАЗРАБОТКА МЕТОДОВ ОПТИМИЗАЦИИ ВЗАИМОДЕЙСТВИЯ ВЕБ-САЙТА С БАЗОЙ ДАННЫХ</a:t>
+            </a:r>
+            <a:endParaRPr lang="ru-RU" sz="1800" dirty="0">
+              <a:effectLst/>
+              <a:latin typeface="Times New Roman" panose="02020603050405020304" pitchFamily="18" charset="0"/>
+              <a:ea typeface="Times New Roman" panose="02020603050405020304" pitchFamily="18" charset="0"/>
+            </a:endParaRPr>
+          </a:p>
+        </p:txBody>
+      </p:sp>
+      <p:sp>
+        <p:nvSpPr>
+          <p:cNvPr id="4" name="TextBox 3">
+            <a:extLst>
+              <a:ext uri="{FF2B5EF4-FFF2-40B4-BE49-F238E27FC236}">
+                <a16:creationId xmlns:a16="http://schemas.microsoft.com/office/drawing/2014/main" id="{6A63FF3D-3A72-0471-95A2-BDC7BEBC8A19}"/>
+              </a:ext>
+            </a:extLst>
+          </p:cNvPr>
+          <p:cNvSpPr txBox="1"/>
+          <p:nvPr/>
+        </p:nvSpPr>
+        <p:spPr>
+          <a:xfrm>
+            <a:off x="1951672" y="4244646"/>
+            <a:ext cx="5850194" cy="1200329"/>
+          </a:xfrm>
+          <a:prstGeom prst="rect">
+            <a:avLst/>
+          </a:prstGeom>
+          <a:noFill/>
+        </p:spPr>
+        <p:txBody>
+          <a:bodyPr wrap="square" rtlCol="0">
+            <a:spAutoFit/>
+          </a:bodyPr>
+          <a:lstStyle/>
+          <a:p>
+            <a:r>
+              <a:rPr lang="ru-RU" dirty="0">
+                <a:solidFill>
+                  <a:schemeClr val="bg1"/>
+                </a:solidFill>
+                <a:latin typeface="Times New Roman" panose="02020603050405020304" pitchFamily="18" charset="0"/>
+                <a:cs typeface="Times New Roman" panose="02020603050405020304" pitchFamily="18" charset="0"/>
+              </a:rPr>
+              <a:t>Подготовил</a:t>
+            </a:r>
+            <a:r>
+              <a:rPr lang="en-US" dirty="0">
+                <a:solidFill>
+                  <a:schemeClr val="bg1"/>
+                </a:solidFill>
+                <a:latin typeface="Times New Roman" panose="02020603050405020304" pitchFamily="18" charset="0"/>
+                <a:cs typeface="Times New Roman" panose="02020603050405020304" pitchFamily="18" charset="0"/>
+              </a:rPr>
+              <a:t>: </a:t>
+            </a:r>
+            <a:r>
+              <a:rPr lang="ru-RU" dirty="0">
+                <a:solidFill>
+                  <a:schemeClr val="bg1"/>
+                </a:solidFill>
+                <a:latin typeface="Times New Roman" panose="02020603050405020304" pitchFamily="18" charset="0"/>
+                <a:cs typeface="Times New Roman" panose="02020603050405020304" pitchFamily="18" charset="0"/>
+              </a:rPr>
+              <a:t>Тютюнов Игорь Андреевич</a:t>
+            </a:r>
+          </a:p>
+          <a:p>
+            <a:r>
+              <a:rPr lang="ru-RU" dirty="0">
+                <a:solidFill>
+                  <a:schemeClr val="bg1"/>
+                </a:solidFill>
+                <a:latin typeface="Times New Roman" panose="02020603050405020304" pitchFamily="18" charset="0"/>
+                <a:cs typeface="Times New Roman" panose="02020603050405020304" pitchFamily="18" charset="0"/>
+              </a:rPr>
+              <a:t>Направление подготовки</a:t>
+            </a:r>
+            <a:r>
+              <a:rPr lang="en-US" dirty="0">
+                <a:solidFill>
+                  <a:schemeClr val="bg1"/>
+                </a:solidFill>
+                <a:latin typeface="Times New Roman" panose="02020603050405020304" pitchFamily="18" charset="0"/>
+                <a:cs typeface="Times New Roman" panose="02020603050405020304" pitchFamily="18" charset="0"/>
+              </a:rPr>
+              <a:t>: 01.04.02 </a:t>
+            </a:r>
+            <a:r>
+              <a:rPr lang="ru-RU" dirty="0">
+                <a:solidFill>
+                  <a:schemeClr val="bg1"/>
+                </a:solidFill>
+                <a:latin typeface="Times New Roman" panose="02020603050405020304" pitchFamily="18" charset="0"/>
+                <a:cs typeface="Times New Roman" panose="02020603050405020304" pitchFamily="18" charset="0"/>
+              </a:rPr>
+              <a:t>Прикладная математика и информатика</a:t>
+            </a:r>
+          </a:p>
+          <a:p>
+            <a:r>
+              <a:rPr lang="ru-RU" dirty="0">
+                <a:solidFill>
+                  <a:schemeClr val="bg1"/>
+                </a:solidFill>
+                <a:latin typeface="Times New Roman" panose="02020603050405020304" pitchFamily="18" charset="0"/>
+                <a:cs typeface="Times New Roman" panose="02020603050405020304" pitchFamily="18" charset="0"/>
+              </a:rPr>
+              <a:t>Руководитель</a:t>
+            </a:r>
+            <a:r>
+              <a:rPr lang="en-US" dirty="0">
+                <a:solidFill>
+                  <a:schemeClr val="bg1"/>
+                </a:solidFill>
+                <a:latin typeface="Times New Roman" panose="02020603050405020304" pitchFamily="18" charset="0"/>
+                <a:cs typeface="Times New Roman" panose="02020603050405020304" pitchFamily="18" charset="0"/>
+              </a:rPr>
+              <a:t>: </a:t>
+            </a:r>
+            <a:r>
+              <a:rPr lang="ru-RU" dirty="0">
+                <a:solidFill>
+                  <a:schemeClr val="bg1"/>
+                </a:solidFill>
+                <a:latin typeface="Times New Roman" panose="02020603050405020304" pitchFamily="18" charset="0"/>
+                <a:cs typeface="Times New Roman" panose="02020603050405020304" pitchFamily="18" charset="0"/>
+              </a:rPr>
+              <a:t>к.ф.-м.н., доцент Федяев Ю.С.</a:t>
+            </a:r>
+          </a:p>
+        </p:txBody>
+      </p:sp>
+      <p:sp>
+        <p:nvSpPr>
+          <p:cNvPr id="5" name="TextBox 4">
+            <a:extLst>
+              <a:ext uri="{FF2B5EF4-FFF2-40B4-BE49-F238E27FC236}">
+                <a16:creationId xmlns:a16="http://schemas.microsoft.com/office/drawing/2014/main" id="{986A1C20-A7E6-FC2B-C6A5-263BF4D89D52}"/>
+              </a:ext>
+            </a:extLst>
+          </p:cNvPr>
+          <p:cNvSpPr txBox="1"/>
+          <p:nvPr/>
+        </p:nvSpPr>
+        <p:spPr>
+          <a:xfrm>
+            <a:off x="5707626" y="5932676"/>
+            <a:ext cx="2192593" cy="369332"/>
+          </a:xfrm>
+          <a:prstGeom prst="rect">
+            <a:avLst/>
+          </a:prstGeom>
+          <a:noFill/>
+        </p:spPr>
+        <p:txBody>
+          <a:bodyPr wrap="square" rtlCol="0">
+            <a:spAutoFit/>
+          </a:bodyPr>
+          <a:lstStyle/>
+          <a:p>
+            <a:r>
+              <a:rPr lang="ru-RU" dirty="0">
+                <a:solidFill>
+                  <a:schemeClr val="bg1"/>
+                </a:solidFill>
+                <a:latin typeface="Times New Roman" panose="02020603050405020304" pitchFamily="18" charset="0"/>
+                <a:cs typeface="Times New Roman" panose="02020603050405020304" pitchFamily="18" charset="0"/>
+              </a:rPr>
+              <a:t>Орёл </a:t>
+            </a:r>
+            <a:r>
+              <a:rPr lang="ru-RU" sz="1800" dirty="0">
+                <a:solidFill>
+                  <a:schemeClr val="bg1"/>
+                </a:solidFill>
+                <a:effectLst/>
+                <a:latin typeface="Times New Roman" panose="02020603050405020304" pitchFamily="18" charset="0"/>
+                <a:ea typeface="Calibri" panose="020F0502020204030204" pitchFamily="34" charset="0"/>
+                <a:cs typeface="Times New Roman CYR" panose="02020603050405020304" pitchFamily="18" charset="0"/>
+              </a:rPr>
+              <a:t>— </a:t>
+            </a:r>
+            <a:r>
+              <a:rPr lang="ru-RU" dirty="0">
+                <a:solidFill>
+                  <a:schemeClr val="bg1"/>
+                </a:solidFill>
+                <a:latin typeface="Times New Roman" panose="02020603050405020304" pitchFamily="18" charset="0"/>
+                <a:cs typeface="Times New Roman" panose="02020603050405020304" pitchFamily="18" charset="0"/>
+              </a:rPr>
+              <a:t> 2022</a:t>
+            </a:r>
+          </a:p>
+        </p:txBody>
+      </p:sp>
+    </p:spTree>
+    <p:extLst>
+      <p:ext uri="{BB962C8B-B14F-4D97-AF65-F5344CB8AC3E}">
+        <p14:creationId xmlns:p14="http://schemas.microsoft.com/office/powerpoint/2010/main" val="2457020096"/>
+      </p:ext>
+    </p:extLst>
+  </p:cSld>
+  <p:clrMapOvr>
+    <a:masterClrMapping/>
+  </p:clrMapOvr>
+  <p:transition spd="slow">
+    <p:push dir="u"/>
+  </p:transition>
+</p:sld>
+</file>
+
 <file path=ppt/slides/slide2.xml><?xml version="1.0" encoding="utf-8"?>
 <p:sld xmlns:a="http://schemas.openxmlformats.org/drawingml/2006/main" xmlns:r="http://schemas.openxmlformats.org/officeDocument/2006/relationships" xmlns:p="http://schemas.openxmlformats.org/presentationml/2006/main">
   <p:cSld>
@@ -6256,10 +7323,69 @@
       </p:grpSpPr>
       <p:sp>
         <p:nvSpPr>
-          <p:cNvPr id="2" name="TextBox 1">
+          <p:cNvPr id="2" name="Заголовок 1">
             <a:extLst>
               <a:ext uri="{FF2B5EF4-FFF2-40B4-BE49-F238E27FC236}">
-                <a16:creationId xmlns:a16="http://schemas.microsoft.com/office/drawing/2014/main" id="{2AF6718E-0C6A-6080-9276-6E30576FC713}"/>
+                <a16:creationId xmlns:a16="http://schemas.microsoft.com/office/drawing/2014/main" id="{FDD4659B-97E7-41EB-B6EB-6FA3CF23E13E}"/>
+              </a:ext>
+            </a:extLst>
+          </p:cNvPr>
+          <p:cNvSpPr>
+            <a:spLocks noGrp="1"/>
+          </p:cNvSpPr>
+          <p:nvPr>
+            <p:ph type="title"/>
+          </p:nvPr>
+        </p:nvSpPr>
+        <p:spPr>
+          <a:xfrm>
+            <a:off x="1219200" y="0"/>
+            <a:ext cx="10086975" cy="1507067"/>
+          </a:xfrm>
+        </p:spPr>
+        <p:txBody>
+          <a:bodyPr>
+            <a:normAutofit/>
+          </a:bodyPr>
+          <a:lstStyle/>
+          <a:p>
+            <a:pPr algn="ctr"/>
+            <a:r>
+              <a:rPr lang="ru-RU" sz="1800" dirty="0">
+                <a:effectLst/>
+                <a:latin typeface="Times New Roman" panose="02020603050405020304" pitchFamily="18" charset="0"/>
+                <a:ea typeface="Calibri" panose="020F0502020204030204" pitchFamily="34" charset="0"/>
+              </a:rPr>
+              <a:t>встроенные в современные СУБД </a:t>
+            </a:r>
+            <a:br>
+              <a:rPr lang="ru-RU" sz="1800" dirty="0">
+                <a:effectLst/>
+                <a:latin typeface="Times New Roman" panose="02020603050405020304" pitchFamily="18" charset="0"/>
+                <a:ea typeface="Calibri" panose="020F0502020204030204" pitchFamily="34" charset="0"/>
+              </a:rPr>
+            </a:br>
+            <a:r>
+              <a:rPr lang="ru-RU" sz="1800" dirty="0">
+                <a:effectLst/>
+                <a:latin typeface="Times New Roman" panose="02020603050405020304" pitchFamily="18" charset="0"/>
+                <a:ea typeface="Calibri" panose="020F0502020204030204" pitchFamily="34" charset="0"/>
+              </a:rPr>
+              <a:t>инструменты оптимизации работы с базой данных</a:t>
+            </a:r>
+            <a:endParaRPr lang="ru-RU" dirty="0">
+              <a:latin typeface="Times New Roman" panose="02020603050405020304" pitchFamily="18" charset="0"/>
+              <a:cs typeface="Times New Roman" panose="02020603050405020304" pitchFamily="18" charset="0"/>
+            </a:endParaRPr>
+          </a:p>
+        </p:txBody>
+      </p:sp>
+      <p:sp>
+        <p:nvSpPr>
+          <p:cNvPr id="3" name="TextBox 2">
+            <a:extLst>
+              <a:ext uri="{FF2B5EF4-FFF2-40B4-BE49-F238E27FC236}">
+                <a16:creationId xmlns:a16="http://schemas.microsoft.com/office/drawing/2014/main" id="{FBBFC2F1-4EE3-31CB-1DE6-0B8527FB89E6}"/>
               </a:ext>
             </a:extLst>
           </p:cNvPr>
@@ -6267,9 +7393,9 @@
           <p:nvPr/>
         </p:nvSpPr>
         <p:spPr>
-          <a:xfrm flipH="1">
-            <a:off x="1951672" y="323850"/>
-            <a:ext cx="8288656" cy="1200329"/>
+          <a:xfrm>
+            <a:off x="4152899" y="2332762"/>
+            <a:ext cx="4219575" cy="1754326"/>
           </a:xfrm>
           <a:prstGeom prst="rect">
             <a:avLst/>
@@ -6282,88 +7408,384 @@
           </a:bodyPr>
           <a:lstStyle/>
           <a:p>
-            <a:pPr algn="ctr"/>
-            <a:r>
-              <a:rPr lang="ru-RU" dirty="0">
-                <a:solidFill>
-                  <a:schemeClr val="bg1"/>
-                </a:solidFill>
+            <a:pPr marL="342900" indent="-342900">
+              <a:buFont typeface="+mj-lt"/>
+              <a:buAutoNum type="arabicPeriod"/>
+            </a:pPr>
+            <a:r>
+              <a:rPr lang="en-US" sz="3600" dirty="0">
+                <a:effectLst/>
+                <a:latin typeface="Times New Roman" panose="02020603050405020304" pitchFamily="18" charset="0"/>
+                <a:ea typeface="Times New Roman" panose="02020603050405020304" pitchFamily="18" charset="0"/>
+                <a:cs typeface="Times New Roman" panose="02020603050405020304" pitchFamily="18" charset="0"/>
+              </a:rPr>
+              <a:t> </a:t>
+            </a:r>
+            <a:r>
+              <a:rPr lang="ru-RU" sz="3600" dirty="0">
+                <a:effectLst/>
+                <a:latin typeface="Times New Roman" panose="02020603050405020304" pitchFamily="18" charset="0"/>
+                <a:ea typeface="Times New Roman" panose="02020603050405020304" pitchFamily="18" charset="0"/>
+                <a:cs typeface="Times New Roman" panose="02020603050405020304" pitchFamily="18" charset="0"/>
+              </a:rPr>
+              <a:t>Кластеризация</a:t>
+            </a:r>
+          </a:p>
+          <a:p>
+            <a:pPr marL="342900" indent="-342900">
+              <a:buFont typeface="+mj-lt"/>
+              <a:buAutoNum type="arabicPeriod"/>
+            </a:pPr>
+            <a:r>
+              <a:rPr lang="en-US" sz="3600" dirty="0">
+                <a:effectLst/>
+                <a:latin typeface="Times New Roman" panose="02020603050405020304" pitchFamily="18" charset="0"/>
+                <a:ea typeface="Times New Roman" panose="02020603050405020304" pitchFamily="18" charset="0"/>
+                <a:cs typeface="Times New Roman" panose="02020603050405020304" pitchFamily="18" charset="0"/>
+              </a:rPr>
+              <a:t> </a:t>
+            </a:r>
+            <a:r>
+              <a:rPr lang="ru-RU" sz="3600" dirty="0">
+                <a:effectLst/>
+                <a:latin typeface="Times New Roman" panose="02020603050405020304" pitchFamily="18" charset="0"/>
+                <a:ea typeface="Times New Roman" panose="02020603050405020304" pitchFamily="18" charset="0"/>
+                <a:cs typeface="Times New Roman" panose="02020603050405020304" pitchFamily="18" charset="0"/>
+              </a:rPr>
+              <a:t>Индексирование</a:t>
+            </a:r>
+            <a:endParaRPr lang="ru-RU" sz="3600" dirty="0">
+              <a:latin typeface="Times New Roman" panose="02020603050405020304" pitchFamily="18" charset="0"/>
+              <a:cs typeface="Times New Roman" panose="02020603050405020304" pitchFamily="18" charset="0"/>
+            </a:endParaRPr>
+          </a:p>
+          <a:p>
+            <a:pPr marL="342900" indent="-342900">
+              <a:buFont typeface="+mj-lt"/>
+              <a:buAutoNum type="arabicPeriod"/>
+            </a:pPr>
+            <a:r>
+              <a:rPr lang="en-US" sz="3600" dirty="0">
                 <a:latin typeface="Times New Roman" panose="02020603050405020304" pitchFamily="18" charset="0"/>
                 <a:cs typeface="Times New Roman" panose="02020603050405020304" pitchFamily="18" charset="0"/>
               </a:rPr>
-              <a:t>Федеральное государственное бюджетное образовательное учреждение высшего образования </a:t>
-            </a:r>
-            <a:r>
-              <a:rPr lang="en-US" b="0" i="0" dirty="0">
-                <a:solidFill>
-                  <a:schemeClr val="bg1"/>
-                </a:solidFill>
+              <a:t> </a:t>
+            </a:r>
+            <a:r>
+              <a:rPr lang="ru-RU" sz="3600" dirty="0">
+                <a:latin typeface="Times New Roman" panose="02020603050405020304" pitchFamily="18" charset="0"/>
+                <a:cs typeface="Times New Roman" panose="02020603050405020304" pitchFamily="18" charset="0"/>
+              </a:rPr>
+              <a:t>Кеширование</a:t>
+            </a:r>
+          </a:p>
+        </p:txBody>
+      </p:sp>
+    </p:spTree>
+    <p:extLst>
+      <p:ext uri="{BB962C8B-B14F-4D97-AF65-F5344CB8AC3E}">
+        <p14:creationId xmlns:p14="http://schemas.microsoft.com/office/powerpoint/2010/main" val="2118586840"/>
+      </p:ext>
+    </p:extLst>
+  </p:cSld>
+  <p:clrMapOvr>
+    <a:masterClrMapping/>
+  </p:clrMapOvr>
+  <p:transition spd="slow">
+    <p:push dir="u"/>
+  </p:transition>
+</p:sld>
+</file>
+
+<file path=ppt/slides/slide5.xml><?xml version="1.0" encoding="utf-8"?>
+<p:sld xmlns:a="http://schemas.openxmlformats.org/drawingml/2006/main" xmlns:r="http://schemas.openxmlformats.org/officeDocument/2006/relationships" xmlns:p="http://schemas.openxmlformats.org/presentationml/2006/main">
+  <p:cSld>
+    <p:spTree>
+      <p:nvGrpSpPr>
+        <p:cNvPr id="1" name=""/>
+        <p:cNvGrpSpPr/>
+        <p:nvPr/>
+      </p:nvGrpSpPr>
+      <p:grpSpPr>
+        <a:xfrm>
+          <a:off x="0" y="0"/>
+          <a:ext cx="0" cy="0"/>
+          <a:chOff x="0" y="0"/>
+          <a:chExt cx="0" cy="0"/>
+        </a:xfrm>
+      </p:grpSpPr>
+      <p:sp>
+        <p:nvSpPr>
+          <p:cNvPr id="2" name="Заголовок 1">
+            <a:extLst>
+              <a:ext uri="{FF2B5EF4-FFF2-40B4-BE49-F238E27FC236}">
+                <a16:creationId xmlns:a16="http://schemas.microsoft.com/office/drawing/2014/main" id="{FDD4659B-97E7-41EB-B6EB-6FA3CF23E13E}"/>
+              </a:ext>
+            </a:extLst>
+          </p:cNvPr>
+          <p:cNvSpPr>
+            <a:spLocks noGrp="1"/>
+          </p:cNvSpPr>
+          <p:nvPr>
+            <p:ph type="title"/>
+          </p:nvPr>
+        </p:nvSpPr>
+        <p:spPr>
+          <a:xfrm>
+            <a:off x="1219200" y="0"/>
+            <a:ext cx="10086975" cy="1507067"/>
+          </a:xfrm>
+        </p:spPr>
+        <p:txBody>
+          <a:bodyPr>
+            <a:normAutofit/>
+          </a:bodyPr>
+          <a:lstStyle/>
+          <a:p>
+            <a:pPr algn="ctr"/>
+            <a:r>
+              <a:rPr lang="ru-RU" sz="1800" dirty="0">
                 <a:effectLst/>
                 <a:latin typeface="Times New Roman" panose="02020603050405020304" pitchFamily="18" charset="0"/>
+                <a:ea typeface="Times New Roman" panose="02020603050405020304" pitchFamily="18" charset="0"/>
                 <a:cs typeface="Times New Roman" panose="02020603050405020304" pitchFamily="18" charset="0"/>
               </a:rPr>
-              <a:t> «</a:t>
-            </a:r>
-            <a:r>
-              <a:rPr lang="ru-RU" b="0" i="0" dirty="0">
-                <a:solidFill>
-                  <a:schemeClr val="bg1"/>
-                </a:solidFill>
+              <a:t>Кластеризация</a:t>
+            </a:r>
+            <a:endParaRPr lang="ru-RU" dirty="0">
+              <a:latin typeface="Times New Roman" panose="02020603050405020304" pitchFamily="18" charset="0"/>
+              <a:cs typeface="Times New Roman" panose="02020603050405020304" pitchFamily="18" charset="0"/>
+            </a:endParaRPr>
+          </a:p>
+        </p:txBody>
+      </p:sp>
+    </p:spTree>
+    <p:extLst>
+      <p:ext uri="{BB962C8B-B14F-4D97-AF65-F5344CB8AC3E}">
+        <p14:creationId xmlns:p14="http://schemas.microsoft.com/office/powerpoint/2010/main" val="2385932664"/>
+      </p:ext>
+    </p:extLst>
+  </p:cSld>
+  <p:clrMapOvr>
+    <a:masterClrMapping/>
+  </p:clrMapOvr>
+  <p:transition spd="slow">
+    <p:push dir="u"/>
+  </p:transition>
+</p:sld>
+</file>
+
+<file path=ppt/slides/slide6.xml><?xml version="1.0" encoding="utf-8"?>
+<p:sld xmlns:a="http://schemas.openxmlformats.org/drawingml/2006/main" xmlns:r="http://schemas.openxmlformats.org/officeDocument/2006/relationships" xmlns:p="http://schemas.openxmlformats.org/presentationml/2006/main">
+  <p:cSld>
+    <p:spTree>
+      <p:nvGrpSpPr>
+        <p:cNvPr id="1" name=""/>
+        <p:cNvGrpSpPr/>
+        <p:nvPr/>
+      </p:nvGrpSpPr>
+      <p:grpSpPr>
+        <a:xfrm>
+          <a:off x="0" y="0"/>
+          <a:ext cx="0" cy="0"/>
+          <a:chOff x="0" y="0"/>
+          <a:chExt cx="0" cy="0"/>
+        </a:xfrm>
+      </p:grpSpPr>
+      <p:sp>
+        <p:nvSpPr>
+          <p:cNvPr id="2" name="Заголовок 1">
+            <a:extLst>
+              <a:ext uri="{FF2B5EF4-FFF2-40B4-BE49-F238E27FC236}">
+                <a16:creationId xmlns:a16="http://schemas.microsoft.com/office/drawing/2014/main" id="{FDD4659B-97E7-41EB-B6EB-6FA3CF23E13E}"/>
+              </a:ext>
+            </a:extLst>
+          </p:cNvPr>
+          <p:cNvSpPr>
+            <a:spLocks noGrp="1"/>
+          </p:cNvSpPr>
+          <p:nvPr>
+            <p:ph type="title"/>
+          </p:nvPr>
+        </p:nvSpPr>
+        <p:spPr>
+          <a:xfrm>
+            <a:off x="1219200" y="0"/>
+            <a:ext cx="10086975" cy="1507067"/>
+          </a:xfrm>
+        </p:spPr>
+        <p:txBody>
+          <a:bodyPr>
+            <a:normAutofit/>
+          </a:bodyPr>
+          <a:lstStyle/>
+          <a:p>
+            <a:pPr algn="ctr"/>
+            <a:r>
+              <a:rPr lang="ru-RU" sz="1800" dirty="0">
                 <a:effectLst/>
                 <a:latin typeface="Times New Roman" panose="02020603050405020304" pitchFamily="18" charset="0"/>
+                <a:ea typeface="Times New Roman" panose="02020603050405020304" pitchFamily="18" charset="0"/>
                 <a:cs typeface="Times New Roman" panose="02020603050405020304" pitchFamily="18" charset="0"/>
               </a:rPr>
-              <a:t>Орловский государственный университет И.С. Тургенева</a:t>
-            </a:r>
-            <a:r>
-              <a:rPr lang="en-US" b="0" i="0" dirty="0">
-                <a:solidFill>
-                  <a:schemeClr val="bg1"/>
-                </a:solidFill>
-                <a:effectLst/>
+              <a:t>Индексирование</a:t>
+            </a:r>
+            <a:endParaRPr lang="ru-RU" dirty="0">
+              <a:latin typeface="Times New Roman" panose="02020603050405020304" pitchFamily="18" charset="0"/>
+              <a:cs typeface="Times New Roman" panose="02020603050405020304" pitchFamily="18" charset="0"/>
+            </a:endParaRPr>
+          </a:p>
+        </p:txBody>
+      </p:sp>
+    </p:spTree>
+    <p:extLst>
+      <p:ext uri="{BB962C8B-B14F-4D97-AF65-F5344CB8AC3E}">
+        <p14:creationId xmlns:p14="http://schemas.microsoft.com/office/powerpoint/2010/main" val="2890528895"/>
+      </p:ext>
+    </p:extLst>
+  </p:cSld>
+  <p:clrMapOvr>
+    <a:masterClrMapping/>
+  </p:clrMapOvr>
+  <p:transition spd="slow">
+    <p:push dir="u"/>
+  </p:transition>
+</p:sld>
+</file>
+
+<file path=ppt/slides/slide7.xml><?xml version="1.0" encoding="utf-8"?>
+<p:sld xmlns:a="http://schemas.openxmlformats.org/drawingml/2006/main" xmlns:r="http://schemas.openxmlformats.org/officeDocument/2006/relationships" xmlns:p="http://schemas.openxmlformats.org/presentationml/2006/main">
+  <p:cSld>
+    <p:spTree>
+      <p:nvGrpSpPr>
+        <p:cNvPr id="1" name=""/>
+        <p:cNvGrpSpPr/>
+        <p:nvPr/>
+      </p:nvGrpSpPr>
+      <p:grpSpPr>
+        <a:xfrm>
+          <a:off x="0" y="0"/>
+          <a:ext cx="0" cy="0"/>
+          <a:chOff x="0" y="0"/>
+          <a:chExt cx="0" cy="0"/>
+        </a:xfrm>
+      </p:grpSpPr>
+      <p:sp>
+        <p:nvSpPr>
+          <p:cNvPr id="2" name="Заголовок 1">
+            <a:extLst>
+              <a:ext uri="{FF2B5EF4-FFF2-40B4-BE49-F238E27FC236}">
+                <a16:creationId xmlns:a16="http://schemas.microsoft.com/office/drawing/2014/main" id="{FDD4659B-97E7-41EB-B6EB-6FA3CF23E13E}"/>
+              </a:ext>
+            </a:extLst>
+          </p:cNvPr>
+          <p:cNvSpPr>
+            <a:spLocks noGrp="1"/>
+          </p:cNvSpPr>
+          <p:nvPr>
+            <p:ph type="title"/>
+          </p:nvPr>
+        </p:nvSpPr>
+        <p:spPr>
+          <a:xfrm>
+            <a:off x="1219200" y="0"/>
+            <a:ext cx="10086975" cy="1507067"/>
+          </a:xfrm>
+        </p:spPr>
+        <p:txBody>
+          <a:bodyPr>
+            <a:normAutofit/>
+          </a:bodyPr>
+          <a:lstStyle/>
+          <a:p>
+            <a:pPr algn="ctr"/>
+            <a:r>
+              <a:rPr lang="ru-RU" sz="1800" dirty="0">
                 <a:latin typeface="Times New Roman" panose="02020603050405020304" pitchFamily="18" charset="0"/>
                 <a:cs typeface="Times New Roman" panose="02020603050405020304" pitchFamily="18" charset="0"/>
               </a:rPr>
-              <a:t>»</a:t>
-            </a:r>
-            <a:r>
-              <a:rPr lang="ru-RU" b="0" i="0" dirty="0">
-                <a:solidFill>
-                  <a:schemeClr val="bg1"/>
-                </a:solidFill>
-                <a:effectLst/>
+              <a:t>Кеширование</a:t>
+            </a:r>
+            <a:endParaRPr lang="ru-RU" dirty="0">
+              <a:latin typeface="Times New Roman" panose="02020603050405020304" pitchFamily="18" charset="0"/>
+              <a:cs typeface="Times New Roman" panose="02020603050405020304" pitchFamily="18" charset="0"/>
+            </a:endParaRPr>
+          </a:p>
+        </p:txBody>
+      </p:sp>
+    </p:spTree>
+    <p:extLst>
+      <p:ext uri="{BB962C8B-B14F-4D97-AF65-F5344CB8AC3E}">
+        <p14:creationId xmlns:p14="http://schemas.microsoft.com/office/powerpoint/2010/main" val="3940568063"/>
+      </p:ext>
+    </p:extLst>
+  </p:cSld>
+  <p:clrMapOvr>
+    <a:masterClrMapping/>
+  </p:clrMapOvr>
+  <p:transition spd="slow">
+    <p:push dir="u"/>
+  </p:transition>
+</p:sld>
+</file>
+
+<file path=ppt/slides/slide8.xml><?xml version="1.0" encoding="utf-8"?>
+<p:sld xmlns:a="http://schemas.openxmlformats.org/drawingml/2006/main" xmlns:r="http://schemas.openxmlformats.org/officeDocument/2006/relationships" xmlns:p="http://schemas.openxmlformats.org/presentationml/2006/main">
+  <p:cSld>
+    <p:spTree>
+      <p:nvGrpSpPr>
+        <p:cNvPr id="1" name=""/>
+        <p:cNvGrpSpPr/>
+        <p:nvPr/>
+      </p:nvGrpSpPr>
+      <p:grpSpPr>
+        <a:xfrm>
+          <a:off x="0" y="0"/>
+          <a:ext cx="0" cy="0"/>
+          <a:chOff x="0" y="0"/>
+          <a:chExt cx="0" cy="0"/>
+        </a:xfrm>
+      </p:grpSpPr>
+      <p:sp>
+        <p:nvSpPr>
+          <p:cNvPr id="2" name="Заголовок 1">
+            <a:extLst>
+              <a:ext uri="{FF2B5EF4-FFF2-40B4-BE49-F238E27FC236}">
+                <a16:creationId xmlns:a16="http://schemas.microsoft.com/office/drawing/2014/main" id="{FDD4659B-97E7-41EB-B6EB-6FA3CF23E13E}"/>
+              </a:ext>
+            </a:extLst>
+          </p:cNvPr>
+          <p:cNvSpPr>
+            <a:spLocks noGrp="1"/>
+          </p:cNvSpPr>
+          <p:nvPr>
+            <p:ph type="title"/>
+          </p:nvPr>
+        </p:nvSpPr>
+        <p:spPr>
+          <a:xfrm>
+            <a:off x="1147762" y="333375"/>
+            <a:ext cx="10086975" cy="1507067"/>
+          </a:xfrm>
+        </p:spPr>
+        <p:txBody>
+          <a:bodyPr>
+            <a:normAutofit/>
+          </a:bodyPr>
+          <a:lstStyle/>
+          <a:p>
+            <a:pPr algn="ctr"/>
+            <a:r>
+              <a:rPr lang="ru-RU" sz="1800" dirty="0">
                 <a:latin typeface="Times New Roman" panose="02020603050405020304" pitchFamily="18" charset="0"/>
                 <a:cs typeface="Times New Roman" panose="02020603050405020304" pitchFamily="18" charset="0"/>
               </a:rPr>
-              <a:t> </a:t>
-            </a:r>
-          </a:p>
-          <a:p>
-            <a:pPr algn="ctr"/>
-            <a:r>
-              <a:rPr lang="ru-RU" b="0" i="0" dirty="0">
-                <a:solidFill>
-                  <a:schemeClr val="bg1"/>
-                </a:solidFill>
-                <a:effectLst/>
-                <a:latin typeface="Times New Roman" panose="02020603050405020304" pitchFamily="18" charset="0"/>
-                <a:cs typeface="Times New Roman" panose="02020603050405020304" pitchFamily="18" charset="0"/>
-              </a:rPr>
-              <a:t>Физико-математический факультет</a:t>
-            </a:r>
-          </a:p>
-          <a:p>
-            <a:pPr algn="ctr"/>
-            <a:r>
-              <a:rPr lang="ru-RU" dirty="0">
-                <a:solidFill>
-                  <a:schemeClr val="bg1"/>
-                </a:solidFill>
-                <a:latin typeface="Times New Roman" panose="02020603050405020304" pitchFamily="18" charset="0"/>
-                <a:cs typeface="Times New Roman" panose="02020603050405020304" pitchFamily="18" charset="0"/>
-              </a:rPr>
-              <a:t>Кафедра информатики</a:t>
-            </a:r>
+              <a:t>разработка веб-библиотеки для оптимизированного взаимодействия с базой данных</a:t>
+            </a:r>
+            <a:endParaRPr lang="ru-RU" dirty="0">
+              <a:latin typeface="Times New Roman" panose="02020603050405020304" pitchFamily="18" charset="0"/>
+              <a:cs typeface="Times New Roman" panose="02020603050405020304" pitchFamily="18" charset="0"/>
+            </a:endParaRPr>
           </a:p>
         </p:txBody>
       </p:sp>
@@ -6372,7 +7794,7 @@
           <p:cNvPr id="3" name="TextBox 2">
             <a:extLst>
               <a:ext uri="{FF2B5EF4-FFF2-40B4-BE49-F238E27FC236}">
-                <a16:creationId xmlns:a16="http://schemas.microsoft.com/office/drawing/2014/main" id="{05249DAC-51E6-AB9F-91E5-5DCDF5F1D302}"/>
+                <a16:creationId xmlns:a16="http://schemas.microsoft.com/office/drawing/2014/main" id="{87B10697-0641-DE4F-53F7-B46699F81B2D}"/>
               </a:ext>
             </a:extLst>
           </p:cNvPr>
@@ -6381,8 +7803,8 @@
         </p:nvSpPr>
         <p:spPr>
           <a:xfrm>
-            <a:off x="2185986" y="2338637"/>
-            <a:ext cx="8448675" cy="873572"/>
+            <a:off x="1147762" y="2066925"/>
+            <a:ext cx="10453688" cy="2532681"/>
           </a:xfrm>
           <a:prstGeom prst="rect">
             <a:avLst/>
@@ -6395,27 +7817,167 @@
           </a:bodyPr>
           <a:lstStyle/>
           <a:p>
-            <a:pPr algn="ctr">
+            <a:pPr>
               <a:lnSpc>
                 <a:spcPct val="150000"/>
               </a:lnSpc>
             </a:pPr>
             <a:r>
-              <a:rPr lang="ru-RU" sz="1800" dirty="0">
-                <a:solidFill>
-                  <a:srgbClr val="000000"/>
-                </a:solidFill>
-                <a:effectLst/>
+              <a:rPr lang="ru-RU" dirty="0"/>
+              <a:t>Возможности</a:t>
+            </a:r>
+            <a:r>
+              <a:rPr lang="en-US" dirty="0"/>
+              <a:t>:</a:t>
+            </a:r>
+          </a:p>
+          <a:p>
+            <a:pPr marL="800100" lvl="1" indent="-342900">
+              <a:lnSpc>
+                <a:spcPct val="150000"/>
+              </a:lnSpc>
+              <a:buFont typeface="+mj-lt"/>
+              <a:buAutoNum type="arabicPeriod"/>
+            </a:pPr>
+            <a:r>
+              <a:rPr lang="ru-RU" dirty="0"/>
+              <a:t>Анализ загрузки страниц веб-сайта</a:t>
+            </a:r>
+            <a:r>
+              <a:rPr lang="en-US" dirty="0"/>
+              <a:t>;</a:t>
+            </a:r>
+            <a:endParaRPr lang="ru-RU" dirty="0"/>
+          </a:p>
+          <a:p>
+            <a:pPr marL="800100" lvl="1" indent="-342900">
+              <a:lnSpc>
+                <a:spcPct val="150000"/>
+              </a:lnSpc>
+              <a:buFont typeface="+mj-lt"/>
+              <a:buAutoNum type="arabicPeriod"/>
+            </a:pPr>
+            <a:r>
+              <a:rPr lang="ru-RU" dirty="0"/>
+              <a:t>Индексация таблиц базы данных</a:t>
+            </a:r>
+            <a:r>
+              <a:rPr lang="en-US" dirty="0"/>
+              <a:t>;</a:t>
+            </a:r>
+          </a:p>
+          <a:p>
+            <a:pPr marL="800100" lvl="1" indent="-342900">
+              <a:lnSpc>
+                <a:spcPct val="150000"/>
+              </a:lnSpc>
+              <a:buFont typeface="+mj-lt"/>
+              <a:buAutoNum type="arabicPeriod"/>
+            </a:pPr>
+            <a:r>
+              <a:rPr lang="ru-RU" dirty="0"/>
+              <a:t>Кеширование результатов работы программных алгоритмов</a:t>
+            </a:r>
+            <a:r>
+              <a:rPr lang="en-US" dirty="0"/>
+              <a:t>;</a:t>
+            </a:r>
+          </a:p>
+          <a:p>
+            <a:pPr marL="800100" lvl="1" indent="-342900">
+              <a:lnSpc>
+                <a:spcPct val="150000"/>
+              </a:lnSpc>
+              <a:buFont typeface="+mj-lt"/>
+              <a:buAutoNum type="arabicPeriod"/>
+            </a:pPr>
+            <a:r>
+              <a:rPr lang="ru-RU" dirty="0"/>
+              <a:t>Взаимодействие между компонентами информационной системы по протоколу </a:t>
+            </a:r>
+            <a:r>
+              <a:rPr lang="en-US" dirty="0"/>
+              <a:t>AMQP.</a:t>
+            </a:r>
+          </a:p>
+        </p:txBody>
+      </p:sp>
+    </p:spTree>
+    <p:extLst>
+      <p:ext uri="{BB962C8B-B14F-4D97-AF65-F5344CB8AC3E}">
+        <p14:creationId xmlns:p14="http://schemas.microsoft.com/office/powerpoint/2010/main" val="1300555505"/>
+      </p:ext>
+    </p:extLst>
+  </p:cSld>
+  <p:clrMapOvr>
+    <a:masterClrMapping/>
+  </p:clrMapOvr>
+  <p:transition spd="slow">
+    <p:push dir="u"/>
+  </p:transition>
+</p:sld>
+</file>
+
+<file path=ppt/slides/slide9.xml><?xml version="1.0" encoding="utf-8"?>
+<p:sld xmlns:a="http://schemas.openxmlformats.org/drawingml/2006/main" xmlns:r="http://schemas.openxmlformats.org/officeDocument/2006/relationships" xmlns:p="http://schemas.openxmlformats.org/presentationml/2006/main">
+  <p:cSld>
+    <p:spTree>
+      <p:nvGrpSpPr>
+        <p:cNvPr id="1" name=""/>
+        <p:cNvGrpSpPr/>
+        <p:nvPr/>
+      </p:nvGrpSpPr>
+      <p:grpSpPr>
+        <a:xfrm>
+          <a:off x="0" y="0"/>
+          <a:ext cx="0" cy="0"/>
+          <a:chOff x="0" y="0"/>
+          <a:chExt cx="0" cy="0"/>
+        </a:xfrm>
+      </p:grpSpPr>
+      <p:sp>
+        <p:nvSpPr>
+          <p:cNvPr id="2" name="Заголовок 1">
+            <a:extLst>
+              <a:ext uri="{FF2B5EF4-FFF2-40B4-BE49-F238E27FC236}">
+                <a16:creationId xmlns:a16="http://schemas.microsoft.com/office/drawing/2014/main" id="{FDD4659B-97E7-41EB-B6EB-6FA3CF23E13E}"/>
+              </a:ext>
+            </a:extLst>
+          </p:cNvPr>
+          <p:cNvSpPr>
+            <a:spLocks noGrp="1"/>
+          </p:cNvSpPr>
+          <p:nvPr>
+            <p:ph type="title"/>
+          </p:nvPr>
+        </p:nvSpPr>
+        <p:spPr>
+          <a:xfrm>
+            <a:off x="1147762" y="333375"/>
+            <a:ext cx="10086975" cy="1507067"/>
+          </a:xfrm>
+        </p:spPr>
+        <p:txBody>
+          <a:bodyPr>
+            <a:normAutofit/>
+          </a:bodyPr>
+          <a:lstStyle/>
+          <a:p>
+            <a:pPr algn="ctr"/>
+            <a:r>
+              <a:rPr lang="ru-RU" sz="3200" dirty="0">
                 <a:latin typeface="Times New Roman" panose="02020603050405020304" pitchFamily="18" charset="0"/>
-                <a:ea typeface="Times New Roman" panose="02020603050405020304" pitchFamily="18" charset="0"/>
-              </a:rPr>
-              <a:t>РАЗРАБОТКА МЕТОДОВ ОПТИМИЗАЦИИ ВЗАИМОДЕЙСТВИЯ ВЕБ-САЙТА С БАЗОЙ ДАННЫХ</a:t>
-            </a:r>
-            <a:endParaRPr lang="ru-RU" sz="1800" dirty="0">
-              <a:effectLst/>
-              <a:latin typeface="Times New Roman" panose="02020603050405020304" pitchFamily="18" charset="0"/>
-              <a:ea typeface="Times New Roman" panose="02020603050405020304" pitchFamily="18" charset="0"/>
-            </a:endParaRPr>
+                <a:cs typeface="Times New Roman" panose="02020603050405020304" pitchFamily="18" charset="0"/>
+              </a:rPr>
+              <a:t>Анализ</a:t>
+            </a:r>
+            <a:r>
+              <a:rPr lang="ru-RU" dirty="0">
+                <a:latin typeface="Times New Roman" panose="02020603050405020304" pitchFamily="18" charset="0"/>
+                <a:cs typeface="Times New Roman" panose="02020603050405020304" pitchFamily="18" charset="0"/>
+              </a:rPr>
+              <a:t> загрузки страниц веб-сайта</a:t>
+            </a:r>
           </a:p>
         </p:txBody>
       </p:sp>
@@ -6424,7 +7986,7 @@
           <p:cNvPr id="4" name="TextBox 3">
             <a:extLst>
               <a:ext uri="{FF2B5EF4-FFF2-40B4-BE49-F238E27FC236}">
-                <a16:creationId xmlns:a16="http://schemas.microsoft.com/office/drawing/2014/main" id="{6A63FF3D-3A72-0471-95A2-BDC7BEBC8A19}"/>
+                <a16:creationId xmlns:a16="http://schemas.microsoft.com/office/drawing/2014/main" id="{CB27D567-1B23-D475-31F8-D420E1AF7043}"/>
               </a:ext>
             </a:extLst>
           </p:cNvPr>
@@ -6433,8 +7995,8 @@
         </p:nvSpPr>
         <p:spPr>
           <a:xfrm>
-            <a:off x="1951672" y="4244646"/>
-            <a:ext cx="5850194" cy="1200329"/>
+            <a:off x="1504950" y="2085975"/>
+            <a:ext cx="8486775" cy="923330"/>
           </a:xfrm>
           <a:prstGeom prst="rect">
             <a:avLst/>
@@ -6447,100 +8009,47 @@
           </a:bodyPr>
           <a:lstStyle/>
           <a:p>
-            <a:r>
-              <a:rPr lang="ru-RU" dirty="0">
-                <a:solidFill>
-                  <a:schemeClr val="bg1"/>
-                </a:solidFill>
-                <a:latin typeface="Times New Roman" panose="02020603050405020304" pitchFamily="18" charset="0"/>
-                <a:cs typeface="Times New Roman" panose="02020603050405020304" pitchFamily="18" charset="0"/>
-              </a:rPr>
-              <a:t>Подготовил</a:t>
-            </a:r>
-            <a:r>
-              <a:rPr lang="en-US" dirty="0">
-                <a:solidFill>
-                  <a:schemeClr val="bg1"/>
-                </a:solidFill>
-                <a:latin typeface="Times New Roman" panose="02020603050405020304" pitchFamily="18" charset="0"/>
-                <a:cs typeface="Times New Roman" panose="02020603050405020304" pitchFamily="18" charset="0"/>
-              </a:rPr>
-              <a:t>: </a:t>
-            </a:r>
-            <a:r>
-              <a:rPr lang="ru-RU" dirty="0">
-                <a:solidFill>
-                  <a:schemeClr val="bg1"/>
-                </a:solidFill>
-                <a:latin typeface="Times New Roman" panose="02020603050405020304" pitchFamily="18" charset="0"/>
-                <a:cs typeface="Times New Roman" panose="02020603050405020304" pitchFamily="18" charset="0"/>
-              </a:rPr>
-              <a:t>Тютюнов Игорь Андреевич</a:t>
-            </a:r>
-          </a:p>
-          <a:p>
-            <a:r>
-              <a:rPr lang="ru-RU" dirty="0">
-                <a:solidFill>
-                  <a:schemeClr val="bg1"/>
-                </a:solidFill>
-                <a:latin typeface="Times New Roman" panose="02020603050405020304" pitchFamily="18" charset="0"/>
-                <a:cs typeface="Times New Roman" panose="02020603050405020304" pitchFamily="18" charset="0"/>
-              </a:rPr>
-              <a:t>Направление подготовки</a:t>
-            </a:r>
-            <a:r>
-              <a:rPr lang="en-US" dirty="0">
-                <a:solidFill>
-                  <a:schemeClr val="bg1"/>
-                </a:solidFill>
-                <a:latin typeface="Times New Roman" panose="02020603050405020304" pitchFamily="18" charset="0"/>
-                <a:cs typeface="Times New Roman" panose="02020603050405020304" pitchFamily="18" charset="0"/>
-              </a:rPr>
-              <a:t>: 01.04.02 </a:t>
-            </a:r>
-            <a:r>
-              <a:rPr lang="ru-RU" dirty="0">
-                <a:solidFill>
-                  <a:schemeClr val="bg1"/>
-                </a:solidFill>
-                <a:latin typeface="Times New Roman" panose="02020603050405020304" pitchFamily="18" charset="0"/>
-                <a:cs typeface="Times New Roman" panose="02020603050405020304" pitchFamily="18" charset="0"/>
-              </a:rPr>
-              <a:t>Прикладная математика и информатика</a:t>
-            </a:r>
-          </a:p>
-          <a:p>
-            <a:r>
-              <a:rPr lang="ru-RU" dirty="0">
-                <a:solidFill>
-                  <a:schemeClr val="bg1"/>
-                </a:solidFill>
-                <a:latin typeface="Times New Roman" panose="02020603050405020304" pitchFamily="18" charset="0"/>
-                <a:cs typeface="Times New Roman" panose="02020603050405020304" pitchFamily="18" charset="0"/>
-              </a:rPr>
-              <a:t>Руководитель</a:t>
-            </a:r>
-            <a:r>
-              <a:rPr lang="en-US" dirty="0">
-                <a:solidFill>
-                  <a:schemeClr val="bg1"/>
-                </a:solidFill>
-                <a:latin typeface="Times New Roman" panose="02020603050405020304" pitchFamily="18" charset="0"/>
-                <a:cs typeface="Times New Roman" panose="02020603050405020304" pitchFamily="18" charset="0"/>
-              </a:rPr>
-              <a:t>: </a:t>
-            </a:r>
-            <a:r>
-              <a:rPr lang="ru-RU" dirty="0">
-                <a:solidFill>
-                  <a:schemeClr val="bg1"/>
-                </a:solidFill>
-                <a:latin typeface="Times New Roman" panose="02020603050405020304" pitchFamily="18" charset="0"/>
-                <a:cs typeface="Times New Roman" panose="02020603050405020304" pitchFamily="18" charset="0"/>
-              </a:rPr>
-              <a:t>к.ф.-м.н., доцент Федяев Ю.С.</a:t>
-            </a:r>
+            <a:pPr marL="342900" indent="-342900">
+              <a:buFont typeface="+mj-lt"/>
+              <a:buAutoNum type="arabicPeriod"/>
+            </a:pPr>
+            <a:r>
+              <a:rPr lang="ru-RU" dirty="0"/>
+              <a:t>Измерение количества запросов на веб-странице</a:t>
+            </a:r>
+            <a:r>
+              <a:rPr lang="en-US" dirty="0"/>
+              <a:t>;</a:t>
+            </a:r>
+          </a:p>
+          <a:p>
+            <a:pPr marL="342900" indent="-342900">
+              <a:buFont typeface="+mj-lt"/>
+              <a:buAutoNum type="arabicPeriod"/>
+            </a:pPr>
+            <a:r>
+              <a:rPr lang="ru-RU" dirty="0"/>
+              <a:t>Измерение времени выполнения запросов на веб-странице</a:t>
+            </a:r>
+            <a:r>
+              <a:rPr lang="en-US" dirty="0"/>
+              <a:t>;</a:t>
+            </a:r>
+          </a:p>
+          <a:p>
+            <a:pPr marL="342900" indent="-342900">
+              <a:buFont typeface="+mj-lt"/>
+              <a:buAutoNum type="arabicPeriod"/>
+            </a:pPr>
+            <a:r>
+              <a:rPr lang="ru-RU" dirty="0"/>
+              <a:t>Измерение времени формирования веб-страницы</a:t>
+            </a:r>
+            <a:r>
+              <a:rPr lang="en-US" dirty="0"/>
+              <a:t>;</a:t>
+            </a:r>
+            <a:endParaRPr lang="ru-RU" dirty="0"/>
           </a:p>
         </p:txBody>
       </p:sp>
@@ -6549,7 +8058,7 @@
           <p:cNvPr id="5" name="TextBox 4">
             <a:extLst>
               <a:ext uri="{FF2B5EF4-FFF2-40B4-BE49-F238E27FC236}">
-                <a16:creationId xmlns:a16="http://schemas.microsoft.com/office/drawing/2014/main" id="{986A1C20-A7E6-FC2B-C6A5-263BF4D89D52}"/>
+                <a16:creationId xmlns:a16="http://schemas.microsoft.com/office/drawing/2014/main" id="{ACEC9706-E7D5-4980-37D4-DF389DCBB6C8}"/>
               </a:ext>
             </a:extLst>
           </p:cNvPr>
@@ -6558,8 +8067,8 @@
         </p:nvSpPr>
         <p:spPr>
           <a:xfrm>
-            <a:off x="5707626" y="5932676"/>
-            <a:ext cx="2192593" cy="369332"/>
+            <a:off x="2705100" y="3638550"/>
+            <a:ext cx="6105525" cy="369332"/>
           </a:xfrm>
           <a:prstGeom prst="rect">
             <a:avLst/>
@@ -6573,36 +8082,8 @@
           <a:lstStyle/>
           <a:p>
             <a:r>
-              <a:rPr lang="ru-RU" dirty="0">
-                <a:solidFill>
-                  <a:schemeClr val="bg1"/>
-                </a:solidFill>
-                <a:latin typeface="Times New Roman" panose="02020603050405020304" pitchFamily="18" charset="0"/>
-                <a:cs typeface="Times New Roman" panose="02020603050405020304" pitchFamily="18" charset="0"/>
-              </a:rPr>
-              <a:t>Орёл </a:t>
-            </a:r>
-            <a:r>
-              <a:rPr lang="ru-RU" sz="1800" dirty="0">
-                <a:solidFill>
-                  <a:schemeClr val="bg1"/>
-                </a:solidFill>
-                <a:effectLst/>
-                <a:latin typeface="Times New Roman" panose="02020603050405020304" pitchFamily="18" charset="0"/>
-                <a:ea typeface="Calibri" panose="020F0502020204030204" pitchFamily="34" charset="0"/>
-                <a:cs typeface="Times New Roman CYR" panose="02020603050405020304" pitchFamily="18" charset="0"/>
-              </a:rPr>
-              <a:t>— </a:t>
-            </a:r>
-            <a:r>
-              <a:rPr lang="ru-RU" dirty="0">
-                <a:solidFill>
-                  <a:schemeClr val="bg1"/>
-                </a:solidFill>
-                <a:latin typeface="Times New Roman" panose="02020603050405020304" pitchFamily="18" charset="0"/>
-                <a:cs typeface="Times New Roman" panose="02020603050405020304" pitchFamily="18" charset="0"/>
-              </a:rPr>
-              <a:t> 2022</a:t>
+              <a:rPr lang="ru-RU" dirty="0"/>
+              <a:t>Рассказать о том, что это даёт</a:t>
             </a:r>
           </a:p>
         </p:txBody>
@@ -6610,7 +8091,7 @@
     </p:spTree>
     <p:extLst>
       <p:ext uri="{BB962C8B-B14F-4D97-AF65-F5344CB8AC3E}">
-        <p14:creationId xmlns:p14="http://schemas.microsoft.com/office/powerpoint/2010/main" val="2457020096"/>
+        <p14:creationId xmlns:p14="http://schemas.microsoft.com/office/powerpoint/2010/main" val="711528086"/>
       </p:ext>
     </p:extLst>
   </p:cSld>

--- a/ВКР_5.pptx
+++ b/ВКР_5.pptx
@@ -9,8 +9,8 @@
     <p:sldId id="292" r:id="rId3"/>
     <p:sldId id="294" r:id="rId4"/>
     <p:sldId id="295" r:id="rId5"/>
-    <p:sldId id="296" r:id="rId6"/>
-    <p:sldId id="297" r:id="rId7"/>
+    <p:sldId id="297" r:id="rId6"/>
+    <p:sldId id="308" r:id="rId7"/>
     <p:sldId id="298" r:id="rId8"/>
     <p:sldId id="299" r:id="rId9"/>
     <p:sldId id="300" r:id="rId10"/>
@@ -127,8 +127,8 @@
             <p14:sldId id="292"/>
             <p14:sldId id="294"/>
             <p14:sldId id="295"/>
-            <p14:sldId id="296"/>
             <p14:sldId id="297"/>
+            <p14:sldId id="308"/>
             <p14:sldId id="298"/>
             <p14:sldId id="299"/>
             <p14:sldId id="300"/>
@@ -341,7 +341,7 @@
             <a:fld id="{B61BEF0D-F0BB-DE4B-95CE-6DB70DBA9567}" type="datetimeFigureOut">
               <a:rPr lang="en-US" dirty="0"/>
               <a:pPr/>
-              <a:t>5/8/2022</a:t>
+              <a:t>5/10/2022</a:t>
             </a:fld>
             <a:endParaRPr lang="en-US" dirty="0"/>
           </a:p>
@@ -774,7 +774,7 @@
             <a:fld id="{B61BEF0D-F0BB-DE4B-95CE-6DB70DBA9567}" type="datetimeFigureOut">
               <a:rPr lang="en-US" dirty="0"/>
               <a:pPr/>
-              <a:t>5/8/2022</a:t>
+              <a:t>5/10/2022</a:t>
             </a:fld>
             <a:endParaRPr lang="en-US" dirty="0"/>
           </a:p>
@@ -1021,7 +1021,7 @@
             <a:fld id="{B61BEF0D-F0BB-DE4B-95CE-6DB70DBA9567}" type="datetimeFigureOut">
               <a:rPr lang="en-US" dirty="0"/>
               <a:pPr/>
-              <a:t>5/8/2022</a:t>
+              <a:t>5/10/2022</a:t>
             </a:fld>
             <a:endParaRPr lang="en-US" dirty="0"/>
           </a:p>
@@ -1326,7 +1326,7 @@
             <a:fld id="{B61BEF0D-F0BB-DE4B-95CE-6DB70DBA9567}" type="datetimeFigureOut">
               <a:rPr lang="en-US" dirty="0"/>
               <a:pPr/>
-              <a:t>5/8/2022</a:t>
+              <a:t>5/10/2022</a:t>
             </a:fld>
             <a:endParaRPr lang="en-US" dirty="0"/>
           </a:p>
@@ -1641,7 +1641,7 @@
             <a:fld id="{B61BEF0D-F0BB-DE4B-95CE-6DB70DBA9567}" type="datetimeFigureOut">
               <a:rPr lang="en-US" dirty="0"/>
               <a:pPr/>
-              <a:t>5/8/2022</a:t>
+              <a:t>5/10/2022</a:t>
             </a:fld>
             <a:endParaRPr lang="en-US" dirty="0"/>
           </a:p>
@@ -1940,7 +1940,7 @@
             <a:fld id="{B61BEF0D-F0BB-DE4B-95CE-6DB70DBA9567}" type="datetimeFigureOut">
               <a:rPr lang="en-US" dirty="0"/>
               <a:pPr/>
-              <a:t>5/8/2022</a:t>
+              <a:t>5/10/2022</a:t>
             </a:fld>
             <a:endParaRPr lang="en-US" dirty="0"/>
           </a:p>
@@ -2304,7 +2304,7 @@
             <a:fld id="{B61BEF0D-F0BB-DE4B-95CE-6DB70DBA9567}" type="datetimeFigureOut">
               <a:rPr lang="en-US" dirty="0"/>
               <a:pPr/>
-              <a:t>5/8/2022</a:t>
+              <a:t>5/10/2022</a:t>
             </a:fld>
             <a:endParaRPr lang="en-US" dirty="0"/>
           </a:p>
@@ -2475,7 +2475,7 @@
             <a:fld id="{B61BEF0D-F0BB-DE4B-95CE-6DB70DBA9567}" type="datetimeFigureOut">
               <a:rPr lang="en-US" dirty="0"/>
               <a:pPr/>
-              <a:t>5/8/2022</a:t>
+              <a:t>5/10/2022</a:t>
             </a:fld>
             <a:endParaRPr lang="en-US" dirty="0"/>
           </a:p>
@@ -2652,7 +2652,7 @@
             <a:fld id="{B61BEF0D-F0BB-DE4B-95CE-6DB70DBA9567}" type="datetimeFigureOut">
               <a:rPr lang="en-US" dirty="0"/>
               <a:pPr/>
-              <a:t>5/8/2022</a:t>
+              <a:t>5/10/2022</a:t>
             </a:fld>
             <a:endParaRPr lang="en-US" dirty="0"/>
           </a:p>
@@ -2819,7 +2819,7 @@
             <a:fld id="{B61BEF0D-F0BB-DE4B-95CE-6DB70DBA9567}" type="datetimeFigureOut">
               <a:rPr lang="en-US" dirty="0"/>
               <a:pPr/>
-              <a:t>5/8/2022</a:t>
+              <a:t>5/10/2022</a:t>
             </a:fld>
             <a:endParaRPr lang="en-US" dirty="0"/>
           </a:p>
@@ -3066,7 +3066,7 @@
             <a:fld id="{B61BEF0D-F0BB-DE4B-95CE-6DB70DBA9567}" type="datetimeFigureOut">
               <a:rPr lang="en-US" dirty="0"/>
               <a:pPr/>
-              <a:t>5/8/2022</a:t>
+              <a:t>5/10/2022</a:t>
             </a:fld>
             <a:endParaRPr lang="en-US" dirty="0"/>
           </a:p>
@@ -3299,7 +3299,7 @@
             <a:fld id="{B61BEF0D-F0BB-DE4B-95CE-6DB70DBA9567}" type="datetimeFigureOut">
               <a:rPr lang="en-US" dirty="0"/>
               <a:pPr/>
-              <a:t>5/8/2022</a:t>
+              <a:t>5/10/2022</a:t>
             </a:fld>
             <a:endParaRPr lang="en-US" dirty="0"/>
           </a:p>
@@ -3678,7 +3678,7 @@
             <a:fld id="{B61BEF0D-F0BB-DE4B-95CE-6DB70DBA9567}" type="datetimeFigureOut">
               <a:rPr lang="en-US" dirty="0"/>
               <a:pPr/>
-              <a:t>5/8/2022</a:t>
+              <a:t>5/10/2022</a:t>
             </a:fld>
             <a:endParaRPr lang="en-US" dirty="0"/>
           </a:p>
@@ -3793,7 +3793,7 @@
             <a:fld id="{B61BEF0D-F0BB-DE4B-95CE-6DB70DBA9567}" type="datetimeFigureOut">
               <a:rPr lang="en-US" dirty="0"/>
               <a:pPr/>
-              <a:t>5/8/2022</a:t>
+              <a:t>5/10/2022</a:t>
             </a:fld>
             <a:endParaRPr lang="en-US" dirty="0"/>
           </a:p>
@@ -3885,7 +3885,7 @@
             <a:fld id="{B61BEF0D-F0BB-DE4B-95CE-6DB70DBA9567}" type="datetimeFigureOut">
               <a:rPr lang="en-US" dirty="0"/>
               <a:pPr/>
-              <a:t>5/8/2022</a:t>
+              <a:t>5/10/2022</a:t>
             </a:fld>
             <a:endParaRPr lang="en-US" dirty="0"/>
           </a:p>
@@ -4137,7 +4137,7 @@
             <a:fld id="{B61BEF0D-F0BB-DE4B-95CE-6DB70DBA9567}" type="datetimeFigureOut">
               <a:rPr lang="en-US" dirty="0"/>
               <a:pPr/>
-              <a:t>5/8/2022</a:t>
+              <a:t>5/10/2022</a:t>
             </a:fld>
             <a:endParaRPr lang="en-US" dirty="0"/>
           </a:p>
@@ -4417,7 +4417,7 @@
             <a:fld id="{B61BEF0D-F0BB-DE4B-95CE-6DB70DBA9567}" type="datetimeFigureOut">
               <a:rPr lang="en-US" dirty="0"/>
               <a:pPr/>
-              <a:t>5/8/2022</a:t>
+              <a:t>5/10/2022</a:t>
             </a:fld>
             <a:endParaRPr lang="en-US" dirty="0"/>
           </a:p>
@@ -4820,7 +4820,7 @@
             <a:fld id="{B61BEF0D-F0BB-DE4B-95CE-6DB70DBA9567}" type="datetimeFigureOut">
               <a:rPr lang="en-US" dirty="0"/>
               <a:pPr/>
-              <a:t>5/8/2022</a:t>
+              <a:t>5/10/2022</a:t>
             </a:fld>
             <a:endParaRPr lang="en-US" dirty="0"/>
           </a:p>
@@ -7339,19 +7339,19 @@
         </p:nvSpPr>
         <p:spPr>
           <a:xfrm>
-            <a:off x="1219200" y="0"/>
+            <a:off x="1219198" y="219075"/>
             <a:ext cx="10086975" cy="1507067"/>
           </a:xfrm>
         </p:spPr>
         <p:txBody>
           <a:bodyPr>
-            <a:normAutofit/>
+            <a:noAutofit/>
           </a:bodyPr>
           <a:lstStyle/>
           <a:p>
             <a:pPr algn="ctr"/>
             <a:r>
-              <a:rPr lang="ru-RU" sz="1800" dirty="0">
+              <a:rPr lang="ru-RU" dirty="0">
                 <a:effectLst/>
                 <a:latin typeface="Times New Roman" panose="02020603050405020304" pitchFamily="18" charset="0"/>
                 <a:ea typeface="Calibri" panose="020F0502020204030204" pitchFamily="34" charset="0"/>
@@ -7359,14 +7359,14 @@
               <a:t>встроенные в современные СУБД </a:t>
             </a:r>
             <a:br>
-              <a:rPr lang="ru-RU" sz="1800" dirty="0">
+              <a:rPr lang="ru-RU" dirty="0">
                 <a:effectLst/>
                 <a:latin typeface="Times New Roman" panose="02020603050405020304" pitchFamily="18" charset="0"/>
                 <a:ea typeface="Calibri" panose="020F0502020204030204" pitchFamily="34" charset="0"/>
               </a:rPr>
             </a:br>
             <a:r>
-              <a:rPr lang="ru-RU" sz="1800" dirty="0">
+              <a:rPr lang="ru-RU" dirty="0">
                 <a:effectLst/>
                 <a:latin typeface="Times New Roman" panose="02020603050405020304" pitchFamily="18" charset="0"/>
                 <a:ea typeface="Calibri" panose="020F0502020204030204" pitchFamily="34" charset="0"/>
@@ -7395,7 +7395,7 @@
         <p:spPr>
           <a:xfrm>
             <a:off x="4152899" y="2332762"/>
-            <a:ext cx="4219575" cy="1754326"/>
+            <a:ext cx="4219575" cy="1654748"/>
           </a:xfrm>
           <a:prstGeom prst="rect">
             <a:avLst/>
@@ -7409,42 +7409,12 @@
           <a:lstStyle/>
           <a:p>
             <a:pPr marL="342900" indent="-342900">
+              <a:lnSpc>
+                <a:spcPct val="150000"/>
+              </a:lnSpc>
               <a:buFont typeface="+mj-lt"/>
               <a:buAutoNum type="arabicPeriod"/>
             </a:pPr>
-            <a:r>
-              <a:rPr lang="en-US" sz="3600" dirty="0">
-                <a:effectLst/>
-                <a:latin typeface="Times New Roman" panose="02020603050405020304" pitchFamily="18" charset="0"/>
-                <a:ea typeface="Times New Roman" panose="02020603050405020304" pitchFamily="18" charset="0"/>
-                <a:cs typeface="Times New Roman" panose="02020603050405020304" pitchFamily="18" charset="0"/>
-              </a:rPr>
-              <a:t> </a:t>
-            </a:r>
-            <a:r>
-              <a:rPr lang="ru-RU" sz="3600" dirty="0">
-                <a:effectLst/>
-                <a:latin typeface="Times New Roman" panose="02020603050405020304" pitchFamily="18" charset="0"/>
-                <a:ea typeface="Times New Roman" panose="02020603050405020304" pitchFamily="18" charset="0"/>
-                <a:cs typeface="Times New Roman" panose="02020603050405020304" pitchFamily="18" charset="0"/>
-              </a:rPr>
-              <a:t>Кластеризация</a:t>
-            </a:r>
-          </a:p>
-          <a:p>
-            <a:pPr marL="342900" indent="-342900">
-              <a:buFont typeface="+mj-lt"/>
-              <a:buAutoNum type="arabicPeriod"/>
-            </a:pPr>
-            <a:r>
-              <a:rPr lang="en-US" sz="3600" dirty="0">
-                <a:effectLst/>
-                <a:latin typeface="Times New Roman" panose="02020603050405020304" pitchFamily="18" charset="0"/>
-                <a:ea typeface="Times New Roman" panose="02020603050405020304" pitchFamily="18" charset="0"/>
-                <a:cs typeface="Times New Roman" panose="02020603050405020304" pitchFamily="18" charset="0"/>
-              </a:rPr>
-              <a:t> </a:t>
-            </a:r>
             <a:r>
               <a:rPr lang="ru-RU" sz="3600" dirty="0">
                 <a:effectLst/>
@@ -7461,6 +7431,9 @@
           </a:p>
           <a:p>
             <a:pPr marL="342900" indent="-342900">
+              <a:lnSpc>
+                <a:spcPct val="150000"/>
+              </a:lnSpc>
               <a:buFont typeface="+mj-lt"/>
               <a:buAutoNum type="arabicPeriod"/>
             </a:pPr>
@@ -7544,13 +7517,13 @@
           <a:p>
             <a:pPr algn="ctr"/>
             <a:r>
-              <a:rPr lang="ru-RU" sz="1800" dirty="0">
+              <a:rPr lang="ru-RU" dirty="0">
                 <a:effectLst/>
                 <a:latin typeface="Times New Roman" panose="02020603050405020304" pitchFamily="18" charset="0"/>
                 <a:ea typeface="Times New Roman" panose="02020603050405020304" pitchFamily="18" charset="0"/>
                 <a:cs typeface="Times New Roman" panose="02020603050405020304" pitchFamily="18" charset="0"/>
               </a:rPr>
-              <a:t>Кластеризация</a:t>
+              <a:t>Индексирование</a:t>
             </a:r>
             <a:endParaRPr lang="ru-RU" dirty="0">
               <a:latin typeface="Times New Roman" panose="02020603050405020304" pitchFamily="18" charset="0"/>
@@ -7559,10 +7532,67 @@
           </a:p>
         </p:txBody>
       </p:sp>
+      <p:sp>
+        <p:nvSpPr>
+          <p:cNvPr id="4" name="TextBox 3">
+            <a:extLst>
+              <a:ext uri="{FF2B5EF4-FFF2-40B4-BE49-F238E27FC236}">
+                <a16:creationId xmlns:a16="http://schemas.microsoft.com/office/drawing/2014/main" id="{04391969-5257-06E1-2F48-BD19891BCFAE}"/>
+              </a:ext>
+            </a:extLst>
+          </p:cNvPr>
+          <p:cNvSpPr txBox="1"/>
+          <p:nvPr/>
+        </p:nvSpPr>
+        <p:spPr>
+          <a:xfrm>
+            <a:off x="1643063" y="2576715"/>
+            <a:ext cx="10086974" cy="1704569"/>
+          </a:xfrm>
+          <a:prstGeom prst="rect">
+            <a:avLst/>
+          </a:prstGeom>
+          <a:noFill/>
+        </p:spPr>
+        <p:txBody>
+          <a:bodyPr wrap="square">
+            <a:spAutoFit/>
+          </a:bodyPr>
+          <a:lstStyle/>
+          <a:p>
+            <a:pPr>
+              <a:lnSpc>
+                <a:spcPct val="150000"/>
+              </a:lnSpc>
+            </a:pPr>
+            <a:r>
+              <a:rPr lang="ru-RU" dirty="0">
+                <a:latin typeface="Times New Roman" panose="02020603050405020304" pitchFamily="18" charset="0"/>
+                <a:cs typeface="Times New Roman" panose="02020603050405020304" pitchFamily="18" charset="0"/>
+              </a:rPr>
+              <a:t>Индекс — это вспомогательная структура данных, используемая СУБД для доступа к данным. Индекс представляет собой упорядоченный список столбцов или групп столбцов в таблице. </a:t>
+            </a:r>
+          </a:p>
+          <a:p>
+            <a:pPr>
+              <a:lnSpc>
+                <a:spcPct val="150000"/>
+              </a:lnSpc>
+            </a:pPr>
+            <a:r>
+              <a:rPr lang="ru-RU" dirty="0">
+                <a:latin typeface="Times New Roman" panose="02020603050405020304" pitchFamily="18" charset="0"/>
+                <a:cs typeface="Times New Roman" panose="02020603050405020304" pitchFamily="18" charset="0"/>
+              </a:rPr>
+              <a:t>Общей идеей любой организации индекса является хранение упорядоченного списка значений ключа с привязкой к каждому значению ключа списка идентификаторов строк</a:t>
+            </a:r>
+          </a:p>
+        </p:txBody>
+      </p:sp>
     </p:spTree>
     <p:extLst>
       <p:ext uri="{BB962C8B-B14F-4D97-AF65-F5344CB8AC3E}">
-        <p14:creationId xmlns:p14="http://schemas.microsoft.com/office/powerpoint/2010/main" val="2385932664"/>
+        <p14:creationId xmlns:p14="http://schemas.microsoft.com/office/powerpoint/2010/main" val="2890528895"/>
       </p:ext>
     </p:extLst>
   </p:cSld>
@@ -7622,7 +7652,7 @@
           <a:p>
             <a:pPr algn="ctr"/>
             <a:r>
-              <a:rPr lang="ru-RU" sz="1800" dirty="0">
+              <a:rPr lang="ru-RU" dirty="0">
                 <a:effectLst/>
                 <a:latin typeface="Times New Roman" panose="02020603050405020304" pitchFamily="18" charset="0"/>
                 <a:ea typeface="Times New Roman" panose="02020603050405020304" pitchFamily="18" charset="0"/>
@@ -7637,10 +7667,113 @@
           </a:p>
         </p:txBody>
       </p:sp>
+      <p:sp>
+        <p:nvSpPr>
+          <p:cNvPr id="4" name="TextBox 3">
+            <a:extLst>
+              <a:ext uri="{FF2B5EF4-FFF2-40B4-BE49-F238E27FC236}">
+                <a16:creationId xmlns:a16="http://schemas.microsoft.com/office/drawing/2014/main" id="{04391969-5257-06E1-2F48-BD19891BCFAE}"/>
+              </a:ext>
+            </a:extLst>
+          </p:cNvPr>
+          <p:cNvSpPr txBox="1"/>
+          <p:nvPr/>
+        </p:nvSpPr>
+        <p:spPr>
+          <a:xfrm>
+            <a:off x="1219201" y="2357640"/>
+            <a:ext cx="10086974" cy="1909754"/>
+          </a:xfrm>
+          <a:prstGeom prst="rect">
+            <a:avLst/>
+          </a:prstGeom>
+          <a:noFill/>
+        </p:spPr>
+        <p:txBody>
+          <a:bodyPr wrap="square">
+            <a:spAutoFit/>
+          </a:bodyPr>
+          <a:lstStyle/>
+          <a:p>
+            <a:pPr indent="450215" algn="just">
+              <a:lnSpc>
+                <a:spcPct val="150000"/>
+              </a:lnSpc>
+              <a:spcAft>
+                <a:spcPts val="800"/>
+              </a:spcAft>
+            </a:pPr>
+            <a:r>
+              <a:rPr lang="ru-RU" sz="1800" dirty="0">
+                <a:effectLst/>
+                <a:latin typeface="Times New Roman" panose="02020603050405020304" pitchFamily="18" charset="0"/>
+                <a:ea typeface="Calibri" panose="020F0502020204030204" pitchFamily="34" charset="0"/>
+                <a:cs typeface="Times New Roman CYR" panose="02020603050405020304" pitchFamily="18" charset="0"/>
+              </a:rPr>
+              <a:t>Недостатки использования индексирования:</a:t>
+            </a:r>
+            <a:endParaRPr lang="ru-RU" dirty="0">
+              <a:latin typeface="Times New Roman" panose="02020603050405020304" pitchFamily="18" charset="0"/>
+              <a:ea typeface="Calibri" panose="020F0502020204030204" pitchFamily="34" charset="0"/>
+            </a:endParaRPr>
+          </a:p>
+          <a:p>
+            <a:pPr marL="342900" indent="-342900" algn="just">
+              <a:lnSpc>
+                <a:spcPct val="150000"/>
+              </a:lnSpc>
+              <a:spcAft>
+                <a:spcPts val="800"/>
+              </a:spcAft>
+              <a:buFont typeface="+mj-lt"/>
+              <a:buAutoNum type="arabicPeriod"/>
+            </a:pPr>
+            <a:r>
+              <a:rPr lang="ru-RU" sz="1800" dirty="0">
+                <a:effectLst/>
+                <a:latin typeface="Times New Roman" panose="02020603050405020304" pitchFamily="18" charset="0"/>
+                <a:ea typeface="Calibri" panose="020F0502020204030204" pitchFamily="34" charset="0"/>
+                <a:cs typeface="Times New Roman CYR" panose="02020603050405020304" pitchFamily="18" charset="0"/>
+              </a:rPr>
+              <a:t>Индексы занимают дополнительное пространство дисковой и оперативной памяти;</a:t>
+            </a:r>
+            <a:endParaRPr lang="ru-RU" dirty="0">
+              <a:latin typeface="Times New Roman" panose="02020603050405020304" pitchFamily="18" charset="0"/>
+              <a:ea typeface="Calibri" panose="020F0502020204030204" pitchFamily="34" charset="0"/>
+            </a:endParaRPr>
+          </a:p>
+          <a:p>
+            <a:pPr marL="342900" indent="-342900" algn="just">
+              <a:lnSpc>
+                <a:spcPct val="150000"/>
+              </a:lnSpc>
+              <a:spcAft>
+                <a:spcPts val="800"/>
+              </a:spcAft>
+              <a:buFont typeface="+mj-lt"/>
+              <a:buAutoNum type="arabicPeriod"/>
+            </a:pPr>
+            <a:r>
+              <a:rPr lang="ru-RU" sz="1800" dirty="0">
+                <a:effectLst/>
+                <a:latin typeface="Times New Roman" panose="02020603050405020304" pitchFamily="18" charset="0"/>
+                <a:ea typeface="Calibri" panose="020F0502020204030204" pitchFamily="34" charset="0"/>
+                <a:cs typeface="Times New Roman CYR" panose="02020603050405020304" pitchFamily="18" charset="0"/>
+              </a:rPr>
+              <a:t>Индексы существенно замедляют выполнение запросов на изменение таблиц, из-за того, что, как правило, это требует пересчета всех индексов.</a:t>
+            </a:r>
+            <a:endParaRPr lang="ru-RU" sz="1800" dirty="0">
+              <a:effectLst/>
+              <a:latin typeface="Times New Roman" panose="02020603050405020304" pitchFamily="18" charset="0"/>
+              <a:ea typeface="Calibri" panose="020F0502020204030204" pitchFamily="34" charset="0"/>
+            </a:endParaRPr>
+          </a:p>
+        </p:txBody>
+      </p:sp>
     </p:spTree>
     <p:extLst>
       <p:ext uri="{BB962C8B-B14F-4D97-AF65-F5344CB8AC3E}">
-        <p14:creationId xmlns:p14="http://schemas.microsoft.com/office/powerpoint/2010/main" val="2890528895"/>
+        <p14:creationId xmlns:p14="http://schemas.microsoft.com/office/powerpoint/2010/main" val="4152074682"/>
       </p:ext>
     </p:extLst>
   </p:cSld>
@@ -7700,16 +7833,53 @@
           <a:p>
             <a:pPr algn="ctr"/>
             <a:r>
+              <a:rPr lang="ru-RU" dirty="0">
+                <a:latin typeface="Times New Roman" panose="02020603050405020304" pitchFamily="18" charset="0"/>
+                <a:cs typeface="Times New Roman" panose="02020603050405020304" pitchFamily="18" charset="0"/>
+              </a:rPr>
+              <a:t>Кеширование</a:t>
+            </a:r>
+          </a:p>
+        </p:txBody>
+      </p:sp>
+      <p:sp>
+        <p:nvSpPr>
+          <p:cNvPr id="4" name="TextBox 3">
+            <a:extLst>
+              <a:ext uri="{FF2B5EF4-FFF2-40B4-BE49-F238E27FC236}">
+                <a16:creationId xmlns:a16="http://schemas.microsoft.com/office/drawing/2014/main" id="{703947C5-6D90-65AB-F8DD-B90AAE4EBFAD}"/>
+              </a:ext>
+            </a:extLst>
+          </p:cNvPr>
+          <p:cNvSpPr txBox="1"/>
+          <p:nvPr/>
+        </p:nvSpPr>
+        <p:spPr>
+          <a:xfrm>
+            <a:off x="1833562" y="2505760"/>
+            <a:ext cx="7443787" cy="646331"/>
+          </a:xfrm>
+          <a:prstGeom prst="rect">
+            <a:avLst/>
+          </a:prstGeom>
+          <a:noFill/>
+        </p:spPr>
+        <p:txBody>
+          <a:bodyPr wrap="square">
+            <a:spAutoFit/>
+          </a:bodyPr>
+          <a:lstStyle/>
+          <a:p>
+            <a:r>
               <a:rPr lang="ru-RU" sz="1800" dirty="0">
-                <a:latin typeface="Times New Roman" panose="02020603050405020304" pitchFamily="18" charset="0"/>
-                <a:cs typeface="Times New Roman" panose="02020603050405020304" pitchFamily="18" charset="0"/>
-              </a:rPr>
-              <a:t>Кеширование</a:t>
-            </a:r>
-            <a:endParaRPr lang="ru-RU" dirty="0">
-              <a:latin typeface="Times New Roman" panose="02020603050405020304" pitchFamily="18" charset="0"/>
-              <a:cs typeface="Times New Roman" panose="02020603050405020304" pitchFamily="18" charset="0"/>
-            </a:endParaRPr>
+                <a:effectLst/>
+                <a:latin typeface="Times New Roman" panose="02020603050405020304" pitchFamily="18" charset="0"/>
+                <a:ea typeface="Calibri" panose="020F0502020204030204" pitchFamily="34" charset="0"/>
+                <a:cs typeface="Times New Roman CYR" panose="02020603050405020304" pitchFamily="18" charset="0"/>
+              </a:rPr>
+              <a:t>Кэширование — это временное хранение часто используемых данных на носителях информации</a:t>
+            </a:r>
+            <a:endParaRPr lang="ru-RU" dirty="0"/>
           </a:p>
         </p:txBody>
       </p:sp>

--- a/ВКР_5.pptx
+++ b/ВКР_5.pptx
@@ -9,7 +9,7 @@
     <p:sldId id="292" r:id="rId3"/>
     <p:sldId id="294" r:id="rId4"/>
     <p:sldId id="295" r:id="rId5"/>
-    <p:sldId id="297" r:id="rId6"/>
+    <p:sldId id="309" r:id="rId6"/>
     <p:sldId id="308" r:id="rId7"/>
     <p:sldId id="298" r:id="rId8"/>
     <p:sldId id="299" r:id="rId9"/>
@@ -127,7 +127,7 @@
             <p14:sldId id="292"/>
             <p14:sldId id="294"/>
             <p14:sldId id="295"/>
-            <p14:sldId id="297"/>
+            <p14:sldId id="309"/>
             <p14:sldId id="308"/>
             <p14:sldId id="298"/>
             <p14:sldId id="299"/>
@@ -7546,8 +7546,8 @@
         </p:nvSpPr>
         <p:spPr>
           <a:xfrm>
-            <a:off x="1643063" y="2576715"/>
-            <a:ext cx="10086974" cy="1704569"/>
+            <a:off x="1557338" y="1059392"/>
+            <a:ext cx="10086974" cy="5444054"/>
           </a:xfrm>
           <a:prstGeom prst="rect">
             <a:avLst/>
@@ -7567,10 +7567,13 @@
             </a:pPr>
             <a:r>
               <a:rPr lang="ru-RU" dirty="0">
+                <a:highlight>
+                  <a:srgbClr val="00FF00"/>
+                </a:highlight>
                 <a:latin typeface="Times New Roman" panose="02020603050405020304" pitchFamily="18" charset="0"/>
                 <a:cs typeface="Times New Roman" panose="02020603050405020304" pitchFamily="18" charset="0"/>
               </a:rPr>
-              <a:t>Индекс — это вспомогательная структура данных, используемая СУБД для доступа к данным. Индекс представляет собой упорядоченный список столбцов или групп столбцов в таблице. </a:t>
+              <a:t>Индексы создаются для повышения производительности поиска данных. Таблицы могут иметь огромное количество строк, которые хранятся в произвольном порядке. Без индекса поиск нужных строк идёт по порядку (последовательно), что на больших объемах данных отнимает много времени.</a:t>
             </a:r>
           </a:p>
           <a:p>
@@ -7579,12 +7582,208 @@
                 <a:spcPct val="150000"/>
               </a:lnSpc>
             </a:pPr>
+            <a:endParaRPr lang="ru-RU" dirty="0">
+              <a:latin typeface="Times New Roman" panose="02020603050405020304" pitchFamily="18" charset="0"/>
+              <a:cs typeface="Times New Roman" panose="02020603050405020304" pitchFamily="18" charset="0"/>
+            </a:endParaRPr>
+          </a:p>
+          <a:p>
+            <a:pPr>
+              <a:lnSpc>
+                <a:spcPct val="150000"/>
+              </a:lnSpc>
+            </a:pPr>
             <a:r>
               <a:rPr lang="ru-RU" dirty="0">
                 <a:latin typeface="Times New Roman" panose="02020603050405020304" pitchFamily="18" charset="0"/>
                 <a:cs typeface="Times New Roman" panose="02020603050405020304" pitchFamily="18" charset="0"/>
               </a:rPr>
-              <a:t>Общей идеей любой организации индекса является хранение упорядоченного списка значений ключа с привязкой к каждому значению ключа списка идентификаторов строк</a:t>
+              <a:t>Индекс — это обычно один или несколько столбцов таблицы и указателей на соответствующие строки таблицы, позволяет искать строки, удовлетворяющие критерию поиска. </a:t>
+            </a:r>
+          </a:p>
+          <a:p>
+            <a:pPr>
+              <a:lnSpc>
+                <a:spcPct val="150000"/>
+              </a:lnSpc>
+            </a:pPr>
+            <a:r>
+              <a:rPr lang="ru-RU" dirty="0">
+                <a:latin typeface="Times New Roman" panose="02020603050405020304" pitchFamily="18" charset="0"/>
+                <a:cs typeface="Times New Roman" panose="02020603050405020304" pitchFamily="18" charset="0"/>
+              </a:rPr>
+              <a:t>Ускорение работы с использованием индексов достигается в первую очередь за счёт того, что индекс имеет структуру, оптимизированную под поиск, например, в MySQL — это бинарное дерево. </a:t>
+            </a:r>
+          </a:p>
+          <a:p>
+            <a:pPr>
+              <a:lnSpc>
+                <a:spcPct val="150000"/>
+              </a:lnSpc>
+            </a:pPr>
+            <a:r>
+              <a:rPr lang="ru-RU" dirty="0">
+                <a:latin typeface="Times New Roman" panose="02020603050405020304" pitchFamily="18" charset="0"/>
+                <a:cs typeface="Times New Roman" panose="02020603050405020304" pitchFamily="18" charset="0"/>
+              </a:rPr>
+              <a:t>Индекс лучше использовать на тех столбцах таблицы, на которые чаще всего будете накладывать условия через </a:t>
+            </a:r>
+            <a:r>
+              <a:rPr lang="ru-RU" dirty="0" err="1">
+                <a:latin typeface="Times New Roman" panose="02020603050405020304" pitchFamily="18" charset="0"/>
+                <a:cs typeface="Times New Roman" panose="02020603050405020304" pitchFamily="18" charset="0"/>
+              </a:rPr>
+              <a:t>where</a:t>
+            </a:r>
+            <a:r>
+              <a:rPr lang="ru-RU" dirty="0">
+                <a:latin typeface="Times New Roman" panose="02020603050405020304" pitchFamily="18" charset="0"/>
+                <a:cs typeface="Times New Roman" panose="02020603050405020304" pitchFamily="18" charset="0"/>
+              </a:rPr>
+              <a:t> </a:t>
+            </a:r>
+            <a:r>
+              <a:rPr lang="ru-RU" dirty="0" err="1">
+                <a:latin typeface="Times New Roman" panose="02020603050405020304" pitchFamily="18" charset="0"/>
+                <a:cs typeface="Times New Roman" panose="02020603050405020304" pitchFamily="18" charset="0"/>
+              </a:rPr>
+              <a:t>column_name</a:t>
+            </a:r>
+            <a:r>
+              <a:rPr lang="ru-RU" dirty="0">
+                <a:latin typeface="Times New Roman" panose="02020603050405020304" pitchFamily="18" charset="0"/>
+                <a:cs typeface="Times New Roman" panose="02020603050405020304" pitchFamily="18" charset="0"/>
+              </a:rPr>
+              <a:t> = ...</a:t>
+            </a:r>
+          </a:p>
+          <a:p>
+            <a:pPr>
+              <a:lnSpc>
+                <a:spcPct val="150000"/>
+              </a:lnSpc>
+            </a:pPr>
+            <a:r>
+              <a:rPr lang="en-US" b="0" i="0" dirty="0">
+                <a:solidFill>
+                  <a:srgbClr val="FFFFFF"/>
+                </a:solidFill>
+                <a:effectLst/>
+                <a:latin typeface="Courier New" panose="02070309020205020404" pitchFamily="49" charset="0"/>
+              </a:rPr>
+              <a:t>CREATE INDEX </a:t>
+            </a:r>
+            <a:r>
+              <a:rPr lang="en-US" b="0" i="0" dirty="0" err="1">
+                <a:solidFill>
+                  <a:srgbClr val="FFFFFF"/>
+                </a:solidFill>
+                <a:effectLst/>
+                <a:latin typeface="Courier New" panose="02070309020205020404" pitchFamily="49" charset="0"/>
+              </a:rPr>
+              <a:t>index_test</a:t>
+            </a:r>
+            <a:r>
+              <a:rPr lang="en-US" b="0" i="0" dirty="0">
+                <a:solidFill>
+                  <a:srgbClr val="FFFFFF"/>
+                </a:solidFill>
+                <a:effectLst/>
+                <a:latin typeface="Courier New" panose="02070309020205020404" pitchFamily="49" charset="0"/>
+              </a:rPr>
+              <a:t> ON </a:t>
+            </a:r>
+            <a:r>
+              <a:rPr lang="en-US" b="0" i="0" dirty="0" err="1">
+                <a:solidFill>
+                  <a:srgbClr val="FFFFFF"/>
+                </a:solidFill>
+                <a:effectLst/>
+                <a:latin typeface="Courier New" panose="02070309020205020404" pitchFamily="49" charset="0"/>
+              </a:rPr>
+              <a:t>table_test</a:t>
+            </a:r>
+            <a:r>
+              <a:rPr lang="en-US" b="0" i="0" dirty="0">
+                <a:solidFill>
+                  <a:srgbClr val="FFFFFF"/>
+                </a:solidFill>
+                <a:effectLst/>
+                <a:latin typeface="Courier New" panose="02070309020205020404" pitchFamily="49" charset="0"/>
+              </a:rPr>
+              <a:t> (</a:t>
+            </a:r>
+            <a:r>
+              <a:rPr lang="en-US" b="0" i="0" dirty="0" err="1">
+                <a:solidFill>
+                  <a:srgbClr val="FFFFFF"/>
+                </a:solidFill>
+                <a:effectLst/>
+                <a:latin typeface="Courier New" panose="02070309020205020404" pitchFamily="49" charset="0"/>
+              </a:rPr>
+              <a:t>column_name</a:t>
+            </a:r>
+            <a:r>
+              <a:rPr lang="en-US" b="0" i="0" dirty="0">
+                <a:solidFill>
+                  <a:srgbClr val="FFFFFF"/>
+                </a:solidFill>
+                <a:effectLst/>
+                <a:latin typeface="Courier New" panose="02070309020205020404" pitchFamily="49" charset="0"/>
+              </a:rPr>
+              <a:t>);</a:t>
+            </a:r>
+            <a:endParaRPr lang="ru-RU" dirty="0">
+              <a:latin typeface="Times New Roman" panose="02020603050405020304" pitchFamily="18" charset="0"/>
+              <a:cs typeface="Times New Roman" panose="02020603050405020304" pitchFamily="18" charset="0"/>
+            </a:endParaRPr>
+          </a:p>
+          <a:p>
+            <a:pPr>
+              <a:lnSpc>
+                <a:spcPct val="150000"/>
+              </a:lnSpc>
+            </a:pPr>
+            <a:endParaRPr lang="ru-RU" dirty="0">
+              <a:latin typeface="Times New Roman" panose="02020603050405020304" pitchFamily="18" charset="0"/>
+              <a:cs typeface="Times New Roman" panose="02020603050405020304" pitchFamily="18" charset="0"/>
+            </a:endParaRPr>
+          </a:p>
+          <a:p>
+            <a:pPr>
+              <a:lnSpc>
+                <a:spcPct val="150000"/>
+              </a:lnSpc>
+            </a:pPr>
+            <a:r>
+              <a:rPr lang="ru-RU" dirty="0">
+                <a:highlight>
+                  <a:srgbClr val="00FF00"/>
+                </a:highlight>
+                <a:latin typeface="Times New Roman" panose="02020603050405020304" pitchFamily="18" charset="0"/>
+                <a:cs typeface="Times New Roman" panose="02020603050405020304" pitchFamily="18" charset="0"/>
+              </a:rPr>
+              <a:t>О влиянии индексов на производительность поговорим в </a:t>
+            </a:r>
+            <a:r>
+              <a:rPr lang="ru-RU" dirty="0" err="1">
+                <a:highlight>
+                  <a:srgbClr val="00FF00"/>
+                </a:highlight>
+                <a:latin typeface="Times New Roman" panose="02020603050405020304" pitchFamily="18" charset="0"/>
+                <a:cs typeface="Times New Roman" panose="02020603050405020304" pitchFamily="18" charset="0"/>
+              </a:rPr>
+              <a:t>практичсекой</a:t>
+            </a:r>
+            <a:r>
+              <a:rPr lang="ru-RU" dirty="0">
+                <a:highlight>
+                  <a:srgbClr val="00FF00"/>
+                </a:highlight>
+                <a:latin typeface="Times New Roman" panose="02020603050405020304" pitchFamily="18" charset="0"/>
+                <a:cs typeface="Times New Roman" panose="02020603050405020304" pitchFamily="18" charset="0"/>
+              </a:rPr>
+              <a:t> части ВКР</a:t>
             </a:r>
           </a:p>
         </p:txBody>
@@ -7592,7 +7791,7 @@
     </p:spTree>
     <p:extLst>
       <p:ext uri="{BB962C8B-B14F-4D97-AF65-F5344CB8AC3E}">
-        <p14:creationId xmlns:p14="http://schemas.microsoft.com/office/powerpoint/2010/main" val="2890528895"/>
+        <p14:creationId xmlns:p14="http://schemas.microsoft.com/office/powerpoint/2010/main" val="2342363611"/>
       </p:ext>
     </p:extLst>
   </p:cSld>
@@ -7857,7 +8056,7 @@
         <p:spPr>
           <a:xfrm>
             <a:off x="1833562" y="2505760"/>
-            <a:ext cx="7443787" cy="646331"/>
+            <a:ext cx="7443787" cy="1477328"/>
           </a:xfrm>
           <a:prstGeom prst="rect">
             <a:avLst/>
@@ -7879,7 +8078,58 @@
               </a:rPr>
               <a:t>Кэширование — это временное хранение часто используемых данных на носителях информации</a:t>
             </a:r>
-            <a:endParaRPr lang="ru-RU" dirty="0"/>
+          </a:p>
+          <a:p>
+            <a:endParaRPr lang="ru-RU" dirty="0">
+              <a:latin typeface="Times New Roman" panose="02020603050405020304" pitchFamily="18" charset="0"/>
+              <a:cs typeface="Times New Roman CYR" panose="02020603050405020304" pitchFamily="18" charset="0"/>
+            </a:endParaRPr>
+          </a:p>
+          <a:p>
+            <a:r>
+              <a:rPr lang="ru-RU" b="0" i="0" dirty="0">
+                <a:solidFill>
+                  <a:srgbClr val="111111"/>
+                </a:solidFill>
+                <a:effectLst/>
+                <a:highlight>
+                  <a:srgbClr val="00FF00"/>
+                </a:highlight>
+                <a:latin typeface="-apple-system"/>
+              </a:rPr>
+              <a:t>Кеш запросов можно представлять себе как </a:t>
+            </a:r>
+            <a:r>
+              <a:rPr lang="ru-RU" b="0" i="0" dirty="0" err="1">
+                <a:solidFill>
+                  <a:srgbClr val="111111"/>
+                </a:solidFill>
+                <a:effectLst/>
+                <a:highlight>
+                  <a:srgbClr val="00FF00"/>
+                </a:highlight>
+                <a:latin typeface="-apple-system"/>
+              </a:rPr>
+              <a:t>хеш</a:t>
+            </a:r>
+            <a:r>
+              <a:rPr lang="ru-RU" b="0" i="0" dirty="0">
+                <a:solidFill>
+                  <a:srgbClr val="111111"/>
+                </a:solidFill>
+                <a:effectLst/>
+                <a:highlight>
+                  <a:srgbClr val="00FF00"/>
+                </a:highlight>
+                <a:latin typeface="-apple-system"/>
+              </a:rPr>
+              <a:t>, ключами которого являются запросы, а значениями — результаты запросов.</a:t>
+            </a:r>
+            <a:endParaRPr lang="ru-RU" dirty="0">
+              <a:highlight>
+                <a:srgbClr val="00FF00"/>
+              </a:highlight>
+            </a:endParaRPr>
           </a:p>
         </p:txBody>
       </p:sp>
@@ -8010,14 +8260,14 @@
               <a:buAutoNum type="arabicPeriod"/>
             </a:pPr>
             <a:r>
-              <a:rPr lang="ru-RU" dirty="0"/>
+              <a:rPr lang="ru-RU" strike="sngStrike" dirty="0"/>
               <a:t>Анализ загрузки страниц веб-сайта</a:t>
             </a:r>
             <a:r>
-              <a:rPr lang="en-US" dirty="0"/>
+              <a:rPr lang="en-US" strike="sngStrike" dirty="0"/>
               <a:t>;</a:t>
             </a:r>
-            <a:endParaRPr lang="ru-RU" dirty="0"/>
+            <a:endParaRPr lang="ru-RU" strike="sngStrike" dirty="0"/>
           </a:p>
           <a:p>
             <a:pPr marL="800100" lvl="1" indent="-342900">
@@ -8028,7 +8278,7 @@
               <a:buAutoNum type="arabicPeriod"/>
             </a:pPr>
             <a:r>
-              <a:rPr lang="ru-RU" dirty="0"/>
+              <a:rPr lang="ru-RU" strike="sngStrike" dirty="0"/>
               <a:t>Индексация таблиц базы данных</a:t>
             </a:r>
             <a:r>

--- a/ВКР_5.pptx
+++ b/ВКР_5.pptx
@@ -16,10 +16,12 @@
     <p:sldId id="300" r:id="rId10"/>
     <p:sldId id="301" r:id="rId11"/>
     <p:sldId id="302" r:id="rId12"/>
-    <p:sldId id="303" r:id="rId13"/>
-    <p:sldId id="304" r:id="rId14"/>
-    <p:sldId id="305" r:id="rId15"/>
-    <p:sldId id="293" r:id="rId16"/>
+    <p:sldId id="310" r:id="rId13"/>
+    <p:sldId id="311" r:id="rId14"/>
+    <p:sldId id="303" r:id="rId15"/>
+    <p:sldId id="304" r:id="rId16"/>
+    <p:sldId id="305" r:id="rId17"/>
+    <p:sldId id="293" r:id="rId18"/>
   </p:sldIdLst>
   <p:sldSz cx="12192000" cy="6858000"/>
   <p:notesSz cx="6858000" cy="9144000"/>
@@ -134,6 +136,8 @@
             <p14:sldId id="300"/>
             <p14:sldId id="301"/>
             <p14:sldId id="302"/>
+            <p14:sldId id="310"/>
+            <p14:sldId id="311"/>
             <p14:sldId id="303"/>
             <p14:sldId id="304"/>
             <p14:sldId id="305"/>
@@ -5746,7 +5750,7 @@
 </file>
 
 <file path=ppt/slides/slide10.xml><?xml version="1.0" encoding="utf-8"?>
-<p:sld xmlns:a="http://schemas.openxmlformats.org/drawingml/2006/main" xmlns:r="http://schemas.openxmlformats.org/officeDocument/2006/relationships" xmlns:p="http://schemas.openxmlformats.org/presentationml/2006/main">
+<p:sld xmlns:a="http://schemas.openxmlformats.org/drawingml/2006/main" xmlns:r="http://schemas.openxmlformats.org/officeDocument/2006/relationships" xmlns:p="http://schemas.openxmlformats.org/presentationml/2006/main" show="0">
   <p:cSld>
     <p:spTree>
       <p:nvGrpSpPr>
@@ -5958,7 +5962,7 @@
         <p:spPr>
           <a:xfrm>
             <a:off x="742950" y="1971675"/>
-            <a:ext cx="11115675" cy="646331"/>
+            <a:ext cx="11115675" cy="3416320"/>
           </a:xfrm>
           <a:prstGeom prst="rect">
             <a:avLst/>
@@ -5973,12 +5977,63 @@
           <a:p>
             <a:r>
               <a:rPr lang="ru-RU" dirty="0"/>
-              <a:t>Рассказать что такое кеширование. Рассказать какие инструменты использовались – будем использовать </a:t>
+              <a:t>У современный СУБД уже есть свой механизм кеширования. Но его использование нацелено лишь на кеширование запросов, а в современных информационных системах зачастую реализованы сложные, трудоёмкие алгоритмы, результат работы которых также следует кешировать. </a:t>
+            </a:r>
+            <a:br>
+              <a:rPr lang="ru-RU" dirty="0"/>
+            </a:br>
+            <a:br>
+              <a:rPr lang="ru-RU" dirty="0"/>
+            </a:br>
+            <a:r>
+              <a:rPr lang="ru-RU" dirty="0"/>
+              <a:t>Кеш можно хранить как в оперативной памяти, так и на устройствах постоянного хранения данных. Самый эффективный способ – это хранения </a:t>
+            </a:r>
+            <a:r>
+              <a:rPr lang="ru-RU" dirty="0" err="1"/>
+              <a:t>кеша</a:t>
+            </a:r>
+            <a:r>
+              <a:rPr lang="ru-RU" dirty="0"/>
+              <a:t> в оперативной памяти. </a:t>
+            </a:r>
+          </a:p>
+          <a:p>
+            <a:endParaRPr lang="ru-RU" dirty="0"/>
+          </a:p>
+          <a:p>
+            <a:r>
+              <a:rPr lang="ru-RU" dirty="0"/>
+              <a:t>В создаваемой библиотеке был использован инструмент </a:t>
             </a:r>
             <a:r>
               <a:rPr lang="en-US" dirty="0"/>
-              <a:t>Redis</a:t>
-            </a:r>
+              <a:t>Redis – </a:t>
+            </a:r>
+            <a:r>
+              <a:rPr lang="ru-RU" dirty="0"/>
+              <a:t>это </a:t>
+            </a:r>
+            <a:r>
+              <a:rPr lang="ru-RU" dirty="0" err="1"/>
+              <a:t>нереляционная</a:t>
+            </a:r>
+            <a:r>
+              <a:rPr lang="ru-RU" dirty="0"/>
+              <a:t> резидентная СУБД, хранящая данные в виде пар «ключ-значение».</a:t>
+            </a:r>
+          </a:p>
+          <a:p>
+            <a:r>
+              <a:rPr lang="en-US" dirty="0"/>
+              <a:t>Redis </a:t>
+            </a:r>
+            <a:r>
+              <a:rPr lang="ru-RU" dirty="0"/>
+              <a:t>часто используют для кеширования данных, </a:t>
+            </a:r>
+          </a:p>
+          <a:p>
             <a:endParaRPr lang="ru-RU" dirty="0"/>
           </a:p>
         </p:txBody>
@@ -6034,29 +6089,24 @@
         </p:nvSpPr>
         <p:spPr>
           <a:xfrm>
-            <a:off x="1147762" y="304800"/>
+            <a:off x="1147762" y="333375"/>
             <a:ext cx="10086975" cy="1507067"/>
           </a:xfrm>
         </p:spPr>
         <p:txBody>
           <a:bodyPr>
-            <a:normAutofit fontScale="90000"/>
+            <a:normAutofit/>
           </a:bodyPr>
           <a:lstStyle/>
           <a:p>
             <a:pPr algn="ctr"/>
             <a:r>
-              <a:rPr lang="ru-RU" dirty="0"/>
-              <a:t>Взаимодействие между компонентами информационной системы по протоколу </a:t>
-            </a:r>
-            <a:r>
-              <a:rPr lang="en-US" dirty="0"/>
-              <a:t>AMQP</a:t>
-            </a:r>
-            <a:endParaRPr lang="ru-RU" dirty="0">
-              <a:latin typeface="Times New Roman" panose="02020603050405020304" pitchFamily="18" charset="0"/>
-              <a:cs typeface="Times New Roman" panose="02020603050405020304" pitchFamily="18" charset="0"/>
-            </a:endParaRPr>
+              <a:rPr lang="ru-RU" dirty="0">
+                <a:latin typeface="Times New Roman" panose="02020603050405020304" pitchFamily="18" charset="0"/>
+                <a:cs typeface="Times New Roman" panose="02020603050405020304" pitchFamily="18" charset="0"/>
+              </a:rPr>
+              <a:t>Кеширование результатов работы программных алгоритмов</a:t>
+            </a:r>
           </a:p>
         </p:txBody>
       </p:sp>
@@ -6065,7 +6115,7 @@
           <p:cNvPr id="4" name="TextBox 3">
             <a:extLst>
               <a:ext uri="{FF2B5EF4-FFF2-40B4-BE49-F238E27FC236}">
-                <a16:creationId xmlns:a16="http://schemas.microsoft.com/office/drawing/2014/main" id="{1BF290D8-08B8-8963-0CAE-1152CCED4A0A}"/>
+                <a16:creationId xmlns:a16="http://schemas.microsoft.com/office/drawing/2014/main" id="{D109EECE-465C-CB73-1397-AB92583C92AB}"/>
               </a:ext>
             </a:extLst>
           </p:cNvPr>
@@ -6074,8 +6124,8 @@
         </p:nvSpPr>
         <p:spPr>
           <a:xfrm>
-            <a:off x="1800225" y="2105025"/>
-            <a:ext cx="8353425" cy="923330"/>
+            <a:off x="742950" y="1971675"/>
+            <a:ext cx="11115675" cy="3970318"/>
           </a:xfrm>
           <a:prstGeom prst="rect">
             <a:avLst/>
@@ -6088,38 +6138,214 @@
           </a:bodyPr>
           <a:lstStyle/>
           <a:p>
-            <a:r>
-              <a:rPr lang="ru-RU" dirty="0"/>
-              <a:t>Рассказать про протокол </a:t>
-            </a:r>
-            <a:r>
-              <a:rPr lang="en-US" dirty="0"/>
-              <a:t>AMQP</a:t>
-            </a:r>
-            <a:r>
-              <a:rPr lang="ru-RU" dirty="0"/>
-              <a:t>. Суть обмена сообщениями и что это даёт и как можно регулировать нагрузку.</a:t>
-            </a:r>
-            <a:r>
-              <a:rPr lang="en-US" dirty="0"/>
-              <a:t> </a:t>
-            </a:r>
-            <a:r>
-              <a:rPr lang="ru-RU" dirty="0"/>
-              <a:t>Рассказать об используемых инструментах - </a:t>
-            </a:r>
-            <a:r>
-              <a:rPr lang="en-US" dirty="0" err="1"/>
-              <a:t>rabbitMQ</a:t>
-            </a:r>
-            <a:endParaRPr lang="ru-RU" dirty="0"/>
+            <a:pPr algn="l" fontAlgn="base" latinLnBrk="0">
+              <a:buFont typeface="Arial" panose="020B0604020202020204" pitchFamily="34" charset="0"/>
+              <a:buChar char="•"/>
+            </a:pPr>
+            <a:r>
+              <a:rPr lang="ru-RU" b="0" i="0" u="none" strike="noStrike" dirty="0">
+                <a:effectLst/>
+                <a:latin typeface="Times New Roman" panose="02020603050405020304" pitchFamily="18" charset="0"/>
+                <a:cs typeface="Times New Roman" panose="02020603050405020304" pitchFamily="18" charset="0"/>
+              </a:rPr>
+              <a:t>для хранения пользовательских сессий;</a:t>
+            </a:r>
+          </a:p>
+          <a:p>
+            <a:pPr algn="l" fontAlgn="base" latinLnBrk="0">
+              <a:buFont typeface="Arial" panose="020B0604020202020204" pitchFamily="34" charset="0"/>
+              <a:buChar char="•"/>
+            </a:pPr>
+            <a:r>
+              <a:rPr lang="ru-RU" b="0" i="0" u="none" strike="noStrike" dirty="0">
+                <a:effectLst/>
+                <a:latin typeface="Times New Roman" panose="02020603050405020304" pitchFamily="18" charset="0"/>
+                <a:cs typeface="Times New Roman" panose="02020603050405020304" pitchFamily="18" charset="0"/>
+              </a:rPr>
+              <a:t>как брокер сообщений</a:t>
+            </a:r>
+            <a:r>
+              <a:rPr lang="en-US" b="0" i="0" u="none" strike="noStrike" dirty="0">
+                <a:effectLst/>
+                <a:latin typeface="Times New Roman" panose="02020603050405020304" pitchFamily="18" charset="0"/>
+                <a:cs typeface="Times New Roman" panose="02020603050405020304" pitchFamily="18" charset="0"/>
+              </a:rPr>
+              <a:t> – </a:t>
+            </a:r>
+            <a:r>
+              <a:rPr lang="ru-RU" b="0" i="0" u="none" strike="noStrike" dirty="0">
+                <a:effectLst/>
+                <a:latin typeface="Times New Roman" panose="02020603050405020304" pitchFamily="18" charset="0"/>
+                <a:cs typeface="Times New Roman" panose="02020603050405020304" pitchFamily="18" charset="0"/>
+              </a:rPr>
+              <a:t>о брокерах сообщений мы ещё поговорим дальше</a:t>
+            </a:r>
+            <a:r>
+              <a:rPr lang="en-US" b="0" i="0" u="none" strike="noStrike" dirty="0">
+                <a:effectLst/>
+                <a:latin typeface="Times New Roman" panose="02020603050405020304" pitchFamily="18" charset="0"/>
+                <a:cs typeface="Times New Roman" panose="02020603050405020304" pitchFamily="18" charset="0"/>
+              </a:rPr>
+              <a:t>;</a:t>
+            </a:r>
+            <a:endParaRPr lang="ru-RU" b="0" i="0" u="none" strike="noStrike" dirty="0">
+              <a:effectLst/>
+              <a:latin typeface="Times New Roman" panose="02020603050405020304" pitchFamily="18" charset="0"/>
+              <a:cs typeface="Times New Roman" panose="02020603050405020304" pitchFamily="18" charset="0"/>
+            </a:endParaRPr>
+          </a:p>
+          <a:p>
+            <a:pPr algn="l" fontAlgn="base" latinLnBrk="0">
+              <a:buFont typeface="Arial" panose="020B0604020202020204" pitchFamily="34" charset="0"/>
+              <a:buChar char="•"/>
+            </a:pPr>
+            <a:r>
+              <a:rPr lang="ru-RU" b="0" i="0" u="none" strike="noStrike" dirty="0">
+                <a:effectLst/>
+                <a:latin typeface="Times New Roman" panose="02020603050405020304" pitchFamily="18" charset="0"/>
+                <a:cs typeface="Times New Roman" panose="02020603050405020304" pitchFamily="18" charset="0"/>
+              </a:rPr>
+              <a:t>как СУБД для небольших приложений;</a:t>
+            </a:r>
+          </a:p>
+          <a:p>
+            <a:pPr algn="l" fontAlgn="base" latinLnBrk="0">
+              <a:buFont typeface="Arial" panose="020B0604020202020204" pitchFamily="34" charset="0"/>
+              <a:buChar char="•"/>
+            </a:pPr>
+            <a:r>
+              <a:rPr lang="ru-RU" b="0" i="0" u="none" strike="noStrike" dirty="0">
+                <a:effectLst/>
+                <a:latin typeface="Times New Roman" panose="02020603050405020304" pitchFamily="18" charset="0"/>
+                <a:cs typeface="Times New Roman" panose="02020603050405020304" pitchFamily="18" charset="0"/>
+              </a:rPr>
+              <a:t>для кэширования данных из основного хранилища, что значительно снижает нагрузку на реляционную базу данных;</a:t>
+            </a:r>
+          </a:p>
+          <a:p>
+            <a:pPr algn="l" fontAlgn="base" latinLnBrk="0">
+              <a:buFont typeface="Arial" panose="020B0604020202020204" pitchFamily="34" charset="0"/>
+              <a:buChar char="•"/>
+            </a:pPr>
+            <a:r>
+              <a:rPr lang="ru-RU" b="0" i="0" u="none" strike="noStrike" dirty="0">
+                <a:effectLst/>
+                <a:latin typeface="Times New Roman" panose="02020603050405020304" pitchFamily="18" charset="0"/>
+                <a:cs typeface="Times New Roman" panose="02020603050405020304" pitchFamily="18" charset="0"/>
+              </a:rPr>
+              <a:t>для хранения «быстрых» данных — когда важны скорость и критичны задержки передачи (аналитика и анализ данных, финансовые и торговые сервисы).</a:t>
+            </a:r>
+          </a:p>
+          <a:p>
+            <a:endParaRPr lang="en-US" dirty="0">
+              <a:latin typeface="Times New Roman" panose="02020603050405020304" pitchFamily="18" charset="0"/>
+              <a:cs typeface="Times New Roman" panose="02020603050405020304" pitchFamily="18" charset="0"/>
+            </a:endParaRPr>
+          </a:p>
+          <a:p>
+            <a:endParaRPr lang="en-US" dirty="0">
+              <a:latin typeface="Times New Roman" panose="02020603050405020304" pitchFamily="18" charset="0"/>
+              <a:cs typeface="Times New Roman" panose="02020603050405020304" pitchFamily="18" charset="0"/>
+            </a:endParaRPr>
+          </a:p>
+          <a:p>
+            <a:r>
+              <a:rPr lang="ru-RU" dirty="0">
+                <a:latin typeface="Times New Roman" panose="02020603050405020304" pitchFamily="18" charset="0"/>
+                <a:cs typeface="Times New Roman" panose="02020603050405020304" pitchFamily="18" charset="0"/>
+              </a:rPr>
+              <a:t>Мы же использовали </a:t>
+            </a:r>
+            <a:r>
+              <a:rPr lang="en-US" dirty="0">
+                <a:latin typeface="Times New Roman" panose="02020603050405020304" pitchFamily="18" charset="0"/>
+                <a:cs typeface="Times New Roman" panose="02020603050405020304" pitchFamily="18" charset="0"/>
+              </a:rPr>
+              <a:t>Redis</a:t>
+            </a:r>
+            <a:r>
+              <a:rPr lang="ru-RU" dirty="0">
+                <a:latin typeface="Times New Roman" panose="02020603050405020304" pitchFamily="18" charset="0"/>
+                <a:cs typeface="Times New Roman" panose="02020603050405020304" pitchFamily="18" charset="0"/>
+              </a:rPr>
+              <a:t> для кеширования данных.</a:t>
+            </a:r>
+          </a:p>
+          <a:p>
+            <a:endParaRPr lang="ru-RU" dirty="0">
+              <a:latin typeface="Times New Roman" panose="02020603050405020304" pitchFamily="18" charset="0"/>
+              <a:cs typeface="Times New Roman" panose="02020603050405020304" pitchFamily="18" charset="0"/>
+            </a:endParaRPr>
+          </a:p>
+          <a:p>
+            <a:r>
+              <a:rPr lang="ru-RU" dirty="0">
+                <a:latin typeface="Times New Roman" panose="02020603050405020304" pitchFamily="18" charset="0"/>
+                <a:cs typeface="Times New Roman" panose="02020603050405020304" pitchFamily="18" charset="0"/>
+              </a:rPr>
+              <a:t>На основе </a:t>
+            </a:r>
+            <a:r>
+              <a:rPr lang="en-US" dirty="0">
+                <a:latin typeface="Times New Roman" panose="02020603050405020304" pitchFamily="18" charset="0"/>
+                <a:cs typeface="Times New Roman" panose="02020603050405020304" pitchFamily="18" charset="0"/>
+              </a:rPr>
+              <a:t>Redis</a:t>
+            </a:r>
+            <a:r>
+              <a:rPr lang="ru-RU" dirty="0">
+                <a:latin typeface="Times New Roman" panose="02020603050405020304" pitchFamily="18" charset="0"/>
+                <a:cs typeface="Times New Roman" panose="02020603050405020304" pitchFamily="18" charset="0"/>
+              </a:rPr>
+              <a:t> был описан </a:t>
+            </a:r>
+            <a:r>
+              <a:rPr lang="en-US" dirty="0" err="1">
+                <a:latin typeface="Times New Roman" panose="02020603050405020304" pitchFamily="18" charset="0"/>
+                <a:cs typeface="Times New Roman" panose="02020603050405020304" pitchFamily="18" charset="0"/>
+              </a:rPr>
+              <a:t>php</a:t>
+            </a:r>
+            <a:r>
+              <a:rPr lang="ru-RU" dirty="0">
+                <a:latin typeface="Times New Roman" panose="02020603050405020304" pitchFamily="18" charset="0"/>
+                <a:cs typeface="Times New Roman" panose="02020603050405020304" pitchFamily="18" charset="0"/>
+              </a:rPr>
+              <a:t> класс, который и позволил использовать </a:t>
+            </a:r>
+            <a:r>
+              <a:rPr lang="en-US" dirty="0">
+                <a:latin typeface="Times New Roman" panose="02020603050405020304" pitchFamily="18" charset="0"/>
+                <a:cs typeface="Times New Roman" panose="02020603050405020304" pitchFamily="18" charset="0"/>
+              </a:rPr>
+              <a:t>Redis</a:t>
+            </a:r>
+            <a:r>
+              <a:rPr lang="ru-RU" dirty="0">
+                <a:latin typeface="Times New Roman" panose="02020603050405020304" pitchFamily="18" charset="0"/>
+                <a:cs typeface="Times New Roman" panose="02020603050405020304" pitchFamily="18" charset="0"/>
+              </a:rPr>
+              <a:t> для кеширования данных</a:t>
+            </a:r>
+          </a:p>
+          <a:p>
+            <a:endParaRPr lang="ru-RU" dirty="0">
+              <a:latin typeface="Times New Roman" panose="02020603050405020304" pitchFamily="18" charset="0"/>
+              <a:cs typeface="Times New Roman" panose="02020603050405020304" pitchFamily="18" charset="0"/>
+            </a:endParaRPr>
+          </a:p>
+          <a:p>
+            <a:endParaRPr lang="ru-RU" dirty="0">
+              <a:latin typeface="Times New Roman" panose="02020603050405020304" pitchFamily="18" charset="0"/>
+              <a:cs typeface="Times New Roman" panose="02020603050405020304" pitchFamily="18" charset="0"/>
+            </a:endParaRPr>
           </a:p>
         </p:txBody>
       </p:sp>
     </p:spTree>
     <p:extLst>
       <p:ext uri="{BB962C8B-B14F-4D97-AF65-F5344CB8AC3E}">
-        <p14:creationId xmlns:p14="http://schemas.microsoft.com/office/powerpoint/2010/main" val="4123049115"/>
+        <p14:creationId xmlns:p14="http://schemas.microsoft.com/office/powerpoint/2010/main" val="800727005"/>
       </p:ext>
     </p:extLst>
   </p:cSld>
@@ -6167,7 +6393,7 @@
         </p:nvSpPr>
         <p:spPr>
           <a:xfrm>
-            <a:off x="1147762" y="304800"/>
+            <a:off x="1147762" y="333375"/>
             <a:ext cx="10086975" cy="1507067"/>
           </a:xfrm>
         </p:spPr>
@@ -6179,13 +6405,12 @@
           <a:p>
             <a:pPr algn="ctr"/>
             <a:r>
-              <a:rPr lang="ru-RU" dirty="0"/>
-              <a:t>Результаты использования разработанного инструмента</a:t>
-            </a:r>
-            <a:endParaRPr lang="ru-RU" dirty="0">
-              <a:latin typeface="Times New Roman" panose="02020603050405020304" pitchFamily="18" charset="0"/>
-              <a:cs typeface="Times New Roman" panose="02020603050405020304" pitchFamily="18" charset="0"/>
-            </a:endParaRPr>
+              <a:rPr lang="ru-RU" dirty="0">
+                <a:latin typeface="Times New Roman" panose="02020603050405020304" pitchFamily="18" charset="0"/>
+                <a:cs typeface="Times New Roman" panose="02020603050405020304" pitchFamily="18" charset="0"/>
+              </a:rPr>
+              <a:t>Кеширование результатов работы программных алгоритмов</a:t>
+            </a:r>
           </a:p>
         </p:txBody>
       </p:sp>
@@ -6194,7 +6419,7 @@
           <p:cNvPr id="4" name="TextBox 3">
             <a:extLst>
               <a:ext uri="{FF2B5EF4-FFF2-40B4-BE49-F238E27FC236}">
-                <a16:creationId xmlns:a16="http://schemas.microsoft.com/office/drawing/2014/main" id="{1BF290D8-08B8-8963-0CAE-1152CCED4A0A}"/>
+                <a16:creationId xmlns:a16="http://schemas.microsoft.com/office/drawing/2014/main" id="{D109EECE-465C-CB73-1397-AB92583C92AB}"/>
               </a:ext>
             </a:extLst>
           </p:cNvPr>
@@ -6203,8 +6428,8 @@
         </p:nvSpPr>
         <p:spPr>
           <a:xfrm>
-            <a:off x="1800225" y="2105025"/>
-            <a:ext cx="8353425" cy="1754326"/>
+            <a:off x="742950" y="1971675"/>
+            <a:ext cx="11115675" cy="1754326"/>
           </a:xfrm>
           <a:prstGeom prst="rect">
             <a:avLst/>
@@ -6218,72 +6443,1434 @@
           <a:lstStyle/>
           <a:p>
             <a:r>
-              <a:rPr lang="ru-RU" dirty="0"/>
-              <a:t>Данные взять со Сплава. Интересуют</a:t>
-            </a:r>
-            <a:r>
-              <a:rPr lang="en-US" dirty="0"/>
-              <a:t>:</a:t>
-            </a:r>
-          </a:p>
-          <a:p>
-            <a:pPr marL="342900" indent="-342900">
-              <a:buAutoNum type="arabicPeriod"/>
+              <a:rPr lang="ru-RU" dirty="0">
+                <a:latin typeface="Times New Roman" panose="02020603050405020304" pitchFamily="18" charset="0"/>
+                <a:cs typeface="Times New Roman" panose="02020603050405020304" pitchFamily="18" charset="0"/>
+              </a:rPr>
+              <a:t>Мы же использовали </a:t>
+            </a:r>
+            <a:r>
+              <a:rPr lang="en-US" dirty="0">
+                <a:latin typeface="Times New Roman" panose="02020603050405020304" pitchFamily="18" charset="0"/>
+                <a:cs typeface="Times New Roman" panose="02020603050405020304" pitchFamily="18" charset="0"/>
+              </a:rPr>
+              <a:t>Redis</a:t>
+            </a:r>
+            <a:r>
+              <a:rPr lang="ru-RU" dirty="0">
+                <a:latin typeface="Times New Roman" panose="02020603050405020304" pitchFamily="18" charset="0"/>
+                <a:cs typeface="Times New Roman" panose="02020603050405020304" pitchFamily="18" charset="0"/>
+              </a:rPr>
+              <a:t> для кеширования данных.</a:t>
+            </a:r>
+          </a:p>
+          <a:p>
+            <a:endParaRPr lang="ru-RU" dirty="0">
+              <a:latin typeface="Times New Roman" panose="02020603050405020304" pitchFamily="18" charset="0"/>
+              <a:cs typeface="Times New Roman" panose="02020603050405020304" pitchFamily="18" charset="0"/>
+            </a:endParaRPr>
+          </a:p>
+          <a:p>
+            <a:r>
+              <a:rPr lang="ru-RU" dirty="0">
+                <a:latin typeface="Times New Roman" panose="02020603050405020304" pitchFamily="18" charset="0"/>
+                <a:cs typeface="Times New Roman" panose="02020603050405020304" pitchFamily="18" charset="0"/>
+              </a:rPr>
+              <a:t>На основе </a:t>
+            </a:r>
+            <a:r>
+              <a:rPr lang="en-US" dirty="0">
+                <a:latin typeface="Times New Roman" panose="02020603050405020304" pitchFamily="18" charset="0"/>
+                <a:cs typeface="Times New Roman" panose="02020603050405020304" pitchFamily="18" charset="0"/>
+              </a:rPr>
+              <a:t>Redis</a:t>
+            </a:r>
+            <a:r>
+              <a:rPr lang="ru-RU" dirty="0">
+                <a:latin typeface="Times New Roman" panose="02020603050405020304" pitchFamily="18" charset="0"/>
+                <a:cs typeface="Times New Roman" panose="02020603050405020304" pitchFamily="18" charset="0"/>
+              </a:rPr>
+              <a:t> был описан </a:t>
+            </a:r>
+            <a:r>
+              <a:rPr lang="en-US" dirty="0" err="1">
+                <a:latin typeface="Times New Roman" panose="02020603050405020304" pitchFamily="18" charset="0"/>
+                <a:cs typeface="Times New Roman" panose="02020603050405020304" pitchFamily="18" charset="0"/>
+              </a:rPr>
+              <a:t>php</a:t>
+            </a:r>
+            <a:r>
+              <a:rPr lang="ru-RU" dirty="0">
+                <a:latin typeface="Times New Roman" panose="02020603050405020304" pitchFamily="18" charset="0"/>
+                <a:cs typeface="Times New Roman" panose="02020603050405020304" pitchFamily="18" charset="0"/>
+              </a:rPr>
+              <a:t> класс, который и позволил использовать </a:t>
+            </a:r>
+            <a:r>
+              <a:rPr lang="en-US" dirty="0">
+                <a:latin typeface="Times New Roman" panose="02020603050405020304" pitchFamily="18" charset="0"/>
+                <a:cs typeface="Times New Roman" panose="02020603050405020304" pitchFamily="18" charset="0"/>
+              </a:rPr>
+              <a:t>Redis</a:t>
+            </a:r>
+            <a:r>
+              <a:rPr lang="ru-RU" dirty="0">
+                <a:latin typeface="Times New Roman" panose="02020603050405020304" pitchFamily="18" charset="0"/>
+                <a:cs typeface="Times New Roman" panose="02020603050405020304" pitchFamily="18" charset="0"/>
+              </a:rPr>
+              <a:t> для кеширования данных</a:t>
+            </a:r>
+          </a:p>
+          <a:p>
+            <a:endParaRPr lang="ru-RU" dirty="0">
+              <a:latin typeface="Times New Roman" panose="02020603050405020304" pitchFamily="18" charset="0"/>
+              <a:cs typeface="Times New Roman" panose="02020603050405020304" pitchFamily="18" charset="0"/>
+            </a:endParaRPr>
+          </a:p>
+          <a:p>
+            <a:endParaRPr lang="ru-RU" dirty="0">
+              <a:latin typeface="Times New Roman" panose="02020603050405020304" pitchFamily="18" charset="0"/>
+              <a:cs typeface="Times New Roman" panose="02020603050405020304" pitchFamily="18" charset="0"/>
+            </a:endParaRPr>
+          </a:p>
+          <a:p>
+            <a:endParaRPr lang="ru-RU" dirty="0">
+              <a:latin typeface="Times New Roman" panose="02020603050405020304" pitchFamily="18" charset="0"/>
+              <a:cs typeface="Times New Roman" panose="02020603050405020304" pitchFamily="18" charset="0"/>
+            </a:endParaRPr>
+          </a:p>
+        </p:txBody>
+      </p:sp>
+      <p:sp>
+        <p:nvSpPr>
+          <p:cNvPr id="8" name="Rectangle 5">
+            <a:extLst>
+              <a:ext uri="{FF2B5EF4-FFF2-40B4-BE49-F238E27FC236}">
+                <a16:creationId xmlns:a16="http://schemas.microsoft.com/office/drawing/2014/main" id="{3E43C3E5-BBE2-9898-8AFB-A5C9E19C6D06}"/>
+              </a:ext>
+            </a:extLst>
+          </p:cNvPr>
+          <p:cNvSpPr>
+            <a:spLocks noChangeArrowheads="1"/>
+          </p:cNvSpPr>
+          <p:nvPr/>
+        </p:nvSpPr>
+        <p:spPr bwMode="auto">
+          <a:xfrm>
+            <a:off x="1381124" y="3058031"/>
+            <a:ext cx="8772526" cy="3046988"/>
+          </a:xfrm>
+          <a:prstGeom prst="rect">
+            <a:avLst/>
+          </a:prstGeom>
+          <a:solidFill>
+            <a:srgbClr val="2B2B2B"/>
+          </a:solidFill>
+          <a:ln>
+            <a:noFill/>
+          </a:ln>
+          <a:effectLst/>
+          <a:extLst>
+            <a:ext uri="{91240B29-F687-4F45-9708-019B960494DF}">
+              <a14:hiddenLine xmlns:a14="http://schemas.microsoft.com/office/drawing/2010/main" w="9525">
+                <a:solidFill>
+                  <a:schemeClr val="tx1"/>
+                </a:solidFill>
+                <a:miter lim="800000"/>
+                <a:headEnd/>
+                <a:tailEnd/>
+              </a14:hiddenLine>
+            </a:ext>
+            <a:ext uri="{AF507438-7753-43E0-B8FC-AC1667EBCBE1}">
+              <a14:hiddenEffects xmlns:a14="http://schemas.microsoft.com/office/drawing/2010/main">
+                <a:effectLst>
+                  <a:outerShdw dist="35921" dir="2700000" algn="ctr" rotWithShape="0">
+                    <a:schemeClr val="bg2"/>
+                  </a:outerShdw>
+                </a:effectLst>
+              </a14:hiddenEffects>
+            </a:ext>
+          </a:extLst>
+        </p:spPr>
+        <p:txBody>
+          <a:bodyPr vert="horz" wrap="square" lIns="91440" tIns="45720" rIns="91440" bIns="45720" numCol="1" anchor="ctr" anchorCtr="0" compatLnSpc="1">
+            <a:prstTxWarp prst="textNoShape">
+              <a:avLst/>
+            </a:prstTxWarp>
+            <a:spAutoFit/>
+          </a:bodyPr>
+          <a:lstStyle/>
+          <a:p>
+            <a:pPr marL="0" marR="0" lvl="0" indent="0" algn="l" defTabSz="914400" rtl="0" eaLnBrk="0" fontAlgn="base" latinLnBrk="0" hangingPunct="0">
+              <a:lnSpc>
+                <a:spcPct val="100000"/>
+              </a:lnSpc>
+              <a:spcBef>
+                <a:spcPct val="0"/>
+              </a:spcBef>
+              <a:spcAft>
+                <a:spcPct val="0"/>
+              </a:spcAft>
+              <a:buClrTx/>
+              <a:buSzTx/>
+              <a:buFontTx/>
+              <a:buNone/>
+              <a:tabLst/>
             </a:pPr>
             <a:r>
-              <a:rPr lang="ru-RU" dirty="0"/>
-              <a:t>Нагрузка на сеть</a:t>
-            </a:r>
-          </a:p>
-          <a:p>
-            <a:pPr marL="342900" indent="-342900">
-              <a:buAutoNum type="arabicPeriod"/>
-            </a:pPr>
-            <a:r>
-              <a:rPr lang="ru-RU" dirty="0" err="1"/>
-              <a:t>Нагрущка</a:t>
-            </a:r>
-            <a:r>
-              <a:rPr lang="ru-RU" dirty="0"/>
-              <a:t> на ЦП</a:t>
-            </a:r>
-            <a:r>
-              <a:rPr lang="en-US" dirty="0"/>
+              <a:rPr kumimoji="0" lang="ru-RU" altLang="ru-RU" sz="1600" b="0" i="0" u="none" strike="noStrike" cap="none" normalizeH="0" baseline="0" dirty="0">
+                <a:ln>
+                  <a:noFill/>
+                </a:ln>
+                <a:solidFill>
+                  <a:srgbClr val="9876AA"/>
+                </a:solidFill>
+                <a:effectLst/>
+                <a:latin typeface="JetBrains Mono"/>
+              </a:rPr>
+              <a:t>$</a:t>
+            </a:r>
+            <a:r>
+              <a:rPr kumimoji="0" lang="ru-RU" altLang="ru-RU" sz="1600" b="0" i="0" u="none" strike="noStrike" cap="none" normalizeH="0" baseline="0" dirty="0" err="1">
+                <a:ln>
+                  <a:noFill/>
+                </a:ln>
+                <a:solidFill>
+                  <a:srgbClr val="9876AA"/>
+                </a:solidFill>
+                <a:effectLst/>
+                <a:latin typeface="JetBrains Mono"/>
+              </a:rPr>
+              <a:t>keyData</a:t>
+            </a:r>
+            <a:r>
+              <a:rPr kumimoji="0" lang="ru-RU" altLang="ru-RU" sz="1600" b="0" i="0" u="none" strike="noStrike" cap="none" normalizeH="0" baseline="0" dirty="0">
+                <a:ln>
+                  <a:noFill/>
+                </a:ln>
+                <a:solidFill>
+                  <a:srgbClr val="9876AA"/>
+                </a:solidFill>
+                <a:effectLst/>
+                <a:latin typeface="JetBrains Mono"/>
+              </a:rPr>
+              <a:t> </a:t>
+            </a:r>
+            <a:r>
+              <a:rPr kumimoji="0" lang="ru-RU" altLang="ru-RU" sz="1600" b="0" i="0" u="none" strike="noStrike" cap="none" normalizeH="0" baseline="0" dirty="0">
+                <a:ln>
+                  <a:noFill/>
+                </a:ln>
+                <a:solidFill>
+                  <a:srgbClr val="A9B7C6"/>
+                </a:solidFill>
+                <a:effectLst/>
+                <a:latin typeface="JetBrains Mono"/>
+              </a:rPr>
+              <a:t>= [</a:t>
+            </a:r>
+            <a:r>
+              <a:rPr kumimoji="0" lang="ru-RU" altLang="ru-RU" sz="1600" b="0" i="0" u="none" strike="noStrike" cap="none" normalizeH="0" baseline="0" dirty="0">
+                <a:ln>
+                  <a:noFill/>
+                </a:ln>
+                <a:solidFill>
+                  <a:srgbClr val="6A8759"/>
+                </a:solidFill>
+                <a:effectLst/>
+                <a:latin typeface="JetBrains Mono"/>
+              </a:rPr>
+              <a:t>'</a:t>
+            </a:r>
+            <a:r>
+              <a:rPr kumimoji="0" lang="ru-RU" altLang="ru-RU" sz="1600" b="0" i="0" u="none" strike="noStrike" cap="none" normalizeH="0" baseline="0" dirty="0" err="1">
+                <a:ln>
+                  <a:noFill/>
+                </a:ln>
+                <a:solidFill>
+                  <a:srgbClr val="6A8759"/>
+                </a:solidFill>
+                <a:effectLst/>
+                <a:latin typeface="JetBrains Mono"/>
+              </a:rPr>
+              <a:t>city</a:t>
+            </a:r>
+            <a:r>
+              <a:rPr kumimoji="0" lang="ru-RU" altLang="ru-RU" sz="1600" b="0" i="0" u="none" strike="noStrike" cap="none" normalizeH="0" baseline="0" dirty="0">
+                <a:ln>
+                  <a:noFill/>
+                </a:ln>
+                <a:solidFill>
+                  <a:srgbClr val="6A8759"/>
+                </a:solidFill>
+                <a:effectLst/>
+                <a:latin typeface="JetBrains Mono"/>
+              </a:rPr>
+              <a:t>'</a:t>
+            </a:r>
+            <a:r>
+              <a:rPr kumimoji="0" lang="ru-RU" altLang="ru-RU" sz="1600" b="0" i="0" u="none" strike="noStrike" cap="none" normalizeH="0" baseline="0" dirty="0">
+                <a:ln>
+                  <a:noFill/>
+                </a:ln>
+                <a:solidFill>
+                  <a:srgbClr val="CC7832"/>
+                </a:solidFill>
+                <a:effectLst/>
+                <a:latin typeface="JetBrains Mono"/>
+              </a:rPr>
+              <a:t>, </a:t>
+            </a:r>
+            <a:r>
+              <a:rPr kumimoji="0" lang="ru-RU" altLang="ru-RU" sz="1600" b="0" i="0" u="none" strike="noStrike" cap="none" normalizeH="0" baseline="0" dirty="0">
+                <a:ln>
+                  <a:noFill/>
+                </a:ln>
+                <a:solidFill>
+                  <a:srgbClr val="6A8759"/>
+                </a:solidFill>
+                <a:effectLst/>
+                <a:latin typeface="JetBrains Mono"/>
+              </a:rPr>
+              <a:t>'RUS'</a:t>
+            </a:r>
+            <a:r>
+              <a:rPr kumimoji="0" lang="ru-RU" altLang="ru-RU" sz="1600" b="0" i="0" u="none" strike="noStrike" cap="none" normalizeH="0" baseline="0" dirty="0">
+                <a:ln>
+                  <a:noFill/>
+                </a:ln>
+                <a:solidFill>
+                  <a:srgbClr val="A9B7C6"/>
+                </a:solidFill>
+                <a:effectLst/>
+                <a:latin typeface="JetBrains Mono"/>
+              </a:rPr>
+              <a:t>]</a:t>
+            </a:r>
+            <a:r>
+              <a:rPr kumimoji="0" lang="ru-RU" altLang="ru-RU" sz="1600" b="0" i="0" u="none" strike="noStrike" cap="none" normalizeH="0" baseline="0" dirty="0">
+                <a:ln>
+                  <a:noFill/>
+                </a:ln>
+                <a:solidFill>
+                  <a:srgbClr val="CC7832"/>
+                </a:solidFill>
+                <a:effectLst/>
+                <a:latin typeface="JetBrains Mono"/>
+              </a:rPr>
               <a:t>;</a:t>
             </a:r>
-          </a:p>
-          <a:p>
-            <a:pPr marL="342900" indent="-342900">
-              <a:buAutoNum type="arabicPeriod"/>
-            </a:pPr>
-            <a:r>
-              <a:rPr lang="ru-RU" dirty="0"/>
-              <a:t>Количество запросов на хитах</a:t>
-            </a:r>
-            <a:r>
-              <a:rPr lang="en-US" dirty="0"/>
+            <a:br>
+              <a:rPr kumimoji="0" lang="ru-RU" altLang="ru-RU" sz="1600" b="0" i="0" u="none" strike="noStrike" cap="none" normalizeH="0" baseline="0" dirty="0">
+                <a:ln>
+                  <a:noFill/>
+                </a:ln>
+                <a:solidFill>
+                  <a:srgbClr val="CC7832"/>
+                </a:solidFill>
+                <a:effectLst/>
+                <a:latin typeface="JetBrains Mono"/>
+              </a:rPr>
+            </a:br>
+            <a:r>
+              <a:rPr kumimoji="0" lang="ru-RU" altLang="ru-RU" sz="1600" b="0" i="0" u="none" strike="noStrike" cap="none" normalizeH="0" baseline="0" dirty="0">
+                <a:ln>
+                  <a:noFill/>
+                </a:ln>
+                <a:solidFill>
+                  <a:srgbClr val="9876AA"/>
+                </a:solidFill>
+                <a:effectLst/>
+                <a:latin typeface="JetBrains Mono"/>
+              </a:rPr>
+              <a:t>$</a:t>
+            </a:r>
+            <a:r>
+              <a:rPr kumimoji="0" lang="ru-RU" altLang="ru-RU" sz="1600" b="0" i="0" u="none" strike="noStrike" cap="none" normalizeH="0" baseline="0" dirty="0" err="1">
+                <a:ln>
+                  <a:noFill/>
+                </a:ln>
+                <a:solidFill>
+                  <a:srgbClr val="9876AA"/>
+                </a:solidFill>
+                <a:effectLst/>
+                <a:latin typeface="JetBrains Mono"/>
+              </a:rPr>
+              <a:t>ttl</a:t>
+            </a:r>
+            <a:r>
+              <a:rPr kumimoji="0" lang="ru-RU" altLang="ru-RU" sz="1600" b="0" i="0" u="none" strike="noStrike" cap="none" normalizeH="0" baseline="0" dirty="0">
+                <a:ln>
+                  <a:noFill/>
+                </a:ln>
+                <a:solidFill>
+                  <a:srgbClr val="9876AA"/>
+                </a:solidFill>
+                <a:effectLst/>
+                <a:latin typeface="JetBrains Mono"/>
+              </a:rPr>
+              <a:t> </a:t>
+            </a:r>
+            <a:r>
+              <a:rPr kumimoji="0" lang="ru-RU" altLang="ru-RU" sz="1600" b="0" i="0" u="none" strike="noStrike" cap="none" normalizeH="0" baseline="0" dirty="0">
+                <a:ln>
+                  <a:noFill/>
+                </a:ln>
+                <a:solidFill>
+                  <a:srgbClr val="A9B7C6"/>
+                </a:solidFill>
+                <a:effectLst/>
+                <a:latin typeface="JetBrains Mono"/>
+              </a:rPr>
+              <a:t>= </a:t>
+            </a:r>
+            <a:r>
+              <a:rPr kumimoji="0" lang="ru-RU" altLang="ru-RU" sz="1600" b="0" i="0" u="none" strike="noStrike" cap="none" normalizeH="0" baseline="0" dirty="0">
+                <a:ln>
+                  <a:noFill/>
+                </a:ln>
+                <a:solidFill>
+                  <a:srgbClr val="6897BB"/>
+                </a:solidFill>
+                <a:effectLst/>
+                <a:latin typeface="JetBrains Mono"/>
+              </a:rPr>
+              <a:t>3600</a:t>
+            </a:r>
+            <a:r>
+              <a:rPr kumimoji="0" lang="ru-RU" altLang="ru-RU" sz="1600" b="0" i="0" u="none" strike="noStrike" cap="none" normalizeH="0" baseline="0" dirty="0">
+                <a:ln>
+                  <a:noFill/>
+                </a:ln>
+                <a:solidFill>
+                  <a:srgbClr val="CC7832"/>
+                </a:solidFill>
+                <a:effectLst/>
+                <a:latin typeface="JetBrains Mono"/>
+              </a:rPr>
               <a:t>;</a:t>
             </a:r>
-          </a:p>
-          <a:p>
-            <a:pPr marL="342900" indent="-342900">
-              <a:buAutoNum type="arabicPeriod"/>
-            </a:pPr>
-            <a:r>
-              <a:rPr lang="ru-RU" dirty="0"/>
-              <a:t>Время формирования страницы</a:t>
-            </a:r>
             <a:br>
-              <a:rPr lang="en-US" dirty="0"/>
+              <a:rPr kumimoji="0" lang="ru-RU" altLang="ru-RU" sz="1600" b="0" i="0" u="none" strike="noStrike" cap="none" normalizeH="0" baseline="0" dirty="0">
+                <a:ln>
+                  <a:noFill/>
+                </a:ln>
+                <a:solidFill>
+                  <a:srgbClr val="CC7832"/>
+                </a:solidFill>
+                <a:effectLst/>
+                <a:latin typeface="JetBrains Mono"/>
+              </a:rPr>
             </a:br>
-            <a:endParaRPr lang="ru-RU" dirty="0"/>
+            <a:r>
+              <a:rPr kumimoji="0" lang="ru-RU" altLang="ru-RU" sz="1600" b="0" i="0" u="none" strike="noStrike" cap="none" normalizeH="0" baseline="0" dirty="0">
+                <a:ln>
+                  <a:noFill/>
+                </a:ln>
+                <a:solidFill>
+                  <a:srgbClr val="9876AA"/>
+                </a:solidFill>
+                <a:effectLst/>
+                <a:latin typeface="JetBrains Mono"/>
+              </a:rPr>
+              <a:t>$</a:t>
+            </a:r>
+            <a:r>
+              <a:rPr kumimoji="0" lang="ru-RU" altLang="ru-RU" sz="1600" b="0" i="0" u="none" strike="noStrike" cap="none" normalizeH="0" baseline="0" dirty="0" err="1">
+                <a:ln>
+                  <a:noFill/>
+                </a:ln>
+                <a:solidFill>
+                  <a:srgbClr val="9876AA"/>
+                </a:solidFill>
+                <a:effectLst/>
+                <a:latin typeface="JetBrains Mono"/>
+              </a:rPr>
+              <a:t>tag</a:t>
+            </a:r>
+            <a:r>
+              <a:rPr kumimoji="0" lang="ru-RU" altLang="ru-RU" sz="1600" b="0" i="0" u="none" strike="noStrike" cap="none" normalizeH="0" baseline="0" dirty="0">
+                <a:ln>
+                  <a:noFill/>
+                </a:ln>
+                <a:solidFill>
+                  <a:srgbClr val="9876AA"/>
+                </a:solidFill>
+                <a:effectLst/>
+                <a:latin typeface="JetBrains Mono"/>
+              </a:rPr>
+              <a:t> </a:t>
+            </a:r>
+            <a:r>
+              <a:rPr kumimoji="0" lang="ru-RU" altLang="ru-RU" sz="1600" b="0" i="0" u="none" strike="noStrike" cap="none" normalizeH="0" baseline="0" dirty="0">
+                <a:ln>
+                  <a:noFill/>
+                </a:ln>
+                <a:solidFill>
+                  <a:srgbClr val="A9B7C6"/>
+                </a:solidFill>
+                <a:effectLst/>
+                <a:latin typeface="JetBrains Mono"/>
+              </a:rPr>
+              <a:t>= </a:t>
+            </a:r>
+            <a:r>
+              <a:rPr kumimoji="0" lang="ru-RU" altLang="ru-RU" sz="1600" b="0" i="0" u="none" strike="noStrike" cap="none" normalizeH="0" baseline="0" dirty="0">
+                <a:ln>
+                  <a:noFill/>
+                </a:ln>
+                <a:solidFill>
+                  <a:srgbClr val="6A8759"/>
+                </a:solidFill>
+                <a:effectLst/>
+                <a:latin typeface="JetBrains Mono"/>
+              </a:rPr>
+              <a:t>'</a:t>
+            </a:r>
+            <a:r>
+              <a:rPr kumimoji="0" lang="ru-RU" altLang="ru-RU" sz="1600" b="0" i="0" u="none" strike="noStrike" cap="none" normalizeH="0" baseline="0" dirty="0" err="1">
+                <a:ln>
+                  <a:noFill/>
+                </a:ln>
+                <a:solidFill>
+                  <a:srgbClr val="6A8759"/>
+                </a:solidFill>
+                <a:effectLst/>
+                <a:latin typeface="JetBrains Mono"/>
+              </a:rPr>
+              <a:t>city</a:t>
+            </a:r>
+            <a:r>
+              <a:rPr kumimoji="0" lang="ru-RU" altLang="ru-RU" sz="1600" b="0" i="0" u="none" strike="noStrike" cap="none" normalizeH="0" baseline="0" dirty="0">
+                <a:ln>
+                  <a:noFill/>
+                </a:ln>
+                <a:solidFill>
+                  <a:srgbClr val="6A8759"/>
+                </a:solidFill>
+                <a:effectLst/>
+                <a:latin typeface="JetBrains Mono"/>
+              </a:rPr>
+              <a:t>'</a:t>
+            </a:r>
+            <a:r>
+              <a:rPr kumimoji="0" lang="ru-RU" altLang="ru-RU" sz="1600" b="0" i="0" u="none" strike="noStrike" cap="none" normalizeH="0" baseline="0" dirty="0">
+                <a:ln>
+                  <a:noFill/>
+                </a:ln>
+                <a:solidFill>
+                  <a:srgbClr val="CC7832"/>
+                </a:solidFill>
+                <a:effectLst/>
+                <a:latin typeface="JetBrains Mono"/>
+              </a:rPr>
+              <a:t>;</a:t>
+            </a:r>
+            <a:br>
+              <a:rPr kumimoji="0" lang="ru-RU" altLang="ru-RU" sz="1600" b="0" i="0" u="none" strike="noStrike" cap="none" normalizeH="0" baseline="0" dirty="0">
+                <a:ln>
+                  <a:noFill/>
+                </a:ln>
+                <a:solidFill>
+                  <a:srgbClr val="CC7832"/>
+                </a:solidFill>
+                <a:effectLst/>
+                <a:latin typeface="JetBrains Mono"/>
+              </a:rPr>
+            </a:br>
+            <a:br>
+              <a:rPr kumimoji="0" lang="ru-RU" altLang="ru-RU" sz="1600" b="0" i="0" u="none" strike="noStrike" cap="none" normalizeH="0" baseline="0" dirty="0">
+                <a:ln>
+                  <a:noFill/>
+                </a:ln>
+                <a:solidFill>
+                  <a:srgbClr val="CC7832"/>
+                </a:solidFill>
+                <a:effectLst/>
+                <a:latin typeface="JetBrains Mono"/>
+              </a:rPr>
+            </a:br>
+            <a:r>
+              <a:rPr kumimoji="0" lang="ru-RU" altLang="ru-RU" sz="1600" b="0" i="0" u="none" strike="noStrike" cap="none" normalizeH="0" baseline="0" dirty="0">
+                <a:ln>
+                  <a:noFill/>
+                </a:ln>
+                <a:solidFill>
+                  <a:srgbClr val="9876AA"/>
+                </a:solidFill>
+                <a:effectLst/>
+                <a:latin typeface="JetBrains Mono"/>
+              </a:rPr>
+              <a:t>$</a:t>
+            </a:r>
+            <a:r>
+              <a:rPr kumimoji="0" lang="ru-RU" altLang="ru-RU" sz="1600" b="0" i="0" u="none" strike="noStrike" cap="none" normalizeH="0" baseline="0" dirty="0" err="1">
+                <a:ln>
+                  <a:noFill/>
+                </a:ln>
+                <a:solidFill>
+                  <a:srgbClr val="9876AA"/>
+                </a:solidFill>
+                <a:effectLst/>
+                <a:latin typeface="JetBrains Mono"/>
+              </a:rPr>
+              <a:t>cache</a:t>
+            </a:r>
+            <a:r>
+              <a:rPr kumimoji="0" lang="ru-RU" altLang="ru-RU" sz="1600" b="0" i="0" u="none" strike="noStrike" cap="none" normalizeH="0" baseline="0" dirty="0">
+                <a:ln>
+                  <a:noFill/>
+                </a:ln>
+                <a:solidFill>
+                  <a:srgbClr val="9876AA"/>
+                </a:solidFill>
+                <a:effectLst/>
+                <a:latin typeface="JetBrains Mono"/>
+              </a:rPr>
+              <a:t> </a:t>
+            </a:r>
+            <a:r>
+              <a:rPr kumimoji="0" lang="ru-RU" altLang="ru-RU" sz="1600" b="0" i="0" u="none" strike="noStrike" cap="none" normalizeH="0" baseline="0" dirty="0">
+                <a:ln>
+                  <a:noFill/>
+                </a:ln>
+                <a:solidFill>
+                  <a:srgbClr val="A9B7C6"/>
+                </a:solidFill>
+                <a:effectLst/>
+                <a:latin typeface="JetBrains Mono"/>
+              </a:rPr>
+              <a:t>= </a:t>
+            </a:r>
+            <a:r>
+              <a:rPr kumimoji="0" lang="ru-RU" altLang="ru-RU" sz="1600" b="0" i="0" u="none" strike="noStrike" cap="none" normalizeH="0" baseline="0" dirty="0" err="1">
+                <a:ln>
+                  <a:noFill/>
+                </a:ln>
+                <a:solidFill>
+                  <a:srgbClr val="CC7832"/>
+                </a:solidFill>
+                <a:effectLst/>
+                <a:latin typeface="JetBrains Mono"/>
+              </a:rPr>
+              <a:t>new</a:t>
+            </a:r>
+            <a:r>
+              <a:rPr kumimoji="0" lang="ru-RU" altLang="ru-RU" sz="1600" b="0" i="0" u="none" strike="noStrike" cap="none" normalizeH="0" baseline="0" dirty="0">
+                <a:ln>
+                  <a:noFill/>
+                </a:ln>
+                <a:solidFill>
+                  <a:srgbClr val="CC7832"/>
+                </a:solidFill>
+                <a:effectLst/>
+                <a:latin typeface="JetBrains Mono"/>
+              </a:rPr>
+              <a:t> </a:t>
+            </a:r>
+            <a:r>
+              <a:rPr kumimoji="0" lang="ru-RU" altLang="ru-RU" sz="1600" b="0" i="0" u="none" strike="noStrike" cap="none" normalizeH="0" baseline="0" dirty="0">
+                <a:ln>
+                  <a:noFill/>
+                </a:ln>
+                <a:solidFill>
+                  <a:srgbClr val="72737A"/>
+                </a:solidFill>
+                <a:effectLst/>
+                <a:latin typeface="JetBrains Mono"/>
+              </a:rPr>
+              <a:t>\</a:t>
+            </a:r>
+            <a:r>
+              <a:rPr kumimoji="0" lang="ru-RU" altLang="ru-RU" sz="1600" b="0" i="0" u="none" strike="noStrike" cap="none" normalizeH="0" baseline="0" dirty="0" err="1">
+                <a:ln>
+                  <a:noFill/>
+                </a:ln>
+                <a:solidFill>
+                  <a:srgbClr val="72737A"/>
+                </a:solidFill>
+                <a:effectLst/>
+                <a:latin typeface="JetBrains Mono"/>
+              </a:rPr>
+              <a:t>Igrik</a:t>
+            </a:r>
+            <a:r>
+              <a:rPr kumimoji="0" lang="ru-RU" altLang="ru-RU" sz="1600" b="0" i="0" u="none" strike="noStrike" cap="none" normalizeH="0" baseline="0" dirty="0">
+                <a:ln>
+                  <a:noFill/>
+                </a:ln>
+                <a:solidFill>
+                  <a:srgbClr val="72737A"/>
+                </a:solidFill>
+                <a:effectLst/>
+                <a:latin typeface="JetBrains Mono"/>
+              </a:rPr>
+              <a:t>\</a:t>
+            </a:r>
+            <a:r>
+              <a:rPr kumimoji="0" lang="ru-RU" altLang="ru-RU" sz="1600" b="0" i="0" u="none" strike="noStrike" cap="none" normalizeH="0" baseline="0" dirty="0" err="1">
+                <a:ln>
+                  <a:noFill/>
+                </a:ln>
+                <a:solidFill>
+                  <a:srgbClr val="72737A"/>
+                </a:solidFill>
+                <a:effectLst/>
+                <a:latin typeface="JetBrains Mono"/>
+              </a:rPr>
+              <a:t>Vkr</a:t>
+            </a:r>
+            <a:r>
+              <a:rPr kumimoji="0" lang="ru-RU" altLang="ru-RU" sz="1600" b="0" i="0" u="none" strike="noStrike" cap="none" normalizeH="0" baseline="0" dirty="0">
+                <a:ln>
+                  <a:noFill/>
+                </a:ln>
+                <a:solidFill>
+                  <a:srgbClr val="72737A"/>
+                </a:solidFill>
+                <a:effectLst/>
+                <a:latin typeface="JetBrains Mono"/>
+              </a:rPr>
+              <a:t>\</a:t>
+            </a:r>
+            <a:r>
+              <a:rPr kumimoji="0" lang="ru-RU" altLang="ru-RU" sz="1600" b="0" i="0" u="none" strike="noStrike" cap="none" normalizeH="0" baseline="0" dirty="0" err="1">
+                <a:ln>
+                  <a:noFill/>
+                </a:ln>
+                <a:solidFill>
+                  <a:srgbClr val="A9B7C6"/>
+                </a:solidFill>
+                <a:effectLst/>
+                <a:latin typeface="JetBrains Mono"/>
+              </a:rPr>
+              <a:t>Cache</a:t>
+            </a:r>
+            <a:r>
+              <a:rPr kumimoji="0" lang="ru-RU" altLang="ru-RU" sz="1600" b="0" i="0" u="none" strike="noStrike" cap="none" normalizeH="0" baseline="0" dirty="0">
+                <a:ln>
+                  <a:noFill/>
+                </a:ln>
+                <a:solidFill>
+                  <a:srgbClr val="A9B7C6"/>
+                </a:solidFill>
+                <a:effectLst/>
+                <a:latin typeface="JetBrains Mono"/>
+              </a:rPr>
+              <a:t>(</a:t>
+            </a:r>
+            <a:r>
+              <a:rPr kumimoji="0" lang="ru-RU" altLang="ru-RU" sz="1600" b="0" i="0" u="none" strike="noStrike" cap="none" normalizeH="0" baseline="0" dirty="0">
+                <a:ln>
+                  <a:noFill/>
+                </a:ln>
+                <a:solidFill>
+                  <a:srgbClr val="9876AA"/>
+                </a:solidFill>
+                <a:effectLst/>
+                <a:latin typeface="JetBrains Mono"/>
+              </a:rPr>
+              <a:t>$</a:t>
+            </a:r>
+            <a:r>
+              <a:rPr kumimoji="0" lang="ru-RU" altLang="ru-RU" sz="1600" b="0" i="0" u="none" strike="noStrike" cap="none" normalizeH="0" baseline="0" dirty="0" err="1">
+                <a:ln>
+                  <a:noFill/>
+                </a:ln>
+                <a:solidFill>
+                  <a:srgbClr val="9876AA"/>
+                </a:solidFill>
+                <a:effectLst/>
+                <a:latin typeface="JetBrains Mono"/>
+              </a:rPr>
+              <a:t>keyData</a:t>
+            </a:r>
+            <a:r>
+              <a:rPr kumimoji="0" lang="ru-RU" altLang="ru-RU" sz="1600" b="0" i="0" u="none" strike="noStrike" cap="none" normalizeH="0" baseline="0" dirty="0">
+                <a:ln>
+                  <a:noFill/>
+                </a:ln>
+                <a:solidFill>
+                  <a:srgbClr val="CC7832"/>
+                </a:solidFill>
+                <a:effectLst/>
+                <a:latin typeface="JetBrains Mono"/>
+              </a:rPr>
+              <a:t>, </a:t>
+            </a:r>
+            <a:r>
+              <a:rPr kumimoji="0" lang="ru-RU" altLang="ru-RU" sz="1600" b="0" i="0" u="none" strike="noStrike" cap="none" normalizeH="0" baseline="0" dirty="0">
+                <a:ln>
+                  <a:noFill/>
+                </a:ln>
+                <a:solidFill>
+                  <a:srgbClr val="6897BB"/>
+                </a:solidFill>
+                <a:effectLst/>
+                <a:latin typeface="JetBrains Mono"/>
+              </a:rPr>
+              <a:t>50000</a:t>
+            </a:r>
+            <a:r>
+              <a:rPr kumimoji="0" lang="ru-RU" altLang="ru-RU" sz="1600" b="0" i="0" u="none" strike="noStrike" cap="none" normalizeH="0" baseline="0" dirty="0">
+                <a:ln>
+                  <a:noFill/>
+                </a:ln>
+                <a:solidFill>
+                  <a:srgbClr val="CC7832"/>
+                </a:solidFill>
+                <a:effectLst/>
+                <a:latin typeface="JetBrains Mono"/>
+              </a:rPr>
+              <a:t>, </a:t>
+            </a:r>
+            <a:r>
+              <a:rPr kumimoji="0" lang="ru-RU" altLang="ru-RU" sz="1600" b="0" i="0" u="none" strike="noStrike" cap="none" normalizeH="0" baseline="0" dirty="0">
+                <a:ln>
+                  <a:noFill/>
+                </a:ln>
+                <a:solidFill>
+                  <a:srgbClr val="6A8759"/>
+                </a:solidFill>
+                <a:effectLst/>
+                <a:latin typeface="JetBrains Mono"/>
+              </a:rPr>
+              <a:t>'tag_1'</a:t>
+            </a:r>
+            <a:r>
+              <a:rPr kumimoji="0" lang="ru-RU" altLang="ru-RU" sz="1600" b="0" i="0" u="none" strike="noStrike" cap="none" normalizeH="0" baseline="0" dirty="0">
+                <a:ln>
+                  <a:noFill/>
+                </a:ln>
+                <a:solidFill>
+                  <a:srgbClr val="A9B7C6"/>
+                </a:solidFill>
+                <a:effectLst/>
+                <a:latin typeface="JetBrains Mono"/>
+              </a:rPr>
+              <a:t>)</a:t>
+            </a:r>
+            <a:r>
+              <a:rPr kumimoji="0" lang="ru-RU" altLang="ru-RU" sz="1600" b="0" i="0" u="none" strike="noStrike" cap="none" normalizeH="0" baseline="0" dirty="0">
+                <a:ln>
+                  <a:noFill/>
+                </a:ln>
+                <a:solidFill>
+                  <a:srgbClr val="CC7832"/>
+                </a:solidFill>
+                <a:effectLst/>
+                <a:latin typeface="JetBrains Mono"/>
+              </a:rPr>
+              <a:t>;</a:t>
+            </a:r>
+            <a:br>
+              <a:rPr kumimoji="0" lang="ru-RU" altLang="ru-RU" sz="1600" b="0" i="0" u="none" strike="noStrike" cap="none" normalizeH="0" baseline="0" dirty="0">
+                <a:ln>
+                  <a:noFill/>
+                </a:ln>
+                <a:solidFill>
+                  <a:srgbClr val="CC7832"/>
+                </a:solidFill>
+                <a:effectLst/>
+                <a:latin typeface="JetBrains Mono"/>
+              </a:rPr>
+            </a:br>
+            <a:r>
+              <a:rPr kumimoji="0" lang="ru-RU" altLang="ru-RU" sz="1600" b="0" i="0" u="none" strike="noStrike" cap="none" normalizeH="0" baseline="0" dirty="0" err="1">
+                <a:ln>
+                  <a:noFill/>
+                </a:ln>
+                <a:solidFill>
+                  <a:srgbClr val="CC7832"/>
+                </a:solidFill>
+                <a:effectLst/>
+                <a:latin typeface="JetBrains Mono"/>
+              </a:rPr>
+              <a:t>if</a:t>
+            </a:r>
+            <a:r>
+              <a:rPr kumimoji="0" lang="ru-RU" altLang="ru-RU" sz="1600" b="0" i="0" u="none" strike="noStrike" cap="none" normalizeH="0" baseline="0" dirty="0">
+                <a:ln>
+                  <a:noFill/>
+                </a:ln>
+                <a:solidFill>
+                  <a:srgbClr val="A9B7C6"/>
+                </a:solidFill>
+                <a:effectLst/>
+                <a:latin typeface="JetBrains Mono"/>
+              </a:rPr>
+              <a:t>(!</a:t>
+            </a:r>
+            <a:r>
+              <a:rPr kumimoji="0" lang="ru-RU" altLang="ru-RU" sz="1600" b="0" i="0" u="none" strike="noStrike" cap="none" normalizeH="0" baseline="0" dirty="0">
+                <a:ln>
+                  <a:noFill/>
+                </a:ln>
+                <a:solidFill>
+                  <a:srgbClr val="9876AA"/>
+                </a:solidFill>
+                <a:effectLst/>
+                <a:latin typeface="JetBrains Mono"/>
+              </a:rPr>
+              <a:t>$</a:t>
+            </a:r>
+            <a:r>
+              <a:rPr kumimoji="0" lang="ru-RU" altLang="ru-RU" sz="1600" b="0" i="0" u="none" strike="noStrike" cap="none" normalizeH="0" baseline="0" dirty="0" err="1">
+                <a:ln>
+                  <a:noFill/>
+                </a:ln>
+                <a:solidFill>
+                  <a:srgbClr val="9876AA"/>
+                </a:solidFill>
+                <a:effectLst/>
+                <a:latin typeface="JetBrains Mono"/>
+              </a:rPr>
+              <a:t>data</a:t>
+            </a:r>
+            <a:r>
+              <a:rPr kumimoji="0" lang="ru-RU" altLang="ru-RU" sz="1600" b="0" i="0" u="none" strike="noStrike" cap="none" normalizeH="0" baseline="0" dirty="0">
+                <a:ln>
+                  <a:noFill/>
+                </a:ln>
+                <a:solidFill>
+                  <a:srgbClr val="9876AA"/>
+                </a:solidFill>
+                <a:effectLst/>
+                <a:latin typeface="JetBrains Mono"/>
+              </a:rPr>
+              <a:t> </a:t>
+            </a:r>
+            <a:r>
+              <a:rPr kumimoji="0" lang="ru-RU" altLang="ru-RU" sz="1600" b="0" i="0" u="none" strike="noStrike" cap="none" normalizeH="0" baseline="0" dirty="0">
+                <a:ln>
+                  <a:noFill/>
+                </a:ln>
+                <a:solidFill>
+                  <a:srgbClr val="A9B7C6"/>
+                </a:solidFill>
+                <a:effectLst/>
+                <a:latin typeface="JetBrains Mono"/>
+              </a:rPr>
+              <a:t>= </a:t>
+            </a:r>
+            <a:r>
+              <a:rPr kumimoji="0" lang="ru-RU" altLang="ru-RU" sz="1600" b="0" i="0" u="none" strike="noStrike" cap="none" normalizeH="0" baseline="0" dirty="0">
+                <a:ln>
+                  <a:noFill/>
+                </a:ln>
+                <a:solidFill>
+                  <a:srgbClr val="9876AA"/>
+                </a:solidFill>
+                <a:effectLst/>
+                <a:latin typeface="JetBrains Mono"/>
+              </a:rPr>
+              <a:t>$</a:t>
+            </a:r>
+            <a:r>
+              <a:rPr kumimoji="0" lang="ru-RU" altLang="ru-RU" sz="1600" b="0" i="0" u="none" strike="noStrike" cap="none" normalizeH="0" baseline="0" dirty="0" err="1">
+                <a:ln>
+                  <a:noFill/>
+                </a:ln>
+                <a:solidFill>
+                  <a:srgbClr val="9876AA"/>
+                </a:solidFill>
+                <a:effectLst/>
+                <a:latin typeface="JetBrains Mono"/>
+              </a:rPr>
+              <a:t>cache</a:t>
+            </a:r>
+            <a:r>
+              <a:rPr kumimoji="0" lang="ru-RU" altLang="ru-RU" sz="1600" b="0" i="0" u="none" strike="noStrike" cap="none" normalizeH="0" baseline="0" dirty="0">
+                <a:ln>
+                  <a:noFill/>
+                </a:ln>
+                <a:solidFill>
+                  <a:srgbClr val="A9B7C6"/>
+                </a:solidFill>
+                <a:effectLst/>
+                <a:latin typeface="JetBrains Mono"/>
+              </a:rPr>
+              <a:t>-&gt;</a:t>
+            </a:r>
+            <a:r>
+              <a:rPr kumimoji="0" lang="ru-RU" altLang="ru-RU" sz="1600" b="0" i="0" u="none" strike="noStrike" cap="none" normalizeH="0" baseline="0" dirty="0" err="1">
+                <a:ln>
+                  <a:noFill/>
+                </a:ln>
+                <a:solidFill>
+                  <a:srgbClr val="FFC66D"/>
+                </a:solidFill>
+                <a:effectLst/>
+                <a:latin typeface="JetBrains Mono"/>
+              </a:rPr>
+              <a:t>getCache</a:t>
+            </a:r>
+            <a:r>
+              <a:rPr kumimoji="0" lang="ru-RU" altLang="ru-RU" sz="1600" b="0" i="0" u="none" strike="noStrike" cap="none" normalizeH="0" baseline="0" dirty="0">
+                <a:ln>
+                  <a:noFill/>
+                </a:ln>
+                <a:solidFill>
+                  <a:srgbClr val="A9B7C6"/>
+                </a:solidFill>
+                <a:effectLst/>
+                <a:latin typeface="JetBrains Mono"/>
+              </a:rPr>
+              <a:t>())</a:t>
+            </a:r>
+            <a:br>
+              <a:rPr kumimoji="0" lang="ru-RU" altLang="ru-RU" sz="1600" b="0" i="0" u="none" strike="noStrike" cap="none" normalizeH="0" baseline="0" dirty="0">
+                <a:ln>
+                  <a:noFill/>
+                </a:ln>
+                <a:solidFill>
+                  <a:srgbClr val="A9B7C6"/>
+                </a:solidFill>
+                <a:effectLst/>
+                <a:latin typeface="JetBrains Mono"/>
+              </a:rPr>
+            </a:br>
+            <a:r>
+              <a:rPr kumimoji="0" lang="ru-RU" altLang="ru-RU" sz="1600" b="0" i="0" u="none" strike="noStrike" cap="none" normalizeH="0" baseline="0" dirty="0">
+                <a:ln>
+                  <a:noFill/>
+                </a:ln>
+                <a:solidFill>
+                  <a:srgbClr val="A9B7C6"/>
+                </a:solidFill>
+                <a:effectLst/>
+                <a:latin typeface="JetBrains Mono"/>
+              </a:rPr>
+              <a:t>{</a:t>
+            </a:r>
+            <a:br>
+              <a:rPr kumimoji="0" lang="ru-RU" altLang="ru-RU" sz="1600" b="0" i="0" u="none" strike="noStrike" cap="none" normalizeH="0" baseline="0" dirty="0">
+                <a:ln>
+                  <a:noFill/>
+                </a:ln>
+                <a:solidFill>
+                  <a:srgbClr val="A9B7C6"/>
+                </a:solidFill>
+                <a:effectLst/>
+                <a:latin typeface="JetBrains Mono"/>
+              </a:rPr>
+            </a:br>
+            <a:r>
+              <a:rPr kumimoji="0" lang="ru-RU" altLang="ru-RU" sz="1600" b="0" i="0" u="none" strike="noStrike" cap="none" normalizeH="0" baseline="0" dirty="0">
+                <a:ln>
+                  <a:noFill/>
+                </a:ln>
+                <a:solidFill>
+                  <a:srgbClr val="A9B7C6"/>
+                </a:solidFill>
+                <a:effectLst/>
+                <a:latin typeface="JetBrains Mono"/>
+              </a:rPr>
+              <a:t>    </a:t>
+            </a:r>
+            <a:r>
+              <a:rPr kumimoji="0" lang="ru-RU" altLang="ru-RU" sz="1600" b="0" i="0" u="none" strike="noStrike" cap="none" normalizeH="0" baseline="0" dirty="0">
+                <a:ln>
+                  <a:noFill/>
+                </a:ln>
+                <a:solidFill>
+                  <a:srgbClr val="9876AA"/>
+                </a:solidFill>
+                <a:effectLst/>
+                <a:latin typeface="JetBrains Mono"/>
+              </a:rPr>
+              <a:t>$</a:t>
+            </a:r>
+            <a:r>
+              <a:rPr kumimoji="0" lang="ru-RU" altLang="ru-RU" sz="1600" b="0" i="0" u="none" strike="noStrike" cap="none" normalizeH="0" baseline="0" dirty="0" err="1">
+                <a:ln>
+                  <a:noFill/>
+                </a:ln>
+                <a:solidFill>
+                  <a:srgbClr val="9876AA"/>
+                </a:solidFill>
+                <a:effectLst/>
+                <a:latin typeface="JetBrains Mono"/>
+              </a:rPr>
+              <a:t>data</a:t>
+            </a:r>
+            <a:r>
+              <a:rPr kumimoji="0" lang="ru-RU" altLang="ru-RU" sz="1600" b="0" i="0" u="none" strike="noStrike" cap="none" normalizeH="0" baseline="0" dirty="0">
+                <a:ln>
+                  <a:noFill/>
+                </a:ln>
+                <a:solidFill>
+                  <a:srgbClr val="9876AA"/>
+                </a:solidFill>
+                <a:effectLst/>
+                <a:latin typeface="JetBrains Mono"/>
+              </a:rPr>
+              <a:t> </a:t>
+            </a:r>
+            <a:r>
+              <a:rPr kumimoji="0" lang="ru-RU" altLang="ru-RU" sz="1600" b="0" i="0" u="none" strike="noStrike" cap="none" normalizeH="0" baseline="0" dirty="0">
+                <a:ln>
+                  <a:noFill/>
+                </a:ln>
+                <a:solidFill>
+                  <a:srgbClr val="A9B7C6"/>
+                </a:solidFill>
+                <a:effectLst/>
+                <a:latin typeface="JetBrains Mono"/>
+              </a:rPr>
+              <a:t>= [</a:t>
+            </a:r>
+            <a:br>
+              <a:rPr kumimoji="0" lang="ru-RU" altLang="ru-RU" sz="1600" b="0" i="0" u="none" strike="noStrike" cap="none" normalizeH="0" baseline="0" dirty="0">
+                <a:ln>
+                  <a:noFill/>
+                </a:ln>
+                <a:solidFill>
+                  <a:srgbClr val="A9B7C6"/>
+                </a:solidFill>
+                <a:effectLst/>
+                <a:latin typeface="JetBrains Mono"/>
+              </a:rPr>
+            </a:br>
+            <a:r>
+              <a:rPr kumimoji="0" lang="ru-RU" altLang="ru-RU" sz="1600" b="0" i="0" u="none" strike="noStrike" cap="none" normalizeH="0" baseline="0" dirty="0">
+                <a:ln>
+                  <a:noFill/>
+                </a:ln>
+                <a:solidFill>
+                  <a:srgbClr val="A9B7C6"/>
+                </a:solidFill>
+                <a:effectLst/>
+                <a:latin typeface="JetBrains Mono"/>
+              </a:rPr>
+              <a:t>        </a:t>
+            </a:r>
+            <a:r>
+              <a:rPr kumimoji="0" lang="ru-RU" altLang="ru-RU" sz="1600" b="0" i="0" u="none" strike="noStrike" cap="none" normalizeH="0" baseline="0" dirty="0">
+                <a:ln>
+                  <a:noFill/>
+                </a:ln>
+                <a:solidFill>
+                  <a:srgbClr val="6A8759"/>
+                </a:solidFill>
+                <a:effectLst/>
+                <a:latin typeface="JetBrains Mono"/>
+              </a:rPr>
+              <a:t>'Орёл'</a:t>
+            </a:r>
+            <a:r>
+              <a:rPr kumimoji="0" lang="ru-RU" altLang="ru-RU" sz="1600" b="0" i="0" u="none" strike="noStrike" cap="none" normalizeH="0" baseline="0" dirty="0">
+                <a:ln>
+                  <a:noFill/>
+                </a:ln>
+                <a:solidFill>
+                  <a:srgbClr val="CC7832"/>
+                </a:solidFill>
+                <a:effectLst/>
+                <a:latin typeface="JetBrains Mono"/>
+              </a:rPr>
+              <a:t>, </a:t>
+            </a:r>
+            <a:r>
+              <a:rPr kumimoji="0" lang="ru-RU" altLang="ru-RU" sz="1600" b="0" i="0" u="none" strike="noStrike" cap="none" normalizeH="0" baseline="0" dirty="0">
+                <a:ln>
+                  <a:noFill/>
+                </a:ln>
+                <a:solidFill>
+                  <a:srgbClr val="6A8759"/>
+                </a:solidFill>
+                <a:effectLst/>
+                <a:latin typeface="JetBrains Mono"/>
+              </a:rPr>
+              <a:t>'Брянск'</a:t>
+            </a:r>
+            <a:r>
+              <a:rPr kumimoji="0" lang="ru-RU" altLang="ru-RU" sz="1600" b="0" i="0" u="none" strike="noStrike" cap="none" normalizeH="0" baseline="0" dirty="0">
+                <a:ln>
+                  <a:noFill/>
+                </a:ln>
+                <a:solidFill>
+                  <a:srgbClr val="CC7832"/>
+                </a:solidFill>
+                <a:effectLst/>
+                <a:latin typeface="JetBrains Mono"/>
+              </a:rPr>
+              <a:t>, </a:t>
+            </a:r>
+            <a:r>
+              <a:rPr kumimoji="0" lang="ru-RU" altLang="ru-RU" sz="1600" b="0" i="0" u="none" strike="noStrike" cap="none" normalizeH="0" baseline="0" dirty="0">
+                <a:ln>
+                  <a:noFill/>
+                </a:ln>
+                <a:solidFill>
+                  <a:srgbClr val="6A8759"/>
+                </a:solidFill>
+                <a:effectLst/>
+                <a:latin typeface="JetBrains Mono"/>
+              </a:rPr>
+              <a:t>'Москва'</a:t>
+            </a:r>
+            <a:r>
+              <a:rPr kumimoji="0" lang="ru-RU" altLang="ru-RU" sz="1600" b="0" i="0" u="none" strike="noStrike" cap="none" normalizeH="0" baseline="0" dirty="0">
+                <a:ln>
+                  <a:noFill/>
+                </a:ln>
+                <a:solidFill>
+                  <a:srgbClr val="CC7832"/>
+                </a:solidFill>
+                <a:effectLst/>
+                <a:latin typeface="JetBrains Mono"/>
+              </a:rPr>
+              <a:t>, </a:t>
+            </a:r>
+            <a:r>
+              <a:rPr kumimoji="0" lang="ru-RU" altLang="ru-RU" sz="1600" b="0" i="0" u="none" strike="noStrike" cap="none" normalizeH="0" baseline="0" dirty="0">
+                <a:ln>
+                  <a:noFill/>
+                </a:ln>
+                <a:solidFill>
+                  <a:srgbClr val="6A8759"/>
+                </a:solidFill>
+                <a:effectLst/>
+                <a:latin typeface="JetBrains Mono"/>
+              </a:rPr>
+              <a:t>'Тула'</a:t>
+            </a:r>
+            <a:br>
+              <a:rPr kumimoji="0" lang="ru-RU" altLang="ru-RU" sz="1600" b="0" i="0" u="none" strike="noStrike" cap="none" normalizeH="0" baseline="0" dirty="0">
+                <a:ln>
+                  <a:noFill/>
+                </a:ln>
+                <a:solidFill>
+                  <a:srgbClr val="6A8759"/>
+                </a:solidFill>
+                <a:effectLst/>
+                <a:latin typeface="JetBrains Mono"/>
+              </a:rPr>
+            </a:br>
+            <a:r>
+              <a:rPr kumimoji="0" lang="ru-RU" altLang="ru-RU" sz="1600" b="0" i="0" u="none" strike="noStrike" cap="none" normalizeH="0" baseline="0" dirty="0">
+                <a:ln>
+                  <a:noFill/>
+                </a:ln>
+                <a:solidFill>
+                  <a:srgbClr val="6A8759"/>
+                </a:solidFill>
+                <a:effectLst/>
+                <a:latin typeface="JetBrains Mono"/>
+              </a:rPr>
+              <a:t>    </a:t>
+            </a:r>
+            <a:r>
+              <a:rPr kumimoji="0" lang="ru-RU" altLang="ru-RU" sz="1600" b="0" i="0" u="none" strike="noStrike" cap="none" normalizeH="0" baseline="0" dirty="0">
+                <a:ln>
+                  <a:noFill/>
+                </a:ln>
+                <a:solidFill>
+                  <a:srgbClr val="A9B7C6"/>
+                </a:solidFill>
+                <a:effectLst/>
+                <a:latin typeface="JetBrains Mono"/>
+              </a:rPr>
+              <a:t>]</a:t>
+            </a:r>
+            <a:r>
+              <a:rPr kumimoji="0" lang="ru-RU" altLang="ru-RU" sz="1600" b="0" i="0" u="none" strike="noStrike" cap="none" normalizeH="0" baseline="0" dirty="0">
+                <a:ln>
+                  <a:noFill/>
+                </a:ln>
+                <a:solidFill>
+                  <a:srgbClr val="CC7832"/>
+                </a:solidFill>
+                <a:effectLst/>
+                <a:latin typeface="JetBrains Mono"/>
+              </a:rPr>
+              <a:t>;</a:t>
+            </a:r>
+            <a:br>
+              <a:rPr kumimoji="0" lang="ru-RU" altLang="ru-RU" sz="1600" b="0" i="0" u="none" strike="noStrike" cap="none" normalizeH="0" baseline="0" dirty="0">
+                <a:ln>
+                  <a:noFill/>
+                </a:ln>
+                <a:solidFill>
+                  <a:srgbClr val="CC7832"/>
+                </a:solidFill>
+                <a:effectLst/>
+                <a:latin typeface="JetBrains Mono"/>
+              </a:rPr>
+            </a:br>
+            <a:r>
+              <a:rPr kumimoji="0" lang="ru-RU" altLang="ru-RU" sz="1600" b="0" i="0" u="none" strike="noStrike" cap="none" normalizeH="0" baseline="0" dirty="0">
+                <a:ln>
+                  <a:noFill/>
+                </a:ln>
+                <a:solidFill>
+                  <a:srgbClr val="CC7832"/>
+                </a:solidFill>
+                <a:effectLst/>
+                <a:latin typeface="JetBrains Mono"/>
+              </a:rPr>
+              <a:t>    </a:t>
+            </a:r>
+            <a:r>
+              <a:rPr kumimoji="0" lang="ru-RU" altLang="ru-RU" sz="1600" b="0" i="0" u="none" strike="noStrike" cap="none" normalizeH="0" baseline="0" dirty="0">
+                <a:ln>
+                  <a:noFill/>
+                </a:ln>
+                <a:solidFill>
+                  <a:srgbClr val="9876AA"/>
+                </a:solidFill>
+                <a:effectLst/>
+                <a:latin typeface="JetBrains Mono"/>
+              </a:rPr>
+              <a:t>$</a:t>
+            </a:r>
+            <a:r>
+              <a:rPr kumimoji="0" lang="ru-RU" altLang="ru-RU" sz="1600" b="0" i="0" u="none" strike="noStrike" cap="none" normalizeH="0" baseline="0" dirty="0" err="1">
+                <a:ln>
+                  <a:noFill/>
+                </a:ln>
+                <a:solidFill>
+                  <a:srgbClr val="9876AA"/>
+                </a:solidFill>
+                <a:effectLst/>
+                <a:latin typeface="JetBrains Mono"/>
+              </a:rPr>
+              <a:t>cache</a:t>
+            </a:r>
+            <a:r>
+              <a:rPr kumimoji="0" lang="ru-RU" altLang="ru-RU" sz="1600" b="0" i="0" u="none" strike="noStrike" cap="none" normalizeH="0" baseline="0" dirty="0">
+                <a:ln>
+                  <a:noFill/>
+                </a:ln>
+                <a:solidFill>
+                  <a:srgbClr val="A9B7C6"/>
+                </a:solidFill>
+                <a:effectLst/>
+                <a:latin typeface="JetBrains Mono"/>
+              </a:rPr>
+              <a:t>-&gt;</a:t>
+            </a:r>
+            <a:r>
+              <a:rPr kumimoji="0" lang="ru-RU" altLang="ru-RU" sz="1600" b="0" i="0" u="none" strike="noStrike" cap="none" normalizeH="0" baseline="0" dirty="0" err="1">
+                <a:ln>
+                  <a:noFill/>
+                </a:ln>
+                <a:solidFill>
+                  <a:srgbClr val="FFC66D"/>
+                </a:solidFill>
+                <a:effectLst/>
+                <a:latin typeface="JetBrains Mono"/>
+              </a:rPr>
+              <a:t>setCache</a:t>
+            </a:r>
+            <a:r>
+              <a:rPr kumimoji="0" lang="ru-RU" altLang="ru-RU" sz="1600" b="0" i="0" u="none" strike="noStrike" cap="none" normalizeH="0" baseline="0" dirty="0">
+                <a:ln>
+                  <a:noFill/>
+                </a:ln>
+                <a:solidFill>
+                  <a:srgbClr val="A9B7C6"/>
+                </a:solidFill>
+                <a:effectLst/>
+                <a:latin typeface="JetBrains Mono"/>
+              </a:rPr>
+              <a:t>(</a:t>
+            </a:r>
+            <a:r>
+              <a:rPr kumimoji="0" lang="ru-RU" altLang="ru-RU" sz="1600" b="0" i="0" u="none" strike="noStrike" cap="none" normalizeH="0" baseline="0" dirty="0">
+                <a:ln>
+                  <a:noFill/>
+                </a:ln>
+                <a:solidFill>
+                  <a:srgbClr val="9876AA"/>
+                </a:solidFill>
+                <a:effectLst/>
+                <a:latin typeface="JetBrains Mono"/>
+              </a:rPr>
+              <a:t>$</a:t>
+            </a:r>
+            <a:r>
+              <a:rPr kumimoji="0" lang="ru-RU" altLang="ru-RU" sz="1600" b="0" i="0" u="none" strike="noStrike" cap="none" normalizeH="0" baseline="0" dirty="0" err="1">
+                <a:ln>
+                  <a:noFill/>
+                </a:ln>
+                <a:solidFill>
+                  <a:srgbClr val="9876AA"/>
+                </a:solidFill>
+                <a:effectLst/>
+                <a:latin typeface="JetBrains Mono"/>
+              </a:rPr>
+              <a:t>data</a:t>
+            </a:r>
+            <a:r>
+              <a:rPr kumimoji="0" lang="ru-RU" altLang="ru-RU" sz="1600" b="0" i="0" u="none" strike="noStrike" cap="none" normalizeH="0" baseline="0" dirty="0">
+                <a:ln>
+                  <a:noFill/>
+                </a:ln>
+                <a:solidFill>
+                  <a:srgbClr val="A9B7C6"/>
+                </a:solidFill>
+                <a:effectLst/>
+                <a:latin typeface="JetBrains Mono"/>
+              </a:rPr>
+              <a:t>)</a:t>
+            </a:r>
+            <a:r>
+              <a:rPr kumimoji="0" lang="ru-RU" altLang="ru-RU" sz="1600" b="0" i="0" u="none" strike="noStrike" cap="none" normalizeH="0" baseline="0" dirty="0">
+                <a:ln>
+                  <a:noFill/>
+                </a:ln>
+                <a:solidFill>
+                  <a:srgbClr val="CC7832"/>
+                </a:solidFill>
+                <a:effectLst/>
+                <a:latin typeface="JetBrains Mono"/>
+              </a:rPr>
+              <a:t>;</a:t>
+            </a:r>
+            <a:br>
+              <a:rPr kumimoji="0" lang="ru-RU" altLang="ru-RU" sz="1600" b="0" i="0" u="none" strike="noStrike" cap="none" normalizeH="0" baseline="0" dirty="0">
+                <a:ln>
+                  <a:noFill/>
+                </a:ln>
+                <a:solidFill>
+                  <a:srgbClr val="CC7832"/>
+                </a:solidFill>
+                <a:effectLst/>
+                <a:latin typeface="JetBrains Mono"/>
+              </a:rPr>
+            </a:br>
+            <a:r>
+              <a:rPr kumimoji="0" lang="ru-RU" altLang="ru-RU" sz="1600" b="0" i="0" u="none" strike="noStrike" cap="none" normalizeH="0" baseline="0" dirty="0">
+                <a:ln>
+                  <a:noFill/>
+                </a:ln>
+                <a:solidFill>
+                  <a:srgbClr val="A9B7C6"/>
+                </a:solidFill>
+                <a:effectLst/>
+                <a:latin typeface="JetBrains Mono"/>
+              </a:rPr>
+              <a:t>}</a:t>
+            </a:r>
+            <a:endParaRPr kumimoji="0" lang="ru-RU" altLang="ru-RU" sz="1600" b="0" i="0" u="none" strike="noStrike" cap="none" normalizeH="0" baseline="0" dirty="0">
+              <a:ln>
+                <a:noFill/>
+              </a:ln>
+              <a:solidFill>
+                <a:schemeClr val="tx1"/>
+              </a:solidFill>
+              <a:effectLst/>
+              <a:latin typeface="Arial" panose="020B0604020202020204" pitchFamily="34" charset="0"/>
+            </a:endParaRPr>
           </a:p>
         </p:txBody>
       </p:sp>
     </p:spTree>
     <p:extLst>
       <p:ext uri="{BB962C8B-B14F-4D97-AF65-F5344CB8AC3E}">
-        <p14:creationId xmlns:p14="http://schemas.microsoft.com/office/powerpoint/2010/main" val="841017572"/>
+        <p14:creationId xmlns:p14="http://schemas.microsoft.com/office/powerpoint/2010/main" val="2866432078"/>
       </p:ext>
     </p:extLst>
   </p:cSld>
@@ -6337,6 +7924,303 @@
         </p:spPr>
         <p:txBody>
           <a:bodyPr>
+            <a:normAutofit fontScale="90000"/>
+          </a:bodyPr>
+          <a:lstStyle/>
+          <a:p>
+            <a:pPr algn="ctr"/>
+            <a:r>
+              <a:rPr lang="ru-RU" dirty="0"/>
+              <a:t>Взаимодействие между компонентами информационной системы по протоколу </a:t>
+            </a:r>
+            <a:r>
+              <a:rPr lang="en-US" dirty="0"/>
+              <a:t>AMQP</a:t>
+            </a:r>
+            <a:endParaRPr lang="ru-RU" dirty="0">
+              <a:latin typeface="Times New Roman" panose="02020603050405020304" pitchFamily="18" charset="0"/>
+              <a:cs typeface="Times New Roman" panose="02020603050405020304" pitchFamily="18" charset="0"/>
+            </a:endParaRPr>
+          </a:p>
+        </p:txBody>
+      </p:sp>
+      <p:sp>
+        <p:nvSpPr>
+          <p:cNvPr id="4" name="TextBox 3">
+            <a:extLst>
+              <a:ext uri="{FF2B5EF4-FFF2-40B4-BE49-F238E27FC236}">
+                <a16:creationId xmlns:a16="http://schemas.microsoft.com/office/drawing/2014/main" id="{1BF290D8-08B8-8963-0CAE-1152CCED4A0A}"/>
+              </a:ext>
+            </a:extLst>
+          </p:cNvPr>
+          <p:cNvSpPr txBox="1"/>
+          <p:nvPr/>
+        </p:nvSpPr>
+        <p:spPr>
+          <a:xfrm>
+            <a:off x="1800225" y="2105025"/>
+            <a:ext cx="8353425" cy="923330"/>
+          </a:xfrm>
+          <a:prstGeom prst="rect">
+            <a:avLst/>
+          </a:prstGeom>
+          <a:noFill/>
+        </p:spPr>
+        <p:txBody>
+          <a:bodyPr wrap="square" rtlCol="0">
+            <a:spAutoFit/>
+          </a:bodyPr>
+          <a:lstStyle/>
+          <a:p>
+            <a:r>
+              <a:rPr lang="ru-RU" dirty="0"/>
+              <a:t>Рассказать про протокол </a:t>
+            </a:r>
+            <a:r>
+              <a:rPr lang="en-US" dirty="0"/>
+              <a:t>AMQP</a:t>
+            </a:r>
+            <a:r>
+              <a:rPr lang="ru-RU" dirty="0"/>
+              <a:t>. Суть обмена сообщениями и что это даёт и как можно регулировать нагрузку.</a:t>
+            </a:r>
+            <a:r>
+              <a:rPr lang="en-US" dirty="0"/>
+              <a:t> </a:t>
+            </a:r>
+            <a:r>
+              <a:rPr lang="ru-RU" dirty="0"/>
+              <a:t>Рассказать об используемых инструментах - </a:t>
+            </a:r>
+            <a:r>
+              <a:rPr lang="en-US" dirty="0" err="1"/>
+              <a:t>rabbitMQ</a:t>
+            </a:r>
+            <a:endParaRPr lang="ru-RU" dirty="0"/>
+          </a:p>
+        </p:txBody>
+      </p:sp>
+    </p:spTree>
+    <p:extLst>
+      <p:ext uri="{BB962C8B-B14F-4D97-AF65-F5344CB8AC3E}">
+        <p14:creationId xmlns:p14="http://schemas.microsoft.com/office/powerpoint/2010/main" val="4123049115"/>
+      </p:ext>
+    </p:extLst>
+  </p:cSld>
+  <p:clrMapOvr>
+    <a:masterClrMapping/>
+  </p:clrMapOvr>
+  <p:transition spd="slow">
+    <p:push dir="u"/>
+  </p:transition>
+</p:sld>
+</file>
+
+<file path=ppt/slides/slide15.xml><?xml version="1.0" encoding="utf-8"?>
+<p:sld xmlns:a="http://schemas.openxmlformats.org/drawingml/2006/main" xmlns:r="http://schemas.openxmlformats.org/officeDocument/2006/relationships" xmlns:p="http://schemas.openxmlformats.org/presentationml/2006/main">
+  <p:cSld>
+    <p:spTree>
+      <p:nvGrpSpPr>
+        <p:cNvPr id="1" name=""/>
+        <p:cNvGrpSpPr/>
+        <p:nvPr/>
+      </p:nvGrpSpPr>
+      <p:grpSpPr>
+        <a:xfrm>
+          <a:off x="0" y="0"/>
+          <a:ext cx="0" cy="0"/>
+          <a:chOff x="0" y="0"/>
+          <a:chExt cx="0" cy="0"/>
+        </a:xfrm>
+      </p:grpSpPr>
+      <p:sp>
+        <p:nvSpPr>
+          <p:cNvPr id="2" name="Заголовок 1">
+            <a:extLst>
+              <a:ext uri="{FF2B5EF4-FFF2-40B4-BE49-F238E27FC236}">
+                <a16:creationId xmlns:a16="http://schemas.microsoft.com/office/drawing/2014/main" id="{FDD4659B-97E7-41EB-B6EB-6FA3CF23E13E}"/>
+              </a:ext>
+            </a:extLst>
+          </p:cNvPr>
+          <p:cNvSpPr>
+            <a:spLocks noGrp="1"/>
+          </p:cNvSpPr>
+          <p:nvPr>
+            <p:ph type="title"/>
+          </p:nvPr>
+        </p:nvSpPr>
+        <p:spPr>
+          <a:xfrm>
+            <a:off x="1147762" y="304800"/>
+            <a:ext cx="10086975" cy="1507067"/>
+          </a:xfrm>
+        </p:spPr>
+        <p:txBody>
+          <a:bodyPr>
+            <a:normAutofit/>
+          </a:bodyPr>
+          <a:lstStyle/>
+          <a:p>
+            <a:pPr algn="ctr"/>
+            <a:r>
+              <a:rPr lang="ru-RU" dirty="0"/>
+              <a:t>Результаты использования разработанного инструмента</a:t>
+            </a:r>
+            <a:endParaRPr lang="ru-RU" dirty="0">
+              <a:latin typeface="Times New Roman" panose="02020603050405020304" pitchFamily="18" charset="0"/>
+              <a:cs typeface="Times New Roman" panose="02020603050405020304" pitchFamily="18" charset="0"/>
+            </a:endParaRPr>
+          </a:p>
+        </p:txBody>
+      </p:sp>
+      <p:sp>
+        <p:nvSpPr>
+          <p:cNvPr id="4" name="TextBox 3">
+            <a:extLst>
+              <a:ext uri="{FF2B5EF4-FFF2-40B4-BE49-F238E27FC236}">
+                <a16:creationId xmlns:a16="http://schemas.microsoft.com/office/drawing/2014/main" id="{1BF290D8-08B8-8963-0CAE-1152CCED4A0A}"/>
+              </a:ext>
+            </a:extLst>
+          </p:cNvPr>
+          <p:cNvSpPr txBox="1"/>
+          <p:nvPr/>
+        </p:nvSpPr>
+        <p:spPr>
+          <a:xfrm>
+            <a:off x="1800225" y="2105025"/>
+            <a:ext cx="8353425" cy="1754326"/>
+          </a:xfrm>
+          <a:prstGeom prst="rect">
+            <a:avLst/>
+          </a:prstGeom>
+          <a:noFill/>
+        </p:spPr>
+        <p:txBody>
+          <a:bodyPr wrap="square" rtlCol="0">
+            <a:spAutoFit/>
+          </a:bodyPr>
+          <a:lstStyle/>
+          <a:p>
+            <a:r>
+              <a:rPr lang="ru-RU" dirty="0"/>
+              <a:t>Данные взять со Сплава. Интересуют</a:t>
+            </a:r>
+            <a:r>
+              <a:rPr lang="en-US" dirty="0"/>
+              <a:t>:</a:t>
+            </a:r>
+          </a:p>
+          <a:p>
+            <a:pPr marL="342900" indent="-342900">
+              <a:buAutoNum type="arabicPeriod"/>
+            </a:pPr>
+            <a:r>
+              <a:rPr lang="ru-RU" dirty="0"/>
+              <a:t>Нагрузка на сеть</a:t>
+            </a:r>
+          </a:p>
+          <a:p>
+            <a:pPr marL="342900" indent="-342900">
+              <a:buAutoNum type="arabicPeriod"/>
+            </a:pPr>
+            <a:r>
+              <a:rPr lang="ru-RU" dirty="0" err="1"/>
+              <a:t>Нагрущка</a:t>
+            </a:r>
+            <a:r>
+              <a:rPr lang="ru-RU" dirty="0"/>
+              <a:t> на ЦП</a:t>
+            </a:r>
+            <a:r>
+              <a:rPr lang="en-US" dirty="0"/>
+              <a:t>;</a:t>
+            </a:r>
+          </a:p>
+          <a:p>
+            <a:pPr marL="342900" indent="-342900">
+              <a:buAutoNum type="arabicPeriod"/>
+            </a:pPr>
+            <a:r>
+              <a:rPr lang="ru-RU" dirty="0"/>
+              <a:t>Количество запросов на хитах</a:t>
+            </a:r>
+            <a:r>
+              <a:rPr lang="en-US" dirty="0"/>
+              <a:t>;</a:t>
+            </a:r>
+          </a:p>
+          <a:p>
+            <a:pPr marL="342900" indent="-342900">
+              <a:buAutoNum type="arabicPeriod"/>
+            </a:pPr>
+            <a:r>
+              <a:rPr lang="ru-RU" dirty="0"/>
+              <a:t>Время формирования страницы</a:t>
+            </a:r>
+            <a:br>
+              <a:rPr lang="en-US" dirty="0"/>
+            </a:br>
+            <a:endParaRPr lang="ru-RU" dirty="0"/>
+          </a:p>
+        </p:txBody>
+      </p:sp>
+    </p:spTree>
+    <p:extLst>
+      <p:ext uri="{BB962C8B-B14F-4D97-AF65-F5344CB8AC3E}">
+        <p14:creationId xmlns:p14="http://schemas.microsoft.com/office/powerpoint/2010/main" val="841017572"/>
+      </p:ext>
+    </p:extLst>
+  </p:cSld>
+  <p:clrMapOvr>
+    <a:masterClrMapping/>
+  </p:clrMapOvr>
+  <p:transition spd="slow">
+    <p:push dir="u"/>
+  </p:transition>
+</p:sld>
+</file>
+
+<file path=ppt/slides/slide16.xml><?xml version="1.0" encoding="utf-8"?>
+<p:sld xmlns:a="http://schemas.openxmlformats.org/drawingml/2006/main" xmlns:r="http://schemas.openxmlformats.org/officeDocument/2006/relationships" xmlns:p="http://schemas.openxmlformats.org/presentationml/2006/main">
+  <p:cSld>
+    <p:spTree>
+      <p:nvGrpSpPr>
+        <p:cNvPr id="1" name=""/>
+        <p:cNvGrpSpPr/>
+        <p:nvPr/>
+      </p:nvGrpSpPr>
+      <p:grpSpPr>
+        <a:xfrm>
+          <a:off x="0" y="0"/>
+          <a:ext cx="0" cy="0"/>
+          <a:chOff x="0" y="0"/>
+          <a:chExt cx="0" cy="0"/>
+        </a:xfrm>
+      </p:grpSpPr>
+      <p:sp>
+        <p:nvSpPr>
+          <p:cNvPr id="2" name="Заголовок 1">
+            <a:extLst>
+              <a:ext uri="{FF2B5EF4-FFF2-40B4-BE49-F238E27FC236}">
+                <a16:creationId xmlns:a16="http://schemas.microsoft.com/office/drawing/2014/main" id="{FDD4659B-97E7-41EB-B6EB-6FA3CF23E13E}"/>
+              </a:ext>
+            </a:extLst>
+          </p:cNvPr>
+          <p:cNvSpPr>
+            <a:spLocks noGrp="1"/>
+          </p:cNvSpPr>
+          <p:nvPr>
+            <p:ph type="title"/>
+          </p:nvPr>
+        </p:nvSpPr>
+        <p:spPr>
+          <a:xfrm>
+            <a:off x="1147762" y="304800"/>
+            <a:ext cx="10086975" cy="1507067"/>
+          </a:xfrm>
+        </p:spPr>
+        <p:txBody>
+          <a:bodyPr>
             <a:normAutofit/>
           </a:bodyPr>
           <a:lstStyle/>
@@ -6404,7 +8288,7 @@
 </p:sld>
 </file>
 
-<file path=ppt/slides/slide15.xml><?xml version="1.0" encoding="utf-8"?>
+<file path=ppt/slides/slide17.xml><?xml version="1.0" encoding="utf-8"?>
 <p:sld xmlns:a="http://schemas.openxmlformats.org/drawingml/2006/main" xmlns:r="http://schemas.openxmlformats.org/officeDocument/2006/relationships" xmlns:p="http://schemas.openxmlformats.org/presentationml/2006/main">
   <p:cSld>
     <p:spTree>
@@ -8339,7 +10223,7 @@
 </file>
 
 <file path=ppt/slides/slide9.xml><?xml version="1.0" encoding="utf-8"?>
-<p:sld xmlns:a="http://schemas.openxmlformats.org/drawingml/2006/main" xmlns:r="http://schemas.openxmlformats.org/officeDocument/2006/relationships" xmlns:p="http://schemas.openxmlformats.org/presentationml/2006/main">
+<p:sld xmlns:a="http://schemas.openxmlformats.org/drawingml/2006/main" xmlns:r="http://schemas.openxmlformats.org/officeDocument/2006/relationships" xmlns:p="http://schemas.openxmlformats.org/presentationml/2006/main" show="0">
   <p:cSld>
     <p:spTree>
       <p:nvGrpSpPr>

--- a/ВКР_5.pptx
+++ b/ВКР_5.pptx
@@ -2212,7 +2212,7 @@
             <a:fld id="{B61BEF0D-F0BB-DE4B-95CE-6DB70DBA9567}" type="datetimeFigureOut">
               <a:rPr lang="en-US" dirty="0"/>
               <a:pPr/>
-              <a:t>5/13/2022</a:t>
+              <a:t>5/14/2022</a:t>
             </a:fld>
             <a:endParaRPr lang="en-US" dirty="0"/>
           </a:p>
@@ -2645,7 +2645,7 @@
             <a:fld id="{B61BEF0D-F0BB-DE4B-95CE-6DB70DBA9567}" type="datetimeFigureOut">
               <a:rPr lang="en-US" dirty="0"/>
               <a:pPr/>
-              <a:t>5/13/2022</a:t>
+              <a:t>5/14/2022</a:t>
             </a:fld>
             <a:endParaRPr lang="en-US" dirty="0"/>
           </a:p>
@@ -2892,7 +2892,7 @@
             <a:fld id="{B61BEF0D-F0BB-DE4B-95CE-6DB70DBA9567}" type="datetimeFigureOut">
               <a:rPr lang="en-US" dirty="0"/>
               <a:pPr/>
-              <a:t>5/13/2022</a:t>
+              <a:t>5/14/2022</a:t>
             </a:fld>
             <a:endParaRPr lang="en-US" dirty="0"/>
           </a:p>
@@ -3197,7 +3197,7 @@
             <a:fld id="{B61BEF0D-F0BB-DE4B-95CE-6DB70DBA9567}" type="datetimeFigureOut">
               <a:rPr lang="en-US" dirty="0"/>
               <a:pPr/>
-              <a:t>5/13/2022</a:t>
+              <a:t>5/14/2022</a:t>
             </a:fld>
             <a:endParaRPr lang="en-US" dirty="0"/>
           </a:p>
@@ -3512,7 +3512,7 @@
             <a:fld id="{B61BEF0D-F0BB-DE4B-95CE-6DB70DBA9567}" type="datetimeFigureOut">
               <a:rPr lang="en-US" dirty="0"/>
               <a:pPr/>
-              <a:t>5/13/2022</a:t>
+              <a:t>5/14/2022</a:t>
             </a:fld>
             <a:endParaRPr lang="en-US" dirty="0"/>
           </a:p>
@@ -3811,7 +3811,7 @@
             <a:fld id="{B61BEF0D-F0BB-DE4B-95CE-6DB70DBA9567}" type="datetimeFigureOut">
               <a:rPr lang="en-US" dirty="0"/>
               <a:pPr/>
-              <a:t>5/13/2022</a:t>
+              <a:t>5/14/2022</a:t>
             </a:fld>
             <a:endParaRPr lang="en-US" dirty="0"/>
           </a:p>
@@ -4175,7 +4175,7 @@
             <a:fld id="{B61BEF0D-F0BB-DE4B-95CE-6DB70DBA9567}" type="datetimeFigureOut">
               <a:rPr lang="en-US" dirty="0"/>
               <a:pPr/>
-              <a:t>5/13/2022</a:t>
+              <a:t>5/14/2022</a:t>
             </a:fld>
             <a:endParaRPr lang="en-US" dirty="0"/>
           </a:p>
@@ -4346,7 +4346,7 @@
             <a:fld id="{B61BEF0D-F0BB-DE4B-95CE-6DB70DBA9567}" type="datetimeFigureOut">
               <a:rPr lang="en-US" dirty="0"/>
               <a:pPr/>
-              <a:t>5/13/2022</a:t>
+              <a:t>5/14/2022</a:t>
             </a:fld>
             <a:endParaRPr lang="en-US" dirty="0"/>
           </a:p>
@@ -4523,7 +4523,7 @@
             <a:fld id="{B61BEF0D-F0BB-DE4B-95CE-6DB70DBA9567}" type="datetimeFigureOut">
               <a:rPr lang="en-US" dirty="0"/>
               <a:pPr/>
-              <a:t>5/13/2022</a:t>
+              <a:t>5/14/2022</a:t>
             </a:fld>
             <a:endParaRPr lang="en-US" dirty="0"/>
           </a:p>
@@ -4690,7 +4690,7 @@
             <a:fld id="{B61BEF0D-F0BB-DE4B-95CE-6DB70DBA9567}" type="datetimeFigureOut">
               <a:rPr lang="en-US" dirty="0"/>
               <a:pPr/>
-              <a:t>5/13/2022</a:t>
+              <a:t>5/14/2022</a:t>
             </a:fld>
             <a:endParaRPr lang="en-US" dirty="0"/>
           </a:p>
@@ -4937,7 +4937,7 @@
             <a:fld id="{B61BEF0D-F0BB-DE4B-95CE-6DB70DBA9567}" type="datetimeFigureOut">
               <a:rPr lang="en-US" dirty="0"/>
               <a:pPr/>
-              <a:t>5/13/2022</a:t>
+              <a:t>5/14/2022</a:t>
             </a:fld>
             <a:endParaRPr lang="en-US" dirty="0"/>
           </a:p>
@@ -5170,7 +5170,7 @@
             <a:fld id="{B61BEF0D-F0BB-DE4B-95CE-6DB70DBA9567}" type="datetimeFigureOut">
               <a:rPr lang="en-US" dirty="0"/>
               <a:pPr/>
-              <a:t>5/13/2022</a:t>
+              <a:t>5/14/2022</a:t>
             </a:fld>
             <a:endParaRPr lang="en-US" dirty="0"/>
           </a:p>
@@ -5549,7 +5549,7 @@
             <a:fld id="{B61BEF0D-F0BB-DE4B-95CE-6DB70DBA9567}" type="datetimeFigureOut">
               <a:rPr lang="en-US" dirty="0"/>
               <a:pPr/>
-              <a:t>5/13/2022</a:t>
+              <a:t>5/14/2022</a:t>
             </a:fld>
             <a:endParaRPr lang="en-US" dirty="0"/>
           </a:p>
@@ -5664,7 +5664,7 @@
             <a:fld id="{B61BEF0D-F0BB-DE4B-95CE-6DB70DBA9567}" type="datetimeFigureOut">
               <a:rPr lang="en-US" dirty="0"/>
               <a:pPr/>
-              <a:t>5/13/2022</a:t>
+              <a:t>5/14/2022</a:t>
             </a:fld>
             <a:endParaRPr lang="en-US" dirty="0"/>
           </a:p>
@@ -5756,7 +5756,7 @@
             <a:fld id="{B61BEF0D-F0BB-DE4B-95CE-6DB70DBA9567}" type="datetimeFigureOut">
               <a:rPr lang="en-US" dirty="0"/>
               <a:pPr/>
-              <a:t>5/13/2022</a:t>
+              <a:t>5/14/2022</a:t>
             </a:fld>
             <a:endParaRPr lang="en-US" dirty="0"/>
           </a:p>
@@ -6008,7 +6008,7 @@
             <a:fld id="{B61BEF0D-F0BB-DE4B-95CE-6DB70DBA9567}" type="datetimeFigureOut">
               <a:rPr lang="en-US" dirty="0"/>
               <a:pPr/>
-              <a:t>5/13/2022</a:t>
+              <a:t>5/14/2022</a:t>
             </a:fld>
             <a:endParaRPr lang="en-US" dirty="0"/>
           </a:p>
@@ -6288,7 +6288,7 @@
             <a:fld id="{B61BEF0D-F0BB-DE4B-95CE-6DB70DBA9567}" type="datetimeFigureOut">
               <a:rPr lang="en-US" dirty="0"/>
               <a:pPr/>
-              <a:t>5/13/2022</a:t>
+              <a:t>5/14/2022</a:t>
             </a:fld>
             <a:endParaRPr lang="en-US" dirty="0"/>
           </a:p>
@@ -6691,7 +6691,7 @@
             <a:fld id="{B61BEF0D-F0BB-DE4B-95CE-6DB70DBA9567}" type="datetimeFigureOut">
               <a:rPr lang="en-US" dirty="0"/>
               <a:pPr/>
-              <a:t>5/13/2022</a:t>
+              <a:t>5/14/2022</a:t>
             </a:fld>
             <a:endParaRPr lang="en-US" dirty="0"/>
           </a:p>
@@ -7402,7 +7402,25 @@
                 <a:latin typeface="Times New Roman" panose="02020603050405020304" pitchFamily="18" charset="0"/>
                 <a:ea typeface="Times New Roman" panose="02020603050405020304" pitchFamily="18" charset="0"/>
               </a:rPr>
-              <a:t>РАЗРАБОТКА МЕТОДОВ ОПТИМИЗАЦИИ ВЗАИМОДЕЙСТВИЯ ВЕБ-САЙТА С БАЗОЙ ДАННЫХ</a:t>
+              <a:t>РАЗРАБОТКА МЕТОДОВ ОПТИМИЗАЦИИ </a:t>
+            </a:r>
+          </a:p>
+          <a:p>
+            <a:pPr algn="ctr">
+              <a:lnSpc>
+                <a:spcPct val="150000"/>
+              </a:lnSpc>
+            </a:pPr>
+            <a:r>
+              <a:rPr lang="ru-RU" sz="1800" dirty="0">
+                <a:solidFill>
+                  <a:srgbClr val="000000"/>
+                </a:solidFill>
+                <a:effectLst/>
+                <a:latin typeface="Times New Roman" panose="02020603050405020304" pitchFamily="18" charset="0"/>
+                <a:ea typeface="Times New Roman" panose="02020603050405020304" pitchFamily="18" charset="0"/>
+              </a:rPr>
+              <a:t>ВЗАИМОДЕЙСТВИЯ ВЕБ-САЙТА С БАЗОЙ ДАННЫХ</a:t>
             </a:r>
             <a:endParaRPr lang="ru-RU" sz="1800" dirty="0">
               <a:effectLst/>
@@ -7670,6 +7688,38 @@
               </a:rPr>
               <a:t> 2022</a:t>
             </a:r>
+          </a:p>
+        </p:txBody>
+      </p:sp>
+      <p:sp>
+        <p:nvSpPr>
+          <p:cNvPr id="6" name="TextBox 5">
+            <a:extLst>
+              <a:ext uri="{FF2B5EF4-FFF2-40B4-BE49-F238E27FC236}">
+                <a16:creationId xmlns:a16="http://schemas.microsoft.com/office/drawing/2014/main" id="{08985509-4F76-9755-DCA3-463744760A0D}"/>
+              </a:ext>
+            </a:extLst>
+          </p:cNvPr>
+          <p:cNvSpPr txBox="1"/>
+          <p:nvPr/>
+        </p:nvSpPr>
+        <p:spPr>
+          <a:xfrm>
+            <a:off x="3057525" y="1981200"/>
+            <a:ext cx="4638675" cy="369332"/>
+          </a:xfrm>
+          <a:prstGeom prst="rect">
+            <a:avLst/>
+          </a:prstGeom>
+          <a:noFill/>
+        </p:spPr>
+        <p:txBody>
+          <a:bodyPr wrap="square" rtlCol="0">
+            <a:spAutoFit/>
+          </a:bodyPr>
+          <a:lstStyle/>
+          <a:p>
+            <a:endParaRPr lang="ru-RU" dirty="0"/>
           </a:p>
         </p:txBody>
       </p:sp>
@@ -13301,7 +13351,7 @@
                 <a:ea typeface="Calibri" panose="020F0502020204030204" pitchFamily="34" charset="0"/>
                 <a:cs typeface="Times New Roman CYR" panose="02020603050405020304" pitchFamily="18" charset="0"/>
               </a:rPr>
-              <a:t>, как основной инструмент работы с базами данных, играет первостепенную роль в вопросе разработки СУБД, а также администрирования баз данных. Так как базы данных во многих сферах могут достигать очень больших объемов, то естественно встает вопрос об эффективной, с точки зрения быстродействия, работы с этими данными.</a:t>
+              <a:t>, как основной инструмент работы с базами данных, играет первостепенную роль в вопросе разработки СУБД, а также в администрировании баз данных. Так как базы данных во многих сферах могут достигать очень больших объемов, то естественно встает вопрос об эффективной, с точки зрения быстродействия, работы с этими данными.</a:t>
             </a:r>
             <a:endParaRPr lang="ru-RU" sz="1800" dirty="0">
               <a:effectLst/>
@@ -16205,8 +16255,8 @@
         </p:blipFill>
         <p:spPr>
           <a:xfrm>
-            <a:off x="1862138" y="4540434"/>
-            <a:ext cx="1076865" cy="1426025"/>
+            <a:off x="2211350" y="4854795"/>
+            <a:ext cx="810323" cy="1073060"/>
           </a:xfrm>
           <a:prstGeom prst="rect">
             <a:avLst/>
@@ -16242,8 +16292,8 @@
         </p:blipFill>
         <p:spPr bwMode="auto">
           <a:xfrm>
-            <a:off x="3471862" y="4585334"/>
-            <a:ext cx="1381125" cy="1381125"/>
+            <a:off x="3501305" y="4965946"/>
+            <a:ext cx="929464" cy="929464"/>
           </a:xfrm>
           <a:prstGeom prst="rect">
             <a:avLst/>
@@ -16289,8 +16339,8 @@
         </p:blipFill>
         <p:spPr bwMode="auto">
           <a:xfrm>
-            <a:off x="5385846" y="4735089"/>
-            <a:ext cx="1704974" cy="1231370"/>
+            <a:off x="4905812" y="5165828"/>
+            <a:ext cx="1010191" cy="729582"/>
           </a:xfrm>
           <a:prstGeom prst="rect">
             <a:avLst/>
@@ -16329,8 +16379,8 @@
         </p:blipFill>
         <p:spPr>
           <a:xfrm>
-            <a:off x="7219520" y="4977008"/>
-            <a:ext cx="2080272" cy="877852"/>
+            <a:off x="8746115" y="5071767"/>
+            <a:ext cx="1519667" cy="641283"/>
           </a:xfrm>
           <a:prstGeom prst="rect">
             <a:avLst/>
@@ -16366,8 +16416,85 @@
         </p:blipFill>
         <p:spPr bwMode="auto">
           <a:xfrm>
-            <a:off x="9603316" y="4536156"/>
-            <a:ext cx="1631421" cy="1631421"/>
+            <a:off x="10591259" y="4792160"/>
+            <a:ext cx="1010191" cy="1010191"/>
+          </a:xfrm>
+          <a:prstGeom prst="rect">
+            <a:avLst/>
+          </a:prstGeom>
+          <a:noFill/>
+          <a:extLst>
+            <a:ext uri="{909E8E84-426E-40DD-AFC4-6F175D3DCCD1}">
+              <a14:hiddenFill xmlns:a14="http://schemas.microsoft.com/office/drawing/2010/main">
+                <a:solidFill>
+                  <a:srgbClr val="FFFFFF"/>
+                </a:solidFill>
+              </a14:hiddenFill>
+            </a:ext>
+          </a:extLst>
+        </p:spPr>
+      </p:pic>
+      <p:pic>
+        <p:nvPicPr>
+          <p:cNvPr id="7" name="Рисунок 6">
+            <a:extLst>
+              <a:ext uri="{FF2B5EF4-FFF2-40B4-BE49-F238E27FC236}">
+                <a16:creationId xmlns:a16="http://schemas.microsoft.com/office/drawing/2014/main" id="{244F94FA-9264-82F4-C81F-09CAF58B308E}"/>
+              </a:ext>
+            </a:extLst>
+          </p:cNvPr>
+          <p:cNvPicPr>
+            <a:picLocks noChangeAspect="1"/>
+          </p:cNvPicPr>
+          <p:nvPr/>
+        </p:nvPicPr>
+        <p:blipFill>
+          <a:blip r:embed="rId7"/>
+          <a:stretch>
+            <a:fillRect/>
+          </a:stretch>
+        </p:blipFill>
+        <p:spPr>
+          <a:xfrm>
+            <a:off x="681329" y="5053725"/>
+            <a:ext cx="1289499" cy="675200"/>
+          </a:xfrm>
+          <a:prstGeom prst="rect">
+            <a:avLst/>
+          </a:prstGeom>
+        </p:spPr>
+      </p:pic>
+      <p:pic>
+        <p:nvPicPr>
+          <p:cNvPr id="1030" name="Picture 6" descr="Логотип программы Systemd">
+            <a:extLst>
+              <a:ext uri="{FF2B5EF4-FFF2-40B4-BE49-F238E27FC236}">
+                <a16:creationId xmlns:a16="http://schemas.microsoft.com/office/drawing/2014/main" id="{1AF99B44-C508-DB01-AC8C-D3811404D1DC}"/>
+              </a:ext>
+            </a:extLst>
+          </p:cNvPr>
+          <p:cNvPicPr>
+            <a:picLocks noChangeAspect="1" noChangeArrowheads="1"/>
+          </p:cNvPicPr>
+          <p:nvPr/>
+        </p:nvPicPr>
+        <p:blipFill>
+          <a:blip r:embed="rId8">
+            <a:extLst>
+              <a:ext uri="{28A0092B-C50C-407E-A947-70E740481C1C}">
+                <a14:useLocalDpi xmlns:a14="http://schemas.microsoft.com/office/drawing/2010/main" val="0"/>
+              </a:ext>
+            </a:extLst>
+          </a:blip>
+          <a:srcRect/>
+          <a:stretch>
+            <a:fillRect/>
+          </a:stretch>
+        </p:blipFill>
+        <p:spPr bwMode="auto">
+          <a:xfrm>
+            <a:off x="6391316" y="5297256"/>
+            <a:ext cx="2095500" cy="466725"/>
           </a:xfrm>
           <a:prstGeom prst="rect">
             <a:avLst/>
@@ -16542,21 +16669,39 @@
                                   </p:childTnLst>
                                 </p:cTn>
                               </p:par>
+                            </p:childTnLst>
+                          </p:cTn>
+                        </p:par>
+                      </p:childTnLst>
+                    </p:cTn>
+                  </p:par>
+                  <p:par>
+                    <p:cTn id="15" fill="hold">
+                      <p:stCondLst>
+                        <p:cond delay="indefinite"/>
+                      </p:stCondLst>
+                      <p:childTnLst>
+                        <p:par>
+                          <p:cTn id="16" fill="hold">
+                            <p:stCondLst>
+                              <p:cond delay="0"/>
+                            </p:stCondLst>
+                            <p:childTnLst>
                               <p:par>
-                                <p:cTn id="15" presetID="1" presetClass="entr" presetSubtype="0" fill="hold" nodeType="withEffect">
+                                <p:cTn id="17" presetID="1" presetClass="entr" presetSubtype="0" fill="hold" nodeType="clickEffect">
                                   <p:stCondLst>
                                     <p:cond delay="0"/>
                                   </p:stCondLst>
                                   <p:childTnLst>
                                     <p:set>
                                       <p:cBhvr>
-                                        <p:cTn id="16" dur="1" fill="hold">
+                                        <p:cTn id="18" dur="1" fill="hold">
                                           <p:stCondLst>
                                             <p:cond delay="0"/>
                                           </p:stCondLst>
                                         </p:cTn>
                                         <p:tgtEl>
-                                          <p:spTgt spid="8"/>
+                                          <p:spTgt spid="7"/>
                                         </p:tgtEl>
                                         <p:attrNameLst>
                                           <p:attrName>style.visibility</p:attrName>
@@ -16569,26 +16714,8 @@
                                   </p:childTnLst>
                                 </p:cTn>
                               </p:par>
-                            </p:childTnLst>
-                          </p:cTn>
-                        </p:par>
-                      </p:childTnLst>
-                    </p:cTn>
-                  </p:par>
-                  <p:par>
-                    <p:cTn id="17" fill="hold">
-                      <p:stCondLst>
-                        <p:cond delay="indefinite"/>
-                      </p:stCondLst>
-                      <p:childTnLst>
-                        <p:par>
-                          <p:cTn id="18" fill="hold">
-                            <p:stCondLst>
-                              <p:cond delay="0"/>
-                            </p:stCondLst>
-                            <p:childTnLst>
                               <p:par>
-                                <p:cTn id="19" presetID="1" presetClass="entr" presetSubtype="0" fill="hold" nodeType="clickEffect">
+                                <p:cTn id="19" presetID="1" presetClass="entr" presetSubtype="0" fill="hold" nodeType="withEffect">
                                   <p:stCondLst>
                                     <p:cond delay="0"/>
                                   </p:stCondLst>
@@ -16601,7 +16728,7 @@
                                           </p:stCondLst>
                                         </p:cTn>
                                         <p:tgtEl>
-                                          <p:spTgt spid="3080"/>
+                                          <p:spTgt spid="8"/>
                                         </p:tgtEl>
                                         <p:attrNameLst>
                                           <p:attrName>style.visibility</p:attrName>
@@ -16646,7 +16773,7 @@
                                           </p:stCondLst>
                                         </p:cTn>
                                         <p:tgtEl>
-                                          <p:spTgt spid="3084"/>
+                                          <p:spTgt spid="3080"/>
                                         </p:tgtEl>
                                         <p:attrNameLst>
                                           <p:attrName>style.visibility</p:attrName>
@@ -16691,7 +16818,7 @@
                                           </p:stCondLst>
                                         </p:cTn>
                                         <p:tgtEl>
-                                          <p:spTgt spid="11"/>
+                                          <p:spTgt spid="3084"/>
                                         </p:tgtEl>
                                         <p:attrNameLst>
                                           <p:attrName>style.visibility</p:attrName>
@@ -16731,6 +16858,96 @@
                                     <p:set>
                                       <p:cBhvr>
                                         <p:cTn id="32" dur="1" fill="hold">
+                                          <p:stCondLst>
+                                            <p:cond delay="0"/>
+                                          </p:stCondLst>
+                                        </p:cTn>
+                                        <p:tgtEl>
+                                          <p:spTgt spid="1030"/>
+                                        </p:tgtEl>
+                                        <p:attrNameLst>
+                                          <p:attrName>style.visibility</p:attrName>
+                                        </p:attrNameLst>
+                                      </p:cBhvr>
+                                      <p:to>
+                                        <p:strVal val="visible"/>
+                                      </p:to>
+                                    </p:set>
+                                  </p:childTnLst>
+                                </p:cTn>
+                              </p:par>
+                            </p:childTnLst>
+                          </p:cTn>
+                        </p:par>
+                      </p:childTnLst>
+                    </p:cTn>
+                  </p:par>
+                  <p:par>
+                    <p:cTn id="33" fill="hold">
+                      <p:stCondLst>
+                        <p:cond delay="indefinite"/>
+                      </p:stCondLst>
+                      <p:childTnLst>
+                        <p:par>
+                          <p:cTn id="34" fill="hold">
+                            <p:stCondLst>
+                              <p:cond delay="0"/>
+                            </p:stCondLst>
+                            <p:childTnLst>
+                              <p:par>
+                                <p:cTn id="35" presetID="1" presetClass="entr" presetSubtype="0" fill="hold" nodeType="clickEffect">
+                                  <p:stCondLst>
+                                    <p:cond delay="0"/>
+                                  </p:stCondLst>
+                                  <p:childTnLst>
+                                    <p:set>
+                                      <p:cBhvr>
+                                        <p:cTn id="36" dur="1" fill="hold">
+                                          <p:stCondLst>
+                                            <p:cond delay="0"/>
+                                          </p:stCondLst>
+                                        </p:cTn>
+                                        <p:tgtEl>
+                                          <p:spTgt spid="11"/>
+                                        </p:tgtEl>
+                                        <p:attrNameLst>
+                                          <p:attrName>style.visibility</p:attrName>
+                                        </p:attrNameLst>
+                                      </p:cBhvr>
+                                      <p:to>
+                                        <p:strVal val="visible"/>
+                                      </p:to>
+                                    </p:set>
+                                  </p:childTnLst>
+                                </p:cTn>
+                              </p:par>
+                            </p:childTnLst>
+                          </p:cTn>
+                        </p:par>
+                      </p:childTnLst>
+                    </p:cTn>
+                  </p:par>
+                  <p:par>
+                    <p:cTn id="37" fill="hold">
+                      <p:stCondLst>
+                        <p:cond delay="indefinite"/>
+                      </p:stCondLst>
+                      <p:childTnLst>
+                        <p:par>
+                          <p:cTn id="38" fill="hold">
+                            <p:stCondLst>
+                              <p:cond delay="0"/>
+                            </p:stCondLst>
+                            <p:childTnLst>
+                              <p:par>
+                                <p:cTn id="39" presetID="1" presetClass="entr" presetSubtype="0" fill="hold" nodeType="clickEffect">
+                                  <p:stCondLst>
+                                    <p:cond delay="0"/>
+                                  </p:stCondLst>
+                                  <p:childTnLst>
+                                    <p:set>
+                                      <p:cBhvr>
+                                        <p:cTn id="40" dur="1" fill="hold">
                                           <p:stCondLst>
                                             <p:cond delay="0"/>
                                           </p:stCondLst>

--- a/ВКР_5.pptx
+++ b/ВКР_5.pptx
@@ -2,7 +2,7 @@
 <file path=ppt/presentation.xml><?xml version="1.0" encoding="utf-8"?>
 <p:presentation xmlns:a="http://schemas.openxmlformats.org/drawingml/2006/main" xmlns:r="http://schemas.openxmlformats.org/officeDocument/2006/relationships" xmlns:p="http://schemas.openxmlformats.org/presentationml/2006/main" autoCompressPictures="0" bookmarkIdSeed="5">
   <p:sldMasterIdLst>
-    <p:sldMasterId id="2147483648" r:id="rId1"/>
+    <p:sldMasterId id="2147483669" r:id="rId1"/>
   </p:sldMasterIdLst>
   <p:sldIdLst>
     <p:sldId id="272" r:id="rId2"/>
@@ -16,15 +16,15 @@
     <p:sldId id="322" r:id="rId10"/>
     <p:sldId id="305" r:id="rId11"/>
     <p:sldId id="317" r:id="rId12"/>
-    <p:sldId id="319" r:id="rId13"/>
+    <p:sldId id="323" r:id="rId13"/>
   </p:sldIdLst>
   <p:sldSz cx="12192000" cy="6858000"/>
   <p:notesSz cx="6858000" cy="9144000"/>
   <p:defaultTextStyle>
     <a:defPPr>
-      <a:defRPr lang="en-US"/>
+      <a:defRPr lang="ru-RU"/>
     </a:defPPr>
-    <a:lvl1pPr marL="0" algn="l" defTabSz="457200" rtl="0" eaLnBrk="1" latinLnBrk="0" hangingPunct="1">
+    <a:lvl1pPr marL="0" algn="l" defTabSz="914400" rtl="0" eaLnBrk="1" latinLnBrk="0" hangingPunct="1">
       <a:defRPr sz="1800" kern="1200">
         <a:solidFill>
           <a:schemeClr val="tx1"/>
@@ -34,7 +34,7 @@
         <a:cs typeface="+mn-cs"/>
       </a:defRPr>
     </a:lvl1pPr>
-    <a:lvl2pPr marL="457200" algn="l" defTabSz="457200" rtl="0" eaLnBrk="1" latinLnBrk="0" hangingPunct="1">
+    <a:lvl2pPr marL="457200" algn="l" defTabSz="914400" rtl="0" eaLnBrk="1" latinLnBrk="0" hangingPunct="1">
       <a:defRPr sz="1800" kern="1200">
         <a:solidFill>
           <a:schemeClr val="tx1"/>
@@ -44,7 +44,7 @@
         <a:cs typeface="+mn-cs"/>
       </a:defRPr>
     </a:lvl2pPr>
-    <a:lvl3pPr marL="914400" algn="l" defTabSz="457200" rtl="0" eaLnBrk="1" latinLnBrk="0" hangingPunct="1">
+    <a:lvl3pPr marL="914400" algn="l" defTabSz="914400" rtl="0" eaLnBrk="1" latinLnBrk="0" hangingPunct="1">
       <a:defRPr sz="1800" kern="1200">
         <a:solidFill>
           <a:schemeClr val="tx1"/>
@@ -54,7 +54,7 @@
         <a:cs typeface="+mn-cs"/>
       </a:defRPr>
     </a:lvl3pPr>
-    <a:lvl4pPr marL="1371600" algn="l" defTabSz="457200" rtl="0" eaLnBrk="1" latinLnBrk="0" hangingPunct="1">
+    <a:lvl4pPr marL="1371600" algn="l" defTabSz="914400" rtl="0" eaLnBrk="1" latinLnBrk="0" hangingPunct="1">
       <a:defRPr sz="1800" kern="1200">
         <a:solidFill>
           <a:schemeClr val="tx1"/>
@@ -64,7 +64,7 @@
         <a:cs typeface="+mn-cs"/>
       </a:defRPr>
     </a:lvl4pPr>
-    <a:lvl5pPr marL="1828800" algn="l" defTabSz="457200" rtl="0" eaLnBrk="1" latinLnBrk="0" hangingPunct="1">
+    <a:lvl5pPr marL="1828800" algn="l" defTabSz="914400" rtl="0" eaLnBrk="1" latinLnBrk="0" hangingPunct="1">
       <a:defRPr sz="1800" kern="1200">
         <a:solidFill>
           <a:schemeClr val="tx1"/>
@@ -74,7 +74,7 @@
         <a:cs typeface="+mn-cs"/>
       </a:defRPr>
     </a:lvl5pPr>
-    <a:lvl6pPr marL="2286000" algn="l" defTabSz="457200" rtl="0" eaLnBrk="1" latinLnBrk="0" hangingPunct="1">
+    <a:lvl6pPr marL="2286000" algn="l" defTabSz="914400" rtl="0" eaLnBrk="1" latinLnBrk="0" hangingPunct="1">
       <a:defRPr sz="1800" kern="1200">
         <a:solidFill>
           <a:schemeClr val="tx1"/>
@@ -84,7 +84,7 @@
         <a:cs typeface="+mn-cs"/>
       </a:defRPr>
     </a:lvl6pPr>
-    <a:lvl7pPr marL="2743200" algn="l" defTabSz="457200" rtl="0" eaLnBrk="1" latinLnBrk="0" hangingPunct="1">
+    <a:lvl7pPr marL="2743200" algn="l" defTabSz="914400" rtl="0" eaLnBrk="1" latinLnBrk="0" hangingPunct="1">
       <a:defRPr sz="1800" kern="1200">
         <a:solidFill>
           <a:schemeClr val="tx1"/>
@@ -94,7 +94,7 @@
         <a:cs typeface="+mn-cs"/>
       </a:defRPr>
     </a:lvl7pPr>
-    <a:lvl8pPr marL="3200400" algn="l" defTabSz="457200" rtl="0" eaLnBrk="1" latinLnBrk="0" hangingPunct="1">
+    <a:lvl8pPr marL="3200400" algn="l" defTabSz="914400" rtl="0" eaLnBrk="1" latinLnBrk="0" hangingPunct="1">
       <a:defRPr sz="1800" kern="1200">
         <a:solidFill>
           <a:schemeClr val="tx1"/>
@@ -104,7 +104,7 @@
         <a:cs typeface="+mn-cs"/>
       </a:defRPr>
     </a:lvl8pPr>
-    <a:lvl9pPr marL="3657600" algn="l" defTabSz="457200" rtl="0" eaLnBrk="1" latinLnBrk="0" hangingPunct="1">
+    <a:lvl9pPr marL="3657600" algn="l" defTabSz="914400" rtl="0" eaLnBrk="1" latinLnBrk="0" hangingPunct="1">
       <a:defRPr sz="1800" kern="1200">
         <a:solidFill>
           <a:schemeClr val="tx1"/>
@@ -131,7 +131,7 @@
             <p14:sldId id="322"/>
             <p14:sldId id="305"/>
             <p14:sldId id="317"/>
-            <p14:sldId id="319"/>
+            <p14:sldId id="323"/>
           </p14:sldIdLst>
         </p14:section>
       </p14:sectionLst>
@@ -251,6 +251,25 @@
             <a:effectLst/>
           </c:spPr>
           <c:invertIfNegative val="0"/>
+          <c:dPt>
+            <c:idx val="0"/>
+            <c:invertIfNegative val="0"/>
+            <c:bubble3D val="0"/>
+            <c:spPr>
+              <a:solidFill>
+                <a:srgbClr val="92D050"/>
+              </a:solidFill>
+              <a:ln>
+                <a:noFill/>
+              </a:ln>
+              <a:effectLst/>
+            </c:spPr>
+            <c:extLst>
+              <c:ext xmlns:c16="http://schemas.microsoft.com/office/drawing/2014/chart" uri="{C3380CC4-5D6E-409C-BE32-E72D297353CC}">
+                <c16:uniqueId val="{00000002-4FC4-4F7B-9AAE-926A673757B8}"/>
+              </c:ext>
+            </c:extLst>
+          </c:dPt>
           <c:dPt>
             <c:idx val="1"/>
             <c:invertIfNegative val="0"/>
@@ -471,7 +490,9 @@
   <c:spPr>
     <a:noFill/>
     <a:ln>
-      <a:noFill/>
+      <a:solidFill>
+        <a:schemeClr val="accent1"/>
+      </a:solidFill>
     </a:ln>
     <a:effectLst/>
   </c:spPr>
@@ -587,7 +608,7 @@
             <c:bubble3D val="0"/>
             <c:spPr>
               <a:solidFill>
-                <a:schemeClr val="accent3"/>
+                <a:srgbClr val="92D050"/>
               </a:solidFill>
               <a:ln>
                 <a:noFill/>
@@ -847,7 +868,9 @@
   <c:spPr>
     <a:noFill/>
     <a:ln>
-      <a:noFill/>
+      <a:solidFill>
+        <a:schemeClr val="accent1"/>
+      </a:solidFill>
     </a:ln>
     <a:effectLst/>
   </c:spPr>
@@ -1999,7 +2022,7 @@
 </file>
 
 <file path=ppt/slideLayouts/slideLayout1.xml><?xml version="1.0" encoding="utf-8"?>
-<p:sldLayout xmlns:a="http://schemas.openxmlformats.org/drawingml/2006/main" xmlns:r="http://schemas.openxmlformats.org/officeDocument/2006/relationships" xmlns:p="http://schemas.openxmlformats.org/presentationml/2006/main" showMasterSp="0" type="title" preserve="1">
+<p:sldLayout xmlns:a="http://schemas.openxmlformats.org/drawingml/2006/main" xmlns:r="http://schemas.openxmlformats.org/officeDocument/2006/relationships" xmlns:p="http://schemas.openxmlformats.org/presentationml/2006/main" type="title" preserve="1">
   <p:cSld name="Титульный слайд">
     <p:spTree>
       <p:nvGrpSpPr>
@@ -2017,7 +2040,13 @@
       </p:grpSpPr>
       <p:sp>
         <p:nvSpPr>
-          <p:cNvPr id="2" name="Title 1"/>
+          <p:cNvPr id="2" name="Заголовок 1">
+            <a:extLst>
+              <a:ext uri="{FF2B5EF4-FFF2-40B4-BE49-F238E27FC236}">
+                <a16:creationId xmlns:a16="http://schemas.microsoft.com/office/drawing/2014/main" id="{93CC4EE2-F78D-B9A6-86A9-2AFCE1B7B792}"/>
+              </a:ext>
+            </a:extLst>
+          </p:cNvPr>
           <p:cNvSpPr>
             <a:spLocks noGrp="1"/>
           </p:cNvSpPr>
@@ -2027,19 +2056,15 @@
         </p:nvSpPr>
         <p:spPr>
           <a:xfrm>
-            <a:off x="684212" y="685799"/>
-            <a:ext cx="8001000" cy="2971801"/>
+            <a:off x="1524000" y="1122363"/>
+            <a:ext cx="9144000" cy="2387600"/>
           </a:xfrm>
         </p:spPr>
         <p:txBody>
-          <a:bodyPr anchor="b">
-            <a:normAutofit/>
-          </a:bodyPr>
+          <a:bodyPr anchor="b"/>
           <a:lstStyle>
-            <a:lvl1pPr algn="l">
-              <a:defRPr sz="4800">
-                <a:effectLst/>
-              </a:defRPr>
+            <a:lvl1pPr algn="ctr">
+              <a:defRPr sz="6000"/>
             </a:lvl1pPr>
           </a:lstStyle>
           <a:p>
@@ -2047,13 +2072,18 @@
               <a:rPr lang="ru-RU"/>
               <a:t>Образец заголовка</a:t>
             </a:r>
-            <a:endParaRPr lang="en-US" dirty="0"/>
           </a:p>
         </p:txBody>
       </p:sp>
       <p:sp>
         <p:nvSpPr>
-          <p:cNvPr id="3" name="Subtitle 2"/>
+          <p:cNvPr id="3" name="Подзаголовок 2">
+            <a:extLst>
+              <a:ext uri="{FF2B5EF4-FFF2-40B4-BE49-F238E27FC236}">
+                <a16:creationId xmlns:a16="http://schemas.microsoft.com/office/drawing/2014/main" id="{68EF122E-266E-DDAA-1B7F-8BFDD7522813}"/>
+              </a:ext>
+            </a:extLst>
+          </p:cNvPr>
           <p:cNvSpPr>
             <a:spLocks noGrp="1"/>
           </p:cNvSpPr>
@@ -2063,104 +2093,48 @@
         </p:nvSpPr>
         <p:spPr>
           <a:xfrm>
-            <a:off x="684212" y="3843867"/>
-            <a:ext cx="6400800" cy="1947333"/>
+            <a:off x="1524000" y="3602038"/>
+            <a:ext cx="9144000" cy="1655762"/>
           </a:xfrm>
         </p:spPr>
         <p:txBody>
-          <a:bodyPr anchor="t">
-            <a:normAutofit/>
-          </a:bodyPr>
+          <a:bodyPr/>
           <a:lstStyle>
-            <a:lvl1pPr marL="0" indent="0" algn="l">
+            <a:lvl1pPr marL="0" indent="0" algn="ctr">
               <a:buNone/>
-              <a:defRPr sz="2100">
-                <a:solidFill>
-                  <a:schemeClr val="bg2">
-                    <a:lumMod val="75000"/>
-                  </a:schemeClr>
-                </a:solidFill>
-              </a:defRPr>
+              <a:defRPr sz="2400"/>
             </a:lvl1pPr>
             <a:lvl2pPr marL="457200" indent="0" algn="ctr">
               <a:buNone/>
-              <a:defRPr>
-                <a:solidFill>
-                  <a:schemeClr val="tx1">
-                    <a:tint val="75000"/>
-                  </a:schemeClr>
-                </a:solidFill>
-              </a:defRPr>
+              <a:defRPr sz="2000"/>
             </a:lvl2pPr>
             <a:lvl3pPr marL="914400" indent="0" algn="ctr">
               <a:buNone/>
-              <a:defRPr>
-                <a:solidFill>
-                  <a:schemeClr val="tx1">
-                    <a:tint val="75000"/>
-                  </a:schemeClr>
-                </a:solidFill>
-              </a:defRPr>
+              <a:defRPr sz="1800"/>
             </a:lvl3pPr>
             <a:lvl4pPr marL="1371600" indent="0" algn="ctr">
               <a:buNone/>
-              <a:defRPr>
-                <a:solidFill>
-                  <a:schemeClr val="tx1">
-                    <a:tint val="75000"/>
-                  </a:schemeClr>
-                </a:solidFill>
-              </a:defRPr>
+              <a:defRPr sz="1600"/>
             </a:lvl4pPr>
             <a:lvl5pPr marL="1828800" indent="0" algn="ctr">
               <a:buNone/>
-              <a:defRPr>
-                <a:solidFill>
-                  <a:schemeClr val="tx1">
-                    <a:tint val="75000"/>
-                  </a:schemeClr>
-                </a:solidFill>
-              </a:defRPr>
+              <a:defRPr sz="1600"/>
             </a:lvl5pPr>
             <a:lvl6pPr marL="2286000" indent="0" algn="ctr">
               <a:buNone/>
-              <a:defRPr>
-                <a:solidFill>
-                  <a:schemeClr val="tx1">
-                    <a:tint val="75000"/>
-                  </a:schemeClr>
-                </a:solidFill>
-              </a:defRPr>
+              <a:defRPr sz="1600"/>
             </a:lvl6pPr>
             <a:lvl7pPr marL="2743200" indent="0" algn="ctr">
               <a:buNone/>
-              <a:defRPr>
-                <a:solidFill>
-                  <a:schemeClr val="tx1">
-                    <a:tint val="75000"/>
-                  </a:schemeClr>
-                </a:solidFill>
-              </a:defRPr>
+              <a:defRPr sz="1600"/>
             </a:lvl7pPr>
             <a:lvl8pPr marL="3200400" indent="0" algn="ctr">
               <a:buNone/>
-              <a:defRPr>
-                <a:solidFill>
-                  <a:schemeClr val="tx1">
-                    <a:tint val="75000"/>
-                  </a:schemeClr>
-                </a:solidFill>
-              </a:defRPr>
+              <a:defRPr sz="1600"/>
             </a:lvl8pPr>
             <a:lvl9pPr marL="3657600" indent="0" algn="ctr">
               <a:buNone/>
-              <a:defRPr>
-                <a:solidFill>
-                  <a:schemeClr val="tx1">
-                    <a:tint val="75000"/>
-                  </a:schemeClr>
-                </a:solidFill>
-              </a:defRPr>
+              <a:defRPr sz="1600"/>
             </a:lvl9pPr>
           </a:lstStyle>
           <a:p>
@@ -2168,13 +2142,18 @@
               <a:rPr lang="ru-RU"/>
               <a:t>Образец подзаголовка</a:t>
             </a:r>
-            <a:endParaRPr lang="en-US" dirty="0"/>
           </a:p>
         </p:txBody>
       </p:sp>
       <p:sp>
         <p:nvSpPr>
-          <p:cNvPr id="4" name="Date Placeholder 3"/>
+          <p:cNvPr id="4" name="Дата 3">
+            <a:extLst>
+              <a:ext uri="{FF2B5EF4-FFF2-40B4-BE49-F238E27FC236}">
+                <a16:creationId xmlns:a16="http://schemas.microsoft.com/office/drawing/2014/main" id="{C28396D4-7FA8-2B98-60C7-5582CE045F98}"/>
+              </a:ext>
+            </a:extLst>
+          </p:cNvPr>
           <p:cNvSpPr>
             <a:spLocks noGrp="1"/>
           </p:cNvSpPr>
@@ -2188,7 +2167,7 @@
           <a:lstStyle/>
           <a:p>
             <a:fld id="{B61BEF0D-F0BB-DE4B-95CE-6DB70DBA9567}" type="datetimeFigureOut">
-              <a:rPr lang="en-US" dirty="0"/>
+              <a:rPr lang="en-US" smtClean="0"/>
               <a:pPr/>
               <a:t>6/18/2022</a:t>
             </a:fld>
@@ -2198,7 +2177,13 @@
       </p:sp>
       <p:sp>
         <p:nvSpPr>
-          <p:cNvPr id="5" name="Footer Placeholder 4"/>
+          <p:cNvPr id="5" name="Нижний колонтитул 4">
+            <a:extLst>
+              <a:ext uri="{FF2B5EF4-FFF2-40B4-BE49-F238E27FC236}">
+                <a16:creationId xmlns:a16="http://schemas.microsoft.com/office/drawing/2014/main" id="{80265401-6269-0346-005C-03761E6DE432}"/>
+              </a:ext>
+            </a:extLst>
+          </p:cNvPr>
           <p:cNvSpPr>
             <a:spLocks noGrp="1"/>
           </p:cNvSpPr>
@@ -2217,7 +2202,13 @@
       </p:sp>
       <p:sp>
         <p:nvSpPr>
-          <p:cNvPr id="6" name="Slide Number Placeholder 5"/>
+          <p:cNvPr id="6" name="Номер слайда 5">
+            <a:extLst>
+              <a:ext uri="{FF2B5EF4-FFF2-40B4-BE49-F238E27FC236}">
+                <a16:creationId xmlns:a16="http://schemas.microsoft.com/office/drawing/2014/main" id="{7A0B839C-7A48-5883-37FF-5C7813938E5F}"/>
+              </a:ext>
+            </a:extLst>
+          </p:cNvPr>
           <p:cNvSpPr>
             <a:spLocks noGrp="1"/>
           </p:cNvSpPr>
@@ -2231,7 +2222,7 @@
           <a:lstStyle/>
           <a:p>
             <a:fld id="{D57F1E4F-1CFF-5643-939E-217C01CDF565}" type="slidenum">
-              <a:rPr lang="en-US" dirty="0"/>
+              <a:rPr lang="en-US" smtClean="0"/>
               <a:pPr/>
               <a:t>‹#›</a:t>
             </a:fld>
@@ -2239,182 +2230,12 @@
           </a:p>
         </p:txBody>
       </p:sp>
-      <p:cxnSp>
-        <p:nvCxnSpPr>
-          <p:cNvPr id="16" name="Straight Connector 15"/>
-          <p:cNvCxnSpPr/>
-          <p:nvPr/>
-        </p:nvCxnSpPr>
-        <p:spPr>
-          <a:xfrm flipH="1">
-            <a:off x="8228012" y="8467"/>
-            <a:ext cx="3810000" cy="3810000"/>
-          </a:xfrm>
-          <a:prstGeom prst="line">
-            <a:avLst/>
-          </a:prstGeom>
-          <a:ln w="12700">
-            <a:solidFill>
-              <a:schemeClr val="tx1"/>
-            </a:solidFill>
-          </a:ln>
-        </p:spPr>
-        <p:style>
-          <a:lnRef idx="2">
-            <a:schemeClr val="accent1"/>
-          </a:lnRef>
-          <a:fillRef idx="0">
-            <a:schemeClr val="accent1"/>
-          </a:fillRef>
-          <a:effectRef idx="1">
-            <a:schemeClr val="accent1"/>
-          </a:effectRef>
-          <a:fontRef idx="minor">
-            <a:schemeClr val="tx1"/>
-          </a:fontRef>
-        </p:style>
-      </p:cxnSp>
-      <p:cxnSp>
-        <p:nvCxnSpPr>
-          <p:cNvPr id="17" name="Straight Connector 16"/>
-          <p:cNvCxnSpPr/>
-          <p:nvPr/>
-        </p:nvCxnSpPr>
-        <p:spPr>
-          <a:xfrm flipH="1">
-            <a:off x="6108170" y="91545"/>
-            <a:ext cx="6080655" cy="6080655"/>
-          </a:xfrm>
-          <a:prstGeom prst="line">
-            <a:avLst/>
-          </a:prstGeom>
-          <a:ln w="12700">
-            <a:solidFill>
-              <a:schemeClr val="tx1"/>
-            </a:solidFill>
-          </a:ln>
-        </p:spPr>
-        <p:style>
-          <a:lnRef idx="2">
-            <a:schemeClr val="accent1"/>
-          </a:lnRef>
-          <a:fillRef idx="0">
-            <a:schemeClr val="accent1"/>
-          </a:fillRef>
-          <a:effectRef idx="1">
-            <a:schemeClr val="accent1"/>
-          </a:effectRef>
-          <a:fontRef idx="minor">
-            <a:schemeClr val="tx1"/>
-          </a:fontRef>
-        </p:style>
-      </p:cxnSp>
-      <p:cxnSp>
-        <p:nvCxnSpPr>
-          <p:cNvPr id="19" name="Straight Connector 18"/>
-          <p:cNvCxnSpPr/>
-          <p:nvPr/>
-        </p:nvCxnSpPr>
-        <p:spPr>
-          <a:xfrm flipH="1">
-            <a:off x="7235825" y="228600"/>
-            <a:ext cx="4953000" cy="4953000"/>
-          </a:xfrm>
-          <a:prstGeom prst="line">
-            <a:avLst/>
-          </a:prstGeom>
-          <a:ln w="12700">
-            <a:solidFill>
-              <a:schemeClr val="tx1"/>
-            </a:solidFill>
-          </a:ln>
-        </p:spPr>
-        <p:style>
-          <a:lnRef idx="2">
-            <a:schemeClr val="accent1"/>
-          </a:lnRef>
-          <a:fillRef idx="0">
-            <a:schemeClr val="accent1"/>
-          </a:fillRef>
-          <a:effectRef idx="1">
-            <a:schemeClr val="accent1"/>
-          </a:effectRef>
-          <a:fontRef idx="minor">
-            <a:schemeClr val="tx1"/>
-          </a:fontRef>
-        </p:style>
-      </p:cxnSp>
-      <p:cxnSp>
-        <p:nvCxnSpPr>
-          <p:cNvPr id="21" name="Straight Connector 20"/>
-          <p:cNvCxnSpPr/>
-          <p:nvPr/>
-        </p:nvCxnSpPr>
-        <p:spPr>
-          <a:xfrm flipH="1">
-            <a:off x="7335837" y="32278"/>
-            <a:ext cx="4852989" cy="4852989"/>
-          </a:xfrm>
-          <a:prstGeom prst="line">
-            <a:avLst/>
-          </a:prstGeom>
-          <a:ln w="31750">
-            <a:solidFill>
-              <a:schemeClr val="tx1"/>
-            </a:solidFill>
-          </a:ln>
-        </p:spPr>
-        <p:style>
-          <a:lnRef idx="2">
-            <a:schemeClr val="accent1"/>
-          </a:lnRef>
-          <a:fillRef idx="0">
-            <a:schemeClr val="accent1"/>
-          </a:fillRef>
-          <a:effectRef idx="1">
-            <a:schemeClr val="accent1"/>
-          </a:effectRef>
-          <a:fontRef idx="minor">
-            <a:schemeClr val="tx1"/>
-          </a:fontRef>
-        </p:style>
-      </p:cxnSp>
-      <p:cxnSp>
-        <p:nvCxnSpPr>
-          <p:cNvPr id="23" name="Straight Connector 22"/>
-          <p:cNvCxnSpPr/>
-          <p:nvPr/>
-        </p:nvCxnSpPr>
-        <p:spPr>
-          <a:xfrm flipH="1">
-            <a:off x="7845426" y="609601"/>
-            <a:ext cx="4343399" cy="4343399"/>
-          </a:xfrm>
-          <a:prstGeom prst="line">
-            <a:avLst/>
-          </a:prstGeom>
-          <a:ln w="31750">
-            <a:solidFill>
-              <a:schemeClr val="tx1"/>
-            </a:solidFill>
-          </a:ln>
-        </p:spPr>
-        <p:style>
-          <a:lnRef idx="2">
-            <a:schemeClr val="accent1"/>
-          </a:lnRef>
-          <a:fillRef idx="0">
-            <a:schemeClr val="accent1"/>
-          </a:fillRef>
-          <a:effectRef idx="1">
-            <a:schemeClr val="accent1"/>
-          </a:effectRef>
-          <a:fontRef idx="minor">
-            <a:schemeClr val="tx1"/>
-          </a:fontRef>
-        </p:style>
-      </p:cxnSp>
     </p:spTree>
+    <p:extLst>
+      <p:ext uri="{BB962C8B-B14F-4D97-AF65-F5344CB8AC3E}">
+        <p14:creationId xmlns:p14="http://schemas.microsoft.com/office/powerpoint/2010/main" val="2792496797"/>
+      </p:ext>
+    </p:extLst>
   </p:cSld>
   <p:clrMapOvr>
     <a:masterClrMapping/>
@@ -2423,1794 +2244,6 @@
 </file>
 
 <file path=ppt/slideLayouts/slideLayout10.xml><?xml version="1.0" encoding="utf-8"?>
-<p:sldLayout xmlns:a="http://schemas.openxmlformats.org/drawingml/2006/main" xmlns:r="http://schemas.openxmlformats.org/officeDocument/2006/relationships" xmlns:p="http://schemas.openxmlformats.org/presentationml/2006/main" preserve="1">
-  <p:cSld name="Панорамная фотография с подписью">
-    <p:spTree>
-      <p:nvGrpSpPr>
-        <p:cNvPr id="1" name=""/>
-        <p:cNvGrpSpPr/>
-        <p:nvPr/>
-      </p:nvGrpSpPr>
-      <p:grpSpPr>
-        <a:xfrm>
-          <a:off x="0" y="0"/>
-          <a:ext cx="0" cy="0"/>
-          <a:chOff x="0" y="0"/>
-          <a:chExt cx="0" cy="0"/>
-        </a:xfrm>
-      </p:grpSpPr>
-      <p:sp>
-        <p:nvSpPr>
-          <p:cNvPr id="2" name="Title 1"/>
-          <p:cNvSpPr>
-            <a:spLocks noGrp="1"/>
-          </p:cNvSpPr>
-          <p:nvPr>
-            <p:ph type="title"/>
-          </p:nvPr>
-        </p:nvSpPr>
-        <p:spPr/>
-        <p:txBody>
-          <a:bodyPr/>
-          <a:lstStyle/>
-          <a:p>
-            <a:r>
-              <a:rPr lang="ru-RU"/>
-              <a:t>Образец заголовка</a:t>
-            </a:r>
-            <a:endParaRPr lang="en-US" dirty="0"/>
-          </a:p>
-        </p:txBody>
-      </p:sp>
-      <p:sp>
-        <p:nvSpPr>
-          <p:cNvPr id="17" name="Picture Placeholder 2"/>
-          <p:cNvSpPr>
-            <a:spLocks noGrp="1" noChangeAspect="1"/>
-          </p:cNvSpPr>
-          <p:nvPr>
-            <p:ph type="pic" idx="13"/>
-          </p:nvPr>
-        </p:nvSpPr>
-        <p:spPr>
-          <a:xfrm>
-            <a:off x="685800" y="533400"/>
-            <a:ext cx="10818812" cy="3124200"/>
-          </a:xfrm>
-          <a:prstGeom prst="snip2DiagRect">
-            <a:avLst>
-              <a:gd name="adj1" fmla="val 10815"/>
-              <a:gd name="adj2" fmla="val 0"/>
-            </a:avLst>
-          </a:prstGeom>
-          <a:ln w="15875">
-            <a:solidFill>
-              <a:schemeClr val="tx1">
-                <a:alpha val="40000"/>
-              </a:schemeClr>
-            </a:solidFill>
-          </a:ln>
-          <a:effectLst>
-            <a:innerShdw blurRad="57150" dist="38100" dir="14460000">
-              <a:srgbClr val="000000">
-                <a:alpha val="70000"/>
-              </a:srgbClr>
-            </a:innerShdw>
-          </a:effectLst>
-        </p:spPr>
-        <p:txBody>
-          <a:bodyPr anchor="t">
-            <a:normAutofit/>
-          </a:bodyPr>
-          <a:lstStyle>
-            <a:lvl1pPr marL="0" indent="0" algn="ctr">
-              <a:buNone/>
-              <a:defRPr sz="1600"/>
-            </a:lvl1pPr>
-            <a:lvl2pPr marL="457200" indent="0">
-              <a:buNone/>
-              <a:defRPr sz="1600"/>
-            </a:lvl2pPr>
-            <a:lvl3pPr marL="914400" indent="0">
-              <a:buNone/>
-              <a:defRPr sz="1600"/>
-            </a:lvl3pPr>
-            <a:lvl4pPr marL="1371600" indent="0">
-              <a:buNone/>
-              <a:defRPr sz="1600"/>
-            </a:lvl4pPr>
-            <a:lvl5pPr marL="1828800" indent="0">
-              <a:buNone/>
-              <a:defRPr sz="1600"/>
-            </a:lvl5pPr>
-            <a:lvl6pPr marL="2286000" indent="0">
-              <a:buNone/>
-              <a:defRPr sz="1600"/>
-            </a:lvl6pPr>
-            <a:lvl7pPr marL="2743200" indent="0">
-              <a:buNone/>
-              <a:defRPr sz="1600"/>
-            </a:lvl7pPr>
-            <a:lvl8pPr marL="3200400" indent="0">
-              <a:buNone/>
-              <a:defRPr sz="1600"/>
-            </a:lvl8pPr>
-            <a:lvl9pPr marL="3657600" indent="0">
-              <a:buNone/>
-              <a:defRPr sz="1600"/>
-            </a:lvl9pPr>
-          </a:lstStyle>
-          <a:p>
-            <a:r>
-              <a:rPr lang="ru-RU"/>
-              <a:t>Вставка рисунка</a:t>
-            </a:r>
-            <a:endParaRPr lang="en-US" dirty="0"/>
-          </a:p>
-        </p:txBody>
-      </p:sp>
-      <p:sp>
-        <p:nvSpPr>
-          <p:cNvPr id="16" name="Text Placeholder 9"/>
-          <p:cNvSpPr>
-            <a:spLocks noGrp="1"/>
-          </p:cNvSpPr>
-          <p:nvPr>
-            <p:ph type="body" sz="quarter" idx="14"/>
-          </p:nvPr>
-        </p:nvSpPr>
-        <p:spPr>
-          <a:xfrm>
-            <a:off x="914402" y="3843867"/>
-            <a:ext cx="8304210" cy="457200"/>
-          </a:xfrm>
-        </p:spPr>
-        <p:txBody>
-          <a:bodyPr anchor="t">
-            <a:normAutofit/>
-          </a:bodyPr>
-          <a:lstStyle>
-            <a:lvl1pPr marL="0" indent="0">
-              <a:buFontTx/>
-              <a:buNone/>
-              <a:defRPr sz="1600"/>
-            </a:lvl1pPr>
-            <a:lvl2pPr marL="457200" indent="0">
-              <a:buFontTx/>
-              <a:buNone/>
-              <a:defRPr/>
-            </a:lvl2pPr>
-            <a:lvl3pPr marL="914400" indent="0">
-              <a:buFontTx/>
-              <a:buNone/>
-              <a:defRPr/>
-            </a:lvl3pPr>
-            <a:lvl4pPr marL="1371600" indent="0">
-              <a:buFontTx/>
-              <a:buNone/>
-              <a:defRPr/>
-            </a:lvl4pPr>
-            <a:lvl5pPr marL="1828800" indent="0">
-              <a:buFontTx/>
-              <a:buNone/>
-              <a:defRPr/>
-            </a:lvl5pPr>
-          </a:lstStyle>
-          <a:p>
-            <a:pPr lvl="0"/>
-            <a:r>
-              <a:rPr lang="ru-RU"/>
-              <a:t>Образец текста</a:t>
-            </a:r>
-          </a:p>
-        </p:txBody>
-      </p:sp>
-      <p:sp>
-        <p:nvSpPr>
-          <p:cNvPr id="3" name="Date Placeholder 2"/>
-          <p:cNvSpPr>
-            <a:spLocks noGrp="1"/>
-          </p:cNvSpPr>
-          <p:nvPr>
-            <p:ph type="dt" sz="half" idx="10"/>
-          </p:nvPr>
-        </p:nvSpPr>
-        <p:spPr/>
-        <p:txBody>
-          <a:bodyPr/>
-          <a:lstStyle/>
-          <a:p>
-            <a:fld id="{B61BEF0D-F0BB-DE4B-95CE-6DB70DBA9567}" type="datetimeFigureOut">
-              <a:rPr lang="en-US" dirty="0"/>
-              <a:pPr/>
-              <a:t>6/18/2022</a:t>
-            </a:fld>
-            <a:endParaRPr lang="en-US" dirty="0"/>
-          </a:p>
-        </p:txBody>
-      </p:sp>
-      <p:sp>
-        <p:nvSpPr>
-          <p:cNvPr id="4" name="Footer Placeholder 3"/>
-          <p:cNvSpPr>
-            <a:spLocks noGrp="1"/>
-          </p:cNvSpPr>
-          <p:nvPr>
-            <p:ph type="ftr" sz="quarter" idx="11"/>
-          </p:nvPr>
-        </p:nvSpPr>
-        <p:spPr/>
-        <p:txBody>
-          <a:bodyPr/>
-          <a:lstStyle/>
-          <a:p>
-            <a:endParaRPr lang="en-US" dirty="0"/>
-          </a:p>
-        </p:txBody>
-      </p:sp>
-      <p:sp>
-        <p:nvSpPr>
-          <p:cNvPr id="5" name="Slide Number Placeholder 4"/>
-          <p:cNvSpPr>
-            <a:spLocks noGrp="1"/>
-          </p:cNvSpPr>
-          <p:nvPr>
-            <p:ph type="sldNum" sz="quarter" idx="12"/>
-          </p:nvPr>
-        </p:nvSpPr>
-        <p:spPr/>
-        <p:txBody>
-          <a:bodyPr/>
-          <a:lstStyle/>
-          <a:p>
-            <a:fld id="{D57F1E4F-1CFF-5643-939E-217C01CDF565}" type="slidenum">
-              <a:rPr lang="en-US" dirty="0"/>
-              <a:pPr/>
-              <a:t>‹#›</a:t>
-            </a:fld>
-            <a:endParaRPr lang="en-US" dirty="0"/>
-          </a:p>
-        </p:txBody>
-      </p:sp>
-    </p:spTree>
-  </p:cSld>
-  <p:clrMapOvr>
-    <a:masterClrMapping/>
-  </p:clrMapOvr>
-</p:sldLayout>
-</file>
-
-<file path=ppt/slideLayouts/slideLayout11.xml><?xml version="1.0" encoding="utf-8"?>
-<p:sldLayout xmlns:a="http://schemas.openxmlformats.org/drawingml/2006/main" xmlns:r="http://schemas.openxmlformats.org/officeDocument/2006/relationships" xmlns:p="http://schemas.openxmlformats.org/presentationml/2006/main" preserve="1">
-  <p:cSld name="Заголовок и подпись">
-    <p:spTree>
-      <p:nvGrpSpPr>
-        <p:cNvPr id="1" name=""/>
-        <p:cNvGrpSpPr/>
-        <p:nvPr/>
-      </p:nvGrpSpPr>
-      <p:grpSpPr>
-        <a:xfrm>
-          <a:off x="0" y="0"/>
-          <a:ext cx="0" cy="0"/>
-          <a:chOff x="0" y="0"/>
-          <a:chExt cx="0" cy="0"/>
-        </a:xfrm>
-      </p:grpSpPr>
-      <p:sp>
-        <p:nvSpPr>
-          <p:cNvPr id="2" name="Title 1"/>
-          <p:cNvSpPr>
-            <a:spLocks noGrp="1"/>
-          </p:cNvSpPr>
-          <p:nvPr>
-            <p:ph type="title"/>
-          </p:nvPr>
-        </p:nvSpPr>
-        <p:spPr>
-          <a:xfrm>
-            <a:off x="684213" y="685800"/>
-            <a:ext cx="10058400" cy="2743200"/>
-          </a:xfrm>
-        </p:spPr>
-        <p:txBody>
-          <a:bodyPr anchor="ctr">
-            <a:normAutofit/>
-          </a:bodyPr>
-          <a:lstStyle>
-            <a:lvl1pPr algn="l">
-              <a:defRPr sz="3200" b="0" cap="all"/>
-            </a:lvl1pPr>
-          </a:lstStyle>
-          <a:p>
-            <a:r>
-              <a:rPr lang="ru-RU"/>
-              <a:t>Образец заголовка</a:t>
-            </a:r>
-            <a:endParaRPr lang="en-US" dirty="0"/>
-          </a:p>
-        </p:txBody>
-      </p:sp>
-      <p:sp>
-        <p:nvSpPr>
-          <p:cNvPr id="3" name="Text Placeholder 2"/>
-          <p:cNvSpPr>
-            <a:spLocks noGrp="1"/>
-          </p:cNvSpPr>
-          <p:nvPr>
-            <p:ph type="body" idx="1"/>
-          </p:nvPr>
-        </p:nvSpPr>
-        <p:spPr>
-          <a:xfrm>
-            <a:off x="684212" y="4114800"/>
-            <a:ext cx="8535988" cy="1879600"/>
-          </a:xfrm>
-        </p:spPr>
-        <p:txBody>
-          <a:bodyPr anchor="ctr">
-            <a:normAutofit/>
-          </a:bodyPr>
-          <a:lstStyle>
-            <a:lvl1pPr marL="0" indent="0" algn="l">
-              <a:buNone/>
-              <a:defRPr sz="2000">
-                <a:solidFill>
-                  <a:schemeClr val="bg2">
-                    <a:lumMod val="75000"/>
-                  </a:schemeClr>
-                </a:solidFill>
-              </a:defRPr>
-            </a:lvl1pPr>
-            <a:lvl2pPr marL="457200" indent="0">
-              <a:buNone/>
-              <a:defRPr sz="1800">
-                <a:solidFill>
-                  <a:schemeClr val="tx1">
-                    <a:tint val="75000"/>
-                  </a:schemeClr>
-                </a:solidFill>
-              </a:defRPr>
-            </a:lvl2pPr>
-            <a:lvl3pPr marL="914400" indent="0">
-              <a:buNone/>
-              <a:defRPr sz="1600">
-                <a:solidFill>
-                  <a:schemeClr val="tx1">
-                    <a:tint val="75000"/>
-                  </a:schemeClr>
-                </a:solidFill>
-              </a:defRPr>
-            </a:lvl3pPr>
-            <a:lvl4pPr marL="1371600" indent="0">
-              <a:buNone/>
-              <a:defRPr sz="1400">
-                <a:solidFill>
-                  <a:schemeClr val="tx1">
-                    <a:tint val="75000"/>
-                  </a:schemeClr>
-                </a:solidFill>
-              </a:defRPr>
-            </a:lvl4pPr>
-            <a:lvl5pPr marL="1828800" indent="0">
-              <a:buNone/>
-              <a:defRPr sz="1400">
-                <a:solidFill>
-                  <a:schemeClr val="tx1">
-                    <a:tint val="75000"/>
-                  </a:schemeClr>
-                </a:solidFill>
-              </a:defRPr>
-            </a:lvl5pPr>
-            <a:lvl6pPr marL="2286000" indent="0">
-              <a:buNone/>
-              <a:defRPr sz="1400">
-                <a:solidFill>
-                  <a:schemeClr val="tx1">
-                    <a:tint val="75000"/>
-                  </a:schemeClr>
-                </a:solidFill>
-              </a:defRPr>
-            </a:lvl6pPr>
-            <a:lvl7pPr marL="2743200" indent="0">
-              <a:buNone/>
-              <a:defRPr sz="1400">
-                <a:solidFill>
-                  <a:schemeClr val="tx1">
-                    <a:tint val="75000"/>
-                  </a:schemeClr>
-                </a:solidFill>
-              </a:defRPr>
-            </a:lvl7pPr>
-            <a:lvl8pPr marL="3200400" indent="0">
-              <a:buNone/>
-              <a:defRPr sz="1400">
-                <a:solidFill>
-                  <a:schemeClr val="tx1">
-                    <a:tint val="75000"/>
-                  </a:schemeClr>
-                </a:solidFill>
-              </a:defRPr>
-            </a:lvl8pPr>
-            <a:lvl9pPr marL="3657600" indent="0">
-              <a:buNone/>
-              <a:defRPr sz="1400">
-                <a:solidFill>
-                  <a:schemeClr val="tx1">
-                    <a:tint val="75000"/>
-                  </a:schemeClr>
-                </a:solidFill>
-              </a:defRPr>
-            </a:lvl9pPr>
-          </a:lstStyle>
-          <a:p>
-            <a:pPr lvl="0"/>
-            <a:r>
-              <a:rPr lang="ru-RU"/>
-              <a:t>Образец текста</a:t>
-            </a:r>
-          </a:p>
-        </p:txBody>
-      </p:sp>
-      <p:sp>
-        <p:nvSpPr>
-          <p:cNvPr id="4" name="Date Placeholder 3"/>
-          <p:cNvSpPr>
-            <a:spLocks noGrp="1"/>
-          </p:cNvSpPr>
-          <p:nvPr>
-            <p:ph type="dt" sz="half" idx="10"/>
-          </p:nvPr>
-        </p:nvSpPr>
-        <p:spPr/>
-        <p:txBody>
-          <a:bodyPr/>
-          <a:lstStyle/>
-          <a:p>
-            <a:fld id="{B61BEF0D-F0BB-DE4B-95CE-6DB70DBA9567}" type="datetimeFigureOut">
-              <a:rPr lang="en-US" dirty="0"/>
-              <a:pPr/>
-              <a:t>6/18/2022</a:t>
-            </a:fld>
-            <a:endParaRPr lang="en-US" dirty="0"/>
-          </a:p>
-        </p:txBody>
-      </p:sp>
-      <p:sp>
-        <p:nvSpPr>
-          <p:cNvPr id="5" name="Footer Placeholder 4"/>
-          <p:cNvSpPr>
-            <a:spLocks noGrp="1"/>
-          </p:cNvSpPr>
-          <p:nvPr>
-            <p:ph type="ftr" sz="quarter" idx="11"/>
-          </p:nvPr>
-        </p:nvSpPr>
-        <p:spPr/>
-        <p:txBody>
-          <a:bodyPr/>
-          <a:lstStyle/>
-          <a:p>
-            <a:endParaRPr lang="en-US" dirty="0"/>
-          </a:p>
-        </p:txBody>
-      </p:sp>
-      <p:sp>
-        <p:nvSpPr>
-          <p:cNvPr id="6" name="Slide Number Placeholder 5"/>
-          <p:cNvSpPr>
-            <a:spLocks noGrp="1"/>
-          </p:cNvSpPr>
-          <p:nvPr>
-            <p:ph type="sldNum" sz="quarter" idx="12"/>
-          </p:nvPr>
-        </p:nvSpPr>
-        <p:spPr/>
-        <p:txBody>
-          <a:bodyPr/>
-          <a:lstStyle/>
-          <a:p>
-            <a:fld id="{D57F1E4F-1CFF-5643-939E-217C01CDF565}" type="slidenum">
-              <a:rPr lang="en-US" dirty="0"/>
-              <a:pPr/>
-              <a:t>‹#›</a:t>
-            </a:fld>
-            <a:endParaRPr lang="en-US" dirty="0"/>
-          </a:p>
-        </p:txBody>
-      </p:sp>
-    </p:spTree>
-  </p:cSld>
-  <p:clrMapOvr>
-    <a:masterClrMapping/>
-  </p:clrMapOvr>
-</p:sldLayout>
-</file>
-
-<file path=ppt/slideLayouts/slideLayout12.xml><?xml version="1.0" encoding="utf-8"?>
-<p:sldLayout xmlns:a="http://schemas.openxmlformats.org/drawingml/2006/main" xmlns:r="http://schemas.openxmlformats.org/officeDocument/2006/relationships" xmlns:p="http://schemas.openxmlformats.org/presentationml/2006/main" preserve="1">
-  <p:cSld name="Цитата с подписью">
-    <p:spTree>
-      <p:nvGrpSpPr>
-        <p:cNvPr id="1" name=""/>
-        <p:cNvGrpSpPr/>
-        <p:nvPr/>
-      </p:nvGrpSpPr>
-      <p:grpSpPr>
-        <a:xfrm>
-          <a:off x="0" y="0"/>
-          <a:ext cx="0" cy="0"/>
-          <a:chOff x="0" y="0"/>
-          <a:chExt cx="0" cy="0"/>
-        </a:xfrm>
-      </p:grpSpPr>
-      <p:sp>
-        <p:nvSpPr>
-          <p:cNvPr id="2" name="Title 1"/>
-          <p:cNvSpPr>
-            <a:spLocks noGrp="1"/>
-          </p:cNvSpPr>
-          <p:nvPr>
-            <p:ph type="title"/>
-          </p:nvPr>
-        </p:nvSpPr>
-        <p:spPr>
-          <a:xfrm>
-            <a:off x="1141411" y="685800"/>
-            <a:ext cx="9144001" cy="2743200"/>
-          </a:xfrm>
-        </p:spPr>
-        <p:txBody>
-          <a:bodyPr anchor="ctr">
-            <a:normAutofit/>
-          </a:bodyPr>
-          <a:lstStyle>
-            <a:lvl1pPr algn="l">
-              <a:defRPr sz="3200" b="0" cap="all">
-                <a:solidFill>
-                  <a:schemeClr val="tx1"/>
-                </a:solidFill>
-              </a:defRPr>
-            </a:lvl1pPr>
-          </a:lstStyle>
-          <a:p>
-            <a:r>
-              <a:rPr lang="ru-RU"/>
-              <a:t>Образец заголовка</a:t>
-            </a:r>
-            <a:endParaRPr lang="en-US" dirty="0"/>
-          </a:p>
-        </p:txBody>
-      </p:sp>
-      <p:sp>
-        <p:nvSpPr>
-          <p:cNvPr id="10" name="Text Placeholder 9"/>
-          <p:cNvSpPr>
-            <a:spLocks noGrp="1"/>
-          </p:cNvSpPr>
-          <p:nvPr>
-            <p:ph type="body" sz="quarter" idx="13"/>
-          </p:nvPr>
-        </p:nvSpPr>
-        <p:spPr>
-          <a:xfrm>
-            <a:off x="1446212" y="3429000"/>
-            <a:ext cx="8534400" cy="381000"/>
-          </a:xfrm>
-        </p:spPr>
-        <p:txBody>
-          <a:bodyPr anchor="ctr"/>
-          <a:lstStyle>
-            <a:lvl1pPr marL="0" indent="0">
-              <a:buFontTx/>
-              <a:buNone/>
-              <a:defRPr/>
-            </a:lvl1pPr>
-            <a:lvl2pPr marL="457200" indent="0">
-              <a:buFontTx/>
-              <a:buNone/>
-              <a:defRPr/>
-            </a:lvl2pPr>
-            <a:lvl3pPr marL="914400" indent="0">
-              <a:buFontTx/>
-              <a:buNone/>
-              <a:defRPr/>
-            </a:lvl3pPr>
-            <a:lvl4pPr marL="1371600" indent="0">
-              <a:buFontTx/>
-              <a:buNone/>
-              <a:defRPr/>
-            </a:lvl4pPr>
-            <a:lvl5pPr marL="1828800" indent="0">
-              <a:buFontTx/>
-              <a:buNone/>
-              <a:defRPr/>
-            </a:lvl5pPr>
-          </a:lstStyle>
-          <a:p>
-            <a:pPr lvl="0"/>
-            <a:r>
-              <a:rPr lang="ru-RU"/>
-              <a:t>Образец текста</a:t>
-            </a:r>
-          </a:p>
-        </p:txBody>
-      </p:sp>
-      <p:sp>
-        <p:nvSpPr>
-          <p:cNvPr id="3" name="Text Placeholder 2"/>
-          <p:cNvSpPr>
-            <a:spLocks noGrp="1"/>
-          </p:cNvSpPr>
-          <p:nvPr>
-            <p:ph type="body" idx="1"/>
-          </p:nvPr>
-        </p:nvSpPr>
-        <p:spPr>
-          <a:xfrm>
-            <a:off x="684213" y="4301067"/>
-            <a:ext cx="8534400" cy="1684865"/>
-          </a:xfrm>
-        </p:spPr>
-        <p:txBody>
-          <a:bodyPr anchor="ctr">
-            <a:normAutofit/>
-          </a:bodyPr>
-          <a:lstStyle>
-            <a:lvl1pPr marL="0" indent="0" algn="l">
-              <a:buNone/>
-              <a:defRPr sz="2000">
-                <a:solidFill>
-                  <a:schemeClr val="bg2">
-                    <a:lumMod val="75000"/>
-                  </a:schemeClr>
-                </a:solidFill>
-              </a:defRPr>
-            </a:lvl1pPr>
-            <a:lvl2pPr marL="457200" indent="0">
-              <a:buNone/>
-              <a:defRPr sz="1800">
-                <a:solidFill>
-                  <a:schemeClr val="tx1">
-                    <a:tint val="75000"/>
-                  </a:schemeClr>
-                </a:solidFill>
-              </a:defRPr>
-            </a:lvl2pPr>
-            <a:lvl3pPr marL="914400" indent="0">
-              <a:buNone/>
-              <a:defRPr sz="1600">
-                <a:solidFill>
-                  <a:schemeClr val="tx1">
-                    <a:tint val="75000"/>
-                  </a:schemeClr>
-                </a:solidFill>
-              </a:defRPr>
-            </a:lvl3pPr>
-            <a:lvl4pPr marL="1371600" indent="0">
-              <a:buNone/>
-              <a:defRPr sz="1400">
-                <a:solidFill>
-                  <a:schemeClr val="tx1">
-                    <a:tint val="75000"/>
-                  </a:schemeClr>
-                </a:solidFill>
-              </a:defRPr>
-            </a:lvl4pPr>
-            <a:lvl5pPr marL="1828800" indent="0">
-              <a:buNone/>
-              <a:defRPr sz="1400">
-                <a:solidFill>
-                  <a:schemeClr val="tx1">
-                    <a:tint val="75000"/>
-                  </a:schemeClr>
-                </a:solidFill>
-              </a:defRPr>
-            </a:lvl5pPr>
-            <a:lvl6pPr marL="2286000" indent="0">
-              <a:buNone/>
-              <a:defRPr sz="1400">
-                <a:solidFill>
-                  <a:schemeClr val="tx1">
-                    <a:tint val="75000"/>
-                  </a:schemeClr>
-                </a:solidFill>
-              </a:defRPr>
-            </a:lvl6pPr>
-            <a:lvl7pPr marL="2743200" indent="0">
-              <a:buNone/>
-              <a:defRPr sz="1400">
-                <a:solidFill>
-                  <a:schemeClr val="tx1">
-                    <a:tint val="75000"/>
-                  </a:schemeClr>
-                </a:solidFill>
-              </a:defRPr>
-            </a:lvl7pPr>
-            <a:lvl8pPr marL="3200400" indent="0">
-              <a:buNone/>
-              <a:defRPr sz="1400">
-                <a:solidFill>
-                  <a:schemeClr val="tx1">
-                    <a:tint val="75000"/>
-                  </a:schemeClr>
-                </a:solidFill>
-              </a:defRPr>
-            </a:lvl8pPr>
-            <a:lvl9pPr marL="3657600" indent="0">
-              <a:buNone/>
-              <a:defRPr sz="1400">
-                <a:solidFill>
-                  <a:schemeClr val="tx1">
-                    <a:tint val="75000"/>
-                  </a:schemeClr>
-                </a:solidFill>
-              </a:defRPr>
-            </a:lvl9pPr>
-          </a:lstStyle>
-          <a:p>
-            <a:pPr lvl="0"/>
-            <a:r>
-              <a:rPr lang="ru-RU"/>
-              <a:t>Образец текста</a:t>
-            </a:r>
-          </a:p>
-        </p:txBody>
-      </p:sp>
-      <p:sp>
-        <p:nvSpPr>
-          <p:cNvPr id="4" name="Date Placeholder 3"/>
-          <p:cNvSpPr>
-            <a:spLocks noGrp="1"/>
-          </p:cNvSpPr>
-          <p:nvPr>
-            <p:ph type="dt" sz="half" idx="10"/>
-          </p:nvPr>
-        </p:nvSpPr>
-        <p:spPr/>
-        <p:txBody>
-          <a:bodyPr/>
-          <a:lstStyle/>
-          <a:p>
-            <a:fld id="{B61BEF0D-F0BB-DE4B-95CE-6DB70DBA9567}" type="datetimeFigureOut">
-              <a:rPr lang="en-US" dirty="0"/>
-              <a:pPr/>
-              <a:t>6/18/2022</a:t>
-            </a:fld>
-            <a:endParaRPr lang="en-US" dirty="0"/>
-          </a:p>
-        </p:txBody>
-      </p:sp>
-      <p:sp>
-        <p:nvSpPr>
-          <p:cNvPr id="5" name="Footer Placeholder 4"/>
-          <p:cNvSpPr>
-            <a:spLocks noGrp="1"/>
-          </p:cNvSpPr>
-          <p:nvPr>
-            <p:ph type="ftr" sz="quarter" idx="11"/>
-          </p:nvPr>
-        </p:nvSpPr>
-        <p:spPr/>
-        <p:txBody>
-          <a:bodyPr/>
-          <a:lstStyle/>
-          <a:p>
-            <a:endParaRPr lang="en-US" dirty="0"/>
-          </a:p>
-        </p:txBody>
-      </p:sp>
-      <p:sp>
-        <p:nvSpPr>
-          <p:cNvPr id="6" name="Slide Number Placeholder 5"/>
-          <p:cNvSpPr>
-            <a:spLocks noGrp="1"/>
-          </p:cNvSpPr>
-          <p:nvPr>
-            <p:ph type="sldNum" sz="quarter" idx="12"/>
-          </p:nvPr>
-        </p:nvSpPr>
-        <p:spPr/>
-        <p:txBody>
-          <a:bodyPr/>
-          <a:lstStyle/>
-          <a:p>
-            <a:fld id="{D57F1E4F-1CFF-5643-939E-217C01CDF565}" type="slidenum">
-              <a:rPr lang="en-US" dirty="0"/>
-              <a:pPr/>
-              <a:t>‹#›</a:t>
-            </a:fld>
-            <a:endParaRPr lang="en-US" dirty="0"/>
-          </a:p>
-        </p:txBody>
-      </p:sp>
-      <p:sp>
-        <p:nvSpPr>
-          <p:cNvPr id="14" name="TextBox 13"/>
-          <p:cNvSpPr txBox="1"/>
-          <p:nvPr/>
-        </p:nvSpPr>
-        <p:spPr>
-          <a:xfrm>
-            <a:off x="531812" y="812222"/>
-            <a:ext cx="609600" cy="584776"/>
-          </a:xfrm>
-          <a:prstGeom prst="rect">
-            <a:avLst/>
-          </a:prstGeom>
-        </p:spPr>
-        <p:txBody>
-          <a:bodyPr vert="horz" lIns="91440" tIns="45720" rIns="91440" bIns="45720" rtlCol="0" anchor="ctr">
-            <a:noAutofit/>
-          </a:bodyPr>
-          <a:lstStyle/>
-          <a:p>
-            <a:pPr lvl="0"/>
-            <a:r>
-              <a:rPr lang="en-US" sz="8000" dirty="0">
-                <a:solidFill>
-                  <a:schemeClr val="tx1"/>
-                </a:solidFill>
-                <a:effectLst/>
-              </a:rPr>
-              <a:t>“</a:t>
-            </a:r>
-          </a:p>
-        </p:txBody>
-      </p:sp>
-      <p:sp>
-        <p:nvSpPr>
-          <p:cNvPr id="15" name="TextBox 14"/>
-          <p:cNvSpPr txBox="1"/>
-          <p:nvPr/>
-        </p:nvSpPr>
-        <p:spPr>
-          <a:xfrm>
-            <a:off x="10285412" y="2768601"/>
-            <a:ext cx="609600" cy="584776"/>
-          </a:xfrm>
-          <a:prstGeom prst="rect">
-            <a:avLst/>
-          </a:prstGeom>
-        </p:spPr>
-        <p:txBody>
-          <a:bodyPr vert="horz" lIns="91440" tIns="45720" rIns="91440" bIns="45720" rtlCol="0" anchor="ctr">
-            <a:noAutofit/>
-          </a:bodyPr>
-          <a:lstStyle/>
-          <a:p>
-            <a:pPr lvl="0" algn="r"/>
-            <a:r>
-              <a:rPr lang="en-US" sz="8000" dirty="0">
-                <a:solidFill>
-                  <a:schemeClr val="tx1"/>
-                </a:solidFill>
-                <a:effectLst/>
-              </a:rPr>
-              <a:t>”</a:t>
-            </a:r>
-          </a:p>
-        </p:txBody>
-      </p:sp>
-    </p:spTree>
-  </p:cSld>
-  <p:clrMapOvr>
-    <a:masterClrMapping/>
-  </p:clrMapOvr>
-</p:sldLayout>
-</file>
-
-<file path=ppt/slideLayouts/slideLayout13.xml><?xml version="1.0" encoding="utf-8"?>
-<p:sldLayout xmlns:a="http://schemas.openxmlformats.org/drawingml/2006/main" xmlns:r="http://schemas.openxmlformats.org/officeDocument/2006/relationships" xmlns:p="http://schemas.openxmlformats.org/presentationml/2006/main" preserve="1">
-  <p:cSld name="Карточка имени">
-    <p:spTree>
-      <p:nvGrpSpPr>
-        <p:cNvPr id="1" name=""/>
-        <p:cNvGrpSpPr/>
-        <p:nvPr/>
-      </p:nvGrpSpPr>
-      <p:grpSpPr>
-        <a:xfrm>
-          <a:off x="0" y="0"/>
-          <a:ext cx="0" cy="0"/>
-          <a:chOff x="0" y="0"/>
-          <a:chExt cx="0" cy="0"/>
-        </a:xfrm>
-      </p:grpSpPr>
-      <p:sp>
-        <p:nvSpPr>
-          <p:cNvPr id="2" name="Title 1"/>
-          <p:cNvSpPr>
-            <a:spLocks noGrp="1"/>
-          </p:cNvSpPr>
-          <p:nvPr>
-            <p:ph type="title"/>
-          </p:nvPr>
-        </p:nvSpPr>
-        <p:spPr>
-          <a:xfrm>
-            <a:off x="684212" y="3429000"/>
-            <a:ext cx="8534400" cy="1697400"/>
-          </a:xfrm>
-        </p:spPr>
-        <p:txBody>
-          <a:bodyPr anchor="b">
-            <a:normAutofit/>
-          </a:bodyPr>
-          <a:lstStyle>
-            <a:lvl1pPr algn="l">
-              <a:defRPr sz="3200" b="0" cap="all"/>
-            </a:lvl1pPr>
-          </a:lstStyle>
-          <a:p>
-            <a:r>
-              <a:rPr lang="ru-RU"/>
-              <a:t>Образец заголовка</a:t>
-            </a:r>
-            <a:endParaRPr lang="en-US" dirty="0"/>
-          </a:p>
-        </p:txBody>
-      </p:sp>
-      <p:sp>
-        <p:nvSpPr>
-          <p:cNvPr id="3" name="Text Placeholder 2"/>
-          <p:cNvSpPr>
-            <a:spLocks noGrp="1"/>
-          </p:cNvSpPr>
-          <p:nvPr>
-            <p:ph type="body" idx="1"/>
-          </p:nvPr>
-        </p:nvSpPr>
-        <p:spPr>
-          <a:xfrm>
-            <a:off x="684211" y="5132981"/>
-            <a:ext cx="8535990" cy="860400"/>
-          </a:xfrm>
-        </p:spPr>
-        <p:txBody>
-          <a:bodyPr anchor="t">
-            <a:normAutofit/>
-          </a:bodyPr>
-          <a:lstStyle>
-            <a:lvl1pPr marL="0" indent="0" algn="l">
-              <a:buNone/>
-              <a:defRPr sz="2000">
-                <a:solidFill>
-                  <a:schemeClr val="bg2">
-                    <a:lumMod val="75000"/>
-                  </a:schemeClr>
-                </a:solidFill>
-              </a:defRPr>
-            </a:lvl1pPr>
-            <a:lvl2pPr marL="457200" indent="0">
-              <a:buNone/>
-              <a:defRPr sz="1800">
-                <a:solidFill>
-                  <a:schemeClr val="tx1">
-                    <a:tint val="75000"/>
-                  </a:schemeClr>
-                </a:solidFill>
-              </a:defRPr>
-            </a:lvl2pPr>
-            <a:lvl3pPr marL="914400" indent="0">
-              <a:buNone/>
-              <a:defRPr sz="1600">
-                <a:solidFill>
-                  <a:schemeClr val="tx1">
-                    <a:tint val="75000"/>
-                  </a:schemeClr>
-                </a:solidFill>
-              </a:defRPr>
-            </a:lvl3pPr>
-            <a:lvl4pPr marL="1371600" indent="0">
-              <a:buNone/>
-              <a:defRPr sz="1400">
-                <a:solidFill>
-                  <a:schemeClr val="tx1">
-                    <a:tint val="75000"/>
-                  </a:schemeClr>
-                </a:solidFill>
-              </a:defRPr>
-            </a:lvl4pPr>
-            <a:lvl5pPr marL="1828800" indent="0">
-              <a:buNone/>
-              <a:defRPr sz="1400">
-                <a:solidFill>
-                  <a:schemeClr val="tx1">
-                    <a:tint val="75000"/>
-                  </a:schemeClr>
-                </a:solidFill>
-              </a:defRPr>
-            </a:lvl5pPr>
-            <a:lvl6pPr marL="2286000" indent="0">
-              <a:buNone/>
-              <a:defRPr sz="1400">
-                <a:solidFill>
-                  <a:schemeClr val="tx1">
-                    <a:tint val="75000"/>
-                  </a:schemeClr>
-                </a:solidFill>
-              </a:defRPr>
-            </a:lvl6pPr>
-            <a:lvl7pPr marL="2743200" indent="0">
-              <a:buNone/>
-              <a:defRPr sz="1400">
-                <a:solidFill>
-                  <a:schemeClr val="tx1">
-                    <a:tint val="75000"/>
-                  </a:schemeClr>
-                </a:solidFill>
-              </a:defRPr>
-            </a:lvl7pPr>
-            <a:lvl8pPr marL="3200400" indent="0">
-              <a:buNone/>
-              <a:defRPr sz="1400">
-                <a:solidFill>
-                  <a:schemeClr val="tx1">
-                    <a:tint val="75000"/>
-                  </a:schemeClr>
-                </a:solidFill>
-              </a:defRPr>
-            </a:lvl8pPr>
-            <a:lvl9pPr marL="3657600" indent="0">
-              <a:buNone/>
-              <a:defRPr sz="1400">
-                <a:solidFill>
-                  <a:schemeClr val="tx1">
-                    <a:tint val="75000"/>
-                  </a:schemeClr>
-                </a:solidFill>
-              </a:defRPr>
-            </a:lvl9pPr>
-          </a:lstStyle>
-          <a:p>
-            <a:pPr lvl="0"/>
-            <a:r>
-              <a:rPr lang="ru-RU"/>
-              <a:t>Образец текста</a:t>
-            </a:r>
-          </a:p>
-        </p:txBody>
-      </p:sp>
-      <p:sp>
-        <p:nvSpPr>
-          <p:cNvPr id="4" name="Date Placeholder 3"/>
-          <p:cNvSpPr>
-            <a:spLocks noGrp="1"/>
-          </p:cNvSpPr>
-          <p:nvPr>
-            <p:ph type="dt" sz="half" idx="10"/>
-          </p:nvPr>
-        </p:nvSpPr>
-        <p:spPr/>
-        <p:txBody>
-          <a:bodyPr/>
-          <a:lstStyle/>
-          <a:p>
-            <a:fld id="{B61BEF0D-F0BB-DE4B-95CE-6DB70DBA9567}" type="datetimeFigureOut">
-              <a:rPr lang="en-US" dirty="0"/>
-              <a:pPr/>
-              <a:t>6/18/2022</a:t>
-            </a:fld>
-            <a:endParaRPr lang="en-US" dirty="0"/>
-          </a:p>
-        </p:txBody>
-      </p:sp>
-      <p:sp>
-        <p:nvSpPr>
-          <p:cNvPr id="5" name="Footer Placeholder 4"/>
-          <p:cNvSpPr>
-            <a:spLocks noGrp="1"/>
-          </p:cNvSpPr>
-          <p:nvPr>
-            <p:ph type="ftr" sz="quarter" idx="11"/>
-          </p:nvPr>
-        </p:nvSpPr>
-        <p:spPr/>
-        <p:txBody>
-          <a:bodyPr/>
-          <a:lstStyle/>
-          <a:p>
-            <a:endParaRPr lang="en-US" dirty="0"/>
-          </a:p>
-        </p:txBody>
-      </p:sp>
-      <p:sp>
-        <p:nvSpPr>
-          <p:cNvPr id="6" name="Slide Number Placeholder 5"/>
-          <p:cNvSpPr>
-            <a:spLocks noGrp="1"/>
-          </p:cNvSpPr>
-          <p:nvPr>
-            <p:ph type="sldNum" sz="quarter" idx="12"/>
-          </p:nvPr>
-        </p:nvSpPr>
-        <p:spPr/>
-        <p:txBody>
-          <a:bodyPr/>
-          <a:lstStyle/>
-          <a:p>
-            <a:fld id="{D57F1E4F-1CFF-5643-939E-217C01CDF565}" type="slidenum">
-              <a:rPr lang="en-US" dirty="0"/>
-              <a:pPr/>
-              <a:t>‹#›</a:t>
-            </a:fld>
-            <a:endParaRPr lang="en-US" dirty="0"/>
-          </a:p>
-        </p:txBody>
-      </p:sp>
-    </p:spTree>
-  </p:cSld>
-  <p:clrMapOvr>
-    <a:masterClrMapping/>
-  </p:clrMapOvr>
-</p:sldLayout>
-</file>
-
-<file path=ppt/slideLayouts/slideLayout14.xml><?xml version="1.0" encoding="utf-8"?>
-<p:sldLayout xmlns:a="http://schemas.openxmlformats.org/drawingml/2006/main" xmlns:r="http://schemas.openxmlformats.org/officeDocument/2006/relationships" xmlns:p="http://schemas.openxmlformats.org/presentationml/2006/main" preserve="1">
-  <p:cSld name="Цитата карточки имени">
-    <p:spTree>
-      <p:nvGrpSpPr>
-        <p:cNvPr id="1" name=""/>
-        <p:cNvGrpSpPr/>
-        <p:nvPr/>
-      </p:nvGrpSpPr>
-      <p:grpSpPr>
-        <a:xfrm>
-          <a:off x="0" y="0"/>
-          <a:ext cx="0" cy="0"/>
-          <a:chOff x="0" y="0"/>
-          <a:chExt cx="0" cy="0"/>
-        </a:xfrm>
-      </p:grpSpPr>
-      <p:sp>
-        <p:nvSpPr>
-          <p:cNvPr id="2" name="Title 1"/>
-          <p:cNvSpPr>
-            <a:spLocks noGrp="1"/>
-          </p:cNvSpPr>
-          <p:nvPr>
-            <p:ph type="title"/>
-          </p:nvPr>
-        </p:nvSpPr>
-        <p:spPr>
-          <a:xfrm>
-            <a:off x="1141413" y="685800"/>
-            <a:ext cx="9144000" cy="2743200"/>
-          </a:xfrm>
-        </p:spPr>
-        <p:txBody>
-          <a:bodyPr anchor="ctr">
-            <a:normAutofit/>
-          </a:bodyPr>
-          <a:lstStyle>
-            <a:lvl1pPr algn="l">
-              <a:defRPr sz="3200" b="0" cap="all">
-                <a:solidFill>
-                  <a:schemeClr val="tx1"/>
-                </a:solidFill>
-              </a:defRPr>
-            </a:lvl1pPr>
-          </a:lstStyle>
-          <a:p>
-            <a:r>
-              <a:rPr lang="ru-RU"/>
-              <a:t>Образец заголовка</a:t>
-            </a:r>
-            <a:endParaRPr lang="en-US" dirty="0"/>
-          </a:p>
-        </p:txBody>
-      </p:sp>
-      <p:sp>
-        <p:nvSpPr>
-          <p:cNvPr id="10" name="Text Placeholder 9"/>
-          <p:cNvSpPr>
-            <a:spLocks noGrp="1"/>
-          </p:cNvSpPr>
-          <p:nvPr>
-            <p:ph type="body" sz="quarter" idx="13"/>
-          </p:nvPr>
-        </p:nvSpPr>
-        <p:spPr>
-          <a:xfrm>
-            <a:off x="684212" y="3928534"/>
-            <a:ext cx="8534401" cy="1049866"/>
-          </a:xfrm>
-        </p:spPr>
-        <p:txBody>
-          <a:bodyPr vert="horz" lIns="91440" tIns="45720" rIns="91440" bIns="45720" rtlCol="0" anchor="b">
-            <a:normAutofit/>
-          </a:bodyPr>
-          <a:lstStyle>
-            <a:lvl1pPr>
-              <a:buNone/>
-              <a:defRPr lang="en-US" sz="2400" b="0" cap="all" dirty="0">
-                <a:ln w="3175" cmpd="sng">
-                  <a:noFill/>
-                </a:ln>
-                <a:solidFill>
-                  <a:schemeClr val="tx1"/>
-                </a:solidFill>
-                <a:effectLst/>
-              </a:defRPr>
-            </a:lvl1pPr>
-          </a:lstStyle>
-          <a:p>
-            <a:pPr marL="0" lvl="0">
-              <a:spcBef>
-                <a:spcPct val="0"/>
-              </a:spcBef>
-              <a:buNone/>
-            </a:pPr>
-            <a:r>
-              <a:rPr lang="ru-RU"/>
-              <a:t>Образец текста</a:t>
-            </a:r>
-          </a:p>
-        </p:txBody>
-      </p:sp>
-      <p:sp>
-        <p:nvSpPr>
-          <p:cNvPr id="3" name="Text Placeholder 2"/>
-          <p:cNvSpPr>
-            <a:spLocks noGrp="1"/>
-          </p:cNvSpPr>
-          <p:nvPr>
-            <p:ph type="body" idx="1"/>
-          </p:nvPr>
-        </p:nvSpPr>
-        <p:spPr>
-          <a:xfrm>
-            <a:off x="684211" y="4978400"/>
-            <a:ext cx="8534401" cy="1016000"/>
-          </a:xfrm>
-        </p:spPr>
-        <p:txBody>
-          <a:bodyPr anchor="t">
-            <a:normAutofit/>
-          </a:bodyPr>
-          <a:lstStyle>
-            <a:lvl1pPr marL="0" indent="0" algn="l">
-              <a:buNone/>
-              <a:defRPr sz="1800">
-                <a:solidFill>
-                  <a:schemeClr val="bg2">
-                    <a:lumMod val="75000"/>
-                  </a:schemeClr>
-                </a:solidFill>
-              </a:defRPr>
-            </a:lvl1pPr>
-            <a:lvl2pPr marL="457200" indent="0">
-              <a:buNone/>
-              <a:defRPr sz="1800">
-                <a:solidFill>
-                  <a:schemeClr val="tx1">
-                    <a:tint val="75000"/>
-                  </a:schemeClr>
-                </a:solidFill>
-              </a:defRPr>
-            </a:lvl2pPr>
-            <a:lvl3pPr marL="914400" indent="0">
-              <a:buNone/>
-              <a:defRPr sz="1600">
-                <a:solidFill>
-                  <a:schemeClr val="tx1">
-                    <a:tint val="75000"/>
-                  </a:schemeClr>
-                </a:solidFill>
-              </a:defRPr>
-            </a:lvl3pPr>
-            <a:lvl4pPr marL="1371600" indent="0">
-              <a:buNone/>
-              <a:defRPr sz="1400">
-                <a:solidFill>
-                  <a:schemeClr val="tx1">
-                    <a:tint val="75000"/>
-                  </a:schemeClr>
-                </a:solidFill>
-              </a:defRPr>
-            </a:lvl4pPr>
-            <a:lvl5pPr marL="1828800" indent="0">
-              <a:buNone/>
-              <a:defRPr sz="1400">
-                <a:solidFill>
-                  <a:schemeClr val="tx1">
-                    <a:tint val="75000"/>
-                  </a:schemeClr>
-                </a:solidFill>
-              </a:defRPr>
-            </a:lvl5pPr>
-            <a:lvl6pPr marL="2286000" indent="0">
-              <a:buNone/>
-              <a:defRPr sz="1400">
-                <a:solidFill>
-                  <a:schemeClr val="tx1">
-                    <a:tint val="75000"/>
-                  </a:schemeClr>
-                </a:solidFill>
-              </a:defRPr>
-            </a:lvl6pPr>
-            <a:lvl7pPr marL="2743200" indent="0">
-              <a:buNone/>
-              <a:defRPr sz="1400">
-                <a:solidFill>
-                  <a:schemeClr val="tx1">
-                    <a:tint val="75000"/>
-                  </a:schemeClr>
-                </a:solidFill>
-              </a:defRPr>
-            </a:lvl7pPr>
-            <a:lvl8pPr marL="3200400" indent="0">
-              <a:buNone/>
-              <a:defRPr sz="1400">
-                <a:solidFill>
-                  <a:schemeClr val="tx1">
-                    <a:tint val="75000"/>
-                  </a:schemeClr>
-                </a:solidFill>
-              </a:defRPr>
-            </a:lvl8pPr>
-            <a:lvl9pPr marL="3657600" indent="0">
-              <a:buNone/>
-              <a:defRPr sz="1400">
-                <a:solidFill>
-                  <a:schemeClr val="tx1">
-                    <a:tint val="75000"/>
-                  </a:schemeClr>
-                </a:solidFill>
-              </a:defRPr>
-            </a:lvl9pPr>
-          </a:lstStyle>
-          <a:p>
-            <a:pPr lvl="0"/>
-            <a:r>
-              <a:rPr lang="ru-RU"/>
-              <a:t>Образец текста</a:t>
-            </a:r>
-          </a:p>
-        </p:txBody>
-      </p:sp>
-      <p:sp>
-        <p:nvSpPr>
-          <p:cNvPr id="4" name="Date Placeholder 3"/>
-          <p:cNvSpPr>
-            <a:spLocks noGrp="1"/>
-          </p:cNvSpPr>
-          <p:nvPr>
-            <p:ph type="dt" sz="half" idx="10"/>
-          </p:nvPr>
-        </p:nvSpPr>
-        <p:spPr/>
-        <p:txBody>
-          <a:bodyPr/>
-          <a:lstStyle/>
-          <a:p>
-            <a:fld id="{B61BEF0D-F0BB-DE4B-95CE-6DB70DBA9567}" type="datetimeFigureOut">
-              <a:rPr lang="en-US" dirty="0"/>
-              <a:pPr/>
-              <a:t>6/18/2022</a:t>
-            </a:fld>
-            <a:endParaRPr lang="en-US" dirty="0"/>
-          </a:p>
-        </p:txBody>
-      </p:sp>
-      <p:sp>
-        <p:nvSpPr>
-          <p:cNvPr id="5" name="Footer Placeholder 4"/>
-          <p:cNvSpPr>
-            <a:spLocks noGrp="1"/>
-          </p:cNvSpPr>
-          <p:nvPr>
-            <p:ph type="ftr" sz="quarter" idx="11"/>
-          </p:nvPr>
-        </p:nvSpPr>
-        <p:spPr/>
-        <p:txBody>
-          <a:bodyPr/>
-          <a:lstStyle/>
-          <a:p>
-            <a:endParaRPr lang="en-US" dirty="0"/>
-          </a:p>
-        </p:txBody>
-      </p:sp>
-      <p:sp>
-        <p:nvSpPr>
-          <p:cNvPr id="6" name="Slide Number Placeholder 5"/>
-          <p:cNvSpPr>
-            <a:spLocks noGrp="1"/>
-          </p:cNvSpPr>
-          <p:nvPr>
-            <p:ph type="sldNum" sz="quarter" idx="12"/>
-          </p:nvPr>
-        </p:nvSpPr>
-        <p:spPr/>
-        <p:txBody>
-          <a:bodyPr/>
-          <a:lstStyle/>
-          <a:p>
-            <a:fld id="{D57F1E4F-1CFF-5643-939E-217C01CDF565}" type="slidenum">
-              <a:rPr lang="en-US" dirty="0"/>
-              <a:pPr/>
-              <a:t>‹#›</a:t>
-            </a:fld>
-            <a:endParaRPr lang="en-US" dirty="0"/>
-          </a:p>
-        </p:txBody>
-      </p:sp>
-      <p:sp>
-        <p:nvSpPr>
-          <p:cNvPr id="11" name="TextBox 10"/>
-          <p:cNvSpPr txBox="1"/>
-          <p:nvPr/>
-        </p:nvSpPr>
-        <p:spPr>
-          <a:xfrm>
-            <a:off x="531812" y="812222"/>
-            <a:ext cx="609600" cy="584776"/>
-          </a:xfrm>
-          <a:prstGeom prst="rect">
-            <a:avLst/>
-          </a:prstGeom>
-        </p:spPr>
-        <p:txBody>
-          <a:bodyPr vert="horz" lIns="91440" tIns="45720" rIns="91440" bIns="45720" rtlCol="0" anchor="ctr">
-            <a:noAutofit/>
-          </a:bodyPr>
-          <a:lstStyle/>
-          <a:p>
-            <a:pPr lvl="0"/>
-            <a:r>
-              <a:rPr lang="en-US" sz="8000" dirty="0">
-                <a:solidFill>
-                  <a:schemeClr val="tx1"/>
-                </a:solidFill>
-                <a:effectLst/>
-              </a:rPr>
-              <a:t>“</a:t>
-            </a:r>
-          </a:p>
-        </p:txBody>
-      </p:sp>
-      <p:sp>
-        <p:nvSpPr>
-          <p:cNvPr id="12" name="TextBox 11"/>
-          <p:cNvSpPr txBox="1"/>
-          <p:nvPr/>
-        </p:nvSpPr>
-        <p:spPr>
-          <a:xfrm>
-            <a:off x="10285412" y="2768601"/>
-            <a:ext cx="609600" cy="584776"/>
-          </a:xfrm>
-          <a:prstGeom prst="rect">
-            <a:avLst/>
-          </a:prstGeom>
-        </p:spPr>
-        <p:txBody>
-          <a:bodyPr vert="horz" lIns="91440" tIns="45720" rIns="91440" bIns="45720" rtlCol="0" anchor="ctr">
-            <a:noAutofit/>
-          </a:bodyPr>
-          <a:lstStyle/>
-          <a:p>
-            <a:pPr lvl="0" algn="r"/>
-            <a:r>
-              <a:rPr lang="en-US" sz="8000" dirty="0">
-                <a:solidFill>
-                  <a:schemeClr val="tx1"/>
-                </a:solidFill>
-                <a:effectLst/>
-              </a:rPr>
-              <a:t>”</a:t>
-            </a:r>
-          </a:p>
-        </p:txBody>
-      </p:sp>
-    </p:spTree>
-  </p:cSld>
-  <p:clrMapOvr>
-    <a:masterClrMapping/>
-  </p:clrMapOvr>
-</p:sldLayout>
-</file>
-
-<file path=ppt/slideLayouts/slideLayout15.xml><?xml version="1.0" encoding="utf-8"?>
-<p:sldLayout xmlns:a="http://schemas.openxmlformats.org/drawingml/2006/main" xmlns:r="http://schemas.openxmlformats.org/officeDocument/2006/relationships" xmlns:p="http://schemas.openxmlformats.org/presentationml/2006/main" preserve="1">
-  <p:cSld name="Истина или ложь">
-    <p:spTree>
-      <p:nvGrpSpPr>
-        <p:cNvPr id="1" name=""/>
-        <p:cNvGrpSpPr/>
-        <p:nvPr/>
-      </p:nvGrpSpPr>
-      <p:grpSpPr>
-        <a:xfrm>
-          <a:off x="0" y="0"/>
-          <a:ext cx="0" cy="0"/>
-          <a:chOff x="0" y="0"/>
-          <a:chExt cx="0" cy="0"/>
-        </a:xfrm>
-      </p:grpSpPr>
-      <p:sp>
-        <p:nvSpPr>
-          <p:cNvPr id="2" name="Title 1"/>
-          <p:cNvSpPr>
-            <a:spLocks noGrp="1"/>
-          </p:cNvSpPr>
-          <p:nvPr>
-            <p:ph type="title"/>
-          </p:nvPr>
-        </p:nvSpPr>
-        <p:spPr>
-          <a:xfrm>
-            <a:off x="684213" y="685800"/>
-            <a:ext cx="10058400" cy="2743200"/>
-          </a:xfrm>
-        </p:spPr>
-        <p:txBody>
-          <a:bodyPr vert="horz" lIns="91440" tIns="45720" rIns="91440" bIns="45720" rtlCol="0" anchor="ctr">
-            <a:normAutofit/>
-          </a:bodyPr>
-          <a:lstStyle>
-            <a:lvl1pPr>
-              <a:defRPr lang="en-US" b="0" dirty="0"/>
-            </a:lvl1pPr>
-          </a:lstStyle>
-          <a:p>
-            <a:pPr marL="0" lvl="0"/>
-            <a:r>
-              <a:rPr lang="ru-RU"/>
-              <a:t>Образец заголовка</a:t>
-            </a:r>
-            <a:endParaRPr lang="en-US" dirty="0"/>
-          </a:p>
-        </p:txBody>
-      </p:sp>
-      <p:sp>
-        <p:nvSpPr>
-          <p:cNvPr id="10" name="Text Placeholder 9"/>
-          <p:cNvSpPr>
-            <a:spLocks noGrp="1"/>
-          </p:cNvSpPr>
-          <p:nvPr>
-            <p:ph type="body" sz="quarter" idx="13"/>
-          </p:nvPr>
-        </p:nvSpPr>
-        <p:spPr>
-          <a:xfrm>
-            <a:off x="684212" y="3928534"/>
-            <a:ext cx="8534400" cy="838200"/>
-          </a:xfrm>
-        </p:spPr>
-        <p:txBody>
-          <a:bodyPr vert="horz" lIns="91440" tIns="45720" rIns="91440" bIns="45720" rtlCol="0" anchor="b">
-            <a:normAutofit/>
-          </a:bodyPr>
-          <a:lstStyle>
-            <a:lvl1pPr>
-              <a:buNone/>
-              <a:defRPr lang="en-US" sz="2400" b="0" cap="all" dirty="0">
-                <a:ln w="3175" cmpd="sng">
-                  <a:noFill/>
-                </a:ln>
-                <a:solidFill>
-                  <a:schemeClr val="tx1"/>
-                </a:solidFill>
-                <a:effectLst/>
-              </a:defRPr>
-            </a:lvl1pPr>
-          </a:lstStyle>
-          <a:p>
-            <a:pPr marL="0" lvl="0">
-              <a:spcBef>
-                <a:spcPct val="0"/>
-              </a:spcBef>
-              <a:buNone/>
-            </a:pPr>
-            <a:r>
-              <a:rPr lang="ru-RU"/>
-              <a:t>Образец текста</a:t>
-            </a:r>
-          </a:p>
-        </p:txBody>
-      </p:sp>
-      <p:sp>
-        <p:nvSpPr>
-          <p:cNvPr id="3" name="Text Placeholder 2"/>
-          <p:cNvSpPr>
-            <a:spLocks noGrp="1"/>
-          </p:cNvSpPr>
-          <p:nvPr>
-            <p:ph type="body" idx="1"/>
-          </p:nvPr>
-        </p:nvSpPr>
-        <p:spPr>
-          <a:xfrm>
-            <a:off x="684211" y="4766732"/>
-            <a:ext cx="8534401" cy="1227667"/>
-          </a:xfrm>
-        </p:spPr>
-        <p:txBody>
-          <a:bodyPr anchor="t">
-            <a:normAutofit/>
-          </a:bodyPr>
-          <a:lstStyle>
-            <a:lvl1pPr marL="0" indent="0" algn="l">
-              <a:buNone/>
-              <a:defRPr sz="1800">
-                <a:solidFill>
-                  <a:schemeClr val="bg2">
-                    <a:lumMod val="75000"/>
-                  </a:schemeClr>
-                </a:solidFill>
-              </a:defRPr>
-            </a:lvl1pPr>
-            <a:lvl2pPr marL="457200" indent="0">
-              <a:buNone/>
-              <a:defRPr sz="1800">
-                <a:solidFill>
-                  <a:schemeClr val="tx1">
-                    <a:tint val="75000"/>
-                  </a:schemeClr>
-                </a:solidFill>
-              </a:defRPr>
-            </a:lvl2pPr>
-            <a:lvl3pPr marL="914400" indent="0">
-              <a:buNone/>
-              <a:defRPr sz="1600">
-                <a:solidFill>
-                  <a:schemeClr val="tx1">
-                    <a:tint val="75000"/>
-                  </a:schemeClr>
-                </a:solidFill>
-              </a:defRPr>
-            </a:lvl3pPr>
-            <a:lvl4pPr marL="1371600" indent="0">
-              <a:buNone/>
-              <a:defRPr sz="1400">
-                <a:solidFill>
-                  <a:schemeClr val="tx1">
-                    <a:tint val="75000"/>
-                  </a:schemeClr>
-                </a:solidFill>
-              </a:defRPr>
-            </a:lvl4pPr>
-            <a:lvl5pPr marL="1828800" indent="0">
-              <a:buNone/>
-              <a:defRPr sz="1400">
-                <a:solidFill>
-                  <a:schemeClr val="tx1">
-                    <a:tint val="75000"/>
-                  </a:schemeClr>
-                </a:solidFill>
-              </a:defRPr>
-            </a:lvl5pPr>
-            <a:lvl6pPr marL="2286000" indent="0">
-              <a:buNone/>
-              <a:defRPr sz="1400">
-                <a:solidFill>
-                  <a:schemeClr val="tx1">
-                    <a:tint val="75000"/>
-                  </a:schemeClr>
-                </a:solidFill>
-              </a:defRPr>
-            </a:lvl6pPr>
-            <a:lvl7pPr marL="2743200" indent="0">
-              <a:buNone/>
-              <a:defRPr sz="1400">
-                <a:solidFill>
-                  <a:schemeClr val="tx1">
-                    <a:tint val="75000"/>
-                  </a:schemeClr>
-                </a:solidFill>
-              </a:defRPr>
-            </a:lvl7pPr>
-            <a:lvl8pPr marL="3200400" indent="0">
-              <a:buNone/>
-              <a:defRPr sz="1400">
-                <a:solidFill>
-                  <a:schemeClr val="tx1">
-                    <a:tint val="75000"/>
-                  </a:schemeClr>
-                </a:solidFill>
-              </a:defRPr>
-            </a:lvl8pPr>
-            <a:lvl9pPr marL="3657600" indent="0">
-              <a:buNone/>
-              <a:defRPr sz="1400">
-                <a:solidFill>
-                  <a:schemeClr val="tx1">
-                    <a:tint val="75000"/>
-                  </a:schemeClr>
-                </a:solidFill>
-              </a:defRPr>
-            </a:lvl9pPr>
-          </a:lstStyle>
-          <a:p>
-            <a:pPr lvl="0"/>
-            <a:r>
-              <a:rPr lang="ru-RU"/>
-              <a:t>Образец текста</a:t>
-            </a:r>
-          </a:p>
-        </p:txBody>
-      </p:sp>
-      <p:sp>
-        <p:nvSpPr>
-          <p:cNvPr id="4" name="Date Placeholder 3"/>
-          <p:cNvSpPr>
-            <a:spLocks noGrp="1"/>
-          </p:cNvSpPr>
-          <p:nvPr>
-            <p:ph type="dt" sz="half" idx="10"/>
-          </p:nvPr>
-        </p:nvSpPr>
-        <p:spPr/>
-        <p:txBody>
-          <a:bodyPr/>
-          <a:lstStyle/>
-          <a:p>
-            <a:fld id="{B61BEF0D-F0BB-DE4B-95CE-6DB70DBA9567}" type="datetimeFigureOut">
-              <a:rPr lang="en-US" dirty="0"/>
-              <a:pPr/>
-              <a:t>6/18/2022</a:t>
-            </a:fld>
-            <a:endParaRPr lang="en-US" dirty="0"/>
-          </a:p>
-        </p:txBody>
-      </p:sp>
-      <p:sp>
-        <p:nvSpPr>
-          <p:cNvPr id="5" name="Footer Placeholder 4"/>
-          <p:cNvSpPr>
-            <a:spLocks noGrp="1"/>
-          </p:cNvSpPr>
-          <p:nvPr>
-            <p:ph type="ftr" sz="quarter" idx="11"/>
-          </p:nvPr>
-        </p:nvSpPr>
-        <p:spPr/>
-        <p:txBody>
-          <a:bodyPr/>
-          <a:lstStyle/>
-          <a:p>
-            <a:endParaRPr lang="en-US" dirty="0"/>
-          </a:p>
-        </p:txBody>
-      </p:sp>
-      <p:sp>
-        <p:nvSpPr>
-          <p:cNvPr id="6" name="Slide Number Placeholder 5"/>
-          <p:cNvSpPr>
-            <a:spLocks noGrp="1"/>
-          </p:cNvSpPr>
-          <p:nvPr>
-            <p:ph type="sldNum" sz="quarter" idx="12"/>
-          </p:nvPr>
-        </p:nvSpPr>
-        <p:spPr/>
-        <p:txBody>
-          <a:bodyPr/>
-          <a:lstStyle/>
-          <a:p>
-            <a:fld id="{D57F1E4F-1CFF-5643-939E-217C01CDF565}" type="slidenum">
-              <a:rPr lang="en-US" dirty="0"/>
-              <a:pPr/>
-              <a:t>‹#›</a:t>
-            </a:fld>
-            <a:endParaRPr lang="en-US" dirty="0"/>
-          </a:p>
-        </p:txBody>
-      </p:sp>
-    </p:spTree>
-  </p:cSld>
-  <p:clrMapOvr>
-    <a:masterClrMapping/>
-  </p:clrMapOvr>
-</p:sldLayout>
-</file>
-
-<file path=ppt/slideLayouts/slideLayout16.xml><?xml version="1.0" encoding="utf-8"?>
 <p:sldLayout xmlns:a="http://schemas.openxmlformats.org/drawingml/2006/main" xmlns:r="http://schemas.openxmlformats.org/officeDocument/2006/relationships" xmlns:p="http://schemas.openxmlformats.org/presentationml/2006/main" type="vertTx" preserve="1">
   <p:cSld name="Заголовок и вертикальный текст">
     <p:spTree>
@@ -4229,7 +2262,13 @@
       </p:grpSpPr>
       <p:sp>
         <p:nvSpPr>
-          <p:cNvPr id="2" name="Title 1"/>
+          <p:cNvPr id="2" name="Заголовок 1">
+            <a:extLst>
+              <a:ext uri="{FF2B5EF4-FFF2-40B4-BE49-F238E27FC236}">
+                <a16:creationId xmlns:a16="http://schemas.microsoft.com/office/drawing/2014/main" id="{9CBD1CDF-7F1F-5458-A7E0-DF5A4BDAC123}"/>
+              </a:ext>
+            </a:extLst>
+          </p:cNvPr>
           <p:cNvSpPr>
             <a:spLocks noGrp="1"/>
           </p:cNvSpPr>
@@ -4240,23 +2279,24 @@
         <p:spPr/>
         <p:txBody>
           <a:bodyPr/>
-          <a:lstStyle>
-            <a:lvl1pPr algn="l">
-              <a:defRPr/>
-            </a:lvl1pPr>
-          </a:lstStyle>
+          <a:lstStyle/>
           <a:p>
             <a:r>
               <a:rPr lang="ru-RU"/>
               <a:t>Образец заголовка</a:t>
             </a:r>
-            <a:endParaRPr lang="en-US" dirty="0"/>
           </a:p>
         </p:txBody>
       </p:sp>
       <p:sp>
         <p:nvSpPr>
-          <p:cNvPr id="3" name="Vertical Text Placeholder 2"/>
+          <p:cNvPr id="3" name="Вертикальный текст 2">
+            <a:extLst>
+              <a:ext uri="{FF2B5EF4-FFF2-40B4-BE49-F238E27FC236}">
+                <a16:creationId xmlns:a16="http://schemas.microsoft.com/office/drawing/2014/main" id="{B6014E24-809D-B196-DB5E-C1CD666B341A}"/>
+              </a:ext>
+            </a:extLst>
+          </p:cNvPr>
           <p:cNvSpPr>
             <a:spLocks noGrp="1"/>
           </p:cNvSpPr>
@@ -4266,7 +2306,7 @@
         </p:nvSpPr>
         <p:spPr/>
         <p:txBody>
-          <a:bodyPr vert="eaVert" anchor="t"/>
+          <a:bodyPr vert="eaVert"/>
           <a:lstStyle/>
           <a:p>
             <a:pPr lvl="0"/>
@@ -4302,13 +2342,18 @@
               <a:rPr lang="ru-RU"/>
               <a:t>Пятый уровень</a:t>
             </a:r>
-            <a:endParaRPr lang="en-US" dirty="0"/>
           </a:p>
         </p:txBody>
       </p:sp>
       <p:sp>
         <p:nvSpPr>
-          <p:cNvPr id="4" name="Date Placeholder 3"/>
+          <p:cNvPr id="4" name="Дата 3">
+            <a:extLst>
+              <a:ext uri="{FF2B5EF4-FFF2-40B4-BE49-F238E27FC236}">
+                <a16:creationId xmlns:a16="http://schemas.microsoft.com/office/drawing/2014/main" id="{CAB4ADE3-87F3-6CAA-23E2-0E1461555647}"/>
+              </a:ext>
+            </a:extLst>
+          </p:cNvPr>
           <p:cNvSpPr>
             <a:spLocks noGrp="1"/>
           </p:cNvSpPr>
@@ -4322,7 +2367,7 @@
           <a:lstStyle/>
           <a:p>
             <a:fld id="{B61BEF0D-F0BB-DE4B-95CE-6DB70DBA9567}" type="datetimeFigureOut">
-              <a:rPr lang="en-US" dirty="0"/>
+              <a:rPr lang="en-US" smtClean="0"/>
               <a:pPr/>
               <a:t>6/18/2022</a:t>
             </a:fld>
@@ -4332,7 +2377,13 @@
       </p:sp>
       <p:sp>
         <p:nvSpPr>
-          <p:cNvPr id="5" name="Footer Placeholder 4"/>
+          <p:cNvPr id="5" name="Нижний колонтитул 4">
+            <a:extLst>
+              <a:ext uri="{FF2B5EF4-FFF2-40B4-BE49-F238E27FC236}">
+                <a16:creationId xmlns:a16="http://schemas.microsoft.com/office/drawing/2014/main" id="{35063D6C-CD85-6A28-77D4-C71B50E6B79F}"/>
+              </a:ext>
+            </a:extLst>
+          </p:cNvPr>
           <p:cNvSpPr>
             <a:spLocks noGrp="1"/>
           </p:cNvSpPr>
@@ -4351,7 +2402,13 @@
       </p:sp>
       <p:sp>
         <p:nvSpPr>
-          <p:cNvPr id="6" name="Slide Number Placeholder 5"/>
+          <p:cNvPr id="6" name="Номер слайда 5">
+            <a:extLst>
+              <a:ext uri="{FF2B5EF4-FFF2-40B4-BE49-F238E27FC236}">
+                <a16:creationId xmlns:a16="http://schemas.microsoft.com/office/drawing/2014/main" id="{82C41CEE-267E-759C-72E6-4A2FA229E0EA}"/>
+              </a:ext>
+            </a:extLst>
+          </p:cNvPr>
           <p:cNvSpPr>
             <a:spLocks noGrp="1"/>
           </p:cNvSpPr>
@@ -4365,7 +2422,7 @@
           <a:lstStyle/>
           <a:p>
             <a:fld id="{D57F1E4F-1CFF-5643-939E-217C01CDF565}" type="slidenum">
-              <a:rPr lang="en-US" dirty="0"/>
+              <a:rPr lang="en-US" smtClean="0"/>
               <a:pPr/>
               <a:t>‹#›</a:t>
             </a:fld>
@@ -4374,6 +2431,11 @@
         </p:txBody>
       </p:sp>
     </p:spTree>
+    <p:extLst>
+      <p:ext uri="{BB962C8B-B14F-4D97-AF65-F5344CB8AC3E}">
+        <p14:creationId xmlns:p14="http://schemas.microsoft.com/office/powerpoint/2010/main" val="3790027207"/>
+      </p:ext>
+    </p:extLst>
   </p:cSld>
   <p:clrMapOvr>
     <a:masterClrMapping/>
@@ -4381,7 +2443,7 @@
 </p:sldLayout>
 </file>
 
-<file path=ppt/slideLayouts/slideLayout17.xml><?xml version="1.0" encoding="utf-8"?>
+<file path=ppt/slideLayouts/slideLayout11.xml><?xml version="1.0" encoding="utf-8"?>
 <p:sldLayout xmlns:a="http://schemas.openxmlformats.org/drawingml/2006/main" xmlns:r="http://schemas.openxmlformats.org/officeDocument/2006/relationships" xmlns:p="http://schemas.openxmlformats.org/presentationml/2006/main" type="vertTitleAndTx" preserve="1">
   <p:cSld name="Вертикальный заголовок и текст">
     <p:spTree>
@@ -4400,7 +2462,13 @@
       </p:grpSpPr>
       <p:sp>
         <p:nvSpPr>
-          <p:cNvPr id="2" name="Vertical Title 1"/>
+          <p:cNvPr id="2" name="Вертикальный заголовок 1">
+            <a:extLst>
+              <a:ext uri="{FF2B5EF4-FFF2-40B4-BE49-F238E27FC236}">
+                <a16:creationId xmlns:a16="http://schemas.microsoft.com/office/drawing/2014/main" id="{65B56A1C-8C64-C7F0-7D10-60D4AE4B0F10}"/>
+              </a:ext>
+            </a:extLst>
+          </p:cNvPr>
           <p:cNvSpPr>
             <a:spLocks noGrp="1"/>
           </p:cNvSpPr>
@@ -4410,8 +2478,8 @@
         </p:nvSpPr>
         <p:spPr>
           <a:xfrm>
-            <a:off x="8685212" y="685800"/>
-            <a:ext cx="2057400" cy="4572000"/>
+            <a:off x="8724900" y="365125"/>
+            <a:ext cx="2628900" cy="5811838"/>
           </a:xfrm>
         </p:spPr>
         <p:txBody>
@@ -4422,13 +2490,18 @@
               <a:rPr lang="ru-RU"/>
               <a:t>Образец заголовка</a:t>
             </a:r>
-            <a:endParaRPr lang="en-US" dirty="0"/>
           </a:p>
         </p:txBody>
       </p:sp>
       <p:sp>
         <p:nvSpPr>
-          <p:cNvPr id="3" name="Vertical Text Placeholder 2"/>
+          <p:cNvPr id="3" name="Вертикальный текст 2">
+            <a:extLst>
+              <a:ext uri="{FF2B5EF4-FFF2-40B4-BE49-F238E27FC236}">
+                <a16:creationId xmlns:a16="http://schemas.microsoft.com/office/drawing/2014/main" id="{D34F40C3-5B69-09B4-EC27-AB9E37DCC0B8}"/>
+              </a:ext>
+            </a:extLst>
+          </p:cNvPr>
           <p:cNvSpPr>
             <a:spLocks noGrp="1"/>
           </p:cNvSpPr>
@@ -4438,12 +2511,12 @@
         </p:nvSpPr>
         <p:spPr>
           <a:xfrm>
-            <a:off x="685800" y="685800"/>
-            <a:ext cx="7823200" cy="5308600"/>
+            <a:off x="838200" y="365125"/>
+            <a:ext cx="7734300" cy="5811838"/>
           </a:xfrm>
         </p:spPr>
         <p:txBody>
-          <a:bodyPr vert="eaVert" anchor="t"/>
+          <a:bodyPr vert="eaVert"/>
           <a:lstStyle/>
           <a:p>
             <a:pPr lvl="0"/>
@@ -4479,13 +2552,18 @@
               <a:rPr lang="ru-RU"/>
               <a:t>Пятый уровень</a:t>
             </a:r>
-            <a:endParaRPr lang="en-US" dirty="0"/>
           </a:p>
         </p:txBody>
       </p:sp>
       <p:sp>
         <p:nvSpPr>
-          <p:cNvPr id="4" name="Date Placeholder 3"/>
+          <p:cNvPr id="4" name="Дата 3">
+            <a:extLst>
+              <a:ext uri="{FF2B5EF4-FFF2-40B4-BE49-F238E27FC236}">
+                <a16:creationId xmlns:a16="http://schemas.microsoft.com/office/drawing/2014/main" id="{1723F22F-752F-F1F8-87DF-77539D595AE2}"/>
+              </a:ext>
+            </a:extLst>
+          </p:cNvPr>
           <p:cNvSpPr>
             <a:spLocks noGrp="1"/>
           </p:cNvSpPr>
@@ -4499,7 +2577,7 @@
           <a:lstStyle/>
           <a:p>
             <a:fld id="{B61BEF0D-F0BB-DE4B-95CE-6DB70DBA9567}" type="datetimeFigureOut">
-              <a:rPr lang="en-US" dirty="0"/>
+              <a:rPr lang="en-US" smtClean="0"/>
               <a:pPr/>
               <a:t>6/18/2022</a:t>
             </a:fld>
@@ -4509,7 +2587,13 @@
       </p:sp>
       <p:sp>
         <p:nvSpPr>
-          <p:cNvPr id="5" name="Footer Placeholder 4"/>
+          <p:cNvPr id="5" name="Нижний колонтитул 4">
+            <a:extLst>
+              <a:ext uri="{FF2B5EF4-FFF2-40B4-BE49-F238E27FC236}">
+                <a16:creationId xmlns:a16="http://schemas.microsoft.com/office/drawing/2014/main" id="{921D6952-1B29-0A37-1FF5-B1460AA35974}"/>
+              </a:ext>
+            </a:extLst>
+          </p:cNvPr>
           <p:cNvSpPr>
             <a:spLocks noGrp="1"/>
           </p:cNvSpPr>
@@ -4528,7 +2612,13 @@
       </p:sp>
       <p:sp>
         <p:nvSpPr>
-          <p:cNvPr id="6" name="Slide Number Placeholder 5"/>
+          <p:cNvPr id="6" name="Номер слайда 5">
+            <a:extLst>
+              <a:ext uri="{FF2B5EF4-FFF2-40B4-BE49-F238E27FC236}">
+                <a16:creationId xmlns:a16="http://schemas.microsoft.com/office/drawing/2014/main" id="{C51A7189-5A37-400D-CCBC-74D545AB8C1B}"/>
+              </a:ext>
+            </a:extLst>
+          </p:cNvPr>
           <p:cNvSpPr>
             <a:spLocks noGrp="1"/>
           </p:cNvSpPr>
@@ -4542,7 +2632,7 @@
           <a:lstStyle/>
           <a:p>
             <a:fld id="{D57F1E4F-1CFF-5643-939E-217C01CDF565}" type="slidenum">
-              <a:rPr lang="en-US" dirty="0"/>
+              <a:rPr lang="en-US" smtClean="0"/>
               <a:pPr/>
               <a:t>‹#›</a:t>
             </a:fld>
@@ -4551,6 +2641,11 @@
         </p:txBody>
       </p:sp>
     </p:spTree>
+    <p:extLst>
+      <p:ext uri="{BB962C8B-B14F-4D97-AF65-F5344CB8AC3E}">
+        <p14:creationId xmlns:p14="http://schemas.microsoft.com/office/powerpoint/2010/main" val="2008941520"/>
+      </p:ext>
+    </p:extLst>
   </p:cSld>
   <p:clrMapOvr>
     <a:masterClrMapping/>
@@ -4577,7 +2672,13 @@
       </p:grpSpPr>
       <p:sp>
         <p:nvSpPr>
-          <p:cNvPr id="2" name="Title 1"/>
+          <p:cNvPr id="2" name="Заголовок 1">
+            <a:extLst>
+              <a:ext uri="{FF2B5EF4-FFF2-40B4-BE49-F238E27FC236}">
+                <a16:creationId xmlns:a16="http://schemas.microsoft.com/office/drawing/2014/main" id="{A21483B6-33C0-1F38-0817-535B08A46D79}"/>
+              </a:ext>
+            </a:extLst>
+          </p:cNvPr>
           <p:cNvSpPr>
             <a:spLocks noGrp="1"/>
           </p:cNvSpPr>
@@ -4594,13 +2695,18 @@
               <a:rPr lang="ru-RU"/>
               <a:t>Образец заголовка</a:t>
             </a:r>
-            <a:endParaRPr lang="en-US" dirty="0"/>
           </a:p>
         </p:txBody>
       </p:sp>
       <p:sp>
         <p:nvSpPr>
-          <p:cNvPr id="3" name="Content Placeholder 2"/>
+          <p:cNvPr id="3" name="Объект 2">
+            <a:extLst>
+              <a:ext uri="{FF2B5EF4-FFF2-40B4-BE49-F238E27FC236}">
+                <a16:creationId xmlns:a16="http://schemas.microsoft.com/office/drawing/2014/main" id="{FF0C0178-F823-FA9A-AC0D-F148CCB2224A}"/>
+              </a:ext>
+            </a:extLst>
+          </p:cNvPr>
           <p:cNvSpPr>
             <a:spLocks noGrp="1"/>
           </p:cNvSpPr>
@@ -4610,7 +2716,7 @@
         </p:nvSpPr>
         <p:spPr/>
         <p:txBody>
-          <a:bodyPr anchor="ctr"/>
+          <a:bodyPr/>
           <a:lstStyle/>
           <a:p>
             <a:pPr lvl="0"/>
@@ -4646,13 +2752,18 @@
               <a:rPr lang="ru-RU"/>
               <a:t>Пятый уровень</a:t>
             </a:r>
-            <a:endParaRPr lang="en-US" dirty="0"/>
           </a:p>
         </p:txBody>
       </p:sp>
       <p:sp>
         <p:nvSpPr>
-          <p:cNvPr id="4" name="Date Placeholder 3"/>
+          <p:cNvPr id="4" name="Дата 3">
+            <a:extLst>
+              <a:ext uri="{FF2B5EF4-FFF2-40B4-BE49-F238E27FC236}">
+                <a16:creationId xmlns:a16="http://schemas.microsoft.com/office/drawing/2014/main" id="{87C4F02C-07D8-A908-4CB8-EC130E44F5A1}"/>
+              </a:ext>
+            </a:extLst>
+          </p:cNvPr>
           <p:cNvSpPr>
             <a:spLocks noGrp="1"/>
           </p:cNvSpPr>
@@ -4666,7 +2777,7 @@
           <a:lstStyle/>
           <a:p>
             <a:fld id="{B61BEF0D-F0BB-DE4B-95CE-6DB70DBA9567}" type="datetimeFigureOut">
-              <a:rPr lang="en-US" dirty="0"/>
+              <a:rPr lang="en-US" smtClean="0"/>
               <a:pPr/>
               <a:t>6/18/2022</a:t>
             </a:fld>
@@ -4676,7 +2787,13 @@
       </p:sp>
       <p:sp>
         <p:nvSpPr>
-          <p:cNvPr id="5" name="Footer Placeholder 4"/>
+          <p:cNvPr id="5" name="Нижний колонтитул 4">
+            <a:extLst>
+              <a:ext uri="{FF2B5EF4-FFF2-40B4-BE49-F238E27FC236}">
+                <a16:creationId xmlns:a16="http://schemas.microsoft.com/office/drawing/2014/main" id="{1356B3E3-C4AD-D9C8-AD27-AF823A3F579E}"/>
+              </a:ext>
+            </a:extLst>
+          </p:cNvPr>
           <p:cNvSpPr>
             <a:spLocks noGrp="1"/>
           </p:cNvSpPr>
@@ -4695,7 +2812,13 @@
       </p:sp>
       <p:sp>
         <p:nvSpPr>
-          <p:cNvPr id="6" name="Slide Number Placeholder 5"/>
+          <p:cNvPr id="6" name="Номер слайда 5">
+            <a:extLst>
+              <a:ext uri="{FF2B5EF4-FFF2-40B4-BE49-F238E27FC236}">
+                <a16:creationId xmlns:a16="http://schemas.microsoft.com/office/drawing/2014/main" id="{54789217-D087-7979-8631-7055AF0897AF}"/>
+              </a:ext>
+            </a:extLst>
+          </p:cNvPr>
           <p:cNvSpPr>
             <a:spLocks noGrp="1"/>
           </p:cNvSpPr>
@@ -4709,7 +2832,7 @@
           <a:lstStyle/>
           <a:p>
             <a:fld id="{D57F1E4F-1CFF-5643-939E-217C01CDF565}" type="slidenum">
-              <a:rPr lang="en-US" dirty="0"/>
+              <a:rPr lang="en-US" smtClean="0"/>
               <a:pPr/>
               <a:t>‹#›</a:t>
             </a:fld>
@@ -4718,6 +2841,11 @@
         </p:txBody>
       </p:sp>
     </p:spTree>
+    <p:extLst>
+      <p:ext uri="{BB962C8B-B14F-4D97-AF65-F5344CB8AC3E}">
+        <p14:creationId xmlns:p14="http://schemas.microsoft.com/office/powerpoint/2010/main" val="1927163967"/>
+      </p:ext>
+    </p:extLst>
   </p:cSld>
   <p:clrMapOvr>
     <a:masterClrMapping/>
@@ -4744,7 +2872,13 @@
       </p:grpSpPr>
       <p:sp>
         <p:nvSpPr>
-          <p:cNvPr id="2" name="Title 1"/>
+          <p:cNvPr id="2" name="Заголовок 1">
+            <a:extLst>
+              <a:ext uri="{FF2B5EF4-FFF2-40B4-BE49-F238E27FC236}">
+                <a16:creationId xmlns:a16="http://schemas.microsoft.com/office/drawing/2014/main" id="{1BE006E5-A0CB-10CD-B582-B81FE8003C72}"/>
+              </a:ext>
+            </a:extLst>
+          </p:cNvPr>
           <p:cNvSpPr>
             <a:spLocks noGrp="1"/>
           </p:cNvSpPr>
@@ -4754,17 +2888,15 @@
         </p:nvSpPr>
         <p:spPr>
           <a:xfrm>
-            <a:off x="684211" y="2006600"/>
-            <a:ext cx="8534401" cy="2281600"/>
+            <a:off x="831850" y="1709738"/>
+            <a:ext cx="10515600" cy="2852737"/>
           </a:xfrm>
         </p:spPr>
         <p:txBody>
-          <a:bodyPr anchor="b">
-            <a:normAutofit/>
-          </a:bodyPr>
+          <a:bodyPr anchor="b"/>
           <a:lstStyle>
-            <a:lvl1pPr algn="l">
-              <a:defRPr sz="3600" b="0" cap="all"/>
+            <a:lvl1pPr>
+              <a:defRPr sz="6000"/>
             </a:lvl1pPr>
           </a:lstStyle>
           <a:p>
@@ -4772,13 +2904,18 @@
               <a:rPr lang="ru-RU"/>
               <a:t>Образец заголовка</a:t>
             </a:r>
-            <a:endParaRPr lang="en-US" dirty="0"/>
           </a:p>
         </p:txBody>
       </p:sp>
       <p:sp>
         <p:nvSpPr>
-          <p:cNvPr id="3" name="Text Placeholder 2"/>
+          <p:cNvPr id="3" name="Текст 2">
+            <a:extLst>
+              <a:ext uri="{FF2B5EF4-FFF2-40B4-BE49-F238E27FC236}">
+                <a16:creationId xmlns:a16="http://schemas.microsoft.com/office/drawing/2014/main" id="{A07A070E-C3C0-C30C-ABE4-FBDCE7FD55A5}"/>
+              </a:ext>
+            </a:extLst>
+          </p:cNvPr>
           <p:cNvSpPr>
             <a:spLocks noGrp="1"/>
           </p:cNvSpPr>
@@ -4788,28 +2925,26 @@
         </p:nvSpPr>
         <p:spPr>
           <a:xfrm>
-            <a:off x="684213" y="4495800"/>
-            <a:ext cx="8534400" cy="1498600"/>
+            <a:off x="831850" y="4589463"/>
+            <a:ext cx="10515600" cy="1500187"/>
           </a:xfrm>
         </p:spPr>
         <p:txBody>
-          <a:bodyPr anchor="t">
-            <a:normAutofit/>
-          </a:bodyPr>
+          <a:bodyPr/>
           <a:lstStyle>
-            <a:lvl1pPr marL="0" indent="0" algn="l">
+            <a:lvl1pPr marL="0" indent="0">
               <a:buNone/>
-              <a:defRPr sz="1800">
-                <a:solidFill>
-                  <a:schemeClr val="bg2">
-                    <a:lumMod val="75000"/>
+              <a:defRPr sz="2400">
+                <a:solidFill>
+                  <a:schemeClr val="tx1">
+                    <a:tint val="75000"/>
                   </a:schemeClr>
                 </a:solidFill>
               </a:defRPr>
             </a:lvl1pPr>
             <a:lvl2pPr marL="457200" indent="0">
               <a:buNone/>
-              <a:defRPr sz="1800">
+              <a:defRPr sz="2000">
                 <a:solidFill>
                   <a:schemeClr val="tx1">
                     <a:tint val="75000"/>
@@ -4819,7 +2954,7 @@
             </a:lvl2pPr>
             <a:lvl3pPr marL="914400" indent="0">
               <a:buNone/>
-              <a:defRPr sz="1600">
+              <a:defRPr sz="1800">
                 <a:solidFill>
                   <a:schemeClr val="tx1">
                     <a:tint val="75000"/>
@@ -4829,7 +2964,7 @@
             </a:lvl3pPr>
             <a:lvl4pPr marL="1371600" indent="0">
               <a:buNone/>
-              <a:defRPr sz="1400">
+              <a:defRPr sz="1600">
                 <a:solidFill>
                   <a:schemeClr val="tx1">
                     <a:tint val="75000"/>
@@ -4839,7 +2974,7 @@
             </a:lvl4pPr>
             <a:lvl5pPr marL="1828800" indent="0">
               <a:buNone/>
-              <a:defRPr sz="1400">
+              <a:defRPr sz="1600">
                 <a:solidFill>
                   <a:schemeClr val="tx1">
                     <a:tint val="75000"/>
@@ -4849,7 +2984,7 @@
             </a:lvl5pPr>
             <a:lvl6pPr marL="2286000" indent="0">
               <a:buNone/>
-              <a:defRPr sz="1400">
+              <a:defRPr sz="1600">
                 <a:solidFill>
                   <a:schemeClr val="tx1">
                     <a:tint val="75000"/>
@@ -4859,7 +2994,7 @@
             </a:lvl6pPr>
             <a:lvl7pPr marL="2743200" indent="0">
               <a:buNone/>
-              <a:defRPr sz="1400">
+              <a:defRPr sz="1600">
                 <a:solidFill>
                   <a:schemeClr val="tx1">
                     <a:tint val="75000"/>
@@ -4869,7 +3004,7 @@
             </a:lvl7pPr>
             <a:lvl8pPr marL="3200400" indent="0">
               <a:buNone/>
-              <a:defRPr sz="1400">
+              <a:defRPr sz="1600">
                 <a:solidFill>
                   <a:schemeClr val="tx1">
                     <a:tint val="75000"/>
@@ -4879,7 +3014,7 @@
             </a:lvl8pPr>
             <a:lvl9pPr marL="3657600" indent="0">
               <a:buNone/>
-              <a:defRPr sz="1400">
+              <a:defRPr sz="1600">
                 <a:solidFill>
                   <a:schemeClr val="tx1">
                     <a:tint val="75000"/>
@@ -4899,7 +3034,13 @@
       </p:sp>
       <p:sp>
         <p:nvSpPr>
-          <p:cNvPr id="4" name="Date Placeholder 3"/>
+          <p:cNvPr id="4" name="Дата 3">
+            <a:extLst>
+              <a:ext uri="{FF2B5EF4-FFF2-40B4-BE49-F238E27FC236}">
+                <a16:creationId xmlns:a16="http://schemas.microsoft.com/office/drawing/2014/main" id="{5DDBCBEC-A437-481D-901F-710CDEFB00A0}"/>
+              </a:ext>
+            </a:extLst>
+          </p:cNvPr>
           <p:cNvSpPr>
             <a:spLocks noGrp="1"/>
           </p:cNvSpPr>
@@ -4913,7 +3054,7 @@
           <a:lstStyle/>
           <a:p>
             <a:fld id="{B61BEF0D-F0BB-DE4B-95CE-6DB70DBA9567}" type="datetimeFigureOut">
-              <a:rPr lang="en-US" dirty="0"/>
+              <a:rPr lang="en-US" smtClean="0"/>
               <a:pPr/>
               <a:t>6/18/2022</a:t>
             </a:fld>
@@ -4923,7 +3064,13 @@
       </p:sp>
       <p:sp>
         <p:nvSpPr>
-          <p:cNvPr id="5" name="Footer Placeholder 4"/>
+          <p:cNvPr id="5" name="Нижний колонтитул 4">
+            <a:extLst>
+              <a:ext uri="{FF2B5EF4-FFF2-40B4-BE49-F238E27FC236}">
+                <a16:creationId xmlns:a16="http://schemas.microsoft.com/office/drawing/2014/main" id="{AD8720B4-9EB4-963C-E85C-152CD3124024}"/>
+              </a:ext>
+            </a:extLst>
+          </p:cNvPr>
           <p:cNvSpPr>
             <a:spLocks noGrp="1"/>
           </p:cNvSpPr>
@@ -4942,7 +3089,13 @@
       </p:sp>
       <p:sp>
         <p:nvSpPr>
-          <p:cNvPr id="6" name="Slide Number Placeholder 5"/>
+          <p:cNvPr id="6" name="Номер слайда 5">
+            <a:extLst>
+              <a:ext uri="{FF2B5EF4-FFF2-40B4-BE49-F238E27FC236}">
+                <a16:creationId xmlns:a16="http://schemas.microsoft.com/office/drawing/2014/main" id="{813D17B1-3B97-9474-8D46-8C26A03D922A}"/>
+              </a:ext>
+            </a:extLst>
+          </p:cNvPr>
           <p:cNvSpPr>
             <a:spLocks noGrp="1"/>
           </p:cNvSpPr>
@@ -4956,7 +3109,7 @@
           <a:lstStyle/>
           <a:p>
             <a:fld id="{D57F1E4F-1CFF-5643-939E-217C01CDF565}" type="slidenum">
-              <a:rPr lang="en-US" dirty="0"/>
+              <a:rPr lang="en-US" smtClean="0"/>
               <a:pPr/>
               <a:t>‹#›</a:t>
             </a:fld>
@@ -4965,6 +3118,11 @@
         </p:txBody>
       </p:sp>
     </p:spTree>
+    <p:extLst>
+      <p:ext uri="{BB962C8B-B14F-4D97-AF65-F5344CB8AC3E}">
+        <p14:creationId xmlns:p14="http://schemas.microsoft.com/office/powerpoint/2010/main" val="4011150201"/>
+      </p:ext>
+    </p:extLst>
   </p:cSld>
   <p:clrMapOvr>
     <a:masterClrMapping/>
@@ -4991,7 +3149,13 @@
       </p:grpSpPr>
       <p:sp>
         <p:nvSpPr>
-          <p:cNvPr id="2" name="Title 1"/>
+          <p:cNvPr id="2" name="Заголовок 1">
+            <a:extLst>
+              <a:ext uri="{FF2B5EF4-FFF2-40B4-BE49-F238E27FC236}">
+                <a16:creationId xmlns:a16="http://schemas.microsoft.com/office/drawing/2014/main" id="{2CCE31BF-D4BB-A84F-13B0-C1A7511F1BBD}"/>
+              </a:ext>
+            </a:extLst>
+          </p:cNvPr>
           <p:cNvSpPr>
             <a:spLocks noGrp="1"/>
           </p:cNvSpPr>
@@ -5008,13 +3172,18 @@
               <a:rPr lang="ru-RU"/>
               <a:t>Образец заголовка</a:t>
             </a:r>
-            <a:endParaRPr lang="en-US" dirty="0"/>
           </a:p>
         </p:txBody>
       </p:sp>
       <p:sp>
         <p:nvSpPr>
-          <p:cNvPr id="3" name="Content Placeholder 2"/>
+          <p:cNvPr id="3" name="Объект 2">
+            <a:extLst>
+              <a:ext uri="{FF2B5EF4-FFF2-40B4-BE49-F238E27FC236}">
+                <a16:creationId xmlns:a16="http://schemas.microsoft.com/office/drawing/2014/main" id="{9987E1B2-9606-60BA-7C0A-1AB16BAA3FAF}"/>
+              </a:ext>
+            </a:extLst>
+          </p:cNvPr>
           <p:cNvSpPr>
             <a:spLocks noGrp="1"/>
           </p:cNvSpPr>
@@ -5024,14 +3193,12 @@
         </p:nvSpPr>
         <p:spPr>
           <a:xfrm>
-            <a:off x="684211" y="685800"/>
-            <a:ext cx="4937655" cy="3615267"/>
+            <a:off x="838200" y="1825625"/>
+            <a:ext cx="5181600" cy="4351338"/>
           </a:xfrm>
         </p:spPr>
         <p:txBody>
-          <a:bodyPr>
-            <a:normAutofit/>
-          </a:bodyPr>
+          <a:bodyPr/>
           <a:lstStyle/>
           <a:p>
             <a:pPr lvl="0"/>
@@ -5067,13 +3234,18 @@
               <a:rPr lang="ru-RU"/>
               <a:t>Пятый уровень</a:t>
             </a:r>
-            <a:endParaRPr lang="en-US" dirty="0"/>
           </a:p>
         </p:txBody>
       </p:sp>
       <p:sp>
         <p:nvSpPr>
-          <p:cNvPr id="4" name="Content Placeholder 3"/>
+          <p:cNvPr id="4" name="Объект 3">
+            <a:extLst>
+              <a:ext uri="{FF2B5EF4-FFF2-40B4-BE49-F238E27FC236}">
+                <a16:creationId xmlns:a16="http://schemas.microsoft.com/office/drawing/2014/main" id="{BAA36D47-1CB2-0840-910C-C2594BC5BE9E}"/>
+              </a:ext>
+            </a:extLst>
+          </p:cNvPr>
           <p:cNvSpPr>
             <a:spLocks noGrp="1"/>
           </p:cNvSpPr>
@@ -5083,14 +3255,12 @@
         </p:nvSpPr>
         <p:spPr>
           <a:xfrm>
-            <a:off x="5808133" y="685801"/>
-            <a:ext cx="4934479" cy="3615266"/>
+            <a:off x="6172200" y="1825625"/>
+            <a:ext cx="5181600" cy="4351338"/>
           </a:xfrm>
         </p:spPr>
         <p:txBody>
-          <a:bodyPr>
-            <a:normAutofit/>
-          </a:bodyPr>
+          <a:bodyPr/>
           <a:lstStyle/>
           <a:p>
             <a:pPr lvl="0"/>
@@ -5126,13 +3296,18 @@
               <a:rPr lang="ru-RU"/>
               <a:t>Пятый уровень</a:t>
             </a:r>
-            <a:endParaRPr lang="en-US" dirty="0"/>
           </a:p>
         </p:txBody>
       </p:sp>
       <p:sp>
         <p:nvSpPr>
-          <p:cNvPr id="5" name="Date Placeholder 4"/>
+          <p:cNvPr id="5" name="Дата 4">
+            <a:extLst>
+              <a:ext uri="{FF2B5EF4-FFF2-40B4-BE49-F238E27FC236}">
+                <a16:creationId xmlns:a16="http://schemas.microsoft.com/office/drawing/2014/main" id="{5BAB1277-AAD8-2AC2-14EA-AD9EAC0B7090}"/>
+              </a:ext>
+            </a:extLst>
+          </p:cNvPr>
           <p:cNvSpPr>
             <a:spLocks noGrp="1"/>
           </p:cNvSpPr>
@@ -5146,7 +3321,7 @@
           <a:lstStyle/>
           <a:p>
             <a:fld id="{B61BEF0D-F0BB-DE4B-95CE-6DB70DBA9567}" type="datetimeFigureOut">
-              <a:rPr lang="en-US" dirty="0"/>
+              <a:rPr lang="en-US" smtClean="0"/>
               <a:pPr/>
               <a:t>6/18/2022</a:t>
             </a:fld>
@@ -5156,7 +3331,13 @@
       </p:sp>
       <p:sp>
         <p:nvSpPr>
-          <p:cNvPr id="6" name="Footer Placeholder 5"/>
+          <p:cNvPr id="6" name="Нижний колонтитул 5">
+            <a:extLst>
+              <a:ext uri="{FF2B5EF4-FFF2-40B4-BE49-F238E27FC236}">
+                <a16:creationId xmlns:a16="http://schemas.microsoft.com/office/drawing/2014/main" id="{194F539E-129D-72B4-8598-1906DA607EDC}"/>
+              </a:ext>
+            </a:extLst>
+          </p:cNvPr>
           <p:cNvSpPr>
             <a:spLocks noGrp="1"/>
           </p:cNvSpPr>
@@ -5175,7 +3356,13 @@
       </p:sp>
       <p:sp>
         <p:nvSpPr>
-          <p:cNvPr id="7" name="Slide Number Placeholder 6"/>
+          <p:cNvPr id="7" name="Номер слайда 6">
+            <a:extLst>
+              <a:ext uri="{FF2B5EF4-FFF2-40B4-BE49-F238E27FC236}">
+                <a16:creationId xmlns:a16="http://schemas.microsoft.com/office/drawing/2014/main" id="{61194D87-5CD5-01A8-72F8-E1E0BFFFA4C5}"/>
+              </a:ext>
+            </a:extLst>
+          </p:cNvPr>
           <p:cNvSpPr>
             <a:spLocks noGrp="1"/>
           </p:cNvSpPr>
@@ -5189,7 +3376,7 @@
           <a:lstStyle/>
           <a:p>
             <a:fld id="{D57F1E4F-1CFF-5643-939E-217C01CDF565}" type="slidenum">
-              <a:rPr lang="en-US" dirty="0"/>
+              <a:rPr lang="en-US" smtClean="0"/>
               <a:pPr/>
               <a:t>‹#›</a:t>
             </a:fld>
@@ -5198,6 +3385,11 @@
         </p:txBody>
       </p:sp>
     </p:spTree>
+    <p:extLst>
+      <p:ext uri="{BB962C8B-B14F-4D97-AF65-F5344CB8AC3E}">
+        <p14:creationId xmlns:p14="http://schemas.microsoft.com/office/powerpoint/2010/main" val="1096287551"/>
+      </p:ext>
+    </p:extLst>
   </p:cSld>
   <p:clrMapOvr>
     <a:masterClrMapping/>
@@ -5224,7 +3416,13 @@
       </p:grpSpPr>
       <p:sp>
         <p:nvSpPr>
-          <p:cNvPr id="2" name="Title 1"/>
+          <p:cNvPr id="2" name="Заголовок 1">
+            <a:extLst>
+              <a:ext uri="{FF2B5EF4-FFF2-40B4-BE49-F238E27FC236}">
+                <a16:creationId xmlns:a16="http://schemas.microsoft.com/office/drawing/2014/main" id="{3D85C317-F34B-A9E0-F51D-567D245AEC66}"/>
+              </a:ext>
+            </a:extLst>
+          </p:cNvPr>
           <p:cNvSpPr>
             <a:spLocks noGrp="1"/>
           </p:cNvSpPr>
@@ -5232,26 +3430,32 @@
             <p:ph type="title"/>
           </p:nvPr>
         </p:nvSpPr>
-        <p:spPr/>
+        <p:spPr>
+          <a:xfrm>
+            <a:off x="839788" y="365125"/>
+            <a:ext cx="10515600" cy="1325563"/>
+          </a:xfrm>
+        </p:spPr>
         <p:txBody>
           <a:bodyPr/>
-          <a:lstStyle>
-            <a:lvl1pPr>
-              <a:defRPr/>
-            </a:lvl1pPr>
-          </a:lstStyle>
+          <a:lstStyle/>
           <a:p>
             <a:r>
               <a:rPr lang="ru-RU"/>
               <a:t>Образец заголовка</a:t>
             </a:r>
-            <a:endParaRPr lang="en-US" dirty="0"/>
           </a:p>
         </p:txBody>
       </p:sp>
       <p:sp>
         <p:nvSpPr>
-          <p:cNvPr id="3" name="Text Placeholder 2"/>
+          <p:cNvPr id="3" name="Текст 2">
+            <a:extLst>
+              <a:ext uri="{FF2B5EF4-FFF2-40B4-BE49-F238E27FC236}">
+                <a16:creationId xmlns:a16="http://schemas.microsoft.com/office/drawing/2014/main" id="{8DD33C88-C05E-1C2C-8AD5-D6DBCCA3F0F2}"/>
+              </a:ext>
+            </a:extLst>
+          </p:cNvPr>
           <p:cNvSpPr>
             <a:spLocks noGrp="1"/>
           </p:cNvSpPr>
@@ -5261,22 +3465,16 @@
         </p:nvSpPr>
         <p:spPr>
           <a:xfrm>
-            <a:off x="972080" y="685800"/>
-            <a:ext cx="4649787" cy="576262"/>
+            <a:off x="839788" y="1681163"/>
+            <a:ext cx="5157787" cy="823912"/>
           </a:xfrm>
         </p:spPr>
         <p:txBody>
-          <a:bodyPr anchor="b">
-            <a:noAutofit/>
-          </a:bodyPr>
+          <a:bodyPr anchor="b"/>
           <a:lstStyle>
             <a:lvl1pPr marL="0" indent="0">
               <a:buNone/>
-              <a:defRPr sz="2800" b="0">
-                <a:solidFill>
-                  <a:schemeClr val="tx1"/>
-                </a:solidFill>
-              </a:defRPr>
+              <a:defRPr sz="2400" b="1"/>
             </a:lvl1pPr>
             <a:lvl2pPr marL="457200" indent="0">
               <a:buNone/>
@@ -5322,7 +3520,13 @@
       </p:sp>
       <p:sp>
         <p:nvSpPr>
-          <p:cNvPr id="4" name="Content Placeholder 3"/>
+          <p:cNvPr id="4" name="Объект 3">
+            <a:extLst>
+              <a:ext uri="{FF2B5EF4-FFF2-40B4-BE49-F238E27FC236}">
+                <a16:creationId xmlns:a16="http://schemas.microsoft.com/office/drawing/2014/main" id="{2FDFB8CC-CB97-06E0-C517-FDF37DBB7617}"/>
+              </a:ext>
+            </a:extLst>
+          </p:cNvPr>
           <p:cNvSpPr>
             <a:spLocks noGrp="1"/>
           </p:cNvSpPr>
@@ -5332,14 +3536,12 @@
         </p:nvSpPr>
         <p:spPr>
           <a:xfrm>
-            <a:off x="684211" y="1270529"/>
-            <a:ext cx="4937655" cy="3030538"/>
+            <a:off x="839788" y="2505075"/>
+            <a:ext cx="5157787" cy="3684588"/>
           </a:xfrm>
         </p:spPr>
         <p:txBody>
-          <a:bodyPr anchor="t">
-            <a:normAutofit/>
-          </a:bodyPr>
+          <a:bodyPr/>
           <a:lstStyle/>
           <a:p>
             <a:pPr lvl="0"/>
@@ -5375,13 +3577,18 @@
               <a:rPr lang="ru-RU"/>
               <a:t>Пятый уровень</a:t>
             </a:r>
-            <a:endParaRPr lang="en-US" dirty="0"/>
           </a:p>
         </p:txBody>
       </p:sp>
       <p:sp>
         <p:nvSpPr>
-          <p:cNvPr id="5" name="Text Placeholder 4"/>
+          <p:cNvPr id="5" name="Текст 4">
+            <a:extLst>
+              <a:ext uri="{FF2B5EF4-FFF2-40B4-BE49-F238E27FC236}">
+                <a16:creationId xmlns:a16="http://schemas.microsoft.com/office/drawing/2014/main" id="{7A9DE036-4E27-2BEB-802E-329CC9A48C41}"/>
+              </a:ext>
+            </a:extLst>
+          </p:cNvPr>
           <p:cNvSpPr>
             <a:spLocks noGrp="1"/>
           </p:cNvSpPr>
@@ -5391,22 +3598,16 @@
         </p:nvSpPr>
         <p:spPr>
           <a:xfrm>
-            <a:off x="6079066" y="685800"/>
-            <a:ext cx="4665134" cy="576262"/>
+            <a:off x="6172200" y="1681163"/>
+            <a:ext cx="5183188" cy="823912"/>
           </a:xfrm>
         </p:spPr>
         <p:txBody>
-          <a:bodyPr anchor="b">
-            <a:noAutofit/>
-          </a:bodyPr>
+          <a:bodyPr anchor="b"/>
           <a:lstStyle>
             <a:lvl1pPr marL="0" indent="0">
               <a:buNone/>
-              <a:defRPr sz="2800" b="0">
-                <a:solidFill>
-                  <a:schemeClr val="tx1"/>
-                </a:solidFill>
-              </a:defRPr>
+              <a:defRPr sz="2400" b="1"/>
             </a:lvl1pPr>
             <a:lvl2pPr marL="457200" indent="0">
               <a:buNone/>
@@ -5452,7 +3653,13 @@
       </p:sp>
       <p:sp>
         <p:nvSpPr>
-          <p:cNvPr id="6" name="Content Placeholder 5"/>
+          <p:cNvPr id="6" name="Объект 5">
+            <a:extLst>
+              <a:ext uri="{FF2B5EF4-FFF2-40B4-BE49-F238E27FC236}">
+                <a16:creationId xmlns:a16="http://schemas.microsoft.com/office/drawing/2014/main" id="{CF41A527-C760-8EF7-19E8-A7E449034B50}"/>
+              </a:ext>
+            </a:extLst>
+          </p:cNvPr>
           <p:cNvSpPr>
             <a:spLocks noGrp="1"/>
           </p:cNvSpPr>
@@ -5462,14 +3669,12 @@
         </p:nvSpPr>
         <p:spPr>
           <a:xfrm>
-            <a:off x="5806545" y="1262062"/>
-            <a:ext cx="4929188" cy="3030538"/>
+            <a:off x="6172200" y="2505075"/>
+            <a:ext cx="5183188" cy="3684588"/>
           </a:xfrm>
         </p:spPr>
         <p:txBody>
-          <a:bodyPr anchor="t">
-            <a:normAutofit/>
-          </a:bodyPr>
+          <a:bodyPr/>
           <a:lstStyle/>
           <a:p>
             <a:pPr lvl="0"/>
@@ -5505,13 +3710,18 @@
               <a:rPr lang="ru-RU"/>
               <a:t>Пятый уровень</a:t>
             </a:r>
-            <a:endParaRPr lang="en-US" dirty="0"/>
           </a:p>
         </p:txBody>
       </p:sp>
       <p:sp>
         <p:nvSpPr>
-          <p:cNvPr id="7" name="Date Placeholder 6"/>
+          <p:cNvPr id="7" name="Дата 6">
+            <a:extLst>
+              <a:ext uri="{FF2B5EF4-FFF2-40B4-BE49-F238E27FC236}">
+                <a16:creationId xmlns:a16="http://schemas.microsoft.com/office/drawing/2014/main" id="{F15D9383-13BC-D458-FD7E-4F8048787D06}"/>
+              </a:ext>
+            </a:extLst>
+          </p:cNvPr>
           <p:cNvSpPr>
             <a:spLocks noGrp="1"/>
           </p:cNvSpPr>
@@ -5525,7 +3735,7 @@
           <a:lstStyle/>
           <a:p>
             <a:fld id="{B61BEF0D-F0BB-DE4B-95CE-6DB70DBA9567}" type="datetimeFigureOut">
-              <a:rPr lang="en-US" dirty="0"/>
+              <a:rPr lang="en-US" smtClean="0"/>
               <a:pPr/>
               <a:t>6/18/2022</a:t>
             </a:fld>
@@ -5535,7 +3745,13 @@
       </p:sp>
       <p:sp>
         <p:nvSpPr>
-          <p:cNvPr id="8" name="Footer Placeholder 7"/>
+          <p:cNvPr id="8" name="Нижний колонтитул 7">
+            <a:extLst>
+              <a:ext uri="{FF2B5EF4-FFF2-40B4-BE49-F238E27FC236}">
+                <a16:creationId xmlns:a16="http://schemas.microsoft.com/office/drawing/2014/main" id="{5C1C10C7-84DE-36F0-D3D9-C9B2AD8DF0CC}"/>
+              </a:ext>
+            </a:extLst>
+          </p:cNvPr>
           <p:cNvSpPr>
             <a:spLocks noGrp="1"/>
           </p:cNvSpPr>
@@ -5554,7 +3770,13 @@
       </p:sp>
       <p:sp>
         <p:nvSpPr>
-          <p:cNvPr id="9" name="Slide Number Placeholder 8"/>
+          <p:cNvPr id="9" name="Номер слайда 8">
+            <a:extLst>
+              <a:ext uri="{FF2B5EF4-FFF2-40B4-BE49-F238E27FC236}">
+                <a16:creationId xmlns:a16="http://schemas.microsoft.com/office/drawing/2014/main" id="{422E8D4F-DBD4-A36A-8497-4FAC3B7D72D7}"/>
+              </a:ext>
+            </a:extLst>
+          </p:cNvPr>
           <p:cNvSpPr>
             <a:spLocks noGrp="1"/>
           </p:cNvSpPr>
@@ -5568,7 +3790,7 @@
           <a:lstStyle/>
           <a:p>
             <a:fld id="{D57F1E4F-1CFF-5643-939E-217C01CDF565}" type="slidenum">
-              <a:rPr lang="en-US" dirty="0"/>
+              <a:rPr lang="en-US" smtClean="0"/>
               <a:pPr/>
               <a:t>‹#›</a:t>
             </a:fld>
@@ -5577,6 +3799,11 @@
         </p:txBody>
       </p:sp>
     </p:spTree>
+    <p:extLst>
+      <p:ext uri="{BB962C8B-B14F-4D97-AF65-F5344CB8AC3E}">
+        <p14:creationId xmlns:p14="http://schemas.microsoft.com/office/powerpoint/2010/main" val="136841922"/>
+      </p:ext>
+    </p:extLst>
   </p:cSld>
   <p:clrMapOvr>
     <a:masterClrMapping/>
@@ -5603,7 +3830,13 @@
       </p:grpSpPr>
       <p:sp>
         <p:nvSpPr>
-          <p:cNvPr id="2" name="Title 1"/>
+          <p:cNvPr id="2" name="Заголовок 1">
+            <a:extLst>
+              <a:ext uri="{FF2B5EF4-FFF2-40B4-BE49-F238E27FC236}">
+                <a16:creationId xmlns:a16="http://schemas.microsoft.com/office/drawing/2014/main" id="{DE529417-3C33-B9B6-9230-EEDC23BF73B9}"/>
+              </a:ext>
+            </a:extLst>
+          </p:cNvPr>
           <p:cNvSpPr>
             <a:spLocks noGrp="1"/>
           </p:cNvSpPr>
@@ -5620,13 +3853,18 @@
               <a:rPr lang="ru-RU"/>
               <a:t>Образец заголовка</a:t>
             </a:r>
-            <a:endParaRPr lang="en-US" dirty="0"/>
           </a:p>
         </p:txBody>
       </p:sp>
       <p:sp>
         <p:nvSpPr>
-          <p:cNvPr id="3" name="Date Placeholder 2"/>
+          <p:cNvPr id="3" name="Дата 2">
+            <a:extLst>
+              <a:ext uri="{FF2B5EF4-FFF2-40B4-BE49-F238E27FC236}">
+                <a16:creationId xmlns:a16="http://schemas.microsoft.com/office/drawing/2014/main" id="{37B60FCF-4A32-E814-8A26-23EBF1E9A7C4}"/>
+              </a:ext>
+            </a:extLst>
+          </p:cNvPr>
           <p:cNvSpPr>
             <a:spLocks noGrp="1"/>
           </p:cNvSpPr>
@@ -5640,7 +3878,7 @@
           <a:lstStyle/>
           <a:p>
             <a:fld id="{B61BEF0D-F0BB-DE4B-95CE-6DB70DBA9567}" type="datetimeFigureOut">
-              <a:rPr lang="en-US" dirty="0"/>
+              <a:rPr lang="en-US" smtClean="0"/>
               <a:pPr/>
               <a:t>6/18/2022</a:t>
             </a:fld>
@@ -5650,7 +3888,13 @@
       </p:sp>
       <p:sp>
         <p:nvSpPr>
-          <p:cNvPr id="4" name="Footer Placeholder 3"/>
+          <p:cNvPr id="4" name="Нижний колонтитул 3">
+            <a:extLst>
+              <a:ext uri="{FF2B5EF4-FFF2-40B4-BE49-F238E27FC236}">
+                <a16:creationId xmlns:a16="http://schemas.microsoft.com/office/drawing/2014/main" id="{9FEB25F2-99E7-7021-A4C9-961231136F01}"/>
+              </a:ext>
+            </a:extLst>
+          </p:cNvPr>
           <p:cNvSpPr>
             <a:spLocks noGrp="1"/>
           </p:cNvSpPr>
@@ -5669,7 +3913,13 @@
       </p:sp>
       <p:sp>
         <p:nvSpPr>
-          <p:cNvPr id="5" name="Slide Number Placeholder 4"/>
+          <p:cNvPr id="5" name="Номер слайда 4">
+            <a:extLst>
+              <a:ext uri="{FF2B5EF4-FFF2-40B4-BE49-F238E27FC236}">
+                <a16:creationId xmlns:a16="http://schemas.microsoft.com/office/drawing/2014/main" id="{F96513D4-B0AB-720E-3950-9F2A4F68B24B}"/>
+              </a:ext>
+            </a:extLst>
+          </p:cNvPr>
           <p:cNvSpPr>
             <a:spLocks noGrp="1"/>
           </p:cNvSpPr>
@@ -5683,7 +3933,7 @@
           <a:lstStyle/>
           <a:p>
             <a:fld id="{D57F1E4F-1CFF-5643-939E-217C01CDF565}" type="slidenum">
-              <a:rPr lang="en-US" dirty="0"/>
+              <a:rPr lang="en-US" smtClean="0"/>
               <a:pPr/>
               <a:t>‹#›</a:t>
             </a:fld>
@@ -5692,6 +3942,11 @@
         </p:txBody>
       </p:sp>
     </p:spTree>
+    <p:extLst>
+      <p:ext uri="{BB962C8B-B14F-4D97-AF65-F5344CB8AC3E}">
+        <p14:creationId xmlns:p14="http://schemas.microsoft.com/office/powerpoint/2010/main" val="437527271"/>
+      </p:ext>
+    </p:extLst>
   </p:cSld>
   <p:clrMapOvr>
     <a:masterClrMapping/>
@@ -5718,7 +3973,13 @@
       </p:grpSpPr>
       <p:sp>
         <p:nvSpPr>
-          <p:cNvPr id="2" name="Date Placeholder 1"/>
+          <p:cNvPr id="2" name="Дата 1">
+            <a:extLst>
+              <a:ext uri="{FF2B5EF4-FFF2-40B4-BE49-F238E27FC236}">
+                <a16:creationId xmlns:a16="http://schemas.microsoft.com/office/drawing/2014/main" id="{1BAB557F-A76E-D591-FADE-3432E47F2F7D}"/>
+              </a:ext>
+            </a:extLst>
+          </p:cNvPr>
           <p:cNvSpPr>
             <a:spLocks noGrp="1"/>
           </p:cNvSpPr>
@@ -5732,7 +3993,7 @@
           <a:lstStyle/>
           <a:p>
             <a:fld id="{B61BEF0D-F0BB-DE4B-95CE-6DB70DBA9567}" type="datetimeFigureOut">
-              <a:rPr lang="en-US" dirty="0"/>
+              <a:rPr lang="en-US" smtClean="0"/>
               <a:pPr/>
               <a:t>6/18/2022</a:t>
             </a:fld>
@@ -5742,7 +4003,13 @@
       </p:sp>
       <p:sp>
         <p:nvSpPr>
-          <p:cNvPr id="3" name="Footer Placeholder 2"/>
+          <p:cNvPr id="3" name="Нижний колонтитул 2">
+            <a:extLst>
+              <a:ext uri="{FF2B5EF4-FFF2-40B4-BE49-F238E27FC236}">
+                <a16:creationId xmlns:a16="http://schemas.microsoft.com/office/drawing/2014/main" id="{12A5668C-6AE3-7FA5-DA1D-AE6CD9AD73F9}"/>
+              </a:ext>
+            </a:extLst>
+          </p:cNvPr>
           <p:cNvSpPr>
             <a:spLocks noGrp="1"/>
           </p:cNvSpPr>
@@ -5761,7 +4028,13 @@
       </p:sp>
       <p:sp>
         <p:nvSpPr>
-          <p:cNvPr id="4" name="Slide Number Placeholder 3"/>
+          <p:cNvPr id="4" name="Номер слайда 3">
+            <a:extLst>
+              <a:ext uri="{FF2B5EF4-FFF2-40B4-BE49-F238E27FC236}">
+                <a16:creationId xmlns:a16="http://schemas.microsoft.com/office/drawing/2014/main" id="{C5F50BD8-F838-3668-2B89-4DE975E42B56}"/>
+              </a:ext>
+            </a:extLst>
+          </p:cNvPr>
           <p:cNvSpPr>
             <a:spLocks noGrp="1"/>
           </p:cNvSpPr>
@@ -5775,7 +4048,7 @@
           <a:lstStyle/>
           <a:p>
             <a:fld id="{D57F1E4F-1CFF-5643-939E-217C01CDF565}" type="slidenum">
-              <a:rPr lang="en-US" dirty="0"/>
+              <a:rPr lang="en-US" smtClean="0"/>
               <a:pPr/>
               <a:t>‹#›</a:t>
             </a:fld>
@@ -5784,6 +4057,11 @@
         </p:txBody>
       </p:sp>
     </p:spTree>
+    <p:extLst>
+      <p:ext uri="{BB962C8B-B14F-4D97-AF65-F5344CB8AC3E}">
+        <p14:creationId xmlns:p14="http://schemas.microsoft.com/office/powerpoint/2010/main" val="1816809127"/>
+      </p:ext>
+    </p:extLst>
   </p:cSld>
   <p:clrMapOvr>
     <a:masterClrMapping/>
@@ -5810,7 +4088,13 @@
       </p:grpSpPr>
       <p:sp>
         <p:nvSpPr>
-          <p:cNvPr id="2" name="Title 1"/>
+          <p:cNvPr id="2" name="Заголовок 1">
+            <a:extLst>
+              <a:ext uri="{FF2B5EF4-FFF2-40B4-BE49-F238E27FC236}">
+                <a16:creationId xmlns:a16="http://schemas.microsoft.com/office/drawing/2014/main" id="{79D4C362-88F0-57A2-5A6D-5B8B80E3B1C5}"/>
+              </a:ext>
+            </a:extLst>
+          </p:cNvPr>
           <p:cNvSpPr>
             <a:spLocks noGrp="1"/>
           </p:cNvSpPr>
@@ -5820,17 +4104,15 @@
         </p:nvSpPr>
         <p:spPr>
           <a:xfrm>
-            <a:off x="7085012" y="685800"/>
-            <a:ext cx="3657600" cy="1371600"/>
+            <a:off x="839788" y="457200"/>
+            <a:ext cx="3932237" cy="1600200"/>
           </a:xfrm>
         </p:spPr>
         <p:txBody>
-          <a:bodyPr anchor="b">
-            <a:normAutofit/>
-          </a:bodyPr>
+          <a:bodyPr anchor="b"/>
           <a:lstStyle>
-            <a:lvl1pPr algn="l">
-              <a:defRPr sz="2400" b="0"/>
+            <a:lvl1pPr>
+              <a:defRPr sz="3200"/>
             </a:lvl1pPr>
           </a:lstStyle>
           <a:p>
@@ -5838,13 +4120,18 @@
               <a:rPr lang="ru-RU"/>
               <a:t>Образец заголовка</a:t>
             </a:r>
-            <a:endParaRPr lang="en-US" dirty="0"/>
           </a:p>
         </p:txBody>
       </p:sp>
       <p:sp>
         <p:nvSpPr>
-          <p:cNvPr id="3" name="Content Placeholder 2"/>
+          <p:cNvPr id="3" name="Объект 2">
+            <a:extLst>
+              <a:ext uri="{FF2B5EF4-FFF2-40B4-BE49-F238E27FC236}">
+                <a16:creationId xmlns:a16="http://schemas.microsoft.com/office/drawing/2014/main" id="{987B3BAB-FBC1-0F86-F889-9C0FC4B93E1F}"/>
+              </a:ext>
+            </a:extLst>
+          </p:cNvPr>
           <p:cNvSpPr>
             <a:spLocks noGrp="1"/>
           </p:cNvSpPr>
@@ -5854,15 +4141,41 @@
         </p:nvSpPr>
         <p:spPr>
           <a:xfrm>
-            <a:off x="684212" y="685800"/>
-            <a:ext cx="5943601" cy="5308600"/>
+            <a:off x="5183188" y="987425"/>
+            <a:ext cx="6172200" cy="4873625"/>
           </a:xfrm>
         </p:spPr>
         <p:txBody>
-          <a:bodyPr anchor="ctr">
-            <a:normAutofit/>
-          </a:bodyPr>
-          <a:lstStyle/>
+          <a:bodyPr/>
+          <a:lstStyle>
+            <a:lvl1pPr>
+              <a:defRPr sz="3200"/>
+            </a:lvl1pPr>
+            <a:lvl2pPr>
+              <a:defRPr sz="2800"/>
+            </a:lvl2pPr>
+            <a:lvl3pPr>
+              <a:defRPr sz="2400"/>
+            </a:lvl3pPr>
+            <a:lvl4pPr>
+              <a:defRPr sz="2000"/>
+            </a:lvl4pPr>
+            <a:lvl5pPr>
+              <a:defRPr sz="2000"/>
+            </a:lvl5pPr>
+            <a:lvl6pPr>
+              <a:defRPr sz="2000"/>
+            </a:lvl6pPr>
+            <a:lvl7pPr>
+              <a:defRPr sz="2000"/>
+            </a:lvl7pPr>
+            <a:lvl8pPr>
+              <a:defRPr sz="2000"/>
+            </a:lvl8pPr>
+            <a:lvl9pPr>
+              <a:defRPr sz="2000"/>
+            </a:lvl9pPr>
+          </a:lstStyle>
           <a:p>
             <a:pPr lvl="0"/>
             <a:r>
@@ -5897,13 +4210,18 @@
               <a:rPr lang="ru-RU"/>
               <a:t>Пятый уровень</a:t>
             </a:r>
-            <a:endParaRPr lang="en-US" dirty="0"/>
           </a:p>
         </p:txBody>
       </p:sp>
       <p:sp>
         <p:nvSpPr>
-          <p:cNvPr id="4" name="Text Placeholder 3"/>
+          <p:cNvPr id="4" name="Текст 3">
+            <a:extLst>
+              <a:ext uri="{FF2B5EF4-FFF2-40B4-BE49-F238E27FC236}">
+                <a16:creationId xmlns:a16="http://schemas.microsoft.com/office/drawing/2014/main" id="{FF34211D-6529-BBCB-14EC-DD2A429DEF7B}"/>
+              </a:ext>
+            </a:extLst>
+          </p:cNvPr>
           <p:cNvSpPr>
             <a:spLocks noGrp="1"/>
           </p:cNvSpPr>
@@ -5913,14 +4231,12 @@
         </p:nvSpPr>
         <p:spPr>
           <a:xfrm>
-            <a:off x="7085012" y="2209799"/>
-            <a:ext cx="3657600" cy="2091267"/>
+            <a:off x="839788" y="2057400"/>
+            <a:ext cx="3932237" cy="3811588"/>
           </a:xfrm>
         </p:spPr>
         <p:txBody>
-          <a:bodyPr anchor="t">
-            <a:normAutofit/>
-          </a:bodyPr>
+          <a:bodyPr/>
           <a:lstStyle>
             <a:lvl1pPr marL="0" indent="0">
               <a:buNone/>
@@ -5928,35 +4244,35 @@
             </a:lvl1pPr>
             <a:lvl2pPr marL="457200" indent="0">
               <a:buNone/>
-              <a:defRPr sz="1200"/>
+              <a:defRPr sz="1400"/>
             </a:lvl2pPr>
             <a:lvl3pPr marL="914400" indent="0">
               <a:buNone/>
-              <a:defRPr sz="1000"/>
+              <a:defRPr sz="1200"/>
             </a:lvl3pPr>
             <a:lvl4pPr marL="1371600" indent="0">
               <a:buNone/>
-              <a:defRPr sz="900"/>
+              <a:defRPr sz="1000"/>
             </a:lvl4pPr>
             <a:lvl5pPr marL="1828800" indent="0">
               <a:buNone/>
-              <a:defRPr sz="900"/>
+              <a:defRPr sz="1000"/>
             </a:lvl5pPr>
             <a:lvl6pPr marL="2286000" indent="0">
               <a:buNone/>
-              <a:defRPr sz="900"/>
+              <a:defRPr sz="1000"/>
             </a:lvl6pPr>
             <a:lvl7pPr marL="2743200" indent="0">
               <a:buNone/>
-              <a:defRPr sz="900"/>
+              <a:defRPr sz="1000"/>
             </a:lvl7pPr>
             <a:lvl8pPr marL="3200400" indent="0">
               <a:buNone/>
-              <a:defRPr sz="900"/>
+              <a:defRPr sz="1000"/>
             </a:lvl8pPr>
             <a:lvl9pPr marL="3657600" indent="0">
               <a:buNone/>
-              <a:defRPr sz="900"/>
+              <a:defRPr sz="1000"/>
             </a:lvl9pPr>
           </a:lstStyle>
           <a:p>
@@ -5970,7 +4286,13 @@
       </p:sp>
       <p:sp>
         <p:nvSpPr>
-          <p:cNvPr id="5" name="Date Placeholder 4"/>
+          <p:cNvPr id="5" name="Дата 4">
+            <a:extLst>
+              <a:ext uri="{FF2B5EF4-FFF2-40B4-BE49-F238E27FC236}">
+                <a16:creationId xmlns:a16="http://schemas.microsoft.com/office/drawing/2014/main" id="{0141B5B6-D4F3-5B2C-E868-42920674456C}"/>
+              </a:ext>
+            </a:extLst>
+          </p:cNvPr>
           <p:cNvSpPr>
             <a:spLocks noGrp="1"/>
           </p:cNvSpPr>
@@ -5984,7 +4306,7 @@
           <a:lstStyle/>
           <a:p>
             <a:fld id="{B61BEF0D-F0BB-DE4B-95CE-6DB70DBA9567}" type="datetimeFigureOut">
-              <a:rPr lang="en-US" dirty="0"/>
+              <a:rPr lang="en-US" smtClean="0"/>
               <a:pPr/>
               <a:t>6/18/2022</a:t>
             </a:fld>
@@ -5994,7 +4316,13 @@
       </p:sp>
       <p:sp>
         <p:nvSpPr>
-          <p:cNvPr id="6" name="Footer Placeholder 5"/>
+          <p:cNvPr id="6" name="Нижний колонтитул 5">
+            <a:extLst>
+              <a:ext uri="{FF2B5EF4-FFF2-40B4-BE49-F238E27FC236}">
+                <a16:creationId xmlns:a16="http://schemas.microsoft.com/office/drawing/2014/main" id="{26DC4A76-E448-B6F4-BADC-F38ED282BE54}"/>
+              </a:ext>
+            </a:extLst>
+          </p:cNvPr>
           <p:cNvSpPr>
             <a:spLocks noGrp="1"/>
           </p:cNvSpPr>
@@ -6013,7 +4341,13 @@
       </p:sp>
       <p:sp>
         <p:nvSpPr>
-          <p:cNvPr id="7" name="Slide Number Placeholder 6"/>
+          <p:cNvPr id="7" name="Номер слайда 6">
+            <a:extLst>
+              <a:ext uri="{FF2B5EF4-FFF2-40B4-BE49-F238E27FC236}">
+                <a16:creationId xmlns:a16="http://schemas.microsoft.com/office/drawing/2014/main" id="{33169D39-E19A-DB46-069D-224B9E431E3F}"/>
+              </a:ext>
+            </a:extLst>
+          </p:cNvPr>
           <p:cNvSpPr>
             <a:spLocks noGrp="1"/>
           </p:cNvSpPr>
@@ -6027,7 +4361,7 @@
           <a:lstStyle/>
           <a:p>
             <a:fld id="{D57F1E4F-1CFF-5643-939E-217C01CDF565}" type="slidenum">
-              <a:rPr lang="en-US" dirty="0"/>
+              <a:rPr lang="en-US" smtClean="0"/>
               <a:pPr/>
               <a:t>‹#›</a:t>
             </a:fld>
@@ -6036,6 +4370,11 @@
         </p:txBody>
       </p:sp>
     </p:spTree>
+    <p:extLst>
+      <p:ext uri="{BB962C8B-B14F-4D97-AF65-F5344CB8AC3E}">
+        <p14:creationId xmlns:p14="http://schemas.microsoft.com/office/powerpoint/2010/main" val="268374213"/>
+      </p:ext>
+    </p:extLst>
   </p:cSld>
   <p:clrMapOvr>
     <a:masterClrMapping/>
@@ -6062,7 +4401,13 @@
       </p:grpSpPr>
       <p:sp>
         <p:nvSpPr>
-          <p:cNvPr id="2" name="Title 1"/>
+          <p:cNvPr id="2" name="Заголовок 1">
+            <a:extLst>
+              <a:ext uri="{FF2B5EF4-FFF2-40B4-BE49-F238E27FC236}">
+                <a16:creationId xmlns:a16="http://schemas.microsoft.com/office/drawing/2014/main" id="{738B091D-E157-CB30-BF89-35E013835034}"/>
+              </a:ext>
+            </a:extLst>
+          </p:cNvPr>
           <p:cNvSpPr>
             <a:spLocks noGrp="1"/>
           </p:cNvSpPr>
@@ -6072,17 +4417,15 @@
         </p:nvSpPr>
         <p:spPr>
           <a:xfrm>
-            <a:off x="4722812" y="1447800"/>
-            <a:ext cx="6019800" cy="1143000"/>
+            <a:off x="839788" y="457200"/>
+            <a:ext cx="3932237" cy="1600200"/>
           </a:xfrm>
         </p:spPr>
         <p:txBody>
-          <a:bodyPr anchor="b">
-            <a:normAutofit/>
-          </a:bodyPr>
+          <a:bodyPr anchor="b"/>
           <a:lstStyle>
-            <a:lvl1pPr algn="l">
-              <a:defRPr sz="2800" b="0"/>
+            <a:lvl1pPr>
+              <a:defRPr sz="3200"/>
             </a:lvl1pPr>
           </a:lstStyle>
           <a:p>
@@ -6090,15 +4433,20 @@
               <a:rPr lang="ru-RU"/>
               <a:t>Образец заголовка</a:t>
             </a:r>
-            <a:endParaRPr lang="en-US" dirty="0"/>
           </a:p>
         </p:txBody>
       </p:sp>
       <p:sp>
         <p:nvSpPr>
-          <p:cNvPr id="14" name="Picture Placeholder 2"/>
+          <p:cNvPr id="3" name="Рисунок 2">
+            <a:extLst>
+              <a:ext uri="{FF2B5EF4-FFF2-40B4-BE49-F238E27FC236}">
+                <a16:creationId xmlns:a16="http://schemas.microsoft.com/office/drawing/2014/main" id="{EE1906CB-76BD-E1A1-A153-980122D94D93}"/>
+              </a:ext>
+            </a:extLst>
+          </p:cNvPr>
           <p:cNvSpPr>
-            <a:spLocks noGrp="1" noChangeAspect="1"/>
+            <a:spLocks noGrp="1"/>
           </p:cNvSpPr>
           <p:nvPr>
             <p:ph type="pic" idx="1"/>
@@ -6106,84 +4454,64 @@
         </p:nvSpPr>
         <p:spPr>
           <a:xfrm>
-            <a:off x="989012" y="914400"/>
-            <a:ext cx="3280974" cy="4572000"/>
+            <a:off x="5183188" y="987425"/>
+            <a:ext cx="6172200" cy="4873625"/>
           </a:xfrm>
-          <a:prstGeom prst="snip2DiagRect">
-            <a:avLst>
-              <a:gd name="adj1" fmla="val 10815"/>
-              <a:gd name="adj2" fmla="val 0"/>
-            </a:avLst>
-          </a:prstGeom>
-          <a:ln w="15875">
-            <a:solidFill>
-              <a:schemeClr val="tx1">
-                <a:alpha val="40000"/>
-              </a:schemeClr>
-            </a:solidFill>
-          </a:ln>
-          <a:effectLst>
-            <a:innerShdw blurRad="57150" dist="38100" dir="14460000">
-              <a:srgbClr val="000000">
-                <a:alpha val="70000"/>
-              </a:srgbClr>
-            </a:innerShdw>
-          </a:effectLst>
         </p:spPr>
         <p:txBody>
-          <a:bodyPr anchor="t">
-            <a:normAutofit/>
-          </a:bodyPr>
+          <a:bodyPr/>
           <a:lstStyle>
-            <a:lvl1pPr marL="0" indent="0" algn="ctr">
+            <a:lvl1pPr marL="0" indent="0">
               <a:buNone/>
-              <a:defRPr sz="1600"/>
+              <a:defRPr sz="3200"/>
             </a:lvl1pPr>
             <a:lvl2pPr marL="457200" indent="0">
               <a:buNone/>
-              <a:defRPr sz="1600"/>
+              <a:defRPr sz="2800"/>
             </a:lvl2pPr>
             <a:lvl3pPr marL="914400" indent="0">
               <a:buNone/>
-              <a:defRPr sz="1600"/>
+              <a:defRPr sz="2400"/>
             </a:lvl3pPr>
             <a:lvl4pPr marL="1371600" indent="0">
               <a:buNone/>
-              <a:defRPr sz="1600"/>
+              <a:defRPr sz="2000"/>
             </a:lvl4pPr>
             <a:lvl5pPr marL="1828800" indent="0">
               <a:buNone/>
-              <a:defRPr sz="1600"/>
+              <a:defRPr sz="2000"/>
             </a:lvl5pPr>
             <a:lvl6pPr marL="2286000" indent="0">
               <a:buNone/>
-              <a:defRPr sz="1600"/>
+              <a:defRPr sz="2000"/>
             </a:lvl6pPr>
             <a:lvl7pPr marL="2743200" indent="0">
               <a:buNone/>
-              <a:defRPr sz="1600"/>
+              <a:defRPr sz="2000"/>
             </a:lvl7pPr>
             <a:lvl8pPr marL="3200400" indent="0">
               <a:buNone/>
-              <a:defRPr sz="1600"/>
+              <a:defRPr sz="2000"/>
             </a:lvl8pPr>
             <a:lvl9pPr marL="3657600" indent="0">
               <a:buNone/>
-              <a:defRPr sz="1600"/>
+              <a:defRPr sz="2000"/>
             </a:lvl9pPr>
           </a:lstStyle>
           <a:p>
-            <a:r>
-              <a:rPr lang="ru-RU"/>
-              <a:t>Вставка рисунка</a:t>
-            </a:r>
-            <a:endParaRPr lang="en-US" dirty="0"/>
+            <a:endParaRPr lang="ru-RU"/>
           </a:p>
         </p:txBody>
       </p:sp>
       <p:sp>
         <p:nvSpPr>
-          <p:cNvPr id="4" name="Text Placeholder 3"/>
+          <p:cNvPr id="4" name="Текст 3">
+            <a:extLst>
+              <a:ext uri="{FF2B5EF4-FFF2-40B4-BE49-F238E27FC236}">
+                <a16:creationId xmlns:a16="http://schemas.microsoft.com/office/drawing/2014/main" id="{D39BCA3B-62CA-44BA-B8B8-98CB9301CF01}"/>
+              </a:ext>
+            </a:extLst>
+          </p:cNvPr>
           <p:cNvSpPr>
             <a:spLocks noGrp="1"/>
           </p:cNvSpPr>
@@ -6193,50 +4521,48 @@
         </p:nvSpPr>
         <p:spPr>
           <a:xfrm>
-            <a:off x="4722812" y="2777066"/>
-            <a:ext cx="6021388" cy="2048933"/>
+            <a:off x="839788" y="2057400"/>
+            <a:ext cx="3932237" cy="3811588"/>
           </a:xfrm>
         </p:spPr>
         <p:txBody>
-          <a:bodyPr anchor="t">
-            <a:normAutofit/>
-          </a:bodyPr>
+          <a:bodyPr/>
           <a:lstStyle>
             <a:lvl1pPr marL="0" indent="0">
               <a:buNone/>
-              <a:defRPr sz="1800"/>
+              <a:defRPr sz="1600"/>
             </a:lvl1pPr>
             <a:lvl2pPr marL="457200" indent="0">
               <a:buNone/>
-              <a:defRPr sz="1200"/>
+              <a:defRPr sz="1400"/>
             </a:lvl2pPr>
             <a:lvl3pPr marL="914400" indent="0">
               <a:buNone/>
-              <a:defRPr sz="1000"/>
+              <a:defRPr sz="1200"/>
             </a:lvl3pPr>
             <a:lvl4pPr marL="1371600" indent="0">
               <a:buNone/>
-              <a:defRPr sz="900"/>
+              <a:defRPr sz="1000"/>
             </a:lvl4pPr>
             <a:lvl5pPr marL="1828800" indent="0">
               <a:buNone/>
-              <a:defRPr sz="900"/>
+              <a:defRPr sz="1000"/>
             </a:lvl5pPr>
             <a:lvl6pPr marL="2286000" indent="0">
               <a:buNone/>
-              <a:defRPr sz="900"/>
+              <a:defRPr sz="1000"/>
             </a:lvl6pPr>
             <a:lvl7pPr marL="2743200" indent="0">
               <a:buNone/>
-              <a:defRPr sz="900"/>
+              <a:defRPr sz="1000"/>
             </a:lvl7pPr>
             <a:lvl8pPr marL="3200400" indent="0">
               <a:buNone/>
-              <a:defRPr sz="900"/>
+              <a:defRPr sz="1000"/>
             </a:lvl8pPr>
             <a:lvl9pPr marL="3657600" indent="0">
               <a:buNone/>
-              <a:defRPr sz="900"/>
+              <a:defRPr sz="1000"/>
             </a:lvl9pPr>
           </a:lstStyle>
           <a:p>
@@ -6250,7 +4576,13 @@
       </p:sp>
       <p:sp>
         <p:nvSpPr>
-          <p:cNvPr id="5" name="Date Placeholder 4"/>
+          <p:cNvPr id="5" name="Дата 4">
+            <a:extLst>
+              <a:ext uri="{FF2B5EF4-FFF2-40B4-BE49-F238E27FC236}">
+                <a16:creationId xmlns:a16="http://schemas.microsoft.com/office/drawing/2014/main" id="{53509791-C8C1-D471-8209-4E4B8EA4262E}"/>
+              </a:ext>
+            </a:extLst>
+          </p:cNvPr>
           <p:cNvSpPr>
             <a:spLocks noGrp="1"/>
           </p:cNvSpPr>
@@ -6264,7 +4596,7 @@
           <a:lstStyle/>
           <a:p>
             <a:fld id="{B61BEF0D-F0BB-DE4B-95CE-6DB70DBA9567}" type="datetimeFigureOut">
-              <a:rPr lang="en-US" dirty="0"/>
+              <a:rPr lang="en-US" smtClean="0"/>
               <a:pPr/>
               <a:t>6/18/2022</a:t>
             </a:fld>
@@ -6274,7 +4606,13 @@
       </p:sp>
       <p:sp>
         <p:nvSpPr>
-          <p:cNvPr id="6" name="Footer Placeholder 5"/>
+          <p:cNvPr id="6" name="Нижний колонтитул 5">
+            <a:extLst>
+              <a:ext uri="{FF2B5EF4-FFF2-40B4-BE49-F238E27FC236}">
+                <a16:creationId xmlns:a16="http://schemas.microsoft.com/office/drawing/2014/main" id="{0C154A9C-2287-547A-A98F-DE95F05674B8}"/>
+              </a:ext>
+            </a:extLst>
+          </p:cNvPr>
           <p:cNvSpPr>
             <a:spLocks noGrp="1"/>
           </p:cNvSpPr>
@@ -6293,7 +4631,13 @@
       </p:sp>
       <p:sp>
         <p:nvSpPr>
-          <p:cNvPr id="7" name="Slide Number Placeholder 6"/>
+          <p:cNvPr id="7" name="Номер слайда 6">
+            <a:extLst>
+              <a:ext uri="{FF2B5EF4-FFF2-40B4-BE49-F238E27FC236}">
+                <a16:creationId xmlns:a16="http://schemas.microsoft.com/office/drawing/2014/main" id="{3936AD75-197A-588A-4267-5723C1B2269C}"/>
+              </a:ext>
+            </a:extLst>
+          </p:cNvPr>
           <p:cNvSpPr>
             <a:spLocks noGrp="1"/>
           </p:cNvSpPr>
@@ -6307,7 +4651,7 @@
           <a:lstStyle/>
           <a:p>
             <a:fld id="{D57F1E4F-1CFF-5643-939E-217C01CDF565}" type="slidenum">
-              <a:rPr lang="en-US" dirty="0"/>
+              <a:rPr lang="en-US" smtClean="0"/>
               <a:pPr/>
               <a:t>‹#›</a:t>
             </a:fld>
@@ -6316,6 +4660,11 @@
         </p:txBody>
       </p:sp>
     </p:spTree>
+    <p:extLst>
+      <p:ext uri="{BB962C8B-B14F-4D97-AF65-F5344CB8AC3E}">
+        <p14:creationId xmlns:p14="http://schemas.microsoft.com/office/powerpoint/2010/main" val="257144018"/>
+      </p:ext>
+    </p:extLst>
   </p:cSld>
   <p:clrMapOvr>
     <a:masterClrMapping/>
@@ -6327,8 +4676,8 @@
 <p:sldMaster xmlns:a="http://schemas.openxmlformats.org/drawingml/2006/main" xmlns:r="http://schemas.openxmlformats.org/officeDocument/2006/relationships" xmlns:p="http://schemas.openxmlformats.org/presentationml/2006/main">
   <p:cSld>
     <p:bg>
-      <p:bgRef idx="1002">
-        <a:schemeClr val="bg2"/>
+      <p:bgRef idx="1001">
+        <a:schemeClr val="bg1"/>
       </p:bgRef>
     </p:bg>
     <p:spTree>
@@ -6345,199 +4694,15 @@
           <a:chExt cx="0" cy="0"/>
         </a:xfrm>
       </p:grpSpPr>
-      <p:grpSp>
-        <p:nvGrpSpPr>
-          <p:cNvPr id="7" name="Group 6"/>
-          <p:cNvGrpSpPr/>
-          <p:nvPr/>
-        </p:nvGrpSpPr>
-        <p:grpSpPr>
-          <a:xfrm>
-            <a:off x="9206969" y="2963333"/>
-            <a:ext cx="2981858" cy="3208867"/>
-            <a:chOff x="9206969" y="2963333"/>
-            <a:chExt cx="2981858" cy="3208867"/>
-          </a:xfrm>
-        </p:grpSpPr>
-        <p:cxnSp>
-          <p:nvCxnSpPr>
-            <p:cNvPr id="8" name="Straight Connector 7"/>
-            <p:cNvCxnSpPr/>
-            <p:nvPr/>
-          </p:nvCxnSpPr>
-          <p:spPr>
-            <a:xfrm flipH="1">
-              <a:off x="11276012" y="2963333"/>
-              <a:ext cx="912814" cy="912812"/>
-            </a:xfrm>
-            <a:prstGeom prst="line">
-              <a:avLst/>
-            </a:prstGeom>
-            <a:ln w="9525">
-              <a:solidFill>
-                <a:schemeClr val="tx1"/>
-              </a:solidFill>
-            </a:ln>
-          </p:spPr>
-          <p:style>
-            <a:lnRef idx="2">
-              <a:schemeClr val="accent1"/>
-            </a:lnRef>
-            <a:fillRef idx="0">
-              <a:schemeClr val="accent1"/>
-            </a:fillRef>
-            <a:effectRef idx="1">
-              <a:schemeClr val="accent1"/>
-            </a:effectRef>
-            <a:fontRef idx="minor">
-              <a:schemeClr val="tx1"/>
-            </a:fontRef>
-          </p:style>
-        </p:cxnSp>
-        <p:cxnSp>
-          <p:nvCxnSpPr>
-            <p:cNvPr id="9" name="Straight Connector 8"/>
-            <p:cNvCxnSpPr/>
-            <p:nvPr/>
-          </p:nvCxnSpPr>
-          <p:spPr>
-            <a:xfrm flipH="1">
-              <a:off x="9206969" y="3190344"/>
-              <a:ext cx="2981857" cy="2981856"/>
-            </a:xfrm>
-            <a:prstGeom prst="line">
-              <a:avLst/>
-            </a:prstGeom>
-            <a:ln w="9525">
-              <a:solidFill>
-                <a:schemeClr val="tx1"/>
-              </a:solidFill>
-            </a:ln>
-          </p:spPr>
-          <p:style>
-            <a:lnRef idx="2">
-              <a:schemeClr val="accent1"/>
-            </a:lnRef>
-            <a:fillRef idx="0">
-              <a:schemeClr val="accent1"/>
-            </a:fillRef>
-            <a:effectRef idx="1">
-              <a:schemeClr val="accent1"/>
-            </a:effectRef>
-            <a:fontRef idx="minor">
-              <a:schemeClr val="tx1"/>
-            </a:fontRef>
-          </p:style>
-        </p:cxnSp>
-        <p:cxnSp>
-          <p:nvCxnSpPr>
-            <p:cNvPr id="10" name="Straight Connector 9"/>
-            <p:cNvCxnSpPr/>
-            <p:nvPr/>
-          </p:nvCxnSpPr>
-          <p:spPr>
-            <a:xfrm flipH="1">
-              <a:off x="10292292" y="3285067"/>
-              <a:ext cx="1896534" cy="1896533"/>
-            </a:xfrm>
-            <a:prstGeom prst="line">
-              <a:avLst/>
-            </a:prstGeom>
-            <a:ln w="9525">
-              <a:solidFill>
-                <a:schemeClr val="tx1"/>
-              </a:solidFill>
-            </a:ln>
-          </p:spPr>
-          <p:style>
-            <a:lnRef idx="2">
-              <a:schemeClr val="accent1"/>
-            </a:lnRef>
-            <a:fillRef idx="0">
-              <a:schemeClr val="accent1"/>
-            </a:fillRef>
-            <a:effectRef idx="1">
-              <a:schemeClr val="accent1"/>
-            </a:effectRef>
-            <a:fontRef idx="minor">
-              <a:schemeClr val="tx1"/>
-            </a:fontRef>
-          </p:style>
-        </p:cxnSp>
-        <p:cxnSp>
-          <p:nvCxnSpPr>
-            <p:cNvPr id="11" name="Straight Connector 10"/>
-            <p:cNvCxnSpPr/>
-            <p:nvPr/>
-          </p:nvCxnSpPr>
-          <p:spPr>
-            <a:xfrm flipH="1">
-              <a:off x="10443103" y="3131080"/>
-              <a:ext cx="1745722" cy="1745720"/>
-            </a:xfrm>
-            <a:prstGeom prst="line">
-              <a:avLst/>
-            </a:prstGeom>
-            <a:ln w="28575">
-              <a:solidFill>
-                <a:schemeClr val="tx1"/>
-              </a:solidFill>
-            </a:ln>
-          </p:spPr>
-          <p:style>
-            <a:lnRef idx="2">
-              <a:schemeClr val="accent1"/>
-            </a:lnRef>
-            <a:fillRef idx="0">
-              <a:schemeClr val="accent1"/>
-            </a:fillRef>
-            <a:effectRef idx="1">
-              <a:schemeClr val="accent1"/>
-            </a:effectRef>
-            <a:fontRef idx="minor">
-              <a:schemeClr val="tx1"/>
-            </a:fontRef>
-          </p:style>
-        </p:cxnSp>
-        <p:cxnSp>
-          <p:nvCxnSpPr>
-            <p:cNvPr id="12" name="Straight Connector 11"/>
-            <p:cNvCxnSpPr/>
-            <p:nvPr/>
-          </p:nvCxnSpPr>
-          <p:spPr>
-            <a:xfrm flipH="1">
-              <a:off x="10918826" y="3683001"/>
-              <a:ext cx="1270001" cy="1269999"/>
-            </a:xfrm>
-            <a:prstGeom prst="line">
-              <a:avLst/>
-            </a:prstGeom>
-            <a:ln w="28575">
-              <a:solidFill>
-                <a:schemeClr val="tx1"/>
-              </a:solidFill>
-            </a:ln>
-          </p:spPr>
-          <p:style>
-            <a:lnRef idx="2">
-              <a:schemeClr val="accent1"/>
-            </a:lnRef>
-            <a:fillRef idx="0">
-              <a:schemeClr val="accent1"/>
-            </a:fillRef>
-            <a:effectRef idx="1">
-              <a:schemeClr val="accent1"/>
-            </a:effectRef>
-            <a:fontRef idx="minor">
-              <a:schemeClr val="tx1"/>
-            </a:fontRef>
-          </p:style>
-        </p:cxnSp>
-      </p:grpSp>
       <p:sp>
         <p:nvSpPr>
-          <p:cNvPr id="2" name="Title Placeholder 1"/>
+          <p:cNvPr id="2" name="Заголовок 1">
+            <a:extLst>
+              <a:ext uri="{FF2B5EF4-FFF2-40B4-BE49-F238E27FC236}">
+                <a16:creationId xmlns:a16="http://schemas.microsoft.com/office/drawing/2014/main" id="{86723ACA-F6BA-A2B2-66DA-BB6E1C273720}"/>
+              </a:ext>
+            </a:extLst>
+          </p:cNvPr>
           <p:cNvSpPr>
             <a:spLocks noGrp="1"/>
           </p:cNvSpPr>
@@ -6547,42 +4712,8 @@
         </p:nvSpPr>
         <p:spPr>
           <a:xfrm>
-            <a:off x="684212" y="4487332"/>
-            <a:ext cx="8534400" cy="1507067"/>
-          </a:xfrm>
-          <a:prstGeom prst="rect">
-            <a:avLst/>
-          </a:prstGeom>
-          <a:effectLst/>
-        </p:spPr>
-        <p:txBody>
-          <a:bodyPr vert="horz" lIns="91440" tIns="45720" rIns="91440" bIns="45720" rtlCol="0" anchor="ctr">
-            <a:normAutofit/>
-          </a:bodyPr>
-          <a:lstStyle/>
-          <a:p>
-            <a:r>
-              <a:rPr lang="ru-RU"/>
-              <a:t>Образец заголовка</a:t>
-            </a:r>
-            <a:endParaRPr lang="en-US" dirty="0"/>
-          </a:p>
-        </p:txBody>
-      </p:sp>
-      <p:sp>
-        <p:nvSpPr>
-          <p:cNvPr id="3" name="Text Placeholder 2"/>
-          <p:cNvSpPr>
-            <a:spLocks noGrp="1"/>
-          </p:cNvSpPr>
-          <p:nvPr>
-            <p:ph type="body" idx="1"/>
-          </p:nvPr>
-        </p:nvSpPr>
-        <p:spPr>
-          <a:xfrm>
-            <a:off x="684212" y="685800"/>
-            <a:ext cx="8534400" cy="3615267"/>
+            <a:off x="838200" y="365125"/>
+            <a:ext cx="10515600" cy="1325563"/>
           </a:xfrm>
           <a:prstGeom prst="rect">
             <a:avLst/>
@@ -6594,46 +4725,89 @@
           </a:bodyPr>
           <a:lstStyle/>
           <a:p>
-            <a:pPr lvl="0"/>
             <a:r>
               <a:rPr lang="ru-RU"/>
-              <a:t>Образец текста</a:t>
-            </a:r>
-          </a:p>
-          <a:p>
-            <a:pPr lvl="1"/>
-            <a:r>
-              <a:rPr lang="ru-RU"/>
-              <a:t>Второй уровень</a:t>
-            </a:r>
-          </a:p>
-          <a:p>
-            <a:pPr lvl="2"/>
-            <a:r>
-              <a:rPr lang="ru-RU"/>
-              <a:t>Третий уровень</a:t>
-            </a:r>
-          </a:p>
-          <a:p>
-            <a:pPr lvl="3"/>
-            <a:r>
-              <a:rPr lang="ru-RU"/>
-              <a:t>Четвертый уровень</a:t>
-            </a:r>
-          </a:p>
-          <a:p>
-            <a:pPr lvl="4"/>
-            <a:r>
-              <a:rPr lang="ru-RU"/>
-              <a:t>Пятый уровень</a:t>
-            </a:r>
-            <a:endParaRPr lang="en-US" dirty="0"/>
+              <a:t>Образец заголовка</a:t>
+            </a:r>
           </a:p>
         </p:txBody>
       </p:sp>
       <p:sp>
         <p:nvSpPr>
-          <p:cNvPr id="4" name="Date Placeholder 3"/>
+          <p:cNvPr id="3" name="Текст 2">
+            <a:extLst>
+              <a:ext uri="{FF2B5EF4-FFF2-40B4-BE49-F238E27FC236}">
+                <a16:creationId xmlns:a16="http://schemas.microsoft.com/office/drawing/2014/main" id="{3A029546-E016-C3B5-6F02-B0E813944192}"/>
+              </a:ext>
+            </a:extLst>
+          </p:cNvPr>
+          <p:cNvSpPr>
+            <a:spLocks noGrp="1"/>
+          </p:cNvSpPr>
+          <p:nvPr>
+            <p:ph type="body" idx="1"/>
+          </p:nvPr>
+        </p:nvSpPr>
+        <p:spPr>
+          <a:xfrm>
+            <a:off x="838200" y="1825625"/>
+            <a:ext cx="10515600" cy="4351338"/>
+          </a:xfrm>
+          <a:prstGeom prst="rect">
+            <a:avLst/>
+          </a:prstGeom>
+        </p:spPr>
+        <p:txBody>
+          <a:bodyPr vert="horz" lIns="91440" tIns="45720" rIns="91440" bIns="45720" rtlCol="0">
+            <a:normAutofit/>
+          </a:bodyPr>
+          <a:lstStyle/>
+          <a:p>
+            <a:pPr lvl="0"/>
+            <a:r>
+              <a:rPr lang="ru-RU"/>
+              <a:t>Образец текста</a:t>
+            </a:r>
+          </a:p>
+          <a:p>
+            <a:pPr lvl="1"/>
+            <a:r>
+              <a:rPr lang="ru-RU"/>
+              <a:t>Второй уровень</a:t>
+            </a:r>
+          </a:p>
+          <a:p>
+            <a:pPr lvl="2"/>
+            <a:r>
+              <a:rPr lang="ru-RU"/>
+              <a:t>Третий уровень</a:t>
+            </a:r>
+          </a:p>
+          <a:p>
+            <a:pPr lvl="3"/>
+            <a:r>
+              <a:rPr lang="ru-RU"/>
+              <a:t>Четвертый уровень</a:t>
+            </a:r>
+          </a:p>
+          <a:p>
+            <a:pPr lvl="4"/>
+            <a:r>
+              <a:rPr lang="ru-RU"/>
+              <a:t>Пятый уровень</a:t>
+            </a:r>
+          </a:p>
+        </p:txBody>
+      </p:sp>
+      <p:sp>
+        <p:nvSpPr>
+          <p:cNvPr id="4" name="Дата 3">
+            <a:extLst>
+              <a:ext uri="{FF2B5EF4-FFF2-40B4-BE49-F238E27FC236}">
+                <a16:creationId xmlns:a16="http://schemas.microsoft.com/office/drawing/2014/main" id="{BD42E8E8-1A0B-72CE-8A54-107F410611ED}"/>
+              </a:ext>
+            </a:extLst>
+          </p:cNvPr>
           <p:cNvSpPr>
             <a:spLocks noGrp="1"/>
           </p:cNvSpPr>
@@ -6643,31 +4817,29 @@
         </p:nvSpPr>
         <p:spPr>
           <a:xfrm>
-            <a:off x="9904412" y="6172200"/>
-            <a:ext cx="1600200" cy="365125"/>
+            <a:off x="838200" y="6356350"/>
+            <a:ext cx="2743200" cy="365125"/>
           </a:xfrm>
           <a:prstGeom prst="rect">
             <a:avLst/>
           </a:prstGeom>
         </p:spPr>
         <p:txBody>
-          <a:bodyPr vert="horz" lIns="91440" tIns="45720" rIns="91440" bIns="45720" rtlCol="0" anchor="t"/>
+          <a:bodyPr vert="horz" lIns="91440" tIns="45720" rIns="91440" bIns="45720" rtlCol="0" anchor="ctr"/>
           <a:lstStyle>
-            <a:lvl1pPr algn="r">
-              <a:defRPr sz="1000" b="0" i="0">
-                <a:solidFill>
-                  <a:schemeClr val="bg2">
-                    <a:lumMod val="50000"/>
+            <a:lvl1pPr algn="l">
+              <a:defRPr sz="1200">
+                <a:solidFill>
+                  <a:schemeClr val="tx1">
+                    <a:tint val="75000"/>
                   </a:schemeClr>
                 </a:solidFill>
-                <a:effectLst/>
-                <a:latin typeface="+mn-lt"/>
               </a:defRPr>
             </a:lvl1pPr>
           </a:lstStyle>
           <a:p>
             <a:fld id="{B61BEF0D-F0BB-DE4B-95CE-6DB70DBA9567}" type="datetimeFigureOut">
-              <a:rPr lang="en-US" dirty="0"/>
+              <a:rPr lang="en-US" smtClean="0"/>
               <a:pPr/>
               <a:t>6/18/2022</a:t>
             </a:fld>
@@ -6677,7 +4849,13 @@
       </p:sp>
       <p:sp>
         <p:nvSpPr>
-          <p:cNvPr id="5" name="Footer Placeholder 4"/>
+          <p:cNvPr id="5" name="Нижний колонтитул 4">
+            <a:extLst>
+              <a:ext uri="{FF2B5EF4-FFF2-40B4-BE49-F238E27FC236}">
+                <a16:creationId xmlns:a16="http://schemas.microsoft.com/office/drawing/2014/main" id="{C4EFE02B-4E85-4BDB-6A37-F07D363AC95F}"/>
+              </a:ext>
+            </a:extLst>
+          </p:cNvPr>
           <p:cNvSpPr>
             <a:spLocks noGrp="1"/>
           </p:cNvSpPr>
@@ -6687,25 +4865,23 @@
         </p:nvSpPr>
         <p:spPr>
           <a:xfrm>
-            <a:off x="684212" y="6172200"/>
-            <a:ext cx="7543800" cy="365125"/>
+            <a:off x="4038600" y="6356350"/>
+            <a:ext cx="4114800" cy="365125"/>
           </a:xfrm>
           <a:prstGeom prst="rect">
             <a:avLst/>
           </a:prstGeom>
         </p:spPr>
         <p:txBody>
-          <a:bodyPr vert="horz" lIns="91440" tIns="45720" rIns="91440" bIns="45720" rtlCol="0" anchor="t"/>
+          <a:bodyPr vert="horz" lIns="91440" tIns="45720" rIns="91440" bIns="45720" rtlCol="0" anchor="ctr"/>
           <a:lstStyle>
-            <a:lvl1pPr algn="l">
-              <a:defRPr sz="1000" b="0" i="0">
-                <a:solidFill>
-                  <a:schemeClr val="bg2">
-                    <a:lumMod val="50000"/>
+            <a:lvl1pPr algn="ctr">
+              <a:defRPr sz="1200">
+                <a:solidFill>
+                  <a:schemeClr val="tx1">
+                    <a:tint val="75000"/>
                   </a:schemeClr>
                 </a:solidFill>
-                <a:effectLst/>
-                <a:latin typeface="+mn-lt"/>
               </a:defRPr>
             </a:lvl1pPr>
           </a:lstStyle>
@@ -6716,7 +4892,13 @@
       </p:sp>
       <p:sp>
         <p:nvSpPr>
-          <p:cNvPr id="6" name="Slide Number Placeholder 5"/>
+          <p:cNvPr id="6" name="Номер слайда 5">
+            <a:extLst>
+              <a:ext uri="{FF2B5EF4-FFF2-40B4-BE49-F238E27FC236}">
+                <a16:creationId xmlns:a16="http://schemas.microsoft.com/office/drawing/2014/main" id="{23ACB03B-85F8-905E-FB71-1030D2FDC688}"/>
+              </a:ext>
+            </a:extLst>
+          </p:cNvPr>
           <p:cNvSpPr>
             <a:spLocks noGrp="1"/>
           </p:cNvSpPr>
@@ -6726,31 +4908,29 @@
         </p:nvSpPr>
         <p:spPr>
           <a:xfrm>
-            <a:off x="10363200" y="5578475"/>
-            <a:ext cx="1142245" cy="669925"/>
+            <a:off x="8610600" y="6356350"/>
+            <a:ext cx="2743200" cy="365125"/>
           </a:xfrm>
           <a:prstGeom prst="rect">
             <a:avLst/>
           </a:prstGeom>
         </p:spPr>
         <p:txBody>
-          <a:bodyPr vert="horz" lIns="91440" tIns="45720" rIns="91440" bIns="45720" rtlCol="0" anchor="b"/>
+          <a:bodyPr vert="horz" lIns="91440" tIns="45720" rIns="91440" bIns="45720" rtlCol="0" anchor="ctr"/>
           <a:lstStyle>
             <a:lvl1pPr algn="r">
-              <a:defRPr sz="3200" b="0" i="0">
-                <a:solidFill>
-                  <a:schemeClr val="bg2">
-                    <a:lumMod val="50000"/>
+              <a:defRPr sz="1200">
+                <a:solidFill>
+                  <a:schemeClr val="tx1">
+                    <a:tint val="75000"/>
                   </a:schemeClr>
                 </a:solidFill>
-                <a:effectLst/>
-                <a:latin typeface="+mn-lt"/>
               </a:defRPr>
             </a:lvl1pPr>
           </a:lstStyle>
           <a:p>
             <a:fld id="{D57F1E4F-1CFF-5643-939E-217C01CDF565}" type="slidenum">
-              <a:rPr lang="en-US" dirty="0"/>
+              <a:rPr lang="en-US" smtClean="0"/>
               <a:pPr/>
               <a:t>‹#›</a:t>
             </a:fld>
@@ -6759,325 +4939,204 @@
         </p:txBody>
       </p:sp>
     </p:spTree>
+    <p:extLst>
+      <p:ext uri="{BB962C8B-B14F-4D97-AF65-F5344CB8AC3E}">
+        <p14:creationId xmlns:p14="http://schemas.microsoft.com/office/powerpoint/2010/main" val="418542218"/>
+      </p:ext>
+    </p:extLst>
   </p:cSld>
-  <p:clrMap bg1="dk1" tx1="lt1" bg2="dk2" tx2="lt2" accent1="accent1" accent2="accent2" accent3="accent3" accent4="accent4" accent5="accent5" accent6="accent6" hlink="hlink" folHlink="folHlink"/>
+  <p:clrMap bg1="lt1" tx1="dk1" bg2="lt2" tx2="dk2" accent1="accent1" accent2="accent2" accent3="accent3" accent4="accent4" accent5="accent5" accent6="accent6" hlink="hlink" folHlink="folHlink"/>
   <p:sldLayoutIdLst>
-    <p:sldLayoutId id="2147483649" r:id="rId1"/>
-    <p:sldLayoutId id="2147483650" r:id="rId2"/>
-    <p:sldLayoutId id="2147483651" r:id="rId3"/>
-    <p:sldLayoutId id="2147483652" r:id="rId4"/>
-    <p:sldLayoutId id="2147483653" r:id="rId5"/>
-    <p:sldLayoutId id="2147483654" r:id="rId6"/>
-    <p:sldLayoutId id="2147483655" r:id="rId7"/>
-    <p:sldLayoutId id="2147483656" r:id="rId8"/>
-    <p:sldLayoutId id="2147483660" r:id="rId9"/>
-    <p:sldLayoutId id="2147483668" r:id="rId10"/>
-    <p:sldLayoutId id="2147483663" r:id="rId11"/>
-    <p:sldLayoutId id="2147483664" r:id="rId12"/>
-    <p:sldLayoutId id="2147483665" r:id="rId13"/>
-    <p:sldLayoutId id="2147483666" r:id="rId14"/>
-    <p:sldLayoutId id="2147483667" r:id="rId15"/>
-    <p:sldLayoutId id="2147483658" r:id="rId16"/>
-    <p:sldLayoutId id="2147483659" r:id="rId17"/>
+    <p:sldLayoutId id="2147483670" r:id="rId1"/>
+    <p:sldLayoutId id="2147483671" r:id="rId2"/>
+    <p:sldLayoutId id="2147483672" r:id="rId3"/>
+    <p:sldLayoutId id="2147483673" r:id="rId4"/>
+    <p:sldLayoutId id="2147483674" r:id="rId5"/>
+    <p:sldLayoutId id="2147483675" r:id="rId6"/>
+    <p:sldLayoutId id="2147483676" r:id="rId7"/>
+    <p:sldLayoutId id="2147483677" r:id="rId8"/>
+    <p:sldLayoutId id="2147483678" r:id="rId9"/>
+    <p:sldLayoutId id="2147483679" r:id="rId10"/>
+    <p:sldLayoutId id="2147483680" r:id="rId11"/>
   </p:sldLayoutIdLst>
   <p:txStyles>
     <p:titleStyle>
-      <a:lvl1pPr algn="l" defTabSz="457200" rtl="0" eaLnBrk="1" latinLnBrk="0" hangingPunct="1">
+      <a:lvl1pPr algn="l" defTabSz="914400" rtl="0" eaLnBrk="1" latinLnBrk="0" hangingPunct="1">
+        <a:lnSpc>
+          <a:spcPct val="90000"/>
+        </a:lnSpc>
         <a:spcBef>
           <a:spcPct val="0"/>
         </a:spcBef>
         <a:buNone/>
-        <a:defRPr sz="3600" kern="1200" cap="all">
-          <a:ln w="3175" cmpd="sng">
-            <a:noFill/>
-          </a:ln>
+        <a:defRPr sz="4400" kern="1200">
           <a:solidFill>
             <a:schemeClr val="tx1"/>
           </a:solidFill>
-          <a:effectLst/>
           <a:latin typeface="+mj-lt"/>
           <a:ea typeface="+mj-ea"/>
           <a:cs typeface="+mj-cs"/>
         </a:defRPr>
       </a:lvl1pPr>
-      <a:lvl2pPr eaLnBrk="1" hangingPunct="1">
-        <a:defRPr>
-          <a:solidFill>
-            <a:schemeClr val="tx2"/>
-          </a:solidFill>
-        </a:defRPr>
-      </a:lvl2pPr>
-      <a:lvl3pPr eaLnBrk="1" hangingPunct="1">
-        <a:defRPr>
-          <a:solidFill>
-            <a:schemeClr val="tx2"/>
-          </a:solidFill>
-        </a:defRPr>
-      </a:lvl3pPr>
-      <a:lvl4pPr eaLnBrk="1" hangingPunct="1">
-        <a:defRPr>
-          <a:solidFill>
-            <a:schemeClr val="tx2"/>
-          </a:solidFill>
-        </a:defRPr>
-      </a:lvl4pPr>
-      <a:lvl5pPr eaLnBrk="1" hangingPunct="1">
-        <a:defRPr>
-          <a:solidFill>
-            <a:schemeClr val="tx2"/>
-          </a:solidFill>
-        </a:defRPr>
-      </a:lvl5pPr>
-      <a:lvl6pPr eaLnBrk="1" hangingPunct="1">
-        <a:defRPr>
-          <a:solidFill>
-            <a:schemeClr val="tx2"/>
-          </a:solidFill>
-        </a:defRPr>
-      </a:lvl6pPr>
-      <a:lvl7pPr eaLnBrk="1" hangingPunct="1">
-        <a:defRPr>
-          <a:solidFill>
-            <a:schemeClr val="tx2"/>
-          </a:solidFill>
-        </a:defRPr>
-      </a:lvl7pPr>
-      <a:lvl8pPr eaLnBrk="1" hangingPunct="1">
-        <a:defRPr>
-          <a:solidFill>
-            <a:schemeClr val="tx2"/>
-          </a:solidFill>
-        </a:defRPr>
-      </a:lvl8pPr>
-      <a:lvl9pPr eaLnBrk="1" hangingPunct="1">
-        <a:defRPr>
-          <a:solidFill>
-            <a:schemeClr val="tx2"/>
-          </a:solidFill>
-        </a:defRPr>
-      </a:lvl9pPr>
     </p:titleStyle>
     <p:bodyStyle>
-      <a:lvl1pPr marL="285750" indent="-285750" algn="l" defTabSz="457200" rtl="0" eaLnBrk="1" latinLnBrk="0" hangingPunct="1">
+      <a:lvl1pPr marL="228600" indent="-228600" algn="l" defTabSz="914400" rtl="0" eaLnBrk="1" latinLnBrk="0" hangingPunct="1">
+        <a:lnSpc>
+          <a:spcPct val="90000"/>
+        </a:lnSpc>
         <a:spcBef>
-          <a:spcPct val="20000"/>
+          <a:spcPts val="1000"/>
         </a:spcBef>
-        <a:spcAft>
-          <a:spcPts val="600"/>
-        </a:spcAft>
-        <a:buClr>
-          <a:schemeClr val="tx1"/>
-        </a:buClr>
-        <a:buSzPct val="80000"/>
-        <a:buFont typeface="Wingdings 3" panose="05040102010807070707" pitchFamily="18" charset="2"/>
-        <a:buChar char=""/>
-        <a:defRPr sz="2000" kern="1200" cap="none">
+        <a:buFont typeface="Arial" panose="020B0604020202020204" pitchFamily="34" charset="0"/>
+        <a:buChar char="•"/>
+        <a:defRPr sz="2800" kern="1200">
           <a:solidFill>
-            <a:schemeClr val="bg2">
-              <a:lumMod val="75000"/>
-            </a:schemeClr>
+            <a:schemeClr val="tx1"/>
           </a:solidFill>
-          <a:effectLst/>
           <a:latin typeface="+mn-lt"/>
           <a:ea typeface="+mn-ea"/>
           <a:cs typeface="+mn-cs"/>
         </a:defRPr>
       </a:lvl1pPr>
-      <a:lvl2pPr marL="742950" indent="-285750" algn="l" defTabSz="457200" rtl="0" eaLnBrk="1" latinLnBrk="0" hangingPunct="1">
+      <a:lvl2pPr marL="685800" indent="-228600" algn="l" defTabSz="914400" rtl="0" eaLnBrk="1" latinLnBrk="0" hangingPunct="1">
+        <a:lnSpc>
+          <a:spcPct val="90000"/>
+        </a:lnSpc>
         <a:spcBef>
-          <a:spcPct val="20000"/>
+          <a:spcPts val="500"/>
         </a:spcBef>
-        <a:spcAft>
-          <a:spcPts val="600"/>
-        </a:spcAft>
-        <a:buClr>
-          <a:schemeClr val="tx1"/>
-        </a:buClr>
-        <a:buSzPct val="80000"/>
-        <a:buFont typeface="Wingdings 3" panose="05040102010807070707" pitchFamily="18" charset="2"/>
-        <a:buChar char=""/>
-        <a:defRPr sz="1800" kern="1200" cap="none">
+        <a:buFont typeface="Arial" panose="020B0604020202020204" pitchFamily="34" charset="0"/>
+        <a:buChar char="•"/>
+        <a:defRPr sz="2400" kern="1200">
           <a:solidFill>
-            <a:schemeClr val="bg2">
-              <a:lumMod val="75000"/>
-            </a:schemeClr>
+            <a:schemeClr val="tx1"/>
           </a:solidFill>
-          <a:effectLst/>
           <a:latin typeface="+mn-lt"/>
           <a:ea typeface="+mn-ea"/>
           <a:cs typeface="+mn-cs"/>
         </a:defRPr>
       </a:lvl2pPr>
-      <a:lvl3pPr marL="1200150" indent="-285750" algn="l" defTabSz="457200" rtl="0" eaLnBrk="1" latinLnBrk="0" hangingPunct="1">
+      <a:lvl3pPr marL="1143000" indent="-228600" algn="l" defTabSz="914400" rtl="0" eaLnBrk="1" latinLnBrk="0" hangingPunct="1">
+        <a:lnSpc>
+          <a:spcPct val="90000"/>
+        </a:lnSpc>
         <a:spcBef>
-          <a:spcPct val="20000"/>
+          <a:spcPts val="500"/>
         </a:spcBef>
-        <a:spcAft>
-          <a:spcPts val="600"/>
-        </a:spcAft>
-        <a:buClr>
-          <a:schemeClr val="tx1"/>
-        </a:buClr>
-        <a:buSzPct val="80000"/>
-        <a:buFont typeface="Wingdings 3" panose="05040102010807070707" pitchFamily="18" charset="2"/>
-        <a:buChar char=""/>
-        <a:defRPr sz="1600" kern="1200" cap="none">
+        <a:buFont typeface="Arial" panose="020B0604020202020204" pitchFamily="34" charset="0"/>
+        <a:buChar char="•"/>
+        <a:defRPr sz="2000" kern="1200">
           <a:solidFill>
-            <a:schemeClr val="bg2">
-              <a:lumMod val="75000"/>
-            </a:schemeClr>
+            <a:schemeClr val="tx1"/>
           </a:solidFill>
-          <a:effectLst/>
           <a:latin typeface="+mn-lt"/>
           <a:ea typeface="+mn-ea"/>
           <a:cs typeface="+mn-cs"/>
         </a:defRPr>
       </a:lvl3pPr>
-      <a:lvl4pPr marL="1543050" indent="-171450" algn="l" defTabSz="457200" rtl="0" eaLnBrk="1" latinLnBrk="0" hangingPunct="1">
+      <a:lvl4pPr marL="1600200" indent="-228600" algn="l" defTabSz="914400" rtl="0" eaLnBrk="1" latinLnBrk="0" hangingPunct="1">
+        <a:lnSpc>
+          <a:spcPct val="90000"/>
+        </a:lnSpc>
         <a:spcBef>
-          <a:spcPct val="20000"/>
+          <a:spcPts val="500"/>
         </a:spcBef>
-        <a:spcAft>
-          <a:spcPts val="600"/>
-        </a:spcAft>
-        <a:buClr>
-          <a:schemeClr val="tx1"/>
-        </a:buClr>
-        <a:buSzPct val="80000"/>
-        <a:buFont typeface="Wingdings 3" panose="05040102010807070707" pitchFamily="18" charset="2"/>
-        <a:buChar char=""/>
-        <a:defRPr sz="1400" kern="1200" cap="none">
+        <a:buFont typeface="Arial" panose="020B0604020202020204" pitchFamily="34" charset="0"/>
+        <a:buChar char="•"/>
+        <a:defRPr sz="1800" kern="1200">
           <a:solidFill>
-            <a:schemeClr val="bg2">
-              <a:lumMod val="75000"/>
-            </a:schemeClr>
+            <a:schemeClr val="tx1"/>
           </a:solidFill>
-          <a:effectLst/>
           <a:latin typeface="+mn-lt"/>
           <a:ea typeface="+mn-ea"/>
           <a:cs typeface="+mn-cs"/>
         </a:defRPr>
       </a:lvl4pPr>
-      <a:lvl5pPr marL="2000250" indent="-171450" algn="l" defTabSz="457200" rtl="0" eaLnBrk="1" latinLnBrk="0" hangingPunct="1">
+      <a:lvl5pPr marL="2057400" indent="-228600" algn="l" defTabSz="914400" rtl="0" eaLnBrk="1" latinLnBrk="0" hangingPunct="1">
+        <a:lnSpc>
+          <a:spcPct val="90000"/>
+        </a:lnSpc>
         <a:spcBef>
-          <a:spcPct val="20000"/>
+          <a:spcPts val="500"/>
         </a:spcBef>
-        <a:spcAft>
-          <a:spcPts val="600"/>
-        </a:spcAft>
-        <a:buClr>
-          <a:schemeClr val="tx1"/>
-        </a:buClr>
-        <a:buSzPct val="80000"/>
-        <a:buFont typeface="Wingdings 3" panose="05040102010807070707" pitchFamily="18" charset="2"/>
-        <a:buChar char=""/>
-        <a:defRPr sz="1400" kern="1200" cap="none">
+        <a:buFont typeface="Arial" panose="020B0604020202020204" pitchFamily="34" charset="0"/>
+        <a:buChar char="•"/>
+        <a:defRPr sz="1800" kern="1200">
           <a:solidFill>
-            <a:schemeClr val="bg2">
-              <a:lumMod val="75000"/>
-            </a:schemeClr>
+            <a:schemeClr val="tx1"/>
           </a:solidFill>
-          <a:effectLst/>
           <a:latin typeface="+mn-lt"/>
           <a:ea typeface="+mn-ea"/>
           <a:cs typeface="+mn-cs"/>
         </a:defRPr>
       </a:lvl5pPr>
-      <a:lvl6pPr marL="2514600" indent="-228600" algn="l" defTabSz="457200" rtl="0" eaLnBrk="1" latinLnBrk="0" hangingPunct="1">
+      <a:lvl6pPr marL="2514600" indent="-228600" algn="l" defTabSz="914400" rtl="0" eaLnBrk="1" latinLnBrk="0" hangingPunct="1">
+        <a:lnSpc>
+          <a:spcPct val="90000"/>
+        </a:lnSpc>
         <a:spcBef>
-          <a:spcPct val="20000"/>
+          <a:spcPts val="500"/>
         </a:spcBef>
-        <a:spcAft>
-          <a:spcPts val="600"/>
-        </a:spcAft>
-        <a:buClr>
-          <a:schemeClr val="tx1"/>
-        </a:buClr>
-        <a:buSzPct val="80000"/>
-        <a:buFont typeface="Wingdings 3" panose="05040102010807070707" pitchFamily="18" charset="2"/>
-        <a:buChar char=""/>
-        <a:defRPr sz="1400" kern="1200" cap="none">
+        <a:buFont typeface="Arial" panose="020B0604020202020204" pitchFamily="34" charset="0"/>
+        <a:buChar char="•"/>
+        <a:defRPr sz="1800" kern="1200">
           <a:solidFill>
-            <a:schemeClr val="bg2">
-              <a:lumMod val="75000"/>
-            </a:schemeClr>
+            <a:schemeClr val="tx1"/>
           </a:solidFill>
-          <a:effectLst/>
           <a:latin typeface="+mn-lt"/>
           <a:ea typeface="+mn-ea"/>
           <a:cs typeface="+mn-cs"/>
         </a:defRPr>
       </a:lvl6pPr>
-      <a:lvl7pPr marL="2971800" indent="-228600" algn="l" defTabSz="457200" rtl="0" eaLnBrk="1" latinLnBrk="0" hangingPunct="1">
+      <a:lvl7pPr marL="2971800" indent="-228600" algn="l" defTabSz="914400" rtl="0" eaLnBrk="1" latinLnBrk="0" hangingPunct="1">
+        <a:lnSpc>
+          <a:spcPct val="90000"/>
+        </a:lnSpc>
         <a:spcBef>
-          <a:spcPct val="20000"/>
+          <a:spcPts val="500"/>
         </a:spcBef>
-        <a:spcAft>
-          <a:spcPts val="600"/>
-        </a:spcAft>
-        <a:buClr>
-          <a:schemeClr val="tx1"/>
-        </a:buClr>
-        <a:buSzPct val="80000"/>
-        <a:buFont typeface="Wingdings 3" panose="05040102010807070707" pitchFamily="18" charset="2"/>
-        <a:buChar char=""/>
-        <a:defRPr sz="1400" kern="1200" cap="none">
+        <a:buFont typeface="Arial" panose="020B0604020202020204" pitchFamily="34" charset="0"/>
+        <a:buChar char="•"/>
+        <a:defRPr sz="1800" kern="1200">
           <a:solidFill>
-            <a:schemeClr val="bg2">
-              <a:lumMod val="75000"/>
-            </a:schemeClr>
+            <a:schemeClr val="tx1"/>
           </a:solidFill>
-          <a:effectLst/>
           <a:latin typeface="+mn-lt"/>
           <a:ea typeface="+mn-ea"/>
           <a:cs typeface="+mn-cs"/>
         </a:defRPr>
       </a:lvl7pPr>
-      <a:lvl8pPr marL="3429000" indent="-228600" algn="l" defTabSz="457200" rtl="0" eaLnBrk="1" latinLnBrk="0" hangingPunct="1">
+      <a:lvl8pPr marL="3429000" indent="-228600" algn="l" defTabSz="914400" rtl="0" eaLnBrk="1" latinLnBrk="0" hangingPunct="1">
+        <a:lnSpc>
+          <a:spcPct val="90000"/>
+        </a:lnSpc>
         <a:spcBef>
-          <a:spcPct val="20000"/>
+          <a:spcPts val="500"/>
         </a:spcBef>
-        <a:spcAft>
-          <a:spcPts val="600"/>
-        </a:spcAft>
-        <a:buClr>
-          <a:schemeClr val="tx1"/>
-        </a:buClr>
-        <a:buSzPct val="80000"/>
-        <a:buFont typeface="Wingdings 3" panose="05040102010807070707" pitchFamily="18" charset="2"/>
-        <a:buChar char=""/>
-        <a:defRPr sz="1400" kern="1200" cap="none">
+        <a:buFont typeface="Arial" panose="020B0604020202020204" pitchFamily="34" charset="0"/>
+        <a:buChar char="•"/>
+        <a:defRPr sz="1800" kern="1200">
           <a:solidFill>
-            <a:schemeClr val="bg2">
-              <a:lumMod val="75000"/>
-            </a:schemeClr>
+            <a:schemeClr val="tx1"/>
           </a:solidFill>
-          <a:effectLst/>
           <a:latin typeface="+mn-lt"/>
           <a:ea typeface="+mn-ea"/>
           <a:cs typeface="+mn-cs"/>
         </a:defRPr>
       </a:lvl8pPr>
-      <a:lvl9pPr marL="3886200" indent="-228600" algn="l" defTabSz="457200" rtl="0" eaLnBrk="1" latinLnBrk="0" hangingPunct="1">
+      <a:lvl9pPr marL="3886200" indent="-228600" algn="l" defTabSz="914400" rtl="0" eaLnBrk="1" latinLnBrk="0" hangingPunct="1">
+        <a:lnSpc>
+          <a:spcPct val="90000"/>
+        </a:lnSpc>
         <a:spcBef>
-          <a:spcPct val="20000"/>
+          <a:spcPts val="500"/>
         </a:spcBef>
-        <a:spcAft>
-          <a:spcPts val="600"/>
-        </a:spcAft>
-        <a:buClr>
-          <a:schemeClr val="tx1"/>
-        </a:buClr>
-        <a:buSzPct val="80000"/>
-        <a:buFont typeface="Wingdings 3" panose="05040102010807070707" pitchFamily="18" charset="2"/>
-        <a:buChar char=""/>
-        <a:defRPr sz="1400" kern="1200" cap="none">
+        <a:buFont typeface="Arial" panose="020B0604020202020204" pitchFamily="34" charset="0"/>
+        <a:buChar char="•"/>
+        <a:defRPr sz="1800" kern="1200">
           <a:solidFill>
-            <a:schemeClr val="bg2">
-              <a:lumMod val="75000"/>
-            </a:schemeClr>
+            <a:schemeClr val="tx1"/>
           </a:solidFill>
-          <a:effectLst/>
           <a:latin typeface="+mn-lt"/>
           <a:ea typeface="+mn-ea"/>
           <a:cs typeface="+mn-cs"/>
@@ -7086,9 +5145,9 @@
     </p:bodyStyle>
     <p:otherStyle>
       <a:defPPr>
-        <a:defRPr lang="en-US"/>
+        <a:defRPr lang="ru-RU"/>
       </a:defPPr>
-      <a:lvl1pPr marL="0" algn="l" defTabSz="457200" rtl="0" eaLnBrk="1" latinLnBrk="0" hangingPunct="1">
+      <a:lvl1pPr marL="0" algn="l" defTabSz="914400" rtl="0" eaLnBrk="1" latinLnBrk="0" hangingPunct="1">
         <a:defRPr sz="1800" kern="1200">
           <a:solidFill>
             <a:schemeClr val="tx1"/>
@@ -7098,7 +5157,7 @@
           <a:cs typeface="+mn-cs"/>
         </a:defRPr>
       </a:lvl1pPr>
-      <a:lvl2pPr marL="457200" algn="l" defTabSz="457200" rtl="0" eaLnBrk="1" latinLnBrk="0" hangingPunct="1">
+      <a:lvl2pPr marL="457200" algn="l" defTabSz="914400" rtl="0" eaLnBrk="1" latinLnBrk="0" hangingPunct="1">
         <a:defRPr sz="1800" kern="1200">
           <a:solidFill>
             <a:schemeClr val="tx1"/>
@@ -7108,7 +5167,7 @@
           <a:cs typeface="+mn-cs"/>
         </a:defRPr>
       </a:lvl2pPr>
-      <a:lvl3pPr marL="914400" algn="l" defTabSz="457200" rtl="0" eaLnBrk="1" latinLnBrk="0" hangingPunct="1">
+      <a:lvl3pPr marL="914400" algn="l" defTabSz="914400" rtl="0" eaLnBrk="1" latinLnBrk="0" hangingPunct="1">
         <a:defRPr sz="1800" kern="1200">
           <a:solidFill>
             <a:schemeClr val="tx1"/>
@@ -7118,7 +5177,7 @@
           <a:cs typeface="+mn-cs"/>
         </a:defRPr>
       </a:lvl3pPr>
-      <a:lvl4pPr marL="1371600" algn="l" defTabSz="457200" rtl="0" eaLnBrk="1" latinLnBrk="0" hangingPunct="1">
+      <a:lvl4pPr marL="1371600" algn="l" defTabSz="914400" rtl="0" eaLnBrk="1" latinLnBrk="0" hangingPunct="1">
         <a:defRPr sz="1800" kern="1200">
           <a:solidFill>
             <a:schemeClr val="tx1"/>
@@ -7128,7 +5187,7 @@
           <a:cs typeface="+mn-cs"/>
         </a:defRPr>
       </a:lvl4pPr>
-      <a:lvl5pPr marL="1828800" algn="l" defTabSz="457200" rtl="0" eaLnBrk="1" latinLnBrk="0" hangingPunct="1">
+      <a:lvl5pPr marL="1828800" algn="l" defTabSz="914400" rtl="0" eaLnBrk="1" latinLnBrk="0" hangingPunct="1">
         <a:defRPr sz="1800" kern="1200">
           <a:solidFill>
             <a:schemeClr val="tx1"/>
@@ -7138,7 +5197,7 @@
           <a:cs typeface="+mn-cs"/>
         </a:defRPr>
       </a:lvl5pPr>
-      <a:lvl6pPr marL="2286000" algn="l" defTabSz="457200" rtl="0" eaLnBrk="1" latinLnBrk="0" hangingPunct="1">
+      <a:lvl6pPr marL="2286000" algn="l" defTabSz="914400" rtl="0" eaLnBrk="1" latinLnBrk="0" hangingPunct="1">
         <a:defRPr sz="1800" kern="1200">
           <a:solidFill>
             <a:schemeClr val="tx1"/>
@@ -7148,7 +5207,7 @@
           <a:cs typeface="+mn-cs"/>
         </a:defRPr>
       </a:lvl6pPr>
-      <a:lvl7pPr marL="2743200" algn="l" defTabSz="457200" rtl="0" eaLnBrk="1" latinLnBrk="0" hangingPunct="1">
+      <a:lvl7pPr marL="2743200" algn="l" defTabSz="914400" rtl="0" eaLnBrk="1" latinLnBrk="0" hangingPunct="1">
         <a:defRPr sz="1800" kern="1200">
           <a:solidFill>
             <a:schemeClr val="tx1"/>
@@ -7158,7 +5217,7 @@
           <a:cs typeface="+mn-cs"/>
         </a:defRPr>
       </a:lvl7pPr>
-      <a:lvl8pPr marL="3200400" algn="l" defTabSz="457200" rtl="0" eaLnBrk="1" latinLnBrk="0" hangingPunct="1">
+      <a:lvl8pPr marL="3200400" algn="l" defTabSz="914400" rtl="0" eaLnBrk="1" latinLnBrk="0" hangingPunct="1">
         <a:defRPr sz="1800" kern="1200">
           <a:solidFill>
             <a:schemeClr val="tx1"/>
@@ -7168,7 +5227,7 @@
           <a:cs typeface="+mn-cs"/>
         </a:defRPr>
       </a:lvl8pPr>
-      <a:lvl9pPr marL="3657600" algn="l" defTabSz="457200" rtl="0" eaLnBrk="1" latinLnBrk="0" hangingPunct="1">
+      <a:lvl9pPr marL="3657600" algn="l" defTabSz="914400" rtl="0" eaLnBrk="1" latinLnBrk="0" hangingPunct="1">
         <a:defRPr sz="1800" kern="1200">
           <a:solidFill>
             <a:schemeClr val="tx1"/>
@@ -7239,7 +5298,7 @@
         </p:nvSpPr>
         <p:spPr>
           <a:xfrm flipH="1">
-            <a:off x="1951672" y="323850"/>
+            <a:off x="1951671" y="303530"/>
             <a:ext cx="8288656" cy="1200329"/>
           </a:xfrm>
           <a:prstGeom prst="rect">
@@ -7256,9 +5315,6 @@
             <a:pPr algn="ctr"/>
             <a:r>
               <a:rPr lang="ru-RU" dirty="0">
-                <a:solidFill>
-                  <a:schemeClr val="bg1"/>
-                </a:solidFill>
                 <a:latin typeface="Times New Roman" panose="02020603050405020304" pitchFamily="18" charset="0"/>
                 <a:cs typeface="Times New Roman" panose="02020603050405020304" pitchFamily="18" charset="0"/>
               </a:rPr>
@@ -7266,9 +5322,6 @@
             </a:r>
             <a:r>
               <a:rPr lang="en-US" b="0" i="0" dirty="0">
-                <a:solidFill>
-                  <a:schemeClr val="bg1"/>
-                </a:solidFill>
                 <a:effectLst/>
                 <a:latin typeface="Times New Roman" panose="02020603050405020304" pitchFamily="18" charset="0"/>
                 <a:cs typeface="Times New Roman" panose="02020603050405020304" pitchFamily="18" charset="0"/>
@@ -7277,9 +5330,6 @@
             </a:r>
             <a:r>
               <a:rPr lang="ru-RU" b="0" i="0" dirty="0">
-                <a:solidFill>
-                  <a:schemeClr val="bg1"/>
-                </a:solidFill>
                 <a:effectLst/>
                 <a:latin typeface="Times New Roman" panose="02020603050405020304" pitchFamily="18" charset="0"/>
                 <a:cs typeface="Times New Roman" panose="02020603050405020304" pitchFamily="18" charset="0"/>
@@ -7288,9 +5338,6 @@
             </a:r>
             <a:r>
               <a:rPr lang="en-US" b="0" i="0" dirty="0">
-                <a:solidFill>
-                  <a:schemeClr val="bg1"/>
-                </a:solidFill>
                 <a:effectLst/>
                 <a:latin typeface="Times New Roman" panose="02020603050405020304" pitchFamily="18" charset="0"/>
                 <a:cs typeface="Times New Roman" panose="02020603050405020304" pitchFamily="18" charset="0"/>
@@ -7299,9 +5346,6 @@
             </a:r>
             <a:r>
               <a:rPr lang="ru-RU" b="0" i="0" dirty="0">
-                <a:solidFill>
-                  <a:schemeClr val="bg1"/>
-                </a:solidFill>
                 <a:effectLst/>
                 <a:latin typeface="Times New Roman" panose="02020603050405020304" pitchFamily="18" charset="0"/>
                 <a:cs typeface="Times New Roman" panose="02020603050405020304" pitchFamily="18" charset="0"/>
@@ -7313,9 +5357,6 @@
             <a:pPr algn="ctr"/>
             <a:r>
               <a:rPr lang="ru-RU" b="0" i="0" dirty="0">
-                <a:solidFill>
-                  <a:schemeClr val="bg1"/>
-                </a:solidFill>
                 <a:effectLst/>
                 <a:latin typeface="Times New Roman" panose="02020603050405020304" pitchFamily="18" charset="0"/>
                 <a:cs typeface="Times New Roman" panose="02020603050405020304" pitchFamily="18" charset="0"/>
@@ -7327,9 +5368,6 @@
             <a:pPr algn="ctr"/>
             <a:r>
               <a:rPr lang="ru-RU" dirty="0">
-                <a:solidFill>
-                  <a:schemeClr val="bg1"/>
-                </a:solidFill>
                 <a:latin typeface="Times New Roman" panose="02020603050405020304" pitchFamily="18" charset="0"/>
                 <a:cs typeface="Times New Roman" panose="02020603050405020304" pitchFamily="18" charset="0"/>
               </a:rPr>
@@ -7438,9 +5476,6 @@
           <a:p>
             <a:r>
               <a:rPr lang="ru-RU" dirty="0">
-                <a:solidFill>
-                  <a:schemeClr val="bg1"/>
-                </a:solidFill>
                 <a:latin typeface="Times New Roman" panose="02020603050405020304" pitchFamily="18" charset="0"/>
                 <a:cs typeface="Times New Roman" panose="02020603050405020304" pitchFamily="18" charset="0"/>
               </a:rPr>
@@ -7448,9 +5483,6 @@
             </a:r>
             <a:r>
               <a:rPr lang="en-US" dirty="0">
-                <a:solidFill>
-                  <a:schemeClr val="bg1"/>
-                </a:solidFill>
                 <a:latin typeface="Times New Roman" panose="02020603050405020304" pitchFamily="18" charset="0"/>
                 <a:cs typeface="Times New Roman" panose="02020603050405020304" pitchFamily="18" charset="0"/>
               </a:rPr>
@@ -7458,9 +5490,6 @@
             </a:r>
             <a:r>
               <a:rPr lang="ru-RU" dirty="0">
-                <a:solidFill>
-                  <a:schemeClr val="bg1"/>
-                </a:solidFill>
                 <a:latin typeface="Times New Roman" panose="02020603050405020304" pitchFamily="18" charset="0"/>
                 <a:cs typeface="Times New Roman" panose="02020603050405020304" pitchFamily="18" charset="0"/>
               </a:rPr>
@@ -7470,9 +5499,6 @@
           <a:p>
             <a:r>
               <a:rPr lang="ru-RU" dirty="0">
-                <a:solidFill>
-                  <a:schemeClr val="bg1"/>
-                </a:solidFill>
                 <a:latin typeface="Times New Roman" panose="02020603050405020304" pitchFamily="18" charset="0"/>
                 <a:cs typeface="Times New Roman" panose="02020603050405020304" pitchFamily="18" charset="0"/>
               </a:rPr>
@@ -7480,9 +5506,6 @@
             </a:r>
             <a:r>
               <a:rPr lang="en-US" dirty="0">
-                <a:solidFill>
-                  <a:schemeClr val="bg1"/>
-                </a:solidFill>
                 <a:latin typeface="Times New Roman" panose="02020603050405020304" pitchFamily="18" charset="0"/>
                 <a:cs typeface="Times New Roman" panose="02020603050405020304" pitchFamily="18" charset="0"/>
               </a:rPr>
@@ -7490,9 +5513,6 @@
             </a:r>
             <a:r>
               <a:rPr lang="ru-RU" dirty="0">
-                <a:solidFill>
-                  <a:schemeClr val="bg1"/>
-                </a:solidFill>
                 <a:latin typeface="Times New Roman" panose="02020603050405020304" pitchFamily="18" charset="0"/>
                 <a:cs typeface="Times New Roman" panose="02020603050405020304" pitchFamily="18" charset="0"/>
               </a:rPr>
@@ -7502,9 +5522,6 @@
           <a:p>
             <a:r>
               <a:rPr lang="ru-RU" dirty="0">
-                <a:solidFill>
-                  <a:srgbClr val="000000"/>
-                </a:solidFill>
                 <a:latin typeface="Times New Roman" panose="02020603050405020304" pitchFamily="18" charset="0"/>
                 <a:ea typeface="Times New Roman" panose="02020603050405020304" pitchFamily="18" charset="0"/>
               </a:rPr>
@@ -7512,9 +5529,6 @@
             </a:r>
             <a:r>
               <a:rPr lang="ru-RU" sz="1800" dirty="0">
-                <a:solidFill>
-                  <a:srgbClr val="000000"/>
-                </a:solidFill>
                 <a:effectLst/>
                 <a:latin typeface="Times New Roman" panose="02020603050405020304" pitchFamily="18" charset="0"/>
                 <a:ea typeface="Times New Roman" panose="02020603050405020304" pitchFamily="18" charset="0"/>
@@ -7523,9 +5537,6 @@
             </a:r>
             <a:r>
               <a:rPr lang="en-US" sz="1800" dirty="0">
-                <a:solidFill>
-                  <a:srgbClr val="000000"/>
-                </a:solidFill>
                 <a:effectLst/>
                 <a:latin typeface="Times New Roman" panose="02020603050405020304" pitchFamily="18" charset="0"/>
                 <a:ea typeface="Times New Roman" panose="02020603050405020304" pitchFamily="18" charset="0"/>
@@ -7534,9 +5545,6 @@
             </a:r>
             <a:r>
               <a:rPr lang="ru-RU" sz="1800" dirty="0">
-                <a:solidFill>
-                  <a:srgbClr val="000000"/>
-                </a:solidFill>
                 <a:effectLst/>
                 <a:latin typeface="Times New Roman" panose="02020603050405020304" pitchFamily="18" charset="0"/>
                 <a:ea typeface="Times New Roman" panose="02020603050405020304" pitchFamily="18" charset="0"/>
@@ -7545,9 +5553,6 @@
             </a:r>
             <a:r>
               <a:rPr lang="ru-RU" dirty="0">
-                <a:solidFill>
-                  <a:srgbClr val="000000"/>
-                </a:solidFill>
                 <a:latin typeface="Times New Roman" panose="02020603050405020304" pitchFamily="18" charset="0"/>
                 <a:ea typeface="Times New Roman" panose="02020603050405020304" pitchFamily="18" charset="0"/>
               </a:rPr>
@@ -7555,9 +5560,6 @@
             </a:r>
             <a:r>
               <a:rPr lang="ru-RU" sz="1800" dirty="0">
-                <a:solidFill>
-                  <a:srgbClr val="000000"/>
-                </a:solidFill>
                 <a:effectLst/>
                 <a:latin typeface="Times New Roman" panose="02020603050405020304" pitchFamily="18" charset="0"/>
                 <a:ea typeface="Times New Roman" panose="02020603050405020304" pitchFamily="18" charset="0"/>
@@ -7565,9 +5567,6 @@
               <a:t>ехнологии параллельных и распределённых вычислений</a:t>
             </a:r>
             <a:endParaRPr lang="ru-RU" dirty="0">
-              <a:solidFill>
-                <a:schemeClr val="bg1"/>
-              </a:solidFill>
               <a:latin typeface="Times New Roman" panose="02020603050405020304" pitchFamily="18" charset="0"/>
               <a:cs typeface="Times New Roman" panose="02020603050405020304" pitchFamily="18" charset="0"/>
             </a:endParaRPr>
@@ -7575,9 +5574,6 @@
           <a:p>
             <a:r>
               <a:rPr lang="ru-RU" dirty="0">
-                <a:solidFill>
-                  <a:schemeClr val="bg1"/>
-                </a:solidFill>
                 <a:latin typeface="Times New Roman" panose="02020603050405020304" pitchFamily="18" charset="0"/>
                 <a:cs typeface="Times New Roman" panose="02020603050405020304" pitchFamily="18" charset="0"/>
               </a:rPr>
@@ -7585,9 +5581,6 @@
             </a:r>
             <a:r>
               <a:rPr lang="en-US" dirty="0">
-                <a:solidFill>
-                  <a:schemeClr val="bg1"/>
-                </a:solidFill>
                 <a:latin typeface="Times New Roman" panose="02020603050405020304" pitchFamily="18" charset="0"/>
                 <a:cs typeface="Times New Roman" panose="02020603050405020304" pitchFamily="18" charset="0"/>
               </a:rPr>
@@ -7595,9 +5588,6 @@
             </a:r>
             <a:r>
               <a:rPr lang="ru-RU" dirty="0">
-                <a:solidFill>
-                  <a:schemeClr val="bg1"/>
-                </a:solidFill>
                 <a:latin typeface="Times New Roman" panose="02020603050405020304" pitchFamily="18" charset="0"/>
                 <a:cs typeface="Times New Roman" panose="02020603050405020304" pitchFamily="18" charset="0"/>
               </a:rPr>
@@ -9015,31 +7005,6 @@
 <file path=ppt/slides/slide12.xml><?xml version="1.0" encoding="utf-8"?>
 <p:sld xmlns:a="http://schemas.openxmlformats.org/drawingml/2006/main" xmlns:r="http://schemas.openxmlformats.org/officeDocument/2006/relationships" xmlns:p="http://schemas.openxmlformats.org/presentationml/2006/main">
   <p:cSld>
-    <p:bg>
-      <p:bgPr>
-        <a:gradFill rotWithShape="1">
-          <a:gsLst>
-            <a:gs pos="84000">
-              <a:schemeClr val="bg2">
-                <a:tint val="97000"/>
-                <a:hueMod val="92000"/>
-                <a:satMod val="169000"/>
-                <a:lumMod val="164000"/>
-              </a:schemeClr>
-            </a:gs>
-            <a:gs pos="100000">
-              <a:schemeClr val="bg2">
-                <a:shade val="96000"/>
-                <a:satMod val="120000"/>
-                <a:lumMod val="90000"/>
-              </a:schemeClr>
-            </a:gs>
-          </a:gsLst>
-          <a:lin ang="6120000" scaled="1"/>
-        </a:gradFill>
-        <a:effectLst/>
-      </p:bgPr>
-    </p:bg>
     <p:spTree>
       <p:nvGrpSpPr>
         <p:cNvPr id="1" name=""/>
@@ -9068,7 +7033,7 @@
         </p:nvSpPr>
         <p:spPr>
           <a:xfrm flipH="1">
-            <a:off x="1951672" y="323850"/>
+            <a:off x="1951671" y="303530"/>
             <a:ext cx="8288656" cy="1200329"/>
           </a:xfrm>
           <a:prstGeom prst="rect">
@@ -9085,9 +7050,6 @@
             <a:pPr algn="ctr"/>
             <a:r>
               <a:rPr lang="ru-RU" dirty="0">
-                <a:solidFill>
-                  <a:schemeClr val="bg1"/>
-                </a:solidFill>
                 <a:latin typeface="Times New Roman" panose="02020603050405020304" pitchFamily="18" charset="0"/>
                 <a:cs typeface="Times New Roman" panose="02020603050405020304" pitchFamily="18" charset="0"/>
               </a:rPr>
@@ -9095,9 +7057,6 @@
             </a:r>
             <a:r>
               <a:rPr lang="en-US" b="0" i="0" dirty="0">
-                <a:solidFill>
-                  <a:schemeClr val="bg1"/>
-                </a:solidFill>
                 <a:effectLst/>
                 <a:latin typeface="Times New Roman" panose="02020603050405020304" pitchFamily="18" charset="0"/>
                 <a:cs typeface="Times New Roman" panose="02020603050405020304" pitchFamily="18" charset="0"/>
@@ -9106,9 +7065,6 @@
             </a:r>
             <a:r>
               <a:rPr lang="ru-RU" b="0" i="0" dirty="0">
-                <a:solidFill>
-                  <a:schemeClr val="bg1"/>
-                </a:solidFill>
                 <a:effectLst/>
                 <a:latin typeface="Times New Roman" panose="02020603050405020304" pitchFamily="18" charset="0"/>
                 <a:cs typeface="Times New Roman" panose="02020603050405020304" pitchFamily="18" charset="0"/>
@@ -9117,9 +7073,6 @@
             </a:r>
             <a:r>
               <a:rPr lang="en-US" b="0" i="0" dirty="0">
-                <a:solidFill>
-                  <a:schemeClr val="bg1"/>
-                </a:solidFill>
                 <a:effectLst/>
                 <a:latin typeface="Times New Roman" panose="02020603050405020304" pitchFamily="18" charset="0"/>
                 <a:cs typeface="Times New Roman" panose="02020603050405020304" pitchFamily="18" charset="0"/>
@@ -9128,9 +7081,6 @@
             </a:r>
             <a:r>
               <a:rPr lang="ru-RU" b="0" i="0" dirty="0">
-                <a:solidFill>
-                  <a:schemeClr val="bg1"/>
-                </a:solidFill>
                 <a:effectLst/>
                 <a:latin typeface="Times New Roman" panose="02020603050405020304" pitchFamily="18" charset="0"/>
                 <a:cs typeface="Times New Roman" panose="02020603050405020304" pitchFamily="18" charset="0"/>
@@ -9142,9 +7092,6 @@
             <a:pPr algn="ctr"/>
             <a:r>
               <a:rPr lang="ru-RU" b="0" i="0" dirty="0">
-                <a:solidFill>
-                  <a:schemeClr val="bg1"/>
-                </a:solidFill>
                 <a:effectLst/>
                 <a:latin typeface="Times New Roman" panose="02020603050405020304" pitchFamily="18" charset="0"/>
                 <a:cs typeface="Times New Roman" panose="02020603050405020304" pitchFamily="18" charset="0"/>
@@ -9156,9 +7103,6 @@
             <a:pPr algn="ctr"/>
             <a:r>
               <a:rPr lang="ru-RU" dirty="0">
-                <a:solidFill>
-                  <a:schemeClr val="bg1"/>
-                </a:solidFill>
                 <a:latin typeface="Times New Roman" panose="02020603050405020304" pitchFamily="18" charset="0"/>
                 <a:cs typeface="Times New Roman" panose="02020603050405020304" pitchFamily="18" charset="0"/>
               </a:rPr>
@@ -9209,7 +7153,25 @@
                 <a:latin typeface="Times New Roman" panose="02020603050405020304" pitchFamily="18" charset="0"/>
                 <a:ea typeface="Times New Roman" panose="02020603050405020304" pitchFamily="18" charset="0"/>
               </a:rPr>
-              <a:t>РАЗРАБОТКА МЕТОДОВ ОПТИМИЗАЦИИ ВЗАИМОДЕЙСТВИЯ ВЕБ-САЙТА С БАЗОЙ ДАННЫХ</a:t>
+              <a:t>РАЗРАБОТКА МЕТОДОВ ОПТИМИЗАЦИИ </a:t>
+            </a:r>
+          </a:p>
+          <a:p>
+            <a:pPr algn="ctr">
+              <a:lnSpc>
+                <a:spcPct val="150000"/>
+              </a:lnSpc>
+            </a:pPr>
+            <a:r>
+              <a:rPr lang="ru-RU" sz="1800" dirty="0">
+                <a:solidFill>
+                  <a:srgbClr val="000000"/>
+                </a:solidFill>
+                <a:effectLst/>
+                <a:latin typeface="Times New Roman" panose="02020603050405020304" pitchFamily="18" charset="0"/>
+                <a:ea typeface="Times New Roman" panose="02020603050405020304" pitchFamily="18" charset="0"/>
+              </a:rPr>
+              <a:t>ВЗАИМОДЕЙСТВИЯ ВЕБ-САЙТА С БАЗОЙ ДАННЫХ</a:t>
             </a:r>
             <a:endParaRPr lang="ru-RU" sz="1800" dirty="0">
               <a:effectLst/>
@@ -9249,9 +7211,6 @@
           <a:p>
             <a:r>
               <a:rPr lang="ru-RU" dirty="0">
-                <a:solidFill>
-                  <a:schemeClr val="bg1"/>
-                </a:solidFill>
                 <a:latin typeface="Times New Roman" panose="02020603050405020304" pitchFamily="18" charset="0"/>
                 <a:cs typeface="Times New Roman" panose="02020603050405020304" pitchFamily="18" charset="0"/>
               </a:rPr>
@@ -9259,9 +7218,6 @@
             </a:r>
             <a:r>
               <a:rPr lang="en-US" dirty="0">
-                <a:solidFill>
-                  <a:schemeClr val="bg1"/>
-                </a:solidFill>
                 <a:latin typeface="Times New Roman" panose="02020603050405020304" pitchFamily="18" charset="0"/>
                 <a:cs typeface="Times New Roman" panose="02020603050405020304" pitchFamily="18" charset="0"/>
               </a:rPr>
@@ -9269,9 +7225,6 @@
             </a:r>
             <a:r>
               <a:rPr lang="ru-RU" dirty="0">
-                <a:solidFill>
-                  <a:schemeClr val="bg1"/>
-                </a:solidFill>
                 <a:latin typeface="Times New Roman" panose="02020603050405020304" pitchFamily="18" charset="0"/>
                 <a:cs typeface="Times New Roman" panose="02020603050405020304" pitchFamily="18" charset="0"/>
               </a:rPr>
@@ -9281,9 +7234,6 @@
           <a:p>
             <a:r>
               <a:rPr lang="ru-RU" dirty="0">
-                <a:solidFill>
-                  <a:schemeClr val="bg1"/>
-                </a:solidFill>
                 <a:latin typeface="Times New Roman" panose="02020603050405020304" pitchFamily="18" charset="0"/>
                 <a:cs typeface="Times New Roman" panose="02020603050405020304" pitchFamily="18" charset="0"/>
               </a:rPr>
@@ -9291,9 +7241,6 @@
             </a:r>
             <a:r>
               <a:rPr lang="en-US" dirty="0">
-                <a:solidFill>
-                  <a:schemeClr val="bg1"/>
-                </a:solidFill>
                 <a:latin typeface="Times New Roman" panose="02020603050405020304" pitchFamily="18" charset="0"/>
                 <a:cs typeface="Times New Roman" panose="02020603050405020304" pitchFamily="18" charset="0"/>
               </a:rPr>
@@ -9301,9 +7248,6 @@
             </a:r>
             <a:r>
               <a:rPr lang="ru-RU" dirty="0">
-                <a:solidFill>
-                  <a:schemeClr val="bg1"/>
-                </a:solidFill>
                 <a:latin typeface="Times New Roman" panose="02020603050405020304" pitchFamily="18" charset="0"/>
                 <a:cs typeface="Times New Roman" panose="02020603050405020304" pitchFamily="18" charset="0"/>
               </a:rPr>
@@ -9313,9 +7257,6 @@
           <a:p>
             <a:r>
               <a:rPr lang="ru-RU" dirty="0">
-                <a:solidFill>
-                  <a:srgbClr val="000000"/>
-                </a:solidFill>
                 <a:latin typeface="Times New Roman" panose="02020603050405020304" pitchFamily="18" charset="0"/>
                 <a:ea typeface="Times New Roman" panose="02020603050405020304" pitchFamily="18" charset="0"/>
               </a:rPr>
@@ -9323,9 +7264,6 @@
             </a:r>
             <a:r>
               <a:rPr lang="ru-RU" sz="1800" dirty="0">
-                <a:solidFill>
-                  <a:srgbClr val="000000"/>
-                </a:solidFill>
                 <a:effectLst/>
                 <a:latin typeface="Times New Roman" panose="02020603050405020304" pitchFamily="18" charset="0"/>
                 <a:ea typeface="Times New Roman" panose="02020603050405020304" pitchFamily="18" charset="0"/>
@@ -9334,9 +7272,6 @@
             </a:r>
             <a:r>
               <a:rPr lang="en-US" sz="1800" dirty="0">
-                <a:solidFill>
-                  <a:srgbClr val="000000"/>
-                </a:solidFill>
                 <a:effectLst/>
                 <a:latin typeface="Times New Roman" panose="02020603050405020304" pitchFamily="18" charset="0"/>
                 <a:ea typeface="Times New Roman" panose="02020603050405020304" pitchFamily="18" charset="0"/>
@@ -9345,9 +7280,6 @@
             </a:r>
             <a:r>
               <a:rPr lang="ru-RU" sz="1800" dirty="0">
-                <a:solidFill>
-                  <a:srgbClr val="000000"/>
-                </a:solidFill>
                 <a:effectLst/>
                 <a:latin typeface="Times New Roman" panose="02020603050405020304" pitchFamily="18" charset="0"/>
                 <a:ea typeface="Times New Roman" panose="02020603050405020304" pitchFamily="18" charset="0"/>
@@ -9356,9 +7288,6 @@
             </a:r>
             <a:r>
               <a:rPr lang="ru-RU" dirty="0">
-                <a:solidFill>
-                  <a:srgbClr val="000000"/>
-                </a:solidFill>
                 <a:latin typeface="Times New Roman" panose="02020603050405020304" pitchFamily="18" charset="0"/>
                 <a:ea typeface="Times New Roman" panose="02020603050405020304" pitchFamily="18" charset="0"/>
               </a:rPr>
@@ -9366,9 +7295,6 @@
             </a:r>
             <a:r>
               <a:rPr lang="ru-RU" sz="1800" dirty="0">
-                <a:solidFill>
-                  <a:srgbClr val="000000"/>
-                </a:solidFill>
                 <a:effectLst/>
                 <a:latin typeface="Times New Roman" panose="02020603050405020304" pitchFamily="18" charset="0"/>
                 <a:ea typeface="Times New Roman" panose="02020603050405020304" pitchFamily="18" charset="0"/>
@@ -9376,9 +7302,6 @@
               <a:t>ехнологии параллельных и распределённых вычислений</a:t>
             </a:r>
             <a:endParaRPr lang="ru-RU" dirty="0">
-              <a:solidFill>
-                <a:schemeClr val="bg1"/>
-              </a:solidFill>
               <a:latin typeface="Times New Roman" panose="02020603050405020304" pitchFamily="18" charset="0"/>
               <a:cs typeface="Times New Roman" panose="02020603050405020304" pitchFamily="18" charset="0"/>
             </a:endParaRPr>
@@ -9386,9 +7309,6 @@
           <a:p>
             <a:r>
               <a:rPr lang="ru-RU" dirty="0">
-                <a:solidFill>
-                  <a:schemeClr val="bg1"/>
-                </a:solidFill>
                 <a:latin typeface="Times New Roman" panose="02020603050405020304" pitchFamily="18" charset="0"/>
                 <a:cs typeface="Times New Roman" panose="02020603050405020304" pitchFamily="18" charset="0"/>
               </a:rPr>
@@ -9396,9 +7316,6 @@
             </a:r>
             <a:r>
               <a:rPr lang="en-US" dirty="0">
-                <a:solidFill>
-                  <a:schemeClr val="bg1"/>
-                </a:solidFill>
                 <a:latin typeface="Times New Roman" panose="02020603050405020304" pitchFamily="18" charset="0"/>
                 <a:cs typeface="Times New Roman" panose="02020603050405020304" pitchFamily="18" charset="0"/>
               </a:rPr>
@@ -9406,9 +7323,6 @@
             </a:r>
             <a:r>
               <a:rPr lang="ru-RU" dirty="0">
-                <a:solidFill>
-                  <a:schemeClr val="bg1"/>
-                </a:solidFill>
                 <a:latin typeface="Times New Roman" panose="02020603050405020304" pitchFamily="18" charset="0"/>
                 <a:cs typeface="Times New Roman" panose="02020603050405020304" pitchFamily="18" charset="0"/>
               </a:rPr>
@@ -9480,10 +7394,42 @@
           </a:p>
         </p:txBody>
       </p:sp>
+      <p:sp>
+        <p:nvSpPr>
+          <p:cNvPr id="6" name="TextBox 5">
+            <a:extLst>
+              <a:ext uri="{FF2B5EF4-FFF2-40B4-BE49-F238E27FC236}">
+                <a16:creationId xmlns:a16="http://schemas.microsoft.com/office/drawing/2014/main" id="{08985509-4F76-9755-DCA3-463744760A0D}"/>
+              </a:ext>
+            </a:extLst>
+          </p:cNvPr>
+          <p:cNvSpPr txBox="1"/>
+          <p:nvPr/>
+        </p:nvSpPr>
+        <p:spPr>
+          <a:xfrm>
+            <a:off x="3057525" y="1981200"/>
+            <a:ext cx="4638675" cy="369332"/>
+          </a:xfrm>
+          <a:prstGeom prst="rect">
+            <a:avLst/>
+          </a:prstGeom>
+          <a:noFill/>
+        </p:spPr>
+        <p:txBody>
+          <a:bodyPr wrap="square" rtlCol="0">
+            <a:spAutoFit/>
+          </a:bodyPr>
+          <a:lstStyle/>
+          <a:p>
+            <a:endParaRPr lang="ru-RU" dirty="0"/>
+          </a:p>
+        </p:txBody>
+      </p:sp>
     </p:spTree>
     <p:extLst>
       <p:ext uri="{BB962C8B-B14F-4D97-AF65-F5344CB8AC3E}">
-        <p14:creationId xmlns:p14="http://schemas.microsoft.com/office/powerpoint/2010/main" val="3755625421"/>
+        <p14:creationId xmlns:p14="http://schemas.microsoft.com/office/powerpoint/2010/main" val="1897497102"/>
       </p:ext>
     </p:extLst>
   </p:cSld>
@@ -10397,7 +8343,7 @@
         </p:nvSpPr>
         <p:spPr>
           <a:xfrm>
-            <a:off x="1052512" y="9525"/>
+            <a:off x="1052511" y="86456"/>
             <a:ext cx="10086975" cy="1019175"/>
           </a:xfrm>
         </p:spPr>
@@ -12766,7 +10712,7 @@
           <p:nvPr>
             <p:extLst>
               <p:ext uri="{D42A27DB-BD31-4B8C-83A1-F6EECF244321}">
-                <p14:modId xmlns:p14="http://schemas.microsoft.com/office/powerpoint/2010/main" val="1458977840"/>
+                <p14:modId xmlns:p14="http://schemas.microsoft.com/office/powerpoint/2010/main" val="1370826312"/>
               </p:ext>
             </p:extLst>
           </p:nvPr>
@@ -12796,7 +10742,7 @@
           <p:nvPr>
             <p:extLst>
               <p:ext uri="{D42A27DB-BD31-4B8C-83A1-F6EECF244321}">
-                <p14:modId xmlns:p14="http://schemas.microsoft.com/office/powerpoint/2010/main" val="3773933263"/>
+                <p14:modId xmlns:p14="http://schemas.microsoft.com/office/powerpoint/2010/main" val="2633598899"/>
               </p:ext>
             </p:extLst>
           </p:nvPr>
@@ -12825,7 +10771,7 @@
         </p:nvSpPr>
         <p:spPr>
           <a:xfrm>
-            <a:off x="4590432" y="6047571"/>
+            <a:off x="4803792" y="6047571"/>
             <a:ext cx="3419249" cy="954107"/>
           </a:xfrm>
           <a:prstGeom prst="rect">
@@ -12842,10 +10788,18 @@
             <a:r>
               <a:rPr lang="ru-RU" sz="1400" dirty="0">
                 <a:highlight>
+                  <a:srgbClr val="00FF00"/>
+                </a:highlight>
+              </a:rPr>
+              <a:t>После использования инструмента</a:t>
+            </a:r>
+            <a:r>
+              <a:rPr lang="ru-RU" sz="1400" dirty="0">
+                <a:highlight>
                   <a:srgbClr val="008000"/>
                 </a:highlight>
               </a:rPr>
-              <a:t>После использования инструмента  </a:t>
+              <a:t>  </a:t>
             </a:r>
             <a:r>
               <a:rPr lang="ru-RU" sz="1400" dirty="0"/>
@@ -13817,9 +11771,9 @@
 </file>
 
 <file path=ppt/theme/theme1.xml><?xml version="1.0" encoding="utf-8"?>
-<a:theme xmlns:a="http://schemas.openxmlformats.org/drawingml/2006/main" name="Сектор">
+<a:theme xmlns:a="http://schemas.openxmlformats.org/drawingml/2006/main" name="Тема Office">
   <a:themeElements>
-    <a:clrScheme name="Slice">
+    <a:clrScheme name="Стандартная">
       <a:dk1>
         <a:sysClr val="windowText" lastClr="000000"/>
       </a:dk1>
@@ -13827,48 +11781,100 @@
         <a:sysClr val="window" lastClr="FFFFFF"/>
       </a:lt1>
       <a:dk2>
-        <a:srgbClr val="146194"/>
+        <a:srgbClr val="44546A"/>
       </a:dk2>
       <a:lt2>
-        <a:srgbClr val="76DBF4"/>
+        <a:srgbClr val="E7E6E6"/>
       </a:lt2>
       <a:accent1>
-        <a:srgbClr val="052F61"/>
+        <a:srgbClr val="4472C4"/>
       </a:accent1>
       <a:accent2>
-        <a:srgbClr val="A50E82"/>
+        <a:srgbClr val="ED7D31"/>
       </a:accent2>
       <a:accent3>
-        <a:srgbClr val="14967C"/>
+        <a:srgbClr val="A5A5A5"/>
       </a:accent3>
       <a:accent4>
-        <a:srgbClr val="6A9E1F"/>
+        <a:srgbClr val="FFC000"/>
       </a:accent4>
       <a:accent5>
-        <a:srgbClr val="E87D37"/>
+        <a:srgbClr val="5B9BD5"/>
       </a:accent5>
       <a:accent6>
-        <a:srgbClr val="C62324"/>
+        <a:srgbClr val="70AD47"/>
       </a:accent6>
       <a:hlink>
-        <a:srgbClr val="0D2E46"/>
+        <a:srgbClr val="0563C1"/>
       </a:hlink>
       <a:folHlink>
-        <a:srgbClr val="356A95"/>
+        <a:srgbClr val="954F72"/>
       </a:folHlink>
     </a:clrScheme>
-    <a:fontScheme name="Slice">
+    <a:fontScheme name="Стандартная">
       <a:majorFont>
-        <a:latin typeface="Century Gothic" panose="020B0502020202020204"/>
+        <a:latin typeface="Calibri Light" panose="020F0302020204030204"/>
         <a:ea typeface=""/>
         <a:cs typeface=""/>
-        <a:font script="Jpan" typeface="メイリオ"/>
-        <a:font script="Hang" typeface="HY중고딕"/>
-        <a:font script="Hans" typeface="幼圆"/>
-        <a:font script="Hant" typeface="微軟正黑體"/>
-        <a:font script="Arab" typeface="Tahoma"/>
-        <a:font script="Hebr" typeface="Gisha"/>
-        <a:font script="Thai" typeface="DilleniaUPC"/>
+        <a:font script="Jpan" typeface="游ゴシック Light"/>
+        <a:font script="Hang" typeface="맑은 고딕"/>
+        <a:font script="Hans" typeface="等线 Light"/>
+        <a:font script="Hant" typeface="新細明體"/>
+        <a:font script="Arab" typeface="Times New Roman"/>
+        <a:font script="Hebr" typeface="Times New Roman"/>
+        <a:font script="Thai" typeface="Angsana New"/>
+        <a:font script="Ethi" typeface="Nyala"/>
+        <a:font script="Beng" typeface="Vrinda"/>
+        <a:font script="Gujr" typeface="Shruti"/>
+        <a:font script="Khmr" typeface="MoolBoran"/>
+        <a:font script="Knda" typeface="Tunga"/>
+        <a:font script="Guru" typeface="Raavi"/>
+        <a:font script="Cans" typeface="Euphemia"/>
+        <a:font script="Cher" typeface="Plantagenet Cherokee"/>
+        <a:font script="Yiii" typeface="Microsoft Yi Baiti"/>
+        <a:font script="Tibt" typeface="Microsoft Himalaya"/>
+        <a:font script="Thaa" typeface="MV Boli"/>
+        <a:font script="Deva" typeface="Mangal"/>
+        <a:font script="Telu" typeface="Gautami"/>
+        <a:font script="Taml" typeface="Latha"/>
+        <a:font script="Syrc" typeface="Estrangelo Edessa"/>
+        <a:font script="Orya" typeface="Kalinga"/>
+        <a:font script="Mlym" typeface="Kartika"/>
+        <a:font script="Laoo" typeface="DokChampa"/>
+        <a:font script="Sinh" typeface="Iskoola Pota"/>
+        <a:font script="Mong" typeface="Mongolian Baiti"/>
+        <a:font script="Viet" typeface="Times New Roman"/>
+        <a:font script="Uigh" typeface="Microsoft Uighur"/>
+        <a:font script="Geor" typeface="Sylfaen"/>
+        <a:font script="Armn" typeface="Arial"/>
+        <a:font script="Bugi" typeface="Leelawadee UI"/>
+        <a:font script="Bopo" typeface="Microsoft JhengHei"/>
+        <a:font script="Java" typeface="Javanese Text"/>
+        <a:font script="Lisu" typeface="Segoe UI"/>
+        <a:font script="Mymr" typeface="Myanmar Text"/>
+        <a:font script="Nkoo" typeface="Ebrima"/>
+        <a:font script="Olck" typeface="Nirmala UI"/>
+        <a:font script="Osma" typeface="Ebrima"/>
+        <a:font script="Phag" typeface="Phagspa"/>
+        <a:font script="Syrn" typeface="Estrangelo Edessa"/>
+        <a:font script="Syrj" typeface="Estrangelo Edessa"/>
+        <a:font script="Syre" typeface="Estrangelo Edessa"/>
+        <a:font script="Sora" typeface="Nirmala UI"/>
+        <a:font script="Tale" typeface="Microsoft Tai Le"/>
+        <a:font script="Talu" typeface="Microsoft New Tai Lue"/>
+        <a:font script="Tfng" typeface="Ebrima"/>
+      </a:majorFont>
+      <a:minorFont>
+        <a:latin typeface="Calibri" panose="020F0502020204030204"/>
+        <a:ea typeface=""/>
+        <a:cs typeface=""/>
+        <a:font script="Jpan" typeface="游ゴシック"/>
+        <a:font script="Hang" typeface="맑은 고딕"/>
+        <a:font script="Hans" typeface="等线"/>
+        <a:font script="Hant" typeface="新細明體"/>
+        <a:font script="Arab" typeface="Arial"/>
+        <a:font script="Hebr" typeface="Arial"/>
+        <a:font script="Thai" typeface="Cordia New"/>
         <a:font script="Ethi" typeface="Nyala"/>
         <a:font script="Beng" typeface="Vrinda"/>
         <a:font script="Gujr" typeface="Shruti"/>
@@ -13889,47 +11895,29 @@
         <a:font script="Laoo" typeface="DokChampa"/>
         <a:font script="Sinh" typeface="Iskoola Pota"/>
         <a:font script="Mong" typeface="Mongolian Baiti"/>
-        <a:font script="Viet" typeface="Tahoma"/>
+        <a:font script="Viet" typeface="Arial"/>
         <a:font script="Uigh" typeface="Microsoft Uighur"/>
         <a:font script="Geor" typeface="Sylfaen"/>
-      </a:majorFont>
-      <a:minorFont>
-        <a:latin typeface="Century Gothic" panose="020B0502020202020204"/>
-        <a:ea typeface=""/>
-        <a:cs typeface=""/>
-        <a:font script="Jpan" typeface="メイリオ"/>
-        <a:font script="Hang" typeface="HY중고딕"/>
-        <a:font script="Hans" typeface="幼圆"/>
-        <a:font script="Hant" typeface="微軟正黑體"/>
-        <a:font script="Arab" typeface="Tahoma"/>
-        <a:font script="Hebr" typeface="Gisha"/>
-        <a:font script="Thai" typeface="DilleniaUPC"/>
-        <a:font script="Ethi" typeface="Nyala"/>
-        <a:font script="Beng" typeface="Vrinda"/>
-        <a:font script="Gujr" typeface="Shruti"/>
-        <a:font script="Khmr" typeface="DaunPenh"/>
-        <a:font script="Knda" typeface="Tunga"/>
-        <a:font script="Guru" typeface="Raavi"/>
-        <a:font script="Cans" typeface="Euphemia"/>
-        <a:font script="Cher" typeface="Plantagenet Cherokee"/>
-        <a:font script="Yiii" typeface="Microsoft Yi Baiti"/>
-        <a:font script="Tibt" typeface="Microsoft Himalaya"/>
-        <a:font script="Thaa" typeface="MV Boli"/>
-        <a:font script="Deva" typeface="Mangal"/>
-        <a:font script="Telu" typeface="Gautami"/>
-        <a:font script="Taml" typeface="Latha"/>
-        <a:font script="Syrc" typeface="Estrangelo Edessa"/>
-        <a:font script="Orya" typeface="Kalinga"/>
-        <a:font script="Mlym" typeface="Kartika"/>
-        <a:font script="Laoo" typeface="DokChampa"/>
-        <a:font script="Sinh" typeface="Iskoola Pota"/>
-        <a:font script="Mong" typeface="Mongolian Baiti"/>
-        <a:font script="Viet" typeface="Tahoma"/>
-        <a:font script="Uigh" typeface="Microsoft Uighur"/>
-        <a:font script="Geor" typeface="Sylfaen"/>
+        <a:font script="Armn" typeface="Arial"/>
+        <a:font script="Bugi" typeface="Leelawadee UI"/>
+        <a:font script="Bopo" typeface="Microsoft JhengHei"/>
+        <a:font script="Java" typeface="Javanese Text"/>
+        <a:font script="Lisu" typeface="Segoe UI"/>
+        <a:font script="Mymr" typeface="Myanmar Text"/>
+        <a:font script="Nkoo" typeface="Ebrima"/>
+        <a:font script="Olck" typeface="Nirmala UI"/>
+        <a:font script="Osma" typeface="Ebrima"/>
+        <a:font script="Phag" typeface="Phagspa"/>
+        <a:font script="Syrn" typeface="Estrangelo Edessa"/>
+        <a:font script="Syrj" typeface="Estrangelo Edessa"/>
+        <a:font script="Syre" typeface="Estrangelo Edessa"/>
+        <a:font script="Sora" typeface="Nirmala UI"/>
+        <a:font script="Tale" typeface="Microsoft Tai Le"/>
+        <a:font script="Talu" typeface="Microsoft New Tai Lue"/>
+        <a:font script="Tfng" typeface="Ebrima"/>
       </a:minorFont>
     </a:fontScheme>
-    <a:fmtScheme name="Slice">
+    <a:fmtScheme name="Стандартная">
       <a:fillStyleLst>
         <a:solidFill>
           <a:schemeClr val="phClr"/>
@@ -13938,16 +11926,23 @@
           <a:gsLst>
             <a:gs pos="0">
               <a:schemeClr val="phClr">
-                <a:tint val="62000"/>
-                <a:hueMod val="94000"/>
-                <a:satMod val="140000"/>
                 <a:lumMod val="110000"/>
+                <a:satMod val="105000"/>
+                <a:tint val="67000"/>
+              </a:schemeClr>
+            </a:gs>
+            <a:gs pos="50000">
+              <a:schemeClr val="phClr">
+                <a:lumMod val="105000"/>
+                <a:satMod val="103000"/>
+                <a:tint val="73000"/>
               </a:schemeClr>
             </a:gs>
             <a:gs pos="100000">
               <a:schemeClr val="phClr">
-                <a:tint val="84000"/>
-                <a:satMod val="160000"/>
+                <a:lumMod val="105000"/>
+                <a:satMod val="109000"/>
+                <a:tint val="81000"/>
               </a:schemeClr>
             </a:gs>
           </a:gsLst>
@@ -13957,16 +11952,23 @@
           <a:gsLst>
             <a:gs pos="0">
               <a:schemeClr val="phClr">
-                <a:tint val="98000"/>
-                <a:hueMod val="94000"/>
-                <a:satMod val="130000"/>
-                <a:lumMod val="128000"/>
+                <a:satMod val="103000"/>
+                <a:lumMod val="102000"/>
+                <a:tint val="94000"/>
+              </a:schemeClr>
+            </a:gs>
+            <a:gs pos="50000">
+              <a:schemeClr val="phClr">
+                <a:satMod val="110000"/>
+                <a:lumMod val="100000"/>
+                <a:shade val="100000"/>
               </a:schemeClr>
             </a:gs>
             <a:gs pos="100000">
               <a:schemeClr val="phClr">
-                <a:shade val="94000"/>
-                <a:lumMod val="88000"/>
+                <a:lumMod val="99000"/>
+                <a:satMod val="120000"/>
+                <a:shade val="78000"/>
               </a:schemeClr>
             </a:gs>
           </a:gsLst>
@@ -13974,29 +11976,26 @@
         </a:gradFill>
       </a:fillStyleLst>
       <a:lnStyleLst>
-        <a:ln w="9525" cap="rnd" cmpd="sng" algn="ctr">
-          <a:solidFill>
-            <a:schemeClr val="phClr">
-              <a:tint val="76000"/>
-              <a:alpha val="60000"/>
-              <a:hueMod val="94000"/>
-            </a:schemeClr>
-          </a:solidFill>
-          <a:prstDash val="solid"/>
-        </a:ln>
-        <a:ln w="15875" cap="rnd" cmpd="sng" algn="ctr">
-          <a:solidFill>
-            <a:schemeClr val="phClr">
-              <a:hueMod val="94000"/>
-            </a:schemeClr>
-          </a:solidFill>
-          <a:prstDash val="solid"/>
-        </a:ln>
-        <a:ln w="28575" cap="rnd" cmpd="sng" algn="ctr">
+        <a:ln w="6350" cap="flat" cmpd="sng" algn="ctr">
           <a:solidFill>
             <a:schemeClr val="phClr"/>
           </a:solidFill>
           <a:prstDash val="solid"/>
+          <a:miter lim="800000"/>
+        </a:ln>
+        <a:ln w="12700" cap="flat" cmpd="sng" algn="ctr">
+          <a:solidFill>
+            <a:schemeClr val="phClr"/>
+          </a:solidFill>
+          <a:prstDash val="solid"/>
+          <a:miter lim="800000"/>
+        </a:ln>
+        <a:ln w="19050" cap="flat" cmpd="sng" algn="ctr">
+          <a:solidFill>
+            <a:schemeClr val="phClr"/>
+          </a:solidFill>
+          <a:prstDash val="solid"/>
+          <a:miter lim="800000"/>
         </a:ln>
       </a:lnStyleLst>
       <a:effectStyleLst>
@@ -14004,78 +12003,54 @@
           <a:effectLst/>
         </a:effectStyle>
         <a:effectStyle>
-          <a:effectLst>
-            <a:innerShdw blurRad="25400" dist="12700" dir="13500000">
-              <a:srgbClr val="000000">
-                <a:alpha val="45000"/>
-              </a:srgbClr>
-            </a:innerShdw>
-          </a:effectLst>
+          <a:effectLst/>
         </a:effectStyle>
         <a:effectStyle>
           <a:effectLst>
-            <a:outerShdw blurRad="50800" dist="38100" dir="5400000" rotWithShape="0">
+            <a:outerShdw blurRad="57150" dist="19050" dir="5400000" algn="ctr" rotWithShape="0">
               <a:srgbClr val="000000">
-                <a:alpha val="46000"/>
+                <a:alpha val="63000"/>
               </a:srgbClr>
             </a:outerShdw>
           </a:effectLst>
-          <a:scene3d>
-            <a:camera prst="orthographicFront">
-              <a:rot lat="0" lon="0" rev="0"/>
-            </a:camera>
-            <a:lightRig rig="threePt" dir="t"/>
-          </a:scene3d>
-          <a:sp3d prstMaterial="plastic">
-            <a:bevelT w="25400" h="25400"/>
-          </a:sp3d>
         </a:effectStyle>
       </a:effectStyleLst>
       <a:bgFillStyleLst>
         <a:solidFill>
           <a:schemeClr val="phClr"/>
         </a:solidFill>
+        <a:solidFill>
+          <a:schemeClr val="phClr">
+            <a:tint val="95000"/>
+            <a:satMod val="170000"/>
+          </a:schemeClr>
+        </a:solidFill>
         <a:gradFill rotWithShape="1">
           <a:gsLst>
-            <a:gs pos="10000">
+            <a:gs pos="0">
               <a:schemeClr val="phClr">
-                <a:tint val="97000"/>
-                <a:hueMod val="92000"/>
-                <a:satMod val="169000"/>
-                <a:lumMod val="164000"/>
+                <a:tint val="93000"/>
+                <a:satMod val="150000"/>
+                <a:shade val="98000"/>
+                <a:lumMod val="102000"/>
+              </a:schemeClr>
+            </a:gs>
+            <a:gs pos="50000">
+              <a:schemeClr val="phClr">
+                <a:tint val="98000"/>
+                <a:satMod val="130000"/>
+                <a:shade val="90000"/>
+                <a:lumMod val="103000"/>
               </a:schemeClr>
             </a:gs>
             <a:gs pos="100000">
               <a:schemeClr val="phClr">
-                <a:shade val="96000"/>
+                <a:shade val="63000"/>
                 <a:satMod val="120000"/>
-                <a:lumMod val="90000"/>
               </a:schemeClr>
             </a:gs>
           </a:gsLst>
-          <a:lin ang="6120000" scaled="1"/>
-        </a:gradFill>
-        <a:gradFill rotWithShape="1">
-          <a:gsLst>
-            <a:gs pos="0">
-              <a:schemeClr val="phClr">
-                <a:tint val="97000"/>
-                <a:hueMod val="92000"/>
-                <a:satMod val="169000"/>
-                <a:lumMod val="164000"/>
-              </a:schemeClr>
-            </a:gs>
-            <a:gs pos="100000">
-              <a:schemeClr val="phClr">
-                <a:shade val="96000"/>
-                <a:satMod val="120000"/>
-                <a:lumMod val="90000"/>
-              </a:schemeClr>
-            </a:gs>
-          </a:gsLst>
-          <a:path path="circle">
-            <a:fillToRect b="100000"/>
-          </a:path>
+          <a:lin ang="5400000" scaled="0"/>
         </a:gradFill>
       </a:bgFillStyleLst>
     </a:fmtScheme>
@@ -14084,7 +12059,7 @@
   <a:extraClrSchemeLst/>
   <a:extLst>
     <a:ext uri="{05A4C25C-085E-4340-85A3-A5531E510DB2}">
-      <thm15:themeFamily xmlns:thm15="http://schemas.microsoft.com/office/thememl/2012/main" name="Slice" id="{0507925B-6AC9-4358-8E18-C330545D08F8}" vid="{13FEC7C6-62A9-40C4-99D2-581AACACAA2F}"/>
+      <thm15:themeFamily xmlns:thm15="http://schemas.microsoft.com/office/thememl/2012/main" name="Office Theme" id="{62F939B6-93AF-4DB8-9C6B-D6C7DFDC589F}" vid="{4A3C46E8-61CC-4603-A589-7422A47A8E4A}"/>
     </a:ext>
   </a:extLst>
 </a:theme>

--- a/ВКР_5.pptx
+++ b/ВКР_5.pptx
@@ -14,9 +14,10 @@
     <p:sldId id="302" r:id="rId8"/>
     <p:sldId id="314" r:id="rId9"/>
     <p:sldId id="322" r:id="rId10"/>
-    <p:sldId id="305" r:id="rId11"/>
-    <p:sldId id="317" r:id="rId12"/>
-    <p:sldId id="323" r:id="rId13"/>
+    <p:sldId id="324" r:id="rId11"/>
+    <p:sldId id="305" r:id="rId12"/>
+    <p:sldId id="317" r:id="rId13"/>
+    <p:sldId id="323" r:id="rId14"/>
   </p:sldIdLst>
   <p:sldSz cx="12192000" cy="6858000"/>
   <p:notesSz cx="6858000" cy="9144000"/>
@@ -129,6 +130,7 @@
             <p14:sldId id="302"/>
             <p14:sldId id="314"/>
             <p14:sldId id="322"/>
+            <p14:sldId id="324"/>
             <p14:sldId id="305"/>
             <p14:sldId id="317"/>
             <p14:sldId id="323"/>
@@ -5724,6 +5726,1889 @@
           <a:chExt cx="0" cy="0"/>
         </a:xfrm>
       </p:grpSpPr>
+      <p:sp>
+        <p:nvSpPr>
+          <p:cNvPr id="2" name="Заголовок 1">
+            <a:extLst>
+              <a:ext uri="{FF2B5EF4-FFF2-40B4-BE49-F238E27FC236}">
+                <a16:creationId xmlns:a16="http://schemas.microsoft.com/office/drawing/2014/main" id="{FDD4659B-97E7-41EB-B6EB-6FA3CF23E13E}"/>
+              </a:ext>
+            </a:extLst>
+          </p:cNvPr>
+          <p:cNvSpPr>
+            <a:spLocks noGrp="1"/>
+          </p:cNvSpPr>
+          <p:nvPr>
+            <p:ph type="title"/>
+          </p:nvPr>
+        </p:nvSpPr>
+        <p:spPr>
+          <a:xfrm>
+            <a:off x="1219201" y="133351"/>
+            <a:ext cx="10086975" cy="647700"/>
+          </a:xfrm>
+        </p:spPr>
+        <p:txBody>
+          <a:bodyPr>
+            <a:normAutofit fontScale="90000"/>
+          </a:bodyPr>
+          <a:lstStyle/>
+          <a:p>
+            <a:pPr algn="ctr"/>
+            <a:r>
+              <a:rPr lang="ru-RU" dirty="0">
+                <a:latin typeface="Times New Roman" panose="02020603050405020304" pitchFamily="18" charset="0"/>
+                <a:cs typeface="Times New Roman" panose="02020603050405020304" pitchFamily="18" charset="0"/>
+              </a:rPr>
+              <a:t>Использование инструмента</a:t>
+            </a:r>
+          </a:p>
+        </p:txBody>
+      </p:sp>
+      <p:sp>
+        <p:nvSpPr>
+          <p:cNvPr id="3" name="TextBox 2">
+            <a:extLst>
+              <a:ext uri="{FF2B5EF4-FFF2-40B4-BE49-F238E27FC236}">
+                <a16:creationId xmlns:a16="http://schemas.microsoft.com/office/drawing/2014/main" id="{894B2298-1F98-9126-24B9-82033A089043}"/>
+              </a:ext>
+            </a:extLst>
+          </p:cNvPr>
+          <p:cNvSpPr txBox="1"/>
+          <p:nvPr/>
+        </p:nvSpPr>
+        <p:spPr>
+          <a:xfrm>
+            <a:off x="609601" y="1066547"/>
+            <a:ext cx="4124324" cy="369332"/>
+          </a:xfrm>
+          <a:prstGeom prst="rect">
+            <a:avLst/>
+          </a:prstGeom>
+          <a:noFill/>
+        </p:spPr>
+        <p:txBody>
+          <a:bodyPr wrap="square" rtlCol="0">
+            <a:spAutoFit/>
+          </a:bodyPr>
+          <a:lstStyle/>
+          <a:p>
+            <a:r>
+              <a:rPr lang="ru-RU" b="1" dirty="0"/>
+              <a:t>Класс для обработки сообщений</a:t>
+            </a:r>
+            <a:r>
+              <a:rPr lang="en-US" b="1" dirty="0"/>
+              <a:t>:</a:t>
+            </a:r>
+            <a:endParaRPr lang="ru-RU" dirty="0"/>
+          </a:p>
+        </p:txBody>
+      </p:sp>
+      <p:sp>
+        <p:nvSpPr>
+          <p:cNvPr id="12" name="TextBox 11">
+            <a:extLst>
+              <a:ext uri="{FF2B5EF4-FFF2-40B4-BE49-F238E27FC236}">
+                <a16:creationId xmlns:a16="http://schemas.microsoft.com/office/drawing/2014/main" id="{622F4BB1-F146-30D3-CAD6-E4109A9F5CCE}"/>
+              </a:ext>
+            </a:extLst>
+          </p:cNvPr>
+          <p:cNvSpPr txBox="1"/>
+          <p:nvPr/>
+        </p:nvSpPr>
+        <p:spPr>
+          <a:xfrm>
+            <a:off x="609601" y="1436787"/>
+            <a:ext cx="4733924" cy="3693319"/>
+          </a:xfrm>
+          <a:prstGeom prst="rect">
+            <a:avLst/>
+          </a:prstGeom>
+          <a:noFill/>
+          <a:ln>
+            <a:solidFill>
+              <a:schemeClr val="tx1"/>
+            </a:solidFill>
+          </a:ln>
+        </p:spPr>
+        <p:txBody>
+          <a:bodyPr wrap="square">
+            <a:spAutoFit/>
+          </a:bodyPr>
+          <a:lstStyle/>
+          <a:p>
+            <a:pPr marL="0" marR="0" lvl="0" indent="0" algn="l" defTabSz="914400" rtl="0" eaLnBrk="0" fontAlgn="base" latinLnBrk="0" hangingPunct="0">
+              <a:lnSpc>
+                <a:spcPct val="100000"/>
+              </a:lnSpc>
+              <a:spcBef>
+                <a:spcPct val="0"/>
+              </a:spcBef>
+              <a:spcAft>
+                <a:spcPct val="0"/>
+              </a:spcAft>
+              <a:buClrTx/>
+              <a:buSzTx/>
+              <a:buFontTx/>
+              <a:buNone/>
+              <a:tabLst/>
+            </a:pPr>
+            <a:r>
+              <a:rPr kumimoji="0" lang="ru-RU" altLang="ru-RU" sz="1800" b="0" i="0" u="none" strike="noStrike" cap="none" normalizeH="0" baseline="0" dirty="0" err="1">
+                <a:ln>
+                  <a:noFill/>
+                </a:ln>
+                <a:solidFill>
+                  <a:srgbClr val="CC7832"/>
+                </a:solidFill>
+                <a:effectLst/>
+                <a:latin typeface="JetBrains Mono"/>
+              </a:rPr>
+              <a:t>class</a:t>
+            </a:r>
+            <a:r>
+              <a:rPr kumimoji="0" lang="ru-RU" altLang="ru-RU" sz="1800" b="0" i="0" u="none" strike="noStrike" cap="none" normalizeH="0" baseline="0" dirty="0">
+                <a:ln>
+                  <a:noFill/>
+                </a:ln>
+                <a:solidFill>
+                  <a:srgbClr val="CC7832"/>
+                </a:solidFill>
+                <a:effectLst/>
+                <a:latin typeface="JetBrains Mono"/>
+              </a:rPr>
+              <a:t> </a:t>
+            </a:r>
+            <a:r>
+              <a:rPr kumimoji="0" lang="ru-RU" altLang="ru-RU" sz="1800" b="0" i="0" u="none" strike="noStrike" cap="none" normalizeH="0" baseline="0" dirty="0">
+                <a:ln>
+                  <a:noFill/>
+                </a:ln>
+                <a:effectLst/>
+                <a:latin typeface="JetBrains Mono"/>
+              </a:rPr>
+              <a:t>Storage</a:t>
+            </a:r>
+            <a:r>
+              <a:rPr kumimoji="0" lang="ru-RU" altLang="ru-RU" sz="1800" b="0" i="0" u="none" strike="noStrike" cap="none" normalizeH="0" baseline="0" dirty="0">
+                <a:ln>
+                  <a:noFill/>
+                </a:ln>
+                <a:solidFill>
+                  <a:srgbClr val="A9B7C6"/>
+                </a:solidFill>
+                <a:effectLst/>
+                <a:latin typeface="JetBrains Mono"/>
+              </a:rPr>
+              <a:t> </a:t>
+            </a:r>
+            <a:r>
+              <a:rPr kumimoji="0" lang="ru-RU" altLang="ru-RU" sz="1800" b="0" i="0" u="none" strike="noStrike" cap="none" normalizeH="0" baseline="0" dirty="0" err="1">
+                <a:ln>
+                  <a:noFill/>
+                </a:ln>
+                <a:solidFill>
+                  <a:srgbClr val="CC7832"/>
+                </a:solidFill>
+                <a:effectLst/>
+                <a:latin typeface="JetBrains Mono"/>
+              </a:rPr>
+              <a:t>extends</a:t>
+            </a:r>
+            <a:r>
+              <a:rPr kumimoji="0" lang="ru-RU" altLang="ru-RU" sz="1800" b="0" i="0" u="none" strike="noStrike" cap="none" normalizeH="0" baseline="0" dirty="0">
+                <a:ln>
+                  <a:noFill/>
+                </a:ln>
+                <a:solidFill>
+                  <a:srgbClr val="CC7832"/>
+                </a:solidFill>
+                <a:effectLst/>
+                <a:latin typeface="JetBrains Mono"/>
+              </a:rPr>
+              <a:t> </a:t>
+            </a:r>
+            <a:r>
+              <a:rPr kumimoji="0" lang="ru-RU" altLang="ru-RU" sz="1800" b="0" i="0" u="none" strike="noStrike" cap="none" normalizeH="0" baseline="0" dirty="0" err="1">
+                <a:ln>
+                  <a:noFill/>
+                </a:ln>
+                <a:effectLst/>
+                <a:latin typeface="JetBrains Mono"/>
+              </a:rPr>
+              <a:t>aMessageProcessing</a:t>
+            </a:r>
+            <a:br>
+              <a:rPr kumimoji="0" lang="ru-RU" altLang="ru-RU" sz="1800" b="0" i="0" u="none" strike="noStrike" cap="none" normalizeH="0" baseline="0" dirty="0">
+                <a:ln>
+                  <a:noFill/>
+                </a:ln>
+                <a:solidFill>
+                  <a:srgbClr val="A9B7C6"/>
+                </a:solidFill>
+                <a:effectLst/>
+                <a:latin typeface="JetBrains Mono"/>
+              </a:rPr>
+            </a:br>
+            <a:r>
+              <a:rPr kumimoji="0" lang="ru-RU" altLang="ru-RU" sz="1800" b="0" i="0" u="none" strike="noStrike" cap="none" normalizeH="0" baseline="0" dirty="0">
+                <a:ln>
+                  <a:noFill/>
+                </a:ln>
+                <a:solidFill>
+                  <a:srgbClr val="A9B7C6"/>
+                </a:solidFill>
+                <a:effectLst/>
+                <a:latin typeface="JetBrains Mono"/>
+              </a:rPr>
+              <a:t>{</a:t>
+            </a:r>
+            <a:br>
+              <a:rPr kumimoji="0" lang="ru-RU" altLang="ru-RU" sz="1800" b="0" i="1" u="none" strike="noStrike" cap="none" normalizeH="0" baseline="0" dirty="0">
+                <a:ln>
+                  <a:noFill/>
+                </a:ln>
+                <a:solidFill>
+                  <a:srgbClr val="629755"/>
+                </a:solidFill>
+                <a:effectLst/>
+                <a:latin typeface="JetBrains Mono"/>
+              </a:rPr>
+            </a:br>
+            <a:r>
+              <a:rPr kumimoji="0" lang="ru-RU" altLang="ru-RU" sz="1800" b="0" i="1" u="none" strike="noStrike" cap="none" normalizeH="0" baseline="0" dirty="0">
+                <a:ln>
+                  <a:noFill/>
+                </a:ln>
+                <a:solidFill>
+                  <a:srgbClr val="629755"/>
+                </a:solidFill>
+                <a:effectLst/>
+                <a:latin typeface="JetBrains Mono"/>
+              </a:rPr>
+              <a:t>    </a:t>
+            </a:r>
+            <a:r>
+              <a:rPr kumimoji="0" lang="ru-RU" altLang="ru-RU" sz="1800" b="0" i="0" u="none" strike="noStrike" cap="none" normalizeH="0" baseline="0" dirty="0" err="1">
+                <a:ln>
+                  <a:noFill/>
+                </a:ln>
+                <a:solidFill>
+                  <a:srgbClr val="CC7832"/>
+                </a:solidFill>
+                <a:effectLst/>
+                <a:latin typeface="JetBrains Mono"/>
+              </a:rPr>
+              <a:t>protected</a:t>
+            </a:r>
+            <a:r>
+              <a:rPr kumimoji="0" lang="ru-RU" altLang="ru-RU" sz="1800" b="0" i="0" u="none" strike="noStrike" cap="none" normalizeH="0" baseline="0" dirty="0">
+                <a:ln>
+                  <a:noFill/>
+                </a:ln>
+                <a:solidFill>
+                  <a:srgbClr val="CC7832"/>
+                </a:solidFill>
+                <a:effectLst/>
+                <a:latin typeface="JetBrains Mono"/>
+              </a:rPr>
+              <a:t> </a:t>
+            </a:r>
+            <a:r>
+              <a:rPr kumimoji="0" lang="ru-RU" altLang="ru-RU" sz="1800" b="0" i="0" u="none" strike="noStrike" cap="none" normalizeH="0" baseline="0" dirty="0" err="1">
+                <a:ln>
+                  <a:noFill/>
+                </a:ln>
+                <a:solidFill>
+                  <a:srgbClr val="CC7832"/>
+                </a:solidFill>
+                <a:effectLst/>
+                <a:latin typeface="JetBrains Mono"/>
+              </a:rPr>
+              <a:t>function</a:t>
+            </a:r>
+            <a:r>
+              <a:rPr kumimoji="0" lang="ru-RU" altLang="ru-RU" sz="1800" b="0" i="0" u="none" strike="noStrike" cap="none" normalizeH="0" baseline="0" dirty="0">
+                <a:ln>
+                  <a:noFill/>
+                </a:ln>
+                <a:solidFill>
+                  <a:srgbClr val="CC7832"/>
+                </a:solidFill>
+                <a:effectLst/>
+                <a:latin typeface="JetBrains Mono"/>
+              </a:rPr>
+              <a:t> </a:t>
+            </a:r>
+            <a:r>
+              <a:rPr kumimoji="0" lang="ru-RU" altLang="ru-RU" sz="1800" b="0" i="0" u="none" strike="noStrike" cap="none" normalizeH="0" baseline="0" dirty="0" err="1">
+                <a:ln>
+                  <a:noFill/>
+                </a:ln>
+                <a:effectLst/>
+                <a:latin typeface="JetBrains Mono"/>
+              </a:rPr>
+              <a:t>runProcessMessage</a:t>
+            </a:r>
+            <a:r>
+              <a:rPr kumimoji="0" lang="ru-RU" altLang="ru-RU" sz="1800" b="0" i="0" u="none" strike="noStrike" cap="none" normalizeH="0" baseline="0" dirty="0">
+                <a:ln>
+                  <a:noFill/>
+                </a:ln>
+                <a:solidFill>
+                  <a:srgbClr val="A9B7C6"/>
+                </a:solidFill>
+                <a:effectLst/>
+                <a:latin typeface="JetBrains Mono"/>
+              </a:rPr>
+              <a:t>():</a:t>
+            </a:r>
+            <a:r>
+              <a:rPr kumimoji="0" lang="ru-RU" altLang="ru-RU" sz="1800" b="0" i="0" u="none" strike="noStrike" cap="none" normalizeH="0" baseline="0" dirty="0" err="1">
+                <a:ln>
+                  <a:noFill/>
+                </a:ln>
+                <a:solidFill>
+                  <a:srgbClr val="CC7832"/>
+                </a:solidFill>
+                <a:effectLst/>
+                <a:latin typeface="JetBrains Mono"/>
+              </a:rPr>
+              <a:t>void</a:t>
+            </a:r>
+            <a:br>
+              <a:rPr kumimoji="0" lang="ru-RU" altLang="ru-RU" sz="1800" b="0" i="0" u="none" strike="noStrike" cap="none" normalizeH="0" baseline="0" dirty="0">
+                <a:ln>
+                  <a:noFill/>
+                </a:ln>
+                <a:solidFill>
+                  <a:srgbClr val="CC7832"/>
+                </a:solidFill>
+                <a:effectLst/>
+                <a:latin typeface="JetBrains Mono"/>
+              </a:rPr>
+            </a:br>
+            <a:r>
+              <a:rPr kumimoji="0" lang="ru-RU" altLang="ru-RU" sz="1800" b="0" i="0" u="none" strike="noStrike" cap="none" normalizeH="0" baseline="0" dirty="0">
+                <a:ln>
+                  <a:noFill/>
+                </a:ln>
+                <a:solidFill>
+                  <a:srgbClr val="CC7832"/>
+                </a:solidFill>
+                <a:effectLst/>
+                <a:latin typeface="JetBrains Mono"/>
+              </a:rPr>
+              <a:t>    </a:t>
+            </a:r>
+            <a:r>
+              <a:rPr kumimoji="0" lang="ru-RU" altLang="ru-RU" sz="1800" b="0" i="0" u="none" strike="noStrike" cap="none" normalizeH="0" baseline="0" dirty="0">
+                <a:ln>
+                  <a:noFill/>
+                </a:ln>
+                <a:solidFill>
+                  <a:srgbClr val="A9B7C6"/>
+                </a:solidFill>
+                <a:effectLst/>
+                <a:latin typeface="JetBrains Mono"/>
+              </a:rPr>
+              <a:t>{</a:t>
+            </a:r>
+            <a:br>
+              <a:rPr kumimoji="0" lang="ru-RU" altLang="ru-RU" sz="1800" b="0" i="0" u="none" strike="noStrike" cap="none" normalizeH="0" baseline="0" dirty="0">
+                <a:ln>
+                  <a:noFill/>
+                </a:ln>
+                <a:solidFill>
+                  <a:srgbClr val="A9B7C6"/>
+                </a:solidFill>
+                <a:effectLst/>
+                <a:latin typeface="JetBrains Mono"/>
+              </a:rPr>
+            </a:br>
+            <a:r>
+              <a:rPr kumimoji="0" lang="ru-RU" altLang="ru-RU" sz="1800" b="0" i="0" u="none" strike="noStrike" cap="none" normalizeH="0" baseline="0" dirty="0">
+                <a:ln>
+                  <a:noFill/>
+                </a:ln>
+                <a:solidFill>
+                  <a:srgbClr val="A9B7C6"/>
+                </a:solidFill>
+                <a:effectLst/>
+                <a:latin typeface="JetBrains Mono"/>
+              </a:rPr>
+              <a:t>        </a:t>
+            </a:r>
+            <a:r>
+              <a:rPr kumimoji="0" lang="ru-RU" altLang="ru-RU" sz="1800" b="0" i="0" u="none" strike="noStrike" cap="none" normalizeH="0" baseline="0" dirty="0">
+                <a:ln>
+                  <a:noFill/>
+                </a:ln>
+                <a:solidFill>
+                  <a:srgbClr val="9876AA"/>
+                </a:solidFill>
+                <a:effectLst/>
+                <a:latin typeface="JetBrains Mono"/>
+              </a:rPr>
+              <a:t>$</a:t>
+            </a:r>
+            <a:r>
+              <a:rPr kumimoji="0" lang="ru-RU" altLang="ru-RU" sz="1800" b="0" i="0" u="none" strike="noStrike" cap="none" normalizeH="0" baseline="0" dirty="0" err="1">
+                <a:ln>
+                  <a:noFill/>
+                </a:ln>
+                <a:solidFill>
+                  <a:srgbClr val="9876AA"/>
+                </a:solidFill>
+                <a:effectLst/>
+                <a:latin typeface="JetBrains Mono"/>
+              </a:rPr>
+              <a:t>message</a:t>
+            </a:r>
+            <a:r>
+              <a:rPr kumimoji="0" lang="ru-RU" altLang="ru-RU" sz="1800" b="0" i="0" u="none" strike="noStrike" cap="none" normalizeH="0" baseline="0" dirty="0">
+                <a:ln>
+                  <a:noFill/>
+                </a:ln>
+                <a:solidFill>
+                  <a:srgbClr val="9876AA"/>
+                </a:solidFill>
+                <a:effectLst/>
+                <a:latin typeface="JetBrains Mono"/>
+              </a:rPr>
+              <a:t> </a:t>
+            </a:r>
+            <a:r>
+              <a:rPr kumimoji="0" lang="ru-RU" altLang="ru-RU" sz="1800" b="0" i="0" u="none" strike="noStrike" cap="none" normalizeH="0" baseline="0" dirty="0">
+                <a:ln>
+                  <a:noFill/>
+                </a:ln>
+                <a:solidFill>
+                  <a:srgbClr val="A9B7C6"/>
+                </a:solidFill>
+                <a:effectLst/>
+                <a:latin typeface="JetBrains Mono"/>
+              </a:rPr>
+              <a:t>= </a:t>
+            </a:r>
+            <a:r>
+              <a:rPr kumimoji="0" lang="ru-RU" altLang="ru-RU" sz="1800" b="0" i="0" u="none" strike="noStrike" cap="none" normalizeH="0" baseline="0" dirty="0">
+                <a:ln>
+                  <a:noFill/>
+                </a:ln>
+                <a:solidFill>
+                  <a:srgbClr val="9876AA"/>
+                </a:solidFill>
+                <a:effectLst/>
+                <a:latin typeface="JetBrains Mono"/>
+              </a:rPr>
+              <a:t>$</a:t>
+            </a:r>
+            <a:r>
+              <a:rPr kumimoji="0" lang="ru-RU" altLang="ru-RU" sz="1800" b="0" i="0" u="none" strike="noStrike" cap="none" normalizeH="0" baseline="0" dirty="0" err="1">
+                <a:ln>
+                  <a:noFill/>
+                </a:ln>
+                <a:solidFill>
+                  <a:srgbClr val="9876AA"/>
+                </a:solidFill>
+                <a:effectLst/>
+                <a:latin typeface="JetBrains Mono"/>
+              </a:rPr>
+              <a:t>this</a:t>
+            </a:r>
+            <a:r>
+              <a:rPr kumimoji="0" lang="ru-RU" altLang="ru-RU" sz="1800" b="0" i="0" u="none" strike="noStrike" cap="none" normalizeH="0" baseline="0" dirty="0">
+                <a:ln>
+                  <a:noFill/>
+                </a:ln>
+                <a:solidFill>
+                  <a:srgbClr val="A9B7C6"/>
+                </a:solidFill>
+                <a:effectLst/>
+                <a:latin typeface="JetBrains Mono"/>
+              </a:rPr>
+              <a:t>-&gt;</a:t>
+            </a:r>
+            <a:r>
+              <a:rPr kumimoji="0" lang="ru-RU" altLang="ru-RU" sz="1800" b="0" i="0" u="none" strike="noStrike" cap="none" normalizeH="0" baseline="0" dirty="0" err="1">
+                <a:ln>
+                  <a:noFill/>
+                </a:ln>
+                <a:solidFill>
+                  <a:srgbClr val="FFC66D"/>
+                </a:solidFill>
+                <a:effectLst/>
+                <a:latin typeface="JetBrains Mono"/>
+              </a:rPr>
+              <a:t>getMessageData</a:t>
+            </a:r>
+            <a:r>
+              <a:rPr kumimoji="0" lang="ru-RU" altLang="ru-RU" sz="1800" b="0" i="0" u="none" strike="noStrike" cap="none" normalizeH="0" baseline="0" dirty="0">
+                <a:ln>
+                  <a:noFill/>
+                </a:ln>
+                <a:solidFill>
+                  <a:srgbClr val="A9B7C6"/>
+                </a:solidFill>
+                <a:effectLst/>
+                <a:latin typeface="JetBrains Mono"/>
+              </a:rPr>
+              <a:t>()</a:t>
+            </a:r>
+            <a:r>
+              <a:rPr kumimoji="0" lang="ru-RU" altLang="ru-RU" sz="1800" b="0" i="0" u="none" strike="noStrike" cap="none" normalizeH="0" baseline="0" dirty="0">
+                <a:ln>
+                  <a:noFill/>
+                </a:ln>
+                <a:solidFill>
+                  <a:srgbClr val="CC7832"/>
+                </a:solidFill>
+                <a:effectLst/>
+                <a:latin typeface="JetBrains Mono"/>
+              </a:rPr>
+              <a:t>;</a:t>
+            </a:r>
+            <a:br>
+              <a:rPr kumimoji="0" lang="ru-RU" altLang="ru-RU" sz="1800" b="0" i="0" u="none" strike="noStrike" cap="none" normalizeH="0" baseline="0" dirty="0">
+                <a:ln>
+                  <a:noFill/>
+                </a:ln>
+                <a:solidFill>
+                  <a:srgbClr val="CC7832"/>
+                </a:solidFill>
+                <a:effectLst/>
+                <a:latin typeface="JetBrains Mono"/>
+              </a:rPr>
+            </a:br>
+            <a:r>
+              <a:rPr kumimoji="0" lang="ru-RU" altLang="ru-RU" sz="1800" b="0" i="0" u="none" strike="noStrike" cap="none" normalizeH="0" baseline="0" dirty="0">
+                <a:ln>
+                  <a:noFill/>
+                </a:ln>
+                <a:solidFill>
+                  <a:srgbClr val="CC7832"/>
+                </a:solidFill>
+                <a:effectLst/>
+                <a:latin typeface="JetBrains Mono"/>
+              </a:rPr>
+              <a:t>        </a:t>
+            </a:r>
+            <a:r>
+              <a:rPr kumimoji="0" lang="ru-RU" altLang="ru-RU" sz="1800" b="0" i="0" u="none" strike="noStrike" cap="none" normalizeH="0" baseline="0" dirty="0" err="1">
+                <a:ln>
+                  <a:noFill/>
+                </a:ln>
+                <a:solidFill>
+                  <a:srgbClr val="A9B7C6"/>
+                </a:solidFill>
+                <a:effectLst/>
+                <a:latin typeface="JetBrains Mono"/>
+              </a:rPr>
+              <a:t>var_dump</a:t>
+            </a:r>
+            <a:r>
+              <a:rPr kumimoji="0" lang="ru-RU" altLang="ru-RU" sz="1800" b="0" i="0" u="none" strike="noStrike" cap="none" normalizeH="0" baseline="0" dirty="0">
+                <a:ln>
+                  <a:noFill/>
+                </a:ln>
+                <a:solidFill>
+                  <a:srgbClr val="A9B7C6"/>
+                </a:solidFill>
+                <a:effectLst/>
+                <a:latin typeface="JetBrains Mono"/>
+              </a:rPr>
+              <a:t>(</a:t>
+            </a:r>
+            <a:r>
+              <a:rPr kumimoji="0" lang="ru-RU" altLang="ru-RU" sz="1800" b="0" i="0" u="none" strike="noStrike" cap="none" normalizeH="0" baseline="0" dirty="0">
+                <a:ln>
+                  <a:noFill/>
+                </a:ln>
+                <a:solidFill>
+                  <a:srgbClr val="9876AA"/>
+                </a:solidFill>
+                <a:effectLst/>
+                <a:latin typeface="JetBrains Mono"/>
+              </a:rPr>
+              <a:t>$</a:t>
+            </a:r>
+            <a:r>
+              <a:rPr kumimoji="0" lang="ru-RU" altLang="ru-RU" sz="1800" b="0" i="0" u="none" strike="noStrike" cap="none" normalizeH="0" baseline="0" dirty="0" err="1">
+                <a:ln>
+                  <a:noFill/>
+                </a:ln>
+                <a:solidFill>
+                  <a:srgbClr val="9876AA"/>
+                </a:solidFill>
+                <a:effectLst/>
+                <a:latin typeface="JetBrains Mono"/>
+              </a:rPr>
+              <a:t>message</a:t>
+            </a:r>
+            <a:r>
+              <a:rPr kumimoji="0" lang="ru-RU" altLang="ru-RU" sz="1800" b="0" i="0" u="none" strike="noStrike" cap="none" normalizeH="0" baseline="0" dirty="0">
+                <a:ln>
+                  <a:noFill/>
+                </a:ln>
+                <a:solidFill>
+                  <a:srgbClr val="A9B7C6"/>
+                </a:solidFill>
+                <a:effectLst/>
+                <a:latin typeface="JetBrains Mono"/>
+              </a:rPr>
+              <a:t>)</a:t>
+            </a:r>
+            <a:r>
+              <a:rPr kumimoji="0" lang="ru-RU" altLang="ru-RU" sz="1800" b="0" i="0" u="none" strike="noStrike" cap="none" normalizeH="0" baseline="0" dirty="0">
+                <a:ln>
+                  <a:noFill/>
+                </a:ln>
+                <a:solidFill>
+                  <a:srgbClr val="CC7832"/>
+                </a:solidFill>
+                <a:effectLst/>
+                <a:latin typeface="JetBrains Mono"/>
+              </a:rPr>
+              <a:t>;</a:t>
+            </a:r>
+            <a:br>
+              <a:rPr kumimoji="0" lang="ru-RU" altLang="ru-RU" sz="1800" b="0" i="0" u="none" strike="noStrike" cap="none" normalizeH="0" baseline="0" dirty="0">
+                <a:ln>
+                  <a:noFill/>
+                </a:ln>
+                <a:solidFill>
+                  <a:srgbClr val="CC7832"/>
+                </a:solidFill>
+                <a:effectLst/>
+                <a:latin typeface="JetBrains Mono"/>
+              </a:rPr>
+            </a:br>
+            <a:r>
+              <a:rPr kumimoji="0" lang="ru-RU" altLang="ru-RU" sz="1800" b="0" i="0" u="none" strike="noStrike" cap="none" normalizeH="0" baseline="0" dirty="0">
+                <a:ln>
+                  <a:noFill/>
+                </a:ln>
+                <a:solidFill>
+                  <a:srgbClr val="CC7832"/>
+                </a:solidFill>
+                <a:effectLst/>
+                <a:latin typeface="JetBrains Mono"/>
+              </a:rPr>
+              <a:t>    </a:t>
+            </a:r>
+            <a:r>
+              <a:rPr kumimoji="0" lang="ru-RU" altLang="ru-RU" sz="1800" b="0" i="0" u="none" strike="noStrike" cap="none" normalizeH="0" baseline="0" dirty="0">
+                <a:ln>
+                  <a:noFill/>
+                </a:ln>
+                <a:solidFill>
+                  <a:srgbClr val="A9B7C6"/>
+                </a:solidFill>
+                <a:effectLst/>
+                <a:latin typeface="JetBrains Mono"/>
+              </a:rPr>
+              <a:t>}</a:t>
+            </a:r>
+            <a:br>
+              <a:rPr kumimoji="0" lang="ru-RU" altLang="ru-RU" sz="1800" b="0" i="0" u="none" strike="noStrike" cap="none" normalizeH="0" baseline="0" dirty="0">
+                <a:ln>
+                  <a:noFill/>
+                </a:ln>
+                <a:solidFill>
+                  <a:srgbClr val="A9B7C6"/>
+                </a:solidFill>
+                <a:effectLst/>
+                <a:latin typeface="JetBrains Mono"/>
+              </a:rPr>
+            </a:br>
+            <a:br>
+              <a:rPr kumimoji="0" lang="ru-RU" altLang="ru-RU" sz="1800" b="0" i="0" u="none" strike="noStrike" cap="none" normalizeH="0" baseline="0" dirty="0">
+                <a:ln>
+                  <a:noFill/>
+                </a:ln>
+                <a:solidFill>
+                  <a:srgbClr val="A9B7C6"/>
+                </a:solidFill>
+                <a:effectLst/>
+                <a:latin typeface="JetBrains Mono"/>
+              </a:rPr>
+            </a:br>
+            <a:r>
+              <a:rPr kumimoji="0" lang="ru-RU" altLang="ru-RU" sz="1800" b="0" i="0" u="none" strike="noStrike" cap="none" normalizeH="0" baseline="0" dirty="0">
+                <a:ln>
+                  <a:noFill/>
+                </a:ln>
+                <a:solidFill>
+                  <a:srgbClr val="A9B7C6"/>
+                </a:solidFill>
+                <a:effectLst/>
+                <a:latin typeface="JetBrains Mono"/>
+              </a:rPr>
+              <a:t>    </a:t>
+            </a:r>
+            <a:r>
+              <a:rPr kumimoji="0" lang="ru-RU" altLang="ru-RU" sz="1800" b="0" i="0" u="none" strike="noStrike" cap="none" normalizeH="0" baseline="0" dirty="0" err="1">
+                <a:ln>
+                  <a:noFill/>
+                </a:ln>
+                <a:solidFill>
+                  <a:srgbClr val="CC7832"/>
+                </a:solidFill>
+                <a:effectLst/>
+                <a:latin typeface="JetBrains Mono"/>
+              </a:rPr>
+              <a:t>static</a:t>
+            </a:r>
+            <a:r>
+              <a:rPr kumimoji="0" lang="ru-RU" altLang="ru-RU" sz="1800" b="0" i="0" u="none" strike="noStrike" cap="none" normalizeH="0" baseline="0" dirty="0">
+                <a:ln>
+                  <a:noFill/>
+                </a:ln>
+                <a:solidFill>
+                  <a:srgbClr val="CC7832"/>
+                </a:solidFill>
+                <a:effectLst/>
+                <a:latin typeface="JetBrains Mono"/>
+              </a:rPr>
+              <a:t> </a:t>
+            </a:r>
+            <a:r>
+              <a:rPr kumimoji="0" lang="ru-RU" altLang="ru-RU" sz="1800" b="0" i="0" u="none" strike="noStrike" cap="none" normalizeH="0" baseline="0" dirty="0" err="1">
+                <a:ln>
+                  <a:noFill/>
+                </a:ln>
+                <a:solidFill>
+                  <a:srgbClr val="CC7832"/>
+                </a:solidFill>
+                <a:effectLst/>
+                <a:latin typeface="JetBrains Mono"/>
+              </a:rPr>
+              <a:t>function</a:t>
+            </a:r>
+            <a:r>
+              <a:rPr kumimoji="0" lang="ru-RU" altLang="ru-RU" sz="1800" b="0" i="0" u="none" strike="noStrike" cap="none" normalizeH="0" baseline="0" dirty="0">
+                <a:ln>
+                  <a:noFill/>
+                </a:ln>
+                <a:solidFill>
+                  <a:srgbClr val="CC7832"/>
+                </a:solidFill>
+                <a:effectLst/>
+                <a:latin typeface="JetBrains Mono"/>
+              </a:rPr>
+              <a:t> </a:t>
+            </a:r>
+            <a:r>
+              <a:rPr kumimoji="0" lang="ru-RU" altLang="ru-RU" sz="1800" b="0" i="0" u="none" strike="noStrike" cap="none" normalizeH="0" baseline="0" dirty="0" err="1">
+                <a:ln>
+                  <a:noFill/>
+                </a:ln>
+                <a:effectLst/>
+                <a:latin typeface="JetBrains Mono"/>
+              </a:rPr>
+              <a:t>getRoutingKey</a:t>
+            </a:r>
+            <a:r>
+              <a:rPr kumimoji="0" lang="ru-RU" altLang="ru-RU" sz="1800" b="0" i="0" u="none" strike="noStrike" cap="none" normalizeH="0" baseline="0" dirty="0">
+                <a:ln>
+                  <a:noFill/>
+                </a:ln>
+                <a:solidFill>
+                  <a:srgbClr val="A9B7C6"/>
+                </a:solidFill>
+                <a:effectLst/>
+                <a:latin typeface="JetBrains Mono"/>
+              </a:rPr>
+              <a:t>(): </a:t>
+            </a:r>
+            <a:r>
+              <a:rPr kumimoji="0" lang="ru-RU" altLang="ru-RU" sz="1800" b="0" i="0" u="none" strike="noStrike" cap="none" normalizeH="0" baseline="0" dirty="0" err="1">
+                <a:ln>
+                  <a:noFill/>
+                </a:ln>
+                <a:solidFill>
+                  <a:srgbClr val="CC7832"/>
+                </a:solidFill>
+                <a:effectLst/>
+                <a:latin typeface="JetBrains Mono"/>
+              </a:rPr>
+              <a:t>string</a:t>
+            </a:r>
+            <a:br>
+              <a:rPr kumimoji="0" lang="ru-RU" altLang="ru-RU" sz="1800" b="0" i="0" u="none" strike="noStrike" cap="none" normalizeH="0" baseline="0" dirty="0">
+                <a:ln>
+                  <a:noFill/>
+                </a:ln>
+                <a:solidFill>
+                  <a:srgbClr val="CC7832"/>
+                </a:solidFill>
+                <a:effectLst/>
+                <a:latin typeface="JetBrains Mono"/>
+              </a:rPr>
+            </a:br>
+            <a:r>
+              <a:rPr kumimoji="0" lang="ru-RU" altLang="ru-RU" sz="1800" b="0" i="0" u="none" strike="noStrike" cap="none" normalizeH="0" baseline="0" dirty="0">
+                <a:ln>
+                  <a:noFill/>
+                </a:ln>
+                <a:solidFill>
+                  <a:srgbClr val="CC7832"/>
+                </a:solidFill>
+                <a:effectLst/>
+                <a:latin typeface="JetBrains Mono"/>
+              </a:rPr>
+              <a:t>    </a:t>
+            </a:r>
+            <a:r>
+              <a:rPr kumimoji="0" lang="ru-RU" altLang="ru-RU" sz="1800" b="0" i="0" u="none" strike="noStrike" cap="none" normalizeH="0" baseline="0" dirty="0">
+                <a:ln>
+                  <a:noFill/>
+                </a:ln>
+                <a:solidFill>
+                  <a:srgbClr val="A9B7C6"/>
+                </a:solidFill>
+                <a:effectLst/>
+                <a:latin typeface="JetBrains Mono"/>
+              </a:rPr>
+              <a:t>{</a:t>
+            </a:r>
+            <a:br>
+              <a:rPr kumimoji="0" lang="ru-RU" altLang="ru-RU" sz="1800" b="0" i="0" u="none" strike="noStrike" cap="none" normalizeH="0" baseline="0" dirty="0">
+                <a:ln>
+                  <a:noFill/>
+                </a:ln>
+                <a:solidFill>
+                  <a:srgbClr val="A9B7C6"/>
+                </a:solidFill>
+                <a:effectLst/>
+                <a:latin typeface="JetBrains Mono"/>
+              </a:rPr>
+            </a:br>
+            <a:r>
+              <a:rPr kumimoji="0" lang="ru-RU" altLang="ru-RU" sz="1800" b="0" i="0" u="none" strike="noStrike" cap="none" normalizeH="0" baseline="0" dirty="0">
+                <a:ln>
+                  <a:noFill/>
+                </a:ln>
+                <a:solidFill>
+                  <a:srgbClr val="A9B7C6"/>
+                </a:solidFill>
+                <a:effectLst/>
+                <a:latin typeface="JetBrains Mono"/>
+              </a:rPr>
+              <a:t>        </a:t>
+            </a:r>
+            <a:r>
+              <a:rPr kumimoji="0" lang="ru-RU" altLang="ru-RU" sz="1800" b="0" i="0" u="none" strike="noStrike" cap="none" normalizeH="0" baseline="0" dirty="0" err="1">
+                <a:ln>
+                  <a:noFill/>
+                </a:ln>
+                <a:solidFill>
+                  <a:srgbClr val="CC7832"/>
+                </a:solidFill>
+                <a:effectLst/>
+                <a:latin typeface="JetBrains Mono"/>
+              </a:rPr>
+              <a:t>return</a:t>
+            </a:r>
+            <a:r>
+              <a:rPr kumimoji="0" lang="ru-RU" altLang="ru-RU" sz="1800" b="0" i="0" u="none" strike="noStrike" cap="none" normalizeH="0" baseline="0" dirty="0">
+                <a:ln>
+                  <a:noFill/>
+                </a:ln>
+                <a:solidFill>
+                  <a:srgbClr val="CC7832"/>
+                </a:solidFill>
+                <a:effectLst/>
+                <a:latin typeface="JetBrains Mono"/>
+              </a:rPr>
+              <a:t> </a:t>
+            </a:r>
+            <a:r>
+              <a:rPr kumimoji="0" lang="ru-RU" altLang="ru-RU" sz="1800" b="0" i="0" u="none" strike="noStrike" cap="none" normalizeH="0" baseline="0" dirty="0">
+                <a:ln>
+                  <a:noFill/>
+                </a:ln>
+                <a:solidFill>
+                  <a:srgbClr val="6A8759"/>
+                </a:solidFill>
+                <a:effectLst/>
+                <a:latin typeface="JetBrains Mono"/>
+              </a:rPr>
+              <a:t>'</a:t>
+            </a:r>
+            <a:r>
+              <a:rPr kumimoji="0" lang="ru-RU" altLang="ru-RU" sz="1800" b="0" i="0" u="none" strike="noStrike" cap="none" normalizeH="0" baseline="0" dirty="0" err="1">
+                <a:ln>
+                  <a:noFill/>
+                </a:ln>
+                <a:solidFill>
+                  <a:srgbClr val="6A8759"/>
+                </a:solidFill>
+                <a:effectLst/>
+                <a:latin typeface="JetBrains Mono"/>
+              </a:rPr>
+              <a:t>storage</a:t>
+            </a:r>
+            <a:r>
+              <a:rPr kumimoji="0" lang="ru-RU" altLang="ru-RU" sz="1800" b="0" i="0" u="none" strike="noStrike" cap="none" normalizeH="0" baseline="0" dirty="0">
+                <a:ln>
+                  <a:noFill/>
+                </a:ln>
+                <a:solidFill>
+                  <a:srgbClr val="6A8759"/>
+                </a:solidFill>
+                <a:effectLst/>
+                <a:latin typeface="JetBrains Mono"/>
+              </a:rPr>
+              <a:t>'</a:t>
+            </a:r>
+            <a:r>
+              <a:rPr kumimoji="0" lang="ru-RU" altLang="ru-RU" sz="1800" b="0" i="0" u="none" strike="noStrike" cap="none" normalizeH="0" baseline="0" dirty="0">
+                <a:ln>
+                  <a:noFill/>
+                </a:ln>
+                <a:solidFill>
+                  <a:srgbClr val="CC7832"/>
+                </a:solidFill>
+                <a:effectLst/>
+                <a:latin typeface="JetBrains Mono"/>
+              </a:rPr>
+              <a:t>;</a:t>
+            </a:r>
+            <a:br>
+              <a:rPr kumimoji="0" lang="ru-RU" altLang="ru-RU" sz="1800" b="0" i="0" u="none" strike="noStrike" cap="none" normalizeH="0" baseline="0" dirty="0">
+                <a:ln>
+                  <a:noFill/>
+                </a:ln>
+                <a:solidFill>
+                  <a:srgbClr val="CC7832"/>
+                </a:solidFill>
+                <a:effectLst/>
+                <a:latin typeface="JetBrains Mono"/>
+              </a:rPr>
+            </a:br>
+            <a:r>
+              <a:rPr kumimoji="0" lang="ru-RU" altLang="ru-RU" sz="1800" b="0" i="0" u="none" strike="noStrike" cap="none" normalizeH="0" baseline="0" dirty="0">
+                <a:ln>
+                  <a:noFill/>
+                </a:ln>
+                <a:solidFill>
+                  <a:srgbClr val="CC7832"/>
+                </a:solidFill>
+                <a:effectLst/>
+                <a:latin typeface="JetBrains Mono"/>
+              </a:rPr>
+              <a:t>    </a:t>
+            </a:r>
+            <a:r>
+              <a:rPr kumimoji="0" lang="ru-RU" altLang="ru-RU" sz="1800" b="0" i="0" u="none" strike="noStrike" cap="none" normalizeH="0" baseline="0" dirty="0">
+                <a:ln>
+                  <a:noFill/>
+                </a:ln>
+                <a:solidFill>
+                  <a:srgbClr val="A9B7C6"/>
+                </a:solidFill>
+                <a:effectLst/>
+                <a:latin typeface="JetBrains Mono"/>
+              </a:rPr>
+              <a:t>}</a:t>
+            </a:r>
+            <a:br>
+              <a:rPr kumimoji="0" lang="ru-RU" altLang="ru-RU" sz="1800" b="0" i="0" u="none" strike="noStrike" cap="none" normalizeH="0" baseline="0" dirty="0">
+                <a:ln>
+                  <a:noFill/>
+                </a:ln>
+                <a:solidFill>
+                  <a:srgbClr val="A9B7C6"/>
+                </a:solidFill>
+                <a:effectLst/>
+                <a:latin typeface="JetBrains Mono"/>
+              </a:rPr>
+            </a:br>
+            <a:r>
+              <a:rPr kumimoji="0" lang="ru-RU" altLang="ru-RU" sz="1800" b="0" i="0" u="none" strike="noStrike" cap="none" normalizeH="0" baseline="0" dirty="0">
+                <a:ln>
+                  <a:noFill/>
+                </a:ln>
+                <a:solidFill>
+                  <a:srgbClr val="A9B7C6"/>
+                </a:solidFill>
+                <a:effectLst/>
+                <a:latin typeface="JetBrains Mono"/>
+              </a:rPr>
+              <a:t>}</a:t>
+            </a:r>
+            <a:endParaRPr kumimoji="0" lang="ru-RU" altLang="ru-RU" sz="4000" b="0" i="0" u="none" strike="noStrike" cap="none" normalizeH="0" baseline="0" dirty="0">
+              <a:ln>
+                <a:noFill/>
+              </a:ln>
+              <a:effectLst/>
+              <a:latin typeface="Arial" panose="020B0604020202020204" pitchFamily="34" charset="0"/>
+            </a:endParaRPr>
+          </a:p>
+        </p:txBody>
+      </p:sp>
+      <p:sp>
+        <p:nvSpPr>
+          <p:cNvPr id="14" name="TextBox 13">
+            <a:extLst>
+              <a:ext uri="{FF2B5EF4-FFF2-40B4-BE49-F238E27FC236}">
+                <a16:creationId xmlns:a16="http://schemas.microsoft.com/office/drawing/2014/main" id="{56EBE955-CA5B-693E-5F36-96B9EA0DAAE9}"/>
+              </a:ext>
+            </a:extLst>
+          </p:cNvPr>
+          <p:cNvSpPr txBox="1"/>
+          <p:nvPr/>
+        </p:nvSpPr>
+        <p:spPr>
+          <a:xfrm>
+            <a:off x="5905496" y="1070239"/>
+            <a:ext cx="4905376" cy="369332"/>
+          </a:xfrm>
+          <a:prstGeom prst="rect">
+            <a:avLst/>
+          </a:prstGeom>
+          <a:noFill/>
+        </p:spPr>
+        <p:txBody>
+          <a:bodyPr wrap="square">
+            <a:spAutoFit/>
+          </a:bodyPr>
+          <a:lstStyle/>
+          <a:p>
+            <a:r>
+              <a:rPr lang="ru-RU" b="1" dirty="0"/>
+              <a:t>Процесс для чтения сообщений из очереди</a:t>
+            </a:r>
+            <a:r>
+              <a:rPr lang="en-US" b="1" dirty="0"/>
+              <a:t>:</a:t>
+            </a:r>
+            <a:endParaRPr lang="ru-RU" dirty="0"/>
+          </a:p>
+        </p:txBody>
+      </p:sp>
+      <p:sp>
+        <p:nvSpPr>
+          <p:cNvPr id="17" name="TextBox 16">
+            <a:extLst>
+              <a:ext uri="{FF2B5EF4-FFF2-40B4-BE49-F238E27FC236}">
+                <a16:creationId xmlns:a16="http://schemas.microsoft.com/office/drawing/2014/main" id="{85533B77-5565-344C-AA98-43BF0B13F43E}"/>
+              </a:ext>
+            </a:extLst>
+          </p:cNvPr>
+          <p:cNvSpPr txBox="1"/>
+          <p:nvPr/>
+        </p:nvSpPr>
+        <p:spPr>
+          <a:xfrm>
+            <a:off x="5905496" y="1435879"/>
+            <a:ext cx="4905376" cy="646331"/>
+          </a:xfrm>
+          <a:prstGeom prst="rect">
+            <a:avLst/>
+          </a:prstGeom>
+          <a:noFill/>
+          <a:ln>
+            <a:solidFill>
+              <a:schemeClr val="tx1"/>
+            </a:solidFill>
+          </a:ln>
+        </p:spPr>
+        <p:txBody>
+          <a:bodyPr wrap="square">
+            <a:spAutoFit/>
+          </a:bodyPr>
+          <a:lstStyle/>
+          <a:p>
+            <a:pPr marL="0" marR="0" lvl="0" indent="0" algn="l" defTabSz="914400" rtl="0" eaLnBrk="0" fontAlgn="base" latinLnBrk="0" hangingPunct="0">
+              <a:lnSpc>
+                <a:spcPct val="100000"/>
+              </a:lnSpc>
+              <a:spcBef>
+                <a:spcPct val="0"/>
+              </a:spcBef>
+              <a:spcAft>
+                <a:spcPct val="0"/>
+              </a:spcAft>
+              <a:buClrTx/>
+              <a:buSzTx/>
+              <a:buFontTx/>
+              <a:buNone/>
+              <a:tabLst/>
+            </a:pPr>
+            <a:r>
+              <a:rPr kumimoji="0" lang="ru-RU" altLang="ru-RU" sz="1800" b="0" i="0" u="none" strike="noStrike" cap="none" normalizeH="0" baseline="0" dirty="0">
+                <a:ln>
+                  <a:noFill/>
+                </a:ln>
+                <a:solidFill>
+                  <a:srgbClr val="9876AA"/>
+                </a:solidFill>
+                <a:effectLst/>
+                <a:latin typeface="JetBrains Mono"/>
+              </a:rPr>
+              <a:t>$</a:t>
+            </a:r>
+            <a:r>
+              <a:rPr kumimoji="0" lang="ru-RU" altLang="ru-RU" sz="1800" b="0" i="0" u="none" strike="noStrike" cap="none" normalizeH="0" baseline="0" dirty="0" err="1">
+                <a:ln>
+                  <a:noFill/>
+                </a:ln>
+                <a:solidFill>
+                  <a:srgbClr val="9876AA"/>
+                </a:solidFill>
+                <a:effectLst/>
+                <a:latin typeface="JetBrains Mono"/>
+              </a:rPr>
+              <a:t>queue</a:t>
+            </a:r>
+            <a:r>
+              <a:rPr kumimoji="0" lang="ru-RU" altLang="ru-RU" sz="1800" b="0" i="0" u="none" strike="noStrike" cap="none" normalizeH="0" baseline="0" dirty="0">
+                <a:ln>
+                  <a:noFill/>
+                </a:ln>
+                <a:solidFill>
+                  <a:srgbClr val="9876AA"/>
+                </a:solidFill>
+                <a:effectLst/>
+                <a:latin typeface="JetBrains Mono"/>
+              </a:rPr>
+              <a:t> </a:t>
+            </a:r>
+            <a:r>
+              <a:rPr kumimoji="0" lang="ru-RU" altLang="ru-RU" sz="1800" b="0" i="0" u="none" strike="noStrike" cap="none" normalizeH="0" baseline="0" dirty="0">
+                <a:ln>
+                  <a:noFill/>
+                </a:ln>
+                <a:solidFill>
+                  <a:srgbClr val="A9B7C6"/>
+                </a:solidFill>
+                <a:effectLst/>
+                <a:latin typeface="JetBrains Mono"/>
+              </a:rPr>
+              <a:t>= </a:t>
+            </a:r>
+            <a:r>
+              <a:rPr kumimoji="0" lang="ru-RU" altLang="ru-RU" sz="1800" b="0" i="0" u="none" strike="noStrike" cap="none" normalizeH="0" baseline="0" dirty="0">
+                <a:ln>
+                  <a:noFill/>
+                </a:ln>
+                <a:solidFill>
+                  <a:srgbClr val="6A8759"/>
+                </a:solidFill>
+                <a:effectLst/>
+                <a:latin typeface="JetBrains Mono"/>
+              </a:rPr>
+              <a:t>'</a:t>
+            </a:r>
+            <a:r>
+              <a:rPr kumimoji="0" lang="ru-RU" altLang="ru-RU" sz="1800" b="0" i="0" u="none" strike="noStrike" cap="none" normalizeH="0" baseline="0" dirty="0" err="1">
+                <a:ln>
+                  <a:noFill/>
+                </a:ln>
+                <a:solidFill>
+                  <a:srgbClr val="6A8759"/>
+                </a:solidFill>
+                <a:effectLst/>
+                <a:latin typeface="JetBrains Mono"/>
+              </a:rPr>
+              <a:t>storage</a:t>
+            </a:r>
+            <a:r>
+              <a:rPr kumimoji="0" lang="ru-RU" altLang="ru-RU" sz="1800" b="0" i="0" u="none" strike="noStrike" cap="none" normalizeH="0" baseline="0" dirty="0">
+                <a:ln>
+                  <a:noFill/>
+                </a:ln>
+                <a:solidFill>
+                  <a:srgbClr val="6A8759"/>
+                </a:solidFill>
+                <a:effectLst/>
+                <a:latin typeface="JetBrains Mono"/>
+              </a:rPr>
+              <a:t>'</a:t>
+            </a:r>
+            <a:r>
+              <a:rPr kumimoji="0" lang="ru-RU" altLang="ru-RU" sz="1800" b="0" i="0" u="none" strike="noStrike" cap="none" normalizeH="0" baseline="0" dirty="0">
+                <a:ln>
+                  <a:noFill/>
+                </a:ln>
+                <a:solidFill>
+                  <a:srgbClr val="CC7832"/>
+                </a:solidFill>
+                <a:effectLst/>
+                <a:latin typeface="JetBrains Mono"/>
+              </a:rPr>
+              <a:t>;</a:t>
+            </a:r>
+            <a:br>
+              <a:rPr kumimoji="0" lang="ru-RU" altLang="ru-RU" sz="1800" b="0" i="0" u="none" strike="noStrike" cap="none" normalizeH="0" baseline="0" dirty="0">
+                <a:ln>
+                  <a:noFill/>
+                </a:ln>
+                <a:solidFill>
+                  <a:srgbClr val="CC7832"/>
+                </a:solidFill>
+                <a:effectLst/>
+                <a:latin typeface="JetBrains Mono"/>
+              </a:rPr>
+            </a:br>
+            <a:r>
+              <a:rPr kumimoji="0" lang="ru-RU" altLang="ru-RU" sz="1800" b="0" i="0" u="none" strike="noStrike" cap="none" normalizeH="0" baseline="0" dirty="0" err="1">
+                <a:ln>
+                  <a:noFill/>
+                </a:ln>
+                <a:effectLst/>
+                <a:latin typeface="JetBrains Mono"/>
+              </a:rPr>
+              <a:t>RabbitMQ</a:t>
+            </a:r>
+            <a:r>
+              <a:rPr kumimoji="0" lang="ru-RU" altLang="ru-RU" sz="1800" b="0" i="0" u="none" strike="noStrike" cap="none" normalizeH="0" baseline="0" dirty="0">
+                <a:ln>
+                  <a:noFill/>
+                </a:ln>
+                <a:solidFill>
+                  <a:srgbClr val="A9B7C6"/>
+                </a:solidFill>
+                <a:effectLst/>
+                <a:latin typeface="JetBrains Mono"/>
+              </a:rPr>
+              <a:t>::</a:t>
+            </a:r>
+            <a:r>
+              <a:rPr kumimoji="0" lang="ru-RU" altLang="ru-RU" sz="1800" b="0" i="1" u="none" strike="noStrike" cap="none" normalizeH="0" baseline="0" dirty="0" err="1">
+                <a:ln>
+                  <a:noFill/>
+                </a:ln>
+                <a:effectLst/>
+                <a:latin typeface="JetBrains Mono"/>
+              </a:rPr>
+              <a:t>runWorkConsumer</a:t>
+            </a:r>
+            <a:r>
+              <a:rPr kumimoji="0" lang="ru-RU" altLang="ru-RU" sz="1800" b="0" i="0" u="none" strike="noStrike" cap="none" normalizeH="0" baseline="0" dirty="0">
+                <a:ln>
+                  <a:noFill/>
+                </a:ln>
+                <a:solidFill>
+                  <a:srgbClr val="A9B7C6"/>
+                </a:solidFill>
+                <a:effectLst/>
+                <a:latin typeface="JetBrains Mono"/>
+              </a:rPr>
+              <a:t>(</a:t>
+            </a:r>
+            <a:r>
+              <a:rPr kumimoji="0" lang="ru-RU" altLang="ru-RU" sz="1800" b="0" i="0" u="none" strike="noStrike" cap="none" normalizeH="0" baseline="0" dirty="0">
+                <a:ln>
+                  <a:noFill/>
+                </a:ln>
+                <a:solidFill>
+                  <a:srgbClr val="9876AA"/>
+                </a:solidFill>
+                <a:effectLst/>
+                <a:latin typeface="JetBrains Mono"/>
+              </a:rPr>
+              <a:t>$</a:t>
+            </a:r>
+            <a:r>
+              <a:rPr kumimoji="0" lang="ru-RU" altLang="ru-RU" sz="1800" b="0" i="0" u="none" strike="noStrike" cap="none" normalizeH="0" baseline="0" dirty="0" err="1">
+                <a:ln>
+                  <a:noFill/>
+                </a:ln>
+                <a:solidFill>
+                  <a:srgbClr val="9876AA"/>
+                </a:solidFill>
+                <a:effectLst/>
+                <a:latin typeface="JetBrains Mono"/>
+              </a:rPr>
+              <a:t>queue</a:t>
+            </a:r>
+            <a:r>
+              <a:rPr kumimoji="0" lang="ru-RU" altLang="ru-RU" sz="1800" b="0" i="0" u="none" strike="noStrike" cap="none" normalizeH="0" baseline="0" dirty="0">
+                <a:ln>
+                  <a:noFill/>
+                </a:ln>
+                <a:solidFill>
+                  <a:srgbClr val="A9B7C6"/>
+                </a:solidFill>
+                <a:effectLst/>
+                <a:latin typeface="JetBrains Mono"/>
+              </a:rPr>
+              <a:t>)</a:t>
+            </a:r>
+            <a:r>
+              <a:rPr kumimoji="0" lang="ru-RU" altLang="ru-RU" sz="1800" b="0" i="0" u="none" strike="noStrike" cap="none" normalizeH="0" baseline="0" dirty="0">
+                <a:ln>
+                  <a:noFill/>
+                </a:ln>
+                <a:solidFill>
+                  <a:srgbClr val="CC7832"/>
+                </a:solidFill>
+                <a:effectLst/>
+                <a:latin typeface="JetBrains Mono"/>
+              </a:rPr>
+              <a:t>;</a:t>
+            </a:r>
+            <a:endParaRPr kumimoji="0" lang="ru-RU" altLang="ru-RU" sz="4000" b="0" i="0" u="none" strike="noStrike" cap="none" normalizeH="0" baseline="0" dirty="0">
+              <a:ln>
+                <a:noFill/>
+              </a:ln>
+              <a:solidFill>
+                <a:schemeClr val="tx1"/>
+              </a:solidFill>
+              <a:effectLst/>
+              <a:latin typeface="Arial" panose="020B0604020202020204" pitchFamily="34" charset="0"/>
+            </a:endParaRPr>
+          </a:p>
+        </p:txBody>
+      </p:sp>
+      <p:sp>
+        <p:nvSpPr>
+          <p:cNvPr id="23" name="TextBox 22">
+            <a:extLst>
+              <a:ext uri="{FF2B5EF4-FFF2-40B4-BE49-F238E27FC236}">
+                <a16:creationId xmlns:a16="http://schemas.microsoft.com/office/drawing/2014/main" id="{F8075D0E-B827-A3BD-6AF1-C08CB55C1817}"/>
+              </a:ext>
+            </a:extLst>
+          </p:cNvPr>
+          <p:cNvSpPr txBox="1"/>
+          <p:nvPr/>
+        </p:nvSpPr>
+        <p:spPr>
+          <a:xfrm>
+            <a:off x="5905496" y="2817182"/>
+            <a:ext cx="4905377" cy="923330"/>
+          </a:xfrm>
+          <a:prstGeom prst="rect">
+            <a:avLst/>
+          </a:prstGeom>
+          <a:noFill/>
+          <a:ln>
+            <a:solidFill>
+              <a:schemeClr val="tx1"/>
+            </a:solidFill>
+          </a:ln>
+        </p:spPr>
+        <p:txBody>
+          <a:bodyPr wrap="square">
+            <a:spAutoFit/>
+          </a:bodyPr>
+          <a:lstStyle/>
+          <a:p>
+            <a:pPr marL="0" marR="0" lvl="0" indent="0" algn="l" defTabSz="914400" rtl="0" eaLnBrk="0" fontAlgn="base" latinLnBrk="0" hangingPunct="0">
+              <a:lnSpc>
+                <a:spcPct val="100000"/>
+              </a:lnSpc>
+              <a:spcBef>
+                <a:spcPct val="0"/>
+              </a:spcBef>
+              <a:spcAft>
+                <a:spcPct val="0"/>
+              </a:spcAft>
+              <a:buClrTx/>
+              <a:buSzTx/>
+              <a:buFontTx/>
+              <a:buNone/>
+              <a:tabLst/>
+            </a:pPr>
+            <a:r>
+              <a:rPr kumimoji="0" lang="ru-RU" altLang="ru-RU" sz="1800" b="0" i="0" u="none" strike="noStrike" cap="none" normalizeH="0" baseline="0" dirty="0">
+                <a:ln>
+                  <a:noFill/>
+                </a:ln>
+                <a:solidFill>
+                  <a:srgbClr val="9876AA"/>
+                </a:solidFill>
+                <a:effectLst/>
+                <a:latin typeface="JetBrains Mono"/>
+              </a:rPr>
+              <a:t>$</a:t>
+            </a:r>
+            <a:r>
+              <a:rPr kumimoji="0" lang="ru-RU" altLang="ru-RU" sz="1800" b="0" i="0" u="none" strike="noStrike" cap="none" normalizeH="0" baseline="0" dirty="0" err="1">
+                <a:ln>
+                  <a:noFill/>
+                </a:ln>
+                <a:solidFill>
+                  <a:srgbClr val="9876AA"/>
+                </a:solidFill>
+                <a:effectLst/>
+                <a:latin typeface="JetBrains Mono"/>
+              </a:rPr>
+              <a:t>message</a:t>
+            </a:r>
+            <a:r>
+              <a:rPr kumimoji="0" lang="ru-RU" altLang="ru-RU" sz="1800" b="0" i="0" u="none" strike="noStrike" cap="none" normalizeH="0" baseline="0" dirty="0">
+                <a:ln>
+                  <a:noFill/>
+                </a:ln>
+                <a:solidFill>
+                  <a:srgbClr val="9876AA"/>
+                </a:solidFill>
+                <a:effectLst/>
+                <a:latin typeface="JetBrains Mono"/>
+              </a:rPr>
+              <a:t> </a:t>
+            </a:r>
+            <a:r>
+              <a:rPr kumimoji="0" lang="ru-RU" altLang="ru-RU" sz="1800" b="0" i="0" u="none" strike="noStrike" cap="none" normalizeH="0" baseline="0" dirty="0">
+                <a:ln>
+                  <a:noFill/>
+                </a:ln>
+                <a:solidFill>
+                  <a:srgbClr val="A9B7C6"/>
+                </a:solidFill>
+                <a:effectLst/>
+                <a:latin typeface="JetBrains Mono"/>
+              </a:rPr>
+              <a:t>= [</a:t>
+            </a:r>
+            <a:r>
+              <a:rPr kumimoji="0" lang="ru-RU" altLang="ru-RU" sz="1800" b="0" i="0" u="none" strike="noStrike" cap="none" normalizeH="0" baseline="0" dirty="0">
+                <a:ln>
+                  <a:noFill/>
+                </a:ln>
+                <a:solidFill>
+                  <a:srgbClr val="6897BB"/>
+                </a:solidFill>
+                <a:effectLst/>
+                <a:latin typeface="JetBrains Mono"/>
+              </a:rPr>
+              <a:t>1</a:t>
+            </a:r>
+            <a:r>
+              <a:rPr kumimoji="0" lang="ru-RU" altLang="ru-RU" sz="1800" b="0" i="0" u="none" strike="noStrike" cap="none" normalizeH="0" baseline="0" dirty="0">
+                <a:ln>
+                  <a:noFill/>
+                </a:ln>
+                <a:solidFill>
+                  <a:srgbClr val="CC7832"/>
+                </a:solidFill>
+                <a:effectLst/>
+                <a:latin typeface="JetBrains Mono"/>
+              </a:rPr>
+              <a:t>,</a:t>
+            </a:r>
+            <a:r>
+              <a:rPr kumimoji="0" lang="ru-RU" altLang="ru-RU" sz="1800" b="0" i="0" u="none" strike="noStrike" cap="none" normalizeH="0" baseline="0" dirty="0">
+                <a:ln>
+                  <a:noFill/>
+                </a:ln>
+                <a:solidFill>
+                  <a:srgbClr val="6897BB"/>
+                </a:solidFill>
+                <a:effectLst/>
+                <a:latin typeface="JetBrains Mono"/>
+              </a:rPr>
+              <a:t>2</a:t>
+            </a:r>
+            <a:r>
+              <a:rPr kumimoji="0" lang="ru-RU" altLang="ru-RU" sz="1800" b="0" i="0" u="none" strike="noStrike" cap="none" normalizeH="0" baseline="0" dirty="0">
+                <a:ln>
+                  <a:noFill/>
+                </a:ln>
+                <a:solidFill>
+                  <a:srgbClr val="CC7832"/>
+                </a:solidFill>
+                <a:effectLst/>
+                <a:latin typeface="JetBrains Mono"/>
+              </a:rPr>
+              <a:t>,</a:t>
+            </a:r>
+            <a:r>
+              <a:rPr kumimoji="0" lang="ru-RU" altLang="ru-RU" sz="1800" b="0" i="0" u="none" strike="noStrike" cap="none" normalizeH="0" baseline="0" dirty="0">
+                <a:ln>
+                  <a:noFill/>
+                </a:ln>
+                <a:solidFill>
+                  <a:srgbClr val="6897BB"/>
+                </a:solidFill>
+                <a:effectLst/>
+                <a:latin typeface="JetBrains Mono"/>
+              </a:rPr>
+              <a:t>3</a:t>
+            </a:r>
+            <a:r>
+              <a:rPr kumimoji="0" lang="ru-RU" altLang="ru-RU" sz="1800" b="0" i="0" u="none" strike="noStrike" cap="none" normalizeH="0" baseline="0" dirty="0">
+                <a:ln>
+                  <a:noFill/>
+                </a:ln>
+                <a:solidFill>
+                  <a:srgbClr val="A9B7C6"/>
+                </a:solidFill>
+                <a:effectLst/>
+                <a:latin typeface="JetBrains Mono"/>
+              </a:rPr>
+              <a:t>]</a:t>
+            </a:r>
+            <a:r>
+              <a:rPr kumimoji="0" lang="ru-RU" altLang="ru-RU" sz="1800" b="0" i="0" u="none" strike="noStrike" cap="none" normalizeH="0" baseline="0" dirty="0">
+                <a:ln>
+                  <a:noFill/>
+                </a:ln>
+                <a:solidFill>
+                  <a:srgbClr val="CC7832"/>
+                </a:solidFill>
+                <a:effectLst/>
+                <a:latin typeface="JetBrains Mono"/>
+              </a:rPr>
+              <a:t>;</a:t>
+            </a:r>
+            <a:br>
+              <a:rPr kumimoji="0" lang="ru-RU" altLang="ru-RU" sz="1800" b="0" i="0" u="none" strike="noStrike" cap="none" normalizeH="0" baseline="0" dirty="0">
+                <a:ln>
+                  <a:noFill/>
+                </a:ln>
+                <a:solidFill>
+                  <a:srgbClr val="CC7832"/>
+                </a:solidFill>
+                <a:effectLst/>
+                <a:latin typeface="JetBrains Mono"/>
+              </a:rPr>
+            </a:br>
+            <a:r>
+              <a:rPr kumimoji="0" lang="ru-RU" altLang="ru-RU" sz="1800" b="0" i="0" u="none" strike="noStrike" cap="none" normalizeH="0" baseline="0" dirty="0">
+                <a:ln>
+                  <a:noFill/>
+                </a:ln>
+                <a:solidFill>
+                  <a:srgbClr val="9876AA"/>
+                </a:solidFill>
+                <a:effectLst/>
+                <a:latin typeface="JetBrains Mono"/>
+              </a:rPr>
+              <a:t>$</a:t>
+            </a:r>
+            <a:r>
+              <a:rPr kumimoji="0" lang="ru-RU" altLang="ru-RU" sz="1800" b="0" i="0" u="none" strike="noStrike" cap="none" normalizeH="0" baseline="0" dirty="0" err="1">
+                <a:ln>
+                  <a:noFill/>
+                </a:ln>
+                <a:solidFill>
+                  <a:srgbClr val="9876AA"/>
+                </a:solidFill>
+                <a:effectLst/>
+                <a:latin typeface="JetBrains Mono"/>
+              </a:rPr>
+              <a:t>routingKey</a:t>
+            </a:r>
+            <a:r>
+              <a:rPr kumimoji="0" lang="ru-RU" altLang="ru-RU" sz="1800" b="0" i="0" u="none" strike="noStrike" cap="none" normalizeH="0" baseline="0" dirty="0">
+                <a:ln>
+                  <a:noFill/>
+                </a:ln>
+                <a:solidFill>
+                  <a:srgbClr val="9876AA"/>
+                </a:solidFill>
+                <a:effectLst/>
+                <a:latin typeface="JetBrains Mono"/>
+              </a:rPr>
+              <a:t> </a:t>
+            </a:r>
+            <a:r>
+              <a:rPr kumimoji="0" lang="ru-RU" altLang="ru-RU" sz="1800" b="0" i="0" u="none" strike="noStrike" cap="none" normalizeH="0" baseline="0" dirty="0">
+                <a:ln>
+                  <a:noFill/>
+                </a:ln>
+                <a:solidFill>
+                  <a:srgbClr val="A9B7C6"/>
+                </a:solidFill>
+                <a:effectLst/>
+                <a:latin typeface="JetBrains Mono"/>
+              </a:rPr>
+              <a:t>= </a:t>
+            </a:r>
+            <a:r>
+              <a:rPr kumimoji="0" lang="ru-RU" altLang="ru-RU" sz="1800" b="0" i="0" u="none" strike="noStrike" cap="none" normalizeH="0" baseline="0" dirty="0">
+                <a:ln>
+                  <a:noFill/>
+                </a:ln>
+                <a:solidFill>
+                  <a:srgbClr val="6A8759"/>
+                </a:solidFill>
+                <a:effectLst/>
+                <a:latin typeface="JetBrains Mono"/>
+              </a:rPr>
+              <a:t>'</a:t>
+            </a:r>
+            <a:r>
+              <a:rPr kumimoji="0" lang="ru-RU" altLang="ru-RU" sz="1800" b="0" i="0" u="none" strike="noStrike" cap="none" normalizeH="0" baseline="0" dirty="0" err="1">
+                <a:ln>
+                  <a:noFill/>
+                </a:ln>
+                <a:solidFill>
+                  <a:srgbClr val="6A8759"/>
+                </a:solidFill>
+                <a:effectLst/>
+                <a:latin typeface="JetBrains Mono"/>
+              </a:rPr>
+              <a:t>storage</a:t>
+            </a:r>
+            <a:r>
+              <a:rPr kumimoji="0" lang="ru-RU" altLang="ru-RU" sz="1800" b="0" i="0" u="none" strike="noStrike" cap="none" normalizeH="0" baseline="0" dirty="0">
+                <a:ln>
+                  <a:noFill/>
+                </a:ln>
+                <a:solidFill>
+                  <a:srgbClr val="6A8759"/>
+                </a:solidFill>
+                <a:effectLst/>
+                <a:latin typeface="JetBrains Mono"/>
+              </a:rPr>
+              <a:t>'</a:t>
+            </a:r>
+            <a:r>
+              <a:rPr kumimoji="0" lang="ru-RU" altLang="ru-RU" sz="1800" b="0" i="0" u="none" strike="noStrike" cap="none" normalizeH="0" baseline="0" dirty="0">
+                <a:ln>
+                  <a:noFill/>
+                </a:ln>
+                <a:solidFill>
+                  <a:srgbClr val="CC7832"/>
+                </a:solidFill>
+                <a:effectLst/>
+                <a:latin typeface="JetBrains Mono"/>
+              </a:rPr>
+              <a:t>;</a:t>
+            </a:r>
+            <a:br>
+              <a:rPr kumimoji="0" lang="ru-RU" altLang="ru-RU" sz="1800" b="0" i="0" u="none" strike="noStrike" cap="none" normalizeH="0" baseline="0" dirty="0">
+                <a:ln>
+                  <a:noFill/>
+                </a:ln>
+                <a:solidFill>
+                  <a:srgbClr val="CC7832"/>
+                </a:solidFill>
+                <a:effectLst/>
+                <a:latin typeface="JetBrains Mono"/>
+              </a:rPr>
+            </a:br>
+            <a:r>
+              <a:rPr kumimoji="0" lang="ru-RU" altLang="ru-RU" sz="1800" b="0" i="0" u="none" strike="noStrike" cap="none" normalizeH="0" baseline="0" dirty="0" err="1">
+                <a:ln>
+                  <a:noFill/>
+                </a:ln>
+                <a:effectLst/>
+                <a:latin typeface="JetBrains Mono"/>
+              </a:rPr>
+              <a:t>RabbitMQ</a:t>
+            </a:r>
+            <a:r>
+              <a:rPr kumimoji="0" lang="ru-RU" altLang="ru-RU" sz="1800" b="0" i="0" u="none" strike="noStrike" cap="none" normalizeH="0" baseline="0" dirty="0">
+                <a:ln>
+                  <a:noFill/>
+                </a:ln>
+                <a:solidFill>
+                  <a:srgbClr val="A9B7C6"/>
+                </a:solidFill>
+                <a:effectLst/>
+                <a:latin typeface="JetBrains Mono"/>
+              </a:rPr>
+              <a:t>::</a:t>
+            </a:r>
+            <a:r>
+              <a:rPr kumimoji="0" lang="ru-RU" altLang="ru-RU" sz="1800" b="0" i="1" u="none" strike="noStrike" cap="none" normalizeH="0" baseline="0" dirty="0" err="1">
+                <a:ln>
+                  <a:noFill/>
+                </a:ln>
+                <a:effectLst/>
+                <a:latin typeface="JetBrains Mono"/>
+              </a:rPr>
+              <a:t>sendMessage</a:t>
+            </a:r>
+            <a:r>
+              <a:rPr kumimoji="0" lang="ru-RU" altLang="ru-RU" sz="1800" b="0" i="0" u="none" strike="noStrike" cap="none" normalizeH="0" baseline="0" dirty="0">
+                <a:ln>
+                  <a:noFill/>
+                </a:ln>
+                <a:solidFill>
+                  <a:srgbClr val="A9B7C6"/>
+                </a:solidFill>
+                <a:effectLst/>
+                <a:latin typeface="JetBrains Mono"/>
+              </a:rPr>
+              <a:t>(</a:t>
+            </a:r>
+            <a:r>
+              <a:rPr kumimoji="0" lang="ru-RU" altLang="ru-RU" sz="1800" b="0" i="0" u="none" strike="noStrike" cap="none" normalizeH="0" baseline="0" dirty="0">
+                <a:ln>
+                  <a:noFill/>
+                </a:ln>
+                <a:solidFill>
+                  <a:srgbClr val="9876AA"/>
+                </a:solidFill>
+                <a:effectLst/>
+                <a:latin typeface="JetBrains Mono"/>
+              </a:rPr>
+              <a:t>$</a:t>
+            </a:r>
+            <a:r>
+              <a:rPr kumimoji="0" lang="ru-RU" altLang="ru-RU" sz="1800" b="0" i="0" u="none" strike="noStrike" cap="none" normalizeH="0" baseline="0" dirty="0" err="1">
+                <a:ln>
+                  <a:noFill/>
+                </a:ln>
+                <a:solidFill>
+                  <a:srgbClr val="9876AA"/>
+                </a:solidFill>
+                <a:effectLst/>
+                <a:latin typeface="JetBrains Mono"/>
+              </a:rPr>
+              <a:t>message</a:t>
+            </a:r>
+            <a:r>
+              <a:rPr kumimoji="0" lang="ru-RU" altLang="ru-RU" sz="1800" b="0" i="0" u="none" strike="noStrike" cap="none" normalizeH="0" baseline="0" dirty="0">
+                <a:ln>
+                  <a:noFill/>
+                </a:ln>
+                <a:solidFill>
+                  <a:srgbClr val="CC7832"/>
+                </a:solidFill>
+                <a:effectLst/>
+                <a:latin typeface="JetBrains Mono"/>
+              </a:rPr>
+              <a:t>, </a:t>
+            </a:r>
+            <a:r>
+              <a:rPr kumimoji="0" lang="ru-RU" altLang="ru-RU" sz="1800" b="0" i="0" u="none" strike="noStrike" cap="none" normalizeH="0" baseline="0" dirty="0">
+                <a:ln>
+                  <a:noFill/>
+                </a:ln>
+                <a:solidFill>
+                  <a:srgbClr val="9876AA"/>
+                </a:solidFill>
+                <a:effectLst/>
+                <a:latin typeface="JetBrains Mono"/>
+              </a:rPr>
+              <a:t>$</a:t>
+            </a:r>
+            <a:r>
+              <a:rPr kumimoji="0" lang="ru-RU" altLang="ru-RU" sz="1800" b="0" i="0" u="none" strike="noStrike" cap="none" normalizeH="0" baseline="0" dirty="0" err="1">
+                <a:ln>
+                  <a:noFill/>
+                </a:ln>
+                <a:solidFill>
+                  <a:srgbClr val="9876AA"/>
+                </a:solidFill>
+                <a:effectLst/>
+                <a:latin typeface="JetBrains Mono"/>
+              </a:rPr>
+              <a:t>routingKey</a:t>
+            </a:r>
+            <a:r>
+              <a:rPr kumimoji="0" lang="ru-RU" altLang="ru-RU" sz="1800" b="0" i="0" u="none" strike="noStrike" cap="none" normalizeH="0" baseline="0" dirty="0">
+                <a:ln>
+                  <a:noFill/>
+                </a:ln>
+                <a:solidFill>
+                  <a:srgbClr val="A9B7C6"/>
+                </a:solidFill>
+                <a:effectLst/>
+                <a:latin typeface="JetBrains Mono"/>
+              </a:rPr>
+              <a:t>)</a:t>
+            </a:r>
+            <a:r>
+              <a:rPr kumimoji="0" lang="ru-RU" altLang="ru-RU" sz="1800" b="0" i="0" u="none" strike="noStrike" cap="none" normalizeH="0" baseline="0" dirty="0">
+                <a:ln>
+                  <a:noFill/>
+                </a:ln>
+                <a:solidFill>
+                  <a:srgbClr val="CC7832"/>
+                </a:solidFill>
+                <a:effectLst/>
+                <a:latin typeface="JetBrains Mono"/>
+              </a:rPr>
+              <a:t>;</a:t>
+            </a:r>
+            <a:endParaRPr kumimoji="0" lang="ru-RU" altLang="ru-RU" sz="4000" b="0" i="0" u="none" strike="noStrike" cap="none" normalizeH="0" baseline="0" dirty="0">
+              <a:ln>
+                <a:noFill/>
+              </a:ln>
+              <a:solidFill>
+                <a:schemeClr val="tx1"/>
+              </a:solidFill>
+              <a:effectLst/>
+              <a:latin typeface="Arial" panose="020B0604020202020204" pitchFamily="34" charset="0"/>
+            </a:endParaRPr>
+          </a:p>
+        </p:txBody>
+      </p:sp>
+      <p:sp>
+        <p:nvSpPr>
+          <p:cNvPr id="24" name="TextBox 23">
+            <a:extLst>
+              <a:ext uri="{FF2B5EF4-FFF2-40B4-BE49-F238E27FC236}">
+                <a16:creationId xmlns:a16="http://schemas.microsoft.com/office/drawing/2014/main" id="{1E143942-97E1-9C75-D369-A6A8F1001088}"/>
+              </a:ext>
+            </a:extLst>
+          </p:cNvPr>
+          <p:cNvSpPr txBox="1"/>
+          <p:nvPr/>
+        </p:nvSpPr>
+        <p:spPr>
+          <a:xfrm>
+            <a:off x="5905497" y="2447850"/>
+            <a:ext cx="4905376" cy="369332"/>
+          </a:xfrm>
+          <a:prstGeom prst="rect">
+            <a:avLst/>
+          </a:prstGeom>
+          <a:noFill/>
+        </p:spPr>
+        <p:txBody>
+          <a:bodyPr wrap="square">
+            <a:spAutoFit/>
+          </a:bodyPr>
+          <a:lstStyle/>
+          <a:p>
+            <a:r>
+              <a:rPr lang="ru-RU" b="1" dirty="0"/>
+              <a:t>Отправка сообщений</a:t>
+            </a:r>
+            <a:r>
+              <a:rPr lang="en-US" b="1" dirty="0"/>
+              <a:t>:</a:t>
+            </a:r>
+            <a:endParaRPr lang="ru-RU" dirty="0"/>
+          </a:p>
+        </p:txBody>
+      </p:sp>
+    </p:spTree>
+    <p:extLst>
+      <p:ext uri="{BB962C8B-B14F-4D97-AF65-F5344CB8AC3E}">
+        <p14:creationId xmlns:p14="http://schemas.microsoft.com/office/powerpoint/2010/main" val="1969723512"/>
+      </p:ext>
+    </p:extLst>
+  </p:cSld>
+  <p:clrMapOvr>
+    <a:masterClrMapping/>
+  </p:clrMapOvr>
+  <p:transition spd="slow">
+    <p:push dir="u"/>
+  </p:transition>
+</p:sld>
+</file>
+
+<file path=ppt/slides/slide11.xml><?xml version="1.0" encoding="utf-8"?>
+<p:sld xmlns:a="http://schemas.openxmlformats.org/drawingml/2006/main" xmlns:r="http://schemas.openxmlformats.org/officeDocument/2006/relationships" xmlns:p="http://schemas.openxmlformats.org/presentationml/2006/main">
+  <p:cSld>
+    <p:spTree>
+      <p:nvGrpSpPr>
+        <p:cNvPr id="1" name=""/>
+        <p:cNvGrpSpPr/>
+        <p:nvPr/>
+      </p:nvGrpSpPr>
+      <p:grpSpPr>
+        <a:xfrm>
+          <a:off x="0" y="0"/>
+          <a:ext cx="0" cy="0"/>
+          <a:chOff x="0" y="0"/>
+          <a:chExt cx="0" cy="0"/>
+        </a:xfrm>
+      </p:grpSpPr>
       <p:pic>
         <p:nvPicPr>
           <p:cNvPr id="7170" name="Picture 2">
@@ -5753,7 +7638,7 @@
         </p:blipFill>
         <p:spPr bwMode="auto">
           <a:xfrm>
-            <a:off x="247606" y="3739794"/>
+            <a:off x="247606" y="3722277"/>
             <a:ext cx="11696787" cy="2790171"/>
           </a:xfrm>
           <a:prstGeom prst="rect">
@@ -5785,7 +7670,7 @@
         </p:nvSpPr>
         <p:spPr>
           <a:xfrm flipH="1">
-            <a:off x="1372551" y="2097006"/>
+            <a:off x="1238249" y="2069074"/>
             <a:ext cx="7846061" cy="369332"/>
           </a:xfrm>
           <a:prstGeom prst="rect">
@@ -5817,311 +7702,6 @@
               <a:latin typeface="Times New Roman" panose="02020603050405020304" pitchFamily="18" charset="0"/>
               <a:cs typeface="Times New Roman" panose="02020603050405020304" pitchFamily="18" charset="0"/>
             </a:endParaRPr>
-          </a:p>
-        </p:txBody>
-      </p:sp>
-      <p:sp>
-        <p:nvSpPr>
-          <p:cNvPr id="15" name="Стрелка: вправо 14">
-            <a:extLst>
-              <a:ext uri="{FF2B5EF4-FFF2-40B4-BE49-F238E27FC236}">
-                <a16:creationId xmlns:a16="http://schemas.microsoft.com/office/drawing/2014/main" id="{45DC9B9B-14EA-5F80-5191-98DD70C1F755}"/>
-              </a:ext>
-            </a:extLst>
-          </p:cNvPr>
-          <p:cNvSpPr/>
-          <p:nvPr/>
-        </p:nvSpPr>
-        <p:spPr>
-          <a:xfrm>
-            <a:off x="2297717" y="3008563"/>
-            <a:ext cx="3724802" cy="223414"/>
-          </a:xfrm>
-          <a:prstGeom prst="rightArrow">
-            <a:avLst/>
-          </a:prstGeom>
-          <a:solidFill>
-            <a:srgbClr val="00B050"/>
-          </a:solidFill>
-        </p:spPr>
-        <p:style>
-          <a:lnRef idx="2">
-            <a:schemeClr val="accent1">
-              <a:shade val="50000"/>
-            </a:schemeClr>
-          </a:lnRef>
-          <a:fillRef idx="1">
-            <a:schemeClr val="accent1"/>
-          </a:fillRef>
-          <a:effectRef idx="0">
-            <a:schemeClr val="accent1"/>
-          </a:effectRef>
-          <a:fontRef idx="minor">
-            <a:schemeClr val="lt1"/>
-          </a:fontRef>
-        </p:style>
-        <p:txBody>
-          <a:bodyPr rtlCol="0" anchor="ctr"/>
-          <a:lstStyle/>
-          <a:p>
-            <a:pPr algn="ctr"/>
-            <a:endParaRPr lang="ru-RU"/>
-          </a:p>
-        </p:txBody>
-      </p:sp>
-      <p:pic>
-        <p:nvPicPr>
-          <p:cNvPr id="16" name="Picture 4">
-            <a:extLst>
-              <a:ext uri="{FF2B5EF4-FFF2-40B4-BE49-F238E27FC236}">
-                <a16:creationId xmlns:a16="http://schemas.microsoft.com/office/drawing/2014/main" id="{11C500FD-B58A-7060-C808-CFB4C57DF4B9}"/>
-              </a:ext>
-            </a:extLst>
-          </p:cNvPr>
-          <p:cNvPicPr>
-            <a:picLocks noChangeAspect="1" noChangeArrowheads="1"/>
-          </p:cNvPicPr>
-          <p:nvPr/>
-        </p:nvPicPr>
-        <p:blipFill>
-          <a:blip r:embed="rId3">
-            <a:extLst>
-              <a:ext uri="{28A0092B-C50C-407E-A947-70E740481C1C}">
-                <a14:useLocalDpi xmlns:a14="http://schemas.microsoft.com/office/drawing/2010/main" val="0"/>
-              </a:ext>
-            </a:extLst>
-          </a:blip>
-          <a:srcRect/>
-          <a:stretch>
-            <a:fillRect/>
-          </a:stretch>
-        </p:blipFill>
-        <p:spPr bwMode="auto">
-          <a:xfrm>
-            <a:off x="1478083" y="2669671"/>
-            <a:ext cx="1021077" cy="1021077"/>
-          </a:xfrm>
-          <a:prstGeom prst="rect">
-            <a:avLst/>
-          </a:prstGeom>
-          <a:noFill/>
-          <a:extLst>
-            <a:ext uri="{909E8E84-426E-40DD-AFC4-6F175D3DCCD1}">
-              <a14:hiddenFill xmlns:a14="http://schemas.microsoft.com/office/drawing/2010/main">
-                <a:solidFill>
-                  <a:srgbClr val="FFFFFF"/>
-                </a:solidFill>
-              </a14:hiddenFill>
-            </a:ext>
-          </a:extLst>
-        </p:spPr>
-      </p:pic>
-      <p:sp>
-        <p:nvSpPr>
-          <p:cNvPr id="17" name="Прямоугольник 16">
-            <a:extLst>
-              <a:ext uri="{FF2B5EF4-FFF2-40B4-BE49-F238E27FC236}">
-                <a16:creationId xmlns:a16="http://schemas.microsoft.com/office/drawing/2014/main" id="{72313F3E-C4C5-B83F-3201-085F74CA3220}"/>
-              </a:ext>
-            </a:extLst>
-          </p:cNvPr>
-          <p:cNvSpPr/>
-          <p:nvPr/>
-        </p:nvSpPr>
-        <p:spPr>
-          <a:xfrm>
-            <a:off x="3460987" y="2890397"/>
-            <a:ext cx="1605280" cy="369332"/>
-          </a:xfrm>
-          <a:prstGeom prst="rect">
-            <a:avLst/>
-          </a:prstGeom>
-        </p:spPr>
-        <p:style>
-          <a:lnRef idx="2">
-            <a:schemeClr val="accent1">
-              <a:shade val="50000"/>
-            </a:schemeClr>
-          </a:lnRef>
-          <a:fillRef idx="1">
-            <a:schemeClr val="accent1"/>
-          </a:fillRef>
-          <a:effectRef idx="0">
-            <a:schemeClr val="accent1"/>
-          </a:effectRef>
-          <a:fontRef idx="minor">
-            <a:schemeClr val="lt1"/>
-          </a:fontRef>
-        </p:style>
-        <p:txBody>
-          <a:bodyPr rtlCol="0" anchor="ctr"/>
-          <a:lstStyle/>
-          <a:p>
-            <a:pPr algn="ctr"/>
-            <a:r>
-              <a:rPr lang="en-US" dirty="0">
-                <a:latin typeface="Times New Roman" panose="02020603050405020304" pitchFamily="18" charset="0"/>
-                <a:cs typeface="Times New Roman" panose="02020603050405020304" pitchFamily="18" charset="0"/>
-              </a:rPr>
-              <a:t>JSON</a:t>
-            </a:r>
-            <a:endParaRPr lang="ru-RU" dirty="0">
-              <a:latin typeface="Times New Roman" panose="02020603050405020304" pitchFamily="18" charset="0"/>
-              <a:cs typeface="Times New Roman" panose="02020603050405020304" pitchFamily="18" charset="0"/>
-            </a:endParaRPr>
-          </a:p>
-        </p:txBody>
-      </p:sp>
-      <p:sp>
-        <p:nvSpPr>
-          <p:cNvPr id="19" name="Прямоугольник 18">
-            <a:extLst>
-              <a:ext uri="{FF2B5EF4-FFF2-40B4-BE49-F238E27FC236}">
-                <a16:creationId xmlns:a16="http://schemas.microsoft.com/office/drawing/2014/main" id="{E3DF0468-8514-2275-A5D4-E1BB4EB30043}"/>
-              </a:ext>
-            </a:extLst>
-          </p:cNvPr>
-          <p:cNvSpPr/>
-          <p:nvPr/>
-        </p:nvSpPr>
-        <p:spPr>
-          <a:xfrm>
-            <a:off x="8290378" y="2837585"/>
-            <a:ext cx="1605280" cy="550075"/>
-          </a:xfrm>
-          <a:prstGeom prst="rect">
-            <a:avLst/>
-          </a:prstGeom>
-        </p:spPr>
-        <p:style>
-          <a:lnRef idx="2">
-            <a:schemeClr val="accent1">
-              <a:shade val="50000"/>
-            </a:schemeClr>
-          </a:lnRef>
-          <a:fillRef idx="1">
-            <a:schemeClr val="accent1"/>
-          </a:fillRef>
-          <a:effectRef idx="0">
-            <a:schemeClr val="accent1"/>
-          </a:effectRef>
-          <a:fontRef idx="minor">
-            <a:schemeClr val="lt1"/>
-          </a:fontRef>
-        </p:style>
-        <p:txBody>
-          <a:bodyPr rtlCol="0" anchor="ctr"/>
-          <a:lstStyle/>
-          <a:p>
-            <a:pPr algn="ctr"/>
-            <a:r>
-              <a:rPr lang="ru-RU" dirty="0">
-                <a:latin typeface="Times New Roman" panose="02020603050405020304" pitchFamily="18" charset="0"/>
-                <a:cs typeface="Times New Roman" panose="02020603050405020304" pitchFamily="18" charset="0"/>
-              </a:rPr>
-              <a:t>Сайт</a:t>
-            </a:r>
-          </a:p>
-        </p:txBody>
-      </p:sp>
-      <p:pic>
-        <p:nvPicPr>
-          <p:cNvPr id="20" name="Picture 12">
-            <a:extLst>
-              <a:ext uri="{FF2B5EF4-FFF2-40B4-BE49-F238E27FC236}">
-                <a16:creationId xmlns:a16="http://schemas.microsoft.com/office/drawing/2014/main" id="{038A5F45-A9A4-E9B1-56C1-65DE21B7FC6D}"/>
-              </a:ext>
-            </a:extLst>
-          </p:cNvPr>
-          <p:cNvPicPr>
-            <a:picLocks noChangeAspect="1" noChangeArrowheads="1"/>
-          </p:cNvPicPr>
-          <p:nvPr/>
-        </p:nvPicPr>
-        <p:blipFill>
-          <a:blip r:embed="rId4">
-            <a:extLst>
-              <a:ext uri="{28A0092B-C50C-407E-A947-70E740481C1C}">
-                <a14:useLocalDpi xmlns:a14="http://schemas.microsoft.com/office/drawing/2010/main" val="0"/>
-              </a:ext>
-            </a:extLst>
-          </a:blip>
-          <a:srcRect/>
-          <a:stretch>
-            <a:fillRect/>
-          </a:stretch>
-        </p:blipFill>
-        <p:spPr bwMode="auto">
-          <a:xfrm>
-            <a:off x="6049409" y="2564524"/>
-            <a:ext cx="1307267" cy="1021077"/>
-          </a:xfrm>
-          <a:prstGeom prst="rect">
-            <a:avLst/>
-          </a:prstGeom>
-          <a:noFill/>
-          <a:ln>
-            <a:solidFill>
-              <a:schemeClr val="bg2"/>
-            </a:solidFill>
-          </a:ln>
-          <a:extLst>
-            <a:ext uri="{909E8E84-426E-40DD-AFC4-6F175D3DCCD1}">
-              <a14:hiddenFill xmlns:a14="http://schemas.microsoft.com/office/drawing/2010/main">
-                <a:solidFill>
-                  <a:srgbClr val="FFFFFF"/>
-                </a:solidFill>
-              </a14:hiddenFill>
-            </a:ext>
-          </a:extLst>
-        </p:spPr>
-      </p:pic>
-      <p:sp>
-        <p:nvSpPr>
-          <p:cNvPr id="21" name="Стрелка: вправо 20">
-            <a:extLst>
-              <a:ext uri="{FF2B5EF4-FFF2-40B4-BE49-F238E27FC236}">
-                <a16:creationId xmlns:a16="http://schemas.microsoft.com/office/drawing/2014/main" id="{658ADE09-066A-850D-F936-8B6F92E5700D}"/>
-              </a:ext>
-            </a:extLst>
-          </p:cNvPr>
-          <p:cNvSpPr/>
-          <p:nvPr/>
-        </p:nvSpPr>
-        <p:spPr>
-          <a:xfrm>
-            <a:off x="7356676" y="3008563"/>
-            <a:ext cx="933702" cy="223414"/>
-          </a:xfrm>
-          <a:prstGeom prst="rightArrow">
-            <a:avLst/>
-          </a:prstGeom>
-          <a:solidFill>
-            <a:srgbClr val="00B050"/>
-          </a:solidFill>
-        </p:spPr>
-        <p:style>
-          <a:lnRef idx="2">
-            <a:schemeClr val="accent1">
-              <a:shade val="50000"/>
-            </a:schemeClr>
-          </a:lnRef>
-          <a:fillRef idx="1">
-            <a:schemeClr val="accent1"/>
-          </a:fillRef>
-          <a:effectRef idx="0">
-            <a:schemeClr val="accent1"/>
-          </a:effectRef>
-          <a:fontRef idx="minor">
-            <a:schemeClr val="lt1"/>
-          </a:fontRef>
-        </p:style>
-        <p:txBody>
-          <a:bodyPr rtlCol="0" anchor="ctr"/>
-          <a:lstStyle/>
-          <a:p>
-            <a:pPr algn="ctr"/>
-            <a:endParaRPr lang="ru-RU"/>
           </a:p>
         </p:txBody>
       </p:sp>
@@ -6139,7 +7719,7 @@
         </p:nvSpPr>
         <p:spPr>
           <a:xfrm flipH="1">
-            <a:off x="1372550" y="345552"/>
+            <a:off x="1238250" y="334938"/>
             <a:ext cx="7846061" cy="369332"/>
           </a:xfrm>
           <a:prstGeom prst="rect">
@@ -6174,210 +7754,707 @@
           </a:p>
         </p:txBody>
       </p:sp>
-      <p:sp>
-        <p:nvSpPr>
-          <p:cNvPr id="14" name="Стрелка: вправо 13">
+      <p:grpSp>
+        <p:nvGrpSpPr>
+          <p:cNvPr id="8" name="Группа 7">
             <a:extLst>
               <a:ext uri="{FF2B5EF4-FFF2-40B4-BE49-F238E27FC236}">
-                <a16:creationId xmlns:a16="http://schemas.microsoft.com/office/drawing/2014/main" id="{FBB196D9-86DB-8531-22DA-17DA41E7C8D6}"/>
+                <a16:creationId xmlns:a16="http://schemas.microsoft.com/office/drawing/2014/main" id="{7E87F87E-4867-B202-D3DB-5FF547C83E69}"/>
               </a:ext>
             </a:extLst>
           </p:cNvPr>
-          <p:cNvSpPr/>
+          <p:cNvGrpSpPr/>
           <p:nvPr/>
-        </p:nvSpPr>
-        <p:spPr>
+        </p:nvGrpSpPr>
+        <p:grpSpPr>
           <a:xfrm>
-            <a:off x="2297717" y="1177138"/>
-            <a:ext cx="3724802" cy="223414"/>
+            <a:off x="1238250" y="2485561"/>
+            <a:ext cx="8896350" cy="1255939"/>
+            <a:chOff x="1238250" y="2552239"/>
+            <a:chExt cx="8896350" cy="1255939"/>
           </a:xfrm>
-          <a:prstGeom prst="rightArrow">
-            <a:avLst/>
-          </a:prstGeom>
-          <a:solidFill>
-            <a:srgbClr val="00B050"/>
-          </a:solidFill>
-        </p:spPr>
-        <p:style>
-          <a:lnRef idx="2">
-            <a:schemeClr val="accent1">
-              <a:shade val="50000"/>
-            </a:schemeClr>
-          </a:lnRef>
-          <a:fillRef idx="1">
-            <a:schemeClr val="accent1"/>
-          </a:fillRef>
-          <a:effectRef idx="0">
-            <a:schemeClr val="accent1"/>
-          </a:effectRef>
-          <a:fontRef idx="minor">
-            <a:schemeClr val="lt1"/>
-          </a:fontRef>
-        </p:style>
-        <p:txBody>
-          <a:bodyPr rtlCol="0" anchor="ctr"/>
-          <a:lstStyle/>
-          <a:p>
-            <a:pPr algn="ctr"/>
-            <a:endParaRPr lang="ru-RU"/>
-          </a:p>
-        </p:txBody>
-      </p:sp>
-      <p:pic>
-        <p:nvPicPr>
-          <p:cNvPr id="18" name="Picture 4">
+        </p:grpSpPr>
+        <p:grpSp>
+          <p:nvGrpSpPr>
+            <p:cNvPr id="3" name="Группа 2">
+              <a:extLst>
+                <a:ext uri="{FF2B5EF4-FFF2-40B4-BE49-F238E27FC236}">
+                  <a16:creationId xmlns:a16="http://schemas.microsoft.com/office/drawing/2014/main" id="{4B355354-B5A2-6081-3793-B9B435D22706}"/>
+                </a:ext>
+              </a:extLst>
+            </p:cNvPr>
+            <p:cNvGrpSpPr/>
+            <p:nvPr/>
+          </p:nvGrpSpPr>
+          <p:grpSpPr>
+            <a:xfrm>
+              <a:off x="1478083" y="2564524"/>
+              <a:ext cx="8417575" cy="1126224"/>
+              <a:chOff x="1478083" y="2564524"/>
+              <a:chExt cx="8417575" cy="1126224"/>
+            </a:xfrm>
+          </p:grpSpPr>
+          <p:sp>
+            <p:nvSpPr>
+              <p:cNvPr id="15" name="Стрелка: вправо 14">
+                <a:extLst>
+                  <a:ext uri="{FF2B5EF4-FFF2-40B4-BE49-F238E27FC236}">
+                    <a16:creationId xmlns:a16="http://schemas.microsoft.com/office/drawing/2014/main" id="{45DC9B9B-14EA-5F80-5191-98DD70C1F755}"/>
+                  </a:ext>
+                </a:extLst>
+              </p:cNvPr>
+              <p:cNvSpPr/>
+              <p:nvPr/>
+            </p:nvSpPr>
+            <p:spPr>
+              <a:xfrm>
+                <a:off x="2297717" y="3008563"/>
+                <a:ext cx="3724802" cy="223414"/>
+              </a:xfrm>
+              <a:prstGeom prst="rightArrow">
+                <a:avLst/>
+              </a:prstGeom>
+              <a:solidFill>
+                <a:srgbClr val="00B050"/>
+              </a:solidFill>
+            </p:spPr>
+            <p:style>
+              <a:lnRef idx="2">
+                <a:schemeClr val="accent1">
+                  <a:shade val="50000"/>
+                </a:schemeClr>
+              </a:lnRef>
+              <a:fillRef idx="1">
+                <a:schemeClr val="accent1"/>
+              </a:fillRef>
+              <a:effectRef idx="0">
+                <a:schemeClr val="accent1"/>
+              </a:effectRef>
+              <a:fontRef idx="minor">
+                <a:schemeClr val="lt1"/>
+              </a:fontRef>
+            </p:style>
+            <p:txBody>
+              <a:bodyPr rtlCol="0" anchor="ctr"/>
+              <a:lstStyle/>
+              <a:p>
+                <a:pPr algn="ctr"/>
+                <a:endParaRPr lang="ru-RU"/>
+              </a:p>
+            </p:txBody>
+          </p:sp>
+          <p:pic>
+            <p:nvPicPr>
+              <p:cNvPr id="16" name="Picture 4">
+                <a:extLst>
+                  <a:ext uri="{FF2B5EF4-FFF2-40B4-BE49-F238E27FC236}">
+                    <a16:creationId xmlns:a16="http://schemas.microsoft.com/office/drawing/2014/main" id="{11C500FD-B58A-7060-C808-CFB4C57DF4B9}"/>
+                  </a:ext>
+                </a:extLst>
+              </p:cNvPr>
+              <p:cNvPicPr>
+                <a:picLocks noChangeAspect="1" noChangeArrowheads="1"/>
+              </p:cNvPicPr>
+              <p:nvPr/>
+            </p:nvPicPr>
+            <p:blipFill>
+              <a:blip r:embed="rId3">
+                <a:extLst>
+                  <a:ext uri="{28A0092B-C50C-407E-A947-70E740481C1C}">
+                    <a14:useLocalDpi xmlns:a14="http://schemas.microsoft.com/office/drawing/2010/main" val="0"/>
+                  </a:ext>
+                </a:extLst>
+              </a:blip>
+              <a:srcRect/>
+              <a:stretch>
+                <a:fillRect/>
+              </a:stretch>
+            </p:blipFill>
+            <p:spPr bwMode="auto">
+              <a:xfrm>
+                <a:off x="1478083" y="2669671"/>
+                <a:ext cx="1021077" cy="1021077"/>
+              </a:xfrm>
+              <a:prstGeom prst="rect">
+                <a:avLst/>
+              </a:prstGeom>
+              <a:noFill/>
+              <a:extLst>
+                <a:ext uri="{909E8E84-426E-40DD-AFC4-6F175D3DCCD1}">
+                  <a14:hiddenFill xmlns:a14="http://schemas.microsoft.com/office/drawing/2010/main">
+                    <a:solidFill>
+                      <a:srgbClr val="FFFFFF"/>
+                    </a:solidFill>
+                  </a14:hiddenFill>
+                </a:ext>
+              </a:extLst>
+            </p:spPr>
+          </p:pic>
+          <p:sp>
+            <p:nvSpPr>
+              <p:cNvPr id="17" name="Прямоугольник 16">
+                <a:extLst>
+                  <a:ext uri="{FF2B5EF4-FFF2-40B4-BE49-F238E27FC236}">
+                    <a16:creationId xmlns:a16="http://schemas.microsoft.com/office/drawing/2014/main" id="{72313F3E-C4C5-B83F-3201-085F74CA3220}"/>
+                  </a:ext>
+                </a:extLst>
+              </p:cNvPr>
+              <p:cNvSpPr/>
+              <p:nvPr/>
+            </p:nvSpPr>
+            <p:spPr>
+              <a:xfrm>
+                <a:off x="3460987" y="2890397"/>
+                <a:ext cx="1605280" cy="369332"/>
+              </a:xfrm>
+              <a:prstGeom prst="rect">
+                <a:avLst/>
+              </a:prstGeom>
+            </p:spPr>
+            <p:style>
+              <a:lnRef idx="2">
+                <a:schemeClr val="accent1">
+                  <a:shade val="50000"/>
+                </a:schemeClr>
+              </a:lnRef>
+              <a:fillRef idx="1">
+                <a:schemeClr val="accent1"/>
+              </a:fillRef>
+              <a:effectRef idx="0">
+                <a:schemeClr val="accent1"/>
+              </a:effectRef>
+              <a:fontRef idx="minor">
+                <a:schemeClr val="lt1"/>
+              </a:fontRef>
+            </p:style>
+            <p:txBody>
+              <a:bodyPr rtlCol="0" anchor="ctr"/>
+              <a:lstStyle/>
+              <a:p>
+                <a:pPr algn="ctr"/>
+                <a:r>
+                  <a:rPr lang="en-US" dirty="0">
+                    <a:latin typeface="Times New Roman" panose="02020603050405020304" pitchFamily="18" charset="0"/>
+                    <a:cs typeface="Times New Roman" panose="02020603050405020304" pitchFamily="18" charset="0"/>
+                  </a:rPr>
+                  <a:t>JSON</a:t>
+                </a:r>
+                <a:endParaRPr lang="ru-RU" dirty="0">
+                  <a:latin typeface="Times New Roman" panose="02020603050405020304" pitchFamily="18" charset="0"/>
+                  <a:cs typeface="Times New Roman" panose="02020603050405020304" pitchFamily="18" charset="0"/>
+                </a:endParaRPr>
+              </a:p>
+            </p:txBody>
+          </p:sp>
+          <p:sp>
+            <p:nvSpPr>
+              <p:cNvPr id="19" name="Прямоугольник 18">
+                <a:extLst>
+                  <a:ext uri="{FF2B5EF4-FFF2-40B4-BE49-F238E27FC236}">
+                    <a16:creationId xmlns:a16="http://schemas.microsoft.com/office/drawing/2014/main" id="{E3DF0468-8514-2275-A5D4-E1BB4EB30043}"/>
+                  </a:ext>
+                </a:extLst>
+              </p:cNvPr>
+              <p:cNvSpPr/>
+              <p:nvPr/>
+            </p:nvSpPr>
+            <p:spPr>
+              <a:xfrm>
+                <a:off x="8290378" y="2837585"/>
+                <a:ext cx="1605280" cy="550075"/>
+              </a:xfrm>
+              <a:prstGeom prst="rect">
+                <a:avLst/>
+              </a:prstGeom>
+            </p:spPr>
+            <p:style>
+              <a:lnRef idx="2">
+                <a:schemeClr val="accent1">
+                  <a:shade val="50000"/>
+                </a:schemeClr>
+              </a:lnRef>
+              <a:fillRef idx="1">
+                <a:schemeClr val="accent1"/>
+              </a:fillRef>
+              <a:effectRef idx="0">
+                <a:schemeClr val="accent1"/>
+              </a:effectRef>
+              <a:fontRef idx="minor">
+                <a:schemeClr val="lt1"/>
+              </a:fontRef>
+            </p:style>
+            <p:txBody>
+              <a:bodyPr rtlCol="0" anchor="ctr"/>
+              <a:lstStyle/>
+              <a:p>
+                <a:pPr algn="ctr"/>
+                <a:r>
+                  <a:rPr lang="ru-RU" dirty="0">
+                    <a:latin typeface="Times New Roman" panose="02020603050405020304" pitchFamily="18" charset="0"/>
+                    <a:cs typeface="Times New Roman" panose="02020603050405020304" pitchFamily="18" charset="0"/>
+                  </a:rPr>
+                  <a:t>Сайт</a:t>
+                </a:r>
+              </a:p>
+            </p:txBody>
+          </p:sp>
+          <p:pic>
+            <p:nvPicPr>
+              <p:cNvPr id="20" name="Picture 12">
+                <a:extLst>
+                  <a:ext uri="{FF2B5EF4-FFF2-40B4-BE49-F238E27FC236}">
+                    <a16:creationId xmlns:a16="http://schemas.microsoft.com/office/drawing/2014/main" id="{038A5F45-A9A4-E9B1-56C1-65DE21B7FC6D}"/>
+                  </a:ext>
+                </a:extLst>
+              </p:cNvPr>
+              <p:cNvPicPr>
+                <a:picLocks noChangeAspect="1" noChangeArrowheads="1"/>
+              </p:cNvPicPr>
+              <p:nvPr/>
+            </p:nvPicPr>
+            <p:blipFill>
+              <a:blip r:embed="rId4">
+                <a:extLst>
+                  <a:ext uri="{28A0092B-C50C-407E-A947-70E740481C1C}">
+                    <a14:useLocalDpi xmlns:a14="http://schemas.microsoft.com/office/drawing/2010/main" val="0"/>
+                  </a:ext>
+                </a:extLst>
+              </a:blip>
+              <a:srcRect/>
+              <a:stretch>
+                <a:fillRect/>
+              </a:stretch>
+            </p:blipFill>
+            <p:spPr bwMode="auto">
+              <a:xfrm>
+                <a:off x="6049409" y="2564524"/>
+                <a:ext cx="1307267" cy="1021077"/>
+              </a:xfrm>
+              <a:prstGeom prst="rect">
+                <a:avLst/>
+              </a:prstGeom>
+              <a:noFill/>
+              <a:ln>
+                <a:solidFill>
+                  <a:schemeClr val="bg2"/>
+                </a:solidFill>
+              </a:ln>
+              <a:extLst>
+                <a:ext uri="{909E8E84-426E-40DD-AFC4-6F175D3DCCD1}">
+                  <a14:hiddenFill xmlns:a14="http://schemas.microsoft.com/office/drawing/2010/main">
+                    <a:solidFill>
+                      <a:srgbClr val="FFFFFF"/>
+                    </a:solidFill>
+                  </a14:hiddenFill>
+                </a:ext>
+              </a:extLst>
+            </p:spPr>
+          </p:pic>
+          <p:sp>
+            <p:nvSpPr>
+              <p:cNvPr id="21" name="Стрелка: вправо 20">
+                <a:extLst>
+                  <a:ext uri="{FF2B5EF4-FFF2-40B4-BE49-F238E27FC236}">
+                    <a16:creationId xmlns:a16="http://schemas.microsoft.com/office/drawing/2014/main" id="{658ADE09-066A-850D-F936-8B6F92E5700D}"/>
+                  </a:ext>
+                </a:extLst>
+              </p:cNvPr>
+              <p:cNvSpPr/>
+              <p:nvPr/>
+            </p:nvSpPr>
+            <p:spPr>
+              <a:xfrm>
+                <a:off x="7356676" y="3008563"/>
+                <a:ext cx="933702" cy="223414"/>
+              </a:xfrm>
+              <a:prstGeom prst="rightArrow">
+                <a:avLst/>
+              </a:prstGeom>
+              <a:solidFill>
+                <a:srgbClr val="00B050"/>
+              </a:solidFill>
+            </p:spPr>
+            <p:style>
+              <a:lnRef idx="2">
+                <a:schemeClr val="accent1">
+                  <a:shade val="50000"/>
+                </a:schemeClr>
+              </a:lnRef>
+              <a:fillRef idx="1">
+                <a:schemeClr val="accent1"/>
+              </a:fillRef>
+              <a:effectRef idx="0">
+                <a:schemeClr val="accent1"/>
+              </a:effectRef>
+              <a:fontRef idx="minor">
+                <a:schemeClr val="lt1"/>
+              </a:fontRef>
+            </p:style>
+            <p:txBody>
+              <a:bodyPr rtlCol="0" anchor="ctr"/>
+              <a:lstStyle/>
+              <a:p>
+                <a:pPr algn="ctr"/>
+                <a:endParaRPr lang="ru-RU"/>
+              </a:p>
+            </p:txBody>
+          </p:sp>
+        </p:grpSp>
+        <p:sp>
+          <p:nvSpPr>
+            <p:cNvPr id="6" name="Прямоугольник 5">
+              <a:extLst>
+                <a:ext uri="{FF2B5EF4-FFF2-40B4-BE49-F238E27FC236}">
+                  <a16:creationId xmlns:a16="http://schemas.microsoft.com/office/drawing/2014/main" id="{36F1FA12-9497-8034-E8B8-21BD1CA4FE9B}"/>
+                </a:ext>
+              </a:extLst>
+            </p:cNvPr>
+            <p:cNvSpPr/>
+            <p:nvPr/>
+          </p:nvSpPr>
+          <p:spPr>
+            <a:xfrm>
+              <a:off x="1238250" y="2552239"/>
+              <a:ext cx="8896350" cy="1255939"/>
+            </a:xfrm>
+            <a:prstGeom prst="rect">
+              <a:avLst/>
+            </a:prstGeom>
+            <a:noFill/>
+            <a:ln w="9525" cap="flat" cmpd="sng" algn="ctr">
+              <a:solidFill>
+                <a:schemeClr val="dk1"/>
+              </a:solidFill>
+              <a:prstDash val="solid"/>
+              <a:round/>
+              <a:headEnd type="none" w="med" len="med"/>
+              <a:tailEnd type="none" w="med" len="med"/>
+            </a:ln>
+          </p:spPr>
+          <p:style>
+            <a:lnRef idx="0">
+              <a:scrgbClr r="0" g="0" b="0"/>
+            </a:lnRef>
+            <a:fillRef idx="0">
+              <a:scrgbClr r="0" g="0" b="0"/>
+            </a:fillRef>
+            <a:effectRef idx="0">
+              <a:scrgbClr r="0" g="0" b="0"/>
+            </a:effectRef>
+            <a:fontRef idx="minor">
+              <a:schemeClr val="dk1"/>
+            </a:fontRef>
+          </p:style>
+          <p:txBody>
+            <a:bodyPr rtlCol="0" anchor="ctr"/>
+            <a:lstStyle/>
+            <a:p>
+              <a:pPr algn="ctr"/>
+              <a:endParaRPr lang="ru-RU"/>
+            </a:p>
+          </p:txBody>
+        </p:sp>
+      </p:grpSp>
+      <p:grpSp>
+        <p:nvGrpSpPr>
+          <p:cNvPr id="10" name="Группа 9">
             <a:extLst>
               <a:ext uri="{FF2B5EF4-FFF2-40B4-BE49-F238E27FC236}">
-                <a16:creationId xmlns:a16="http://schemas.microsoft.com/office/drawing/2014/main" id="{58D9E463-5A3E-9A41-A237-B89C3C8C1596}"/>
+                <a16:creationId xmlns:a16="http://schemas.microsoft.com/office/drawing/2014/main" id="{895592AC-A182-081C-62FB-DFCD821920C2}"/>
               </a:ext>
             </a:extLst>
           </p:cNvPr>
-          <p:cNvPicPr>
-            <a:picLocks noChangeAspect="1" noChangeArrowheads="1"/>
-          </p:cNvPicPr>
+          <p:cNvGrpSpPr/>
           <p:nvPr/>
-        </p:nvPicPr>
-        <p:blipFill>
-          <a:blip r:embed="rId3">
-            <a:extLst>
-              <a:ext uri="{28A0092B-C50C-407E-A947-70E740481C1C}">
-                <a14:useLocalDpi xmlns:a14="http://schemas.microsoft.com/office/drawing/2010/main" val="0"/>
-              </a:ext>
-            </a:extLst>
-          </a:blip>
-          <a:srcRect/>
-          <a:stretch>
-            <a:fillRect/>
-          </a:stretch>
-        </p:blipFill>
-        <p:spPr bwMode="auto">
+        </p:nvGrpSpPr>
+        <p:grpSpPr>
           <a:xfrm>
-            <a:off x="1478083" y="838246"/>
-            <a:ext cx="1021077" cy="1021077"/>
+            <a:off x="1238250" y="686309"/>
+            <a:ext cx="6600825" cy="1282311"/>
+            <a:chOff x="1238250" y="686309"/>
+            <a:chExt cx="6600825" cy="1282311"/>
           </a:xfrm>
-          <a:prstGeom prst="rect">
-            <a:avLst/>
-          </a:prstGeom>
-          <a:noFill/>
-          <a:extLst>
-            <a:ext uri="{909E8E84-426E-40DD-AFC4-6F175D3DCCD1}">
-              <a14:hiddenFill xmlns:a14="http://schemas.microsoft.com/office/drawing/2010/main">
-                <a:solidFill>
-                  <a:srgbClr val="FFFFFF"/>
-                </a:solidFill>
-              </a14:hiddenFill>
-            </a:ext>
-          </a:extLst>
-        </p:spPr>
-      </p:pic>
-      <p:sp>
-        <p:nvSpPr>
-          <p:cNvPr id="22" name="Прямоугольник 21">
-            <a:extLst>
-              <a:ext uri="{FF2B5EF4-FFF2-40B4-BE49-F238E27FC236}">
-                <a16:creationId xmlns:a16="http://schemas.microsoft.com/office/drawing/2014/main" id="{BC8026FE-D4E0-DE63-BF6E-4739D4CA751C}"/>
-              </a:ext>
-            </a:extLst>
-          </p:cNvPr>
-          <p:cNvSpPr/>
-          <p:nvPr/>
-        </p:nvSpPr>
-        <p:spPr>
-          <a:xfrm>
-            <a:off x="3460987" y="1058972"/>
-            <a:ext cx="1605280" cy="369332"/>
-          </a:xfrm>
-          <a:prstGeom prst="rect">
-            <a:avLst/>
-          </a:prstGeom>
-        </p:spPr>
-        <p:style>
-          <a:lnRef idx="2">
-            <a:schemeClr val="accent1">
-              <a:shade val="50000"/>
-            </a:schemeClr>
-          </a:lnRef>
-          <a:fillRef idx="1">
-            <a:schemeClr val="accent1"/>
-          </a:fillRef>
-          <a:effectRef idx="0">
-            <a:schemeClr val="accent1"/>
-          </a:effectRef>
-          <a:fontRef idx="minor">
-            <a:schemeClr val="lt1"/>
-          </a:fontRef>
-        </p:style>
-        <p:txBody>
-          <a:bodyPr rtlCol="0" anchor="ctr"/>
-          <a:lstStyle/>
-          <a:p>
-            <a:pPr algn="ctr"/>
-            <a:r>
-              <a:rPr lang="en-US" dirty="0">
-                <a:latin typeface="Times New Roman" panose="02020603050405020304" pitchFamily="18" charset="0"/>
-                <a:cs typeface="Times New Roman" panose="02020603050405020304" pitchFamily="18" charset="0"/>
-              </a:rPr>
-              <a:t>XML</a:t>
-            </a:r>
-            <a:endParaRPr lang="ru-RU" dirty="0">
-              <a:latin typeface="Times New Roman" panose="02020603050405020304" pitchFamily="18" charset="0"/>
-              <a:cs typeface="Times New Roman" panose="02020603050405020304" pitchFamily="18" charset="0"/>
-            </a:endParaRPr>
-          </a:p>
-        </p:txBody>
-      </p:sp>
-      <p:sp>
-        <p:nvSpPr>
-          <p:cNvPr id="23" name="Прямоугольник 22">
-            <a:extLst>
-              <a:ext uri="{FF2B5EF4-FFF2-40B4-BE49-F238E27FC236}">
-                <a16:creationId xmlns:a16="http://schemas.microsoft.com/office/drawing/2014/main" id="{BA758AA5-071E-8C65-8E6E-53F0074838C4}"/>
-              </a:ext>
-            </a:extLst>
-          </p:cNvPr>
-          <p:cNvSpPr/>
-          <p:nvPr/>
-        </p:nvSpPr>
-        <p:spPr>
-          <a:xfrm>
-            <a:off x="6022519" y="1031609"/>
-            <a:ext cx="1605280" cy="530762"/>
-          </a:xfrm>
-          <a:prstGeom prst="rect">
-            <a:avLst/>
-          </a:prstGeom>
-        </p:spPr>
-        <p:style>
-          <a:lnRef idx="2">
-            <a:schemeClr val="accent1">
-              <a:shade val="50000"/>
-            </a:schemeClr>
-          </a:lnRef>
-          <a:fillRef idx="1">
-            <a:schemeClr val="accent1"/>
-          </a:fillRef>
-          <a:effectRef idx="0">
-            <a:schemeClr val="accent1"/>
-          </a:effectRef>
-          <a:fontRef idx="minor">
-            <a:schemeClr val="lt1"/>
-          </a:fontRef>
-        </p:style>
-        <p:txBody>
-          <a:bodyPr rtlCol="0" anchor="ctr"/>
-          <a:lstStyle/>
-          <a:p>
-            <a:pPr algn="ctr"/>
-            <a:r>
-              <a:rPr lang="ru-RU" dirty="0">
-                <a:latin typeface="Times New Roman" panose="02020603050405020304" pitchFamily="18" charset="0"/>
-                <a:cs typeface="Times New Roman" panose="02020603050405020304" pitchFamily="18" charset="0"/>
-              </a:rPr>
-              <a:t>Сайт</a:t>
-            </a:r>
-          </a:p>
-        </p:txBody>
-      </p:sp>
+        </p:grpSpPr>
+        <p:grpSp>
+          <p:nvGrpSpPr>
+            <p:cNvPr id="4" name="Группа 3">
+              <a:extLst>
+                <a:ext uri="{FF2B5EF4-FFF2-40B4-BE49-F238E27FC236}">
+                  <a16:creationId xmlns:a16="http://schemas.microsoft.com/office/drawing/2014/main" id="{D9EDF376-23F0-0C13-C60A-931C38D4221A}"/>
+                </a:ext>
+              </a:extLst>
+            </p:cNvPr>
+            <p:cNvGrpSpPr/>
+            <p:nvPr/>
+          </p:nvGrpSpPr>
+          <p:grpSpPr>
+            <a:xfrm>
+              <a:off x="1478083" y="838246"/>
+              <a:ext cx="6149716" cy="1021077"/>
+              <a:chOff x="1478083" y="838246"/>
+              <a:chExt cx="6149716" cy="1021077"/>
+            </a:xfrm>
+          </p:grpSpPr>
+          <p:sp>
+            <p:nvSpPr>
+              <p:cNvPr id="14" name="Стрелка: вправо 13">
+                <a:extLst>
+                  <a:ext uri="{FF2B5EF4-FFF2-40B4-BE49-F238E27FC236}">
+                    <a16:creationId xmlns:a16="http://schemas.microsoft.com/office/drawing/2014/main" id="{FBB196D9-86DB-8531-22DA-17DA41E7C8D6}"/>
+                  </a:ext>
+                </a:extLst>
+              </p:cNvPr>
+              <p:cNvSpPr/>
+              <p:nvPr/>
+            </p:nvSpPr>
+            <p:spPr>
+              <a:xfrm>
+                <a:off x="2297717" y="1177138"/>
+                <a:ext cx="3724802" cy="223414"/>
+              </a:xfrm>
+              <a:prstGeom prst="rightArrow">
+                <a:avLst/>
+              </a:prstGeom>
+              <a:solidFill>
+                <a:srgbClr val="00B050"/>
+              </a:solidFill>
+            </p:spPr>
+            <p:style>
+              <a:lnRef idx="2">
+                <a:schemeClr val="accent1">
+                  <a:shade val="50000"/>
+                </a:schemeClr>
+              </a:lnRef>
+              <a:fillRef idx="1">
+                <a:schemeClr val="accent1"/>
+              </a:fillRef>
+              <a:effectRef idx="0">
+                <a:schemeClr val="accent1"/>
+              </a:effectRef>
+              <a:fontRef idx="minor">
+                <a:schemeClr val="lt1"/>
+              </a:fontRef>
+            </p:style>
+            <p:txBody>
+              <a:bodyPr rtlCol="0" anchor="ctr"/>
+              <a:lstStyle/>
+              <a:p>
+                <a:pPr algn="ctr"/>
+                <a:endParaRPr lang="ru-RU"/>
+              </a:p>
+            </p:txBody>
+          </p:sp>
+          <p:pic>
+            <p:nvPicPr>
+              <p:cNvPr id="18" name="Picture 4">
+                <a:extLst>
+                  <a:ext uri="{FF2B5EF4-FFF2-40B4-BE49-F238E27FC236}">
+                    <a16:creationId xmlns:a16="http://schemas.microsoft.com/office/drawing/2014/main" id="{58D9E463-5A3E-9A41-A237-B89C3C8C1596}"/>
+                  </a:ext>
+                </a:extLst>
+              </p:cNvPr>
+              <p:cNvPicPr>
+                <a:picLocks noChangeAspect="1" noChangeArrowheads="1"/>
+              </p:cNvPicPr>
+              <p:nvPr/>
+            </p:nvPicPr>
+            <p:blipFill>
+              <a:blip r:embed="rId3">
+                <a:extLst>
+                  <a:ext uri="{28A0092B-C50C-407E-A947-70E740481C1C}">
+                    <a14:useLocalDpi xmlns:a14="http://schemas.microsoft.com/office/drawing/2010/main" val="0"/>
+                  </a:ext>
+                </a:extLst>
+              </a:blip>
+              <a:srcRect/>
+              <a:stretch>
+                <a:fillRect/>
+              </a:stretch>
+            </p:blipFill>
+            <p:spPr bwMode="auto">
+              <a:xfrm>
+                <a:off x="1478083" y="838246"/>
+                <a:ext cx="1021077" cy="1021077"/>
+              </a:xfrm>
+              <a:prstGeom prst="rect">
+                <a:avLst/>
+              </a:prstGeom>
+              <a:noFill/>
+              <a:extLst>
+                <a:ext uri="{909E8E84-426E-40DD-AFC4-6F175D3DCCD1}">
+                  <a14:hiddenFill xmlns:a14="http://schemas.microsoft.com/office/drawing/2010/main">
+                    <a:solidFill>
+                      <a:srgbClr val="FFFFFF"/>
+                    </a:solidFill>
+                  </a14:hiddenFill>
+                </a:ext>
+              </a:extLst>
+            </p:spPr>
+          </p:pic>
+          <p:sp>
+            <p:nvSpPr>
+              <p:cNvPr id="22" name="Прямоугольник 21">
+                <a:extLst>
+                  <a:ext uri="{FF2B5EF4-FFF2-40B4-BE49-F238E27FC236}">
+                    <a16:creationId xmlns:a16="http://schemas.microsoft.com/office/drawing/2014/main" id="{BC8026FE-D4E0-DE63-BF6E-4739D4CA751C}"/>
+                  </a:ext>
+                </a:extLst>
+              </p:cNvPr>
+              <p:cNvSpPr/>
+              <p:nvPr/>
+            </p:nvSpPr>
+            <p:spPr>
+              <a:xfrm>
+                <a:off x="3460987" y="1058972"/>
+                <a:ext cx="1605280" cy="369332"/>
+              </a:xfrm>
+              <a:prstGeom prst="rect">
+                <a:avLst/>
+              </a:prstGeom>
+            </p:spPr>
+            <p:style>
+              <a:lnRef idx="2">
+                <a:schemeClr val="accent1">
+                  <a:shade val="50000"/>
+                </a:schemeClr>
+              </a:lnRef>
+              <a:fillRef idx="1">
+                <a:schemeClr val="accent1"/>
+              </a:fillRef>
+              <a:effectRef idx="0">
+                <a:schemeClr val="accent1"/>
+              </a:effectRef>
+              <a:fontRef idx="minor">
+                <a:schemeClr val="lt1"/>
+              </a:fontRef>
+            </p:style>
+            <p:txBody>
+              <a:bodyPr rtlCol="0" anchor="ctr"/>
+              <a:lstStyle/>
+              <a:p>
+                <a:pPr algn="ctr"/>
+                <a:r>
+                  <a:rPr lang="en-US" dirty="0">
+                    <a:latin typeface="Times New Roman" panose="02020603050405020304" pitchFamily="18" charset="0"/>
+                    <a:cs typeface="Times New Roman" panose="02020603050405020304" pitchFamily="18" charset="0"/>
+                  </a:rPr>
+                  <a:t>XML</a:t>
+                </a:r>
+                <a:endParaRPr lang="ru-RU" dirty="0">
+                  <a:latin typeface="Times New Roman" panose="02020603050405020304" pitchFamily="18" charset="0"/>
+                  <a:cs typeface="Times New Roman" panose="02020603050405020304" pitchFamily="18" charset="0"/>
+                </a:endParaRPr>
+              </a:p>
+            </p:txBody>
+          </p:sp>
+          <p:sp>
+            <p:nvSpPr>
+              <p:cNvPr id="23" name="Прямоугольник 22">
+                <a:extLst>
+                  <a:ext uri="{FF2B5EF4-FFF2-40B4-BE49-F238E27FC236}">
+                    <a16:creationId xmlns:a16="http://schemas.microsoft.com/office/drawing/2014/main" id="{BA758AA5-071E-8C65-8E6E-53F0074838C4}"/>
+                  </a:ext>
+                </a:extLst>
+              </p:cNvPr>
+              <p:cNvSpPr/>
+              <p:nvPr/>
+            </p:nvSpPr>
+            <p:spPr>
+              <a:xfrm>
+                <a:off x="6022519" y="1031609"/>
+                <a:ext cx="1605280" cy="530762"/>
+              </a:xfrm>
+              <a:prstGeom prst="rect">
+                <a:avLst/>
+              </a:prstGeom>
+            </p:spPr>
+            <p:style>
+              <a:lnRef idx="2">
+                <a:schemeClr val="accent1">
+                  <a:shade val="50000"/>
+                </a:schemeClr>
+              </a:lnRef>
+              <a:fillRef idx="1">
+                <a:schemeClr val="accent1"/>
+              </a:fillRef>
+              <a:effectRef idx="0">
+                <a:schemeClr val="accent1"/>
+              </a:effectRef>
+              <a:fontRef idx="minor">
+                <a:schemeClr val="lt1"/>
+              </a:fontRef>
+            </p:style>
+            <p:txBody>
+              <a:bodyPr rtlCol="0" anchor="ctr"/>
+              <a:lstStyle/>
+              <a:p>
+                <a:pPr algn="ctr"/>
+                <a:r>
+                  <a:rPr lang="ru-RU" dirty="0">
+                    <a:latin typeface="Times New Roman" panose="02020603050405020304" pitchFamily="18" charset="0"/>
+                    <a:cs typeface="Times New Roman" panose="02020603050405020304" pitchFamily="18" charset="0"/>
+                  </a:rPr>
+                  <a:t>Сайт</a:t>
+                </a:r>
+              </a:p>
+            </p:txBody>
+          </p:sp>
+        </p:grpSp>
+        <p:sp>
+          <p:nvSpPr>
+            <p:cNvPr id="9" name="Прямоугольник 8">
+              <a:extLst>
+                <a:ext uri="{FF2B5EF4-FFF2-40B4-BE49-F238E27FC236}">
+                  <a16:creationId xmlns:a16="http://schemas.microsoft.com/office/drawing/2014/main" id="{6238DCE4-1506-3000-50A1-97DA55DF0B35}"/>
+                </a:ext>
+              </a:extLst>
+            </p:cNvPr>
+            <p:cNvSpPr/>
+            <p:nvPr/>
+          </p:nvSpPr>
+          <p:spPr>
+            <a:xfrm>
+              <a:off x="1238250" y="686309"/>
+              <a:ext cx="6600825" cy="1282311"/>
+            </a:xfrm>
+            <a:prstGeom prst="rect">
+              <a:avLst/>
+            </a:prstGeom>
+            <a:noFill/>
+            <a:ln w="9525" cap="flat" cmpd="sng" algn="ctr">
+              <a:solidFill>
+                <a:schemeClr val="dk1"/>
+              </a:solidFill>
+              <a:prstDash val="solid"/>
+              <a:round/>
+              <a:headEnd type="none" w="med" len="med"/>
+              <a:tailEnd type="none" w="med" len="med"/>
+            </a:ln>
+          </p:spPr>
+          <p:style>
+            <a:lnRef idx="0">
+              <a:scrgbClr r="0" g="0" b="0"/>
+            </a:lnRef>
+            <a:fillRef idx="0">
+              <a:scrgbClr r="0" g="0" b="0"/>
+            </a:fillRef>
+            <a:effectRef idx="0">
+              <a:scrgbClr r="0" g="0" b="0"/>
+            </a:effectRef>
+            <a:fontRef idx="minor">
+              <a:schemeClr val="dk1"/>
+            </a:fontRef>
+          </p:style>
+          <p:txBody>
+            <a:bodyPr rtlCol="0" anchor="ctr"/>
+            <a:lstStyle/>
+            <a:p>
+              <a:pPr algn="ctr"/>
+              <a:endParaRPr lang="ru-RU"/>
+            </a:p>
+          </p:txBody>
+        </p:sp>
+      </p:grpSp>
     </p:spTree>
     <p:extLst>
       <p:ext uri="{BB962C8B-B14F-4D97-AF65-F5344CB8AC3E}">
@@ -6452,250 +8529,7 @@
                                           </p:stCondLst>
                                         </p:cTn>
                                         <p:tgtEl>
-                                          <p:spTgt spid="15"/>
-                                        </p:tgtEl>
-                                        <p:attrNameLst>
-                                          <p:attrName>style.visibility</p:attrName>
-                                        </p:attrNameLst>
-                                      </p:cBhvr>
-                                      <p:to>
-                                        <p:strVal val="visible"/>
-                                      </p:to>
-                                    </p:set>
-                                  </p:childTnLst>
-                                </p:cTn>
-                              </p:par>
-                              <p:par>
-                                <p:cTn id="9" presetID="1" presetClass="entr" presetSubtype="0" fill="hold" grpId="0" nodeType="withEffect">
-                                  <p:stCondLst>
-                                    <p:cond delay="0"/>
-                                  </p:stCondLst>
-                                  <p:childTnLst>
-                                    <p:set>
-                                      <p:cBhvr>
-                                        <p:cTn id="10" dur="1" fill="hold">
-                                          <p:stCondLst>
-                                            <p:cond delay="0"/>
-                                          </p:stCondLst>
-                                        </p:cTn>
-                                        <p:tgtEl>
-                                          <p:spTgt spid="17"/>
-                                        </p:tgtEl>
-                                        <p:attrNameLst>
-                                          <p:attrName>style.visibility</p:attrName>
-                                        </p:attrNameLst>
-                                      </p:cBhvr>
-                                      <p:to>
-                                        <p:strVal val="visible"/>
-                                      </p:to>
-                                    </p:set>
-                                  </p:childTnLst>
-                                </p:cTn>
-                              </p:par>
-                              <p:par>
-                                <p:cTn id="11" presetID="1" presetClass="entr" presetSubtype="0" fill="hold" grpId="0" nodeType="withEffect">
-                                  <p:stCondLst>
-                                    <p:cond delay="0"/>
-                                  </p:stCondLst>
-                                  <p:childTnLst>
-                                    <p:set>
-                                      <p:cBhvr>
-                                        <p:cTn id="12" dur="1" fill="hold">
-                                          <p:stCondLst>
-                                            <p:cond delay="0"/>
-                                          </p:stCondLst>
-                                        </p:cTn>
-                                        <p:tgtEl>
-                                          <p:spTgt spid="19"/>
-                                        </p:tgtEl>
-                                        <p:attrNameLst>
-                                          <p:attrName>style.visibility</p:attrName>
-                                        </p:attrNameLst>
-                                      </p:cBhvr>
-                                      <p:to>
-                                        <p:strVal val="visible"/>
-                                      </p:to>
-                                    </p:set>
-                                  </p:childTnLst>
-                                </p:cTn>
-                              </p:par>
-                              <p:par>
-                                <p:cTn id="13" presetID="1" presetClass="entr" presetSubtype="0" fill="hold" nodeType="withEffect">
-                                  <p:stCondLst>
-                                    <p:cond delay="0"/>
-                                  </p:stCondLst>
-                                  <p:childTnLst>
-                                    <p:set>
-                                      <p:cBhvr>
-                                        <p:cTn id="14" dur="1" fill="hold">
-                                          <p:stCondLst>
-                                            <p:cond delay="0"/>
-                                          </p:stCondLst>
-                                        </p:cTn>
-                                        <p:tgtEl>
-                                          <p:spTgt spid="20"/>
-                                        </p:tgtEl>
-                                        <p:attrNameLst>
-                                          <p:attrName>style.visibility</p:attrName>
-                                        </p:attrNameLst>
-                                      </p:cBhvr>
-                                      <p:to>
-                                        <p:strVal val="visible"/>
-                                      </p:to>
-                                    </p:set>
-                                  </p:childTnLst>
-                                </p:cTn>
-                              </p:par>
-                              <p:par>
-                                <p:cTn id="15" presetID="1" presetClass="entr" presetSubtype="0" fill="hold" grpId="0" nodeType="withEffect">
-                                  <p:stCondLst>
-                                    <p:cond delay="0"/>
-                                  </p:stCondLst>
-                                  <p:childTnLst>
-                                    <p:set>
-                                      <p:cBhvr>
-                                        <p:cTn id="16" dur="1" fill="hold">
-                                          <p:stCondLst>
-                                            <p:cond delay="0"/>
-                                          </p:stCondLst>
-                                        </p:cTn>
-                                        <p:tgtEl>
-                                          <p:spTgt spid="21"/>
-                                        </p:tgtEl>
-                                        <p:attrNameLst>
-                                          <p:attrName>style.visibility</p:attrName>
-                                        </p:attrNameLst>
-                                      </p:cBhvr>
-                                      <p:to>
-                                        <p:strVal val="visible"/>
-                                      </p:to>
-                                    </p:set>
-                                  </p:childTnLst>
-                                </p:cTn>
-                              </p:par>
-                              <p:par>
-                                <p:cTn id="17" presetID="1" presetClass="entr" presetSubtype="0" fill="hold" grpId="0" nodeType="withEffect">
-                                  <p:stCondLst>
-                                    <p:cond delay="0"/>
-                                  </p:stCondLst>
-                                  <p:childTnLst>
-                                    <p:set>
-                                      <p:cBhvr>
-                                        <p:cTn id="18" dur="1" fill="hold">
-                                          <p:stCondLst>
-                                            <p:cond delay="0"/>
-                                          </p:stCondLst>
-                                        </p:cTn>
-                                        <p:tgtEl>
                                           <p:spTgt spid="13"/>
-                                        </p:tgtEl>
-                                        <p:attrNameLst>
-                                          <p:attrName>style.visibility</p:attrName>
-                                        </p:attrNameLst>
-                                      </p:cBhvr>
-                                      <p:to>
-                                        <p:strVal val="visible"/>
-                                      </p:to>
-                                    </p:set>
-                                  </p:childTnLst>
-                                </p:cTn>
-                              </p:par>
-                              <p:par>
-                                <p:cTn id="19" presetID="1" presetClass="entr" presetSubtype="0" fill="hold" grpId="0" nodeType="withEffect">
-                                  <p:stCondLst>
-                                    <p:cond delay="0"/>
-                                  </p:stCondLst>
-                                  <p:childTnLst>
-                                    <p:set>
-                                      <p:cBhvr>
-                                        <p:cTn id="20" dur="1" fill="hold">
-                                          <p:stCondLst>
-                                            <p:cond delay="0"/>
-                                          </p:stCondLst>
-                                        </p:cTn>
-                                        <p:tgtEl>
-                                          <p:spTgt spid="14"/>
-                                        </p:tgtEl>
-                                        <p:attrNameLst>
-                                          <p:attrName>style.visibility</p:attrName>
-                                        </p:attrNameLst>
-                                      </p:cBhvr>
-                                      <p:to>
-                                        <p:strVal val="visible"/>
-                                      </p:to>
-                                    </p:set>
-                                  </p:childTnLst>
-                                </p:cTn>
-                              </p:par>
-                              <p:par>
-                                <p:cTn id="21" presetID="1" presetClass="entr" presetSubtype="0" fill="hold" nodeType="withEffect">
-                                  <p:stCondLst>
-                                    <p:cond delay="0"/>
-                                  </p:stCondLst>
-                                  <p:childTnLst>
-                                    <p:set>
-                                      <p:cBhvr>
-                                        <p:cTn id="22" dur="1" fill="hold">
-                                          <p:stCondLst>
-                                            <p:cond delay="0"/>
-                                          </p:stCondLst>
-                                        </p:cTn>
-                                        <p:tgtEl>
-                                          <p:spTgt spid="18"/>
-                                        </p:tgtEl>
-                                        <p:attrNameLst>
-                                          <p:attrName>style.visibility</p:attrName>
-                                        </p:attrNameLst>
-                                      </p:cBhvr>
-                                      <p:to>
-                                        <p:strVal val="visible"/>
-                                      </p:to>
-                                    </p:set>
-                                  </p:childTnLst>
-                                </p:cTn>
-                              </p:par>
-                              <p:par>
-                                <p:cTn id="23" presetID="1" presetClass="entr" presetSubtype="0" fill="hold" grpId="0" nodeType="withEffect">
-                                  <p:stCondLst>
-                                    <p:cond delay="0"/>
-                                  </p:stCondLst>
-                                  <p:childTnLst>
-                                    <p:set>
-                                      <p:cBhvr>
-                                        <p:cTn id="24" dur="1" fill="hold">
-                                          <p:stCondLst>
-                                            <p:cond delay="0"/>
-                                          </p:stCondLst>
-                                        </p:cTn>
-                                        <p:tgtEl>
-                                          <p:spTgt spid="22"/>
-                                        </p:tgtEl>
-                                        <p:attrNameLst>
-                                          <p:attrName>style.visibility</p:attrName>
-                                        </p:attrNameLst>
-                                      </p:cBhvr>
-                                      <p:to>
-                                        <p:strVal val="visible"/>
-                                      </p:to>
-                                    </p:set>
-                                  </p:childTnLst>
-                                </p:cTn>
-                              </p:par>
-                              <p:par>
-                                <p:cTn id="25" presetID="1" presetClass="entr" presetSubtype="0" fill="hold" grpId="0" nodeType="withEffect">
-                                  <p:stCondLst>
-                                    <p:cond delay="0"/>
-                                  </p:stCondLst>
-                                  <p:childTnLst>
-                                    <p:set>
-                                      <p:cBhvr>
-                                        <p:cTn id="26" dur="1" fill="hold">
-                                          <p:stCondLst>
-                                            <p:cond delay="0"/>
-                                          </p:stCondLst>
-                                        </p:cTn>
-                                        <p:tgtEl>
-                                          <p:spTgt spid="23"/>
                                         </p:tgtEl>
                                         <p:attrNameLst>
                                           <p:attrName>style.visibility</p:attrName>
@@ -6715,26 +8549,26 @@
                     </p:cTn>
                   </p:par>
                   <p:par>
-                    <p:cTn id="27" fill="hold">
+                    <p:cTn id="9" fill="hold">
                       <p:stCondLst>
                         <p:cond delay="indefinite"/>
                       </p:stCondLst>
                       <p:childTnLst>
                         <p:par>
-                          <p:cTn id="28" fill="hold">
+                          <p:cTn id="10" fill="hold">
                             <p:stCondLst>
                               <p:cond delay="0"/>
                             </p:stCondLst>
                             <p:childTnLst>
                               <p:par>
-                                <p:cTn id="29" presetID="1" presetClass="entr" presetSubtype="0" fill="hold" nodeType="clickEffect">
+                                <p:cTn id="11" presetID="1" presetClass="entr" presetSubtype="0" fill="hold" nodeType="clickEffect">
                                   <p:stCondLst>
                                     <p:cond delay="0"/>
                                   </p:stCondLst>
                                   <p:childTnLst>
                                     <p:set>
                                       <p:cBhvr>
-                                        <p:cTn id="30" dur="1" fill="hold">
+                                        <p:cTn id="12" dur="1" fill="hold">
                                           <p:stCondLst>
                                             <p:cond delay="0"/>
                                           </p:stCondLst>
@@ -6782,20 +8616,13 @@
     </p:tnLst>
     <p:bldLst>
       <p:bldP spid="7" grpId="0"/>
-      <p:bldP spid="15" grpId="0" animBg="1"/>
-      <p:bldP spid="17" grpId="0" animBg="1"/>
-      <p:bldP spid="19" grpId="0" animBg="1"/>
-      <p:bldP spid="21" grpId="0" animBg="1"/>
       <p:bldP spid="13" grpId="0"/>
-      <p:bldP spid="14" grpId="0" animBg="1"/>
-      <p:bldP spid="22" grpId="0" animBg="1"/>
-      <p:bldP spid="23" grpId="0" animBg="1"/>
     </p:bldLst>
   </p:timing>
 </p:sld>
 </file>
 
-<file path=ppt/slides/slide11.xml><?xml version="1.0" encoding="utf-8"?>
+<file path=ppt/slides/slide12.xml><?xml version="1.0" encoding="utf-8"?>
 <p:sld xmlns:a="http://schemas.openxmlformats.org/drawingml/2006/main" xmlns:r="http://schemas.openxmlformats.org/officeDocument/2006/relationships" xmlns:p="http://schemas.openxmlformats.org/presentationml/2006/main">
   <p:cSld>
     <p:spTree>
@@ -6867,7 +8694,7 @@
         <p:spPr>
           <a:xfrm>
             <a:off x="609599" y="2161217"/>
-            <a:ext cx="10625137" cy="1704569"/>
+            <a:ext cx="10625137" cy="2120068"/>
           </a:xfrm>
           <a:prstGeom prst="rect">
             <a:avLst/>
@@ -6880,92 +8707,10 @@
           </a:bodyPr>
           <a:lstStyle/>
           <a:p>
-            <a:pPr marL="800100" lvl="1" indent="-342900">
+            <a:pPr lvl="1">
               <a:lnSpc>
                 <a:spcPct val="150000"/>
               </a:lnSpc>
-              <a:buFont typeface="+mj-lt"/>
-              <a:buAutoNum type="arabicPeriod"/>
-            </a:pPr>
-            <a:r>
-              <a:rPr lang="ru-RU" kern="150" dirty="0">
-                <a:effectLst/>
-                <a:latin typeface="Times New Roman" panose="02020603050405020304" pitchFamily="18" charset="0"/>
-                <a:ea typeface="SimSun" panose="02010600030101010101" pitchFamily="2" charset="-122"/>
-                <a:cs typeface="Lohit Devanagari"/>
-              </a:rPr>
-              <a:t>Рассмот</a:t>
-            </a:r>
-            <a:r>
-              <a:rPr lang="ru-RU" kern="150" dirty="0">
-                <a:latin typeface="Times New Roman" panose="02020603050405020304" pitchFamily="18" charset="0"/>
-                <a:ea typeface="SimSun" panose="02010600030101010101" pitchFamily="2" charset="-122"/>
-                <a:cs typeface="Lohit Devanagari"/>
-              </a:rPr>
-              <a:t>рели</a:t>
-            </a:r>
-            <a:r>
-              <a:rPr lang="ru-RU" kern="150" dirty="0">
-                <a:effectLst/>
-                <a:latin typeface="Times New Roman" panose="02020603050405020304" pitchFamily="18" charset="0"/>
-                <a:ea typeface="SimSun" panose="02010600030101010101" pitchFamily="2" charset="-122"/>
-                <a:cs typeface="Lohit Devanagari"/>
-              </a:rPr>
-              <a:t> встроенные в современные СУБД инструменты оптимизации работы с базой данных;</a:t>
-            </a:r>
-            <a:endParaRPr lang="ru-RU" kern="150" dirty="0">
-              <a:effectLst/>
-              <a:latin typeface="Liberation Serif"/>
-              <a:ea typeface="SimSun" panose="02010600030101010101" pitchFamily="2" charset="-122"/>
-              <a:cs typeface="Lohit Devanagari"/>
-            </a:endParaRPr>
-          </a:p>
-          <a:p>
-            <a:pPr marL="800100" lvl="1" indent="-342900">
-              <a:lnSpc>
-                <a:spcPct val="150000"/>
-              </a:lnSpc>
-              <a:buFont typeface="+mj-lt"/>
-              <a:buAutoNum type="arabicPeriod"/>
-            </a:pPr>
-            <a:r>
-              <a:rPr lang="ru-RU" dirty="0">
-                <a:effectLst/>
-                <a:latin typeface="Times New Roman" panose="02020603050405020304" pitchFamily="18" charset="0"/>
-                <a:ea typeface="Calibri" panose="020F0502020204030204" pitchFamily="34" charset="0"/>
-              </a:rPr>
-              <a:t>Описали общие рекомендации по написанию эффективных </a:t>
-            </a:r>
-            <a:r>
-              <a:rPr lang="en-US" dirty="0">
-                <a:effectLst/>
-                <a:latin typeface="Times New Roman" panose="02020603050405020304" pitchFamily="18" charset="0"/>
-                <a:ea typeface="Calibri" panose="020F0502020204030204" pitchFamily="34" charset="0"/>
-              </a:rPr>
-              <a:t>SQL</a:t>
-            </a:r>
-            <a:r>
-              <a:rPr lang="ru-RU" dirty="0">
-                <a:effectLst/>
-                <a:latin typeface="Times New Roman" panose="02020603050405020304" pitchFamily="18" charset="0"/>
-                <a:ea typeface="Calibri" panose="020F0502020204030204" pitchFamily="34" charset="0"/>
-              </a:rPr>
-              <a:t> запросов;</a:t>
-            </a:r>
-            <a:endParaRPr lang="en-US" dirty="0">
-              <a:effectLst/>
-              <a:latin typeface="Times New Roman" panose="02020603050405020304" pitchFamily="18" charset="0"/>
-              <a:ea typeface="Calibri" panose="020F0502020204030204" pitchFamily="34" charset="0"/>
-              <a:cs typeface="Times New Roman" panose="02020603050405020304" pitchFamily="18" charset="0"/>
-            </a:endParaRPr>
-          </a:p>
-          <a:p>
-            <a:pPr marL="800100" lvl="1" indent="-342900">
-              <a:lnSpc>
-                <a:spcPct val="150000"/>
-              </a:lnSpc>
-              <a:buFont typeface="+mj-lt"/>
-              <a:buAutoNum type="arabicPeriod"/>
             </a:pPr>
             <a:r>
               <a:rPr lang="ru-RU" dirty="0">
@@ -6973,7 +8718,7 @@
                 <a:ea typeface="Times New Roman" panose="02020603050405020304" pitchFamily="18" charset="0"/>
                 <a:cs typeface="Times New Roman" panose="02020603050405020304" pitchFamily="18" charset="0"/>
               </a:rPr>
-              <a:t>Разработали инструменты для оптимизации взаимодействия сайта с базой данных</a:t>
+              <a:t>В рамках выпускной квалификационной работы были разработаны инструменты для кеширования программных алгоритмов, а также инструмент для обмена сообщениями по протоколу </a:t>
             </a:r>
             <a:r>
               <a:rPr lang="en-US" dirty="0">
@@ -6981,8 +8726,37 @@
                 <a:ea typeface="Times New Roman" panose="02020603050405020304" pitchFamily="18" charset="0"/>
                 <a:cs typeface="Times New Roman" panose="02020603050405020304" pitchFamily="18" charset="0"/>
               </a:rPr>
-              <a:t>;</a:t>
-            </a:r>
+              <a:t>AMQP. </a:t>
+            </a:r>
+            <a:r>
+              <a:rPr lang="ru-RU" dirty="0">
+                <a:latin typeface="Times New Roman" panose="02020603050405020304" pitchFamily="18" charset="0"/>
+                <a:ea typeface="Times New Roman" panose="02020603050405020304" pitchFamily="18" charset="0"/>
+                <a:cs typeface="Times New Roman" panose="02020603050405020304" pitchFamily="18" charset="0"/>
+              </a:rPr>
+              <a:t>Данные инструменты были использованы в реальном проекте, который является интернет магазином и позволили</a:t>
+            </a:r>
+            <a:r>
+              <a:rPr lang="en-US" dirty="0">
+                <a:latin typeface="Times New Roman" panose="02020603050405020304" pitchFamily="18" charset="0"/>
+                <a:ea typeface="Times New Roman" panose="02020603050405020304" pitchFamily="18" charset="0"/>
+                <a:cs typeface="Times New Roman" panose="02020603050405020304" pitchFamily="18" charset="0"/>
+              </a:rPr>
+              <a:t> </a:t>
+            </a:r>
+            <a:r>
+              <a:rPr lang="ru-RU" dirty="0">
+                <a:latin typeface="Times New Roman" panose="02020603050405020304" pitchFamily="18" charset="0"/>
+                <a:ea typeface="Times New Roman" panose="02020603050405020304" pitchFamily="18" charset="0"/>
+                <a:cs typeface="Times New Roman" panose="02020603050405020304" pitchFamily="18" charset="0"/>
+              </a:rPr>
+              <a:t>уменьшить нагрузку на СУБД и сервер, которая возникала при посещении интернет магазина пользователями, а также при обмене данными сайта и системы учёта 1С.</a:t>
+            </a:r>
+            <a:endParaRPr lang="en-US" dirty="0">
+              <a:latin typeface="Times New Roman" panose="02020603050405020304" pitchFamily="18" charset="0"/>
+              <a:ea typeface="Times New Roman" panose="02020603050405020304" pitchFamily="18" charset="0"/>
+              <a:cs typeface="Times New Roman" panose="02020603050405020304" pitchFamily="18" charset="0"/>
+            </a:endParaRPr>
           </a:p>
         </p:txBody>
       </p:sp>
@@ -7002,7 +8776,7 @@
 </p:sld>
 </file>
 
-<file path=ppt/slides/slide12.xml><?xml version="1.0" encoding="utf-8"?>
+<file path=ppt/slides/slide13.xml><?xml version="1.0" encoding="utf-8"?>
 <p:sld xmlns:a="http://schemas.openxmlformats.org/drawingml/2006/main" xmlns:r="http://schemas.openxmlformats.org/officeDocument/2006/relationships" xmlns:p="http://schemas.openxmlformats.org/presentationml/2006/main">
   <p:cSld>
     <p:spTree>
@@ -9205,67 +10979,40 @@
                 <a:latin typeface="Times New Roman" panose="02020603050405020304" pitchFamily="18" charset="0"/>
                 <a:cs typeface="Times New Roman" panose="02020603050405020304" pitchFamily="18" charset="0"/>
               </a:rPr>
-              <a:t>Кеширование результатов работы программных алгоритмов</a:t>
+              <a:t>Использование инструмента</a:t>
             </a:r>
           </a:p>
         </p:txBody>
       </p:sp>
       <p:sp>
         <p:nvSpPr>
-          <p:cNvPr id="10" name="Rectangle 5">
+          <p:cNvPr id="5" name="TextBox 4">
             <a:extLst>
               <a:ext uri="{FF2B5EF4-FFF2-40B4-BE49-F238E27FC236}">
-                <a16:creationId xmlns:a16="http://schemas.microsoft.com/office/drawing/2014/main" id="{45D376B7-2679-60D0-8E32-1CF494940AFE}"/>
+                <a16:creationId xmlns:a16="http://schemas.microsoft.com/office/drawing/2014/main" id="{F482A948-5E9A-C409-A366-CBFC2369E64F}"/>
               </a:ext>
             </a:extLst>
           </p:cNvPr>
-          <p:cNvSpPr>
-            <a:spLocks noChangeArrowheads="1"/>
-          </p:cNvSpPr>
+          <p:cNvSpPr txBox="1"/>
           <p:nvPr/>
         </p:nvSpPr>
-        <p:spPr bwMode="auto">
+        <p:spPr>
           <a:xfrm>
-            <a:off x="790573" y="2057373"/>
-            <a:ext cx="10801351" cy="3785652"/>
+            <a:off x="3048000" y="1997839"/>
+            <a:ext cx="6096000" cy="2862322"/>
           </a:xfrm>
           <a:prstGeom prst="rect">
             <a:avLst/>
           </a:prstGeom>
-          <a:solidFill>
-            <a:srgbClr val="2B2B2B"/>
-          </a:solidFill>
+          <a:noFill/>
           <a:ln>
-            <a:noFill/>
+            <a:solidFill>
+              <a:schemeClr val="tx1"/>
+            </a:solidFill>
           </a:ln>
-          <a:effectLst/>
-          <a:extLst>
-            <a:ext uri="{91240B29-F687-4F45-9708-019B960494DF}">
-              <a14:hiddenLine xmlns:a14="http://schemas.microsoft.com/office/drawing/2010/main" w="9525">
-                <a:solidFill>
-                  <a:schemeClr val="tx1"/>
-                </a:solidFill>
-                <a:miter lim="800000"/>
-                <a:headEnd/>
-                <a:tailEnd/>
-              </a14:hiddenLine>
-            </a:ext>
-            <a:ext uri="{AF507438-7753-43E0-B8FC-AC1667EBCBE1}">
-              <a14:hiddenEffects xmlns:a14="http://schemas.microsoft.com/office/drawing/2010/main">
-                <a:effectLst>
-                  <a:outerShdw dist="35921" dir="2700000" algn="ctr" rotWithShape="0">
-                    <a:schemeClr val="bg2"/>
-                  </a:outerShdw>
-                </a:effectLst>
-              </a14:hiddenEffects>
-            </a:ext>
-          </a:extLst>
         </p:spPr>
         <p:txBody>
-          <a:bodyPr vert="horz" wrap="square" lIns="91440" tIns="45720" rIns="91440" bIns="45720" numCol="1" anchor="ctr" anchorCtr="0" compatLnSpc="1">
-            <a:prstTxWarp prst="textNoShape">
-              <a:avLst/>
-            </a:prstTxWarp>
+          <a:bodyPr wrap="square">
             <a:spAutoFit/>
           </a:bodyPr>
           <a:lstStyle/>
@@ -9279,7 +11026,7 @@
               </a:spcAft>
             </a:pPr>
             <a:r>
-              <a:rPr kumimoji="0" lang="ru-RU" altLang="ru-RU" sz="2400" b="0" i="0" u="none" strike="noStrike" cap="none" normalizeH="0" baseline="0" dirty="0">
+              <a:rPr kumimoji="0" lang="ru-RU" altLang="ru-RU" sz="1800" b="0" i="0" u="none" strike="noStrike" cap="none" normalizeH="0" baseline="0" dirty="0">
                 <a:ln>
                   <a:noFill/>
                 </a:ln>
@@ -9292,7 +11039,7 @@
               <a:t>$</a:t>
             </a:r>
             <a:r>
-              <a:rPr kumimoji="0" lang="ru-RU" altLang="ru-RU" sz="2400" b="0" i="0" u="none" strike="noStrike" cap="none" normalizeH="0" baseline="0" dirty="0" err="1">
+              <a:rPr kumimoji="0" lang="ru-RU" altLang="ru-RU" sz="1800" b="0" i="0" u="none" strike="noStrike" cap="none" normalizeH="0" baseline="0" dirty="0" err="1">
                 <a:ln>
                   <a:noFill/>
                 </a:ln>
@@ -9305,7 +11052,7 @@
               <a:t>keyData</a:t>
             </a:r>
             <a:r>
-              <a:rPr kumimoji="0" lang="ru-RU" altLang="ru-RU" sz="2400" b="0" i="0" u="none" strike="noStrike" cap="none" normalizeH="0" baseline="0" dirty="0">
+              <a:rPr kumimoji="0" lang="ru-RU" altLang="ru-RU" sz="1800" b="0" i="0" u="none" strike="noStrike" cap="none" normalizeH="0" baseline="0" dirty="0">
                 <a:ln>
                   <a:noFill/>
                 </a:ln>
@@ -9318,7 +11065,7 @@
               <a:t> </a:t>
             </a:r>
             <a:r>
-              <a:rPr kumimoji="0" lang="ru-RU" altLang="ru-RU" sz="2400" b="0" i="0" u="none" strike="noStrike" cap="none" normalizeH="0" baseline="0" dirty="0">
+              <a:rPr kumimoji="0" lang="ru-RU" altLang="ru-RU" sz="1800" b="0" i="0" u="none" strike="noStrike" cap="none" normalizeH="0" baseline="0" dirty="0">
                 <a:ln>
                   <a:noFill/>
                 </a:ln>
@@ -9331,7 +11078,7 @@
               <a:t>= [</a:t>
             </a:r>
             <a:r>
-              <a:rPr kumimoji="0" lang="ru-RU" altLang="ru-RU" sz="2400" b="0" i="0" u="none" strike="noStrike" cap="none" normalizeH="0" baseline="0" dirty="0">
+              <a:rPr kumimoji="0" lang="ru-RU" altLang="ru-RU" sz="1800" b="0" i="0" u="none" strike="noStrike" cap="none" normalizeH="0" baseline="0" dirty="0">
                 <a:ln>
                   <a:noFill/>
                 </a:ln>
@@ -9344,7 +11091,7 @@
               <a:t>'</a:t>
             </a:r>
             <a:r>
-              <a:rPr kumimoji="0" lang="ru-RU" altLang="ru-RU" sz="2400" b="0" i="0" u="none" strike="noStrike" cap="none" normalizeH="0" baseline="0" dirty="0" err="1">
+              <a:rPr kumimoji="0" lang="ru-RU" altLang="ru-RU" sz="1800" b="0" i="0" u="none" strike="noStrike" cap="none" normalizeH="0" baseline="0" dirty="0" err="1">
                 <a:ln>
                   <a:noFill/>
                 </a:ln>
@@ -9357,7 +11104,7 @@
               <a:t>city</a:t>
             </a:r>
             <a:r>
-              <a:rPr kumimoji="0" lang="ru-RU" altLang="ru-RU" sz="2400" b="0" i="0" u="none" strike="noStrike" cap="none" normalizeH="0" baseline="0" dirty="0">
+              <a:rPr kumimoji="0" lang="ru-RU" altLang="ru-RU" sz="1800" b="0" i="0" u="none" strike="noStrike" cap="none" normalizeH="0" baseline="0" dirty="0">
                 <a:ln>
                   <a:noFill/>
                 </a:ln>
@@ -9370,7 +11117,7 @@
               <a:t>'</a:t>
             </a:r>
             <a:r>
-              <a:rPr kumimoji="0" lang="ru-RU" altLang="ru-RU" sz="2400" b="0" i="0" u="none" strike="noStrike" cap="none" normalizeH="0" baseline="0" dirty="0">
+              <a:rPr kumimoji="0" lang="ru-RU" altLang="ru-RU" sz="1800" b="0" i="0" u="none" strike="noStrike" cap="none" normalizeH="0" baseline="0" dirty="0">
                 <a:ln>
                   <a:noFill/>
                 </a:ln>
@@ -9383,7 +11130,7 @@
               <a:t>, </a:t>
             </a:r>
             <a:r>
-              <a:rPr kumimoji="0" lang="ru-RU" altLang="ru-RU" sz="2400" b="0" i="0" u="none" strike="noStrike" cap="none" normalizeH="0" baseline="0" dirty="0">
+              <a:rPr kumimoji="0" lang="ru-RU" altLang="ru-RU" sz="1800" b="0" i="0" u="none" strike="noStrike" cap="none" normalizeH="0" baseline="0" dirty="0">
                 <a:ln>
                   <a:noFill/>
                 </a:ln>
@@ -9396,7 +11143,7 @@
               <a:t>'RUS’</a:t>
             </a:r>
             <a:r>
-              <a:rPr kumimoji="0" lang="ru-RU" altLang="ru-RU" sz="2400" b="0" i="0" u="none" strike="noStrike" cap="none" normalizeH="0" baseline="0" dirty="0">
+              <a:rPr kumimoji="0" lang="ru-RU" altLang="ru-RU" sz="1800" b="0" i="0" u="none" strike="noStrike" cap="none" normalizeH="0" baseline="0" dirty="0">
                 <a:ln>
                   <a:noFill/>
                 </a:ln>
@@ -9409,7 +11156,7 @@
               <a:t>]</a:t>
             </a:r>
             <a:r>
-              <a:rPr kumimoji="0" lang="ru-RU" altLang="ru-RU" sz="2400" b="0" i="0" u="none" strike="noStrike" cap="none" normalizeH="0" baseline="0" dirty="0">
+              <a:rPr kumimoji="0" lang="ru-RU" altLang="ru-RU" sz="1800" b="0" i="0" u="none" strike="noStrike" cap="none" normalizeH="0" baseline="0" dirty="0">
                 <a:ln>
                   <a:noFill/>
                 </a:ln>
@@ -9422,7 +11169,7 @@
               <a:t>; </a:t>
             </a:r>
             <a:r>
-              <a:rPr kumimoji="0" lang="en-US" altLang="ru-RU" sz="2400" b="0" i="0" u="none" strike="noStrike" cap="none" normalizeH="0" baseline="0" dirty="0">
+              <a:rPr kumimoji="0" lang="en-US" altLang="ru-RU" sz="1800" b="0" i="0" u="none" strike="noStrike" cap="none" normalizeH="0" baseline="0" dirty="0">
                 <a:ln>
                   <a:noFill/>
                 </a:ln>
@@ -9435,7 +11182,7 @@
               <a:t>//</a:t>
             </a:r>
             <a:r>
-              <a:rPr kumimoji="0" lang="ru-RU" altLang="ru-RU" sz="2400" b="0" i="0" u="none" strike="noStrike" cap="none" normalizeH="0" baseline="0" dirty="0">
+              <a:rPr kumimoji="0" lang="ru-RU" altLang="ru-RU" sz="1800" b="0" i="0" u="none" strike="noStrike" cap="none" normalizeH="0" baseline="0" dirty="0">
                 <a:ln>
                   <a:noFill/>
                 </a:ln>
@@ -9448,7 +11195,7 @@
               <a:t> ключ </a:t>
             </a:r>
             <a:r>
-              <a:rPr kumimoji="0" lang="ru-RU" altLang="ru-RU" sz="2400" b="0" i="0" u="none" strike="noStrike" cap="none" normalizeH="0" baseline="0" dirty="0" err="1">
+              <a:rPr kumimoji="0" lang="ru-RU" altLang="ru-RU" sz="1800" b="0" i="0" u="none" strike="noStrike" cap="none" normalizeH="0" baseline="0" dirty="0" err="1">
                 <a:ln>
                   <a:noFill/>
                 </a:ln>
@@ -9461,7 +11208,7 @@
               <a:t>кеша</a:t>
             </a:r>
             <a:br>
-              <a:rPr kumimoji="0" lang="ru-RU" altLang="ru-RU" sz="2400" b="0" i="0" u="none" strike="noStrike" cap="none" normalizeH="0" baseline="0" dirty="0">
+              <a:rPr kumimoji="0" lang="ru-RU" altLang="ru-RU" sz="1800" b="0" i="0" u="none" strike="noStrike" cap="none" normalizeH="0" baseline="0" dirty="0">
                 <a:ln>
                   <a:noFill/>
                 </a:ln>
@@ -9473,7 +11220,7 @@
               </a:rPr>
             </a:br>
             <a:r>
-              <a:rPr kumimoji="0" lang="ru-RU" altLang="ru-RU" sz="2400" b="0" i="0" u="none" strike="noStrike" cap="none" normalizeH="0" baseline="0" dirty="0">
+              <a:rPr kumimoji="0" lang="ru-RU" altLang="ru-RU" sz="1800" b="0" i="0" u="none" strike="noStrike" cap="none" normalizeH="0" baseline="0" dirty="0">
                 <a:ln>
                   <a:noFill/>
                 </a:ln>
@@ -9486,7 +11233,7 @@
               <a:t>$</a:t>
             </a:r>
             <a:r>
-              <a:rPr kumimoji="0" lang="ru-RU" altLang="ru-RU" sz="2400" b="0" i="0" u="none" strike="noStrike" cap="none" normalizeH="0" baseline="0" dirty="0" err="1">
+              <a:rPr kumimoji="0" lang="ru-RU" altLang="ru-RU" sz="1800" b="0" i="0" u="none" strike="noStrike" cap="none" normalizeH="0" baseline="0" dirty="0" err="1">
                 <a:ln>
                   <a:noFill/>
                 </a:ln>
@@ -9499,7 +11246,7 @@
               <a:t>ttl</a:t>
             </a:r>
             <a:r>
-              <a:rPr kumimoji="0" lang="ru-RU" altLang="ru-RU" sz="2400" b="0" i="0" u="none" strike="noStrike" cap="none" normalizeH="0" baseline="0" dirty="0">
+              <a:rPr kumimoji="0" lang="ru-RU" altLang="ru-RU" sz="1800" b="0" i="0" u="none" strike="noStrike" cap="none" normalizeH="0" baseline="0" dirty="0">
                 <a:ln>
                   <a:noFill/>
                 </a:ln>
@@ -9512,7 +11259,7 @@
               <a:t> </a:t>
             </a:r>
             <a:r>
-              <a:rPr kumimoji="0" lang="ru-RU" altLang="ru-RU" sz="2400" b="0" i="0" u="none" strike="noStrike" cap="none" normalizeH="0" baseline="0" dirty="0">
+              <a:rPr kumimoji="0" lang="ru-RU" altLang="ru-RU" sz="1800" b="0" i="0" u="none" strike="noStrike" cap="none" normalizeH="0" baseline="0" dirty="0">
                 <a:ln>
                   <a:noFill/>
                 </a:ln>
@@ -9525,7 +11272,7 @@
               <a:t>= </a:t>
             </a:r>
             <a:r>
-              <a:rPr kumimoji="0" lang="ru-RU" altLang="ru-RU" sz="2400" b="0" i="0" u="none" strike="noStrike" cap="none" normalizeH="0" baseline="0" dirty="0">
+              <a:rPr kumimoji="0" lang="ru-RU" altLang="ru-RU" sz="1800" b="0" i="0" u="none" strike="noStrike" cap="none" normalizeH="0" baseline="0" dirty="0">
                 <a:ln>
                   <a:noFill/>
                 </a:ln>
@@ -9538,7 +11285,7 @@
               <a:t>3600</a:t>
             </a:r>
             <a:r>
-              <a:rPr kumimoji="0" lang="ru-RU" altLang="ru-RU" sz="2400" b="0" i="0" u="none" strike="noStrike" cap="none" normalizeH="0" baseline="0" dirty="0">
+              <a:rPr kumimoji="0" lang="ru-RU" altLang="ru-RU" sz="1800" b="0" i="0" u="none" strike="noStrike" cap="none" normalizeH="0" baseline="0" dirty="0">
                 <a:ln>
                   <a:noFill/>
                 </a:ln>
@@ -9551,7 +11298,7 @@
               <a:t>; </a:t>
             </a:r>
             <a:r>
-              <a:rPr kumimoji="0" lang="en-US" altLang="ru-RU" sz="2400" b="0" i="0" u="none" strike="noStrike" cap="none" normalizeH="0" baseline="0" dirty="0">
+              <a:rPr kumimoji="0" lang="en-US" altLang="ru-RU" sz="1800" b="0" i="0" u="none" strike="noStrike" cap="none" normalizeH="0" baseline="0" dirty="0">
                 <a:ln>
                   <a:noFill/>
                 </a:ln>
@@ -9564,7 +11311,7 @@
               <a:t>//</a:t>
             </a:r>
             <a:r>
-              <a:rPr kumimoji="0" lang="ru-RU" altLang="ru-RU" sz="2400" b="0" i="0" u="none" strike="noStrike" cap="none" normalizeH="0" baseline="0" dirty="0">
+              <a:rPr kumimoji="0" lang="ru-RU" altLang="ru-RU" sz="1800" b="0" i="0" u="none" strike="noStrike" cap="none" normalizeH="0" baseline="0" dirty="0">
                 <a:ln>
                   <a:noFill/>
                 </a:ln>
@@ -9577,7 +11324,7 @@
               <a:t> время</a:t>
             </a:r>
             <a:r>
-              <a:rPr kumimoji="0" lang="ru-RU" altLang="ru-RU" sz="2400" b="0" i="0" u="none" strike="noStrike" cap="none" normalizeH="0" dirty="0">
+              <a:rPr kumimoji="0" lang="ru-RU" altLang="ru-RU" sz="1800" b="0" i="0" u="none" strike="noStrike" cap="none" normalizeH="0" dirty="0">
                 <a:ln>
                   <a:noFill/>
                 </a:ln>
@@ -9590,7 +11337,7 @@
               <a:t> жизни </a:t>
             </a:r>
             <a:r>
-              <a:rPr kumimoji="0" lang="ru-RU" altLang="ru-RU" sz="2400" b="0" i="0" u="none" strike="noStrike" cap="none" normalizeH="0" dirty="0" err="1">
+              <a:rPr kumimoji="0" lang="ru-RU" altLang="ru-RU" sz="1800" b="0" i="0" u="none" strike="noStrike" cap="none" normalizeH="0" dirty="0" err="1">
                 <a:ln>
                   <a:noFill/>
                 </a:ln>
@@ -9603,7 +11350,7 @@
               <a:t>кеша</a:t>
             </a:r>
             <a:br>
-              <a:rPr kumimoji="0" lang="ru-RU" altLang="ru-RU" sz="2400" b="0" i="0" u="none" strike="noStrike" cap="none" normalizeH="0" baseline="0" dirty="0">
+              <a:rPr kumimoji="0" lang="ru-RU" altLang="ru-RU" sz="1800" b="0" i="0" u="none" strike="noStrike" cap="none" normalizeH="0" baseline="0" dirty="0">
                 <a:ln>
                   <a:noFill/>
                 </a:ln>
@@ -9615,7 +11362,7 @@
               </a:rPr>
             </a:br>
             <a:r>
-              <a:rPr kumimoji="0" lang="ru-RU" altLang="ru-RU" sz="2400" b="0" i="0" u="none" strike="noStrike" cap="none" normalizeH="0" baseline="0" dirty="0">
+              <a:rPr kumimoji="0" lang="ru-RU" altLang="ru-RU" sz="1800" b="0" i="0" u="none" strike="noStrike" cap="none" normalizeH="0" baseline="0" dirty="0">
                 <a:ln>
                   <a:noFill/>
                 </a:ln>
@@ -9628,7 +11375,7 @@
               <a:t>$</a:t>
             </a:r>
             <a:r>
-              <a:rPr kumimoji="0" lang="ru-RU" altLang="ru-RU" sz="2400" b="0" i="0" u="none" strike="noStrike" cap="none" normalizeH="0" baseline="0" dirty="0" err="1">
+              <a:rPr kumimoji="0" lang="ru-RU" altLang="ru-RU" sz="1800" b="0" i="0" u="none" strike="noStrike" cap="none" normalizeH="0" baseline="0" dirty="0" err="1">
                 <a:ln>
                   <a:noFill/>
                 </a:ln>
@@ -9641,7 +11388,7 @@
               <a:t>tag</a:t>
             </a:r>
             <a:r>
-              <a:rPr kumimoji="0" lang="ru-RU" altLang="ru-RU" sz="2400" b="0" i="0" u="none" strike="noStrike" cap="none" normalizeH="0" baseline="0" dirty="0">
+              <a:rPr kumimoji="0" lang="ru-RU" altLang="ru-RU" sz="1800" b="0" i="0" u="none" strike="noStrike" cap="none" normalizeH="0" baseline="0" dirty="0">
                 <a:ln>
                   <a:noFill/>
                 </a:ln>
@@ -9654,7 +11401,7 @@
               <a:t> </a:t>
             </a:r>
             <a:r>
-              <a:rPr kumimoji="0" lang="ru-RU" altLang="ru-RU" sz="2400" b="0" i="0" u="none" strike="noStrike" cap="none" normalizeH="0" baseline="0" dirty="0">
+              <a:rPr kumimoji="0" lang="ru-RU" altLang="ru-RU" sz="1800" b="0" i="0" u="none" strike="noStrike" cap="none" normalizeH="0" baseline="0" dirty="0">
                 <a:ln>
                   <a:noFill/>
                 </a:ln>
@@ -9667,7 +11414,7 @@
               <a:t>= </a:t>
             </a:r>
             <a:r>
-              <a:rPr kumimoji="0" lang="ru-RU" altLang="ru-RU" sz="2400" b="0" i="0" u="none" strike="noStrike" cap="none" normalizeH="0" baseline="0" dirty="0">
+              <a:rPr kumimoji="0" lang="ru-RU" altLang="ru-RU" sz="1800" b="0" i="0" u="none" strike="noStrike" cap="none" normalizeH="0" baseline="0" dirty="0">
                 <a:ln>
                   <a:noFill/>
                 </a:ln>
@@ -9680,7 +11427,7 @@
               <a:t>'</a:t>
             </a:r>
             <a:r>
-              <a:rPr kumimoji="0" lang="ru-RU" altLang="ru-RU" sz="2400" b="0" i="0" u="none" strike="noStrike" cap="none" normalizeH="0" baseline="0" dirty="0" err="1">
+              <a:rPr kumimoji="0" lang="ru-RU" altLang="ru-RU" sz="1800" b="0" i="0" u="none" strike="noStrike" cap="none" normalizeH="0" baseline="0" dirty="0" err="1">
                 <a:ln>
                   <a:noFill/>
                 </a:ln>
@@ -9693,7 +11440,7 @@
               <a:t>city</a:t>
             </a:r>
             <a:r>
-              <a:rPr kumimoji="0" lang="ru-RU" altLang="ru-RU" sz="2400" b="0" i="0" u="none" strike="noStrike" cap="none" normalizeH="0" baseline="0" dirty="0">
+              <a:rPr kumimoji="0" lang="ru-RU" altLang="ru-RU" sz="1800" b="0" i="0" u="none" strike="noStrike" cap="none" normalizeH="0" baseline="0" dirty="0">
                 <a:ln>
                   <a:noFill/>
                 </a:ln>
@@ -9706,7 +11453,7 @@
               <a:t>’</a:t>
             </a:r>
             <a:r>
-              <a:rPr kumimoji="0" lang="ru-RU" altLang="ru-RU" sz="2400" b="0" i="0" u="none" strike="noStrike" cap="none" normalizeH="0" baseline="0" dirty="0">
+              <a:rPr kumimoji="0" lang="ru-RU" altLang="ru-RU" sz="1800" b="0" i="0" u="none" strike="noStrike" cap="none" normalizeH="0" baseline="0" dirty="0">
                 <a:ln>
                   <a:noFill/>
                 </a:ln>
@@ -9719,7 +11466,7 @@
               <a:t>; </a:t>
             </a:r>
             <a:r>
-              <a:rPr kumimoji="0" lang="en-US" altLang="ru-RU" sz="2400" b="0" i="0" u="none" strike="noStrike" cap="none" normalizeH="0" baseline="0" dirty="0">
+              <a:rPr kumimoji="0" lang="en-US" altLang="ru-RU" sz="1800" b="0" i="0" u="none" strike="noStrike" cap="none" normalizeH="0" baseline="0" dirty="0">
                 <a:ln>
                   <a:noFill/>
                 </a:ln>
@@ -9732,7 +11479,7 @@
               <a:t>//</a:t>
             </a:r>
             <a:r>
-              <a:rPr kumimoji="0" lang="ru-RU" altLang="ru-RU" sz="2400" b="0" i="0" u="none" strike="noStrike" cap="none" normalizeH="0" baseline="0" dirty="0">
+              <a:rPr kumimoji="0" lang="ru-RU" altLang="ru-RU" sz="1800" b="0" i="0" u="none" strike="noStrike" cap="none" normalizeH="0" baseline="0" dirty="0">
                 <a:ln>
                   <a:noFill/>
                 </a:ln>
@@ -9745,7 +11492,7 @@
               <a:t> тег</a:t>
             </a:r>
             <a:r>
-              <a:rPr kumimoji="0" lang="ru-RU" altLang="ru-RU" sz="2400" b="0" i="0" u="none" strike="noStrike" cap="none" normalizeH="0" dirty="0">
+              <a:rPr kumimoji="0" lang="ru-RU" altLang="ru-RU" sz="1800" b="0" i="0" u="none" strike="noStrike" cap="none" normalizeH="0" dirty="0">
                 <a:ln>
                   <a:noFill/>
                 </a:ln>
@@ -9758,7 +11505,7 @@
               <a:t> </a:t>
             </a:r>
             <a:r>
-              <a:rPr kumimoji="0" lang="ru-RU" altLang="ru-RU" sz="2400" b="0" i="0" u="none" strike="noStrike" cap="none" normalizeH="0" dirty="0" err="1">
+              <a:rPr kumimoji="0" lang="ru-RU" altLang="ru-RU" sz="1800" b="0" i="0" u="none" strike="noStrike" cap="none" normalizeH="0" dirty="0" err="1">
                 <a:ln>
                   <a:noFill/>
                 </a:ln>
@@ -9771,7 +11518,7 @@
               <a:t>кеша</a:t>
             </a:r>
             <a:br>
-              <a:rPr kumimoji="0" lang="ru-RU" altLang="ru-RU" sz="2400" b="0" i="0" u="none" strike="noStrike" cap="none" normalizeH="0" baseline="0" dirty="0">
+              <a:rPr kumimoji="0" lang="ru-RU" altLang="ru-RU" sz="1800" b="0" i="0" u="none" strike="noStrike" cap="none" normalizeH="0" baseline="0" dirty="0">
                 <a:ln>
                   <a:noFill/>
                 </a:ln>
@@ -9783,7 +11530,7 @@
               </a:rPr>
             </a:br>
             <a:br>
-              <a:rPr kumimoji="0" lang="ru-RU" altLang="ru-RU" sz="2400" b="0" i="0" u="none" strike="noStrike" cap="none" normalizeH="0" baseline="0" dirty="0">
+              <a:rPr kumimoji="0" lang="ru-RU" altLang="ru-RU" sz="1800" b="0" i="0" u="none" strike="noStrike" cap="none" normalizeH="0" baseline="0" dirty="0">
                 <a:ln>
                   <a:noFill/>
                 </a:ln>
@@ -9795,7 +11542,7 @@
               </a:rPr>
             </a:br>
             <a:r>
-              <a:rPr kumimoji="0" lang="ru-RU" altLang="ru-RU" sz="2400" b="0" i="0" u="none" strike="noStrike" cap="none" normalizeH="0" baseline="0" dirty="0">
+              <a:rPr kumimoji="0" lang="ru-RU" altLang="ru-RU" sz="1800" b="0" i="0" u="none" strike="noStrike" cap="none" normalizeH="0" baseline="0" dirty="0">
                 <a:ln>
                   <a:noFill/>
                 </a:ln>
@@ -9808,7 +11555,7 @@
               <a:t>$</a:t>
             </a:r>
             <a:r>
-              <a:rPr kumimoji="0" lang="ru-RU" altLang="ru-RU" sz="2400" b="0" i="0" u="none" strike="noStrike" cap="none" normalizeH="0" baseline="0" dirty="0" err="1">
+              <a:rPr kumimoji="0" lang="ru-RU" altLang="ru-RU" sz="1800" b="0" i="0" u="none" strike="noStrike" cap="none" normalizeH="0" baseline="0" dirty="0" err="1">
                 <a:ln>
                   <a:noFill/>
                 </a:ln>
@@ -9821,7 +11568,7 @@
               <a:t>cache</a:t>
             </a:r>
             <a:r>
-              <a:rPr kumimoji="0" lang="ru-RU" altLang="ru-RU" sz="2400" b="0" i="0" u="none" strike="noStrike" cap="none" normalizeH="0" baseline="0" dirty="0">
+              <a:rPr kumimoji="0" lang="ru-RU" altLang="ru-RU" sz="1800" b="0" i="0" u="none" strike="noStrike" cap="none" normalizeH="0" baseline="0" dirty="0">
                 <a:ln>
                   <a:noFill/>
                 </a:ln>
@@ -9834,7 +11581,7 @@
               <a:t> </a:t>
             </a:r>
             <a:r>
-              <a:rPr kumimoji="0" lang="ru-RU" altLang="ru-RU" sz="2400" b="0" i="0" u="none" strike="noStrike" cap="none" normalizeH="0" baseline="0" dirty="0">
+              <a:rPr kumimoji="0" lang="ru-RU" altLang="ru-RU" sz="1800" b="0" i="0" u="none" strike="noStrike" cap="none" normalizeH="0" baseline="0" dirty="0">
                 <a:ln>
                   <a:noFill/>
                 </a:ln>
@@ -9847,7 +11594,7 @@
               <a:t>= </a:t>
             </a:r>
             <a:r>
-              <a:rPr kumimoji="0" lang="ru-RU" altLang="ru-RU" sz="2400" b="0" i="0" u="none" strike="noStrike" cap="none" normalizeH="0" baseline="0" dirty="0" err="1">
+              <a:rPr kumimoji="0" lang="ru-RU" altLang="ru-RU" sz="1800" b="0" i="0" u="none" strike="noStrike" cap="none" normalizeH="0" baseline="0" dirty="0" err="1">
                 <a:ln>
                   <a:noFill/>
                 </a:ln>
@@ -9860,7 +11607,7 @@
               <a:t>new</a:t>
             </a:r>
             <a:r>
-              <a:rPr kumimoji="0" lang="ru-RU" altLang="ru-RU" sz="2400" b="0" i="0" u="none" strike="noStrike" cap="none" normalizeH="0" baseline="0" dirty="0">
+              <a:rPr kumimoji="0" lang="ru-RU" altLang="ru-RU" sz="1800" b="0" i="0" u="none" strike="noStrike" cap="none" normalizeH="0" baseline="0" dirty="0">
                 <a:ln>
                   <a:noFill/>
                 </a:ln>
@@ -9873,72 +11620,17 @@
               <a:t> </a:t>
             </a:r>
             <a:r>
-              <a:rPr kumimoji="0" lang="ru-RU" altLang="ru-RU" sz="2400" b="0" i="0" u="none" strike="noStrike" cap="none" normalizeH="0" baseline="0" dirty="0">
-                <a:ln>
-                  <a:noFill/>
-                </a:ln>
-                <a:solidFill>
-                  <a:srgbClr val="72737A"/>
-                </a:solidFill>
-                <a:effectLst/>
-                <a:latin typeface="JetBrains Mono"/>
-              </a:rPr>
-              <a:t>\</a:t>
-            </a:r>
-            <a:r>
-              <a:rPr kumimoji="0" lang="ru-RU" altLang="ru-RU" sz="2400" b="0" i="0" u="none" strike="noStrike" cap="none" normalizeH="0" baseline="0" dirty="0" err="1">
-                <a:ln>
-                  <a:noFill/>
-                </a:ln>
-                <a:solidFill>
-                  <a:srgbClr val="72737A"/>
-                </a:solidFill>
-                <a:effectLst/>
-                <a:latin typeface="JetBrains Mono"/>
-              </a:rPr>
-              <a:t>Igrik</a:t>
-            </a:r>
-            <a:r>
-              <a:rPr kumimoji="0" lang="ru-RU" altLang="ru-RU" sz="2400" b="0" i="0" u="none" strike="noStrike" cap="none" normalizeH="0" baseline="0" dirty="0">
-                <a:ln>
-                  <a:noFill/>
-                </a:ln>
-                <a:solidFill>
-                  <a:srgbClr val="72737A"/>
-                </a:solidFill>
-                <a:effectLst/>
-                <a:latin typeface="JetBrains Mono"/>
-              </a:rPr>
-              <a:t>\</a:t>
-            </a:r>
-            <a:r>
-              <a:rPr kumimoji="0" lang="ru-RU" altLang="ru-RU" sz="2400" b="0" i="0" u="none" strike="noStrike" cap="none" normalizeH="0" baseline="0" dirty="0" err="1">
-                <a:ln>
-                  <a:noFill/>
-                </a:ln>
-                <a:solidFill>
-                  <a:srgbClr val="72737A"/>
-                </a:solidFill>
-                <a:effectLst/>
-                <a:latin typeface="JetBrains Mono"/>
-              </a:rPr>
-              <a:t>Vkr</a:t>
-            </a:r>
-            <a:r>
-              <a:rPr kumimoji="0" lang="ru-RU" altLang="ru-RU" sz="2400" b="0" i="0" u="none" strike="noStrike" cap="none" normalizeH="0" baseline="0" dirty="0">
-                <a:ln>
-                  <a:noFill/>
-                </a:ln>
-                <a:solidFill>
-                  <a:srgbClr val="72737A"/>
-                </a:solidFill>
-                <a:effectLst/>
-                <a:latin typeface="JetBrains Mono"/>
-              </a:rPr>
-              <a:t>\</a:t>
-            </a:r>
-            <a:r>
-              <a:rPr kumimoji="0" lang="ru-RU" altLang="ru-RU" sz="2400" b="0" i="0" u="none" strike="noStrike" cap="none" normalizeH="0" baseline="0" dirty="0" err="1">
+              <a:rPr kumimoji="0" lang="ru-RU" altLang="ru-RU" sz="1800" b="0" i="0" u="none" strike="noStrike" cap="none" normalizeH="0" baseline="0" dirty="0" err="1">
+                <a:ln>
+                  <a:noFill/>
+                </a:ln>
+                <a:effectLst/>
+                <a:latin typeface="JetBrains Mono"/>
+              </a:rPr>
+              <a:t>Cache</a:t>
+            </a:r>
+            <a:r>
+              <a:rPr kumimoji="0" lang="ru-RU" altLang="ru-RU" sz="1800" b="0" i="0" u="none" strike="noStrike" cap="none" normalizeH="0" baseline="0" dirty="0">
                 <a:ln>
                   <a:noFill/>
                 </a:ln>
@@ -9948,10 +11640,107 @@
                 <a:effectLst/>
                 <a:latin typeface="JetBrains Mono"/>
               </a:rPr>
-              <a:t>Cache</a:t>
-            </a:r>
-            <a:r>
-              <a:rPr kumimoji="0" lang="ru-RU" altLang="ru-RU" sz="2400" b="0" i="0" u="none" strike="noStrike" cap="none" normalizeH="0" baseline="0" dirty="0">
+              <a:t>( </a:t>
+            </a:r>
+            <a:r>
+              <a:rPr kumimoji="0" lang="ru-RU" altLang="ru-RU" sz="1800" b="0" i="0" u="none" strike="noStrike" cap="none" normalizeH="0" baseline="0" dirty="0">
+                <a:ln>
+                  <a:noFill/>
+                </a:ln>
+                <a:solidFill>
+                  <a:srgbClr val="9876AA"/>
+                </a:solidFill>
+                <a:effectLst/>
+                <a:latin typeface="JetBrains Mono"/>
+              </a:rPr>
+              <a:t>$</a:t>
+            </a:r>
+            <a:r>
+              <a:rPr kumimoji="0" lang="ru-RU" altLang="ru-RU" sz="1800" b="0" i="0" u="none" strike="noStrike" cap="none" normalizeH="0" baseline="0" dirty="0" err="1">
+                <a:ln>
+                  <a:noFill/>
+                </a:ln>
+                <a:solidFill>
+                  <a:srgbClr val="9876AA"/>
+                </a:solidFill>
+                <a:effectLst/>
+                <a:latin typeface="JetBrains Mono"/>
+              </a:rPr>
+              <a:t>keyData</a:t>
+            </a:r>
+            <a:r>
+              <a:rPr kumimoji="0" lang="ru-RU" altLang="ru-RU" sz="1800" b="0" i="0" u="none" strike="noStrike" cap="none" normalizeH="0" baseline="0" dirty="0">
+                <a:ln>
+                  <a:noFill/>
+                </a:ln>
+                <a:solidFill>
+                  <a:srgbClr val="CC7832"/>
+                </a:solidFill>
+                <a:effectLst/>
+                <a:latin typeface="JetBrains Mono"/>
+              </a:rPr>
+              <a:t>, </a:t>
+            </a:r>
+            <a:r>
+              <a:rPr lang="ru-RU" altLang="ru-RU" sz="1800" dirty="0">
+                <a:solidFill>
+                  <a:srgbClr val="9876AA"/>
+                </a:solidFill>
+                <a:latin typeface="JetBrains Mono"/>
+              </a:rPr>
+              <a:t>$</a:t>
+            </a:r>
+            <a:r>
+              <a:rPr lang="ru-RU" altLang="ru-RU" sz="1800" dirty="0" err="1">
+                <a:solidFill>
+                  <a:srgbClr val="9876AA"/>
+                </a:solidFill>
+                <a:latin typeface="JetBrains Mono"/>
+              </a:rPr>
+              <a:t>ttl</a:t>
+            </a:r>
+            <a:r>
+              <a:rPr kumimoji="0" lang="ru-RU" altLang="ru-RU" sz="1800" b="0" i="0" u="none" strike="noStrike" cap="none" normalizeH="0" baseline="0" dirty="0">
+                <a:ln>
+                  <a:noFill/>
+                </a:ln>
+                <a:solidFill>
+                  <a:srgbClr val="CC7832"/>
+                </a:solidFill>
+                <a:effectLst/>
+                <a:latin typeface="JetBrains Mono"/>
+              </a:rPr>
+              <a:t>, </a:t>
+            </a:r>
+            <a:r>
+              <a:rPr lang="ru-RU" altLang="ru-RU" sz="1800" dirty="0">
+                <a:solidFill>
+                  <a:srgbClr val="9876AA"/>
+                </a:solidFill>
+                <a:latin typeface="JetBrains Mono"/>
+              </a:rPr>
+              <a:t>$</a:t>
+            </a:r>
+            <a:r>
+              <a:rPr lang="ru-RU" altLang="ru-RU" sz="1800" dirty="0" err="1">
+                <a:solidFill>
+                  <a:srgbClr val="9876AA"/>
+                </a:solidFill>
+                <a:latin typeface="JetBrains Mono"/>
+              </a:rPr>
+              <a:t>tag</a:t>
+            </a:r>
+            <a:r>
+              <a:rPr lang="ru-RU" altLang="ru-RU" sz="1800" dirty="0">
+                <a:solidFill>
+                  <a:srgbClr val="9876AA"/>
+                </a:solidFill>
+                <a:latin typeface="JetBrains Mono"/>
+              </a:rPr>
+              <a:t> </a:t>
+            </a:r>
+            <a:r>
+              <a:rPr kumimoji="0" lang="ru-RU" altLang="ru-RU" sz="1800" b="0" i="0" u="none" strike="noStrike" cap="none" normalizeH="0" baseline="0" dirty="0">
                 <a:ln>
                   <a:noFill/>
                 </a:ln>
@@ -9961,120 +11750,10 @@
                 <a:effectLst/>
                 <a:latin typeface="JetBrains Mono"/>
               </a:rPr>
-              <a:t>( </a:t>
-            </a:r>
-            <a:r>
-              <a:rPr kumimoji="0" lang="ru-RU" altLang="ru-RU" sz="2400" b="0" i="0" u="none" strike="noStrike" cap="none" normalizeH="0" baseline="0" dirty="0">
-                <a:ln>
-                  <a:noFill/>
-                </a:ln>
-                <a:solidFill>
-                  <a:srgbClr val="9876AA"/>
-                </a:solidFill>
-                <a:effectLst/>
-                <a:latin typeface="JetBrains Mono"/>
-              </a:rPr>
-              <a:t>$</a:t>
-            </a:r>
-            <a:r>
-              <a:rPr kumimoji="0" lang="ru-RU" altLang="ru-RU" sz="2400" b="0" i="0" u="none" strike="noStrike" cap="none" normalizeH="0" baseline="0" dirty="0" err="1">
-                <a:ln>
-                  <a:noFill/>
-                </a:ln>
-                <a:solidFill>
-                  <a:srgbClr val="9876AA"/>
-                </a:solidFill>
-                <a:effectLst/>
-                <a:latin typeface="JetBrains Mono"/>
-              </a:rPr>
-              <a:t>keyData</a:t>
-            </a:r>
-            <a:r>
-              <a:rPr kumimoji="0" lang="ru-RU" altLang="ru-RU" sz="2400" b="0" i="0" u="none" strike="noStrike" cap="none" normalizeH="0" baseline="0" dirty="0">
-                <a:ln>
-                  <a:noFill/>
-                </a:ln>
-                <a:solidFill>
-                  <a:srgbClr val="CC7832"/>
-                </a:solidFill>
-                <a:effectLst/>
-                <a:latin typeface="JetBrains Mono"/>
-              </a:rPr>
-              <a:t>, </a:t>
-            </a:r>
-            <a:r>
-              <a:rPr lang="ru-RU" altLang="ru-RU" sz="2400" dirty="0">
-                <a:solidFill>
-                  <a:srgbClr val="9876AA"/>
-                </a:solidFill>
-                <a:latin typeface="JetBrains Mono"/>
-              </a:rPr>
-              <a:t>$</a:t>
-            </a:r>
-            <a:r>
-              <a:rPr lang="ru-RU" altLang="ru-RU" sz="2400" dirty="0" err="1">
-                <a:solidFill>
-                  <a:srgbClr val="9876AA"/>
-                </a:solidFill>
-                <a:latin typeface="JetBrains Mono"/>
-              </a:rPr>
-              <a:t>ttl</a:t>
-            </a:r>
-            <a:r>
-              <a:rPr kumimoji="0" lang="ru-RU" altLang="ru-RU" sz="2400" b="0" i="0" u="none" strike="noStrike" cap="none" normalizeH="0" baseline="0" dirty="0">
-                <a:ln>
-                  <a:noFill/>
-                </a:ln>
-                <a:solidFill>
-                  <a:srgbClr val="CC7832"/>
-                </a:solidFill>
-                <a:effectLst/>
-                <a:latin typeface="JetBrains Mono"/>
-              </a:rPr>
-              <a:t>, </a:t>
-            </a:r>
-            <a:r>
-              <a:rPr lang="ru-RU" altLang="ru-RU" sz="2400" dirty="0">
-                <a:solidFill>
-                  <a:srgbClr val="9876AA"/>
-                </a:solidFill>
-                <a:latin typeface="JetBrains Mono"/>
-              </a:rPr>
-              <a:t>$</a:t>
-            </a:r>
-            <a:r>
-              <a:rPr lang="ru-RU" altLang="ru-RU" sz="2400" dirty="0" err="1">
-                <a:solidFill>
-                  <a:srgbClr val="9876AA"/>
-                </a:solidFill>
-                <a:latin typeface="JetBrains Mono"/>
-              </a:rPr>
-              <a:t>tag</a:t>
-            </a:r>
-            <a:r>
-              <a:rPr lang="ru-RU" altLang="ru-RU" sz="2400" dirty="0">
-                <a:solidFill>
-                  <a:srgbClr val="9876AA"/>
-                </a:solidFill>
-                <a:latin typeface="JetBrains Mono"/>
-              </a:rPr>
-              <a:t> </a:t>
-            </a:r>
-            <a:r>
-              <a:rPr kumimoji="0" lang="ru-RU" altLang="ru-RU" sz="2400" b="0" i="0" u="none" strike="noStrike" cap="none" normalizeH="0" baseline="0" dirty="0">
-                <a:ln>
-                  <a:noFill/>
-                </a:ln>
-                <a:solidFill>
-                  <a:srgbClr val="A9B7C6"/>
-                </a:solidFill>
-                <a:effectLst/>
-                <a:latin typeface="JetBrains Mono"/>
-              </a:rPr>
               <a:t>)</a:t>
             </a:r>
             <a:r>
-              <a:rPr kumimoji="0" lang="ru-RU" altLang="ru-RU" sz="2400" b="0" i="0" u="none" strike="noStrike" cap="none" normalizeH="0" baseline="0" dirty="0">
+              <a:rPr kumimoji="0" lang="ru-RU" altLang="ru-RU" sz="1800" b="0" i="0" u="none" strike="noStrike" cap="none" normalizeH="0" baseline="0" dirty="0">
                 <a:ln>
                   <a:noFill/>
                 </a:ln>
@@ -10097,7 +11776,7 @@
               </a:spcAft>
             </a:pPr>
             <a:br>
-              <a:rPr kumimoji="0" lang="ru-RU" altLang="ru-RU" sz="2400" b="0" i="0" u="none" strike="noStrike" cap="none" normalizeH="0" baseline="0" dirty="0">
+              <a:rPr kumimoji="0" lang="ru-RU" altLang="ru-RU" sz="1800" b="0" i="0" u="none" strike="noStrike" cap="none" normalizeH="0" baseline="0" dirty="0">
                 <a:ln>
                   <a:noFill/>
                 </a:ln>
@@ -10109,7 +11788,7 @@
               </a:rPr>
             </a:br>
             <a:r>
-              <a:rPr kumimoji="0" lang="ru-RU" altLang="ru-RU" sz="2400" b="0" i="0" u="none" strike="noStrike" cap="none" normalizeH="0" baseline="0" dirty="0" err="1">
+              <a:rPr kumimoji="0" lang="ru-RU" altLang="ru-RU" sz="1800" b="0" i="0" u="none" strike="noStrike" cap="none" normalizeH="0" baseline="0" dirty="0" err="1">
                 <a:ln>
                   <a:noFill/>
                 </a:ln>
@@ -10122,7 +11801,7 @@
               <a:t>if</a:t>
             </a:r>
             <a:r>
-              <a:rPr kumimoji="0" lang="ru-RU" altLang="ru-RU" sz="2400" b="0" i="0" u="none" strike="noStrike" cap="none" normalizeH="0" baseline="0" dirty="0">
+              <a:rPr kumimoji="0" lang="ru-RU" altLang="ru-RU" sz="1800" b="0" i="0" u="none" strike="noStrike" cap="none" normalizeH="0" baseline="0" dirty="0">
                 <a:ln>
                   <a:noFill/>
                 </a:ln>
@@ -10135,7 +11814,7 @@
               <a:t>( !</a:t>
             </a:r>
             <a:r>
-              <a:rPr kumimoji="0" lang="ru-RU" altLang="ru-RU" sz="2400" b="0" i="0" u="none" strike="noStrike" cap="none" normalizeH="0" baseline="0" dirty="0">
+              <a:rPr kumimoji="0" lang="ru-RU" altLang="ru-RU" sz="1800" b="0" i="0" u="none" strike="noStrike" cap="none" normalizeH="0" baseline="0" dirty="0">
                 <a:ln>
                   <a:noFill/>
                 </a:ln>
@@ -10148,7 +11827,7 @@
               <a:t>$</a:t>
             </a:r>
             <a:r>
-              <a:rPr kumimoji="0" lang="ru-RU" altLang="ru-RU" sz="2400" b="0" i="0" u="none" strike="noStrike" cap="none" normalizeH="0" baseline="0" dirty="0" err="1">
+              <a:rPr kumimoji="0" lang="ru-RU" altLang="ru-RU" sz="1800" b="0" i="0" u="none" strike="noStrike" cap="none" normalizeH="0" baseline="0" dirty="0" err="1">
                 <a:ln>
                   <a:noFill/>
                 </a:ln>
@@ -10161,7 +11840,7 @@
               <a:t>data</a:t>
             </a:r>
             <a:r>
-              <a:rPr kumimoji="0" lang="ru-RU" altLang="ru-RU" sz="2400" b="0" i="0" u="none" strike="noStrike" cap="none" normalizeH="0" baseline="0" dirty="0">
+              <a:rPr kumimoji="0" lang="ru-RU" altLang="ru-RU" sz="1800" b="0" i="0" u="none" strike="noStrike" cap="none" normalizeH="0" baseline="0" dirty="0">
                 <a:ln>
                   <a:noFill/>
                 </a:ln>
@@ -10174,7 +11853,7 @@
               <a:t> </a:t>
             </a:r>
             <a:r>
-              <a:rPr kumimoji="0" lang="ru-RU" altLang="ru-RU" sz="2400" b="0" i="0" u="none" strike="noStrike" cap="none" normalizeH="0" baseline="0" dirty="0">
+              <a:rPr kumimoji="0" lang="ru-RU" altLang="ru-RU" sz="1800" b="0" i="0" u="none" strike="noStrike" cap="none" normalizeH="0" baseline="0" dirty="0">
                 <a:ln>
                   <a:noFill/>
                 </a:ln>
@@ -10187,7 +11866,7 @@
               <a:t>= </a:t>
             </a:r>
             <a:r>
-              <a:rPr kumimoji="0" lang="ru-RU" altLang="ru-RU" sz="2400" b="0" i="0" u="none" strike="noStrike" cap="none" normalizeH="0" baseline="0" dirty="0">
+              <a:rPr kumimoji="0" lang="ru-RU" altLang="ru-RU" sz="1800" b="0" i="0" u="none" strike="noStrike" cap="none" normalizeH="0" baseline="0" dirty="0">
                 <a:ln>
                   <a:noFill/>
                 </a:ln>
@@ -10200,7 +11879,7 @@
               <a:t>$</a:t>
             </a:r>
             <a:r>
-              <a:rPr kumimoji="0" lang="ru-RU" altLang="ru-RU" sz="2400" b="0" i="0" u="none" strike="noStrike" cap="none" normalizeH="0" baseline="0" dirty="0" err="1">
+              <a:rPr kumimoji="0" lang="ru-RU" altLang="ru-RU" sz="1800" b="0" i="0" u="none" strike="noStrike" cap="none" normalizeH="0" baseline="0" dirty="0" err="1">
                 <a:ln>
                   <a:noFill/>
                 </a:ln>
@@ -10213,7 +11892,7 @@
               <a:t>cache</a:t>
             </a:r>
             <a:r>
-              <a:rPr kumimoji="0" lang="ru-RU" altLang="ru-RU" sz="2400" b="0" i="0" u="none" strike="noStrike" cap="none" normalizeH="0" baseline="0" dirty="0">
+              <a:rPr kumimoji="0" lang="ru-RU" altLang="ru-RU" sz="1800" b="0" i="0" u="none" strike="noStrike" cap="none" normalizeH="0" baseline="0" dirty="0">
                 <a:ln>
                   <a:noFill/>
                 </a:ln>
@@ -10226,7 +11905,7 @@
               <a:t>-&gt;</a:t>
             </a:r>
             <a:r>
-              <a:rPr kumimoji="0" lang="ru-RU" altLang="ru-RU" sz="2400" b="0" i="0" u="none" strike="noStrike" cap="none" normalizeH="0" baseline="0" dirty="0" err="1">
+              <a:rPr kumimoji="0" lang="ru-RU" altLang="ru-RU" sz="1800" b="0" i="0" u="none" strike="noStrike" cap="none" normalizeH="0" baseline="0" dirty="0" err="1">
                 <a:ln>
                   <a:noFill/>
                 </a:ln>
@@ -10239,7 +11918,7 @@
               <a:t>getCache</a:t>
             </a:r>
             <a:r>
-              <a:rPr kumimoji="0" lang="ru-RU" altLang="ru-RU" sz="2400" b="0" i="0" u="none" strike="noStrike" cap="none" normalizeH="0" baseline="0" dirty="0">
+              <a:rPr kumimoji="0" lang="ru-RU" altLang="ru-RU" sz="1800" b="0" i="0" u="none" strike="noStrike" cap="none" normalizeH="0" baseline="0" dirty="0">
                 <a:ln>
                   <a:noFill/>
                 </a:ln>
@@ -10252,7 +11931,7 @@
               <a:t>() ){</a:t>
             </a:r>
             <a:br>
-              <a:rPr kumimoji="0" lang="ru-RU" altLang="ru-RU" sz="2400" b="0" i="0" u="none" strike="noStrike" cap="none" normalizeH="0" baseline="0" dirty="0">
+              <a:rPr kumimoji="0" lang="ru-RU" altLang="ru-RU" sz="1800" b="0" i="0" u="none" strike="noStrike" cap="none" normalizeH="0" baseline="0" dirty="0">
                 <a:ln>
                   <a:noFill/>
                 </a:ln>
@@ -10264,7 +11943,7 @@
               </a:rPr>
             </a:br>
             <a:r>
-              <a:rPr kumimoji="0" lang="ru-RU" altLang="ru-RU" sz="2400" b="0" i="0" u="none" strike="noStrike" cap="none" normalizeH="0" baseline="0" dirty="0">
+              <a:rPr kumimoji="0" lang="ru-RU" altLang="ru-RU" sz="1800" b="0" i="0" u="none" strike="noStrike" cap="none" normalizeH="0" baseline="0" dirty="0">
                 <a:ln>
                   <a:noFill/>
                 </a:ln>
@@ -10277,7 +11956,7 @@
               <a:t>    </a:t>
             </a:r>
             <a:r>
-              <a:rPr kumimoji="0" lang="ru-RU" altLang="ru-RU" sz="2400" b="0" i="0" u="none" strike="noStrike" cap="none" normalizeH="0" baseline="0" dirty="0">
+              <a:rPr kumimoji="0" lang="ru-RU" altLang="ru-RU" sz="1800" b="0" i="0" u="none" strike="noStrike" cap="none" normalizeH="0" baseline="0" dirty="0">
                 <a:ln>
                   <a:noFill/>
                 </a:ln>
@@ -10290,7 +11969,7 @@
               <a:t>$</a:t>
             </a:r>
             <a:r>
-              <a:rPr kumimoji="0" lang="ru-RU" altLang="ru-RU" sz="2400" b="0" i="0" u="none" strike="noStrike" cap="none" normalizeH="0" baseline="0" dirty="0" err="1">
+              <a:rPr kumimoji="0" lang="ru-RU" altLang="ru-RU" sz="1800" b="0" i="0" u="none" strike="noStrike" cap="none" normalizeH="0" baseline="0" dirty="0" err="1">
                 <a:ln>
                   <a:noFill/>
                 </a:ln>
@@ -10303,7 +11982,7 @@
               <a:t>data</a:t>
             </a:r>
             <a:r>
-              <a:rPr kumimoji="0" lang="ru-RU" altLang="ru-RU" sz="2400" b="0" i="0" u="none" strike="noStrike" cap="none" normalizeH="0" baseline="0" dirty="0">
+              <a:rPr kumimoji="0" lang="ru-RU" altLang="ru-RU" sz="1800" b="0" i="0" u="none" strike="noStrike" cap="none" normalizeH="0" baseline="0" dirty="0">
                 <a:ln>
                   <a:noFill/>
                 </a:ln>
@@ -10316,7 +11995,7 @@
               <a:t> </a:t>
             </a:r>
             <a:r>
-              <a:rPr kumimoji="0" lang="ru-RU" altLang="ru-RU" sz="2400" b="0" i="0" u="none" strike="noStrike" cap="none" normalizeH="0" baseline="0" dirty="0">
+              <a:rPr kumimoji="0" lang="ru-RU" altLang="ru-RU" sz="1800" b="0" i="0" u="none" strike="noStrike" cap="none" normalizeH="0" baseline="0" dirty="0">
                 <a:ln>
                   <a:noFill/>
                 </a:ln>
@@ -10329,7 +12008,7 @@
               <a:t>= [</a:t>
             </a:r>
             <a:r>
-              <a:rPr kumimoji="0" lang="ru-RU" altLang="ru-RU" sz="2400" b="0" i="0" u="none" strike="noStrike" cap="none" normalizeH="0" baseline="0" dirty="0">
+              <a:rPr kumimoji="0" lang="ru-RU" altLang="ru-RU" sz="1800" b="0" i="0" u="none" strike="noStrike" cap="none" normalizeH="0" baseline="0" dirty="0">
                 <a:ln>
                   <a:noFill/>
                 </a:ln>
@@ -10342,7 +12021,7 @@
               <a:t>'Орёл'</a:t>
             </a:r>
             <a:r>
-              <a:rPr kumimoji="0" lang="ru-RU" altLang="ru-RU" sz="2400" b="0" i="0" u="none" strike="noStrike" cap="none" normalizeH="0" baseline="0" dirty="0">
+              <a:rPr kumimoji="0" lang="ru-RU" altLang="ru-RU" sz="1800" b="0" i="0" u="none" strike="noStrike" cap="none" normalizeH="0" baseline="0" dirty="0">
                 <a:ln>
                   <a:noFill/>
                 </a:ln>
@@ -10355,7 +12034,7 @@
               <a:t>, </a:t>
             </a:r>
             <a:r>
-              <a:rPr kumimoji="0" lang="ru-RU" altLang="ru-RU" sz="2400" b="0" i="0" u="none" strike="noStrike" cap="none" normalizeH="0" baseline="0" dirty="0">
+              <a:rPr kumimoji="0" lang="ru-RU" altLang="ru-RU" sz="1800" b="0" i="0" u="none" strike="noStrike" cap="none" normalizeH="0" baseline="0" dirty="0">
                 <a:ln>
                   <a:noFill/>
                 </a:ln>
@@ -10368,7 +12047,7 @@
               <a:t>'Брянск'</a:t>
             </a:r>
             <a:r>
-              <a:rPr kumimoji="0" lang="ru-RU" altLang="ru-RU" sz="2400" b="0" i="0" u="none" strike="noStrike" cap="none" normalizeH="0" baseline="0" dirty="0">
+              <a:rPr kumimoji="0" lang="ru-RU" altLang="ru-RU" sz="1800" b="0" i="0" u="none" strike="noStrike" cap="none" normalizeH="0" baseline="0" dirty="0">
                 <a:ln>
                   <a:noFill/>
                 </a:ln>
@@ -10381,7 +12060,7 @@
               <a:t>, </a:t>
             </a:r>
             <a:r>
-              <a:rPr kumimoji="0" lang="ru-RU" altLang="ru-RU" sz="2400" b="0" i="0" u="none" strike="noStrike" cap="none" normalizeH="0" baseline="0" dirty="0">
+              <a:rPr kumimoji="0" lang="ru-RU" altLang="ru-RU" sz="1800" b="0" i="0" u="none" strike="noStrike" cap="none" normalizeH="0" baseline="0" dirty="0">
                 <a:ln>
                   <a:noFill/>
                 </a:ln>
@@ -10394,7 +12073,7 @@
               <a:t>'Москва'</a:t>
             </a:r>
             <a:r>
-              <a:rPr kumimoji="0" lang="ru-RU" altLang="ru-RU" sz="2400" b="0" i="0" u="none" strike="noStrike" cap="none" normalizeH="0" baseline="0" dirty="0">
+              <a:rPr kumimoji="0" lang="ru-RU" altLang="ru-RU" sz="1800" b="0" i="0" u="none" strike="noStrike" cap="none" normalizeH="0" baseline="0" dirty="0">
                 <a:ln>
                   <a:noFill/>
                 </a:ln>
@@ -10407,7 +12086,7 @@
               <a:t>, </a:t>
             </a:r>
             <a:r>
-              <a:rPr kumimoji="0" lang="ru-RU" altLang="ru-RU" sz="2400" b="0" i="0" u="none" strike="noStrike" cap="none" normalizeH="0" baseline="0" dirty="0">
+              <a:rPr kumimoji="0" lang="ru-RU" altLang="ru-RU" sz="1800" b="0" i="0" u="none" strike="noStrike" cap="none" normalizeH="0" baseline="0" dirty="0">
                 <a:ln>
                   <a:noFill/>
                 </a:ln>
@@ -10420,7 +12099,7 @@
               <a:t>'Тула'</a:t>
             </a:r>
             <a:r>
-              <a:rPr kumimoji="0" lang="ru-RU" altLang="ru-RU" sz="2400" b="0" i="0" u="none" strike="noStrike" cap="none" normalizeH="0" baseline="0" dirty="0">
+              <a:rPr kumimoji="0" lang="ru-RU" altLang="ru-RU" sz="1800" b="0" i="0" u="none" strike="noStrike" cap="none" normalizeH="0" baseline="0" dirty="0">
                 <a:ln>
                   <a:noFill/>
                 </a:ln>
@@ -10433,7 +12112,7 @@
               <a:t>]</a:t>
             </a:r>
             <a:r>
-              <a:rPr kumimoji="0" lang="ru-RU" altLang="ru-RU" sz="2400" b="0" i="0" u="none" strike="noStrike" cap="none" normalizeH="0" baseline="0" dirty="0">
+              <a:rPr kumimoji="0" lang="ru-RU" altLang="ru-RU" sz="1800" b="0" i="0" u="none" strike="noStrike" cap="none" normalizeH="0" baseline="0" dirty="0">
                 <a:ln>
                   <a:noFill/>
                 </a:ln>
@@ -10446,7 +12125,7 @@
               <a:t>;</a:t>
             </a:r>
             <a:br>
-              <a:rPr kumimoji="0" lang="ru-RU" altLang="ru-RU" sz="2400" b="0" i="0" u="none" strike="noStrike" cap="none" normalizeH="0" baseline="0" dirty="0">
+              <a:rPr kumimoji="0" lang="ru-RU" altLang="ru-RU" sz="1800" b="0" i="0" u="none" strike="noStrike" cap="none" normalizeH="0" baseline="0" dirty="0">
                 <a:ln>
                   <a:noFill/>
                 </a:ln>
@@ -10458,7 +12137,7 @@
               </a:rPr>
             </a:br>
             <a:r>
-              <a:rPr kumimoji="0" lang="ru-RU" altLang="ru-RU" sz="2400" b="0" i="0" u="none" strike="noStrike" cap="none" normalizeH="0" baseline="0" dirty="0">
+              <a:rPr kumimoji="0" lang="ru-RU" altLang="ru-RU" sz="1800" b="0" i="0" u="none" strike="noStrike" cap="none" normalizeH="0" baseline="0" dirty="0">
                 <a:ln>
                   <a:noFill/>
                 </a:ln>
@@ -10471,7 +12150,7 @@
               <a:t>    </a:t>
             </a:r>
             <a:r>
-              <a:rPr kumimoji="0" lang="ru-RU" altLang="ru-RU" sz="2400" b="0" i="0" u="none" strike="noStrike" cap="none" normalizeH="0" baseline="0" dirty="0">
+              <a:rPr kumimoji="0" lang="ru-RU" altLang="ru-RU" sz="1800" b="0" i="0" u="none" strike="noStrike" cap="none" normalizeH="0" baseline="0" dirty="0">
                 <a:ln>
                   <a:noFill/>
                 </a:ln>
@@ -10484,7 +12163,7 @@
               <a:t>$</a:t>
             </a:r>
             <a:r>
-              <a:rPr kumimoji="0" lang="ru-RU" altLang="ru-RU" sz="2400" b="0" i="0" u="none" strike="noStrike" cap="none" normalizeH="0" baseline="0" dirty="0" err="1">
+              <a:rPr kumimoji="0" lang="ru-RU" altLang="ru-RU" sz="1800" b="0" i="0" u="none" strike="noStrike" cap="none" normalizeH="0" baseline="0" dirty="0" err="1">
                 <a:ln>
                   <a:noFill/>
                 </a:ln>
@@ -10497,7 +12176,7 @@
               <a:t>cache</a:t>
             </a:r>
             <a:r>
-              <a:rPr kumimoji="0" lang="ru-RU" altLang="ru-RU" sz="2400" b="0" i="0" u="none" strike="noStrike" cap="none" normalizeH="0" baseline="0" dirty="0">
+              <a:rPr kumimoji="0" lang="ru-RU" altLang="ru-RU" sz="1800" b="0" i="0" u="none" strike="noStrike" cap="none" normalizeH="0" baseline="0" dirty="0">
                 <a:ln>
                   <a:noFill/>
                 </a:ln>
@@ -10510,20 +12189,17 @@
               <a:t>-&gt;</a:t>
             </a:r>
             <a:r>
-              <a:rPr kumimoji="0" lang="ru-RU" altLang="ru-RU" sz="2400" b="0" i="0" u="none" strike="noStrike" cap="none" normalizeH="0" baseline="0" dirty="0" err="1">
-                <a:ln>
-                  <a:noFill/>
-                </a:ln>
-                <a:solidFill>
-                  <a:srgbClr val="FFC66D"/>
-                </a:solidFill>
+              <a:rPr kumimoji="0" lang="ru-RU" altLang="ru-RU" sz="1800" b="0" i="0" u="none" strike="noStrike" cap="none" normalizeH="0" baseline="0" dirty="0" err="1">
+                <a:ln>
+                  <a:noFill/>
+                </a:ln>
                 <a:effectLst/>
                 <a:latin typeface="JetBrains Mono"/>
               </a:rPr>
               <a:t>setCache</a:t>
             </a:r>
             <a:r>
-              <a:rPr kumimoji="0" lang="ru-RU" altLang="ru-RU" sz="2400" b="0" i="0" u="none" strike="noStrike" cap="none" normalizeH="0" baseline="0" dirty="0">
+              <a:rPr kumimoji="0" lang="ru-RU" altLang="ru-RU" sz="1800" b="0" i="0" u="none" strike="noStrike" cap="none" normalizeH="0" baseline="0" dirty="0">
                 <a:ln>
                   <a:noFill/>
                 </a:ln>
@@ -10536,7 +12212,7 @@
               <a:t>(</a:t>
             </a:r>
             <a:r>
-              <a:rPr kumimoji="0" lang="ru-RU" altLang="ru-RU" sz="2400" b="0" i="0" u="none" strike="noStrike" cap="none" normalizeH="0" baseline="0" dirty="0">
+              <a:rPr kumimoji="0" lang="ru-RU" altLang="ru-RU" sz="1800" b="0" i="0" u="none" strike="noStrike" cap="none" normalizeH="0" baseline="0" dirty="0">
                 <a:ln>
                   <a:noFill/>
                 </a:ln>
@@ -10549,7 +12225,7 @@
               <a:t>$</a:t>
             </a:r>
             <a:r>
-              <a:rPr kumimoji="0" lang="ru-RU" altLang="ru-RU" sz="2400" b="0" i="0" u="none" strike="noStrike" cap="none" normalizeH="0" baseline="0" dirty="0" err="1">
+              <a:rPr kumimoji="0" lang="ru-RU" altLang="ru-RU" sz="1800" b="0" i="0" u="none" strike="noStrike" cap="none" normalizeH="0" baseline="0" dirty="0" err="1">
                 <a:ln>
                   <a:noFill/>
                 </a:ln>
@@ -10562,7 +12238,7 @@
               <a:t>data</a:t>
             </a:r>
             <a:r>
-              <a:rPr kumimoji="0" lang="ru-RU" altLang="ru-RU" sz="2400" b="0" i="0" u="none" strike="noStrike" cap="none" normalizeH="0" baseline="0" dirty="0">
+              <a:rPr kumimoji="0" lang="ru-RU" altLang="ru-RU" sz="1800" b="0" i="0" u="none" strike="noStrike" cap="none" normalizeH="0" baseline="0" dirty="0">
                 <a:ln>
                   <a:noFill/>
                 </a:ln>
@@ -10575,7 +12251,7 @@
               <a:t>)</a:t>
             </a:r>
             <a:r>
-              <a:rPr kumimoji="0" lang="ru-RU" altLang="ru-RU" sz="2400" b="0" i="0" u="none" strike="noStrike" cap="none" normalizeH="0" baseline="0" dirty="0">
+              <a:rPr kumimoji="0" lang="ru-RU" altLang="ru-RU" sz="1800" b="0" i="0" u="none" strike="noStrike" cap="none" normalizeH="0" baseline="0" dirty="0">
                 <a:ln>
                   <a:noFill/>
                 </a:ln>
@@ -10588,7 +12264,7 @@
               <a:t>;</a:t>
             </a:r>
             <a:br>
-              <a:rPr kumimoji="0" lang="ru-RU" altLang="ru-RU" sz="2400" b="0" i="0" u="none" strike="noStrike" cap="none" normalizeH="0" baseline="0" dirty="0">
+              <a:rPr kumimoji="0" lang="ru-RU" altLang="ru-RU" sz="1800" b="0" i="0" u="none" strike="noStrike" cap="none" normalizeH="0" baseline="0" dirty="0">
                 <a:ln>
                   <a:noFill/>
                 </a:ln>
@@ -10600,7 +12276,7 @@
               </a:rPr>
             </a:br>
             <a:r>
-              <a:rPr kumimoji="0" lang="ru-RU" altLang="ru-RU" sz="2400" b="0" i="0" u="none" strike="noStrike" cap="none" normalizeH="0" baseline="0" dirty="0">
+              <a:rPr kumimoji="0" lang="ru-RU" altLang="ru-RU" sz="1800" b="0" i="0" u="none" strike="noStrike" cap="none" normalizeH="0" baseline="0" dirty="0">
                 <a:ln>
                   <a:noFill/>
                 </a:ln>
@@ -10612,7 +12288,7 @@
               </a:rPr>
               <a:t>}</a:t>
             </a:r>
-            <a:endParaRPr kumimoji="0" lang="ru-RU" altLang="ru-RU" sz="2400" b="0" i="0" u="none" strike="noStrike" cap="none" normalizeH="0" baseline="0" dirty="0">
+            <a:endParaRPr kumimoji="0" lang="ru-RU" altLang="ru-RU" sz="1800" b="0" i="0" u="none" strike="noStrike" cap="none" normalizeH="0" baseline="0" dirty="0">
               <a:ln>
                 <a:noFill/>
               </a:ln>

--- a/ВКР_5.pptx
+++ b/ВКР_5.pptx
@@ -9603,7 +9603,7 @@
         <p:spPr>
           <a:xfrm>
             <a:off x="752475" y="1507067"/>
-            <a:ext cx="10868025" cy="4247317"/>
+            <a:ext cx="10868025" cy="3693319"/>
           </a:xfrm>
           <a:prstGeom prst="rect">
             <a:avLst/>
@@ -9665,13 +9665,8 @@
                 <a:ea typeface="Calibri" panose="020F0502020204030204" pitchFamily="34" charset="0"/>
                 <a:cs typeface="Times New Roman CYR" panose="02020603050405020304" pitchFamily="18" charset="0"/>
               </a:rPr>
-              <a:t>, как основной инструмент работы с базами данных, играет первостепенную роль в вопросе разработки СУБД, а также в администрировании баз данных. Так как базы данных во многих сферах могут достигать очень больших объемов, то естественно встает вопрос об эффективной, с точки зрения быстродействия, работы с этими данными.</a:t>
-            </a:r>
-            <a:endParaRPr lang="ru-RU" sz="1800" dirty="0">
-              <a:effectLst/>
-              <a:latin typeface="Times New Roman" panose="02020603050405020304" pitchFamily="18" charset="0"/>
-              <a:ea typeface="Calibri" panose="020F0502020204030204" pitchFamily="34" charset="0"/>
-            </a:endParaRPr>
+              <a:t>, как основной инструмент работы с базами данных, играет первостепенную роль в вопросе разработки СУБД, а также в администрировании баз данных. </a:t>
+            </a:r>
           </a:p>
           <a:p>
             <a:endParaRPr lang="ru-RU" dirty="0"/>

--- a/ВКР_5.pptx
+++ b/ВКР_5.pptx
@@ -5,23 +5,24 @@
     <p:sldMasterId id="2147483669" r:id="rId1"/>
   </p:sldMasterIdLst>
   <p:notesMasterIdLst>
-    <p:notesMasterId r:id="rId16"/>
+    <p:notesMasterId r:id="rId17"/>
   </p:notesMasterIdLst>
   <p:sldIdLst>
     <p:sldId id="272" r:id="rId2"/>
     <p:sldId id="292" r:id="rId3"/>
     <p:sldId id="295" r:id="rId4"/>
-    <p:sldId id="325" r:id="rId5"/>
-    <p:sldId id="321" r:id="rId6"/>
-    <p:sldId id="302" r:id="rId7"/>
-    <p:sldId id="322" r:id="rId8"/>
-    <p:sldId id="324" r:id="rId9"/>
-    <p:sldId id="314" r:id="rId10"/>
-    <p:sldId id="326" r:id="rId11"/>
-    <p:sldId id="305" r:id="rId12"/>
-    <p:sldId id="327" r:id="rId13"/>
-    <p:sldId id="317" r:id="rId14"/>
-    <p:sldId id="323" r:id="rId15"/>
+    <p:sldId id="328" r:id="rId5"/>
+    <p:sldId id="325" r:id="rId6"/>
+    <p:sldId id="321" r:id="rId7"/>
+    <p:sldId id="302" r:id="rId8"/>
+    <p:sldId id="322" r:id="rId9"/>
+    <p:sldId id="324" r:id="rId10"/>
+    <p:sldId id="314" r:id="rId11"/>
+    <p:sldId id="326" r:id="rId12"/>
+    <p:sldId id="305" r:id="rId13"/>
+    <p:sldId id="327" r:id="rId14"/>
+    <p:sldId id="317" r:id="rId15"/>
+    <p:sldId id="323" r:id="rId16"/>
   </p:sldIdLst>
   <p:sldSz cx="12192000" cy="6858000"/>
   <p:notesSz cx="6858000" cy="9144000"/>
@@ -128,6 +129,7 @@
             <p14:sldId id="272"/>
             <p14:sldId id="292"/>
             <p14:sldId id="295"/>
+            <p14:sldId id="328"/>
             <p14:sldId id="325"/>
             <p14:sldId id="321"/>
             <p14:sldId id="302"/>
@@ -145,6 +147,9 @@
     </p:ext>
     <p:ext uri="{EFAFB233-063F-42B5-8137-9DF3F51BA10A}">
       <p15:sldGuideLst xmlns:p15="http://schemas.microsoft.com/office/powerpoint/2012/main"/>
+    </p:ext>
+    <p:ext uri="{2D200454-40CA-4A62-9FC3-DE9A4176ACB9}">
+      <p15:notesGuideLst xmlns:p15="http://schemas.microsoft.com/office/powerpoint/2012/main"/>
     </p:ext>
   </p:extLst>
 </p:presentation>
@@ -2442,7 +2447,7 @@
           <a:p>
             <a:fld id="{82AD27E1-B38E-4D27-8C69-19FC69F60016}" type="slidenum">
               <a:rPr lang="ru-RU" smtClean="0"/>
-              <a:t>13</a:t>
+              <a:t>14</a:t>
             </a:fld>
             <a:endParaRPr lang="ru-RU"/>
           </a:p>
@@ -6182,6 +6187,191 @@
         </p:nvSpPr>
         <p:spPr>
           <a:xfrm>
+            <a:off x="1052512" y="267509"/>
+            <a:ext cx="10086975" cy="954108"/>
+          </a:xfrm>
+        </p:spPr>
+        <p:txBody>
+          <a:bodyPr>
+            <a:normAutofit/>
+          </a:bodyPr>
+          <a:lstStyle/>
+          <a:p>
+            <a:pPr algn="ctr"/>
+            <a:r>
+              <a:rPr lang="ru-RU" sz="4000" dirty="0">
+                <a:latin typeface="Times New Roman" panose="02020603050405020304" pitchFamily="18" charset="0"/>
+                <a:cs typeface="Times New Roman" panose="02020603050405020304" pitchFamily="18" charset="0"/>
+              </a:rPr>
+              <a:t>Апробация разработанных веб-библиотек</a:t>
+            </a:r>
+          </a:p>
+        </p:txBody>
+      </p:sp>
+      <p:sp>
+        <p:nvSpPr>
+          <p:cNvPr id="10" name="TextBox 9">
+            <a:extLst>
+              <a:ext uri="{FF2B5EF4-FFF2-40B4-BE49-F238E27FC236}">
+                <a16:creationId xmlns:a16="http://schemas.microsoft.com/office/drawing/2014/main" id="{F2D9A367-1265-81CF-FD37-82E0EFAC65BF}"/>
+              </a:ext>
+            </a:extLst>
+          </p:cNvPr>
+          <p:cNvSpPr txBox="1"/>
+          <p:nvPr/>
+        </p:nvSpPr>
+        <p:spPr>
+          <a:xfrm>
+            <a:off x="1466850" y="1800225"/>
+            <a:ext cx="10086975" cy="1711366"/>
+          </a:xfrm>
+          <a:prstGeom prst="rect">
+            <a:avLst/>
+          </a:prstGeom>
+          <a:noFill/>
+        </p:spPr>
+        <p:txBody>
+          <a:bodyPr wrap="square" rtlCol="0">
+            <a:spAutoFit/>
+          </a:bodyPr>
+          <a:lstStyle/>
+          <a:p>
+            <a:pPr>
+              <a:lnSpc>
+                <a:spcPct val="150000"/>
+              </a:lnSpc>
+            </a:pPr>
+            <a:r>
+              <a:rPr lang="ru-RU" dirty="0">
+                <a:latin typeface="Times New Roman" panose="02020603050405020304" pitchFamily="18" charset="0"/>
+                <a:cs typeface="Times New Roman" panose="02020603050405020304" pitchFamily="18" charset="0"/>
+              </a:rPr>
+              <a:t>Интернет магазин</a:t>
+            </a:r>
+            <a:r>
+              <a:rPr lang="en-US" dirty="0">
+                <a:latin typeface="Times New Roman" panose="02020603050405020304" pitchFamily="18" charset="0"/>
+                <a:cs typeface="Times New Roman" panose="02020603050405020304" pitchFamily="18" charset="0"/>
+              </a:rPr>
+              <a:t>:</a:t>
+            </a:r>
+          </a:p>
+          <a:p>
+            <a:pPr marL="342900" indent="-342900">
+              <a:lnSpc>
+                <a:spcPct val="150000"/>
+              </a:lnSpc>
+              <a:buAutoNum type="arabicPeriod"/>
+            </a:pPr>
+            <a:r>
+              <a:rPr lang="ru-RU" dirty="0">
+                <a:latin typeface="Times New Roman" panose="02020603050405020304" pitchFamily="18" charset="0"/>
+                <a:cs typeface="Times New Roman" panose="02020603050405020304" pitchFamily="18" charset="0"/>
+              </a:rPr>
+              <a:t>Более 40 000 товаров</a:t>
+            </a:r>
+            <a:r>
+              <a:rPr lang="en-US" dirty="0">
+                <a:latin typeface="Times New Roman" panose="02020603050405020304" pitchFamily="18" charset="0"/>
+                <a:cs typeface="Times New Roman" panose="02020603050405020304" pitchFamily="18" charset="0"/>
+              </a:rPr>
+              <a:t>;</a:t>
+            </a:r>
+          </a:p>
+          <a:p>
+            <a:pPr marL="342900" indent="-342900">
+              <a:lnSpc>
+                <a:spcPct val="150000"/>
+              </a:lnSpc>
+              <a:buAutoNum type="arabicPeriod"/>
+            </a:pPr>
+            <a:r>
+              <a:rPr lang="ru-RU" dirty="0">
+                <a:latin typeface="Times New Roman" panose="02020603050405020304" pitchFamily="18" charset="0"/>
+                <a:cs typeface="Times New Roman" panose="02020603050405020304" pitchFamily="18" charset="0"/>
+              </a:rPr>
+              <a:t>Более 10 000 активных пользователей в сутки</a:t>
+            </a:r>
+            <a:r>
+              <a:rPr lang="en-US" dirty="0">
+                <a:latin typeface="Times New Roman" panose="02020603050405020304" pitchFamily="18" charset="0"/>
+                <a:cs typeface="Times New Roman" panose="02020603050405020304" pitchFamily="18" charset="0"/>
+              </a:rPr>
+              <a:t>;</a:t>
+            </a:r>
+          </a:p>
+          <a:p>
+            <a:pPr marL="342900" indent="-342900">
+              <a:lnSpc>
+                <a:spcPct val="150000"/>
+              </a:lnSpc>
+              <a:buAutoNum type="arabicPeriod"/>
+            </a:pPr>
+            <a:r>
+              <a:rPr lang="ru-RU" dirty="0">
+                <a:latin typeface="Times New Roman" panose="02020603050405020304" pitchFamily="18" charset="0"/>
+                <a:cs typeface="Times New Roman" panose="02020603050405020304" pitchFamily="18" charset="0"/>
+              </a:rPr>
+              <a:t>Есть интеграция с системой учёта 1С.</a:t>
+            </a:r>
+            <a:endParaRPr lang="en-US" dirty="0">
+              <a:latin typeface="Times New Roman" panose="02020603050405020304" pitchFamily="18" charset="0"/>
+              <a:cs typeface="Times New Roman" panose="02020603050405020304" pitchFamily="18" charset="0"/>
+            </a:endParaRPr>
+          </a:p>
+        </p:txBody>
+      </p:sp>
+    </p:spTree>
+    <p:extLst>
+      <p:ext uri="{BB962C8B-B14F-4D97-AF65-F5344CB8AC3E}">
+        <p14:creationId xmlns:p14="http://schemas.microsoft.com/office/powerpoint/2010/main" val="3165122357"/>
+      </p:ext>
+    </p:extLst>
+  </p:cSld>
+  <p:clrMapOvr>
+    <a:masterClrMapping/>
+  </p:clrMapOvr>
+  <p:transition spd="slow">
+    <p:push dir="u"/>
+  </p:transition>
+</p:sld>
+</file>
+
+<file path=ppt/slides/slide11.xml><?xml version="1.0" encoding="utf-8"?>
+<p:sld xmlns:a="http://schemas.openxmlformats.org/drawingml/2006/main" xmlns:r="http://schemas.openxmlformats.org/officeDocument/2006/relationships" xmlns:p="http://schemas.openxmlformats.org/presentationml/2006/main">
+  <p:cSld>
+    <p:spTree>
+      <p:nvGrpSpPr>
+        <p:cNvPr id="1" name=""/>
+        <p:cNvGrpSpPr/>
+        <p:nvPr/>
+      </p:nvGrpSpPr>
+      <p:grpSpPr>
+        <a:xfrm>
+          <a:off x="0" y="0"/>
+          <a:ext cx="0" cy="0"/>
+          <a:chOff x="0" y="0"/>
+          <a:chExt cx="0" cy="0"/>
+        </a:xfrm>
+      </p:grpSpPr>
+      <p:sp>
+        <p:nvSpPr>
+          <p:cNvPr id="2" name="Заголовок 1">
+            <a:extLst>
+              <a:ext uri="{FF2B5EF4-FFF2-40B4-BE49-F238E27FC236}">
+                <a16:creationId xmlns:a16="http://schemas.microsoft.com/office/drawing/2014/main" id="{FDD4659B-97E7-41EB-B6EB-6FA3CF23E13E}"/>
+              </a:ext>
+            </a:extLst>
+          </p:cNvPr>
+          <p:cNvSpPr>
+            <a:spLocks noGrp="1"/>
+          </p:cNvSpPr>
+          <p:nvPr>
+            <p:ph type="title"/>
+          </p:nvPr>
+        </p:nvSpPr>
+        <p:spPr>
+          <a:xfrm>
             <a:off x="1128711" y="779443"/>
             <a:ext cx="10086975" cy="1133475"/>
           </a:xfrm>
@@ -6359,7 +6549,7 @@
 </p:sld>
 </file>
 
-<file path=ppt/slides/slide11.xml><?xml version="1.0" encoding="utf-8"?>
+<file path=ppt/slides/slide12.xml><?xml version="1.0" encoding="utf-8"?>
 <p:sld xmlns:a="http://schemas.openxmlformats.org/drawingml/2006/main" xmlns:r="http://schemas.openxmlformats.org/officeDocument/2006/relationships" xmlns:p="http://schemas.openxmlformats.org/presentationml/2006/main">
   <p:cSld>
     <p:spTree>
@@ -7346,7 +7536,7 @@
 </p:sld>
 </file>
 
-<file path=ppt/slides/slide12.xml><?xml version="1.0" encoding="utf-8"?>
+<file path=ppt/slides/slide13.xml><?xml version="1.0" encoding="utf-8"?>
 <p:sld xmlns:a="http://schemas.openxmlformats.org/drawingml/2006/main" xmlns:r="http://schemas.openxmlformats.org/officeDocument/2006/relationships" xmlns:p="http://schemas.openxmlformats.org/presentationml/2006/main">
   <p:cSld>
     <p:spTree>
@@ -7381,40 +7571,34 @@
         </p:nvSpPr>
         <p:spPr>
           <a:xfrm>
-            <a:off x="855227" y="252487"/>
+            <a:off x="855227" y="82913"/>
             <a:ext cx="10086975" cy="1133475"/>
           </a:xfrm>
         </p:spPr>
         <p:txBody>
           <a:bodyPr>
-            <a:normAutofit fontScale="90000"/>
+            <a:noAutofit/>
           </a:bodyPr>
           <a:lstStyle/>
           <a:p>
             <a:pPr algn="ctr"/>
             <a:r>
-              <a:rPr lang="ru-RU" sz="4000" dirty="0">
+              <a:rPr lang="ru-RU" sz="3400" dirty="0">
                 <a:latin typeface="Times New Roman" panose="02020603050405020304" pitchFamily="18" charset="0"/>
                 <a:cs typeface="Times New Roman" panose="02020603050405020304" pitchFamily="18" charset="0"/>
               </a:rPr>
               <a:t>Результат использования веб-библиотеки для добавления задач в очередь и выполнение этих задач</a:t>
             </a:r>
-            <a:br>
-              <a:rPr lang="ru-RU" sz="4000" dirty="0">
-                <a:latin typeface="Times New Roman" panose="02020603050405020304" pitchFamily="18" charset="0"/>
-                <a:cs typeface="Times New Roman" panose="02020603050405020304" pitchFamily="18" charset="0"/>
-              </a:rPr>
-            </a:br>
-            <a:endParaRPr lang="ru-RU" sz="1600" dirty="0"/>
+            <a:endParaRPr lang="ru-RU" sz="3400" dirty="0"/>
           </a:p>
         </p:txBody>
       </p:sp>
       <p:grpSp>
         <p:nvGrpSpPr>
-          <p:cNvPr id="33" name="Группа 32">
+          <p:cNvPr id="8" name="Группа 7">
             <a:extLst>
               <a:ext uri="{FF2B5EF4-FFF2-40B4-BE49-F238E27FC236}">
-                <a16:creationId xmlns:a16="http://schemas.microsoft.com/office/drawing/2014/main" id="{6E2386AD-90F4-1C9E-63BE-03BE7625FA73}"/>
+                <a16:creationId xmlns:a16="http://schemas.microsoft.com/office/drawing/2014/main" id="{251D0CB0-42ED-2496-6CCC-EFEC41161444}"/>
               </a:ext>
             </a:extLst>
           </p:cNvPr>
@@ -7423,10 +7607,10 @@
         </p:nvGrpSpPr>
         <p:grpSpPr>
           <a:xfrm>
-            <a:off x="1143000" y="1526401"/>
-            <a:ext cx="8420100" cy="2482354"/>
-            <a:chOff x="714376" y="1106238"/>
-            <a:chExt cx="8848724" cy="2692967"/>
+            <a:off x="855226" y="1245016"/>
+            <a:ext cx="10086976" cy="2591531"/>
+            <a:chOff x="855226" y="1245016"/>
+            <a:chExt cx="10086976" cy="2591531"/>
           </a:xfrm>
         </p:grpSpPr>
         <p:pic>
@@ -7451,8 +7635,8 @@
           </p:blipFill>
           <p:spPr>
             <a:xfrm>
-              <a:off x="714376" y="1667558"/>
-              <a:ext cx="8848724" cy="2131647"/>
+              <a:off x="1143002" y="1620677"/>
+              <a:ext cx="8181975" cy="1793293"/>
             </a:xfrm>
             <a:prstGeom prst="rect">
               <a:avLst/>
@@ -7478,8 +7662,8 @@
           </p:nvSpPr>
           <p:spPr>
             <a:xfrm>
-              <a:off x="714376" y="1106238"/>
-              <a:ext cx="6981825" cy="523220"/>
+              <a:off x="1143002" y="3396377"/>
+              <a:ext cx="6455746" cy="440170"/>
             </a:xfrm>
             <a:prstGeom prst="rect">
               <a:avLst/>
@@ -7487,7 +7671,7 @@
             <a:noFill/>
             <a:ln>
               <a:solidFill>
-                <a:schemeClr val="tx2"/>
+                <a:schemeClr val="bg1"/>
               </a:solidFill>
             </a:ln>
           </p:spPr>
@@ -7544,13 +7728,52 @@
             </a:p>
           </p:txBody>
         </p:sp>
+        <p:sp>
+          <p:nvSpPr>
+            <p:cNvPr id="2" name="TextBox 1">
+              <a:extLst>
+                <a:ext uri="{FF2B5EF4-FFF2-40B4-BE49-F238E27FC236}">
+                  <a16:creationId xmlns:a16="http://schemas.microsoft.com/office/drawing/2014/main" id="{0EA9FDF9-24E0-A539-3951-75B247969688}"/>
+                </a:ext>
+              </a:extLst>
+            </p:cNvPr>
+            <p:cNvSpPr txBox="1"/>
+            <p:nvPr/>
+          </p:nvSpPr>
+          <p:spPr>
+            <a:xfrm flipH="1">
+              <a:off x="855226" y="1245016"/>
+              <a:ext cx="10086976" cy="369332"/>
+            </a:xfrm>
+            <a:prstGeom prst="rect">
+              <a:avLst/>
+            </a:prstGeom>
+            <a:noFill/>
+          </p:spPr>
+          <p:txBody>
+            <a:bodyPr wrap="square" rtlCol="0">
+              <a:spAutoFit/>
+            </a:bodyPr>
+            <a:lstStyle/>
+            <a:p>
+              <a:pPr algn="ctr"/>
+              <a:r>
+                <a:rPr lang="ru-RU" b="1" dirty="0">
+                  <a:latin typeface="Times New Roman" panose="02020603050405020304" pitchFamily="18" charset="0"/>
+                  <a:cs typeface="Times New Roman" panose="02020603050405020304" pitchFamily="18" charset="0"/>
+                </a:rPr>
+                <a:t>До применения веб-библиотеки</a:t>
+              </a:r>
+            </a:p>
+          </p:txBody>
+        </p:sp>
       </p:grpSp>
       <p:grpSp>
         <p:nvGrpSpPr>
-          <p:cNvPr id="31" name="Группа 30">
+          <p:cNvPr id="9" name="Группа 8">
             <a:extLst>
               <a:ext uri="{FF2B5EF4-FFF2-40B4-BE49-F238E27FC236}">
-                <a16:creationId xmlns:a16="http://schemas.microsoft.com/office/drawing/2014/main" id="{B1D97F63-E4B6-E01F-417F-A04143CF34BA}"/>
+                <a16:creationId xmlns:a16="http://schemas.microsoft.com/office/drawing/2014/main" id="{B66E80C0-ECD6-730F-6C5D-46CEAF21B426}"/>
               </a:ext>
             </a:extLst>
           </p:cNvPr>
@@ -7559,10 +7782,10 @@
         </p:nvGrpSpPr>
         <p:grpSpPr>
           <a:xfrm>
-            <a:off x="1143000" y="4190999"/>
-            <a:ext cx="8420100" cy="2532967"/>
-            <a:chOff x="690564" y="3988943"/>
-            <a:chExt cx="8896348" cy="2735024"/>
+            <a:off x="855224" y="4050083"/>
+            <a:ext cx="10086978" cy="2600447"/>
+            <a:chOff x="855224" y="4050083"/>
+            <a:chExt cx="10086978" cy="2600447"/>
           </a:xfrm>
         </p:grpSpPr>
         <p:sp>
@@ -7579,8 +7802,8 @@
           </p:nvSpPr>
           <p:spPr>
             <a:xfrm>
-              <a:off x="690564" y="3988943"/>
-              <a:ext cx="6981825" cy="523220"/>
+              <a:off x="1160281" y="6209565"/>
+              <a:ext cx="6421187" cy="440965"/>
             </a:xfrm>
             <a:prstGeom prst="rect">
               <a:avLst/>
@@ -7588,7 +7811,7 @@
             <a:noFill/>
             <a:ln>
               <a:solidFill>
-                <a:schemeClr val="tx2"/>
+                <a:schemeClr val="bg1"/>
               </a:solidFill>
             </a:ln>
           </p:spPr>
@@ -7667,8 +7890,8 @@
           </p:blipFill>
           <p:spPr>
             <a:xfrm>
-              <a:off x="714376" y="4561506"/>
-              <a:ext cx="8872536" cy="2162461"/>
+              <a:off x="1164902" y="4425744"/>
+              <a:ext cx="8160075" cy="1822501"/>
             </a:xfrm>
             <a:prstGeom prst="rect">
               <a:avLst/>
@@ -7680,6 +7903,45 @@
             </a:ln>
           </p:spPr>
         </p:pic>
+        <p:sp>
+          <p:nvSpPr>
+            <p:cNvPr id="12" name="TextBox 11">
+              <a:extLst>
+                <a:ext uri="{FF2B5EF4-FFF2-40B4-BE49-F238E27FC236}">
+                  <a16:creationId xmlns:a16="http://schemas.microsoft.com/office/drawing/2014/main" id="{3E3BC666-9CC4-1F76-EB02-9DCCBEB2D108}"/>
+                </a:ext>
+              </a:extLst>
+            </p:cNvPr>
+            <p:cNvSpPr txBox="1"/>
+            <p:nvPr/>
+          </p:nvSpPr>
+          <p:spPr>
+            <a:xfrm>
+              <a:off x="855224" y="4050083"/>
+              <a:ext cx="10086978" cy="369332"/>
+            </a:xfrm>
+            <a:prstGeom prst="rect">
+              <a:avLst/>
+            </a:prstGeom>
+            <a:noFill/>
+          </p:spPr>
+          <p:txBody>
+            <a:bodyPr wrap="square">
+              <a:spAutoFit/>
+            </a:bodyPr>
+            <a:lstStyle/>
+            <a:p>
+              <a:pPr algn="ctr"/>
+              <a:r>
+                <a:rPr lang="ru-RU" b="1" dirty="0">
+                  <a:latin typeface="Times New Roman" panose="02020603050405020304" pitchFamily="18" charset="0"/>
+                  <a:cs typeface="Times New Roman" panose="02020603050405020304" pitchFamily="18" charset="0"/>
+                </a:rPr>
+                <a:t>После применения веб-библиотеки</a:t>
+              </a:r>
+            </a:p>
+          </p:txBody>
+        </p:sp>
       </p:grpSp>
     </p:spTree>
     <p:extLst>
@@ -7697,7 +7959,7 @@
 </p:sld>
 </file>
 
-<file path=ppt/slides/slide13.xml><?xml version="1.0" encoding="utf-8"?>
+<file path=ppt/slides/slide14.xml><?xml version="1.0" encoding="utf-8"?>
 <p:sld xmlns:a="http://schemas.openxmlformats.org/drawingml/2006/main" xmlns:r="http://schemas.openxmlformats.org/officeDocument/2006/relationships" xmlns:p="http://schemas.openxmlformats.org/presentationml/2006/main">
   <p:cSld>
     <p:spTree>
@@ -7851,7 +8113,7 @@
 </p:sld>
 </file>
 
-<file path=ppt/slides/slide14.xml><?xml version="1.0" encoding="utf-8"?>
+<file path=ppt/slides/slide15.xml><?xml version="1.0" encoding="utf-8"?>
 <p:sld xmlns:a="http://schemas.openxmlformats.org/drawingml/2006/main" xmlns:r="http://schemas.openxmlformats.org/officeDocument/2006/relationships" xmlns:p="http://schemas.openxmlformats.org/presentationml/2006/main">
   <p:cSld>
     <p:spTree>
@@ -8994,6 +9256,193 @@
         <p:spPr>
           <a:xfrm>
             <a:off x="666750" y="1485900"/>
+            <a:ext cx="10191750" cy="3571747"/>
+          </a:xfrm>
+          <a:prstGeom prst="rect">
+            <a:avLst/>
+          </a:prstGeom>
+          <a:noFill/>
+        </p:spPr>
+        <p:txBody>
+          <a:bodyPr wrap="square">
+            <a:spAutoFit/>
+          </a:bodyPr>
+          <a:lstStyle/>
+          <a:p>
+            <a:pPr indent="228600">
+              <a:lnSpc>
+                <a:spcPct val="150000"/>
+              </a:lnSpc>
+              <a:spcAft>
+                <a:spcPts val="800"/>
+              </a:spcAft>
+            </a:pPr>
+            <a:r>
+              <a:rPr lang="ru-RU" sz="1800" dirty="0">
+                <a:effectLst/>
+                <a:latin typeface="Times New Roman" panose="02020603050405020304" pitchFamily="18" charset="0"/>
+                <a:ea typeface="Calibri" panose="020F0502020204030204" pitchFamily="34" charset="0"/>
+              </a:rPr>
+              <a:t>Зачастую, на веб-сайтах, </a:t>
+            </a:r>
+            <a:r>
+              <a:rPr lang="en-US" sz="1800" dirty="0">
+                <a:effectLst/>
+                <a:latin typeface="Times New Roman" panose="02020603050405020304" pitchFamily="18" charset="0"/>
+                <a:ea typeface="Calibri" panose="020F0502020204030204" pitchFamily="34" charset="0"/>
+              </a:rPr>
+              <a:t>CRUD</a:t>
+            </a:r>
+            <a:r>
+              <a:rPr lang="ru-RU" sz="1800" dirty="0">
+                <a:effectLst/>
+                <a:latin typeface="Times New Roman" panose="02020603050405020304" pitchFamily="18" charset="0"/>
+                <a:ea typeface="Calibri" panose="020F0502020204030204" pitchFamily="34" charset="0"/>
+              </a:rPr>
+              <a:t>-операции инициируют пользователи. </a:t>
+            </a:r>
+          </a:p>
+          <a:p>
+            <a:pPr indent="228600">
+              <a:lnSpc>
+                <a:spcPct val="150000"/>
+              </a:lnSpc>
+              <a:spcAft>
+                <a:spcPts val="800"/>
+              </a:spcAft>
+            </a:pPr>
+            <a:r>
+              <a:rPr lang="ru-RU" sz="1800" dirty="0">
+                <a:effectLst/>
+                <a:latin typeface="Times New Roman" panose="02020603050405020304" pitchFamily="18" charset="0"/>
+                <a:ea typeface="Calibri" panose="020F0502020204030204" pitchFamily="34" charset="0"/>
+              </a:rPr>
+              <a:t>На крупных веб-сайтах, особенно в интернет-магазинах, где количество товаров исчисляется десятками тысяч и тысячами активных пользователей, </a:t>
+            </a:r>
+            <a:r>
+              <a:rPr lang="en-US" sz="1800" dirty="0">
+                <a:effectLst/>
+                <a:latin typeface="Times New Roman" panose="02020603050405020304" pitchFamily="18" charset="0"/>
+                <a:ea typeface="Calibri" panose="020F0502020204030204" pitchFamily="34" charset="0"/>
+              </a:rPr>
+              <a:t>CRUD</a:t>
+            </a:r>
+            <a:r>
+              <a:rPr lang="ru-RU" sz="1800" dirty="0">
+                <a:effectLst/>
+                <a:latin typeface="Times New Roman" panose="02020603050405020304" pitchFamily="18" charset="0"/>
+                <a:ea typeface="Calibri" panose="020F0502020204030204" pitchFamily="34" charset="0"/>
+              </a:rPr>
+              <a:t>-операции способны вызвать серьёзную нагрузку на сервер, в результате чего скорость загрузки страниц веб-сайта будет на неудовлетворительном уровне, а поддержка веб-сервера будет требовать больших финансовых затрат. </a:t>
+            </a:r>
+          </a:p>
+          <a:p>
+            <a:pPr indent="228600">
+              <a:lnSpc>
+                <a:spcPct val="150000"/>
+              </a:lnSpc>
+              <a:spcAft>
+                <a:spcPts val="800"/>
+              </a:spcAft>
+            </a:pPr>
+            <a:r>
+              <a:rPr lang="ru-RU" sz="1800" dirty="0">
+                <a:effectLst/>
+                <a:latin typeface="Times New Roman" panose="02020603050405020304" pitchFamily="18" charset="0"/>
+                <a:ea typeface="Calibri" panose="020F0502020204030204" pitchFamily="34" charset="0"/>
+              </a:rPr>
+              <a:t>Пользователей, в свою очередь, не будет устраивать скорость работы веб-сайта, в следствии чего будет уменьшаться количество активных пользователей, а следовательно, прибыль от работы интернет-магазина будет падать. </a:t>
+            </a:r>
+          </a:p>
+        </p:txBody>
+      </p:sp>
+    </p:spTree>
+    <p:extLst>
+      <p:ext uri="{BB962C8B-B14F-4D97-AF65-F5344CB8AC3E}">
+        <p14:creationId xmlns:p14="http://schemas.microsoft.com/office/powerpoint/2010/main" val="4276298491"/>
+      </p:ext>
+    </p:extLst>
+  </p:cSld>
+  <p:clrMapOvr>
+    <a:masterClrMapping/>
+  </p:clrMapOvr>
+  <p:transition spd="slow">
+    <p:push dir="u"/>
+  </p:transition>
+</p:sld>
+</file>
+
+<file path=ppt/slides/slide5.xml><?xml version="1.0" encoding="utf-8"?>
+<p:sld xmlns:a="http://schemas.openxmlformats.org/drawingml/2006/main" xmlns:r="http://schemas.openxmlformats.org/officeDocument/2006/relationships" xmlns:p="http://schemas.openxmlformats.org/presentationml/2006/main">
+  <p:cSld>
+    <p:spTree>
+      <p:nvGrpSpPr>
+        <p:cNvPr id="1" name=""/>
+        <p:cNvGrpSpPr/>
+        <p:nvPr/>
+      </p:nvGrpSpPr>
+      <p:grpSpPr>
+        <a:xfrm>
+          <a:off x="0" y="0"/>
+          <a:ext cx="0" cy="0"/>
+          <a:chOff x="0" y="0"/>
+          <a:chExt cx="0" cy="0"/>
+        </a:xfrm>
+      </p:grpSpPr>
+      <p:sp>
+        <p:nvSpPr>
+          <p:cNvPr id="2" name="Заголовок 1">
+            <a:extLst>
+              <a:ext uri="{FF2B5EF4-FFF2-40B4-BE49-F238E27FC236}">
+                <a16:creationId xmlns:a16="http://schemas.microsoft.com/office/drawing/2014/main" id="{FDD4659B-97E7-41EB-B6EB-6FA3CF23E13E}"/>
+              </a:ext>
+            </a:extLst>
+          </p:cNvPr>
+          <p:cNvSpPr>
+            <a:spLocks noGrp="1"/>
+          </p:cNvSpPr>
+          <p:nvPr>
+            <p:ph type="title"/>
+          </p:nvPr>
+        </p:nvSpPr>
+        <p:spPr>
+          <a:xfrm>
+            <a:off x="1052512" y="209550"/>
+            <a:ext cx="10086975" cy="1019175"/>
+          </a:xfrm>
+        </p:spPr>
+        <p:txBody>
+          <a:bodyPr>
+            <a:noAutofit/>
+          </a:bodyPr>
+          <a:lstStyle/>
+          <a:p>
+            <a:pPr algn="ctr"/>
+            <a:r>
+              <a:rPr lang="ru-RU" dirty="0">
+                <a:latin typeface="Times New Roman" panose="02020603050405020304" pitchFamily="18" charset="0"/>
+                <a:cs typeface="Times New Roman" panose="02020603050405020304" pitchFamily="18" charset="0"/>
+              </a:rPr>
+              <a:t>Постановка задачи</a:t>
+            </a:r>
+          </a:p>
+        </p:txBody>
+      </p:sp>
+      <p:sp>
+        <p:nvSpPr>
+          <p:cNvPr id="5" name="TextBox 4">
+            <a:extLst>
+              <a:ext uri="{FF2B5EF4-FFF2-40B4-BE49-F238E27FC236}">
+                <a16:creationId xmlns:a16="http://schemas.microsoft.com/office/drawing/2014/main" id="{AD70DFB1-062C-F052-0D21-E6D0ADD92BFC}"/>
+              </a:ext>
+            </a:extLst>
+          </p:cNvPr>
+          <p:cNvSpPr txBox="1"/>
+          <p:nvPr/>
+        </p:nvSpPr>
+        <p:spPr>
+          <a:xfrm>
+            <a:off x="666750" y="1485900"/>
             <a:ext cx="10191750" cy="4813112"/>
           </a:xfrm>
           <a:prstGeom prst="rect">
@@ -9202,7 +9651,7 @@
 </p:sld>
 </file>
 
-<file path=ppt/slides/slide5.xml><?xml version="1.0" encoding="utf-8"?>
+<file path=ppt/slides/slide6.xml><?xml version="1.0" encoding="utf-8"?>
 <p:sld xmlns:a="http://schemas.openxmlformats.org/drawingml/2006/main" xmlns:r="http://schemas.openxmlformats.org/officeDocument/2006/relationships" xmlns:p="http://schemas.openxmlformats.org/presentationml/2006/main">
   <p:cSld>
     <p:spTree>
@@ -9838,7 +10287,7 @@
 </p:sld>
 </file>
 
-<file path=ppt/slides/slide6.xml><?xml version="1.0" encoding="utf-8"?>
+<file path=ppt/slides/slide7.xml><?xml version="1.0" encoding="utf-8"?>
 <p:sld xmlns:a="http://schemas.openxmlformats.org/drawingml/2006/main" xmlns:r="http://schemas.openxmlformats.org/officeDocument/2006/relationships" xmlns:p="http://schemas.openxmlformats.org/presentationml/2006/main">
   <p:cSld>
     <p:spTree>
@@ -9908,7 +10357,7 @@
         </p:nvSpPr>
         <p:spPr>
           <a:xfrm>
-            <a:off x="2002631" y="1990725"/>
+            <a:off x="2002631" y="1514475"/>
             <a:ext cx="8186737" cy="4093428"/>
           </a:xfrm>
           <a:prstGeom prst="rect">
@@ -11227,7 +11676,7 @@
 </p:sld>
 </file>
 
-<file path=ppt/slides/slide7.xml><?xml version="1.0" encoding="utf-8"?>
+<file path=ppt/slides/slide8.xml><?xml version="1.0" encoding="utf-8"?>
 <p:sld xmlns:a="http://schemas.openxmlformats.org/drawingml/2006/main" xmlns:r="http://schemas.openxmlformats.org/officeDocument/2006/relationships" xmlns:p="http://schemas.openxmlformats.org/presentationml/2006/main">
   <p:cSld>
     <p:spTree>
@@ -11303,7 +11752,7 @@
         <p:spPr>
           <a:xfrm>
             <a:off x="1404937" y="3687132"/>
-            <a:ext cx="10396537" cy="2308324"/>
+            <a:ext cx="10396537" cy="2031325"/>
           </a:xfrm>
           <a:prstGeom prst="rect">
             <a:avLst/>
@@ -11380,26 +11829,6 @@
               <a:latin typeface="Times New Roman" panose="02020603050405020304" pitchFamily="18" charset="0"/>
               <a:cs typeface="Times New Roman" panose="02020603050405020304" pitchFamily="18" charset="0"/>
             </a:endParaRPr>
-          </a:p>
-          <a:p>
-            <a:pPr marL="342900" indent="-342900">
-              <a:buFont typeface="+mj-lt"/>
-              <a:buAutoNum type="arabicPeriod"/>
-            </a:pPr>
-            <a:r>
-              <a:rPr lang="ru-RU" dirty="0">
-                <a:latin typeface="Times New Roman" panose="02020603050405020304" pitchFamily="18" charset="0"/>
-                <a:cs typeface="Times New Roman" panose="02020603050405020304" pitchFamily="18" charset="0"/>
-              </a:rPr>
-              <a:t>Управление интенсивностью обработки сообщений</a:t>
-            </a:r>
-            <a:r>
-              <a:rPr lang="en-US" dirty="0">
-                <a:latin typeface="Times New Roman" panose="02020603050405020304" pitchFamily="18" charset="0"/>
-                <a:cs typeface="Times New Roman" panose="02020603050405020304" pitchFamily="18" charset="0"/>
-              </a:rPr>
-              <a:t>;</a:t>
-            </a:r>
           </a:p>
           <a:p>
             <a:pPr marL="342900" indent="-342900">
@@ -11848,7 +12277,7 @@
 </p:sld>
 </file>
 
-<file path=ppt/slides/slide8.xml><?xml version="1.0" encoding="utf-8"?>
+<file path=ppt/slides/slide9.xml><?xml version="1.0" encoding="utf-8"?>
 <p:sld xmlns:a="http://schemas.openxmlformats.org/drawingml/2006/main" xmlns:r="http://schemas.openxmlformats.org/officeDocument/2006/relationships" xmlns:p="http://schemas.openxmlformats.org/presentationml/2006/main">
   <p:cSld>
     <p:spTree>
@@ -13719,191 +14148,6 @@
     <p:extLst>
       <p:ext uri="{BB962C8B-B14F-4D97-AF65-F5344CB8AC3E}">
         <p14:creationId xmlns:p14="http://schemas.microsoft.com/office/powerpoint/2010/main" val="1969723512"/>
-      </p:ext>
-    </p:extLst>
-  </p:cSld>
-  <p:clrMapOvr>
-    <a:masterClrMapping/>
-  </p:clrMapOvr>
-  <p:transition spd="slow">
-    <p:push dir="u"/>
-  </p:transition>
-</p:sld>
-</file>
-
-<file path=ppt/slides/slide9.xml><?xml version="1.0" encoding="utf-8"?>
-<p:sld xmlns:a="http://schemas.openxmlformats.org/drawingml/2006/main" xmlns:r="http://schemas.openxmlformats.org/officeDocument/2006/relationships" xmlns:p="http://schemas.openxmlformats.org/presentationml/2006/main">
-  <p:cSld>
-    <p:spTree>
-      <p:nvGrpSpPr>
-        <p:cNvPr id="1" name=""/>
-        <p:cNvGrpSpPr/>
-        <p:nvPr/>
-      </p:nvGrpSpPr>
-      <p:grpSpPr>
-        <a:xfrm>
-          <a:off x="0" y="0"/>
-          <a:ext cx="0" cy="0"/>
-          <a:chOff x="0" y="0"/>
-          <a:chExt cx="0" cy="0"/>
-        </a:xfrm>
-      </p:grpSpPr>
-      <p:sp>
-        <p:nvSpPr>
-          <p:cNvPr id="2" name="Заголовок 1">
-            <a:extLst>
-              <a:ext uri="{FF2B5EF4-FFF2-40B4-BE49-F238E27FC236}">
-                <a16:creationId xmlns:a16="http://schemas.microsoft.com/office/drawing/2014/main" id="{FDD4659B-97E7-41EB-B6EB-6FA3CF23E13E}"/>
-              </a:ext>
-            </a:extLst>
-          </p:cNvPr>
-          <p:cNvSpPr>
-            <a:spLocks noGrp="1"/>
-          </p:cNvSpPr>
-          <p:nvPr>
-            <p:ph type="title"/>
-          </p:nvPr>
-        </p:nvSpPr>
-        <p:spPr>
-          <a:xfrm>
-            <a:off x="1052512" y="534209"/>
-            <a:ext cx="10086975" cy="954108"/>
-          </a:xfrm>
-        </p:spPr>
-        <p:txBody>
-          <a:bodyPr>
-            <a:normAutofit/>
-          </a:bodyPr>
-          <a:lstStyle/>
-          <a:p>
-            <a:pPr algn="ctr"/>
-            <a:r>
-              <a:rPr lang="ru-RU" sz="4000" dirty="0">
-                <a:latin typeface="Times New Roman" panose="02020603050405020304" pitchFamily="18" charset="0"/>
-                <a:cs typeface="Times New Roman" panose="02020603050405020304" pitchFamily="18" charset="0"/>
-              </a:rPr>
-              <a:t>Апробация разработанных веб-библиотек</a:t>
-            </a:r>
-          </a:p>
-        </p:txBody>
-      </p:sp>
-      <p:sp>
-        <p:nvSpPr>
-          <p:cNvPr id="10" name="TextBox 9">
-            <a:extLst>
-              <a:ext uri="{FF2B5EF4-FFF2-40B4-BE49-F238E27FC236}">
-                <a16:creationId xmlns:a16="http://schemas.microsoft.com/office/drawing/2014/main" id="{F2D9A367-1265-81CF-FD37-82E0EFAC65BF}"/>
-              </a:ext>
-            </a:extLst>
-          </p:cNvPr>
-          <p:cNvSpPr txBox="1"/>
-          <p:nvPr/>
-        </p:nvSpPr>
-        <p:spPr>
-          <a:xfrm>
-            <a:off x="1466850" y="1800225"/>
-            <a:ext cx="10086975" cy="1711366"/>
-          </a:xfrm>
-          <a:prstGeom prst="rect">
-            <a:avLst/>
-          </a:prstGeom>
-          <a:noFill/>
-        </p:spPr>
-        <p:txBody>
-          <a:bodyPr wrap="square" rtlCol="0">
-            <a:spAutoFit/>
-          </a:bodyPr>
-          <a:lstStyle/>
-          <a:p>
-            <a:pPr>
-              <a:lnSpc>
-                <a:spcPct val="150000"/>
-              </a:lnSpc>
-            </a:pPr>
-            <a:r>
-              <a:rPr lang="ru-RU" dirty="0">
-                <a:latin typeface="Times New Roman" panose="02020603050405020304" pitchFamily="18" charset="0"/>
-                <a:cs typeface="Times New Roman" panose="02020603050405020304" pitchFamily="18" charset="0"/>
-              </a:rPr>
-              <a:t>Интернет магазин</a:t>
-            </a:r>
-            <a:r>
-              <a:rPr lang="en-US" dirty="0">
-                <a:latin typeface="Times New Roman" panose="02020603050405020304" pitchFamily="18" charset="0"/>
-                <a:cs typeface="Times New Roman" panose="02020603050405020304" pitchFamily="18" charset="0"/>
-              </a:rPr>
-              <a:t>:</a:t>
-            </a:r>
-          </a:p>
-          <a:p>
-            <a:pPr marL="342900" indent="-342900">
-              <a:lnSpc>
-                <a:spcPct val="150000"/>
-              </a:lnSpc>
-              <a:buAutoNum type="arabicPeriod"/>
-            </a:pPr>
-            <a:r>
-              <a:rPr lang="ru-RU" dirty="0">
-                <a:latin typeface="Times New Roman" panose="02020603050405020304" pitchFamily="18" charset="0"/>
-                <a:cs typeface="Times New Roman" panose="02020603050405020304" pitchFamily="18" charset="0"/>
-              </a:rPr>
-              <a:t>Более 40 000 товаров</a:t>
-            </a:r>
-            <a:r>
-              <a:rPr lang="en-US" dirty="0">
-                <a:latin typeface="Times New Roman" panose="02020603050405020304" pitchFamily="18" charset="0"/>
-                <a:cs typeface="Times New Roman" panose="02020603050405020304" pitchFamily="18" charset="0"/>
-              </a:rPr>
-              <a:t>;</a:t>
-            </a:r>
-          </a:p>
-          <a:p>
-            <a:pPr marL="342900" indent="-342900">
-              <a:lnSpc>
-                <a:spcPct val="150000"/>
-              </a:lnSpc>
-              <a:buAutoNum type="arabicPeriod"/>
-            </a:pPr>
-            <a:r>
-              <a:rPr lang="ru-RU" dirty="0">
-                <a:latin typeface="Times New Roman" panose="02020603050405020304" pitchFamily="18" charset="0"/>
-                <a:cs typeface="Times New Roman" panose="02020603050405020304" pitchFamily="18" charset="0"/>
-              </a:rPr>
-              <a:t>Более 10 000 активных пользователей в сутки</a:t>
-            </a:r>
-            <a:r>
-              <a:rPr lang="en-US" dirty="0">
-                <a:latin typeface="Times New Roman" panose="02020603050405020304" pitchFamily="18" charset="0"/>
-                <a:cs typeface="Times New Roman" panose="02020603050405020304" pitchFamily="18" charset="0"/>
-              </a:rPr>
-              <a:t>;</a:t>
-            </a:r>
-          </a:p>
-          <a:p>
-            <a:pPr marL="342900" indent="-342900">
-              <a:lnSpc>
-                <a:spcPct val="150000"/>
-              </a:lnSpc>
-              <a:buAutoNum type="arabicPeriod"/>
-            </a:pPr>
-            <a:r>
-              <a:rPr lang="ru-RU" dirty="0">
-                <a:latin typeface="Times New Roman" panose="02020603050405020304" pitchFamily="18" charset="0"/>
-                <a:cs typeface="Times New Roman" panose="02020603050405020304" pitchFamily="18" charset="0"/>
-              </a:rPr>
-              <a:t>Есть интеграция с системой учёта 1С.</a:t>
-            </a:r>
-            <a:endParaRPr lang="en-US" dirty="0">
-              <a:latin typeface="Times New Roman" panose="02020603050405020304" pitchFamily="18" charset="0"/>
-              <a:cs typeface="Times New Roman" panose="02020603050405020304" pitchFamily="18" charset="0"/>
-            </a:endParaRPr>
-          </a:p>
-        </p:txBody>
-      </p:sp>
-    </p:spTree>
-    <p:extLst>
-      <p:ext uri="{BB962C8B-B14F-4D97-AF65-F5344CB8AC3E}">
-        <p14:creationId xmlns:p14="http://schemas.microsoft.com/office/powerpoint/2010/main" val="3165122357"/>
       </p:ext>
     </p:extLst>
   </p:cSld>
